--- a/Information/Präsentation.pptx
+++ b/Information/Präsentation.pptx
@@ -7,10 +7,19 @@
   <p:sldIdLst>
     <p:sldId id="256" r:id="rId2"/>
     <p:sldId id="257" r:id="rId3"/>
-    <p:sldId id="263" r:id="rId4"/>
+    <p:sldId id="271" r:id="rId4"/>
     <p:sldId id="259" r:id="rId5"/>
     <p:sldId id="260" r:id="rId6"/>
     <p:sldId id="262" r:id="rId7"/>
+    <p:sldId id="272" r:id="rId8"/>
+    <p:sldId id="268" r:id="rId9"/>
+    <p:sldId id="270" r:id="rId10"/>
+    <p:sldId id="269" r:id="rId11"/>
+    <p:sldId id="263" r:id="rId12"/>
+    <p:sldId id="264" r:id="rId13"/>
+    <p:sldId id="265" r:id="rId14"/>
+    <p:sldId id="266" r:id="rId15"/>
+    <p:sldId id="267" r:id="rId16"/>
   </p:sldIdLst>
   <p:sldSz cx="12192000" cy="6858000"/>
   <p:notesSz cx="6858000" cy="9144000"/>
@@ -120,7 +129,7 @@
         </p14:section>
         <p14:section name="Zusammenfassungsabschnitt" id="{01741FEB-0D38-484A-854A-F31003BA69A0}">
           <p14:sldIdLst>
-            <p14:sldId id="263"/>
+            <p14:sldId id="271"/>
           </p14:sldIdLst>
         </p14:section>
         <p14:section name="Hintergrund" id="{448C54FB-7A7F-4DE3-931A-5B530A9D04AF}">
@@ -132,9 +141,53 @@
         <p14:section name="Formale Elemente" id="{0A0AD3E9-F226-499F-A6A9-475BBDC8260B}">
           <p14:sldIdLst>
             <p14:sldId id="262"/>
+            <p14:sldId id="272"/>
+          </p14:sldIdLst>
+        </p14:section>
+        <p14:section name="Spieler (Zielgruppe)" id="{2D74ECE9-51AA-48B2-A681-1B700657B38C}">
+          <p14:sldIdLst>
+            <p14:sldId id="268"/>
+          </p14:sldIdLst>
+        </p14:section>
+        <p14:section name="Gegenstand und Ziel des Spiels" id="{3416F951-5A24-405D-9DA1-EF4A54895E36}">
+          <p14:sldIdLst>
+            <p14:sldId id="270"/>
+          </p14:sldIdLst>
+        </p14:section>
+        <p14:section name="Abläufe" id="{FBA0BB86-F06D-4BA0-983B-4B94ED8FA917}">
+          <p14:sldIdLst>
+            <p14:sldId id="269"/>
+          </p14:sldIdLst>
+        </p14:section>
+        <p14:section name="Regeln" id="{4EAB2BE6-6483-4DE4-B885-F8A04D3A5DC6}">
+          <p14:sldIdLst>
+            <p14:sldId id="263"/>
+          </p14:sldIdLst>
+        </p14:section>
+        <p14:section name="Resourcen" id="{F5254605-6156-463A-9D1F-716FC09734B6}">
+          <p14:sldIdLst>
+            <p14:sldId id="264"/>
+          </p14:sldIdLst>
+        </p14:section>
+        <p14:section name="(Potenzielle) Konflikte, absehbare Schwierigkeiten" id="{71526EA7-9B9A-4FE5-B037-5674774363E2}">
+          <p14:sldIdLst>
+            <p14:sldId id="265"/>
+          </p14:sldIdLst>
+        </p14:section>
+        <p14:section name="Rahmenbedingungen" id="{D6A69A88-33A5-4091-A66E-533B9558B68E}">
+          <p14:sldIdLst>
+            <p14:sldId id="266"/>
+          </p14:sldIdLst>
+        </p14:section>
+        <p14:section name="Ergebnisse" id="{B62DC81D-7119-4DBA-A8F1-949B2D1686E3}">
+          <p14:sldIdLst>
+            <p14:sldId id="267"/>
           </p14:sldIdLst>
         </p14:section>
       </p14:sectionLst>
+    </p:ext>
+    <p:ext uri="{EFAFB233-063F-42B5-8137-9DF3F51BA10A}">
+      <p15:sldGuideLst xmlns:p15="http://schemas.microsoft.com/office/powerpoint/2012/main"/>
     </p:ext>
   </p:extLst>
 </p:presentation>
@@ -289,7 +342,7 @@
           <a:effectLst/>
           <a:extLst>
             <a:ext uri="{91240B29-F687-4f45-9708-019B960494DF}">
-              <a14:hiddenLine xmlns:a14="http://schemas.microsoft.com/office/drawing/2010/main" xmlns="" w="9525">
+              <a14:hiddenLine xmlns="" xmlns:a14="http://schemas.microsoft.com/office/drawing/2010/main" w="9525">
                 <a:solidFill>
                   <a:srgbClr val="000000"/>
                 </a:solidFill>
@@ -482,7 +535,7 @@
             <a:fld id="{08B9EBBA-996F-894A-B54A-D6246ED52CEA}" type="datetimeFigureOut">
               <a:rPr lang="en-US" dirty="0"/>
               <a:pPr/>
-              <a:t>4/29/2019</a:t>
+              <a:t>4/30/2019</a:t>
             </a:fld>
             <a:endParaRPr lang="en-US" dirty="0"/>
           </a:p>
@@ -525,7 +578,7 @@
             <a:fld id="{D57F1E4F-1CFF-5643-939E-217C01CDF565}" type="slidenum">
               <a:rPr lang="en-US" dirty="0"/>
               <a:pPr/>
-              <a:t>‹Nr.›</a:t>
+              <a:t>‹#›</a:t>
             </a:fld>
             <a:endParaRPr lang="en-US" dirty="0"/>
           </a:p>
@@ -797,7 +850,7 @@
             <a:fld id="{18C79C5D-2A6F-F04D-97DA-BEF2467B64E4}" type="datetimeFigureOut">
               <a:rPr lang="en-US" dirty="0"/>
               <a:pPr/>
-              <a:t>4/29/2019</a:t>
+              <a:t>4/30/2019</a:t>
             </a:fld>
             <a:endParaRPr lang="en-US" dirty="0"/>
           </a:p>
@@ -840,7 +893,7 @@
             <a:fld id="{D57F1E4F-1CFF-5643-939E-217C01CDF565}" type="slidenum">
               <a:rPr lang="en-US" dirty="0"/>
               <a:pPr/>
-              <a:t>‹Nr.›</a:t>
+              <a:t>‹#›</a:t>
             </a:fld>
             <a:endParaRPr lang="en-US" dirty="0"/>
           </a:p>
@@ -1282,7 +1335,7 @@
             <a:fld id="{8DFA1846-DA80-1C48-A609-854EA85C59AD}" type="datetimeFigureOut">
               <a:rPr lang="en-US" dirty="0"/>
               <a:pPr/>
-              <a:t>4/29/2019</a:t>
+              <a:t>4/30/2019</a:t>
             </a:fld>
             <a:endParaRPr lang="en-US" dirty="0"/>
           </a:p>
@@ -1325,7 +1378,7 @@
             <a:fld id="{D57F1E4F-1CFF-5643-939E-217C01CDF565}" type="slidenum">
               <a:rPr lang="en-US" dirty="0"/>
               <a:pPr/>
-              <a:t>‹Nr.›</a:t>
+              <a:t>‹#›</a:t>
             </a:fld>
             <a:endParaRPr lang="en-US" dirty="0"/>
           </a:p>
@@ -1648,7 +1701,7 @@
             <a:fld id="{FBF54567-0DE4-3F47-BF90-CB84690072F9}" type="datetimeFigureOut">
               <a:rPr lang="en-US" dirty="0"/>
               <a:pPr/>
-              <a:t>4/29/2019</a:t>
+              <a:t>4/30/2019</a:t>
             </a:fld>
             <a:endParaRPr lang="en-US" dirty="0"/>
           </a:p>
@@ -1691,7 +1744,7 @@
             <a:fld id="{D57F1E4F-1CFF-5643-939E-217C01CDF565}" type="slidenum">
               <a:rPr lang="en-US" dirty="0"/>
               <a:pPr/>
-              <a:t>‹Nr.›</a:t>
+              <a:t>‹#›</a:t>
             </a:fld>
             <a:endParaRPr lang="en-US" dirty="0"/>
           </a:p>
@@ -1799,7 +1852,7 @@
           <a:ln/>
           <a:extLst>
             <a:ext uri="{91240B29-F687-4f45-9708-019B960494DF}">
-              <a14:hiddenLine xmlns:a14="http://schemas.microsoft.com/office/drawing/2010/main" xmlns="" w="9525">
+              <a14:hiddenLine xmlns="" xmlns:a14="http://schemas.microsoft.com/office/drawing/2010/main" w="9525">
                 <a:solidFill>
                   <a:srgbClr val="000000"/>
                 </a:solidFill>
@@ -1918,7 +1971,7 @@
             <a:fld id="{C6C52C72-DE31-F449-A4ED-4C594FD91407}" type="datetimeFigureOut">
               <a:rPr lang="en-US" dirty="0"/>
               <a:pPr/>
-              <a:t>4/29/2019</a:t>
+              <a:t>4/30/2019</a:t>
             </a:fld>
             <a:endParaRPr lang="en-US" dirty="0"/>
           </a:p>
@@ -1961,7 +2014,7 @@
             <a:fld id="{D57F1E4F-1CFF-5643-939E-217C01CDF565}" type="slidenum">
               <a:rPr lang="en-US" dirty="0"/>
               <a:pPr/>
-              <a:t>‹Nr.›</a:t>
+              <a:t>‹#›</a:t>
             </a:fld>
             <a:endParaRPr lang="en-US" dirty="0"/>
           </a:p>
@@ -2071,7 +2124,7 @@
           <a:ln/>
           <a:extLst>
             <a:ext uri="{91240B29-F687-4f45-9708-019B960494DF}">
-              <a14:hiddenLine xmlns:a14="http://schemas.microsoft.com/office/drawing/2010/main" xmlns="" w="9525">
+              <a14:hiddenLine xmlns="" xmlns:a14="http://schemas.microsoft.com/office/drawing/2010/main" w="9525">
                 <a:solidFill>
                   <a:srgbClr val="000000"/>
                 </a:solidFill>
@@ -2200,7 +2253,7 @@
             <a:fld id="{ED62726E-379B-B349-9EED-81ED093FA806}" type="datetimeFigureOut">
               <a:rPr lang="en-US" dirty="0"/>
               <a:pPr/>
-              <a:t>4/29/2019</a:t>
+              <a:t>4/30/2019</a:t>
             </a:fld>
             <a:endParaRPr lang="en-US" dirty="0"/>
           </a:p>
@@ -2243,7 +2296,7 @@
             <a:fld id="{D57F1E4F-1CFF-5643-939E-217C01CDF565}" type="slidenum">
               <a:rPr lang="en-US" dirty="0"/>
               <a:pPr/>
-              <a:t>‹Nr.›</a:t>
+              <a:t>‹#›</a:t>
             </a:fld>
             <a:endParaRPr lang="en-US" dirty="0"/>
           </a:p>
@@ -2351,7 +2404,7 @@
           <a:ln/>
           <a:extLst>
             <a:ext uri="{91240B29-F687-4f45-9708-019B960494DF}">
-              <a14:hiddenLine xmlns:a14="http://schemas.microsoft.com/office/drawing/2010/main" xmlns="" w="9525">
+              <a14:hiddenLine xmlns="" xmlns:a14="http://schemas.microsoft.com/office/drawing/2010/main" w="9525">
                 <a:solidFill>
                   <a:srgbClr val="000000"/>
                 </a:solidFill>
@@ -2480,7 +2533,7 @@
             <a:fld id="{9B3A1323-8D79-1946-B0D7-40001CF92E9D}" type="datetimeFigureOut">
               <a:rPr lang="en-US" dirty="0"/>
               <a:pPr/>
-              <a:t>4/29/2019</a:t>
+              <a:t>4/30/2019</a:t>
             </a:fld>
             <a:endParaRPr lang="en-US" dirty="0"/>
           </a:p>
@@ -2523,7 +2576,7 @@
             <a:fld id="{D57F1E4F-1CFF-5643-939E-217C01CDF565}" type="slidenum">
               <a:rPr lang="en-US" dirty="0"/>
               <a:pPr/>
-              <a:t>‹Nr.›</a:t>
+              <a:t>‹#›</a:t>
             </a:fld>
             <a:endParaRPr lang="en-US" dirty="0"/>
           </a:p>
@@ -2820,7 +2873,7 @@
             <a:fld id="{8DFA1846-DA80-1C48-A609-854EA85C59AD}" type="datetimeFigureOut">
               <a:rPr lang="en-US" dirty="0"/>
               <a:pPr/>
-              <a:t>4/29/2019</a:t>
+              <a:t>4/30/2019</a:t>
             </a:fld>
             <a:endParaRPr lang="en-US" dirty="0"/>
           </a:p>
@@ -2863,7 +2916,7 @@
             <a:fld id="{D57F1E4F-1CFF-5643-939E-217C01CDF565}" type="slidenum">
               <a:rPr lang="en-US" dirty="0"/>
               <a:pPr/>
-              <a:t>‹Nr.›</a:t>
+              <a:t>‹#›</a:t>
             </a:fld>
             <a:endParaRPr lang="en-US" dirty="0"/>
           </a:p>
@@ -2971,7 +3024,7 @@
           <a:ln/>
           <a:extLst>
             <a:ext uri="{91240B29-F687-4f45-9708-019B960494DF}">
-              <a14:hiddenLine xmlns:a14="http://schemas.microsoft.com/office/drawing/2010/main" xmlns="" w="9525">
+              <a14:hiddenLine xmlns="" xmlns:a14="http://schemas.microsoft.com/office/drawing/2010/main" w="9525">
                 <a:solidFill>
                   <a:srgbClr val="000000"/>
                 </a:solidFill>
@@ -3156,7 +3209,7 @@
             <a:fld id="{57302355-E14B-8545-A8F8-0FE83CC9D524}" type="datetimeFigureOut">
               <a:rPr lang="en-US" dirty="0"/>
               <a:pPr/>
-              <a:t>4/29/2019</a:t>
+              <a:t>4/30/2019</a:t>
             </a:fld>
             <a:endParaRPr lang="en-US" dirty="0"/>
           </a:p>
@@ -3199,7 +3252,7 @@
             <a:fld id="{D57F1E4F-1CFF-5643-939E-217C01CDF565}" type="slidenum">
               <a:rPr lang="en-US" dirty="0"/>
               <a:pPr/>
-              <a:t>‹Nr.›</a:t>
+              <a:t>‹#›</a:t>
             </a:fld>
             <a:endParaRPr lang="en-US" dirty="0"/>
           </a:p>
@@ -3307,7 +3360,7 @@
           <a:ln/>
           <a:extLst>
             <a:ext uri="{91240B29-F687-4f45-9708-019B960494DF}">
-              <a14:hiddenLine xmlns:a14="http://schemas.microsoft.com/office/drawing/2010/main" xmlns="" w="9525">
+              <a14:hiddenLine xmlns="" xmlns:a14="http://schemas.microsoft.com/office/drawing/2010/main" w="9525">
                 <a:solidFill>
                   <a:srgbClr val="000000"/>
                 </a:solidFill>
@@ -3630,7 +3683,7 @@
             <a:fld id="{02640F58-564D-2B4F-AE67-E407BA4FCF45}" type="datetimeFigureOut">
               <a:rPr lang="en-US" dirty="0"/>
               <a:pPr/>
-              <a:t>4/29/2019</a:t>
+              <a:t>4/30/2019</a:t>
             </a:fld>
             <a:endParaRPr lang="en-US" dirty="0"/>
           </a:p>
@@ -3673,7 +3726,7 @@
             <a:fld id="{D57F1E4F-1CFF-5643-939E-217C01CDF565}" type="slidenum">
               <a:rPr lang="en-US" dirty="0"/>
               <a:pPr/>
-              <a:t>‹Nr.›</a:t>
+              <a:t>‹#›</a:t>
             </a:fld>
             <a:endParaRPr lang="en-US" dirty="0"/>
           </a:p>
@@ -3781,7 +3834,7 @@
           <a:ln/>
           <a:extLst>
             <a:ext uri="{91240B29-F687-4f45-9708-019B960494DF}">
-              <a14:hiddenLine xmlns:a14="http://schemas.microsoft.com/office/drawing/2010/main" xmlns="" w="9525">
+              <a14:hiddenLine xmlns="" xmlns:a14="http://schemas.microsoft.com/office/drawing/2010/main" w="9525">
                 <a:solidFill>
                   <a:srgbClr val="000000"/>
                 </a:solidFill>
@@ -3848,7 +3901,7 @@
             <a:fld id="{F13A34C8-038E-2045-AF43-DF7DBB8E0E9E}" type="datetimeFigureOut">
               <a:rPr lang="en-US" dirty="0"/>
               <a:pPr/>
-              <a:t>4/29/2019</a:t>
+              <a:t>4/30/2019</a:t>
             </a:fld>
             <a:endParaRPr lang="en-US" dirty="0"/>
           </a:p>
@@ -3891,7 +3944,7 @@
             <a:fld id="{D57F1E4F-1CFF-5643-939E-217C01CDF565}" type="slidenum">
               <a:rPr lang="en-US" dirty="0"/>
               <a:pPr/>
-              <a:t>‹Nr.›</a:t>
+              <a:t>‹#›</a:t>
             </a:fld>
             <a:endParaRPr lang="en-US" dirty="0"/>
           </a:p>
@@ -3940,7 +3993,7 @@
             <a:fld id="{8818C68F-D26B-8F47-958C-23B49CF8A634}" type="datetimeFigureOut">
               <a:rPr lang="en-US" dirty="0"/>
               <a:pPr/>
-              <a:t>4/29/2019</a:t>
+              <a:t>4/30/2019</a:t>
             </a:fld>
             <a:endParaRPr lang="en-US" dirty="0"/>
           </a:p>
@@ -3983,7 +4036,7 @@
             <a:fld id="{D57F1E4F-1CFF-5643-939E-217C01CDF565}" type="slidenum">
               <a:rPr lang="en-US" dirty="0"/>
               <a:pPr/>
-              <a:t>‹Nr.›</a:t>
+              <a:t>‹#›</a:t>
             </a:fld>
             <a:endParaRPr lang="en-US" dirty="0"/>
           </a:p>
@@ -4204,7 +4257,7 @@
           <a:ln/>
           <a:extLst>
             <a:ext uri="{91240B29-F687-4f45-9708-019B960494DF}">
-              <a14:hiddenLine xmlns:a14="http://schemas.microsoft.com/office/drawing/2010/main" xmlns="" w="9525">
+              <a14:hiddenLine xmlns="" xmlns:a14="http://schemas.microsoft.com/office/drawing/2010/main" w="9525">
                 <a:solidFill>
                   <a:srgbClr val="000000"/>
                 </a:solidFill>
@@ -4404,7 +4457,7 @@
             <a:fld id="{D0DF5E60-9974-AC48-9591-99C2BB44B7CF}" type="datetimeFigureOut">
               <a:rPr lang="en-US" dirty="0"/>
               <a:pPr/>
-              <a:t>4/29/2019</a:t>
+              <a:t>4/30/2019</a:t>
             </a:fld>
             <a:endParaRPr lang="en-US" dirty="0"/>
           </a:p>
@@ -4447,7 +4500,7 @@
             <a:fld id="{D57F1E4F-1CFF-5643-939E-217C01CDF565}" type="slidenum">
               <a:rPr lang="en-US" dirty="0"/>
               <a:pPr/>
-              <a:t>‹Nr.›</a:t>
+              <a:t>‹#›</a:t>
             </a:fld>
             <a:endParaRPr lang="en-US" dirty="0"/>
           </a:p>
@@ -4714,7 +4767,7 @@
             <a:fld id="{18C79C5D-2A6F-F04D-97DA-BEF2467B64E4}" type="datetimeFigureOut">
               <a:rPr lang="en-US" dirty="0"/>
               <a:pPr/>
-              <a:t>4/29/2019</a:t>
+              <a:t>4/30/2019</a:t>
             </a:fld>
             <a:endParaRPr lang="en-US" dirty="0"/>
           </a:p>
@@ -4767,7 +4820,7 @@
             <a:fld id="{D57F1E4F-1CFF-5643-939E-217C01CDF565}" type="slidenum">
               <a:rPr lang="en-US" dirty="0"/>
               <a:pPr/>
-              <a:t>‹Nr.›</a:t>
+              <a:t>‹#›</a:t>
             </a:fld>
             <a:endParaRPr lang="en-US" dirty="0"/>
           </a:p>
@@ -4981,7 +5034,7 @@
             <a:fld id="{09B482E8-6E0E-1B4F-B1FD-C69DB9E858D9}" type="datetimeFigureOut">
               <a:rPr lang="en-US" dirty="0"/>
               <a:pPr/>
-              <a:t>4/29/2019</a:t>
+              <a:t>4/30/2019</a:t>
             </a:fld>
             <a:endParaRPr lang="en-US" dirty="0"/>
           </a:p>
@@ -5021,7 +5074,7 @@
             <a:fld id="{D57F1E4F-1CFF-5643-939E-217C01CDF565}" type="slidenum">
               <a:rPr lang="en-US" dirty="0"/>
               <a:pPr/>
-              <a:t>‹Nr.›</a:t>
+              <a:t>‹#›</a:t>
             </a:fld>
             <a:endParaRPr lang="en-US" dirty="0"/>
           </a:p>
@@ -5577,6 +5630,504 @@
 </p:sld>
 </file>
 
+<file path=ppt/slides/slide10.xml><?xml version="1.0" encoding="utf-8"?>
+<p:sld xmlns:a="http://schemas.openxmlformats.org/drawingml/2006/main" xmlns:r="http://schemas.openxmlformats.org/officeDocument/2006/relationships" xmlns:p="http://schemas.openxmlformats.org/presentationml/2006/main">
+  <p:cSld>
+    <p:spTree>
+      <p:nvGrpSpPr>
+        <p:cNvPr id="1" name=""/>
+        <p:cNvGrpSpPr/>
+        <p:nvPr/>
+      </p:nvGrpSpPr>
+      <p:grpSpPr>
+        <a:xfrm>
+          <a:off x="0" y="0"/>
+          <a:ext cx="0" cy="0"/>
+          <a:chOff x="0" y="0"/>
+          <a:chExt cx="0" cy="0"/>
+        </a:xfrm>
+      </p:grpSpPr>
+      <p:sp>
+        <p:nvSpPr>
+          <p:cNvPr id="2" name="Title 1">
+            <a:extLst>
+              <a:ext uri="{FF2B5EF4-FFF2-40B4-BE49-F238E27FC236}">
+                <a16:creationId xmlns:a16="http://schemas.microsoft.com/office/drawing/2014/main" id="{E9EB5875-F86B-4D1E-8E3E-E3784360ACAF}"/>
+              </a:ext>
+            </a:extLst>
+          </p:cNvPr>
+          <p:cNvSpPr>
+            <a:spLocks noGrp="1"/>
+          </p:cNvSpPr>
+          <p:nvPr>
+            <p:ph type="title"/>
+          </p:nvPr>
+        </p:nvSpPr>
+        <p:spPr/>
+        <p:txBody>
+          <a:bodyPr/>
+          <a:lstStyle/>
+          <a:p>
+            <a:r>
+              <a:rPr lang="de-DE" dirty="0"/>
+              <a:t>Abläufe</a:t>
+            </a:r>
+          </a:p>
+        </p:txBody>
+      </p:sp>
+      <p:sp>
+        <p:nvSpPr>
+          <p:cNvPr id="3" name="Text Placeholder 2">
+            <a:extLst>
+              <a:ext uri="{FF2B5EF4-FFF2-40B4-BE49-F238E27FC236}">
+                <a16:creationId xmlns:a16="http://schemas.microsoft.com/office/drawing/2014/main" id="{EEC5B696-6980-4C06-A986-1E48597DF211}"/>
+              </a:ext>
+            </a:extLst>
+          </p:cNvPr>
+          <p:cNvSpPr>
+            <a:spLocks noGrp="1"/>
+          </p:cNvSpPr>
+          <p:nvPr>
+            <p:ph type="body" idx="1"/>
+          </p:nvPr>
+        </p:nvSpPr>
+        <p:spPr/>
+        <p:txBody>
+          <a:bodyPr/>
+          <a:lstStyle/>
+          <a:p>
+            <a:endParaRPr lang="de-DE"/>
+          </a:p>
+        </p:txBody>
+      </p:sp>
+    </p:spTree>
+    <p:extLst>
+      <p:ext uri="{BB962C8B-B14F-4D97-AF65-F5344CB8AC3E}">
+        <p14:creationId xmlns:p14="http://schemas.microsoft.com/office/powerpoint/2010/main" val="1020318277"/>
+      </p:ext>
+    </p:extLst>
+  </p:cSld>
+  <p:clrMapOvr>
+    <a:masterClrMapping/>
+  </p:clrMapOvr>
+</p:sld>
+</file>
+
+<file path=ppt/slides/slide11.xml><?xml version="1.0" encoding="utf-8"?>
+<p:sld xmlns:a="http://schemas.openxmlformats.org/drawingml/2006/main" xmlns:r="http://schemas.openxmlformats.org/officeDocument/2006/relationships" xmlns:p="http://schemas.openxmlformats.org/presentationml/2006/main">
+  <p:cSld>
+    <p:spTree>
+      <p:nvGrpSpPr>
+        <p:cNvPr id="1" name=""/>
+        <p:cNvGrpSpPr/>
+        <p:nvPr/>
+      </p:nvGrpSpPr>
+      <p:grpSpPr>
+        <a:xfrm>
+          <a:off x="0" y="0"/>
+          <a:ext cx="0" cy="0"/>
+          <a:chOff x="0" y="0"/>
+          <a:chExt cx="0" cy="0"/>
+        </a:xfrm>
+      </p:grpSpPr>
+      <p:sp>
+        <p:nvSpPr>
+          <p:cNvPr id="2" name="Title 1">
+            <a:extLst>
+              <a:ext uri="{FF2B5EF4-FFF2-40B4-BE49-F238E27FC236}">
+                <a16:creationId xmlns:a16="http://schemas.microsoft.com/office/drawing/2014/main" id="{F75A3D9C-0C7A-43DF-99EB-A8C063B3C172}"/>
+              </a:ext>
+            </a:extLst>
+          </p:cNvPr>
+          <p:cNvSpPr>
+            <a:spLocks noGrp="1"/>
+          </p:cNvSpPr>
+          <p:nvPr>
+            <p:ph type="title"/>
+          </p:nvPr>
+        </p:nvSpPr>
+        <p:spPr/>
+        <p:txBody>
+          <a:bodyPr/>
+          <a:lstStyle/>
+          <a:p>
+            <a:r>
+              <a:rPr lang="de-DE" dirty="0"/>
+              <a:t>Regeln</a:t>
+            </a:r>
+          </a:p>
+        </p:txBody>
+      </p:sp>
+      <p:sp>
+        <p:nvSpPr>
+          <p:cNvPr id="4" name="Text Placeholder 3">
+            <a:extLst>
+              <a:ext uri="{FF2B5EF4-FFF2-40B4-BE49-F238E27FC236}">
+                <a16:creationId xmlns:a16="http://schemas.microsoft.com/office/drawing/2014/main" id="{C9F72C86-7D50-40ED-9472-33A84BAFE548}"/>
+              </a:ext>
+            </a:extLst>
+          </p:cNvPr>
+          <p:cNvSpPr>
+            <a:spLocks noGrp="1"/>
+          </p:cNvSpPr>
+          <p:nvPr>
+            <p:ph type="body" idx="1"/>
+          </p:nvPr>
+        </p:nvSpPr>
+        <p:spPr/>
+        <p:txBody>
+          <a:bodyPr/>
+          <a:lstStyle/>
+          <a:p>
+            <a:endParaRPr lang="de-DE"/>
+          </a:p>
+        </p:txBody>
+      </p:sp>
+    </p:spTree>
+    <p:extLst>
+      <p:ext uri="{BB962C8B-B14F-4D97-AF65-F5344CB8AC3E}">
+        <p14:creationId xmlns:p14="http://schemas.microsoft.com/office/powerpoint/2010/main" val="3186779876"/>
+      </p:ext>
+    </p:extLst>
+  </p:cSld>
+  <p:clrMapOvr>
+    <a:masterClrMapping/>
+  </p:clrMapOvr>
+</p:sld>
+</file>
+
+<file path=ppt/slides/slide12.xml><?xml version="1.0" encoding="utf-8"?>
+<p:sld xmlns:a="http://schemas.openxmlformats.org/drawingml/2006/main" xmlns:r="http://schemas.openxmlformats.org/officeDocument/2006/relationships" xmlns:p="http://schemas.openxmlformats.org/presentationml/2006/main">
+  <p:cSld>
+    <p:spTree>
+      <p:nvGrpSpPr>
+        <p:cNvPr id="1" name=""/>
+        <p:cNvGrpSpPr/>
+        <p:nvPr/>
+      </p:nvGrpSpPr>
+      <p:grpSpPr>
+        <a:xfrm>
+          <a:off x="0" y="0"/>
+          <a:ext cx="0" cy="0"/>
+          <a:chOff x="0" y="0"/>
+          <a:chExt cx="0" cy="0"/>
+        </a:xfrm>
+      </p:grpSpPr>
+      <p:sp>
+        <p:nvSpPr>
+          <p:cNvPr id="2" name="Title 1">
+            <a:extLst>
+              <a:ext uri="{FF2B5EF4-FFF2-40B4-BE49-F238E27FC236}">
+                <a16:creationId xmlns:a16="http://schemas.microsoft.com/office/drawing/2014/main" id="{EF02E3B6-7728-409B-AA2F-6C156B0FA560}"/>
+              </a:ext>
+            </a:extLst>
+          </p:cNvPr>
+          <p:cNvSpPr>
+            <a:spLocks noGrp="1"/>
+          </p:cNvSpPr>
+          <p:nvPr>
+            <p:ph type="title"/>
+          </p:nvPr>
+        </p:nvSpPr>
+        <p:spPr/>
+        <p:txBody>
+          <a:bodyPr/>
+          <a:lstStyle/>
+          <a:p>
+            <a:r>
+              <a:rPr lang="de-DE" dirty="0"/>
+              <a:t>Ressourcen</a:t>
+            </a:r>
+          </a:p>
+        </p:txBody>
+      </p:sp>
+      <p:sp>
+        <p:nvSpPr>
+          <p:cNvPr id="4" name="Text Placeholder 3">
+            <a:extLst>
+              <a:ext uri="{FF2B5EF4-FFF2-40B4-BE49-F238E27FC236}">
+                <a16:creationId xmlns:a16="http://schemas.microsoft.com/office/drawing/2014/main" id="{5D2288A5-B0AC-4C1C-B6B2-1D4694396011}"/>
+              </a:ext>
+            </a:extLst>
+          </p:cNvPr>
+          <p:cNvSpPr>
+            <a:spLocks noGrp="1"/>
+          </p:cNvSpPr>
+          <p:nvPr>
+            <p:ph type="body" idx="1"/>
+          </p:nvPr>
+        </p:nvSpPr>
+        <p:spPr/>
+        <p:txBody>
+          <a:bodyPr/>
+          <a:lstStyle/>
+          <a:p>
+            <a:endParaRPr lang="de-DE"/>
+          </a:p>
+        </p:txBody>
+      </p:sp>
+    </p:spTree>
+    <p:extLst>
+      <p:ext uri="{BB962C8B-B14F-4D97-AF65-F5344CB8AC3E}">
+        <p14:creationId xmlns:p14="http://schemas.microsoft.com/office/powerpoint/2010/main" val="3851938191"/>
+      </p:ext>
+    </p:extLst>
+  </p:cSld>
+  <p:clrMapOvr>
+    <a:masterClrMapping/>
+  </p:clrMapOvr>
+</p:sld>
+</file>
+
+<file path=ppt/slides/slide13.xml><?xml version="1.0" encoding="utf-8"?>
+<p:sld xmlns:a="http://schemas.openxmlformats.org/drawingml/2006/main" xmlns:r="http://schemas.openxmlformats.org/officeDocument/2006/relationships" xmlns:p="http://schemas.openxmlformats.org/presentationml/2006/main">
+  <p:cSld>
+    <p:spTree>
+      <p:nvGrpSpPr>
+        <p:cNvPr id="1" name=""/>
+        <p:cNvGrpSpPr/>
+        <p:nvPr/>
+      </p:nvGrpSpPr>
+      <p:grpSpPr>
+        <a:xfrm>
+          <a:off x="0" y="0"/>
+          <a:ext cx="0" cy="0"/>
+          <a:chOff x="0" y="0"/>
+          <a:chExt cx="0" cy="0"/>
+        </a:xfrm>
+      </p:grpSpPr>
+      <p:sp>
+        <p:nvSpPr>
+          <p:cNvPr id="2" name="Title 1">
+            <a:extLst>
+              <a:ext uri="{FF2B5EF4-FFF2-40B4-BE49-F238E27FC236}">
+                <a16:creationId xmlns:a16="http://schemas.microsoft.com/office/drawing/2014/main" id="{E2FC36D9-4836-4C7F-B17D-330362EAA4FC}"/>
+              </a:ext>
+            </a:extLst>
+          </p:cNvPr>
+          <p:cNvSpPr>
+            <a:spLocks noGrp="1"/>
+          </p:cNvSpPr>
+          <p:nvPr>
+            <p:ph type="title"/>
+          </p:nvPr>
+        </p:nvSpPr>
+        <p:spPr/>
+        <p:txBody>
+          <a:bodyPr/>
+          <a:lstStyle/>
+          <a:p>
+            <a:r>
+              <a:rPr lang="de-DE" dirty="0"/>
+              <a:t>Konflikte &amp; absehbare Schwierigkeiten</a:t>
+            </a:r>
+          </a:p>
+        </p:txBody>
+      </p:sp>
+      <p:sp>
+        <p:nvSpPr>
+          <p:cNvPr id="4" name="Text Placeholder 3">
+            <a:extLst>
+              <a:ext uri="{FF2B5EF4-FFF2-40B4-BE49-F238E27FC236}">
+                <a16:creationId xmlns:a16="http://schemas.microsoft.com/office/drawing/2014/main" id="{E2A16828-BD38-4201-AFA8-DE45322A084F}"/>
+              </a:ext>
+            </a:extLst>
+          </p:cNvPr>
+          <p:cNvSpPr>
+            <a:spLocks noGrp="1"/>
+          </p:cNvSpPr>
+          <p:nvPr>
+            <p:ph type="body" idx="1"/>
+          </p:nvPr>
+        </p:nvSpPr>
+        <p:spPr/>
+        <p:txBody>
+          <a:bodyPr/>
+          <a:lstStyle/>
+          <a:p>
+            <a:endParaRPr lang="de-DE"/>
+          </a:p>
+        </p:txBody>
+      </p:sp>
+    </p:spTree>
+    <p:extLst>
+      <p:ext uri="{BB962C8B-B14F-4D97-AF65-F5344CB8AC3E}">
+        <p14:creationId xmlns:p14="http://schemas.microsoft.com/office/powerpoint/2010/main" val="727512892"/>
+      </p:ext>
+    </p:extLst>
+  </p:cSld>
+  <p:clrMapOvr>
+    <a:masterClrMapping/>
+  </p:clrMapOvr>
+</p:sld>
+</file>
+
+<file path=ppt/slides/slide14.xml><?xml version="1.0" encoding="utf-8"?>
+<p:sld xmlns:a="http://schemas.openxmlformats.org/drawingml/2006/main" xmlns:r="http://schemas.openxmlformats.org/officeDocument/2006/relationships" xmlns:p="http://schemas.openxmlformats.org/presentationml/2006/main">
+  <p:cSld>
+    <p:spTree>
+      <p:nvGrpSpPr>
+        <p:cNvPr id="1" name=""/>
+        <p:cNvGrpSpPr/>
+        <p:nvPr/>
+      </p:nvGrpSpPr>
+      <p:grpSpPr>
+        <a:xfrm>
+          <a:off x="0" y="0"/>
+          <a:ext cx="0" cy="0"/>
+          <a:chOff x="0" y="0"/>
+          <a:chExt cx="0" cy="0"/>
+        </a:xfrm>
+      </p:grpSpPr>
+      <p:sp>
+        <p:nvSpPr>
+          <p:cNvPr id="2" name="Title 1">
+            <a:extLst>
+              <a:ext uri="{FF2B5EF4-FFF2-40B4-BE49-F238E27FC236}">
+                <a16:creationId xmlns:a16="http://schemas.microsoft.com/office/drawing/2014/main" id="{A4068062-1FBB-481E-8A2D-DDC9C5F15684}"/>
+              </a:ext>
+            </a:extLst>
+          </p:cNvPr>
+          <p:cNvSpPr>
+            <a:spLocks noGrp="1"/>
+          </p:cNvSpPr>
+          <p:nvPr>
+            <p:ph type="title"/>
+          </p:nvPr>
+        </p:nvSpPr>
+        <p:spPr/>
+        <p:txBody>
+          <a:bodyPr/>
+          <a:lstStyle/>
+          <a:p>
+            <a:r>
+              <a:rPr lang="de-DE" dirty="0"/>
+              <a:t>Rahmenbedingungen</a:t>
+            </a:r>
+          </a:p>
+        </p:txBody>
+      </p:sp>
+      <p:sp>
+        <p:nvSpPr>
+          <p:cNvPr id="4" name="Text Placeholder 3">
+            <a:extLst>
+              <a:ext uri="{FF2B5EF4-FFF2-40B4-BE49-F238E27FC236}">
+                <a16:creationId xmlns:a16="http://schemas.microsoft.com/office/drawing/2014/main" id="{77C20D7E-2C45-4B3D-AB55-23BD7017A865}"/>
+              </a:ext>
+            </a:extLst>
+          </p:cNvPr>
+          <p:cNvSpPr>
+            <a:spLocks noGrp="1"/>
+          </p:cNvSpPr>
+          <p:nvPr>
+            <p:ph type="body" idx="1"/>
+          </p:nvPr>
+        </p:nvSpPr>
+        <p:spPr/>
+        <p:txBody>
+          <a:bodyPr/>
+          <a:lstStyle/>
+          <a:p>
+            <a:endParaRPr lang="de-DE"/>
+          </a:p>
+        </p:txBody>
+      </p:sp>
+    </p:spTree>
+    <p:extLst>
+      <p:ext uri="{BB962C8B-B14F-4D97-AF65-F5344CB8AC3E}">
+        <p14:creationId xmlns:p14="http://schemas.microsoft.com/office/powerpoint/2010/main" val="2995921652"/>
+      </p:ext>
+    </p:extLst>
+  </p:cSld>
+  <p:clrMapOvr>
+    <a:masterClrMapping/>
+  </p:clrMapOvr>
+</p:sld>
+</file>
+
+<file path=ppt/slides/slide15.xml><?xml version="1.0" encoding="utf-8"?>
+<p:sld xmlns:a="http://schemas.openxmlformats.org/drawingml/2006/main" xmlns:r="http://schemas.openxmlformats.org/officeDocument/2006/relationships" xmlns:p="http://schemas.openxmlformats.org/presentationml/2006/main">
+  <p:cSld>
+    <p:spTree>
+      <p:nvGrpSpPr>
+        <p:cNvPr id="1" name=""/>
+        <p:cNvGrpSpPr/>
+        <p:nvPr/>
+      </p:nvGrpSpPr>
+      <p:grpSpPr>
+        <a:xfrm>
+          <a:off x="0" y="0"/>
+          <a:ext cx="0" cy="0"/>
+          <a:chOff x="0" y="0"/>
+          <a:chExt cx="0" cy="0"/>
+        </a:xfrm>
+      </p:grpSpPr>
+      <p:sp>
+        <p:nvSpPr>
+          <p:cNvPr id="2" name="Title 1">
+            <a:extLst>
+              <a:ext uri="{FF2B5EF4-FFF2-40B4-BE49-F238E27FC236}">
+                <a16:creationId xmlns:a16="http://schemas.microsoft.com/office/drawing/2014/main" id="{663570ED-9D61-46D3-906D-9C71BEF067B6}"/>
+              </a:ext>
+            </a:extLst>
+          </p:cNvPr>
+          <p:cNvSpPr>
+            <a:spLocks noGrp="1"/>
+          </p:cNvSpPr>
+          <p:nvPr>
+            <p:ph type="title"/>
+          </p:nvPr>
+        </p:nvSpPr>
+        <p:spPr/>
+        <p:txBody>
+          <a:bodyPr/>
+          <a:lstStyle/>
+          <a:p>
+            <a:r>
+              <a:rPr lang="de-DE" dirty="0"/>
+              <a:t>Ergebnisse</a:t>
+            </a:r>
+          </a:p>
+        </p:txBody>
+      </p:sp>
+      <p:sp>
+        <p:nvSpPr>
+          <p:cNvPr id="4" name="Text Placeholder 3">
+            <a:extLst>
+              <a:ext uri="{FF2B5EF4-FFF2-40B4-BE49-F238E27FC236}">
+                <a16:creationId xmlns:a16="http://schemas.microsoft.com/office/drawing/2014/main" id="{C913C932-11BD-46C0-86DB-07A2A8DC10A6}"/>
+              </a:ext>
+            </a:extLst>
+          </p:cNvPr>
+          <p:cNvSpPr>
+            <a:spLocks noGrp="1"/>
+          </p:cNvSpPr>
+          <p:nvPr>
+            <p:ph type="body" idx="1"/>
+          </p:nvPr>
+        </p:nvSpPr>
+        <p:spPr/>
+        <p:txBody>
+          <a:bodyPr/>
+          <a:lstStyle/>
+          <a:p>
+            <a:endParaRPr lang="de-DE"/>
+          </a:p>
+        </p:txBody>
+      </p:sp>
+    </p:spTree>
+    <p:extLst>
+      <p:ext uri="{BB962C8B-B14F-4D97-AF65-F5344CB8AC3E}">
+        <p14:creationId xmlns:p14="http://schemas.microsoft.com/office/powerpoint/2010/main" val="3970480316"/>
+      </p:ext>
+    </p:extLst>
+  </p:cSld>
+  <p:clrMapOvr>
+    <a:masterClrMapping/>
+  </p:clrMapOvr>
+</p:sld>
+</file>
+
 <file path=ppt/slides/slide2.xml><?xml version="1.0" encoding="utf-8"?>
 <p:sld xmlns:a="http://schemas.openxmlformats.org/drawingml/2006/main" xmlns:r="http://schemas.openxmlformats.org/officeDocument/2006/relationships" xmlns:p="http://schemas.openxmlformats.org/presentationml/2006/main">
   <p:cSld>
@@ -5658,6 +6209,9 @@
   <p:clrMapOvr>
     <a:masterClrMapping/>
   </p:clrMapOvr>
+  <p:transition spd="slow">
+    <p:push/>
+  </p:transition>
 </p:sld>
 </file>
 
@@ -5680,10 +6234,10 @@
       </p:grpSpPr>
       <p:sp>
         <p:nvSpPr>
-          <p:cNvPr id="2" name="Titel 1">
+          <p:cNvPr id="2" name="Title 1">
             <a:extLst>
               <a:ext uri="{FF2B5EF4-FFF2-40B4-BE49-F238E27FC236}">
-                <a16:creationId xmlns:a16="http://schemas.microsoft.com/office/drawing/2014/main" id="{E9F16637-3D51-4D20-BE18-102B6997BDE7}"/>
+                <a16:creationId xmlns:a16="http://schemas.microsoft.com/office/drawing/2014/main" id="{2571A1A1-9A44-42A6-A02B-76C094C9F7C7}"/>
               </a:ext>
             </a:extLst>
           </p:cNvPr>
@@ -5711,10 +6265,10 @@
         <mc:Choice xmlns:psuz="http://schemas.microsoft.com/office/powerpoint/2016/summaryzoom" Requires="psuz">
           <p:graphicFrame>
             <p:nvGraphicFramePr>
-              <p:cNvPr id="5" name="Zusammenfassungszoom 4">
+              <p:cNvPr id="5" name="Summary Zoom 4">
                 <a:extLst>
                   <a:ext uri="{FF2B5EF4-FFF2-40B4-BE49-F238E27FC236}">
-                    <a16:creationId xmlns:a16="http://schemas.microsoft.com/office/drawing/2014/main" id="{CF34D09C-D5A2-4634-BB68-B0364D0DA7E4}"/>
+                    <a16:creationId xmlns:a16="http://schemas.microsoft.com/office/drawing/2014/main" id="{2D9DB9DC-0B98-423B-B90F-A36EE18FBE1C}"/>
                   </a:ext>
                 </a:extLst>
               </p:cNvPr>
@@ -5724,7 +6278,7 @@
               <p:nvPr>
                 <p:extLst>
                   <p:ext uri="{D42A27DB-BD31-4B8C-83A1-F6EECF244321}">
-                    <p14:modId xmlns:p14="http://schemas.microsoft.com/office/powerpoint/2010/main" val="3405484523"/>
+                    <p14:modId xmlns:p14="http://schemas.microsoft.com/office/powerpoint/2010/main" val="2844971571"/>
                   </p:ext>
                 </p:extLst>
               </p:nvPr>
@@ -5737,7 +6291,7 @@
               <a:graphicData uri="http://schemas.microsoft.com/office/powerpoint/2016/summaryzoom">
                 <psuz:summaryZm>
                   <psuz:summaryZmObj sectionId="{448C54FB-7A7F-4DE3-931A-5B530A9D04AF}">
-                    <psuz:zmPr id="{7105F29A-EFE2-4F87-B248-A79B91611AEF}" transitionDur="1000">
+                    <psuz:zmPr id="{F8C3ECE4-F35D-4DEF-9D8D-A3E4233DAC5D}" transitionDur="1000">
                       <p166:blipFill xmlns:p166="http://schemas.microsoft.com/office/powerpoint/2016/6/main">
                         <a:blip r:embed="rId2"/>
                         <a:stretch>
@@ -5761,7 +6315,7 @@
                     </psuz:zmPr>
                   </psuz:summaryZmObj>
                   <psuz:summaryZmObj sectionId="{0A0AD3E9-F226-499F-A6A9-475BBDC8260B}">
-                    <psuz:zmPr id="{52323606-4A8D-4887-BB96-2A74407C64F8}" transitionDur="1000">
+                    <psuz:zmPr id="{E6B11968-320D-4A08-9487-32EAF7BF4BC7}" transitionDur="1000">
                       <p166:blipFill xmlns:p166="http://schemas.microsoft.com/office/powerpoint/2016/6/main">
                         <a:blip r:embed="rId3"/>
                         <a:stretch>
@@ -5793,10 +6347,10 @@
         <mc:Fallback>
           <p:grpSp>
             <p:nvGrpSpPr>
-              <p:cNvPr id="5" name="Zusammenfassungszoom 4">
+              <p:cNvPr id="5" name="Summary Zoom 4">
                 <a:extLst>
                   <a:ext uri="{FF2B5EF4-FFF2-40B4-BE49-F238E27FC236}">
-                    <a16:creationId xmlns:a16="http://schemas.microsoft.com/office/drawing/2014/main" id="{CF34D09C-D5A2-4634-BB68-B0364D0DA7E4}"/>
+                    <a16:creationId xmlns:a16="http://schemas.microsoft.com/office/drawing/2014/main" id="{2D9DB9DC-0B98-423B-B90F-A36EE18FBE1C}"/>
                   </a:ext>
                 </a:extLst>
               </p:cNvPr>
@@ -5815,7 +6369,7 @@
             </p:grpSpPr>
             <p:pic>
               <p:nvPicPr>
-                <p:cNvPr id="6" name="Grafik 6">
+                <p:cNvPr id="6" name="Picture 6">
                   <a:hlinkClick r:id="rId4" action="ppaction://hlinksldjump"/>
                 </p:cNvPr>
                 <p:cNvPicPr>
@@ -5846,7 +6400,7 @@
             </p:pic>
             <p:pic>
               <p:nvPicPr>
-                <p:cNvPr id="7" name="Grafik 7">
+                <p:cNvPr id="7" name="Picture 7">
                   <a:hlinkClick r:id="rId5" action="ppaction://hlinksldjump"/>
                 </p:cNvPr>
                 <p:cNvPicPr>
@@ -5881,13 +6435,25 @@
     </p:spTree>
     <p:extLst>
       <p:ext uri="{BB962C8B-B14F-4D97-AF65-F5344CB8AC3E}">
-        <p14:creationId xmlns:p14="http://schemas.microsoft.com/office/powerpoint/2010/main" val="271697950"/>
+        <p14:creationId xmlns:p14="http://schemas.microsoft.com/office/powerpoint/2010/main" val="3458338609"/>
       </p:ext>
     </p:extLst>
   </p:cSld>
   <p:clrMapOvr>
     <a:masterClrMapping/>
   </p:clrMapOvr>
+  <mc:AlternateContent xmlns:mc="http://schemas.openxmlformats.org/markup-compatibility/2006">
+    <mc:Choice xmlns:p14="http://schemas.microsoft.com/office/powerpoint/2010/main" Requires="p14">
+      <p:transition spd="slow" p14:dur="1250">
+        <p14:switch dir="r"/>
+      </p:transition>
+    </mc:Choice>
+    <mc:Fallback>
+      <p:transition spd="slow">
+        <p:fade/>
+      </p:transition>
+    </mc:Fallback>
+  </mc:AlternateContent>
 </p:sld>
 </file>
 
@@ -6310,7 +6876,7 @@
           <a:lstStyle/>
           <a:p>
             <a:r>
-              <a:rPr lang="de-DE">
+              <a:rPr lang="de-DE" dirty="0">
                 <a:solidFill>
                   <a:schemeClr val="tx1"/>
                 </a:solidFill>
@@ -6546,6 +7112,9 @@
   <p:clrMapOvr>
     <a:masterClrMapping/>
   </p:clrMapOvr>
+  <p:transition spd="slow">
+    <p:push dir="u"/>
+  </p:transition>
 </p:sld>
 </file>
 
@@ -6657,6 +7226,743 @@
     <p:extLst>
       <p:ext uri="{BB962C8B-B14F-4D97-AF65-F5344CB8AC3E}">
         <p14:creationId xmlns:p14="http://schemas.microsoft.com/office/powerpoint/2010/main" val="419410755"/>
+      </p:ext>
+    </p:extLst>
+  </p:cSld>
+  <p:clrMapOvr>
+    <a:masterClrMapping/>
+  </p:clrMapOvr>
+</p:sld>
+</file>
+
+<file path=ppt/slides/slide7.xml><?xml version="1.0" encoding="utf-8"?>
+<p:sld xmlns:a="http://schemas.openxmlformats.org/drawingml/2006/main" xmlns:r="http://schemas.openxmlformats.org/officeDocument/2006/relationships" xmlns:p="http://schemas.openxmlformats.org/presentationml/2006/main">
+  <p:cSld>
+    <p:spTree>
+      <p:nvGrpSpPr>
+        <p:cNvPr id="1" name=""/>
+        <p:cNvGrpSpPr/>
+        <p:nvPr/>
+      </p:nvGrpSpPr>
+      <p:grpSpPr>
+        <a:xfrm>
+          <a:off x="0" y="0"/>
+          <a:ext cx="0" cy="0"/>
+          <a:chOff x="0" y="0"/>
+          <a:chExt cx="0" cy="0"/>
+        </a:xfrm>
+      </p:grpSpPr>
+      <p:sp>
+        <p:nvSpPr>
+          <p:cNvPr id="2" name="Title 1">
+            <a:extLst>
+              <a:ext uri="{FF2B5EF4-FFF2-40B4-BE49-F238E27FC236}">
+                <a16:creationId xmlns:a16="http://schemas.microsoft.com/office/drawing/2014/main" id="{A563ED78-99F3-4906-A9D6-FE286538616F}"/>
+              </a:ext>
+            </a:extLst>
+          </p:cNvPr>
+          <p:cNvSpPr>
+            <a:spLocks noGrp="1"/>
+          </p:cNvSpPr>
+          <p:nvPr>
+            <p:ph type="title"/>
+          </p:nvPr>
+        </p:nvSpPr>
+        <p:spPr/>
+        <p:txBody>
+          <a:bodyPr/>
+          <a:lstStyle/>
+          <a:p>
+            <a:r>
+              <a:rPr lang="de-DE" dirty="0"/>
+              <a:t>Formale Elemente</a:t>
+            </a:r>
+          </a:p>
+        </p:txBody>
+      </p:sp>
+      <mc:AlternateContent xmlns:mc="http://schemas.openxmlformats.org/markup-compatibility/2006">
+        <mc:Choice xmlns:psuz="http://schemas.microsoft.com/office/powerpoint/2016/summaryzoom" Requires="psuz">
+          <p:graphicFrame>
+            <p:nvGraphicFramePr>
+              <p:cNvPr id="5" name="Summary Zoom 4">
+                <a:extLst>
+                  <a:ext uri="{FF2B5EF4-FFF2-40B4-BE49-F238E27FC236}">
+                    <a16:creationId xmlns:a16="http://schemas.microsoft.com/office/drawing/2014/main" id="{BBC55DF4-539B-4AF5-8FBA-E437AACE296C}"/>
+                  </a:ext>
+                </a:extLst>
+              </p:cNvPr>
+              <p:cNvGraphicFramePr>
+                <a:graphicFrameLocks noChangeAspect="1"/>
+              </p:cNvGraphicFramePr>
+              <p:nvPr>
+                <p:extLst>
+                  <p:ext uri="{D42A27DB-BD31-4B8C-83A1-F6EECF244321}">
+                    <p14:modId xmlns:p14="http://schemas.microsoft.com/office/powerpoint/2010/main" val="2324272120"/>
+                  </p:ext>
+                </p:extLst>
+              </p:nvPr>
+            </p:nvGraphicFramePr>
+            <p:xfrm>
+              <a:off x="819150" y="2222500"/>
+              <a:ext cx="10553700" cy="3636963"/>
+            </p:xfrm>
+            <a:graphic>
+              <a:graphicData uri="http://schemas.microsoft.com/office/powerpoint/2016/summaryzoom">
+                <psuz:summaryZm>
+                  <psuz:summaryZmObj sectionId="{2D74ECE9-51AA-48B2-A681-1B700657B38C}">
+                    <psuz:zmPr id="{06DE6D10-687B-4F09-8352-C14629A5F1F3}" transitionDur="750">
+                      <p166:blipFill xmlns:p166="http://schemas.microsoft.com/office/powerpoint/2016/6/main">
+                        <a:blip r:embed="rId2"/>
+                        <a:stretch>
+                          <a:fillRect/>
+                        </a:stretch>
+                      </p166:blipFill>
+                      <p166:spPr xmlns:p166="http://schemas.microsoft.com/office/powerpoint/2016/6/main">
+                        <a:xfrm>
+                          <a:off x="394113" y="438255"/>
+                          <a:ext cx="2374583" cy="1335703"/>
+                        </a:xfrm>
+                        <a:prstGeom prst="rect">
+                          <a:avLst/>
+                        </a:prstGeom>
+                        <a:ln w="3175">
+                          <a:solidFill>
+                            <a:prstClr val="ltGray"/>
+                          </a:solidFill>
+                        </a:ln>
+                      </p166:spPr>
+                    </psuz:zmPr>
+                  </psuz:summaryZmObj>
+                  <psuz:summaryZmObj sectionId="{3416F951-5A24-405D-9DA1-EF4A54895E36}">
+                    <psuz:zmPr id="{1EFBE078-C436-4F3E-AA79-D5275EC12078}" transitionDur="750">
+                      <p166:blipFill xmlns:p166="http://schemas.microsoft.com/office/powerpoint/2016/6/main">
+                        <a:blip r:embed="rId3"/>
+                        <a:stretch>
+                          <a:fillRect/>
+                        </a:stretch>
+                      </p166:blipFill>
+                      <p166:spPr xmlns:p166="http://schemas.microsoft.com/office/powerpoint/2016/6/main">
+                        <a:xfrm>
+                          <a:off x="2857743" y="438255"/>
+                          <a:ext cx="2374583" cy="1335703"/>
+                        </a:xfrm>
+                        <a:prstGeom prst="rect">
+                          <a:avLst/>
+                        </a:prstGeom>
+                        <a:ln w="3175">
+                          <a:solidFill>
+                            <a:prstClr val="ltGray"/>
+                          </a:solidFill>
+                        </a:ln>
+                      </p166:spPr>
+                    </psuz:zmPr>
+                  </psuz:summaryZmObj>
+                  <psuz:summaryZmObj sectionId="{FBA0BB86-F06D-4BA0-983B-4B94ED8FA917}">
+                    <psuz:zmPr id="{F6FC9AAC-A520-493A-B66F-55BD6F5DD7D2}" transitionDur="750">
+                      <p166:blipFill xmlns:p166="http://schemas.microsoft.com/office/powerpoint/2016/6/main">
+                        <a:blip r:embed="rId4"/>
+                        <a:stretch>
+                          <a:fillRect/>
+                        </a:stretch>
+                      </p166:blipFill>
+                      <p166:spPr xmlns:p166="http://schemas.microsoft.com/office/powerpoint/2016/6/main">
+                        <a:xfrm>
+                          <a:off x="5321373" y="438255"/>
+                          <a:ext cx="2374583" cy="1335703"/>
+                        </a:xfrm>
+                        <a:prstGeom prst="rect">
+                          <a:avLst/>
+                        </a:prstGeom>
+                        <a:ln w="3175">
+                          <a:solidFill>
+                            <a:prstClr val="ltGray"/>
+                          </a:solidFill>
+                        </a:ln>
+                      </p166:spPr>
+                    </psuz:zmPr>
+                  </psuz:summaryZmObj>
+                  <psuz:summaryZmObj sectionId="{4EAB2BE6-6483-4DE4-B885-F8A04D3A5DC6}">
+                    <psuz:zmPr id="{25F8A6D4-A9EA-4039-8799-95F10AF5503E}" transitionDur="750">
+                      <p166:blipFill xmlns:p166="http://schemas.microsoft.com/office/powerpoint/2016/6/main">
+                        <a:blip r:embed="rId5"/>
+                        <a:stretch>
+                          <a:fillRect/>
+                        </a:stretch>
+                      </p166:blipFill>
+                      <p166:spPr xmlns:p166="http://schemas.microsoft.com/office/powerpoint/2016/6/main">
+                        <a:xfrm>
+                          <a:off x="7785003" y="438255"/>
+                          <a:ext cx="2374583" cy="1335703"/>
+                        </a:xfrm>
+                        <a:prstGeom prst="rect">
+                          <a:avLst/>
+                        </a:prstGeom>
+                        <a:ln w="3175">
+                          <a:solidFill>
+                            <a:prstClr val="ltGray"/>
+                          </a:solidFill>
+                        </a:ln>
+                      </p166:spPr>
+                    </psuz:zmPr>
+                  </psuz:summaryZmObj>
+                  <psuz:summaryZmObj sectionId="{F5254605-6156-463A-9D1F-716FC09734B6}">
+                    <psuz:zmPr id="{A0DD51D3-925D-479B-82D7-00B36972AE87}" transitionDur="750">
+                      <p166:blipFill xmlns:p166="http://schemas.microsoft.com/office/powerpoint/2016/6/main">
+                        <a:blip r:embed="rId6"/>
+                        <a:stretch>
+                          <a:fillRect/>
+                        </a:stretch>
+                      </p166:blipFill>
+                      <p166:spPr xmlns:p166="http://schemas.microsoft.com/office/powerpoint/2016/6/main">
+                        <a:xfrm>
+                          <a:off x="394113" y="1863005"/>
+                          <a:ext cx="2374583" cy="1335703"/>
+                        </a:xfrm>
+                        <a:prstGeom prst="rect">
+                          <a:avLst/>
+                        </a:prstGeom>
+                        <a:ln w="3175">
+                          <a:solidFill>
+                            <a:prstClr val="ltGray"/>
+                          </a:solidFill>
+                        </a:ln>
+                      </p166:spPr>
+                    </psuz:zmPr>
+                  </psuz:summaryZmObj>
+                  <psuz:summaryZmObj sectionId="{71526EA7-9B9A-4FE5-B037-5674774363E2}">
+                    <psuz:zmPr id="{80B394C7-C722-43E3-AA57-0C3B35FDAAF8}" transitionDur="750">
+                      <p166:blipFill xmlns:p166="http://schemas.microsoft.com/office/powerpoint/2016/6/main">
+                        <a:blip r:embed="rId7"/>
+                        <a:stretch>
+                          <a:fillRect/>
+                        </a:stretch>
+                      </p166:blipFill>
+                      <p166:spPr xmlns:p166="http://schemas.microsoft.com/office/powerpoint/2016/6/main">
+                        <a:xfrm>
+                          <a:off x="2857743" y="1863005"/>
+                          <a:ext cx="2374583" cy="1335703"/>
+                        </a:xfrm>
+                        <a:prstGeom prst="rect">
+                          <a:avLst/>
+                        </a:prstGeom>
+                        <a:ln w="3175">
+                          <a:solidFill>
+                            <a:prstClr val="ltGray"/>
+                          </a:solidFill>
+                        </a:ln>
+                      </p166:spPr>
+                    </psuz:zmPr>
+                  </psuz:summaryZmObj>
+                  <psuz:summaryZmObj sectionId="{D6A69A88-33A5-4091-A66E-533B9558B68E}">
+                    <psuz:zmPr id="{2EED2313-555E-4322-8C62-7462CDA7A256}" transitionDur="750">
+                      <p166:blipFill xmlns:p166="http://schemas.microsoft.com/office/powerpoint/2016/6/main">
+                        <a:blip r:embed="rId8"/>
+                        <a:stretch>
+                          <a:fillRect/>
+                        </a:stretch>
+                      </p166:blipFill>
+                      <p166:spPr xmlns:p166="http://schemas.microsoft.com/office/powerpoint/2016/6/main">
+                        <a:xfrm>
+                          <a:off x="5321373" y="1863005"/>
+                          <a:ext cx="2374583" cy="1335703"/>
+                        </a:xfrm>
+                        <a:prstGeom prst="rect">
+                          <a:avLst/>
+                        </a:prstGeom>
+                        <a:ln w="3175">
+                          <a:solidFill>
+                            <a:prstClr val="ltGray"/>
+                          </a:solidFill>
+                        </a:ln>
+                      </p166:spPr>
+                    </psuz:zmPr>
+                  </psuz:summaryZmObj>
+                  <psuz:summaryZmObj sectionId="{B62DC81D-7119-4DBA-A8F1-949B2D1686E3}">
+                    <psuz:zmPr id="{A5D6B46C-B6B3-42CE-99D8-E65BBB13A11B}" transitionDur="750">
+                      <p166:blipFill xmlns:p166="http://schemas.microsoft.com/office/powerpoint/2016/6/main">
+                        <a:blip r:embed="rId9"/>
+                        <a:stretch>
+                          <a:fillRect/>
+                        </a:stretch>
+                      </p166:blipFill>
+                      <p166:spPr xmlns:p166="http://schemas.microsoft.com/office/powerpoint/2016/6/main">
+                        <a:xfrm>
+                          <a:off x="7785003" y="1863005"/>
+                          <a:ext cx="2374583" cy="1335703"/>
+                        </a:xfrm>
+                        <a:prstGeom prst="rect">
+                          <a:avLst/>
+                        </a:prstGeom>
+                        <a:ln w="3175">
+                          <a:solidFill>
+                            <a:prstClr val="ltGray"/>
+                          </a:solidFill>
+                        </a:ln>
+                      </p166:spPr>
+                    </psuz:zmPr>
+                  </psuz:summaryZmObj>
+                  <psuz:gridLayout/>
+                </psuz:summaryZm>
+              </a:graphicData>
+            </a:graphic>
+          </p:graphicFrame>
+        </mc:Choice>
+        <mc:Fallback>
+          <p:grpSp>
+            <p:nvGrpSpPr>
+              <p:cNvPr id="5" name="Summary Zoom 4">
+                <a:extLst>
+                  <a:ext uri="{FF2B5EF4-FFF2-40B4-BE49-F238E27FC236}">
+                    <a16:creationId xmlns:a16="http://schemas.microsoft.com/office/drawing/2014/main" id="{BBC55DF4-539B-4AF5-8FBA-E437AACE296C}"/>
+                  </a:ext>
+                </a:extLst>
+              </p:cNvPr>
+              <p:cNvGrpSpPr>
+                <a:grpSpLocks noGrp="1" noUngrp="1" noRot="1" noChangeAspect="1" noMove="1" noResize="1"/>
+              </p:cNvGrpSpPr>
+              <p:nvPr/>
+            </p:nvGrpSpPr>
+            <p:grpSpPr>
+              <a:xfrm>
+                <a:off x="819150" y="2222500"/>
+                <a:ext cx="10553700" cy="3636963"/>
+                <a:chOff x="819150" y="2222500"/>
+                <a:chExt cx="10553700" cy="3636963"/>
+              </a:xfrm>
+            </p:grpSpPr>
+            <p:pic>
+              <p:nvPicPr>
+                <p:cNvPr id="6" name="Picture 6">
+                  <a:hlinkClick r:id="rId10" action="ppaction://hlinksldjump"/>
+                </p:cNvPr>
+                <p:cNvPicPr>
+                  <a:picLocks noSelect="1" noRot="1" noChangeAspect="1" noMove="1" noResize="1" noEditPoints="1" noAdjustHandles="1" noChangeArrowheads="1" noChangeShapeType="1"/>
+                </p:cNvPicPr>
+                <p:nvPr/>
+              </p:nvPicPr>
+              <p:blipFill>
+                <a:blip r:embed="rId2"/>
+                <a:stretch>
+                  <a:fillRect/>
+                </a:stretch>
+              </p:blipFill>
+              <p:spPr>
+                <a:xfrm>
+                  <a:off x="1213263" y="2660755"/>
+                  <a:ext cx="2374583" cy="1335703"/>
+                </a:xfrm>
+                <a:prstGeom prst="rect">
+                  <a:avLst/>
+                </a:prstGeom>
+                <a:ln w="3175">
+                  <a:solidFill>
+                    <a:prstClr val="ltGray"/>
+                  </a:solidFill>
+                </a:ln>
+              </p:spPr>
+            </p:pic>
+            <p:pic>
+              <p:nvPicPr>
+                <p:cNvPr id="7" name="Picture 7">
+                  <a:hlinkClick r:id="rId11" action="ppaction://hlinksldjump"/>
+                </p:cNvPr>
+                <p:cNvPicPr>
+                  <a:picLocks noSelect="1" noRot="1" noChangeAspect="1" noMove="1" noResize="1" noEditPoints="1" noAdjustHandles="1" noChangeArrowheads="1" noChangeShapeType="1"/>
+                </p:cNvPicPr>
+                <p:nvPr/>
+              </p:nvPicPr>
+              <p:blipFill>
+                <a:blip r:embed="rId3"/>
+                <a:stretch>
+                  <a:fillRect/>
+                </a:stretch>
+              </p:blipFill>
+              <p:spPr>
+                <a:xfrm>
+                  <a:off x="3676893" y="2660755"/>
+                  <a:ext cx="2374583" cy="1335703"/>
+                </a:xfrm>
+                <a:prstGeom prst="rect">
+                  <a:avLst/>
+                </a:prstGeom>
+                <a:ln w="3175">
+                  <a:solidFill>
+                    <a:prstClr val="ltGray"/>
+                  </a:solidFill>
+                </a:ln>
+              </p:spPr>
+            </p:pic>
+            <p:pic>
+              <p:nvPicPr>
+                <p:cNvPr id="8" name="Picture 8">
+                  <a:hlinkClick r:id="rId12" action="ppaction://hlinksldjump"/>
+                </p:cNvPr>
+                <p:cNvPicPr>
+                  <a:picLocks noSelect="1" noRot="1" noChangeAspect="1" noMove="1" noResize="1" noEditPoints="1" noAdjustHandles="1" noChangeArrowheads="1" noChangeShapeType="1"/>
+                </p:cNvPicPr>
+                <p:nvPr/>
+              </p:nvPicPr>
+              <p:blipFill>
+                <a:blip r:embed="rId4"/>
+                <a:stretch>
+                  <a:fillRect/>
+                </a:stretch>
+              </p:blipFill>
+              <p:spPr>
+                <a:xfrm>
+                  <a:off x="6140523" y="2660755"/>
+                  <a:ext cx="2374583" cy="1335703"/>
+                </a:xfrm>
+                <a:prstGeom prst="rect">
+                  <a:avLst/>
+                </a:prstGeom>
+                <a:ln w="3175">
+                  <a:solidFill>
+                    <a:prstClr val="ltGray"/>
+                  </a:solidFill>
+                </a:ln>
+              </p:spPr>
+            </p:pic>
+            <p:pic>
+              <p:nvPicPr>
+                <p:cNvPr id="9" name="Picture 9">
+                  <a:hlinkClick r:id="rId13" action="ppaction://hlinksldjump"/>
+                </p:cNvPr>
+                <p:cNvPicPr>
+                  <a:picLocks noSelect="1" noRot="1" noChangeAspect="1" noMove="1" noResize="1" noEditPoints="1" noAdjustHandles="1" noChangeArrowheads="1" noChangeShapeType="1"/>
+                </p:cNvPicPr>
+                <p:nvPr/>
+              </p:nvPicPr>
+              <p:blipFill>
+                <a:blip r:embed="rId5"/>
+                <a:stretch>
+                  <a:fillRect/>
+                </a:stretch>
+              </p:blipFill>
+              <p:spPr>
+                <a:xfrm>
+                  <a:off x="8604153" y="2660755"/>
+                  <a:ext cx="2374583" cy="1335703"/>
+                </a:xfrm>
+                <a:prstGeom prst="rect">
+                  <a:avLst/>
+                </a:prstGeom>
+                <a:ln w="3175">
+                  <a:solidFill>
+                    <a:prstClr val="ltGray"/>
+                  </a:solidFill>
+                </a:ln>
+              </p:spPr>
+            </p:pic>
+            <p:pic>
+              <p:nvPicPr>
+                <p:cNvPr id="10" name="Picture 10">
+                  <a:hlinkClick r:id="rId14" action="ppaction://hlinksldjump"/>
+                </p:cNvPr>
+                <p:cNvPicPr>
+                  <a:picLocks noSelect="1" noRot="1" noChangeAspect="1" noMove="1" noResize="1" noEditPoints="1" noAdjustHandles="1" noChangeArrowheads="1" noChangeShapeType="1"/>
+                </p:cNvPicPr>
+                <p:nvPr/>
+              </p:nvPicPr>
+              <p:blipFill>
+                <a:blip r:embed="rId6"/>
+                <a:stretch>
+                  <a:fillRect/>
+                </a:stretch>
+              </p:blipFill>
+              <p:spPr>
+                <a:xfrm>
+                  <a:off x="1213263" y="4085505"/>
+                  <a:ext cx="2374583" cy="1335703"/>
+                </a:xfrm>
+                <a:prstGeom prst="rect">
+                  <a:avLst/>
+                </a:prstGeom>
+                <a:ln w="3175">
+                  <a:solidFill>
+                    <a:prstClr val="ltGray"/>
+                  </a:solidFill>
+                </a:ln>
+              </p:spPr>
+            </p:pic>
+            <p:pic>
+              <p:nvPicPr>
+                <p:cNvPr id="11" name="Picture 11">
+                  <a:hlinkClick r:id="rId15" action="ppaction://hlinksldjump"/>
+                </p:cNvPr>
+                <p:cNvPicPr>
+                  <a:picLocks noSelect="1" noRot="1" noChangeAspect="1" noMove="1" noResize="1" noEditPoints="1" noAdjustHandles="1" noChangeArrowheads="1" noChangeShapeType="1"/>
+                </p:cNvPicPr>
+                <p:nvPr/>
+              </p:nvPicPr>
+              <p:blipFill>
+                <a:blip r:embed="rId7"/>
+                <a:stretch>
+                  <a:fillRect/>
+                </a:stretch>
+              </p:blipFill>
+              <p:spPr>
+                <a:xfrm>
+                  <a:off x="3676893" y="4085505"/>
+                  <a:ext cx="2374583" cy="1335703"/>
+                </a:xfrm>
+                <a:prstGeom prst="rect">
+                  <a:avLst/>
+                </a:prstGeom>
+                <a:ln w="3175">
+                  <a:solidFill>
+                    <a:prstClr val="ltGray"/>
+                  </a:solidFill>
+                </a:ln>
+              </p:spPr>
+            </p:pic>
+            <p:pic>
+              <p:nvPicPr>
+                <p:cNvPr id="12" name="Picture 12">
+                  <a:hlinkClick r:id="rId16" action="ppaction://hlinksldjump"/>
+                </p:cNvPr>
+                <p:cNvPicPr>
+                  <a:picLocks noSelect="1" noRot="1" noChangeAspect="1" noMove="1" noResize="1" noEditPoints="1" noAdjustHandles="1" noChangeArrowheads="1" noChangeShapeType="1"/>
+                </p:cNvPicPr>
+                <p:nvPr/>
+              </p:nvPicPr>
+              <p:blipFill>
+                <a:blip r:embed="rId8"/>
+                <a:stretch>
+                  <a:fillRect/>
+                </a:stretch>
+              </p:blipFill>
+              <p:spPr>
+                <a:xfrm>
+                  <a:off x="6140523" y="4085505"/>
+                  <a:ext cx="2374583" cy="1335703"/>
+                </a:xfrm>
+                <a:prstGeom prst="rect">
+                  <a:avLst/>
+                </a:prstGeom>
+                <a:ln w="3175">
+                  <a:solidFill>
+                    <a:prstClr val="ltGray"/>
+                  </a:solidFill>
+                </a:ln>
+              </p:spPr>
+            </p:pic>
+            <p:pic>
+              <p:nvPicPr>
+                <p:cNvPr id="13" name="Picture 13">
+                  <a:hlinkClick r:id="rId17" action="ppaction://hlinksldjump"/>
+                </p:cNvPr>
+                <p:cNvPicPr>
+                  <a:picLocks noSelect="1" noRot="1" noChangeAspect="1" noMove="1" noResize="1" noEditPoints="1" noAdjustHandles="1" noChangeArrowheads="1" noChangeShapeType="1"/>
+                </p:cNvPicPr>
+                <p:nvPr/>
+              </p:nvPicPr>
+              <p:blipFill>
+                <a:blip r:embed="rId9"/>
+                <a:stretch>
+                  <a:fillRect/>
+                </a:stretch>
+              </p:blipFill>
+              <p:spPr>
+                <a:xfrm>
+                  <a:off x="8604153" y="4085505"/>
+                  <a:ext cx="2374583" cy="1335703"/>
+                </a:xfrm>
+                <a:prstGeom prst="rect">
+                  <a:avLst/>
+                </a:prstGeom>
+                <a:ln w="3175">
+                  <a:solidFill>
+                    <a:prstClr val="ltGray"/>
+                  </a:solidFill>
+                </a:ln>
+              </p:spPr>
+            </p:pic>
+          </p:grpSp>
+        </mc:Fallback>
+      </mc:AlternateContent>
+    </p:spTree>
+    <p:extLst>
+      <p:ext uri="{BB962C8B-B14F-4D97-AF65-F5344CB8AC3E}">
+        <p14:creationId xmlns:p14="http://schemas.microsoft.com/office/powerpoint/2010/main" val="2048408449"/>
+      </p:ext>
+    </p:extLst>
+  </p:cSld>
+  <p:clrMapOvr>
+    <a:masterClrMapping/>
+  </p:clrMapOvr>
+  <mc:AlternateContent xmlns:mc="http://schemas.openxmlformats.org/markup-compatibility/2006">
+    <mc:Choice xmlns:p14="http://schemas.microsoft.com/office/powerpoint/2010/main" Requires="p14">
+      <p:transition spd="slow" p14:dur="1250">
+        <p14:switch dir="r"/>
+      </p:transition>
+    </mc:Choice>
+    <mc:Fallback>
+      <p:transition spd="slow">
+        <p:fade/>
+      </p:transition>
+    </mc:Fallback>
+  </mc:AlternateContent>
+</p:sld>
+</file>
+
+<file path=ppt/slides/slide8.xml><?xml version="1.0" encoding="utf-8"?>
+<p:sld xmlns:a="http://schemas.openxmlformats.org/drawingml/2006/main" xmlns:r="http://schemas.openxmlformats.org/officeDocument/2006/relationships" xmlns:p="http://schemas.openxmlformats.org/presentationml/2006/main">
+  <p:cSld>
+    <p:spTree>
+      <p:nvGrpSpPr>
+        <p:cNvPr id="1" name=""/>
+        <p:cNvGrpSpPr/>
+        <p:nvPr/>
+      </p:nvGrpSpPr>
+      <p:grpSpPr>
+        <a:xfrm>
+          <a:off x="0" y="0"/>
+          <a:ext cx="0" cy="0"/>
+          <a:chOff x="0" y="0"/>
+          <a:chExt cx="0" cy="0"/>
+        </a:xfrm>
+      </p:grpSpPr>
+      <p:sp>
+        <p:nvSpPr>
+          <p:cNvPr id="2" name="Title 1">
+            <a:extLst>
+              <a:ext uri="{FF2B5EF4-FFF2-40B4-BE49-F238E27FC236}">
+                <a16:creationId xmlns:a16="http://schemas.microsoft.com/office/drawing/2014/main" id="{A0E347B6-9D87-4240-B007-622872ACF097}"/>
+              </a:ext>
+            </a:extLst>
+          </p:cNvPr>
+          <p:cNvSpPr>
+            <a:spLocks noGrp="1"/>
+          </p:cNvSpPr>
+          <p:nvPr>
+            <p:ph type="title"/>
+          </p:nvPr>
+        </p:nvSpPr>
+        <p:spPr/>
+        <p:txBody>
+          <a:bodyPr/>
+          <a:lstStyle/>
+          <a:p>
+            <a:r>
+              <a:rPr lang="de-DE" dirty="0"/>
+              <a:t>Spieler (Zielgruppe)</a:t>
+            </a:r>
+          </a:p>
+        </p:txBody>
+      </p:sp>
+      <p:sp>
+        <p:nvSpPr>
+          <p:cNvPr id="3" name="Text Placeholder 2">
+            <a:extLst>
+              <a:ext uri="{FF2B5EF4-FFF2-40B4-BE49-F238E27FC236}">
+                <a16:creationId xmlns:a16="http://schemas.microsoft.com/office/drawing/2014/main" id="{9B0836C9-04FE-46DD-96EA-09BD75620C8A}"/>
+              </a:ext>
+            </a:extLst>
+          </p:cNvPr>
+          <p:cNvSpPr>
+            <a:spLocks noGrp="1"/>
+          </p:cNvSpPr>
+          <p:nvPr>
+            <p:ph type="body" idx="1"/>
+          </p:nvPr>
+        </p:nvSpPr>
+        <p:spPr/>
+        <p:txBody>
+          <a:bodyPr/>
+          <a:lstStyle/>
+          <a:p>
+            <a:endParaRPr lang="de-DE"/>
+          </a:p>
+        </p:txBody>
+      </p:sp>
+    </p:spTree>
+    <p:extLst>
+      <p:ext uri="{BB962C8B-B14F-4D97-AF65-F5344CB8AC3E}">
+        <p14:creationId xmlns:p14="http://schemas.microsoft.com/office/powerpoint/2010/main" val="3767224182"/>
+      </p:ext>
+    </p:extLst>
+  </p:cSld>
+  <p:clrMapOvr>
+    <a:masterClrMapping/>
+  </p:clrMapOvr>
+</p:sld>
+</file>
+
+<file path=ppt/slides/slide9.xml><?xml version="1.0" encoding="utf-8"?>
+<p:sld xmlns:a="http://schemas.openxmlformats.org/drawingml/2006/main" xmlns:r="http://schemas.openxmlformats.org/officeDocument/2006/relationships" xmlns:p="http://schemas.openxmlformats.org/presentationml/2006/main">
+  <p:cSld>
+    <p:spTree>
+      <p:nvGrpSpPr>
+        <p:cNvPr id="1" name=""/>
+        <p:cNvGrpSpPr/>
+        <p:nvPr/>
+      </p:nvGrpSpPr>
+      <p:grpSpPr>
+        <a:xfrm>
+          <a:off x="0" y="0"/>
+          <a:ext cx="0" cy="0"/>
+          <a:chOff x="0" y="0"/>
+          <a:chExt cx="0" cy="0"/>
+        </a:xfrm>
+      </p:grpSpPr>
+      <p:sp>
+        <p:nvSpPr>
+          <p:cNvPr id="2" name="Title 1">
+            <a:extLst>
+              <a:ext uri="{FF2B5EF4-FFF2-40B4-BE49-F238E27FC236}">
+                <a16:creationId xmlns:a16="http://schemas.microsoft.com/office/drawing/2014/main" id="{B365A255-200E-4F86-BD21-23E894FAF123}"/>
+              </a:ext>
+            </a:extLst>
+          </p:cNvPr>
+          <p:cNvSpPr>
+            <a:spLocks noGrp="1"/>
+          </p:cNvSpPr>
+          <p:nvPr>
+            <p:ph type="title"/>
+          </p:nvPr>
+        </p:nvSpPr>
+        <p:spPr/>
+        <p:txBody>
+          <a:bodyPr/>
+          <a:lstStyle/>
+          <a:p>
+            <a:r>
+              <a:rPr lang="de-DE" dirty="0"/>
+              <a:t>Gegenstand und Ziel des Spiels</a:t>
+            </a:r>
+          </a:p>
+        </p:txBody>
+      </p:sp>
+      <p:sp>
+        <p:nvSpPr>
+          <p:cNvPr id="3" name="Text Placeholder 2">
+            <a:extLst>
+              <a:ext uri="{FF2B5EF4-FFF2-40B4-BE49-F238E27FC236}">
+                <a16:creationId xmlns:a16="http://schemas.microsoft.com/office/drawing/2014/main" id="{2B52C165-D6F8-448F-A102-823281144D12}"/>
+              </a:ext>
+            </a:extLst>
+          </p:cNvPr>
+          <p:cNvSpPr>
+            <a:spLocks noGrp="1"/>
+          </p:cNvSpPr>
+          <p:nvPr>
+            <p:ph type="body" idx="1"/>
+          </p:nvPr>
+        </p:nvSpPr>
+        <p:spPr/>
+        <p:txBody>
+          <a:bodyPr/>
+          <a:lstStyle/>
+          <a:p>
+            <a:endParaRPr lang="de-DE"/>
+          </a:p>
+        </p:txBody>
+      </p:sp>
+    </p:spTree>
+    <p:extLst>
+      <p:ext uri="{BB962C8B-B14F-4D97-AF65-F5344CB8AC3E}">
+        <p14:creationId xmlns:p14="http://schemas.microsoft.com/office/powerpoint/2010/main" val="1117020876"/>
       </p:ext>
     </p:extLst>
   </p:cSld>

--- a/Information/Präsentation.pptx
+++ b/Information/Präsentation.pptx
@@ -13,13 +13,20 @@
     <p:sldId id="262" r:id="rId7"/>
     <p:sldId id="272" r:id="rId8"/>
     <p:sldId id="268" r:id="rId9"/>
-    <p:sldId id="270" r:id="rId10"/>
-    <p:sldId id="269" r:id="rId11"/>
-    <p:sldId id="263" r:id="rId12"/>
-    <p:sldId id="264" r:id="rId13"/>
-    <p:sldId id="265" r:id="rId14"/>
-    <p:sldId id="266" r:id="rId15"/>
-    <p:sldId id="267" r:id="rId16"/>
+    <p:sldId id="273" r:id="rId10"/>
+    <p:sldId id="270" r:id="rId11"/>
+    <p:sldId id="274" r:id="rId12"/>
+    <p:sldId id="269" r:id="rId13"/>
+    <p:sldId id="276" r:id="rId14"/>
+    <p:sldId id="263" r:id="rId15"/>
+    <p:sldId id="264" r:id="rId16"/>
+    <p:sldId id="277" r:id="rId17"/>
+    <p:sldId id="265" r:id="rId18"/>
+    <p:sldId id="278" r:id="rId19"/>
+    <p:sldId id="266" r:id="rId20"/>
+    <p:sldId id="279" r:id="rId21"/>
+    <p:sldId id="267" r:id="rId22"/>
+    <p:sldId id="280" r:id="rId23"/>
   </p:sldIdLst>
   <p:sldSz cx="12192000" cy="6858000"/>
   <p:notesSz cx="6858000" cy="9144000"/>
@@ -147,16 +154,19 @@
         <p14:section name="Spieler (Zielgruppe)" id="{2D74ECE9-51AA-48B2-A681-1B700657B38C}">
           <p14:sldIdLst>
             <p14:sldId id="268"/>
+            <p14:sldId id="273"/>
           </p14:sldIdLst>
         </p14:section>
         <p14:section name="Gegenstand und Ziel des Spiels" id="{3416F951-5A24-405D-9DA1-EF4A54895E36}">
           <p14:sldIdLst>
             <p14:sldId id="270"/>
+            <p14:sldId id="274"/>
           </p14:sldIdLst>
         </p14:section>
         <p14:section name="Abläufe" id="{FBA0BB86-F06D-4BA0-983B-4B94ED8FA917}">
           <p14:sldIdLst>
             <p14:sldId id="269"/>
+            <p14:sldId id="276"/>
           </p14:sldIdLst>
         </p14:section>
         <p14:section name="Regeln" id="{4EAB2BE6-6483-4DE4-B885-F8A04D3A5DC6}">
@@ -167,21 +177,25 @@
         <p14:section name="Resourcen" id="{F5254605-6156-463A-9D1F-716FC09734B6}">
           <p14:sldIdLst>
             <p14:sldId id="264"/>
+            <p14:sldId id="277"/>
           </p14:sldIdLst>
         </p14:section>
         <p14:section name="(Potenzielle) Konflikte, absehbare Schwierigkeiten" id="{71526EA7-9B9A-4FE5-B037-5674774363E2}">
           <p14:sldIdLst>
             <p14:sldId id="265"/>
+            <p14:sldId id="278"/>
           </p14:sldIdLst>
         </p14:section>
         <p14:section name="Rahmenbedingungen" id="{D6A69A88-33A5-4091-A66E-533B9558B68E}">
           <p14:sldIdLst>
             <p14:sldId id="266"/>
+            <p14:sldId id="279"/>
           </p14:sldIdLst>
         </p14:section>
         <p14:section name="Ergebnisse" id="{B62DC81D-7119-4DBA-A8F1-949B2D1686E3}">
           <p14:sldIdLst>
             <p14:sldId id="267"/>
+            <p14:sldId id="280"/>
           </p14:sldIdLst>
         </p14:section>
       </p14:sectionLst>
@@ -195,7 +209,7 @@
 
 <file path=ppt/commentAuthors.xml><?xml version="1.0" encoding="utf-8"?>
 <p:cmAuthorLst xmlns:a="http://schemas.openxmlformats.org/drawingml/2006/main" xmlns:r="http://schemas.openxmlformats.org/officeDocument/2006/relationships" xmlns:p="http://schemas.openxmlformats.org/presentationml/2006/main">
-  <p:cmAuthor id="1" name="EmreKaan.Cetin@365h-brs.de" initials="E" lastIdx="4" clrIdx="0">
+  <p:cmAuthor id="1" name="EmreKaan.Cetin@365h-brs.de" initials="E" lastIdx="8" clrIdx="0">
     <p:extLst>
       <p:ext uri="{19B8F6BF-5375-455C-9EA6-DF929625EA0E}">
         <p15:presenceInfo xmlns:p15="http://schemas.microsoft.com/office/powerpoint/2012/main" userId="EmreKaan.Cetin@365h-brs.de" providerId="None"/>
@@ -247,6 +261,62 @@
 </p:cmLst>
 </file>
 
+<file path=ppt/comments/comment4.xml><?xml version="1.0" encoding="utf-8"?>
+<p:cmLst xmlns:a="http://schemas.openxmlformats.org/drawingml/2006/main" xmlns:r="http://schemas.openxmlformats.org/officeDocument/2006/relationships" xmlns:p="http://schemas.openxmlformats.org/presentationml/2006/main">
+  <p:cm authorId="1" dt="2019-04-30T14:55:12.281" idx="5">
+    <p:pos x="10" y="10"/>
+    <p:text>USK Bild</p:text>
+    <p:extLst>
+      <p:ext uri="{C676402C-5697-4E1C-873F-D02D1690AC5C}">
+        <p15:threadingInfo xmlns:p15="http://schemas.microsoft.com/office/powerpoint/2012/main" timeZoneBias="-120"/>
+      </p:ext>
+    </p:extLst>
+  </p:cm>
+</p:cmLst>
+</file>
+
+<file path=ppt/comments/comment5.xml><?xml version="1.0" encoding="utf-8"?>
+<p:cmLst xmlns:a="http://schemas.openxmlformats.org/drawingml/2006/main" xmlns:r="http://schemas.openxmlformats.org/officeDocument/2006/relationships" xmlns:p="http://schemas.openxmlformats.org/presentationml/2006/main">
+  <p:cm authorId="1" dt="2019-04-30T14:55:30.009" idx="6">
+    <p:pos x="10" y="10"/>
+    <p:text>Shipwreck?</p:text>
+    <p:extLst>
+      <p:ext uri="{C676402C-5697-4E1C-873F-D02D1690AC5C}">
+        <p15:threadingInfo xmlns:p15="http://schemas.microsoft.com/office/powerpoint/2012/main" timeZoneBias="-120"/>
+      </p:ext>
+    </p:extLst>
+  </p:cm>
+</p:cmLst>
+</file>
+
+<file path=ppt/comments/comment6.xml><?xml version="1.0" encoding="utf-8"?>
+<p:cmLst xmlns:a="http://schemas.openxmlformats.org/drawingml/2006/main" xmlns:r="http://schemas.openxmlformats.org/officeDocument/2006/relationships" xmlns:p="http://schemas.openxmlformats.org/presentationml/2006/main">
+  <p:cm authorId="1" dt="2019-04-30T14:55:46.824" idx="7">
+    <p:pos x="10" y="10"/>
+    <p:text>Ändern zu Vergleich</p:text>
+    <p:extLst>
+      <p:ext uri="{C676402C-5697-4E1C-873F-D02D1690AC5C}">
+        <p15:threadingInfo xmlns:p15="http://schemas.microsoft.com/office/powerpoint/2012/main" timeZoneBias="-120"/>
+      </p:ext>
+    </p:extLst>
+  </p:cm>
+</p:cmLst>
+</file>
+
+<file path=ppt/comments/comment7.xml><?xml version="1.0" encoding="utf-8"?>
+<p:cmLst xmlns:a="http://schemas.openxmlformats.org/drawingml/2006/main" xmlns:r="http://schemas.openxmlformats.org/officeDocument/2006/relationships" xmlns:p="http://schemas.openxmlformats.org/presentationml/2006/main">
+  <p:cm authorId="1" dt="2019-04-30T14:56:31.953" idx="8">
+    <p:pos x="10" y="10"/>
+    <p:text>Spritesheet?</p:text>
+    <p:extLst>
+      <p:ext uri="{C676402C-5697-4E1C-873F-D02D1690AC5C}">
+        <p15:threadingInfo xmlns:p15="http://schemas.microsoft.com/office/powerpoint/2012/main" timeZoneBias="-120"/>
+      </p:ext>
+    </p:extLst>
+  </p:cm>
+</p:cmLst>
+</file>
+
 <file path=ppt/slideLayouts/slideLayout1.xml><?xml version="1.0" encoding="utf-8"?>
 <p:sldLayout xmlns:a="http://schemas.openxmlformats.org/drawingml/2006/main" xmlns:r="http://schemas.openxmlformats.org/officeDocument/2006/relationships" xmlns:p="http://schemas.openxmlformats.org/presentationml/2006/main" type="title" preserve="1">
   <p:cSld name="Titelfolie">
@@ -342,7 +412,7 @@
           <a:effectLst/>
           <a:extLst>
             <a:ext uri="{91240B29-F687-4f45-9708-019B960494DF}">
-              <a14:hiddenLine xmlns="" xmlns:a14="http://schemas.microsoft.com/office/drawing/2010/main" w="9525">
+              <a14:hiddenLine xmlns:a14="http://schemas.microsoft.com/office/drawing/2010/main" xmlns="" w="9525">
                 <a:solidFill>
                   <a:srgbClr val="000000"/>
                 </a:solidFill>
@@ -578,7 +648,7 @@
             <a:fld id="{D57F1E4F-1CFF-5643-939E-217C01CDF565}" type="slidenum">
               <a:rPr lang="en-US" dirty="0"/>
               <a:pPr/>
-              <a:t>‹#›</a:t>
+              <a:t>‹Nr.›</a:t>
             </a:fld>
             <a:endParaRPr lang="en-US" dirty="0"/>
           </a:p>
@@ -893,7 +963,7 @@
             <a:fld id="{D57F1E4F-1CFF-5643-939E-217C01CDF565}" type="slidenum">
               <a:rPr lang="en-US" dirty="0"/>
               <a:pPr/>
-              <a:t>‹#›</a:t>
+              <a:t>‹Nr.›</a:t>
             </a:fld>
             <a:endParaRPr lang="en-US" dirty="0"/>
           </a:p>
@@ -1378,7 +1448,7 @@
             <a:fld id="{D57F1E4F-1CFF-5643-939E-217C01CDF565}" type="slidenum">
               <a:rPr lang="en-US" dirty="0"/>
               <a:pPr/>
-              <a:t>‹#›</a:t>
+              <a:t>‹Nr.›</a:t>
             </a:fld>
             <a:endParaRPr lang="en-US" dirty="0"/>
           </a:p>
@@ -1744,7 +1814,7 @@
             <a:fld id="{D57F1E4F-1CFF-5643-939E-217C01CDF565}" type="slidenum">
               <a:rPr lang="en-US" dirty="0"/>
               <a:pPr/>
-              <a:t>‹#›</a:t>
+              <a:t>‹Nr.›</a:t>
             </a:fld>
             <a:endParaRPr lang="en-US" dirty="0"/>
           </a:p>
@@ -1852,7 +1922,7 @@
           <a:ln/>
           <a:extLst>
             <a:ext uri="{91240B29-F687-4f45-9708-019B960494DF}">
-              <a14:hiddenLine xmlns="" xmlns:a14="http://schemas.microsoft.com/office/drawing/2010/main" w="9525">
+              <a14:hiddenLine xmlns:a14="http://schemas.microsoft.com/office/drawing/2010/main" xmlns="" w="9525">
                 <a:solidFill>
                   <a:srgbClr val="000000"/>
                 </a:solidFill>
@@ -2014,7 +2084,7 @@
             <a:fld id="{D57F1E4F-1CFF-5643-939E-217C01CDF565}" type="slidenum">
               <a:rPr lang="en-US" dirty="0"/>
               <a:pPr/>
-              <a:t>‹#›</a:t>
+              <a:t>‹Nr.›</a:t>
             </a:fld>
             <a:endParaRPr lang="en-US" dirty="0"/>
           </a:p>
@@ -2124,7 +2194,7 @@
           <a:ln/>
           <a:extLst>
             <a:ext uri="{91240B29-F687-4f45-9708-019B960494DF}">
-              <a14:hiddenLine xmlns="" xmlns:a14="http://schemas.microsoft.com/office/drawing/2010/main" w="9525">
+              <a14:hiddenLine xmlns:a14="http://schemas.microsoft.com/office/drawing/2010/main" xmlns="" w="9525">
                 <a:solidFill>
                   <a:srgbClr val="000000"/>
                 </a:solidFill>
@@ -2296,7 +2366,7 @@
             <a:fld id="{D57F1E4F-1CFF-5643-939E-217C01CDF565}" type="slidenum">
               <a:rPr lang="en-US" dirty="0"/>
               <a:pPr/>
-              <a:t>‹#›</a:t>
+              <a:t>‹Nr.›</a:t>
             </a:fld>
             <a:endParaRPr lang="en-US" dirty="0"/>
           </a:p>
@@ -2404,7 +2474,7 @@
           <a:ln/>
           <a:extLst>
             <a:ext uri="{91240B29-F687-4f45-9708-019B960494DF}">
-              <a14:hiddenLine xmlns="" xmlns:a14="http://schemas.microsoft.com/office/drawing/2010/main" w="9525">
+              <a14:hiddenLine xmlns:a14="http://schemas.microsoft.com/office/drawing/2010/main" xmlns="" w="9525">
                 <a:solidFill>
                   <a:srgbClr val="000000"/>
                 </a:solidFill>
@@ -2576,7 +2646,7 @@
             <a:fld id="{D57F1E4F-1CFF-5643-939E-217C01CDF565}" type="slidenum">
               <a:rPr lang="en-US" dirty="0"/>
               <a:pPr/>
-              <a:t>‹#›</a:t>
+              <a:t>‹Nr.›</a:t>
             </a:fld>
             <a:endParaRPr lang="en-US" dirty="0"/>
           </a:p>
@@ -2916,7 +2986,7 @@
             <a:fld id="{D57F1E4F-1CFF-5643-939E-217C01CDF565}" type="slidenum">
               <a:rPr lang="en-US" dirty="0"/>
               <a:pPr/>
-              <a:t>‹#›</a:t>
+              <a:t>‹Nr.›</a:t>
             </a:fld>
             <a:endParaRPr lang="en-US" dirty="0"/>
           </a:p>
@@ -3024,7 +3094,7 @@
           <a:ln/>
           <a:extLst>
             <a:ext uri="{91240B29-F687-4f45-9708-019B960494DF}">
-              <a14:hiddenLine xmlns="" xmlns:a14="http://schemas.microsoft.com/office/drawing/2010/main" w="9525">
+              <a14:hiddenLine xmlns:a14="http://schemas.microsoft.com/office/drawing/2010/main" xmlns="" w="9525">
                 <a:solidFill>
                   <a:srgbClr val="000000"/>
                 </a:solidFill>
@@ -3252,7 +3322,7 @@
             <a:fld id="{D57F1E4F-1CFF-5643-939E-217C01CDF565}" type="slidenum">
               <a:rPr lang="en-US" dirty="0"/>
               <a:pPr/>
-              <a:t>‹#›</a:t>
+              <a:t>‹Nr.›</a:t>
             </a:fld>
             <a:endParaRPr lang="en-US" dirty="0"/>
           </a:p>
@@ -3360,7 +3430,7 @@
           <a:ln/>
           <a:extLst>
             <a:ext uri="{91240B29-F687-4f45-9708-019B960494DF}">
-              <a14:hiddenLine xmlns="" xmlns:a14="http://schemas.microsoft.com/office/drawing/2010/main" w="9525">
+              <a14:hiddenLine xmlns:a14="http://schemas.microsoft.com/office/drawing/2010/main" xmlns="" w="9525">
                 <a:solidFill>
                   <a:srgbClr val="000000"/>
                 </a:solidFill>
@@ -3726,7 +3796,7 @@
             <a:fld id="{D57F1E4F-1CFF-5643-939E-217C01CDF565}" type="slidenum">
               <a:rPr lang="en-US" dirty="0"/>
               <a:pPr/>
-              <a:t>‹#›</a:t>
+              <a:t>‹Nr.›</a:t>
             </a:fld>
             <a:endParaRPr lang="en-US" dirty="0"/>
           </a:p>
@@ -3834,7 +3904,7 @@
           <a:ln/>
           <a:extLst>
             <a:ext uri="{91240B29-F687-4f45-9708-019B960494DF}">
-              <a14:hiddenLine xmlns="" xmlns:a14="http://schemas.microsoft.com/office/drawing/2010/main" w="9525">
+              <a14:hiddenLine xmlns:a14="http://schemas.microsoft.com/office/drawing/2010/main" xmlns="" w="9525">
                 <a:solidFill>
                   <a:srgbClr val="000000"/>
                 </a:solidFill>
@@ -3944,7 +4014,7 @@
             <a:fld id="{D57F1E4F-1CFF-5643-939E-217C01CDF565}" type="slidenum">
               <a:rPr lang="en-US" dirty="0"/>
               <a:pPr/>
-              <a:t>‹#›</a:t>
+              <a:t>‹Nr.›</a:t>
             </a:fld>
             <a:endParaRPr lang="en-US" dirty="0"/>
           </a:p>
@@ -4036,7 +4106,7 @@
             <a:fld id="{D57F1E4F-1CFF-5643-939E-217C01CDF565}" type="slidenum">
               <a:rPr lang="en-US" dirty="0"/>
               <a:pPr/>
-              <a:t>‹#›</a:t>
+              <a:t>‹Nr.›</a:t>
             </a:fld>
             <a:endParaRPr lang="en-US" dirty="0"/>
           </a:p>
@@ -4257,7 +4327,7 @@
           <a:ln/>
           <a:extLst>
             <a:ext uri="{91240B29-F687-4f45-9708-019B960494DF}">
-              <a14:hiddenLine xmlns="" xmlns:a14="http://schemas.microsoft.com/office/drawing/2010/main" w="9525">
+              <a14:hiddenLine xmlns:a14="http://schemas.microsoft.com/office/drawing/2010/main" xmlns="" w="9525">
                 <a:solidFill>
                   <a:srgbClr val="000000"/>
                 </a:solidFill>
@@ -4500,7 +4570,7 @@
             <a:fld id="{D57F1E4F-1CFF-5643-939E-217C01CDF565}" type="slidenum">
               <a:rPr lang="en-US" dirty="0"/>
               <a:pPr/>
-              <a:t>‹#›</a:t>
+              <a:t>‹Nr.›</a:t>
             </a:fld>
             <a:endParaRPr lang="en-US" dirty="0"/>
           </a:p>
@@ -4820,7 +4890,7 @@
             <a:fld id="{D57F1E4F-1CFF-5643-939E-217C01CDF565}" type="slidenum">
               <a:rPr lang="en-US" dirty="0"/>
               <a:pPr/>
-              <a:t>‹#›</a:t>
+              <a:t>‹Nr.›</a:t>
             </a:fld>
             <a:endParaRPr lang="en-US" dirty="0"/>
           </a:p>
@@ -5074,7 +5144,7 @@
             <a:fld id="{D57F1E4F-1CFF-5643-939E-217C01CDF565}" type="slidenum">
               <a:rPr lang="en-US" dirty="0"/>
               <a:pPr/>
-              <a:t>‹#›</a:t>
+              <a:t>‹Nr.›</a:t>
             </a:fld>
             <a:endParaRPr lang="en-US" dirty="0"/>
           </a:p>
@@ -5652,7 +5722,7 @@
           <p:cNvPr id="2" name="Title 1">
             <a:extLst>
               <a:ext uri="{FF2B5EF4-FFF2-40B4-BE49-F238E27FC236}">
-                <a16:creationId xmlns:a16="http://schemas.microsoft.com/office/drawing/2014/main" id="{E9EB5875-F86B-4D1E-8E3E-E3784360ACAF}"/>
+                <a16:creationId xmlns:a16="http://schemas.microsoft.com/office/drawing/2014/main" id="{B365A255-200E-4F86-BD21-23E894FAF123}"/>
               </a:ext>
             </a:extLst>
           </p:cNvPr>
@@ -5670,7 +5740,7 @@
           <a:p>
             <a:r>
               <a:rPr lang="de-DE" dirty="0"/>
-              <a:t>Abläufe</a:t>
+              <a:t>Gegenstand und Ziel des Spiels</a:t>
             </a:r>
           </a:p>
         </p:txBody>
@@ -5680,7 +5750,7 @@
           <p:cNvPr id="3" name="Text Placeholder 2">
             <a:extLst>
               <a:ext uri="{FF2B5EF4-FFF2-40B4-BE49-F238E27FC236}">
-                <a16:creationId xmlns:a16="http://schemas.microsoft.com/office/drawing/2014/main" id="{EEC5B696-6980-4C06-A986-1E48597DF211}"/>
+                <a16:creationId xmlns:a16="http://schemas.microsoft.com/office/drawing/2014/main" id="{2B52C165-D6F8-448F-A102-823281144D12}"/>
               </a:ext>
             </a:extLst>
           </p:cNvPr>
@@ -5703,7 +5773,7 @@
     </p:spTree>
     <p:extLst>
       <p:ext uri="{BB962C8B-B14F-4D97-AF65-F5344CB8AC3E}">
-        <p14:creationId xmlns:p14="http://schemas.microsoft.com/office/powerpoint/2010/main" val="1020318277"/>
+        <p14:creationId xmlns:p14="http://schemas.microsoft.com/office/powerpoint/2010/main" val="1117020876"/>
       </p:ext>
     </p:extLst>
   </p:cSld>
@@ -5732,10 +5802,10 @@
       </p:grpSpPr>
       <p:sp>
         <p:nvSpPr>
-          <p:cNvPr id="2" name="Title 1">
+          <p:cNvPr id="2" name="Titel 1">
             <a:extLst>
               <a:ext uri="{FF2B5EF4-FFF2-40B4-BE49-F238E27FC236}">
-                <a16:creationId xmlns:a16="http://schemas.microsoft.com/office/drawing/2014/main" id="{F75A3D9C-0C7A-43DF-99EB-A8C063B3C172}"/>
+                <a16:creationId xmlns:a16="http://schemas.microsoft.com/office/drawing/2014/main" id="{F28AE2A3-81B8-45B2-A5A8-DED21D00A916}"/>
               </a:ext>
             </a:extLst>
           </p:cNvPr>
@@ -5753,17 +5823,17 @@
           <a:p>
             <a:r>
               <a:rPr lang="de-DE" dirty="0"/>
-              <a:t>Regeln</a:t>
-            </a:r>
-          </a:p>
-        </p:txBody>
-      </p:sp>
-      <p:sp>
-        <p:nvSpPr>
-          <p:cNvPr id="4" name="Text Placeholder 3">
+              <a:t>Gegenstand und Ziel des Spiels</a:t>
+            </a:r>
+          </a:p>
+        </p:txBody>
+      </p:sp>
+      <p:sp>
+        <p:nvSpPr>
+          <p:cNvPr id="3" name="Inhaltsplatzhalter 2">
             <a:extLst>
               <a:ext uri="{FF2B5EF4-FFF2-40B4-BE49-F238E27FC236}">
-                <a16:creationId xmlns:a16="http://schemas.microsoft.com/office/drawing/2014/main" id="{C9F72C86-7D50-40ED-9472-33A84BAFE548}"/>
+                <a16:creationId xmlns:a16="http://schemas.microsoft.com/office/drawing/2014/main" id="{85591122-C9E8-45EA-BF4B-46DA9D2FCE46}"/>
               </a:ext>
             </a:extLst>
           </p:cNvPr>
@@ -5771,28 +5841,60 @@
             <a:spLocks noGrp="1"/>
           </p:cNvSpPr>
           <p:nvPr>
-            <p:ph type="body" idx="1"/>
+            <p:ph idx="1"/>
           </p:nvPr>
         </p:nvSpPr>
         <p:spPr/>
         <p:txBody>
-          <a:bodyPr/>
-          <a:lstStyle/>
-          <a:p>
-            <a:endParaRPr lang="de-DE"/>
+          <a:bodyPr>
+            <a:normAutofit/>
+          </a:bodyPr>
+          <a:lstStyle/>
+          <a:p>
+            <a:r>
+              <a:rPr lang="de-DE" sz="2000" dirty="0" err="1"/>
+              <a:t>Storybasiertes</a:t>
+            </a:r>
+            <a:r>
+              <a:rPr lang="de-DE" sz="2000" dirty="0"/>
+              <a:t> Survivalspiel für eine Person</a:t>
+            </a:r>
+          </a:p>
+          <a:p>
+            <a:r>
+              <a:rPr lang="de-DE" sz="2000" dirty="0"/>
+              <a:t>Spieler erforscht eine zerstörte Welt</a:t>
+            </a:r>
+          </a:p>
+          <a:p>
+            <a:pPr lvl="1"/>
+            <a:r>
+              <a:rPr lang="de-DE" sz="1800" dirty="0"/>
+              <a:t>Kann wenige Minuten vor Eintritt des Unglücks reisen</a:t>
+            </a:r>
+          </a:p>
+          <a:p>
+            <a:pPr lvl="1"/>
+            <a:r>
+              <a:rPr lang="de-DE" sz="1800" dirty="0"/>
+              <a:t>Ziel: Ursache der Katastrophe herausfinden und diese abwenden</a:t>
+            </a:r>
           </a:p>
         </p:txBody>
       </p:sp>
     </p:spTree>
     <p:extLst>
       <p:ext uri="{BB962C8B-B14F-4D97-AF65-F5344CB8AC3E}">
-        <p14:creationId xmlns:p14="http://schemas.microsoft.com/office/powerpoint/2010/main" val="3186779876"/>
+        <p14:creationId xmlns:p14="http://schemas.microsoft.com/office/powerpoint/2010/main" val="4259698189"/>
       </p:ext>
     </p:extLst>
   </p:cSld>
   <p:clrMapOvr>
     <a:masterClrMapping/>
   </p:clrMapOvr>
+  <p:transition spd="med">
+    <p:pull/>
+  </p:transition>
 </p:sld>
 </file>
 
@@ -5818,7 +5920,7 @@
           <p:cNvPr id="2" name="Title 1">
             <a:extLst>
               <a:ext uri="{FF2B5EF4-FFF2-40B4-BE49-F238E27FC236}">
-                <a16:creationId xmlns:a16="http://schemas.microsoft.com/office/drawing/2014/main" id="{EF02E3B6-7728-409B-AA2F-6C156B0FA560}"/>
+                <a16:creationId xmlns:a16="http://schemas.microsoft.com/office/drawing/2014/main" id="{E9EB5875-F86B-4D1E-8E3E-E3784360ACAF}"/>
               </a:ext>
             </a:extLst>
           </p:cNvPr>
@@ -5836,17 +5938,17 @@
           <a:p>
             <a:r>
               <a:rPr lang="de-DE" dirty="0"/>
-              <a:t>Ressourcen</a:t>
-            </a:r>
-          </a:p>
-        </p:txBody>
-      </p:sp>
-      <p:sp>
-        <p:nvSpPr>
-          <p:cNvPr id="4" name="Text Placeholder 3">
+              <a:t>Abläufe</a:t>
+            </a:r>
+          </a:p>
+        </p:txBody>
+      </p:sp>
+      <p:sp>
+        <p:nvSpPr>
+          <p:cNvPr id="3" name="Text Placeholder 2">
             <a:extLst>
               <a:ext uri="{FF2B5EF4-FFF2-40B4-BE49-F238E27FC236}">
-                <a16:creationId xmlns:a16="http://schemas.microsoft.com/office/drawing/2014/main" id="{5D2288A5-B0AC-4C1C-B6B2-1D4694396011}"/>
+                <a16:creationId xmlns:a16="http://schemas.microsoft.com/office/drawing/2014/main" id="{EEC5B696-6980-4C06-A986-1E48597DF211}"/>
               </a:ext>
             </a:extLst>
           </p:cNvPr>
@@ -5869,7 +5971,7 @@
     </p:spTree>
     <p:extLst>
       <p:ext uri="{BB962C8B-B14F-4D97-AF65-F5344CB8AC3E}">
-        <p14:creationId xmlns:p14="http://schemas.microsoft.com/office/powerpoint/2010/main" val="3851938191"/>
+        <p14:creationId xmlns:p14="http://schemas.microsoft.com/office/powerpoint/2010/main" val="1020318277"/>
       </p:ext>
     </p:extLst>
   </p:cSld>
@@ -5898,10 +6000,10 @@
       </p:grpSpPr>
       <p:sp>
         <p:nvSpPr>
-          <p:cNvPr id="2" name="Title 1">
+          <p:cNvPr id="2" name="Titel 1">
             <a:extLst>
               <a:ext uri="{FF2B5EF4-FFF2-40B4-BE49-F238E27FC236}">
-                <a16:creationId xmlns:a16="http://schemas.microsoft.com/office/drawing/2014/main" id="{E2FC36D9-4836-4C7F-B17D-330362EAA4FC}"/>
+                <a16:creationId xmlns:a16="http://schemas.microsoft.com/office/drawing/2014/main" id="{84F86118-F345-4523-AF7F-F7D68E053282}"/>
               </a:ext>
             </a:extLst>
           </p:cNvPr>
@@ -5919,17 +6021,17 @@
           <a:p>
             <a:r>
               <a:rPr lang="de-DE" dirty="0"/>
-              <a:t>Konflikte &amp; absehbare Schwierigkeiten</a:t>
-            </a:r>
-          </a:p>
-        </p:txBody>
-      </p:sp>
-      <p:sp>
-        <p:nvSpPr>
-          <p:cNvPr id="4" name="Text Placeholder 3">
+              <a:t>Abläufe (1/2)</a:t>
+            </a:r>
+          </a:p>
+        </p:txBody>
+      </p:sp>
+      <p:sp>
+        <p:nvSpPr>
+          <p:cNvPr id="3" name="Inhaltsplatzhalter 2">
             <a:extLst>
               <a:ext uri="{FF2B5EF4-FFF2-40B4-BE49-F238E27FC236}">
-                <a16:creationId xmlns:a16="http://schemas.microsoft.com/office/drawing/2014/main" id="{E2A16828-BD38-4201-AFA8-DE45322A084F}"/>
+                <a16:creationId xmlns:a16="http://schemas.microsoft.com/office/drawing/2014/main" id="{822DEB85-F3D0-4C61-A6DC-6463E9A6ADF1}"/>
               </a:ext>
             </a:extLst>
           </p:cNvPr>
@@ -5937,7 +6039,32 @@
             <a:spLocks noGrp="1"/>
           </p:cNvSpPr>
           <p:nvPr>
-            <p:ph type="body" idx="1"/>
+            <p:ph sz="half" idx="1"/>
+          </p:nvPr>
+        </p:nvSpPr>
+        <p:spPr/>
+        <p:txBody>
+          <a:bodyPr/>
+          <a:lstStyle/>
+          <a:p>
+            <a:endParaRPr lang="de-DE" dirty="0"/>
+          </a:p>
+        </p:txBody>
+      </p:sp>
+      <p:sp>
+        <p:nvSpPr>
+          <p:cNvPr id="4" name="Inhaltsplatzhalter 3">
+            <a:extLst>
+              <a:ext uri="{FF2B5EF4-FFF2-40B4-BE49-F238E27FC236}">
+                <a16:creationId xmlns:a16="http://schemas.microsoft.com/office/drawing/2014/main" id="{B2281C8A-31A1-4B71-A5AC-847D2CA27994}"/>
+              </a:ext>
+            </a:extLst>
+          </p:cNvPr>
+          <p:cNvSpPr>
+            <a:spLocks noGrp="1"/>
+          </p:cNvSpPr>
+          <p:nvPr>
+            <p:ph sz="half" idx="2"/>
           </p:nvPr>
         </p:nvSpPr>
         <p:spPr/>
@@ -5952,13 +6079,16 @@
     </p:spTree>
     <p:extLst>
       <p:ext uri="{BB962C8B-B14F-4D97-AF65-F5344CB8AC3E}">
-        <p14:creationId xmlns:p14="http://schemas.microsoft.com/office/powerpoint/2010/main" val="727512892"/>
+        <p14:creationId xmlns:p14="http://schemas.microsoft.com/office/powerpoint/2010/main" val="501255173"/>
       </p:ext>
     </p:extLst>
   </p:cSld>
   <p:clrMapOvr>
     <a:masterClrMapping/>
   </p:clrMapOvr>
+  <p:transition spd="med">
+    <p:pull/>
+  </p:transition>
 </p:sld>
 </file>
 
@@ -5984,7 +6114,7 @@
           <p:cNvPr id="2" name="Title 1">
             <a:extLst>
               <a:ext uri="{FF2B5EF4-FFF2-40B4-BE49-F238E27FC236}">
-                <a16:creationId xmlns:a16="http://schemas.microsoft.com/office/drawing/2014/main" id="{A4068062-1FBB-481E-8A2D-DDC9C5F15684}"/>
+                <a16:creationId xmlns:a16="http://schemas.microsoft.com/office/drawing/2014/main" id="{F75A3D9C-0C7A-43DF-99EB-A8C063B3C172}"/>
               </a:ext>
             </a:extLst>
           </p:cNvPr>
@@ -6002,7 +6132,7 @@
           <a:p>
             <a:r>
               <a:rPr lang="de-DE" dirty="0"/>
-              <a:t>Rahmenbedingungen</a:t>
+              <a:t>Regeln</a:t>
             </a:r>
           </a:p>
         </p:txBody>
@@ -6012,7 +6142,7 @@
           <p:cNvPr id="4" name="Text Placeholder 3">
             <a:extLst>
               <a:ext uri="{FF2B5EF4-FFF2-40B4-BE49-F238E27FC236}">
-                <a16:creationId xmlns:a16="http://schemas.microsoft.com/office/drawing/2014/main" id="{77C20D7E-2C45-4B3D-AB55-23BD7017A865}"/>
+                <a16:creationId xmlns:a16="http://schemas.microsoft.com/office/drawing/2014/main" id="{C9F72C86-7D50-40ED-9472-33A84BAFE548}"/>
               </a:ext>
             </a:extLst>
           </p:cNvPr>
@@ -6035,7 +6165,7 @@
     </p:spTree>
     <p:extLst>
       <p:ext uri="{BB962C8B-B14F-4D97-AF65-F5344CB8AC3E}">
-        <p14:creationId xmlns:p14="http://schemas.microsoft.com/office/powerpoint/2010/main" val="2995921652"/>
+        <p14:creationId xmlns:p14="http://schemas.microsoft.com/office/powerpoint/2010/main" val="3186779876"/>
       </p:ext>
     </p:extLst>
   </p:cSld>
@@ -6067,7 +6197,7 @@
           <p:cNvPr id="2" name="Title 1">
             <a:extLst>
               <a:ext uri="{FF2B5EF4-FFF2-40B4-BE49-F238E27FC236}">
-                <a16:creationId xmlns:a16="http://schemas.microsoft.com/office/drawing/2014/main" id="{663570ED-9D61-46D3-906D-9C71BEF067B6}"/>
+                <a16:creationId xmlns:a16="http://schemas.microsoft.com/office/drawing/2014/main" id="{EF02E3B6-7728-409B-AA2F-6C156B0FA560}"/>
               </a:ext>
             </a:extLst>
           </p:cNvPr>
@@ -6085,7 +6215,7 @@
           <a:p>
             <a:r>
               <a:rPr lang="de-DE" dirty="0"/>
-              <a:t>Ergebnisse</a:t>
+              <a:t>Ressourcen</a:t>
             </a:r>
           </a:p>
         </p:txBody>
@@ -6095,7 +6225,7 @@
           <p:cNvPr id="4" name="Text Placeholder 3">
             <a:extLst>
               <a:ext uri="{FF2B5EF4-FFF2-40B4-BE49-F238E27FC236}">
-                <a16:creationId xmlns:a16="http://schemas.microsoft.com/office/drawing/2014/main" id="{C913C932-11BD-46C0-86DB-07A2A8DC10A6}"/>
+                <a16:creationId xmlns:a16="http://schemas.microsoft.com/office/drawing/2014/main" id="{5D2288A5-B0AC-4C1C-B6B2-1D4694396011}"/>
               </a:ext>
             </a:extLst>
           </p:cNvPr>
@@ -6118,7 +6248,612 @@
     </p:spTree>
     <p:extLst>
       <p:ext uri="{BB962C8B-B14F-4D97-AF65-F5344CB8AC3E}">
-        <p14:creationId xmlns:p14="http://schemas.microsoft.com/office/powerpoint/2010/main" val="3970480316"/>
+        <p14:creationId xmlns:p14="http://schemas.microsoft.com/office/powerpoint/2010/main" val="3851938191"/>
+      </p:ext>
+    </p:extLst>
+  </p:cSld>
+  <p:clrMapOvr>
+    <a:masterClrMapping/>
+  </p:clrMapOvr>
+</p:sld>
+</file>
+
+<file path=ppt/slides/slide16.xml><?xml version="1.0" encoding="utf-8"?>
+<p:sld xmlns:a="http://schemas.openxmlformats.org/drawingml/2006/main" xmlns:r="http://schemas.openxmlformats.org/officeDocument/2006/relationships" xmlns:p="http://schemas.openxmlformats.org/presentationml/2006/main">
+  <p:cSld>
+    <p:spTree>
+      <p:nvGrpSpPr>
+        <p:cNvPr id="1" name=""/>
+        <p:cNvGrpSpPr/>
+        <p:nvPr/>
+      </p:nvGrpSpPr>
+      <p:grpSpPr>
+        <a:xfrm>
+          <a:off x="0" y="0"/>
+          <a:ext cx="0" cy="0"/>
+          <a:chOff x="0" y="0"/>
+          <a:chExt cx="0" cy="0"/>
+        </a:xfrm>
+      </p:grpSpPr>
+      <p:sp>
+        <p:nvSpPr>
+          <p:cNvPr id="2" name="Titel 1">
+            <a:extLst>
+              <a:ext uri="{FF2B5EF4-FFF2-40B4-BE49-F238E27FC236}">
+                <a16:creationId xmlns:a16="http://schemas.microsoft.com/office/drawing/2014/main" id="{18DF4FAD-9138-4F4B-920A-CBA219D0470B}"/>
+              </a:ext>
+            </a:extLst>
+          </p:cNvPr>
+          <p:cNvSpPr>
+            <a:spLocks noGrp="1"/>
+          </p:cNvSpPr>
+          <p:nvPr>
+            <p:ph type="title"/>
+          </p:nvPr>
+        </p:nvSpPr>
+        <p:spPr/>
+        <p:txBody>
+          <a:bodyPr/>
+          <a:lstStyle/>
+          <a:p>
+            <a:r>
+              <a:rPr lang="de-DE" dirty="0"/>
+              <a:t>Ressourcen</a:t>
+            </a:r>
+          </a:p>
+        </p:txBody>
+      </p:sp>
+      <p:sp>
+        <p:nvSpPr>
+          <p:cNvPr id="3" name="Inhaltsplatzhalter 2">
+            <a:extLst>
+              <a:ext uri="{FF2B5EF4-FFF2-40B4-BE49-F238E27FC236}">
+                <a16:creationId xmlns:a16="http://schemas.microsoft.com/office/drawing/2014/main" id="{FF67F4C2-EB00-415C-84C9-8AC7CC68248B}"/>
+              </a:ext>
+            </a:extLst>
+          </p:cNvPr>
+          <p:cNvSpPr>
+            <a:spLocks noGrp="1"/>
+          </p:cNvSpPr>
+          <p:nvPr>
+            <p:ph idx="1"/>
+          </p:nvPr>
+        </p:nvSpPr>
+        <p:spPr/>
+        <p:txBody>
+          <a:bodyPr/>
+          <a:lstStyle/>
+          <a:p>
+            <a:r>
+              <a:rPr lang="de-DE" dirty="0"/>
+              <a:t>Soll mit frei verfügbarer Software erzeugt werden</a:t>
+            </a:r>
+          </a:p>
+          <a:p>
+            <a:pPr lvl="1"/>
+            <a:r>
+              <a:rPr lang="de-DE" dirty="0"/>
+              <a:t>Texturen &amp; Charaktere: </a:t>
+            </a:r>
+            <a:r>
+              <a:rPr lang="de-DE" dirty="0" err="1">
+                <a:solidFill>
+                  <a:schemeClr val="accent1">
+                    <a:lumMod val="60000"/>
+                    <a:lumOff val="40000"/>
+                  </a:schemeClr>
+                </a:solidFill>
+              </a:rPr>
+              <a:t>Krita</a:t>
+            </a:r>
+            <a:endParaRPr lang="de-DE" dirty="0">
+              <a:solidFill>
+                <a:schemeClr val="accent1">
+                  <a:lumMod val="60000"/>
+                  <a:lumOff val="40000"/>
+                </a:schemeClr>
+              </a:solidFill>
+            </a:endParaRPr>
+          </a:p>
+          <a:p>
+            <a:pPr lvl="1"/>
+            <a:r>
+              <a:rPr lang="de-DE" dirty="0"/>
+              <a:t>Animation &amp; Programmierung: </a:t>
+            </a:r>
+            <a:r>
+              <a:rPr lang="de-DE" dirty="0">
+                <a:solidFill>
+                  <a:schemeClr val="accent1">
+                    <a:lumMod val="60000"/>
+                    <a:lumOff val="40000"/>
+                  </a:schemeClr>
+                </a:solidFill>
+              </a:rPr>
+              <a:t>Unity</a:t>
+            </a:r>
+          </a:p>
+          <a:p>
+            <a:pPr lvl="1"/>
+            <a:r>
+              <a:rPr lang="de-DE" dirty="0"/>
+              <a:t>Verwaltung von Assets &amp; Sources: </a:t>
+            </a:r>
+            <a:r>
+              <a:rPr lang="de-DE" dirty="0" err="1">
+                <a:solidFill>
+                  <a:schemeClr val="accent1">
+                    <a:lumMod val="60000"/>
+                    <a:lumOff val="40000"/>
+                  </a:schemeClr>
+                </a:solidFill>
+              </a:rPr>
+              <a:t>Github</a:t>
+            </a:r>
+            <a:endParaRPr lang="de-DE" dirty="0">
+              <a:solidFill>
+                <a:schemeClr val="accent1">
+                  <a:lumMod val="60000"/>
+                  <a:lumOff val="40000"/>
+                </a:schemeClr>
+              </a:solidFill>
+            </a:endParaRPr>
+          </a:p>
+          <a:p>
+            <a:pPr lvl="1"/>
+            <a:r>
+              <a:rPr lang="de-DE" dirty="0"/>
+              <a:t>Interne Kommunikation: </a:t>
+            </a:r>
+            <a:r>
+              <a:rPr lang="de-DE" dirty="0" err="1">
+                <a:solidFill>
+                  <a:schemeClr val="accent1">
+                    <a:lumMod val="60000"/>
+                    <a:lumOff val="40000"/>
+                  </a:schemeClr>
+                </a:solidFill>
+              </a:rPr>
+              <a:t>Discord</a:t>
+            </a:r>
+            <a:endParaRPr lang="de-DE" dirty="0">
+              <a:solidFill>
+                <a:schemeClr val="accent1">
+                  <a:lumMod val="60000"/>
+                  <a:lumOff val="40000"/>
+                </a:schemeClr>
+              </a:solidFill>
+            </a:endParaRPr>
+          </a:p>
+        </p:txBody>
+      </p:sp>
+    </p:spTree>
+    <p:extLst>
+      <p:ext uri="{BB962C8B-B14F-4D97-AF65-F5344CB8AC3E}">
+        <p14:creationId xmlns:p14="http://schemas.microsoft.com/office/powerpoint/2010/main" val="450538810"/>
+      </p:ext>
+    </p:extLst>
+  </p:cSld>
+  <p:clrMapOvr>
+    <a:masterClrMapping/>
+  </p:clrMapOvr>
+  <p:transition spd="med">
+    <p:pull/>
+  </p:transition>
+</p:sld>
+</file>
+
+<file path=ppt/slides/slide17.xml><?xml version="1.0" encoding="utf-8"?>
+<p:sld xmlns:a="http://schemas.openxmlformats.org/drawingml/2006/main" xmlns:r="http://schemas.openxmlformats.org/officeDocument/2006/relationships" xmlns:p="http://schemas.openxmlformats.org/presentationml/2006/main">
+  <p:cSld>
+    <p:spTree>
+      <p:nvGrpSpPr>
+        <p:cNvPr id="1" name=""/>
+        <p:cNvGrpSpPr/>
+        <p:nvPr/>
+      </p:nvGrpSpPr>
+      <p:grpSpPr>
+        <a:xfrm>
+          <a:off x="0" y="0"/>
+          <a:ext cx="0" cy="0"/>
+          <a:chOff x="0" y="0"/>
+          <a:chExt cx="0" cy="0"/>
+        </a:xfrm>
+      </p:grpSpPr>
+      <p:sp>
+        <p:nvSpPr>
+          <p:cNvPr id="2" name="Title 1">
+            <a:extLst>
+              <a:ext uri="{FF2B5EF4-FFF2-40B4-BE49-F238E27FC236}">
+                <a16:creationId xmlns:a16="http://schemas.microsoft.com/office/drawing/2014/main" id="{E2FC36D9-4836-4C7F-B17D-330362EAA4FC}"/>
+              </a:ext>
+            </a:extLst>
+          </p:cNvPr>
+          <p:cNvSpPr>
+            <a:spLocks noGrp="1"/>
+          </p:cNvSpPr>
+          <p:nvPr>
+            <p:ph type="title"/>
+          </p:nvPr>
+        </p:nvSpPr>
+        <p:spPr/>
+        <p:txBody>
+          <a:bodyPr/>
+          <a:lstStyle/>
+          <a:p>
+            <a:r>
+              <a:rPr lang="de-DE" dirty="0"/>
+              <a:t>Konflikte &amp; absehbare Schwierigkeiten</a:t>
+            </a:r>
+          </a:p>
+        </p:txBody>
+      </p:sp>
+      <p:sp>
+        <p:nvSpPr>
+          <p:cNvPr id="4" name="Text Placeholder 3">
+            <a:extLst>
+              <a:ext uri="{FF2B5EF4-FFF2-40B4-BE49-F238E27FC236}">
+                <a16:creationId xmlns:a16="http://schemas.microsoft.com/office/drawing/2014/main" id="{E2A16828-BD38-4201-AFA8-DE45322A084F}"/>
+              </a:ext>
+            </a:extLst>
+          </p:cNvPr>
+          <p:cNvSpPr>
+            <a:spLocks noGrp="1"/>
+          </p:cNvSpPr>
+          <p:nvPr>
+            <p:ph type="body" idx="1"/>
+          </p:nvPr>
+        </p:nvSpPr>
+        <p:spPr/>
+        <p:txBody>
+          <a:bodyPr/>
+          <a:lstStyle/>
+          <a:p>
+            <a:endParaRPr lang="de-DE"/>
+          </a:p>
+        </p:txBody>
+      </p:sp>
+    </p:spTree>
+    <p:extLst>
+      <p:ext uri="{BB962C8B-B14F-4D97-AF65-F5344CB8AC3E}">
+        <p14:creationId xmlns:p14="http://schemas.microsoft.com/office/powerpoint/2010/main" val="727512892"/>
+      </p:ext>
+    </p:extLst>
+  </p:cSld>
+  <p:clrMapOvr>
+    <a:masterClrMapping/>
+  </p:clrMapOvr>
+</p:sld>
+</file>
+
+<file path=ppt/slides/slide18.xml><?xml version="1.0" encoding="utf-8"?>
+<p:sld xmlns:a="http://schemas.openxmlformats.org/drawingml/2006/main" xmlns:r="http://schemas.openxmlformats.org/officeDocument/2006/relationships" xmlns:p="http://schemas.openxmlformats.org/presentationml/2006/main">
+  <p:cSld>
+    <p:spTree>
+      <p:nvGrpSpPr>
+        <p:cNvPr id="1" name=""/>
+        <p:cNvGrpSpPr/>
+        <p:nvPr/>
+      </p:nvGrpSpPr>
+      <p:grpSpPr>
+        <a:xfrm>
+          <a:off x="0" y="0"/>
+          <a:ext cx="0" cy="0"/>
+          <a:chOff x="0" y="0"/>
+          <a:chExt cx="0" cy="0"/>
+        </a:xfrm>
+      </p:grpSpPr>
+      <p:sp>
+        <p:nvSpPr>
+          <p:cNvPr id="2" name="Titel 1">
+            <a:extLst>
+              <a:ext uri="{FF2B5EF4-FFF2-40B4-BE49-F238E27FC236}">
+                <a16:creationId xmlns:a16="http://schemas.microsoft.com/office/drawing/2014/main" id="{669B0A48-5A68-41E6-A83E-32C407CF4FCB}"/>
+              </a:ext>
+            </a:extLst>
+          </p:cNvPr>
+          <p:cNvSpPr>
+            <a:spLocks noGrp="1"/>
+          </p:cNvSpPr>
+          <p:nvPr>
+            <p:ph type="title"/>
+          </p:nvPr>
+        </p:nvSpPr>
+        <p:spPr/>
+        <p:txBody>
+          <a:bodyPr/>
+          <a:lstStyle/>
+          <a:p>
+            <a:r>
+              <a:rPr lang="de-DE" dirty="0"/>
+              <a:t>Konflikte &amp; absehbare Schwierigkeiten</a:t>
+            </a:r>
+          </a:p>
+        </p:txBody>
+      </p:sp>
+      <p:sp>
+        <p:nvSpPr>
+          <p:cNvPr id="3" name="Textplatzhalter 2">
+            <a:extLst>
+              <a:ext uri="{FF2B5EF4-FFF2-40B4-BE49-F238E27FC236}">
+                <a16:creationId xmlns:a16="http://schemas.microsoft.com/office/drawing/2014/main" id="{1CD4D5D7-F63E-4CD6-B8F1-37F0E06E6258}"/>
+              </a:ext>
+            </a:extLst>
+          </p:cNvPr>
+          <p:cNvSpPr>
+            <a:spLocks noGrp="1"/>
+          </p:cNvSpPr>
+          <p:nvPr>
+            <p:ph type="body" idx="1"/>
+          </p:nvPr>
+        </p:nvSpPr>
+        <p:spPr/>
+        <p:txBody>
+          <a:bodyPr/>
+          <a:lstStyle/>
+          <a:p>
+            <a:r>
+              <a:rPr lang="de-DE" dirty="0"/>
+              <a:t>Konflikte:</a:t>
+            </a:r>
+          </a:p>
+        </p:txBody>
+      </p:sp>
+      <p:sp>
+        <p:nvSpPr>
+          <p:cNvPr id="4" name="Inhaltsplatzhalter 3">
+            <a:extLst>
+              <a:ext uri="{FF2B5EF4-FFF2-40B4-BE49-F238E27FC236}">
+                <a16:creationId xmlns:a16="http://schemas.microsoft.com/office/drawing/2014/main" id="{B0DA33C1-6B68-4766-ABB5-CB7512628D0D}"/>
+              </a:ext>
+            </a:extLst>
+          </p:cNvPr>
+          <p:cNvSpPr>
+            <a:spLocks noGrp="1"/>
+          </p:cNvSpPr>
+          <p:nvPr>
+            <p:ph sz="half" idx="2"/>
+          </p:nvPr>
+        </p:nvSpPr>
+        <p:spPr>
+          <a:xfrm>
+            <a:off x="814729" y="2751138"/>
+            <a:ext cx="5189856" cy="3415982"/>
+          </a:xfrm>
+        </p:spPr>
+        <p:txBody>
+          <a:bodyPr/>
+          <a:lstStyle/>
+          <a:p>
+            <a:r>
+              <a:rPr lang="de-DE" dirty="0"/>
+              <a:t>Mehrere Gruppenmitglieder haben noch nie mit Unity gearbeitet</a:t>
+            </a:r>
+          </a:p>
+          <a:p>
+            <a:pPr lvl="1"/>
+            <a:r>
+              <a:rPr lang="de-DE" dirty="0"/>
+              <a:t>Unklar ob Fähigkeiten angeeignet werden können</a:t>
+            </a:r>
+          </a:p>
+          <a:p>
+            <a:pPr lvl="1"/>
+            <a:r>
+              <a:rPr lang="de-DE" dirty="0"/>
+              <a:t>Einarbeitungszeit nicht absehbar</a:t>
+            </a:r>
+          </a:p>
+          <a:p>
+            <a:r>
+              <a:rPr lang="de-DE" dirty="0"/>
+              <a:t>Zwei Gruppenmitglieder haben kaum/keine künstlerischen Fähigkeiten</a:t>
+            </a:r>
+          </a:p>
+          <a:p>
+            <a:pPr lvl="1"/>
+            <a:r>
+              <a:rPr lang="de-DE" dirty="0"/>
+              <a:t>Viel Arbeit für die anderen beiden Teammitglieder</a:t>
+            </a:r>
+          </a:p>
+          <a:p>
+            <a:pPr lvl="1"/>
+            <a:r>
+              <a:rPr lang="de-DE" dirty="0"/>
+              <a:t>Point </a:t>
+            </a:r>
+            <a:r>
+              <a:rPr lang="de-DE" dirty="0" err="1"/>
+              <a:t>of</a:t>
+            </a:r>
+            <a:r>
+              <a:rPr lang="de-DE" dirty="0"/>
+              <a:t> </a:t>
+            </a:r>
+            <a:r>
+              <a:rPr lang="de-DE" dirty="0" err="1"/>
+              <a:t>failure</a:t>
+            </a:r>
+            <a:r>
+              <a:rPr lang="de-DE" dirty="0"/>
+              <a:t> bei Ausfall</a:t>
+            </a:r>
+          </a:p>
+        </p:txBody>
+      </p:sp>
+      <p:sp>
+        <p:nvSpPr>
+          <p:cNvPr id="5" name="Textplatzhalter 4">
+            <a:extLst>
+              <a:ext uri="{FF2B5EF4-FFF2-40B4-BE49-F238E27FC236}">
+                <a16:creationId xmlns:a16="http://schemas.microsoft.com/office/drawing/2014/main" id="{F37032E9-C6F5-4B96-88E4-43854559FDE7}"/>
+              </a:ext>
+            </a:extLst>
+          </p:cNvPr>
+          <p:cNvSpPr>
+            <a:spLocks noGrp="1"/>
+          </p:cNvSpPr>
+          <p:nvPr>
+            <p:ph type="body" sz="quarter" idx="3"/>
+          </p:nvPr>
+        </p:nvSpPr>
+        <p:spPr/>
+        <p:txBody>
+          <a:bodyPr/>
+          <a:lstStyle/>
+          <a:p>
+            <a:r>
+              <a:rPr lang="de-DE" dirty="0"/>
+              <a:t>Mögliche Lösungen:</a:t>
+            </a:r>
+          </a:p>
+        </p:txBody>
+      </p:sp>
+      <p:sp>
+        <p:nvSpPr>
+          <p:cNvPr id="6" name="Inhaltsplatzhalter 5">
+            <a:extLst>
+              <a:ext uri="{FF2B5EF4-FFF2-40B4-BE49-F238E27FC236}">
+                <a16:creationId xmlns:a16="http://schemas.microsoft.com/office/drawing/2014/main" id="{E3956134-53B7-49B2-B626-59C254500E8A}"/>
+              </a:ext>
+            </a:extLst>
+          </p:cNvPr>
+          <p:cNvSpPr>
+            <a:spLocks noGrp="1"/>
+          </p:cNvSpPr>
+          <p:nvPr>
+            <p:ph sz="quarter" idx="4"/>
+          </p:nvPr>
+        </p:nvSpPr>
+        <p:spPr>
+          <a:xfrm>
+            <a:off x="6187415" y="2751138"/>
+            <a:ext cx="5194583" cy="3415982"/>
+          </a:xfrm>
+        </p:spPr>
+        <p:txBody>
+          <a:bodyPr/>
+          <a:lstStyle/>
+          <a:p>
+            <a:r>
+              <a:rPr lang="de-DE" dirty="0"/>
+              <a:t>Eventuelle Einschränkung der Dimension des finalen Produkts</a:t>
+            </a:r>
+          </a:p>
+          <a:p>
+            <a:pPr marL="0" indent="0">
+              <a:buNone/>
+            </a:pPr>
+            <a:endParaRPr lang="de-DE" dirty="0"/>
+          </a:p>
+          <a:p>
+            <a:endParaRPr lang="de-DE" dirty="0"/>
+          </a:p>
+          <a:p>
+            <a:r>
+              <a:rPr lang="de-DE" dirty="0"/>
+              <a:t>Nutzung von frei verfügbaren Assets</a:t>
+            </a:r>
+          </a:p>
+          <a:p>
+            <a:r>
+              <a:rPr lang="de-DE" dirty="0"/>
+              <a:t>Wiederverwendung von Zeichnungen</a:t>
+            </a:r>
+          </a:p>
+        </p:txBody>
+      </p:sp>
+    </p:spTree>
+    <p:extLst>
+      <p:ext uri="{BB962C8B-B14F-4D97-AF65-F5344CB8AC3E}">
+        <p14:creationId xmlns:p14="http://schemas.microsoft.com/office/powerpoint/2010/main" val="2241308789"/>
+      </p:ext>
+    </p:extLst>
+  </p:cSld>
+  <p:clrMapOvr>
+    <a:masterClrMapping/>
+  </p:clrMapOvr>
+  <p:transition spd="med">
+    <p:pull/>
+  </p:transition>
+</p:sld>
+</file>
+
+<file path=ppt/slides/slide19.xml><?xml version="1.0" encoding="utf-8"?>
+<p:sld xmlns:a="http://schemas.openxmlformats.org/drawingml/2006/main" xmlns:r="http://schemas.openxmlformats.org/officeDocument/2006/relationships" xmlns:p="http://schemas.openxmlformats.org/presentationml/2006/main">
+  <p:cSld>
+    <p:spTree>
+      <p:nvGrpSpPr>
+        <p:cNvPr id="1" name=""/>
+        <p:cNvGrpSpPr/>
+        <p:nvPr/>
+      </p:nvGrpSpPr>
+      <p:grpSpPr>
+        <a:xfrm>
+          <a:off x="0" y="0"/>
+          <a:ext cx="0" cy="0"/>
+          <a:chOff x="0" y="0"/>
+          <a:chExt cx="0" cy="0"/>
+        </a:xfrm>
+      </p:grpSpPr>
+      <p:sp>
+        <p:nvSpPr>
+          <p:cNvPr id="2" name="Title 1">
+            <a:extLst>
+              <a:ext uri="{FF2B5EF4-FFF2-40B4-BE49-F238E27FC236}">
+                <a16:creationId xmlns:a16="http://schemas.microsoft.com/office/drawing/2014/main" id="{A4068062-1FBB-481E-8A2D-DDC9C5F15684}"/>
+              </a:ext>
+            </a:extLst>
+          </p:cNvPr>
+          <p:cNvSpPr>
+            <a:spLocks noGrp="1"/>
+          </p:cNvSpPr>
+          <p:nvPr>
+            <p:ph type="title"/>
+          </p:nvPr>
+        </p:nvSpPr>
+        <p:spPr/>
+        <p:txBody>
+          <a:bodyPr/>
+          <a:lstStyle/>
+          <a:p>
+            <a:r>
+              <a:rPr lang="de-DE" dirty="0"/>
+              <a:t>Rahmenbedingungen</a:t>
+            </a:r>
+          </a:p>
+        </p:txBody>
+      </p:sp>
+      <p:sp>
+        <p:nvSpPr>
+          <p:cNvPr id="4" name="Text Placeholder 3">
+            <a:extLst>
+              <a:ext uri="{FF2B5EF4-FFF2-40B4-BE49-F238E27FC236}">
+                <a16:creationId xmlns:a16="http://schemas.microsoft.com/office/drawing/2014/main" id="{77C20D7E-2C45-4B3D-AB55-23BD7017A865}"/>
+              </a:ext>
+            </a:extLst>
+          </p:cNvPr>
+          <p:cNvSpPr>
+            <a:spLocks noGrp="1"/>
+          </p:cNvSpPr>
+          <p:nvPr>
+            <p:ph type="body" idx="1"/>
+          </p:nvPr>
+        </p:nvSpPr>
+        <p:spPr/>
+        <p:txBody>
+          <a:bodyPr/>
+          <a:lstStyle/>
+          <a:p>
+            <a:endParaRPr lang="de-DE"/>
+          </a:p>
+        </p:txBody>
+      </p:sp>
+    </p:spTree>
+    <p:extLst>
+      <p:ext uri="{BB962C8B-B14F-4D97-AF65-F5344CB8AC3E}">
+        <p14:creationId xmlns:p14="http://schemas.microsoft.com/office/powerpoint/2010/main" val="2995921652"/>
       </p:ext>
     </p:extLst>
   </p:cSld>
@@ -6211,6 +6946,383 @@
   </p:clrMapOvr>
   <p:transition spd="slow">
     <p:push/>
+  </p:transition>
+</p:sld>
+</file>
+
+<file path=ppt/slides/slide20.xml><?xml version="1.0" encoding="utf-8"?>
+<p:sld xmlns:a="http://schemas.openxmlformats.org/drawingml/2006/main" xmlns:r="http://schemas.openxmlformats.org/officeDocument/2006/relationships" xmlns:p="http://schemas.openxmlformats.org/presentationml/2006/main">
+  <p:cSld>
+    <p:spTree>
+      <p:nvGrpSpPr>
+        <p:cNvPr id="1" name=""/>
+        <p:cNvGrpSpPr/>
+        <p:nvPr/>
+      </p:nvGrpSpPr>
+      <p:grpSpPr>
+        <a:xfrm>
+          <a:off x="0" y="0"/>
+          <a:ext cx="0" cy="0"/>
+          <a:chOff x="0" y="0"/>
+          <a:chExt cx="0" cy="0"/>
+        </a:xfrm>
+      </p:grpSpPr>
+      <p:sp>
+        <p:nvSpPr>
+          <p:cNvPr id="2" name="Titel 1">
+            <a:extLst>
+              <a:ext uri="{FF2B5EF4-FFF2-40B4-BE49-F238E27FC236}">
+                <a16:creationId xmlns:a16="http://schemas.microsoft.com/office/drawing/2014/main" id="{5B9B922A-0DEF-4D66-82B4-3BE2C9A00A3D}"/>
+              </a:ext>
+            </a:extLst>
+          </p:cNvPr>
+          <p:cNvSpPr>
+            <a:spLocks noGrp="1"/>
+          </p:cNvSpPr>
+          <p:nvPr>
+            <p:ph type="title"/>
+          </p:nvPr>
+        </p:nvSpPr>
+        <p:spPr/>
+        <p:txBody>
+          <a:bodyPr/>
+          <a:lstStyle/>
+          <a:p>
+            <a:r>
+              <a:rPr lang="de-DE" dirty="0"/>
+              <a:t>Rahmenbedingungen</a:t>
+            </a:r>
+          </a:p>
+        </p:txBody>
+      </p:sp>
+      <p:sp>
+        <p:nvSpPr>
+          <p:cNvPr id="3" name="Inhaltsplatzhalter 2">
+            <a:extLst>
+              <a:ext uri="{FF2B5EF4-FFF2-40B4-BE49-F238E27FC236}">
+                <a16:creationId xmlns:a16="http://schemas.microsoft.com/office/drawing/2014/main" id="{CD9EBAF4-41E9-464C-9526-7D20036752F1}"/>
+              </a:ext>
+            </a:extLst>
+          </p:cNvPr>
+          <p:cNvSpPr>
+            <a:spLocks noGrp="1"/>
+          </p:cNvSpPr>
+          <p:nvPr>
+            <p:ph idx="1"/>
+          </p:nvPr>
+        </p:nvSpPr>
+        <p:spPr/>
+        <p:txBody>
+          <a:bodyPr>
+            <a:normAutofit lnSpcReduction="10000"/>
+          </a:bodyPr>
+          <a:lstStyle/>
+          <a:p>
+            <a:r>
+              <a:rPr lang="de-DE" dirty="0"/>
+              <a:t>Alle nicht selbsterzeugten Assets müssen frei verfügbar sein</a:t>
+            </a:r>
+          </a:p>
+          <a:p>
+            <a:r>
+              <a:rPr lang="de-DE" dirty="0"/>
+              <a:t>Jugendschutz</a:t>
+            </a:r>
+          </a:p>
+          <a:p>
+            <a:pPr lvl="1"/>
+            <a:r>
+              <a:rPr lang="de-DE" dirty="0"/>
+              <a:t>Kampfszenarien</a:t>
+            </a:r>
+          </a:p>
+          <a:p>
+            <a:pPr lvl="1"/>
+            <a:r>
+              <a:rPr lang="de-DE" dirty="0"/>
+              <a:t>Lösbarkeit</a:t>
+            </a:r>
+          </a:p>
+          <a:p>
+            <a:pPr lvl="1"/>
+            <a:r>
+              <a:rPr lang="de-DE" dirty="0"/>
+              <a:t>Hintergrund des Spiels</a:t>
+            </a:r>
+          </a:p>
+          <a:p>
+            <a:r>
+              <a:rPr lang="de-DE" dirty="0"/>
+              <a:t>Verbreitungsplattform</a:t>
+            </a:r>
+          </a:p>
+          <a:p>
+            <a:pPr lvl="1"/>
+            <a:r>
+              <a:rPr lang="de-DE" dirty="0"/>
+              <a:t>Windows</a:t>
+            </a:r>
+          </a:p>
+          <a:p>
+            <a:pPr lvl="1"/>
+            <a:r>
+              <a:rPr lang="de-DE" dirty="0"/>
+              <a:t>Mac (?)</a:t>
+            </a:r>
+          </a:p>
+          <a:p>
+            <a:pPr lvl="1"/>
+            <a:r>
+              <a:rPr lang="de-DE" dirty="0"/>
+              <a:t>Linux(?)</a:t>
+            </a:r>
+          </a:p>
+          <a:p>
+            <a:r>
+              <a:rPr lang="de-DE" dirty="0"/>
+              <a:t>Namensprüfung „</a:t>
+            </a:r>
+            <a:r>
+              <a:rPr lang="de-DE" dirty="0" err="1"/>
+              <a:t>Past</a:t>
+            </a:r>
+            <a:r>
+              <a:rPr lang="de-DE" dirty="0"/>
+              <a:t> </a:t>
+            </a:r>
+            <a:r>
+              <a:rPr lang="de-DE" dirty="0" err="1"/>
+              <a:t>Minutes</a:t>
+            </a:r>
+            <a:r>
+              <a:rPr lang="de-DE" dirty="0"/>
+              <a:t>“</a:t>
+            </a:r>
+          </a:p>
+        </p:txBody>
+      </p:sp>
+    </p:spTree>
+    <p:extLst>
+      <p:ext uri="{BB962C8B-B14F-4D97-AF65-F5344CB8AC3E}">
+        <p14:creationId xmlns:p14="http://schemas.microsoft.com/office/powerpoint/2010/main" val="2633012805"/>
+      </p:ext>
+    </p:extLst>
+  </p:cSld>
+  <p:clrMapOvr>
+    <a:masterClrMapping/>
+  </p:clrMapOvr>
+  <p:transition spd="med">
+    <p:pull/>
+  </p:transition>
+</p:sld>
+</file>
+
+<file path=ppt/slides/slide21.xml><?xml version="1.0" encoding="utf-8"?>
+<p:sld xmlns:a="http://schemas.openxmlformats.org/drawingml/2006/main" xmlns:r="http://schemas.openxmlformats.org/officeDocument/2006/relationships" xmlns:p="http://schemas.openxmlformats.org/presentationml/2006/main">
+  <p:cSld>
+    <p:spTree>
+      <p:nvGrpSpPr>
+        <p:cNvPr id="1" name=""/>
+        <p:cNvGrpSpPr/>
+        <p:nvPr/>
+      </p:nvGrpSpPr>
+      <p:grpSpPr>
+        <a:xfrm>
+          <a:off x="0" y="0"/>
+          <a:ext cx="0" cy="0"/>
+          <a:chOff x="0" y="0"/>
+          <a:chExt cx="0" cy="0"/>
+        </a:xfrm>
+      </p:grpSpPr>
+      <p:sp>
+        <p:nvSpPr>
+          <p:cNvPr id="2" name="Title 1">
+            <a:extLst>
+              <a:ext uri="{FF2B5EF4-FFF2-40B4-BE49-F238E27FC236}">
+                <a16:creationId xmlns:a16="http://schemas.microsoft.com/office/drawing/2014/main" id="{663570ED-9D61-46D3-906D-9C71BEF067B6}"/>
+              </a:ext>
+            </a:extLst>
+          </p:cNvPr>
+          <p:cNvSpPr>
+            <a:spLocks noGrp="1"/>
+          </p:cNvSpPr>
+          <p:nvPr>
+            <p:ph type="title"/>
+          </p:nvPr>
+        </p:nvSpPr>
+        <p:spPr/>
+        <p:txBody>
+          <a:bodyPr/>
+          <a:lstStyle/>
+          <a:p>
+            <a:r>
+              <a:rPr lang="de-DE" dirty="0"/>
+              <a:t>Ergebnisse</a:t>
+            </a:r>
+          </a:p>
+        </p:txBody>
+      </p:sp>
+      <p:sp>
+        <p:nvSpPr>
+          <p:cNvPr id="4" name="Text Placeholder 3">
+            <a:extLst>
+              <a:ext uri="{FF2B5EF4-FFF2-40B4-BE49-F238E27FC236}">
+                <a16:creationId xmlns:a16="http://schemas.microsoft.com/office/drawing/2014/main" id="{C913C932-11BD-46C0-86DB-07A2A8DC10A6}"/>
+              </a:ext>
+            </a:extLst>
+          </p:cNvPr>
+          <p:cNvSpPr>
+            <a:spLocks noGrp="1"/>
+          </p:cNvSpPr>
+          <p:nvPr>
+            <p:ph type="body" idx="1"/>
+          </p:nvPr>
+        </p:nvSpPr>
+        <p:spPr/>
+        <p:txBody>
+          <a:bodyPr/>
+          <a:lstStyle/>
+          <a:p>
+            <a:endParaRPr lang="de-DE"/>
+          </a:p>
+        </p:txBody>
+      </p:sp>
+    </p:spTree>
+    <p:extLst>
+      <p:ext uri="{BB962C8B-B14F-4D97-AF65-F5344CB8AC3E}">
+        <p14:creationId xmlns:p14="http://schemas.microsoft.com/office/powerpoint/2010/main" val="3970480316"/>
+      </p:ext>
+    </p:extLst>
+  </p:cSld>
+  <p:clrMapOvr>
+    <a:masterClrMapping/>
+  </p:clrMapOvr>
+</p:sld>
+</file>
+
+<file path=ppt/slides/slide22.xml><?xml version="1.0" encoding="utf-8"?>
+<p:sld xmlns:a="http://schemas.openxmlformats.org/drawingml/2006/main" xmlns:r="http://schemas.openxmlformats.org/officeDocument/2006/relationships" xmlns:p="http://schemas.openxmlformats.org/presentationml/2006/main">
+  <p:cSld>
+    <p:spTree>
+      <p:nvGrpSpPr>
+        <p:cNvPr id="1" name=""/>
+        <p:cNvGrpSpPr/>
+        <p:nvPr/>
+      </p:nvGrpSpPr>
+      <p:grpSpPr>
+        <a:xfrm>
+          <a:off x="0" y="0"/>
+          <a:ext cx="0" cy="0"/>
+          <a:chOff x="0" y="0"/>
+          <a:chExt cx="0" cy="0"/>
+        </a:xfrm>
+      </p:grpSpPr>
+      <p:sp>
+        <p:nvSpPr>
+          <p:cNvPr id="2" name="Titel 1">
+            <a:extLst>
+              <a:ext uri="{FF2B5EF4-FFF2-40B4-BE49-F238E27FC236}">
+                <a16:creationId xmlns:a16="http://schemas.microsoft.com/office/drawing/2014/main" id="{59FC75DF-F55C-4D91-9D0F-DA2FADE1883B}"/>
+              </a:ext>
+            </a:extLst>
+          </p:cNvPr>
+          <p:cNvSpPr>
+            <a:spLocks noGrp="1"/>
+          </p:cNvSpPr>
+          <p:nvPr>
+            <p:ph type="title"/>
+          </p:nvPr>
+        </p:nvSpPr>
+        <p:spPr>
+          <a:xfrm>
+            <a:off x="810000" y="447188"/>
+            <a:ext cx="10571998" cy="970450"/>
+          </a:xfrm>
+        </p:spPr>
+        <p:txBody>
+          <a:bodyPr/>
+          <a:lstStyle/>
+          <a:p>
+            <a:r>
+              <a:rPr lang="de-DE" dirty="0"/>
+              <a:t>Ergebnisse</a:t>
+            </a:r>
+          </a:p>
+        </p:txBody>
+      </p:sp>
+      <p:sp>
+        <p:nvSpPr>
+          <p:cNvPr id="3" name="Inhaltsplatzhalter 2">
+            <a:extLst>
+              <a:ext uri="{FF2B5EF4-FFF2-40B4-BE49-F238E27FC236}">
+                <a16:creationId xmlns:a16="http://schemas.microsoft.com/office/drawing/2014/main" id="{26D94A35-38DE-4A71-B8DA-D7499CF4B6DC}"/>
+              </a:ext>
+            </a:extLst>
+          </p:cNvPr>
+          <p:cNvSpPr>
+            <a:spLocks noGrp="1"/>
+          </p:cNvSpPr>
+          <p:nvPr>
+            <p:ph idx="1"/>
+          </p:nvPr>
+        </p:nvSpPr>
+        <p:spPr/>
+        <p:txBody>
+          <a:bodyPr/>
+          <a:lstStyle/>
+          <a:p>
+            <a:r>
+              <a:rPr lang="de-DE" dirty="0"/>
+              <a:t>Fertig spielbares Produkt</a:t>
+            </a:r>
+          </a:p>
+          <a:p>
+            <a:pPr lvl="1"/>
+            <a:r>
+              <a:rPr lang="de-DE" dirty="0"/>
+              <a:t>Mehrere </a:t>
+            </a:r>
+            <a:r>
+              <a:rPr lang="de-DE" dirty="0" err="1"/>
+              <a:t>Storypfade</a:t>
+            </a:r>
+            <a:endParaRPr lang="de-DE" dirty="0"/>
+          </a:p>
+          <a:p>
+            <a:pPr lvl="1"/>
+            <a:r>
+              <a:rPr lang="de-DE" dirty="0"/>
+              <a:t>Diskussion &amp; Austausch unter Spielern</a:t>
+            </a:r>
+          </a:p>
+          <a:p>
+            <a:pPr lvl="1"/>
+            <a:r>
+              <a:rPr lang="de-DE" dirty="0"/>
+              <a:t>Mundpropaganda</a:t>
+            </a:r>
+          </a:p>
+          <a:p>
+            <a:pPr lvl="1"/>
+            <a:r>
+              <a:rPr lang="de-DE" dirty="0"/>
+              <a:t>Replay-Value</a:t>
+            </a:r>
+          </a:p>
+        </p:txBody>
+      </p:sp>
+    </p:spTree>
+    <p:extLst>
+      <p:ext uri="{BB962C8B-B14F-4D97-AF65-F5344CB8AC3E}">
+        <p14:creationId xmlns:p14="http://schemas.microsoft.com/office/powerpoint/2010/main" val="2874611857"/>
+      </p:ext>
+    </p:extLst>
+  </p:cSld>
+  <p:clrMapOvr>
+    <a:masterClrMapping/>
+  </p:clrMapOvr>
+  <p:transition spd="med">
+    <p:pull/>
   </p:transition>
 </p:sld>
 </file>
@@ -6369,7 +7481,7 @@
             </p:grpSpPr>
             <p:pic>
               <p:nvPicPr>
-                <p:cNvPr id="6" name="Picture 6">
+                <p:cNvPr id="3" name="Grafik 3">
                   <a:hlinkClick r:id="rId4" action="ppaction://hlinksldjump"/>
                 </p:cNvPr>
                 <p:cNvPicPr>
@@ -6400,7 +7512,7 @@
             </p:pic>
             <p:pic>
               <p:nvPicPr>
-                <p:cNvPr id="7" name="Picture 7">
+                <p:cNvPr id="4" name="Grafik 4">
                   <a:hlinkClick r:id="rId5" action="ppaction://hlinksldjump"/>
                 </p:cNvPr>
                 <p:cNvPicPr>
@@ -6442,18 +7554,9 @@
   <p:clrMapOvr>
     <a:masterClrMapping/>
   </p:clrMapOvr>
-  <mc:AlternateContent xmlns:mc="http://schemas.openxmlformats.org/markup-compatibility/2006">
-    <mc:Choice xmlns:p14="http://schemas.microsoft.com/office/powerpoint/2010/main" Requires="p14">
-      <p:transition spd="slow" p14:dur="1250">
-        <p14:switch dir="r"/>
-      </p:transition>
-    </mc:Choice>
-    <mc:Fallback>
-      <p:transition spd="slow">
-        <p:fade/>
-      </p:transition>
-    </mc:Fallback>
-  </mc:AlternateContent>
+  <p:transition spd="med">
+    <p:pull/>
+  </p:transition>
 </p:sld>
 </file>
 
@@ -6905,7 +8008,7 @@
         <p:spPr>
           <a:xfrm>
             <a:off x="609600" y="2413000"/>
-            <a:ext cx="5375792" cy="3632200"/>
+            <a:ext cx="5486400" cy="4035912"/>
           </a:xfrm>
           <a:effectLst/>
         </p:spPr>
@@ -7532,7 +8635,7 @@
             </p:grpSpPr>
             <p:pic>
               <p:nvPicPr>
-                <p:cNvPr id="6" name="Picture 6">
+                <p:cNvPr id="3" name="Grafik 3">
                   <a:hlinkClick r:id="rId10" action="ppaction://hlinksldjump"/>
                 </p:cNvPr>
                 <p:cNvPicPr>
@@ -7563,7 +8666,7 @@
             </p:pic>
             <p:pic>
               <p:nvPicPr>
-                <p:cNvPr id="7" name="Picture 7">
+                <p:cNvPr id="4" name="Grafik 4">
                   <a:hlinkClick r:id="rId11" action="ppaction://hlinksldjump"/>
                 </p:cNvPr>
                 <p:cNvPicPr>
@@ -7594,7 +8697,7 @@
             </p:pic>
             <p:pic>
               <p:nvPicPr>
-                <p:cNvPr id="8" name="Picture 8">
+                <p:cNvPr id="6" name="Grafik 6">
                   <a:hlinkClick r:id="rId12" action="ppaction://hlinksldjump"/>
                 </p:cNvPr>
                 <p:cNvPicPr>
@@ -7625,7 +8728,7 @@
             </p:pic>
             <p:pic>
               <p:nvPicPr>
-                <p:cNvPr id="9" name="Picture 9">
+                <p:cNvPr id="7" name="Grafik 7">
                   <a:hlinkClick r:id="rId13" action="ppaction://hlinksldjump"/>
                 </p:cNvPr>
                 <p:cNvPicPr>
@@ -7656,7 +8759,7 @@
             </p:pic>
             <p:pic>
               <p:nvPicPr>
-                <p:cNvPr id="10" name="Picture 10">
+                <p:cNvPr id="8" name="Grafik 8">
                   <a:hlinkClick r:id="rId14" action="ppaction://hlinksldjump"/>
                 </p:cNvPr>
                 <p:cNvPicPr>
@@ -7687,7 +8790,7 @@
             </p:pic>
             <p:pic>
               <p:nvPicPr>
-                <p:cNvPr id="11" name="Picture 11">
+                <p:cNvPr id="9" name="Grafik 9">
                   <a:hlinkClick r:id="rId15" action="ppaction://hlinksldjump"/>
                 </p:cNvPr>
                 <p:cNvPicPr>
@@ -7718,7 +8821,7 @@
             </p:pic>
             <p:pic>
               <p:nvPicPr>
-                <p:cNvPr id="12" name="Picture 12">
+                <p:cNvPr id="10" name="Grafik 10">
                   <a:hlinkClick r:id="rId16" action="ppaction://hlinksldjump"/>
                 </p:cNvPr>
                 <p:cNvPicPr>
@@ -7749,7 +8852,7 @@
             </p:pic>
             <p:pic>
               <p:nvPicPr>
-                <p:cNvPr id="13" name="Picture 13">
+                <p:cNvPr id="11" name="Grafik 11">
                   <a:hlinkClick r:id="rId17" action="ppaction://hlinksldjump"/>
                 </p:cNvPr>
                 <p:cNvPicPr>
@@ -7791,18 +8894,9 @@
   <p:clrMapOvr>
     <a:masterClrMapping/>
   </p:clrMapOvr>
-  <mc:AlternateContent xmlns:mc="http://schemas.openxmlformats.org/markup-compatibility/2006">
-    <mc:Choice xmlns:p14="http://schemas.microsoft.com/office/powerpoint/2010/main" Requires="p14">
-      <p:transition spd="slow" p14:dur="1250">
-        <p14:switch dir="r"/>
-      </p:transition>
-    </mc:Choice>
-    <mc:Fallback>
-      <p:transition spd="slow">
-        <p:fade/>
-      </p:transition>
-    </mc:Fallback>
-  </mc:AlternateContent>
+  <p:transition spd="med">
+    <p:pull/>
+  </p:transition>
 </p:sld>
 </file>
 
@@ -7908,10 +9002,10 @@
       </p:grpSpPr>
       <p:sp>
         <p:nvSpPr>
-          <p:cNvPr id="2" name="Title 1">
+          <p:cNvPr id="2" name="Titel 1">
             <a:extLst>
               <a:ext uri="{FF2B5EF4-FFF2-40B4-BE49-F238E27FC236}">
-                <a16:creationId xmlns:a16="http://schemas.microsoft.com/office/drawing/2014/main" id="{B365A255-200E-4F86-BD21-23E894FAF123}"/>
+                <a16:creationId xmlns:a16="http://schemas.microsoft.com/office/drawing/2014/main" id="{0B3F3D35-A8EB-4534-83EF-0B5BEDC7DE0D}"/>
               </a:ext>
             </a:extLst>
           </p:cNvPr>
@@ -7929,17 +9023,17 @@
           <a:p>
             <a:r>
               <a:rPr lang="de-DE" dirty="0"/>
-              <a:t>Gegenstand und Ziel des Spiels</a:t>
-            </a:r>
-          </a:p>
-        </p:txBody>
-      </p:sp>
-      <p:sp>
-        <p:nvSpPr>
-          <p:cNvPr id="3" name="Text Placeholder 2">
+              <a:t>Spieler (Zielgruppe)</a:t>
+            </a:r>
+          </a:p>
+        </p:txBody>
+      </p:sp>
+      <p:sp>
+        <p:nvSpPr>
+          <p:cNvPr id="3" name="Inhaltsplatzhalter 2">
             <a:extLst>
               <a:ext uri="{FF2B5EF4-FFF2-40B4-BE49-F238E27FC236}">
-                <a16:creationId xmlns:a16="http://schemas.microsoft.com/office/drawing/2014/main" id="{2B52C165-D6F8-448F-A102-823281144D12}"/>
+                <a16:creationId xmlns:a16="http://schemas.microsoft.com/office/drawing/2014/main" id="{47B86522-C4A3-4572-857B-B09C112956AA}"/>
               </a:ext>
             </a:extLst>
           </p:cNvPr>
@@ -7947,28 +9041,73 @@
             <a:spLocks noGrp="1"/>
           </p:cNvSpPr>
           <p:nvPr>
-            <p:ph type="body" idx="1"/>
+            <p:ph idx="1"/>
           </p:nvPr>
         </p:nvSpPr>
         <p:spPr/>
         <p:txBody>
-          <a:bodyPr/>
-          <a:lstStyle/>
-          <a:p>
-            <a:endParaRPr lang="de-DE"/>
+          <a:bodyPr>
+            <a:normAutofit/>
+          </a:bodyPr>
+          <a:lstStyle/>
+          <a:p>
+            <a:r>
+              <a:rPr lang="de-DE" sz="2000" dirty="0"/>
+              <a:t>Mindestalter von 12 bis 16 Jahren</a:t>
+            </a:r>
+          </a:p>
+          <a:p>
+            <a:pPr lvl="1">
+              <a:buFont typeface="Wingdings" panose="05000000000000000000" pitchFamily="2" charset="2"/>
+              <a:buChar char="Ø"/>
+            </a:pPr>
+            <a:r>
+              <a:rPr lang="de-DE" sz="1800" dirty="0"/>
+              <a:t>Aufgrund des fiktiven Settings und kampforientierten Gameplays</a:t>
+            </a:r>
+          </a:p>
+          <a:p>
+            <a:pPr indent="-285750"/>
+            <a:r>
+              <a:rPr lang="de-DE" sz="2000" dirty="0"/>
+              <a:t>Spielerfahrung in vorausgesetzt</a:t>
+            </a:r>
+          </a:p>
+          <a:p>
+            <a:pPr lvl="1">
+              <a:buFont typeface="Wingdings" panose="05000000000000000000" pitchFamily="2" charset="2"/>
+              <a:buChar char="Ø"/>
+            </a:pPr>
+            <a:r>
+              <a:rPr lang="de-DE" sz="1800" dirty="0"/>
+              <a:t>Interesse an Survival- und Actionspielen</a:t>
+            </a:r>
+          </a:p>
+          <a:p>
+            <a:pPr lvl="1">
+              <a:buFont typeface="Wingdings" panose="05000000000000000000" pitchFamily="2" charset="2"/>
+              <a:buChar char="Ø"/>
+            </a:pPr>
+            <a:r>
+              <a:rPr lang="de-DE" sz="1800" dirty="0"/>
+              <a:t>Interesse am Erforschen einer neuen Welt</a:t>
+            </a:r>
           </a:p>
         </p:txBody>
       </p:sp>
     </p:spTree>
     <p:extLst>
       <p:ext uri="{BB962C8B-B14F-4D97-AF65-F5344CB8AC3E}">
-        <p14:creationId xmlns:p14="http://schemas.microsoft.com/office/powerpoint/2010/main" val="1117020876"/>
+        <p14:creationId xmlns:p14="http://schemas.microsoft.com/office/powerpoint/2010/main" val="73519166"/>
       </p:ext>
     </p:extLst>
   </p:cSld>
   <p:clrMapOvr>
     <a:masterClrMapping/>
   </p:clrMapOvr>
+  <p:transition spd="med">
+    <p:pull/>
+  </p:transition>
 </p:sld>
 </file>
 

--- a/Information/Präsentation.pptx
+++ b/Information/Präsentation.pptx
@@ -412,7 +412,7 @@
           <a:effectLst/>
           <a:extLst>
             <a:ext uri="{91240B29-F687-4f45-9708-019B960494DF}">
-              <a14:hiddenLine xmlns:a14="http://schemas.microsoft.com/office/drawing/2010/main" xmlns="" w="9525">
+              <a14:hiddenLine xmlns="" xmlns:a14="http://schemas.microsoft.com/office/drawing/2010/main" w="9525">
                 <a:solidFill>
                   <a:srgbClr val="000000"/>
                 </a:solidFill>
@@ -648,7 +648,7 @@
             <a:fld id="{D57F1E4F-1CFF-5643-939E-217C01CDF565}" type="slidenum">
               <a:rPr lang="en-US" dirty="0"/>
               <a:pPr/>
-              <a:t>‹Nr.›</a:t>
+              <a:t>‹#›</a:t>
             </a:fld>
             <a:endParaRPr lang="en-US" dirty="0"/>
           </a:p>
@@ -963,7 +963,7 @@
             <a:fld id="{D57F1E4F-1CFF-5643-939E-217C01CDF565}" type="slidenum">
               <a:rPr lang="en-US" dirty="0"/>
               <a:pPr/>
-              <a:t>‹Nr.›</a:t>
+              <a:t>‹#›</a:t>
             </a:fld>
             <a:endParaRPr lang="en-US" dirty="0"/>
           </a:p>
@@ -1448,7 +1448,7 @@
             <a:fld id="{D57F1E4F-1CFF-5643-939E-217C01CDF565}" type="slidenum">
               <a:rPr lang="en-US" dirty="0"/>
               <a:pPr/>
-              <a:t>‹Nr.›</a:t>
+              <a:t>‹#›</a:t>
             </a:fld>
             <a:endParaRPr lang="en-US" dirty="0"/>
           </a:p>
@@ -1814,7 +1814,7 @@
             <a:fld id="{D57F1E4F-1CFF-5643-939E-217C01CDF565}" type="slidenum">
               <a:rPr lang="en-US" dirty="0"/>
               <a:pPr/>
-              <a:t>‹Nr.›</a:t>
+              <a:t>‹#›</a:t>
             </a:fld>
             <a:endParaRPr lang="en-US" dirty="0"/>
           </a:p>
@@ -1922,7 +1922,7 @@
           <a:ln/>
           <a:extLst>
             <a:ext uri="{91240B29-F687-4f45-9708-019B960494DF}">
-              <a14:hiddenLine xmlns:a14="http://schemas.microsoft.com/office/drawing/2010/main" xmlns="" w="9525">
+              <a14:hiddenLine xmlns="" xmlns:a14="http://schemas.microsoft.com/office/drawing/2010/main" w="9525">
                 <a:solidFill>
                   <a:srgbClr val="000000"/>
                 </a:solidFill>
@@ -2084,7 +2084,7 @@
             <a:fld id="{D57F1E4F-1CFF-5643-939E-217C01CDF565}" type="slidenum">
               <a:rPr lang="en-US" dirty="0"/>
               <a:pPr/>
-              <a:t>‹Nr.›</a:t>
+              <a:t>‹#›</a:t>
             </a:fld>
             <a:endParaRPr lang="en-US" dirty="0"/>
           </a:p>
@@ -2194,7 +2194,7 @@
           <a:ln/>
           <a:extLst>
             <a:ext uri="{91240B29-F687-4f45-9708-019B960494DF}">
-              <a14:hiddenLine xmlns:a14="http://schemas.microsoft.com/office/drawing/2010/main" xmlns="" w="9525">
+              <a14:hiddenLine xmlns="" xmlns:a14="http://schemas.microsoft.com/office/drawing/2010/main" w="9525">
                 <a:solidFill>
                   <a:srgbClr val="000000"/>
                 </a:solidFill>
@@ -2366,7 +2366,7 @@
             <a:fld id="{D57F1E4F-1CFF-5643-939E-217C01CDF565}" type="slidenum">
               <a:rPr lang="en-US" dirty="0"/>
               <a:pPr/>
-              <a:t>‹Nr.›</a:t>
+              <a:t>‹#›</a:t>
             </a:fld>
             <a:endParaRPr lang="en-US" dirty="0"/>
           </a:p>
@@ -2474,7 +2474,7 @@
           <a:ln/>
           <a:extLst>
             <a:ext uri="{91240B29-F687-4f45-9708-019B960494DF}">
-              <a14:hiddenLine xmlns:a14="http://schemas.microsoft.com/office/drawing/2010/main" xmlns="" w="9525">
+              <a14:hiddenLine xmlns="" xmlns:a14="http://schemas.microsoft.com/office/drawing/2010/main" w="9525">
                 <a:solidFill>
                   <a:srgbClr val="000000"/>
                 </a:solidFill>
@@ -2646,7 +2646,7 @@
             <a:fld id="{D57F1E4F-1CFF-5643-939E-217C01CDF565}" type="slidenum">
               <a:rPr lang="en-US" dirty="0"/>
               <a:pPr/>
-              <a:t>‹Nr.›</a:t>
+              <a:t>‹#›</a:t>
             </a:fld>
             <a:endParaRPr lang="en-US" dirty="0"/>
           </a:p>
@@ -2986,7 +2986,7 @@
             <a:fld id="{D57F1E4F-1CFF-5643-939E-217C01CDF565}" type="slidenum">
               <a:rPr lang="en-US" dirty="0"/>
               <a:pPr/>
-              <a:t>‹Nr.›</a:t>
+              <a:t>‹#›</a:t>
             </a:fld>
             <a:endParaRPr lang="en-US" dirty="0"/>
           </a:p>
@@ -3094,7 +3094,7 @@
           <a:ln/>
           <a:extLst>
             <a:ext uri="{91240B29-F687-4f45-9708-019B960494DF}">
-              <a14:hiddenLine xmlns:a14="http://schemas.microsoft.com/office/drawing/2010/main" xmlns="" w="9525">
+              <a14:hiddenLine xmlns="" xmlns:a14="http://schemas.microsoft.com/office/drawing/2010/main" w="9525">
                 <a:solidFill>
                   <a:srgbClr val="000000"/>
                 </a:solidFill>
@@ -3322,7 +3322,7 @@
             <a:fld id="{D57F1E4F-1CFF-5643-939E-217C01CDF565}" type="slidenum">
               <a:rPr lang="en-US" dirty="0"/>
               <a:pPr/>
-              <a:t>‹Nr.›</a:t>
+              <a:t>‹#›</a:t>
             </a:fld>
             <a:endParaRPr lang="en-US" dirty="0"/>
           </a:p>
@@ -3430,7 +3430,7 @@
           <a:ln/>
           <a:extLst>
             <a:ext uri="{91240B29-F687-4f45-9708-019B960494DF}">
-              <a14:hiddenLine xmlns:a14="http://schemas.microsoft.com/office/drawing/2010/main" xmlns="" w="9525">
+              <a14:hiddenLine xmlns="" xmlns:a14="http://schemas.microsoft.com/office/drawing/2010/main" w="9525">
                 <a:solidFill>
                   <a:srgbClr val="000000"/>
                 </a:solidFill>
@@ -3796,7 +3796,7 @@
             <a:fld id="{D57F1E4F-1CFF-5643-939E-217C01CDF565}" type="slidenum">
               <a:rPr lang="en-US" dirty="0"/>
               <a:pPr/>
-              <a:t>‹Nr.›</a:t>
+              <a:t>‹#›</a:t>
             </a:fld>
             <a:endParaRPr lang="en-US" dirty="0"/>
           </a:p>
@@ -3904,7 +3904,7 @@
           <a:ln/>
           <a:extLst>
             <a:ext uri="{91240B29-F687-4f45-9708-019B960494DF}">
-              <a14:hiddenLine xmlns:a14="http://schemas.microsoft.com/office/drawing/2010/main" xmlns="" w="9525">
+              <a14:hiddenLine xmlns="" xmlns:a14="http://schemas.microsoft.com/office/drawing/2010/main" w="9525">
                 <a:solidFill>
                   <a:srgbClr val="000000"/>
                 </a:solidFill>
@@ -4014,7 +4014,7 @@
             <a:fld id="{D57F1E4F-1CFF-5643-939E-217C01CDF565}" type="slidenum">
               <a:rPr lang="en-US" dirty="0"/>
               <a:pPr/>
-              <a:t>‹Nr.›</a:t>
+              <a:t>‹#›</a:t>
             </a:fld>
             <a:endParaRPr lang="en-US" dirty="0"/>
           </a:p>
@@ -4106,7 +4106,7 @@
             <a:fld id="{D57F1E4F-1CFF-5643-939E-217C01CDF565}" type="slidenum">
               <a:rPr lang="en-US" dirty="0"/>
               <a:pPr/>
-              <a:t>‹Nr.›</a:t>
+              <a:t>‹#›</a:t>
             </a:fld>
             <a:endParaRPr lang="en-US" dirty="0"/>
           </a:p>
@@ -4327,7 +4327,7 @@
           <a:ln/>
           <a:extLst>
             <a:ext uri="{91240B29-F687-4f45-9708-019B960494DF}">
-              <a14:hiddenLine xmlns:a14="http://schemas.microsoft.com/office/drawing/2010/main" xmlns="" w="9525">
+              <a14:hiddenLine xmlns="" xmlns:a14="http://schemas.microsoft.com/office/drawing/2010/main" w="9525">
                 <a:solidFill>
                   <a:srgbClr val="000000"/>
                 </a:solidFill>
@@ -4570,7 +4570,7 @@
             <a:fld id="{D57F1E4F-1CFF-5643-939E-217C01CDF565}" type="slidenum">
               <a:rPr lang="en-US" dirty="0"/>
               <a:pPr/>
-              <a:t>‹Nr.›</a:t>
+              <a:t>‹#›</a:t>
             </a:fld>
             <a:endParaRPr lang="en-US" dirty="0"/>
           </a:p>
@@ -4890,7 +4890,7 @@
             <a:fld id="{D57F1E4F-1CFF-5643-939E-217C01CDF565}" type="slidenum">
               <a:rPr lang="en-US" dirty="0"/>
               <a:pPr/>
-              <a:t>‹Nr.›</a:t>
+              <a:t>‹#›</a:t>
             </a:fld>
             <a:endParaRPr lang="en-US" dirty="0"/>
           </a:p>
@@ -5144,7 +5144,7 @@
             <a:fld id="{D57F1E4F-1CFF-5643-939E-217C01CDF565}" type="slidenum">
               <a:rPr lang="en-US" dirty="0"/>
               <a:pPr/>
-              <a:t>‹Nr.›</a:t>
+              <a:t>‹#›</a:t>
             </a:fld>
             <a:endParaRPr lang="en-US" dirty="0"/>
           </a:p>
@@ -5703,6 +5703,14 @@
 <file path=ppt/slides/slide10.xml><?xml version="1.0" encoding="utf-8"?>
 <p:sld xmlns:a="http://schemas.openxmlformats.org/drawingml/2006/main" xmlns:r="http://schemas.openxmlformats.org/officeDocument/2006/relationships" xmlns:p="http://schemas.openxmlformats.org/presentationml/2006/main">
   <p:cSld>
+    <p:bg>
+      <p:bgPr>
+        <a:solidFill>
+          <a:srgbClr val="212121"/>
+        </a:solidFill>
+        <a:effectLst/>
+      </p:bgPr>
+    </p:bg>
     <p:spTree>
       <p:nvGrpSpPr>
         <p:cNvPr id="1" name=""/>
@@ -5786,6 +5794,14 @@
 <file path=ppt/slides/slide11.xml><?xml version="1.0" encoding="utf-8"?>
 <p:sld xmlns:a="http://schemas.openxmlformats.org/drawingml/2006/main" xmlns:r="http://schemas.openxmlformats.org/officeDocument/2006/relationships" xmlns:p="http://schemas.openxmlformats.org/presentationml/2006/main">
   <p:cSld>
+    <p:bg>
+      <p:bgPr>
+        <a:solidFill>
+          <a:srgbClr val="212121"/>
+        </a:solidFill>
+        <a:effectLst/>
+      </p:bgPr>
+    </p:bg>
     <p:spTree>
       <p:nvGrpSpPr>
         <p:cNvPr id="1" name=""/>
@@ -5802,6 +5818,218 @@
       </p:grpSpPr>
       <p:sp>
         <p:nvSpPr>
+          <p:cNvPr id="16" name="Freeform 6">
+            <a:extLst>
+              <a:ext uri="{FF2B5EF4-FFF2-40B4-BE49-F238E27FC236}">
+                <a16:creationId xmlns:a16="http://schemas.microsoft.com/office/drawing/2014/main" id="{DA9A1ACB-4ECA-4EAE-AEAB-CE9C8C01EE60}"/>
+              </a:ext>
+              <a:ext uri="{C183D7F6-B498-43B3-948B-1728B52AA6E4}">
+                <adec:decorative xmlns:adec="http://schemas.microsoft.com/office/drawing/2017/decorative" val="1"/>
+              </a:ext>
+            </a:extLst>
+          </p:cNvPr>
+          <p:cNvSpPr>
+            <a:spLocks noGrp="1" noRot="1" noChangeAspect="1" noMove="1" noResize="1" noEditPoints="1" noAdjustHandles="1" noChangeArrowheads="1" noChangeShapeType="1" noTextEdit="1"/>
+          </p:cNvSpPr>
+          <p:nvPr>
+            <p:extLst>
+              <p:ext uri="{386F3935-93C4-4BCD-93E2-E3B085C9AB24}">
+                <p16:designElem xmlns:p16="http://schemas.microsoft.com/office/powerpoint/2015/main" val="1"/>
+              </p:ext>
+            </p:extLst>
+          </p:nvPr>
+        </p:nvSpPr>
+        <p:spPr bwMode="auto">
+          <a:xfrm>
+            <a:off x="0" y="0"/>
+            <a:ext cx="12192000" cy="2185988"/>
+          </a:xfrm>
+          <a:custGeom>
+            <a:avLst/>
+            <a:gdLst/>
+            <a:ahLst/>
+            <a:cxnLst/>
+            <a:rect l="0" t="0" r="r" b="b"/>
+            <a:pathLst>
+              <a:path w="5760" h="1377">
+                <a:moveTo>
+                  <a:pt x="5760" y="0"/>
+                </a:moveTo>
+                <a:lnTo>
+                  <a:pt x="0" y="0"/>
+                </a:lnTo>
+                <a:lnTo>
+                  <a:pt x="0" y="1189"/>
+                </a:lnTo>
+                <a:lnTo>
+                  <a:pt x="943" y="1189"/>
+                </a:lnTo>
+                <a:lnTo>
+                  <a:pt x="1123" y="1369"/>
+                </a:lnTo>
+                <a:lnTo>
+                  <a:pt x="1123" y="1369"/>
+                </a:lnTo>
+                <a:lnTo>
+                  <a:pt x="1127" y="1371"/>
+                </a:lnTo>
+                <a:lnTo>
+                  <a:pt x="1133" y="1374"/>
+                </a:lnTo>
+                <a:lnTo>
+                  <a:pt x="1139" y="1377"/>
+                </a:lnTo>
+                <a:lnTo>
+                  <a:pt x="1144" y="1377"/>
+                </a:lnTo>
+                <a:lnTo>
+                  <a:pt x="1150" y="1377"/>
+                </a:lnTo>
+                <a:lnTo>
+                  <a:pt x="1155" y="1374"/>
+                </a:lnTo>
+                <a:lnTo>
+                  <a:pt x="1161" y="1371"/>
+                </a:lnTo>
+                <a:lnTo>
+                  <a:pt x="1165" y="1369"/>
+                </a:lnTo>
+                <a:lnTo>
+                  <a:pt x="1345" y="1189"/>
+                </a:lnTo>
+                <a:lnTo>
+                  <a:pt x="5760" y="1189"/>
+                </a:lnTo>
+                <a:lnTo>
+                  <a:pt x="5760" y="0"/>
+                </a:lnTo>
+                <a:close/>
+              </a:path>
+            </a:pathLst>
+          </a:custGeom>
+          <a:ln/>
+          <a:extLst>
+            <a:ext uri="{91240B29-F687-4f45-9708-019B960494DF}">
+              <a14:hiddenLine xmlns="" xmlns:a16="http://schemas.microsoft.com/office/drawing/2014/main" xmlns:p14="http://schemas.microsoft.com/office/powerpoint/2010/main" xmlns:a14="http://schemas.microsoft.com/office/drawing/2010/main" w="9525">
+                <a:solidFill>
+                  <a:srgbClr val="000000"/>
+                </a:solidFill>
+                <a:round/>
+                <a:headEnd/>
+                <a:tailEnd/>
+              </a14:hiddenLine>
+            </a:ext>
+          </a:extLst>
+        </p:spPr>
+        <p:style>
+          <a:lnRef idx="1">
+            <a:schemeClr val="accent1"/>
+          </a:lnRef>
+          <a:fillRef idx="3">
+            <a:schemeClr val="accent1"/>
+          </a:fillRef>
+          <a:effectRef idx="2">
+            <a:schemeClr val="accent1"/>
+          </a:effectRef>
+          <a:fontRef idx="minor">
+            <a:schemeClr val="lt1"/>
+          </a:fontRef>
+        </p:style>
+      </p:sp>
+      <p:sp useBgFill="1">
+        <p:nvSpPr>
+          <p:cNvPr id="18" name="Rectangle 17">
+            <a:extLst>
+              <a:ext uri="{FF2B5EF4-FFF2-40B4-BE49-F238E27FC236}">
+                <a16:creationId xmlns:a16="http://schemas.microsoft.com/office/drawing/2014/main" id="{5940F547-7206-4401-94FB-F8421915D8B8}"/>
+              </a:ext>
+              <a:ext uri="{C183D7F6-B498-43B3-948B-1728B52AA6E4}">
+                <adec:decorative xmlns:adec="http://schemas.microsoft.com/office/drawing/2017/decorative" val="1"/>
+              </a:ext>
+            </a:extLst>
+          </p:cNvPr>
+          <p:cNvSpPr>
+            <a:spLocks noGrp="1" noRot="1" noChangeAspect="1" noMove="1" noResize="1" noEditPoints="1" noAdjustHandles="1" noChangeArrowheads="1" noChangeShapeType="1" noTextEdit="1"/>
+          </p:cNvSpPr>
+          <p:nvPr>
+            <p:extLst>
+              <p:ext uri="{386F3935-93C4-4BCD-93E2-E3B085C9AB24}">
+                <p16:designElem xmlns:p16="http://schemas.microsoft.com/office/powerpoint/2015/main" val="1"/>
+              </p:ext>
+            </p:extLst>
+          </p:nvPr>
+        </p:nvSpPr>
+        <p:spPr>
+          <a:xfrm>
+            <a:off x="0" y="0"/>
+            <a:ext cx="12192000" cy="6858000"/>
+          </a:xfrm>
+          <a:prstGeom prst="rect">
+            <a:avLst/>
+          </a:prstGeom>
+          <a:ln>
+            <a:noFill/>
+          </a:ln>
+        </p:spPr>
+        <p:style>
+          <a:lnRef idx="2">
+            <a:schemeClr val="accent1">
+              <a:shade val="50000"/>
+            </a:schemeClr>
+          </a:lnRef>
+          <a:fillRef idx="1">
+            <a:schemeClr val="accent1"/>
+          </a:fillRef>
+          <a:effectRef idx="0">
+            <a:schemeClr val="accent1"/>
+          </a:effectRef>
+          <a:fontRef idx="minor">
+            <a:schemeClr val="lt1"/>
+          </a:fontRef>
+        </p:style>
+        <p:txBody>
+          <a:bodyPr rtlCol="0" anchor="ctr"/>
+          <a:lstStyle/>
+          <a:p>
+            <a:pPr algn="ctr"/>
+            <a:endParaRPr lang="en-US"/>
+          </a:p>
+        </p:txBody>
+      </p:sp>
+      <p:pic>
+        <p:nvPicPr>
+          <p:cNvPr id="11" name="Picture 10">
+            <a:extLst>
+              <a:ext uri="{FF2B5EF4-FFF2-40B4-BE49-F238E27FC236}">
+                <a16:creationId xmlns:a16="http://schemas.microsoft.com/office/drawing/2014/main" id="{8E30CCFE-D3DA-4E64-97BE-6DCBAFAB9A1D}"/>
+              </a:ext>
+            </a:extLst>
+          </p:cNvPr>
+          <p:cNvPicPr>
+            <a:picLocks noChangeAspect="1"/>
+          </p:cNvPicPr>
+          <p:nvPr/>
+        </p:nvPicPr>
+        <p:blipFill rotWithShape="1">
+          <a:blip r:embed="rId2">
+            <a:alphaModFix amt="40000"/>
+            <a:extLst/>
+          </a:blip>
+          <a:srcRect t="37419" b="6331"/>
+          <a:stretch/>
+        </p:blipFill>
+        <p:spPr>
+          <a:xfrm>
+            <a:off x="20" y="10"/>
+            <a:ext cx="12191980" cy="6857990"/>
+          </a:xfrm>
+          <a:prstGeom prst="rect">
+            <a:avLst/>
+          </a:prstGeom>
+        </p:spPr>
+      </p:pic>
+      <p:sp>
+        <p:nvSpPr>
           <p:cNvPr id="2" name="Titel 1">
             <a:extLst>
               <a:ext uri="{FF2B5EF4-FFF2-40B4-BE49-F238E27FC236}">
@@ -5813,12 +6041,24 @@
             <a:spLocks noGrp="1"/>
           </p:cNvSpPr>
           <p:nvPr>
-            <p:ph type="title"/>
-          </p:nvPr>
-        </p:nvSpPr>
-        <p:spPr/>
-        <p:txBody>
-          <a:bodyPr/>
+            <p:ph type="title" idx="4294967295"/>
+          </p:nvPr>
+        </p:nvSpPr>
+        <p:spPr>
+          <a:xfrm>
+            <a:off x="810000" y="447188"/>
+            <a:ext cx="10571998" cy="970450"/>
+          </a:xfrm>
+          <a:effectLst>
+            <a:outerShdw blurRad="50800" dir="14400000">
+              <a:srgbClr val="000000"/>
+            </a:outerShdw>
+          </a:effectLst>
+        </p:spPr>
+        <p:txBody>
+          <a:bodyPr vert="horz" lIns="91440" tIns="45720" rIns="91440" bIns="45720" rtlCol="0" anchor="b">
+            <a:normAutofit/>
+          </a:bodyPr>
           <a:lstStyle/>
           <a:p>
             <a:r>
@@ -5841,42 +6081,92 @@
             <a:spLocks noGrp="1"/>
           </p:cNvSpPr>
           <p:nvPr>
-            <p:ph idx="1"/>
-          </p:nvPr>
-        </p:nvSpPr>
-        <p:spPr/>
-        <p:txBody>
-          <a:bodyPr>
+            <p:ph idx="4294967295"/>
+          </p:nvPr>
+        </p:nvSpPr>
+        <p:spPr>
+          <a:xfrm>
+            <a:off x="818712" y="2222287"/>
+            <a:ext cx="10554574" cy="3636511"/>
+          </a:xfrm>
+          <a:effectLst>
+            <a:outerShdw blurRad="165100" dist="38100" dir="2700000" algn="tl" rotWithShape="0">
+              <a:prstClr val="black"/>
+            </a:outerShdw>
+          </a:effectLst>
+        </p:spPr>
+        <p:txBody>
+          <a:bodyPr vert="horz" lIns="91440" tIns="45720" rIns="91440" bIns="45720" rtlCol="0" anchor="ctr">
             <a:normAutofit/>
           </a:bodyPr>
           <a:lstStyle/>
           <a:p>
             <a:r>
-              <a:rPr lang="de-DE" sz="2000" dirty="0" err="1"/>
+              <a:rPr lang="de-DE" dirty="0" err="1">
+                <a:effectLst>
+                  <a:outerShdw blurRad="38100" dist="38100" dir="2700000" algn="tl">
+                    <a:srgbClr val="000000">
+                      <a:alpha val="43137"/>
+                    </a:srgbClr>
+                  </a:outerShdw>
+                </a:effectLst>
+              </a:rPr>
               <a:t>Storybasiertes</a:t>
             </a:r>
             <a:r>
-              <a:rPr lang="de-DE" sz="2000" dirty="0"/>
+              <a:rPr lang="de-DE" dirty="0">
+                <a:effectLst>
+                  <a:outerShdw blurRad="38100" dist="38100" dir="2700000" algn="tl">
+                    <a:srgbClr val="000000">
+                      <a:alpha val="43137"/>
+                    </a:srgbClr>
+                  </a:outerShdw>
+                </a:effectLst>
+              </a:rPr>
               <a:t> Survivalspiel für eine Person</a:t>
             </a:r>
           </a:p>
           <a:p>
             <a:r>
-              <a:rPr lang="de-DE" sz="2000" dirty="0"/>
+              <a:rPr lang="de-DE" dirty="0">
+                <a:effectLst>
+                  <a:outerShdw blurRad="38100" dist="38100" dir="2700000" algn="tl">
+                    <a:srgbClr val="000000">
+                      <a:alpha val="43137"/>
+                    </a:srgbClr>
+                  </a:outerShdw>
+                </a:effectLst>
+              </a:rPr>
               <a:t>Spieler erforscht eine zerstörte Welt</a:t>
             </a:r>
           </a:p>
           <a:p>
             <a:pPr lvl="1"/>
             <a:r>
-              <a:rPr lang="de-DE" sz="1800" dirty="0"/>
+              <a:rPr lang="de-DE" dirty="0">
+                <a:effectLst>
+                  <a:outerShdw blurRad="38100" dist="38100" dir="2700000" algn="tl">
+                    <a:srgbClr val="000000">
+                      <a:alpha val="43137"/>
+                    </a:srgbClr>
+                  </a:outerShdw>
+                </a:effectLst>
+              </a:rPr>
               <a:t>Kann wenige Minuten vor Eintritt des Unglücks reisen</a:t>
             </a:r>
           </a:p>
           <a:p>
             <a:pPr lvl="1"/>
             <a:r>
-              <a:rPr lang="de-DE" sz="1800" dirty="0"/>
+              <a:rPr lang="de-DE" dirty="0">
+                <a:effectLst>
+                  <a:outerShdw blurRad="38100" dist="38100" dir="2700000" algn="tl">
+                    <a:srgbClr val="000000">
+                      <a:alpha val="43137"/>
+                    </a:srgbClr>
+                  </a:outerShdw>
+                </a:effectLst>
+              </a:rPr>
               <a:t>Ziel: Ursache der Katastrophe herausfinden und diese abwenden</a:t>
             </a:r>
           </a:p>
@@ -5892,8 +6182,8 @@
   <p:clrMapOvr>
     <a:masterClrMapping/>
   </p:clrMapOvr>
-  <p:transition spd="med">
-    <p:pull/>
+  <p:transition spd="slow">
+    <p:push dir="u"/>
   </p:transition>
 </p:sld>
 </file>
@@ -7481,7 +7771,7 @@
             </p:grpSpPr>
             <p:pic>
               <p:nvPicPr>
-                <p:cNvPr id="3" name="Grafik 3">
+                <p:cNvPr id="3" name="Picture 3">
                   <a:hlinkClick r:id="rId4" action="ppaction://hlinksldjump"/>
                 </p:cNvPr>
                 <p:cNvPicPr>
@@ -7512,7 +7802,7 @@
             </p:pic>
             <p:pic>
               <p:nvPicPr>
-                <p:cNvPr id="4" name="Grafik 4">
+                <p:cNvPr id="4" name="Picture 4">
                   <a:hlinkClick r:id="rId5" action="ppaction://hlinksldjump"/>
                 </p:cNvPr>
                 <p:cNvPicPr>
@@ -8635,7 +8925,7 @@
             </p:grpSpPr>
             <p:pic>
               <p:nvPicPr>
-                <p:cNvPr id="3" name="Grafik 3">
+                <p:cNvPr id="3" name="Picture 3">
                   <a:hlinkClick r:id="rId10" action="ppaction://hlinksldjump"/>
                 </p:cNvPr>
                 <p:cNvPicPr>
@@ -8666,7 +8956,7 @@
             </p:pic>
             <p:pic>
               <p:nvPicPr>
-                <p:cNvPr id="4" name="Grafik 4">
+                <p:cNvPr id="4" name="Picture 4">
                   <a:hlinkClick r:id="rId11" action="ppaction://hlinksldjump"/>
                 </p:cNvPr>
                 <p:cNvPicPr>
@@ -8697,7 +8987,7 @@
             </p:pic>
             <p:pic>
               <p:nvPicPr>
-                <p:cNvPr id="6" name="Grafik 6">
+                <p:cNvPr id="6" name="Picture 6">
                   <a:hlinkClick r:id="rId12" action="ppaction://hlinksldjump"/>
                 </p:cNvPr>
                 <p:cNvPicPr>
@@ -8728,7 +9018,7 @@
             </p:pic>
             <p:pic>
               <p:nvPicPr>
-                <p:cNvPr id="7" name="Grafik 7">
+                <p:cNvPr id="7" name="Picture 7">
                   <a:hlinkClick r:id="rId13" action="ppaction://hlinksldjump"/>
                 </p:cNvPr>
                 <p:cNvPicPr>
@@ -8759,7 +9049,7 @@
             </p:pic>
             <p:pic>
               <p:nvPicPr>
-                <p:cNvPr id="8" name="Grafik 8">
+                <p:cNvPr id="8" name="Picture 8">
                   <a:hlinkClick r:id="rId14" action="ppaction://hlinksldjump"/>
                 </p:cNvPr>
                 <p:cNvPicPr>
@@ -8790,7 +9080,7 @@
             </p:pic>
             <p:pic>
               <p:nvPicPr>
-                <p:cNvPr id="9" name="Grafik 9">
+                <p:cNvPr id="9" name="Picture 9">
                   <a:hlinkClick r:id="rId15" action="ppaction://hlinksldjump"/>
                 </p:cNvPr>
                 <p:cNvPicPr>
@@ -8821,7 +9111,7 @@
             </p:pic>
             <p:pic>
               <p:nvPicPr>
-                <p:cNvPr id="10" name="Grafik 10">
+                <p:cNvPr id="10" name="Picture 10">
                   <a:hlinkClick r:id="rId16" action="ppaction://hlinksldjump"/>
                 </p:cNvPr>
                 <p:cNvPicPr>
@@ -8852,7 +9142,7 @@
             </p:pic>
             <p:pic>
               <p:nvPicPr>
-                <p:cNvPr id="11" name="Grafik 11">
+                <p:cNvPr id="11" name="Picture 11">
                   <a:hlinkClick r:id="rId17" action="ppaction://hlinksldjump"/>
                 </p:cNvPr>
                 <p:cNvPicPr>
@@ -8966,7 +9256,15 @@
           <a:bodyPr/>
           <a:lstStyle/>
           <a:p>
-            <a:endParaRPr lang="de-DE"/>
+            <a:r>
+              <a:rPr lang="de-DE" dirty="0"/>
+              <a:t>„</a:t>
+            </a:r>
+            <a:r>
+              <a:rPr lang="en-US" dirty="0"/>
+              <a:t>Always make the audience suffer as much as possible.” – Alfred Hitchcock</a:t>
+            </a:r>
+            <a:endParaRPr lang="de-DE" dirty="0"/>
           </a:p>
         </p:txBody>
       </p:sp>

--- a/Information/Präsentation.pptx
+++ b/Information/Präsentation.pptx
@@ -4,29 +4,26 @@
   <p:sldMasterIdLst>
     <p:sldMasterId id="2147483648" r:id="rId1"/>
   </p:sldMasterIdLst>
+  <p:notesMasterIdLst>
+    <p:notesMasterId r:id="rId18"/>
+  </p:notesMasterIdLst>
   <p:sldIdLst>
     <p:sldId id="256" r:id="rId2"/>
     <p:sldId id="257" r:id="rId3"/>
-    <p:sldId id="271" r:id="rId4"/>
-    <p:sldId id="259" r:id="rId5"/>
-    <p:sldId id="260" r:id="rId6"/>
-    <p:sldId id="262" r:id="rId7"/>
-    <p:sldId id="272" r:id="rId8"/>
-    <p:sldId id="268" r:id="rId9"/>
-    <p:sldId id="273" r:id="rId10"/>
-    <p:sldId id="270" r:id="rId11"/>
-    <p:sldId id="274" r:id="rId12"/>
-    <p:sldId id="269" r:id="rId13"/>
-    <p:sldId id="276" r:id="rId14"/>
-    <p:sldId id="263" r:id="rId15"/>
-    <p:sldId id="264" r:id="rId16"/>
-    <p:sldId id="277" r:id="rId17"/>
-    <p:sldId id="265" r:id="rId18"/>
-    <p:sldId id="278" r:id="rId19"/>
-    <p:sldId id="266" r:id="rId20"/>
-    <p:sldId id="279" r:id="rId21"/>
-    <p:sldId id="267" r:id="rId22"/>
-    <p:sldId id="280" r:id="rId23"/>
+    <p:sldId id="262" r:id="rId4"/>
+    <p:sldId id="261" r:id="rId5"/>
+    <p:sldId id="263" r:id="rId6"/>
+    <p:sldId id="259" r:id="rId7"/>
+    <p:sldId id="260" r:id="rId8"/>
+    <p:sldId id="264" r:id="rId9"/>
+    <p:sldId id="271" r:id="rId10"/>
+    <p:sldId id="265" r:id="rId11"/>
+    <p:sldId id="266" r:id="rId12"/>
+    <p:sldId id="267" r:id="rId13"/>
+    <p:sldId id="268" r:id="rId14"/>
+    <p:sldId id="269" r:id="rId15"/>
+    <p:sldId id="270" r:id="rId16"/>
+    <p:sldId id="272" r:id="rId17"/>
   </p:sldIdLst>
   <p:sldSz cx="12192000" cy="6858000"/>
   <p:notesSz cx="6858000" cy="9144000"/>
@@ -132,11 +129,13 @@
           <p14:sldIdLst>
             <p14:sldId id="256"/>
             <p14:sldId id="257"/>
+            <p14:sldId id="262"/>
           </p14:sldIdLst>
         </p14:section>
-        <p14:section name="Zusammenfassungsabschnitt" id="{01741FEB-0D38-484A-854A-F31003BA69A0}">
+        <p14:section name="Grundkonzept" id="{D9F5C25C-2D24-4455-B3D4-366D0C96B9BD}">
           <p14:sldIdLst>
-            <p14:sldId id="271"/>
+            <p14:sldId id="261"/>
+            <p14:sldId id="263"/>
           </p14:sldIdLst>
         </p14:section>
         <p14:section name="Hintergrund" id="{448C54FB-7A7F-4DE3-931A-5B530A9D04AF}">
@@ -145,57 +144,29 @@
             <p14:sldId id="260"/>
           </p14:sldIdLst>
         </p14:section>
-        <p14:section name="Formale Elemente" id="{0A0AD3E9-F226-499F-A6A9-475BBDC8260B}">
+        <p14:section name="Spielablauf" id="{A333490B-BCCE-46DF-9A7C-8E13CBB6A6D4}">
           <p14:sldIdLst>
-            <p14:sldId id="262"/>
-            <p14:sldId id="272"/>
+            <p14:sldId id="264"/>
+            <p14:sldId id="271"/>
           </p14:sldIdLst>
         </p14:section>
-        <p14:section name="Spieler (Zielgruppe)" id="{2D74ECE9-51AA-48B2-A681-1B700657B38C}">
+        <p14:section name="Timeline" id="{24C84A2E-F54D-4301-8F0D-18F3E8320A85}">
           <p14:sldIdLst>
-            <p14:sldId id="268"/>
-            <p14:sldId id="273"/>
+            <p14:sldId id="265"/>
+            <p14:sldId id="266"/>
           </p14:sldIdLst>
         </p14:section>
-        <p14:section name="Gegenstand und Ziel des Spiels" id="{3416F951-5A24-405D-9DA1-EF4A54895E36}">
+        <p14:section name="Aktueller Stand" id="{CF2765B0-F2E1-4771-941B-FA0788087881}">
           <p14:sldIdLst>
-            <p14:sldId id="270"/>
-            <p14:sldId id="274"/>
+            <p14:sldId id="267"/>
+            <p14:sldId id="268"/>
           </p14:sldIdLst>
         </p14:section>
-        <p14:section name="Abläufe" id="{FBA0BB86-F06D-4BA0-983B-4B94ED8FA917}">
+        <p14:section name="Ausblick" id="{395DBB66-12D1-4E23-A433-FC3E6020E228}">
           <p14:sldIdLst>
             <p14:sldId id="269"/>
-            <p14:sldId id="276"/>
-          </p14:sldIdLst>
-        </p14:section>
-        <p14:section name="Regeln" id="{4EAB2BE6-6483-4DE4-B885-F8A04D3A5DC6}">
-          <p14:sldIdLst>
-            <p14:sldId id="263"/>
-          </p14:sldIdLst>
-        </p14:section>
-        <p14:section name="Resourcen" id="{F5254605-6156-463A-9D1F-716FC09734B6}">
-          <p14:sldIdLst>
-            <p14:sldId id="264"/>
-            <p14:sldId id="277"/>
-          </p14:sldIdLst>
-        </p14:section>
-        <p14:section name="(Potenzielle) Konflikte, absehbare Schwierigkeiten" id="{71526EA7-9B9A-4FE5-B037-5674774363E2}">
-          <p14:sldIdLst>
-            <p14:sldId id="265"/>
-            <p14:sldId id="278"/>
-          </p14:sldIdLst>
-        </p14:section>
-        <p14:section name="Rahmenbedingungen" id="{D6A69A88-33A5-4091-A66E-533B9558B68E}">
-          <p14:sldIdLst>
-            <p14:sldId id="266"/>
-            <p14:sldId id="279"/>
-          </p14:sldIdLst>
-        </p14:section>
-        <p14:section name="Ergebnisse" id="{B62DC81D-7119-4DBA-A8F1-949B2D1686E3}">
-          <p14:sldIdLst>
-            <p14:sldId id="267"/>
-            <p14:sldId id="280"/>
+            <p14:sldId id="270"/>
+            <p14:sldId id="272"/>
           </p14:sldIdLst>
         </p14:section>
       </p14:sectionLst>
@@ -247,74 +218,354 @@
 </p:cmLst>
 </file>
 
-<file path=ppt/comments/comment3.xml><?xml version="1.0" encoding="utf-8"?>
-<p:cmLst xmlns:a="http://schemas.openxmlformats.org/drawingml/2006/main" xmlns:r="http://schemas.openxmlformats.org/officeDocument/2006/relationships" xmlns:p="http://schemas.openxmlformats.org/presentationml/2006/main">
-  <p:cm authorId="1" dt="2019-04-29T14:28:56.878" idx="4">
-    <p:pos x="5917" y="2329"/>
-    <p:text>Add pictures of Don't Starve and Stardew Valley</p:text>
+<file path=ppt/notesMasters/notesMaster1.xml><?xml version="1.0" encoding="utf-8"?>
+<p:notesMaster xmlns:a="http://schemas.openxmlformats.org/drawingml/2006/main" xmlns:r="http://schemas.openxmlformats.org/officeDocument/2006/relationships" xmlns:p="http://schemas.openxmlformats.org/presentationml/2006/main">
+  <p:cSld>
+    <p:bg>
+      <p:bgRef idx="1001">
+        <a:schemeClr val="bg1"/>
+      </p:bgRef>
+    </p:bg>
+    <p:spTree>
+      <p:nvGrpSpPr>
+        <p:cNvPr id="1" name=""/>
+        <p:cNvGrpSpPr/>
+        <p:nvPr/>
+      </p:nvGrpSpPr>
+      <p:grpSpPr>
+        <a:xfrm>
+          <a:off x="0" y="0"/>
+          <a:ext cx="0" cy="0"/>
+          <a:chOff x="0" y="0"/>
+          <a:chExt cx="0" cy="0"/>
+        </a:xfrm>
+      </p:grpSpPr>
+      <p:sp>
+        <p:nvSpPr>
+          <p:cNvPr id="2" name="Header Placeholder 1"/>
+          <p:cNvSpPr>
+            <a:spLocks noGrp="1"/>
+          </p:cNvSpPr>
+          <p:nvPr>
+            <p:ph type="hdr" sz="quarter"/>
+          </p:nvPr>
+        </p:nvSpPr>
+        <p:spPr>
+          <a:xfrm>
+            <a:off x="0" y="0"/>
+            <a:ext cx="2971800" cy="458788"/>
+          </a:xfrm>
+          <a:prstGeom prst="rect">
+            <a:avLst/>
+          </a:prstGeom>
+        </p:spPr>
+        <p:txBody>
+          <a:bodyPr vert="horz" lIns="91440" tIns="45720" rIns="91440" bIns="45720" rtlCol="0"/>
+          <a:lstStyle>
+            <a:lvl1pPr algn="l">
+              <a:defRPr sz="1200"/>
+            </a:lvl1pPr>
+          </a:lstStyle>
+          <a:p>
+            <a:endParaRPr lang="de-DE"/>
+          </a:p>
+        </p:txBody>
+      </p:sp>
+      <p:sp>
+        <p:nvSpPr>
+          <p:cNvPr id="3" name="Date Placeholder 2"/>
+          <p:cNvSpPr>
+            <a:spLocks noGrp="1"/>
+          </p:cNvSpPr>
+          <p:nvPr>
+            <p:ph type="dt" idx="1"/>
+          </p:nvPr>
+        </p:nvSpPr>
+        <p:spPr>
+          <a:xfrm>
+            <a:off x="3884613" y="0"/>
+            <a:ext cx="2971800" cy="458788"/>
+          </a:xfrm>
+          <a:prstGeom prst="rect">
+            <a:avLst/>
+          </a:prstGeom>
+        </p:spPr>
+        <p:txBody>
+          <a:bodyPr vert="horz" lIns="91440" tIns="45720" rIns="91440" bIns="45720" rtlCol="0"/>
+          <a:lstStyle>
+            <a:lvl1pPr algn="r">
+              <a:defRPr sz="1200"/>
+            </a:lvl1pPr>
+          </a:lstStyle>
+          <a:p>
+            <a:fld id="{E50B3C79-A904-4F35-8EE8-3F2172FFB220}" type="datetimeFigureOut">
+              <a:rPr lang="de-DE" smtClean="0"/>
+              <a:t>04.05.2019</a:t>
+            </a:fld>
+            <a:endParaRPr lang="de-DE"/>
+          </a:p>
+        </p:txBody>
+      </p:sp>
+      <p:sp>
+        <p:nvSpPr>
+          <p:cNvPr id="4" name="Slide Image Placeholder 3"/>
+          <p:cNvSpPr>
+            <a:spLocks noGrp="1" noRot="1" noChangeAspect="1"/>
+          </p:cNvSpPr>
+          <p:nvPr>
+            <p:ph type="sldImg" idx="2"/>
+          </p:nvPr>
+        </p:nvSpPr>
+        <p:spPr>
+          <a:xfrm>
+            <a:off x="685800" y="1143000"/>
+            <a:ext cx="5486400" cy="3086100"/>
+          </a:xfrm>
+          <a:prstGeom prst="rect">
+            <a:avLst/>
+          </a:prstGeom>
+          <a:noFill/>
+          <a:ln w="12700">
+            <a:solidFill>
+              <a:prstClr val="black"/>
+            </a:solidFill>
+          </a:ln>
+        </p:spPr>
+        <p:txBody>
+          <a:bodyPr vert="horz" lIns="91440" tIns="45720" rIns="91440" bIns="45720" rtlCol="0" anchor="ctr"/>
+          <a:lstStyle/>
+          <a:p>
+            <a:endParaRPr lang="de-DE"/>
+          </a:p>
+        </p:txBody>
+      </p:sp>
+      <p:sp>
+        <p:nvSpPr>
+          <p:cNvPr id="5" name="Notes Placeholder 4"/>
+          <p:cNvSpPr>
+            <a:spLocks noGrp="1"/>
+          </p:cNvSpPr>
+          <p:nvPr>
+            <p:ph type="body" sz="quarter" idx="3"/>
+          </p:nvPr>
+        </p:nvSpPr>
+        <p:spPr>
+          <a:xfrm>
+            <a:off x="685800" y="4400550"/>
+            <a:ext cx="5486400" cy="3600450"/>
+          </a:xfrm>
+          <a:prstGeom prst="rect">
+            <a:avLst/>
+          </a:prstGeom>
+        </p:spPr>
+        <p:txBody>
+          <a:bodyPr vert="horz" lIns="91440" tIns="45720" rIns="91440" bIns="45720" rtlCol="0"/>
+          <a:lstStyle/>
+          <a:p>
+            <a:pPr lvl="0"/>
+            <a:r>
+              <a:rPr lang="en-US"/>
+              <a:t>Click to edit Master text styles</a:t>
+            </a:r>
+          </a:p>
+          <a:p>
+            <a:pPr lvl="1"/>
+            <a:r>
+              <a:rPr lang="en-US"/>
+              <a:t>Second level</a:t>
+            </a:r>
+          </a:p>
+          <a:p>
+            <a:pPr lvl="2"/>
+            <a:r>
+              <a:rPr lang="en-US"/>
+              <a:t>Third level</a:t>
+            </a:r>
+          </a:p>
+          <a:p>
+            <a:pPr lvl="3"/>
+            <a:r>
+              <a:rPr lang="en-US"/>
+              <a:t>Fourth level</a:t>
+            </a:r>
+          </a:p>
+          <a:p>
+            <a:pPr lvl="4"/>
+            <a:r>
+              <a:rPr lang="en-US"/>
+              <a:t>Fifth level</a:t>
+            </a:r>
+            <a:endParaRPr lang="de-DE"/>
+          </a:p>
+        </p:txBody>
+      </p:sp>
+      <p:sp>
+        <p:nvSpPr>
+          <p:cNvPr id="6" name="Footer Placeholder 5"/>
+          <p:cNvSpPr>
+            <a:spLocks noGrp="1"/>
+          </p:cNvSpPr>
+          <p:nvPr>
+            <p:ph type="ftr" sz="quarter" idx="4"/>
+          </p:nvPr>
+        </p:nvSpPr>
+        <p:spPr>
+          <a:xfrm>
+            <a:off x="0" y="8685213"/>
+            <a:ext cx="2971800" cy="458787"/>
+          </a:xfrm>
+          <a:prstGeom prst="rect">
+            <a:avLst/>
+          </a:prstGeom>
+        </p:spPr>
+        <p:txBody>
+          <a:bodyPr vert="horz" lIns="91440" tIns="45720" rIns="91440" bIns="45720" rtlCol="0" anchor="b"/>
+          <a:lstStyle>
+            <a:lvl1pPr algn="l">
+              <a:defRPr sz="1200"/>
+            </a:lvl1pPr>
+          </a:lstStyle>
+          <a:p>
+            <a:endParaRPr lang="de-DE"/>
+          </a:p>
+        </p:txBody>
+      </p:sp>
+      <p:sp>
+        <p:nvSpPr>
+          <p:cNvPr id="7" name="Slide Number Placeholder 6"/>
+          <p:cNvSpPr>
+            <a:spLocks noGrp="1"/>
+          </p:cNvSpPr>
+          <p:nvPr>
+            <p:ph type="sldNum" sz="quarter" idx="5"/>
+          </p:nvPr>
+        </p:nvSpPr>
+        <p:spPr>
+          <a:xfrm>
+            <a:off x="3884613" y="8685213"/>
+            <a:ext cx="2971800" cy="458787"/>
+          </a:xfrm>
+          <a:prstGeom prst="rect">
+            <a:avLst/>
+          </a:prstGeom>
+        </p:spPr>
+        <p:txBody>
+          <a:bodyPr vert="horz" lIns="91440" tIns="45720" rIns="91440" bIns="45720" rtlCol="0" anchor="b"/>
+          <a:lstStyle>
+            <a:lvl1pPr algn="r">
+              <a:defRPr sz="1200"/>
+            </a:lvl1pPr>
+          </a:lstStyle>
+          <a:p>
+            <a:fld id="{6BAD1AF2-A6B3-4B84-B5D2-6F16B2D7100D}" type="slidenum">
+              <a:rPr lang="de-DE" smtClean="0"/>
+              <a:t>‹#›</a:t>
+            </a:fld>
+            <a:endParaRPr lang="de-DE"/>
+          </a:p>
+        </p:txBody>
+      </p:sp>
+    </p:spTree>
     <p:extLst>
-      <p:ext uri="{C676402C-5697-4E1C-873F-D02D1690AC5C}">
-        <p15:threadingInfo xmlns:p15="http://schemas.microsoft.com/office/powerpoint/2012/main" timeZoneBias="-120"/>
+      <p:ext uri="{BB962C8B-B14F-4D97-AF65-F5344CB8AC3E}">
+        <p14:creationId xmlns:p14="http://schemas.microsoft.com/office/powerpoint/2010/main" val="1150748386"/>
       </p:ext>
     </p:extLst>
-  </p:cm>
-</p:cmLst>
-</file>
-
-<file path=ppt/comments/comment4.xml><?xml version="1.0" encoding="utf-8"?>
-<p:cmLst xmlns:a="http://schemas.openxmlformats.org/drawingml/2006/main" xmlns:r="http://schemas.openxmlformats.org/officeDocument/2006/relationships" xmlns:p="http://schemas.openxmlformats.org/presentationml/2006/main">
-  <p:cm authorId="1" dt="2019-04-30T14:55:12.281" idx="5">
-    <p:pos x="10" y="10"/>
-    <p:text>USK Bild</p:text>
-    <p:extLst>
-      <p:ext uri="{C676402C-5697-4E1C-873F-D02D1690AC5C}">
-        <p15:threadingInfo xmlns:p15="http://schemas.microsoft.com/office/powerpoint/2012/main" timeZoneBias="-120"/>
-      </p:ext>
-    </p:extLst>
-  </p:cm>
-</p:cmLst>
-</file>
-
-<file path=ppt/comments/comment5.xml><?xml version="1.0" encoding="utf-8"?>
-<p:cmLst xmlns:a="http://schemas.openxmlformats.org/drawingml/2006/main" xmlns:r="http://schemas.openxmlformats.org/officeDocument/2006/relationships" xmlns:p="http://schemas.openxmlformats.org/presentationml/2006/main">
-  <p:cm authorId="1" dt="2019-04-30T14:55:30.009" idx="6">
-    <p:pos x="10" y="10"/>
-    <p:text>Shipwreck?</p:text>
-    <p:extLst>
-      <p:ext uri="{C676402C-5697-4E1C-873F-D02D1690AC5C}">
-        <p15:threadingInfo xmlns:p15="http://schemas.microsoft.com/office/powerpoint/2012/main" timeZoneBias="-120"/>
-      </p:ext>
-    </p:extLst>
-  </p:cm>
-</p:cmLst>
-</file>
-
-<file path=ppt/comments/comment6.xml><?xml version="1.0" encoding="utf-8"?>
-<p:cmLst xmlns:a="http://schemas.openxmlformats.org/drawingml/2006/main" xmlns:r="http://schemas.openxmlformats.org/officeDocument/2006/relationships" xmlns:p="http://schemas.openxmlformats.org/presentationml/2006/main">
-  <p:cm authorId="1" dt="2019-04-30T14:55:46.824" idx="7">
-    <p:pos x="10" y="10"/>
-    <p:text>Ändern zu Vergleich</p:text>
-    <p:extLst>
-      <p:ext uri="{C676402C-5697-4E1C-873F-D02D1690AC5C}">
-        <p15:threadingInfo xmlns:p15="http://schemas.microsoft.com/office/powerpoint/2012/main" timeZoneBias="-120"/>
-      </p:ext>
-    </p:extLst>
-  </p:cm>
-</p:cmLst>
-</file>
-
-<file path=ppt/comments/comment7.xml><?xml version="1.0" encoding="utf-8"?>
-<p:cmLst xmlns:a="http://schemas.openxmlformats.org/drawingml/2006/main" xmlns:r="http://schemas.openxmlformats.org/officeDocument/2006/relationships" xmlns:p="http://schemas.openxmlformats.org/presentationml/2006/main">
-  <p:cm authorId="1" dt="2019-04-30T14:56:31.953" idx="8">
-    <p:pos x="10" y="10"/>
-    <p:text>Spritesheet?</p:text>
-    <p:extLst>
-      <p:ext uri="{C676402C-5697-4E1C-873F-D02D1690AC5C}">
-        <p15:threadingInfo xmlns:p15="http://schemas.microsoft.com/office/powerpoint/2012/main" timeZoneBias="-120"/>
-      </p:ext>
-    </p:extLst>
-  </p:cm>
-</p:cmLst>
+  </p:cSld>
+  <p:clrMap bg1="lt1" tx1="dk1" bg2="lt2" tx2="dk2" accent1="accent1" accent2="accent2" accent3="accent3" accent4="accent4" accent5="accent5" accent6="accent6" hlink="hlink" folHlink="folHlink"/>
+  <p:notesStyle>
+    <a:lvl1pPr marL="0" algn="l" defTabSz="914400" rtl="0" eaLnBrk="1" latinLnBrk="0" hangingPunct="1">
+      <a:defRPr sz="1200" kern="1200">
+        <a:solidFill>
+          <a:schemeClr val="tx1"/>
+        </a:solidFill>
+        <a:latin typeface="+mn-lt"/>
+        <a:ea typeface="+mn-ea"/>
+        <a:cs typeface="+mn-cs"/>
+      </a:defRPr>
+    </a:lvl1pPr>
+    <a:lvl2pPr marL="457200" algn="l" defTabSz="914400" rtl="0" eaLnBrk="1" latinLnBrk="0" hangingPunct="1">
+      <a:defRPr sz="1200" kern="1200">
+        <a:solidFill>
+          <a:schemeClr val="tx1"/>
+        </a:solidFill>
+        <a:latin typeface="+mn-lt"/>
+        <a:ea typeface="+mn-ea"/>
+        <a:cs typeface="+mn-cs"/>
+      </a:defRPr>
+    </a:lvl2pPr>
+    <a:lvl3pPr marL="914400" algn="l" defTabSz="914400" rtl="0" eaLnBrk="1" latinLnBrk="0" hangingPunct="1">
+      <a:defRPr sz="1200" kern="1200">
+        <a:solidFill>
+          <a:schemeClr val="tx1"/>
+        </a:solidFill>
+        <a:latin typeface="+mn-lt"/>
+        <a:ea typeface="+mn-ea"/>
+        <a:cs typeface="+mn-cs"/>
+      </a:defRPr>
+    </a:lvl3pPr>
+    <a:lvl4pPr marL="1371600" algn="l" defTabSz="914400" rtl="0" eaLnBrk="1" latinLnBrk="0" hangingPunct="1">
+      <a:defRPr sz="1200" kern="1200">
+        <a:solidFill>
+          <a:schemeClr val="tx1"/>
+        </a:solidFill>
+        <a:latin typeface="+mn-lt"/>
+        <a:ea typeface="+mn-ea"/>
+        <a:cs typeface="+mn-cs"/>
+      </a:defRPr>
+    </a:lvl4pPr>
+    <a:lvl5pPr marL="1828800" algn="l" defTabSz="914400" rtl="0" eaLnBrk="1" latinLnBrk="0" hangingPunct="1">
+      <a:defRPr sz="1200" kern="1200">
+        <a:solidFill>
+          <a:schemeClr val="tx1"/>
+        </a:solidFill>
+        <a:latin typeface="+mn-lt"/>
+        <a:ea typeface="+mn-ea"/>
+        <a:cs typeface="+mn-cs"/>
+      </a:defRPr>
+    </a:lvl5pPr>
+    <a:lvl6pPr marL="2286000" algn="l" defTabSz="914400" rtl="0" eaLnBrk="1" latinLnBrk="0" hangingPunct="1">
+      <a:defRPr sz="1200" kern="1200">
+        <a:solidFill>
+          <a:schemeClr val="tx1"/>
+        </a:solidFill>
+        <a:latin typeface="+mn-lt"/>
+        <a:ea typeface="+mn-ea"/>
+        <a:cs typeface="+mn-cs"/>
+      </a:defRPr>
+    </a:lvl6pPr>
+    <a:lvl7pPr marL="2743200" algn="l" defTabSz="914400" rtl="0" eaLnBrk="1" latinLnBrk="0" hangingPunct="1">
+      <a:defRPr sz="1200" kern="1200">
+        <a:solidFill>
+          <a:schemeClr val="tx1"/>
+        </a:solidFill>
+        <a:latin typeface="+mn-lt"/>
+        <a:ea typeface="+mn-ea"/>
+        <a:cs typeface="+mn-cs"/>
+      </a:defRPr>
+    </a:lvl7pPr>
+    <a:lvl8pPr marL="3200400" algn="l" defTabSz="914400" rtl="0" eaLnBrk="1" latinLnBrk="0" hangingPunct="1">
+      <a:defRPr sz="1200" kern="1200">
+        <a:solidFill>
+          <a:schemeClr val="tx1"/>
+        </a:solidFill>
+        <a:latin typeface="+mn-lt"/>
+        <a:ea typeface="+mn-ea"/>
+        <a:cs typeface="+mn-cs"/>
+      </a:defRPr>
+    </a:lvl8pPr>
+    <a:lvl9pPr marL="3657600" algn="l" defTabSz="914400" rtl="0" eaLnBrk="1" latinLnBrk="0" hangingPunct="1">
+      <a:defRPr sz="1200" kern="1200">
+        <a:solidFill>
+          <a:schemeClr val="tx1"/>
+        </a:solidFill>
+        <a:latin typeface="+mn-lt"/>
+        <a:ea typeface="+mn-ea"/>
+        <a:cs typeface="+mn-cs"/>
+      </a:defRPr>
+    </a:lvl9pPr>
+  </p:notesStyle>
+</p:notesMaster>
 </file>
 
 <file path=ppt/slideLayouts/slideLayout1.xml><?xml version="1.0" encoding="utf-8"?>
@@ -412,7 +663,7 @@
           <a:effectLst/>
           <a:extLst>
             <a:ext uri="{91240B29-F687-4f45-9708-019B960494DF}">
-              <a14:hiddenLine xmlns="" xmlns:a14="http://schemas.microsoft.com/office/drawing/2010/main" w="9525">
+              <a14:hiddenLine xmlns:a14="http://schemas.microsoft.com/office/drawing/2010/main" xmlns="" w="9525">
                 <a:solidFill>
                   <a:srgbClr val="000000"/>
                 </a:solidFill>
@@ -605,7 +856,7 @@
             <a:fld id="{08B9EBBA-996F-894A-B54A-D6246ED52CEA}" type="datetimeFigureOut">
               <a:rPr lang="en-US" dirty="0"/>
               <a:pPr/>
-              <a:t>4/30/2019</a:t>
+              <a:t>5/4/2019</a:t>
             </a:fld>
             <a:endParaRPr lang="en-US" dirty="0"/>
           </a:p>
@@ -663,6 +914,326 @@
 </file>
 
 <file path=ppt/slideLayouts/slideLayout10.xml><?xml version="1.0" encoding="utf-8"?>
+<p:sldLayout xmlns:a="http://schemas.openxmlformats.org/drawingml/2006/main" xmlns:r="http://schemas.openxmlformats.org/officeDocument/2006/relationships" xmlns:p="http://schemas.openxmlformats.org/presentationml/2006/main" type="picTx" preserve="1">
+  <p:cSld name="Bild mit Überschrift">
+    <p:spTree>
+      <p:nvGrpSpPr>
+        <p:cNvPr id="1" name=""/>
+        <p:cNvGrpSpPr/>
+        <p:nvPr/>
+      </p:nvGrpSpPr>
+      <p:grpSpPr>
+        <a:xfrm>
+          <a:off x="0" y="0"/>
+          <a:ext cx="0" cy="0"/>
+          <a:chOff x="0" y="0"/>
+          <a:chExt cx="0" cy="0"/>
+        </a:xfrm>
+      </p:grpSpPr>
+      <p:sp>
+        <p:nvSpPr>
+          <p:cNvPr id="2" name="Title 1"/>
+          <p:cNvSpPr>
+            <a:spLocks noGrp="1"/>
+          </p:cNvSpPr>
+          <p:nvPr>
+            <p:ph type="title"/>
+          </p:nvPr>
+        </p:nvSpPr>
+        <p:spPr>
+          <a:xfrm>
+            <a:off x="814728" y="727522"/>
+            <a:ext cx="4852988" cy="1617163"/>
+          </a:xfrm>
+        </p:spPr>
+        <p:txBody>
+          <a:bodyPr anchor="b">
+            <a:normAutofit/>
+          </a:bodyPr>
+          <a:lstStyle>
+            <a:lvl1pPr algn="l">
+              <a:defRPr sz="2400" b="0"/>
+            </a:lvl1pPr>
+          </a:lstStyle>
+          <a:p>
+            <a:r>
+              <a:rPr lang="de-DE"/>
+              <a:t>Mastertitelformat bearbeiten</a:t>
+            </a:r>
+            <a:endParaRPr lang="en-US" dirty="0"/>
+          </a:p>
+        </p:txBody>
+      </p:sp>
+      <p:sp>
+        <p:nvSpPr>
+          <p:cNvPr id="9" name="Picture Placeholder 11"/>
+          <p:cNvSpPr>
+            <a:spLocks noGrp="1" noChangeAspect="1"/>
+          </p:cNvSpPr>
+          <p:nvPr>
+            <p:ph type="pic" sz="quarter" idx="13"/>
+          </p:nvPr>
+        </p:nvSpPr>
+        <p:spPr bwMode="auto">
+          <a:xfrm>
+            <a:off x="6098117" y="0"/>
+            <a:ext cx="6093883" cy="6858000"/>
+          </a:xfrm>
+          <a:custGeom>
+            <a:avLst/>
+            <a:gdLst/>
+            <a:ahLst/>
+            <a:cxnLst/>
+            <a:rect l="0" t="0" r="r" b="b"/>
+            <a:pathLst>
+              <a:path w="2879" h="4320">
+                <a:moveTo>
+                  <a:pt x="183" y="0"/>
+                </a:moveTo>
+                <a:lnTo>
+                  <a:pt x="183" y="1197"/>
+                </a:lnTo>
+                <a:lnTo>
+                  <a:pt x="8" y="1372"/>
+                </a:lnTo>
+                <a:lnTo>
+                  <a:pt x="8" y="1372"/>
+                </a:lnTo>
+                <a:lnTo>
+                  <a:pt x="6" y="1376"/>
+                </a:lnTo>
+                <a:lnTo>
+                  <a:pt x="3" y="1382"/>
+                </a:lnTo>
+                <a:lnTo>
+                  <a:pt x="0" y="1387"/>
+                </a:lnTo>
+                <a:lnTo>
+                  <a:pt x="0" y="1393"/>
+                </a:lnTo>
+                <a:lnTo>
+                  <a:pt x="0" y="1399"/>
+                </a:lnTo>
+                <a:lnTo>
+                  <a:pt x="3" y="1404"/>
+                </a:lnTo>
+                <a:lnTo>
+                  <a:pt x="6" y="1410"/>
+                </a:lnTo>
+                <a:lnTo>
+                  <a:pt x="8" y="1414"/>
+                </a:lnTo>
+                <a:lnTo>
+                  <a:pt x="183" y="1589"/>
+                </a:lnTo>
+                <a:lnTo>
+                  <a:pt x="183" y="4320"/>
+                </a:lnTo>
+                <a:lnTo>
+                  <a:pt x="2879" y="4320"/>
+                </a:lnTo>
+                <a:lnTo>
+                  <a:pt x="2879" y="0"/>
+                </a:lnTo>
+                <a:lnTo>
+                  <a:pt x="183" y="0"/>
+                </a:lnTo>
+                <a:close/>
+              </a:path>
+            </a:pathLst>
+          </a:custGeom>
+          <a:noFill/>
+          <a:ln w="9525">
+            <a:solidFill>
+              <a:schemeClr val="tx2"/>
+            </a:solidFill>
+            <a:round/>
+            <a:headEnd/>
+            <a:tailEnd/>
+          </a:ln>
+          <a:effectLst/>
+        </p:spPr>
+        <p:txBody>
+          <a:bodyPr wrap="square" numCol="1" anchor="t" anchorCtr="0" compatLnSpc="1">
+            <a:prstTxWarp prst="textNoShape">
+              <a:avLst/>
+            </a:prstTxWarp>
+            <a:normAutofit/>
+          </a:bodyPr>
+          <a:lstStyle>
+            <a:lvl1pPr algn="ctr">
+              <a:buFontTx/>
+              <a:buNone/>
+              <a:defRPr sz="1400"/>
+            </a:lvl1pPr>
+          </a:lstStyle>
+          <a:p>
+            <a:r>
+              <a:rPr lang="de-DE"/>
+              <a:t>Bild durch Klicken auf Symbol hinzufügen</a:t>
+            </a:r>
+            <a:endParaRPr lang="en-US" dirty="0"/>
+          </a:p>
+        </p:txBody>
+      </p:sp>
+      <p:sp>
+        <p:nvSpPr>
+          <p:cNvPr id="4" name="Text Placeholder 3"/>
+          <p:cNvSpPr>
+            <a:spLocks noGrp="1"/>
+          </p:cNvSpPr>
+          <p:nvPr>
+            <p:ph type="body" sz="half" idx="2"/>
+          </p:nvPr>
+        </p:nvSpPr>
+        <p:spPr>
+          <a:xfrm>
+            <a:off x="814728" y="2344684"/>
+            <a:ext cx="4852988" cy="3516365"/>
+          </a:xfrm>
+        </p:spPr>
+        <p:txBody>
+          <a:bodyPr anchor="t">
+            <a:normAutofit/>
+          </a:bodyPr>
+          <a:lstStyle>
+            <a:lvl1pPr marL="0" indent="0">
+              <a:buNone/>
+              <a:defRPr sz="1200"/>
+            </a:lvl1pPr>
+            <a:lvl2pPr marL="457200" indent="0">
+              <a:buNone/>
+              <a:defRPr sz="1200"/>
+            </a:lvl2pPr>
+            <a:lvl3pPr marL="914400" indent="0">
+              <a:buNone/>
+              <a:defRPr sz="1000"/>
+            </a:lvl3pPr>
+            <a:lvl4pPr marL="1371600" indent="0">
+              <a:buNone/>
+              <a:defRPr sz="900"/>
+            </a:lvl4pPr>
+            <a:lvl5pPr marL="1828800" indent="0">
+              <a:buNone/>
+              <a:defRPr sz="900"/>
+            </a:lvl5pPr>
+            <a:lvl6pPr marL="2286000" indent="0">
+              <a:buNone/>
+              <a:defRPr sz="900"/>
+            </a:lvl6pPr>
+            <a:lvl7pPr marL="2743200" indent="0">
+              <a:buNone/>
+              <a:defRPr sz="900"/>
+            </a:lvl7pPr>
+            <a:lvl8pPr marL="3200400" indent="0">
+              <a:buNone/>
+              <a:defRPr sz="900"/>
+            </a:lvl8pPr>
+            <a:lvl9pPr marL="3657600" indent="0">
+              <a:buNone/>
+              <a:defRPr sz="900"/>
+            </a:lvl9pPr>
+          </a:lstStyle>
+          <a:p>
+            <a:pPr lvl="0"/>
+            <a:r>
+              <a:rPr lang="de-DE"/>
+              <a:t>Mastertextformat bearbeiten</a:t>
+            </a:r>
+          </a:p>
+        </p:txBody>
+      </p:sp>
+      <p:sp>
+        <p:nvSpPr>
+          <p:cNvPr id="5" name="Date Placeholder 4"/>
+          <p:cNvSpPr>
+            <a:spLocks noGrp="1"/>
+          </p:cNvSpPr>
+          <p:nvPr>
+            <p:ph type="dt" sz="half" idx="10"/>
+          </p:nvPr>
+        </p:nvSpPr>
+        <p:spPr>
+          <a:xfrm>
+            <a:off x="3885810" y="6041362"/>
+            <a:ext cx="976879" cy="365125"/>
+          </a:xfrm>
+        </p:spPr>
+        <p:txBody>
+          <a:bodyPr/>
+          <a:lstStyle/>
+          <a:p>
+            <a:fld id="{18C79C5D-2A6F-F04D-97DA-BEF2467B64E4}" type="datetimeFigureOut">
+              <a:rPr lang="en-US" dirty="0"/>
+              <a:pPr/>
+              <a:t>5/4/2019</a:t>
+            </a:fld>
+            <a:endParaRPr lang="en-US" dirty="0"/>
+          </a:p>
+        </p:txBody>
+      </p:sp>
+      <p:sp>
+        <p:nvSpPr>
+          <p:cNvPr id="6" name="Footer Placeholder 5"/>
+          <p:cNvSpPr>
+            <a:spLocks noGrp="1"/>
+          </p:cNvSpPr>
+          <p:nvPr>
+            <p:ph type="ftr" sz="quarter" idx="11"/>
+          </p:nvPr>
+        </p:nvSpPr>
+        <p:spPr>
+          <a:xfrm>
+            <a:off x="590396" y="6041362"/>
+            <a:ext cx="3295413" cy="365125"/>
+          </a:xfrm>
+        </p:spPr>
+        <p:txBody>
+          <a:bodyPr/>
+          <a:lstStyle/>
+          <a:p>
+            <a:endParaRPr lang="en-US" dirty="0"/>
+          </a:p>
+        </p:txBody>
+      </p:sp>
+      <p:sp>
+        <p:nvSpPr>
+          <p:cNvPr id="7" name="Slide Number Placeholder 6"/>
+          <p:cNvSpPr>
+            <a:spLocks noGrp="1"/>
+          </p:cNvSpPr>
+          <p:nvPr>
+            <p:ph type="sldNum" sz="quarter" idx="12"/>
+          </p:nvPr>
+        </p:nvSpPr>
+        <p:spPr>
+          <a:xfrm>
+            <a:off x="4862689" y="5915888"/>
+            <a:ext cx="1062155" cy="490599"/>
+          </a:xfrm>
+        </p:spPr>
+        <p:txBody>
+          <a:bodyPr/>
+          <a:lstStyle/>
+          <a:p>
+            <a:fld id="{D57F1E4F-1CFF-5643-939E-217C01CDF565}" type="slidenum">
+              <a:rPr lang="en-US" dirty="0"/>
+              <a:pPr/>
+              <a:t>‹#›</a:t>
+            </a:fld>
+            <a:endParaRPr lang="en-US" dirty="0"/>
+          </a:p>
+        </p:txBody>
+      </p:sp>
+    </p:spTree>
+  </p:cSld>
+  <p:clrMapOvr>
+    <a:masterClrMapping/>
+  </p:clrMapOvr>
+</p:sldLayout>
+</file>
+
+<file path=ppt/slideLayouts/slideLayout11.xml><?xml version="1.0" encoding="utf-8"?>
 <p:sldLayout xmlns:a="http://schemas.openxmlformats.org/drawingml/2006/main" xmlns:r="http://schemas.openxmlformats.org/officeDocument/2006/relationships" xmlns:p="http://schemas.openxmlformats.org/presentationml/2006/main" preserve="1">
   <p:cSld name="Panoramabild mit Beschriftung">
     <p:spTree>
@@ -920,7 +1491,7 @@
             <a:fld id="{18C79C5D-2A6F-F04D-97DA-BEF2467B64E4}" type="datetimeFigureOut">
               <a:rPr lang="en-US" dirty="0"/>
               <a:pPr/>
-              <a:t>4/30/2019</a:t>
+              <a:t>5/4/2019</a:t>
             </a:fld>
             <a:endParaRPr lang="en-US" dirty="0"/>
           </a:p>
@@ -977,7 +1548,7 @@
 </p:sldLayout>
 </file>
 
-<file path=ppt/slideLayouts/slideLayout11.xml><?xml version="1.0" encoding="utf-8"?>
+<file path=ppt/slideLayouts/slideLayout12.xml><?xml version="1.0" encoding="utf-8"?>
 <p:sldLayout xmlns:a="http://schemas.openxmlformats.org/drawingml/2006/main" xmlns:r="http://schemas.openxmlformats.org/officeDocument/2006/relationships" xmlns:p="http://schemas.openxmlformats.org/presentationml/2006/main" preserve="1">
   <p:cSld name="Zitat mit Beschriftung">
     <p:spTree>
@@ -1405,7 +1976,7 @@
             <a:fld id="{8DFA1846-DA80-1C48-A609-854EA85C59AD}" type="datetimeFigureOut">
               <a:rPr lang="en-US" dirty="0"/>
               <a:pPr/>
-              <a:t>4/30/2019</a:t>
+              <a:t>5/4/2019</a:t>
             </a:fld>
             <a:endParaRPr lang="en-US" dirty="0"/>
           </a:p>
@@ -1462,7 +2033,7 @@
 </p:sldLayout>
 </file>
 
-<file path=ppt/slideLayouts/slideLayout12.xml><?xml version="1.0" encoding="utf-8"?>
+<file path=ppt/slideLayouts/slideLayout13.xml><?xml version="1.0" encoding="utf-8"?>
 <p:sldLayout xmlns:a="http://schemas.openxmlformats.org/drawingml/2006/main" xmlns:r="http://schemas.openxmlformats.org/officeDocument/2006/relationships" xmlns:p="http://schemas.openxmlformats.org/presentationml/2006/main" preserve="1">
   <p:cSld name="Namenskarte">
     <p:spTree>
@@ -1771,7 +2342,7 @@
             <a:fld id="{FBF54567-0DE4-3F47-BF90-CB84690072F9}" type="datetimeFigureOut">
               <a:rPr lang="en-US" dirty="0"/>
               <a:pPr/>
-              <a:t>4/30/2019</a:t>
+              <a:t>5/4/2019</a:t>
             </a:fld>
             <a:endParaRPr lang="en-US" dirty="0"/>
           </a:p>
@@ -1828,7 +2399,7 @@
 </p:sldLayout>
 </file>
 
-<file path=ppt/slideLayouts/slideLayout13.xml><?xml version="1.0" encoding="utf-8"?>
+<file path=ppt/slideLayouts/slideLayout14.xml><?xml version="1.0" encoding="utf-8"?>
 <p:sldLayout xmlns:a="http://schemas.openxmlformats.org/drawingml/2006/main" xmlns:r="http://schemas.openxmlformats.org/officeDocument/2006/relationships" xmlns:p="http://schemas.openxmlformats.org/presentationml/2006/main" type="vertTx" preserve="1">
   <p:cSld name="Titel und vertikaler Text">
     <p:spTree>
@@ -1922,7 +2493,7 @@
           <a:ln/>
           <a:extLst>
             <a:ext uri="{91240B29-F687-4f45-9708-019B960494DF}">
-              <a14:hiddenLine xmlns="" xmlns:a14="http://schemas.microsoft.com/office/drawing/2010/main" w="9525">
+              <a14:hiddenLine xmlns:a14="http://schemas.microsoft.com/office/drawing/2010/main" xmlns="" w="9525">
                 <a:solidFill>
                   <a:srgbClr val="000000"/>
                 </a:solidFill>
@@ -2041,7 +2612,7 @@
             <a:fld id="{C6C52C72-DE31-F449-A4ED-4C594FD91407}" type="datetimeFigureOut">
               <a:rPr lang="en-US" dirty="0"/>
               <a:pPr/>
-              <a:t>4/30/2019</a:t>
+              <a:t>5/4/2019</a:t>
             </a:fld>
             <a:endParaRPr lang="en-US" dirty="0"/>
           </a:p>
@@ -2098,7 +2669,7 @@
 </p:sldLayout>
 </file>
 
-<file path=ppt/slideLayouts/slideLayout14.xml><?xml version="1.0" encoding="utf-8"?>
+<file path=ppt/slideLayouts/slideLayout15.xml><?xml version="1.0" encoding="utf-8"?>
 <p:sldLayout xmlns:a="http://schemas.openxmlformats.org/drawingml/2006/main" xmlns:r="http://schemas.openxmlformats.org/officeDocument/2006/relationships" xmlns:p="http://schemas.openxmlformats.org/presentationml/2006/main" type="vertTitleAndTx" preserve="1">
   <p:cSld name="Vertikaler Titel und Text">
     <p:spTree>
@@ -2194,7 +2765,7 @@
           <a:ln/>
           <a:extLst>
             <a:ext uri="{91240B29-F687-4f45-9708-019B960494DF}">
-              <a14:hiddenLine xmlns="" xmlns:a14="http://schemas.microsoft.com/office/drawing/2010/main" w="9525">
+              <a14:hiddenLine xmlns:a14="http://schemas.microsoft.com/office/drawing/2010/main" xmlns="" w="9525">
                 <a:solidFill>
                   <a:srgbClr val="000000"/>
                 </a:solidFill>
@@ -2323,7 +2894,7 @@
             <a:fld id="{ED62726E-379B-B349-9EED-81ED093FA806}" type="datetimeFigureOut">
               <a:rPr lang="en-US" dirty="0"/>
               <a:pPr/>
-              <a:t>4/30/2019</a:t>
+              <a:t>5/4/2019</a:t>
             </a:fld>
             <a:endParaRPr lang="en-US" dirty="0"/>
           </a:p>
@@ -2381,6 +2952,282 @@
 </file>
 
 <file path=ppt/slideLayouts/slideLayout2.xml><?xml version="1.0" encoding="utf-8"?>
+<p:sldLayout xmlns:a="http://schemas.openxmlformats.org/drawingml/2006/main" xmlns:r="http://schemas.openxmlformats.org/officeDocument/2006/relationships" xmlns:p="http://schemas.openxmlformats.org/presentationml/2006/main" type="title" preserve="1">
+  <p:cSld name="1_Titelfolie">
+    <p:spTree>
+      <p:nvGrpSpPr>
+        <p:cNvPr id="1" name=""/>
+        <p:cNvGrpSpPr/>
+        <p:nvPr/>
+      </p:nvGrpSpPr>
+      <p:grpSpPr>
+        <a:xfrm>
+          <a:off x="0" y="0"/>
+          <a:ext cx="0" cy="0"/>
+          <a:chOff x="0" y="0"/>
+          <a:chExt cx="0" cy="0"/>
+        </a:xfrm>
+      </p:grpSpPr>
+      <p:sp>
+        <p:nvSpPr>
+          <p:cNvPr id="2" name="Title 1"/>
+          <p:cNvSpPr>
+            <a:spLocks noGrp="1"/>
+          </p:cNvSpPr>
+          <p:nvPr>
+            <p:ph type="ctrTitle"/>
+          </p:nvPr>
+        </p:nvSpPr>
+        <p:spPr>
+          <a:xfrm>
+            <a:off x="810001" y="1449147"/>
+            <a:ext cx="10572000" cy="2971051"/>
+          </a:xfrm>
+        </p:spPr>
+        <p:txBody>
+          <a:bodyPr/>
+          <a:lstStyle>
+            <a:lvl1pPr>
+              <a:defRPr sz="5400"/>
+            </a:lvl1pPr>
+          </a:lstStyle>
+          <a:p>
+            <a:r>
+              <a:rPr lang="de-DE"/>
+              <a:t>Mastertitelformat bearbeiten</a:t>
+            </a:r>
+            <a:endParaRPr lang="en-US" dirty="0"/>
+          </a:p>
+        </p:txBody>
+      </p:sp>
+      <p:sp>
+        <p:nvSpPr>
+          <p:cNvPr id="3" name="Subtitle 2"/>
+          <p:cNvSpPr>
+            <a:spLocks noGrp="1"/>
+          </p:cNvSpPr>
+          <p:nvPr>
+            <p:ph type="subTitle" idx="1"/>
+          </p:nvPr>
+        </p:nvSpPr>
+        <p:spPr>
+          <a:xfrm>
+            <a:off x="810001" y="5280847"/>
+            <a:ext cx="10572000" cy="434974"/>
+          </a:xfrm>
+        </p:spPr>
+        <p:txBody>
+          <a:bodyPr anchor="t"/>
+          <a:lstStyle>
+            <a:lvl1pPr marL="0" indent="0" algn="l">
+              <a:buNone/>
+              <a:defRPr>
+                <a:solidFill>
+                  <a:schemeClr val="tx1"/>
+                </a:solidFill>
+              </a:defRPr>
+            </a:lvl1pPr>
+            <a:lvl2pPr marL="457200" indent="0" algn="ctr">
+              <a:buNone/>
+              <a:defRPr>
+                <a:solidFill>
+                  <a:schemeClr val="tx1">
+                    <a:tint val="75000"/>
+                  </a:schemeClr>
+                </a:solidFill>
+              </a:defRPr>
+            </a:lvl2pPr>
+            <a:lvl3pPr marL="914400" indent="0" algn="ctr">
+              <a:buNone/>
+              <a:defRPr>
+                <a:solidFill>
+                  <a:schemeClr val="tx1">
+                    <a:tint val="75000"/>
+                  </a:schemeClr>
+                </a:solidFill>
+              </a:defRPr>
+            </a:lvl3pPr>
+            <a:lvl4pPr marL="1371600" indent="0" algn="ctr">
+              <a:buNone/>
+              <a:defRPr>
+                <a:solidFill>
+                  <a:schemeClr val="tx1">
+                    <a:tint val="75000"/>
+                  </a:schemeClr>
+                </a:solidFill>
+              </a:defRPr>
+            </a:lvl4pPr>
+            <a:lvl5pPr marL="1828800" indent="0" algn="ctr">
+              <a:buNone/>
+              <a:defRPr>
+                <a:solidFill>
+                  <a:schemeClr val="tx1">
+                    <a:tint val="75000"/>
+                  </a:schemeClr>
+                </a:solidFill>
+              </a:defRPr>
+            </a:lvl5pPr>
+            <a:lvl6pPr marL="2286000" indent="0" algn="ctr">
+              <a:buNone/>
+              <a:defRPr>
+                <a:solidFill>
+                  <a:schemeClr val="tx1">
+                    <a:tint val="75000"/>
+                  </a:schemeClr>
+                </a:solidFill>
+              </a:defRPr>
+            </a:lvl6pPr>
+            <a:lvl7pPr marL="2743200" indent="0" algn="ctr">
+              <a:buNone/>
+              <a:defRPr>
+                <a:solidFill>
+                  <a:schemeClr val="tx1">
+                    <a:tint val="75000"/>
+                  </a:schemeClr>
+                </a:solidFill>
+              </a:defRPr>
+            </a:lvl7pPr>
+            <a:lvl8pPr marL="3200400" indent="0" algn="ctr">
+              <a:buNone/>
+              <a:defRPr>
+                <a:solidFill>
+                  <a:schemeClr val="tx1">
+                    <a:tint val="75000"/>
+                  </a:schemeClr>
+                </a:solidFill>
+              </a:defRPr>
+            </a:lvl8pPr>
+            <a:lvl9pPr marL="3657600" indent="0" algn="ctr">
+              <a:buNone/>
+              <a:defRPr>
+                <a:solidFill>
+                  <a:schemeClr val="tx1">
+                    <a:tint val="75000"/>
+                  </a:schemeClr>
+                </a:solidFill>
+              </a:defRPr>
+            </a:lvl9pPr>
+          </a:lstStyle>
+          <a:p>
+            <a:r>
+              <a:rPr lang="de-DE" dirty="0"/>
+              <a:t>Master-Untertitelformat bearbeiten</a:t>
+            </a:r>
+            <a:endParaRPr lang="en-US" dirty="0"/>
+          </a:p>
+        </p:txBody>
+      </p:sp>
+      <p:sp>
+        <p:nvSpPr>
+          <p:cNvPr id="4" name="Date Placeholder 3"/>
+          <p:cNvSpPr>
+            <a:spLocks noGrp="1"/>
+          </p:cNvSpPr>
+          <p:nvPr>
+            <p:ph type="dt" sz="half" idx="10"/>
+          </p:nvPr>
+        </p:nvSpPr>
+        <p:spPr/>
+        <p:txBody>
+          <a:bodyPr/>
+          <a:lstStyle/>
+          <a:p>
+            <a:fld id="{08B9EBBA-996F-894A-B54A-D6246ED52CEA}" type="datetimeFigureOut">
+              <a:rPr lang="en-US" dirty="0"/>
+              <a:pPr/>
+              <a:t>5/4/2019</a:t>
+            </a:fld>
+            <a:endParaRPr lang="en-US" dirty="0"/>
+          </a:p>
+        </p:txBody>
+      </p:sp>
+      <p:sp>
+        <p:nvSpPr>
+          <p:cNvPr id="5" name="Footer Placeholder 4"/>
+          <p:cNvSpPr>
+            <a:spLocks noGrp="1"/>
+          </p:cNvSpPr>
+          <p:nvPr>
+            <p:ph type="ftr" sz="quarter" idx="11"/>
+          </p:nvPr>
+        </p:nvSpPr>
+        <p:spPr/>
+        <p:txBody>
+          <a:bodyPr/>
+          <a:lstStyle/>
+          <a:p>
+            <a:endParaRPr lang="en-US" dirty="0"/>
+          </a:p>
+        </p:txBody>
+      </p:sp>
+      <p:sp>
+        <p:nvSpPr>
+          <p:cNvPr id="6" name="Slide Number Placeholder 5"/>
+          <p:cNvSpPr>
+            <a:spLocks noGrp="1"/>
+          </p:cNvSpPr>
+          <p:nvPr>
+            <p:ph type="sldNum" sz="quarter" idx="12"/>
+          </p:nvPr>
+        </p:nvSpPr>
+        <p:spPr/>
+        <p:txBody>
+          <a:bodyPr/>
+          <a:lstStyle/>
+          <a:p>
+            <a:fld id="{D57F1E4F-1CFF-5643-939E-217C01CDF565}" type="slidenum">
+              <a:rPr lang="en-US" dirty="0"/>
+              <a:pPr/>
+              <a:t>‹#›</a:t>
+            </a:fld>
+            <a:endParaRPr lang="en-US" dirty="0"/>
+          </a:p>
+        </p:txBody>
+      </p:sp>
+      <p:pic>
+        <p:nvPicPr>
+          <p:cNvPr id="7" name="Picture 6">
+            <a:extLst>
+              <a:ext uri="{FF2B5EF4-FFF2-40B4-BE49-F238E27FC236}">
+                <a16:creationId xmlns:a16="http://schemas.microsoft.com/office/drawing/2014/main" id="{6750F43D-BD8E-4E93-A2D6-3BAE6E8C31E3}"/>
+              </a:ext>
+            </a:extLst>
+          </p:cNvPr>
+          <p:cNvPicPr>
+            <a:picLocks noChangeAspect="1"/>
+          </p:cNvPicPr>
+          <p:nvPr userDrawn="1"/>
+        </p:nvPicPr>
+        <p:blipFill>
+          <a:blip r:embed="rId2"/>
+          <a:stretch>
+            <a:fillRect/>
+          </a:stretch>
+        </p:blipFill>
+        <p:spPr>
+          <a:xfrm rot="10800000">
+            <a:off x="0" y="0"/>
+            <a:ext cx="12192000" cy="1469136"/>
+          </a:xfrm>
+          <a:prstGeom prst="rect">
+            <a:avLst/>
+          </a:prstGeom>
+        </p:spPr>
+      </p:pic>
+    </p:spTree>
+    <p:extLst>
+      <p:ext uri="{BB962C8B-B14F-4D97-AF65-F5344CB8AC3E}">
+        <p14:creationId xmlns:p14="http://schemas.microsoft.com/office/powerpoint/2010/main" val="2121264235"/>
+      </p:ext>
+    </p:extLst>
+  </p:cSld>
+  <p:clrMapOvr>
+    <a:masterClrMapping/>
+  </p:clrMapOvr>
+</p:sldLayout>
+</file>
+
+<file path=ppt/slideLayouts/slideLayout3.xml><?xml version="1.0" encoding="utf-8"?>
 <p:sldLayout xmlns:a="http://schemas.openxmlformats.org/drawingml/2006/main" xmlns:r="http://schemas.openxmlformats.org/officeDocument/2006/relationships" xmlns:p="http://schemas.openxmlformats.org/presentationml/2006/main" type="obj" preserve="1">
   <p:cSld name="Titel und Inhalt">
     <p:spTree>
@@ -2474,7 +3321,7 @@
           <a:ln/>
           <a:extLst>
             <a:ext uri="{91240B29-F687-4f45-9708-019B960494DF}">
-              <a14:hiddenLine xmlns="" xmlns:a14="http://schemas.microsoft.com/office/drawing/2010/main" w="9525">
+              <a14:hiddenLine xmlns:a14="http://schemas.microsoft.com/office/drawing/2010/main" xmlns="" w="9525">
                 <a:solidFill>
                   <a:srgbClr val="000000"/>
                 </a:solidFill>
@@ -2603,7 +3450,7 @@
             <a:fld id="{9B3A1323-8D79-1946-B0D7-40001CF92E9D}" type="datetimeFigureOut">
               <a:rPr lang="en-US" dirty="0"/>
               <a:pPr/>
-              <a:t>4/30/2019</a:t>
+              <a:t>5/4/2019</a:t>
             </a:fld>
             <a:endParaRPr lang="en-US" dirty="0"/>
           </a:p>
@@ -2660,7 +3507,7 @@
 </p:sldLayout>
 </file>
 
-<file path=ppt/slideLayouts/slideLayout3.xml><?xml version="1.0" encoding="utf-8"?>
+<file path=ppt/slideLayouts/slideLayout4.xml><?xml version="1.0" encoding="utf-8"?>
 <p:sldLayout xmlns:a="http://schemas.openxmlformats.org/drawingml/2006/main" xmlns:r="http://schemas.openxmlformats.org/officeDocument/2006/relationships" xmlns:p="http://schemas.openxmlformats.org/presentationml/2006/main" type="secHead" preserve="1">
   <p:cSld name="Abschnitts-&#10;überschrift">
     <p:spTree>
@@ -2943,7 +3790,7 @@
             <a:fld id="{8DFA1846-DA80-1C48-A609-854EA85C59AD}" type="datetimeFigureOut">
               <a:rPr lang="en-US" dirty="0"/>
               <a:pPr/>
-              <a:t>4/30/2019</a:t>
+              <a:t>5/4/2019</a:t>
             </a:fld>
             <a:endParaRPr lang="en-US" dirty="0"/>
           </a:p>
@@ -3000,7 +3847,7 @@
 </p:sldLayout>
 </file>
 
-<file path=ppt/slideLayouts/slideLayout4.xml><?xml version="1.0" encoding="utf-8"?>
+<file path=ppt/slideLayouts/slideLayout5.xml><?xml version="1.0" encoding="utf-8"?>
 <p:sldLayout xmlns:a="http://schemas.openxmlformats.org/drawingml/2006/main" xmlns:r="http://schemas.openxmlformats.org/officeDocument/2006/relationships" xmlns:p="http://schemas.openxmlformats.org/presentationml/2006/main" type="twoObj" preserve="1">
   <p:cSld name="Zwei Inhalte">
     <p:spTree>
@@ -3094,7 +3941,7 @@
           <a:ln/>
           <a:extLst>
             <a:ext uri="{91240B29-F687-4f45-9708-019B960494DF}">
-              <a14:hiddenLine xmlns="" xmlns:a14="http://schemas.microsoft.com/office/drawing/2010/main" w="9525">
+              <a14:hiddenLine xmlns:a14="http://schemas.microsoft.com/office/drawing/2010/main" xmlns="" w="9525">
                 <a:solidFill>
                   <a:srgbClr val="000000"/>
                 </a:solidFill>
@@ -3279,7 +4126,7 @@
             <a:fld id="{57302355-E14B-8545-A8F8-0FE83CC9D524}" type="datetimeFigureOut">
               <a:rPr lang="en-US" dirty="0"/>
               <a:pPr/>
-              <a:t>4/30/2019</a:t>
+              <a:t>5/4/2019</a:t>
             </a:fld>
             <a:endParaRPr lang="en-US" dirty="0"/>
           </a:p>
@@ -3336,7 +4183,7 @@
 </p:sldLayout>
 </file>
 
-<file path=ppt/slideLayouts/slideLayout5.xml><?xml version="1.0" encoding="utf-8"?>
+<file path=ppt/slideLayouts/slideLayout6.xml><?xml version="1.0" encoding="utf-8"?>
 <p:sldLayout xmlns:a="http://schemas.openxmlformats.org/drawingml/2006/main" xmlns:r="http://schemas.openxmlformats.org/officeDocument/2006/relationships" xmlns:p="http://schemas.openxmlformats.org/presentationml/2006/main" type="twoTxTwoObj" preserve="1">
   <p:cSld name="Vergleich">
     <p:spTree>
@@ -3430,7 +4277,7 @@
           <a:ln/>
           <a:extLst>
             <a:ext uri="{91240B29-F687-4f45-9708-019B960494DF}">
-              <a14:hiddenLine xmlns="" xmlns:a14="http://schemas.microsoft.com/office/drawing/2010/main" w="9525">
+              <a14:hiddenLine xmlns:a14="http://schemas.microsoft.com/office/drawing/2010/main" xmlns="" w="9525">
                 <a:solidFill>
                   <a:srgbClr val="000000"/>
                 </a:solidFill>
@@ -3753,7 +4600,7 @@
             <a:fld id="{02640F58-564D-2B4F-AE67-E407BA4FCF45}" type="datetimeFigureOut">
               <a:rPr lang="en-US" dirty="0"/>
               <a:pPr/>
-              <a:t>4/30/2019</a:t>
+              <a:t>5/4/2019</a:t>
             </a:fld>
             <a:endParaRPr lang="en-US" dirty="0"/>
           </a:p>
@@ -3810,7 +4657,7 @@
 </p:sldLayout>
 </file>
 
-<file path=ppt/slideLayouts/slideLayout6.xml><?xml version="1.0" encoding="utf-8"?>
+<file path=ppt/slideLayouts/slideLayout7.xml><?xml version="1.0" encoding="utf-8"?>
 <p:sldLayout xmlns:a="http://schemas.openxmlformats.org/drawingml/2006/main" xmlns:r="http://schemas.openxmlformats.org/officeDocument/2006/relationships" xmlns:p="http://schemas.openxmlformats.org/presentationml/2006/main" type="titleOnly" preserve="1">
   <p:cSld name="Nur Titel">
     <p:spTree>
@@ -3904,7 +4751,7 @@
           <a:ln/>
           <a:extLst>
             <a:ext uri="{91240B29-F687-4f45-9708-019B960494DF}">
-              <a14:hiddenLine xmlns="" xmlns:a14="http://schemas.microsoft.com/office/drawing/2010/main" w="9525">
+              <a14:hiddenLine xmlns:a14="http://schemas.microsoft.com/office/drawing/2010/main" xmlns="" w="9525">
                 <a:solidFill>
                   <a:srgbClr val="000000"/>
                 </a:solidFill>
@@ -3971,7 +4818,7 @@
             <a:fld id="{F13A34C8-038E-2045-AF43-DF7DBB8E0E9E}" type="datetimeFigureOut">
               <a:rPr lang="en-US" dirty="0"/>
               <a:pPr/>
-              <a:t>4/30/2019</a:t>
+              <a:t>5/4/2019</a:t>
             </a:fld>
             <a:endParaRPr lang="en-US" dirty="0"/>
           </a:p>
@@ -4028,7 +4875,7 @@
 </p:sldLayout>
 </file>
 
-<file path=ppt/slideLayouts/slideLayout7.xml><?xml version="1.0" encoding="utf-8"?>
+<file path=ppt/slideLayouts/slideLayout8.xml><?xml version="1.0" encoding="utf-8"?>
 <p:sldLayout xmlns:a="http://schemas.openxmlformats.org/drawingml/2006/main" xmlns:r="http://schemas.openxmlformats.org/officeDocument/2006/relationships" xmlns:p="http://schemas.openxmlformats.org/presentationml/2006/main" type="blank" preserve="1">
   <p:cSld name="Leer">
     <p:spTree>
@@ -4063,7 +4910,7 @@
             <a:fld id="{8818C68F-D26B-8F47-958C-23B49CF8A634}" type="datetimeFigureOut">
               <a:rPr lang="en-US" dirty="0"/>
               <a:pPr/>
-              <a:t>4/30/2019</a:t>
+              <a:t>5/4/2019</a:t>
             </a:fld>
             <a:endParaRPr lang="en-US" dirty="0"/>
           </a:p>
@@ -4120,7 +4967,7 @@
 </p:sldLayout>
 </file>
 
-<file path=ppt/slideLayouts/slideLayout8.xml><?xml version="1.0" encoding="utf-8"?>
+<file path=ppt/slideLayouts/slideLayout9.xml><?xml version="1.0" encoding="utf-8"?>
 <p:sldLayout xmlns:a="http://schemas.openxmlformats.org/drawingml/2006/main" xmlns:r="http://schemas.openxmlformats.org/officeDocument/2006/relationships" xmlns:p="http://schemas.openxmlformats.org/presentationml/2006/main" type="objTx" preserve="1">
   <p:cSld name="Inhalt mit Überschrift">
     <p:spTree>
@@ -4327,7 +5174,7 @@
           <a:ln/>
           <a:extLst>
             <a:ext uri="{91240B29-F687-4f45-9708-019B960494DF}">
-              <a14:hiddenLine xmlns="" xmlns:a14="http://schemas.microsoft.com/office/drawing/2010/main" w="9525">
+              <a14:hiddenLine xmlns:a14="http://schemas.microsoft.com/office/drawing/2010/main" xmlns="" w="9525">
                 <a:solidFill>
                   <a:srgbClr val="000000"/>
                 </a:solidFill>
@@ -4527,7 +5374,7 @@
             <a:fld id="{D0DF5E60-9974-AC48-9591-99C2BB44B7CF}" type="datetimeFigureOut">
               <a:rPr lang="en-US" dirty="0"/>
               <a:pPr/>
-              <a:t>4/30/2019</a:t>
+              <a:t>5/4/2019</a:t>
             </a:fld>
             <a:endParaRPr lang="en-US" dirty="0"/>
           </a:p>
@@ -4563,326 +5410,6 @@
           </p:nvPr>
         </p:nvSpPr>
         <p:spPr/>
-        <p:txBody>
-          <a:bodyPr/>
-          <a:lstStyle/>
-          <a:p>
-            <a:fld id="{D57F1E4F-1CFF-5643-939E-217C01CDF565}" type="slidenum">
-              <a:rPr lang="en-US" dirty="0"/>
-              <a:pPr/>
-              <a:t>‹#›</a:t>
-            </a:fld>
-            <a:endParaRPr lang="en-US" dirty="0"/>
-          </a:p>
-        </p:txBody>
-      </p:sp>
-    </p:spTree>
-  </p:cSld>
-  <p:clrMapOvr>
-    <a:masterClrMapping/>
-  </p:clrMapOvr>
-</p:sldLayout>
-</file>
-
-<file path=ppt/slideLayouts/slideLayout9.xml><?xml version="1.0" encoding="utf-8"?>
-<p:sldLayout xmlns:a="http://schemas.openxmlformats.org/drawingml/2006/main" xmlns:r="http://schemas.openxmlformats.org/officeDocument/2006/relationships" xmlns:p="http://schemas.openxmlformats.org/presentationml/2006/main" type="picTx" preserve="1">
-  <p:cSld name="Bild mit Überschrift">
-    <p:spTree>
-      <p:nvGrpSpPr>
-        <p:cNvPr id="1" name=""/>
-        <p:cNvGrpSpPr/>
-        <p:nvPr/>
-      </p:nvGrpSpPr>
-      <p:grpSpPr>
-        <a:xfrm>
-          <a:off x="0" y="0"/>
-          <a:ext cx="0" cy="0"/>
-          <a:chOff x="0" y="0"/>
-          <a:chExt cx="0" cy="0"/>
-        </a:xfrm>
-      </p:grpSpPr>
-      <p:sp>
-        <p:nvSpPr>
-          <p:cNvPr id="2" name="Title 1"/>
-          <p:cNvSpPr>
-            <a:spLocks noGrp="1"/>
-          </p:cNvSpPr>
-          <p:nvPr>
-            <p:ph type="title"/>
-          </p:nvPr>
-        </p:nvSpPr>
-        <p:spPr>
-          <a:xfrm>
-            <a:off x="814728" y="727522"/>
-            <a:ext cx="4852988" cy="1617163"/>
-          </a:xfrm>
-        </p:spPr>
-        <p:txBody>
-          <a:bodyPr anchor="b">
-            <a:normAutofit/>
-          </a:bodyPr>
-          <a:lstStyle>
-            <a:lvl1pPr algn="l">
-              <a:defRPr sz="2400" b="0"/>
-            </a:lvl1pPr>
-          </a:lstStyle>
-          <a:p>
-            <a:r>
-              <a:rPr lang="de-DE"/>
-              <a:t>Mastertitelformat bearbeiten</a:t>
-            </a:r>
-            <a:endParaRPr lang="en-US" dirty="0"/>
-          </a:p>
-        </p:txBody>
-      </p:sp>
-      <p:sp>
-        <p:nvSpPr>
-          <p:cNvPr id="9" name="Picture Placeholder 11"/>
-          <p:cNvSpPr>
-            <a:spLocks noGrp="1" noChangeAspect="1"/>
-          </p:cNvSpPr>
-          <p:nvPr>
-            <p:ph type="pic" sz="quarter" idx="13"/>
-          </p:nvPr>
-        </p:nvSpPr>
-        <p:spPr bwMode="auto">
-          <a:xfrm>
-            <a:off x="6098117" y="0"/>
-            <a:ext cx="6093883" cy="6858000"/>
-          </a:xfrm>
-          <a:custGeom>
-            <a:avLst/>
-            <a:gdLst/>
-            <a:ahLst/>
-            <a:cxnLst/>
-            <a:rect l="0" t="0" r="r" b="b"/>
-            <a:pathLst>
-              <a:path w="2879" h="4320">
-                <a:moveTo>
-                  <a:pt x="183" y="0"/>
-                </a:moveTo>
-                <a:lnTo>
-                  <a:pt x="183" y="1197"/>
-                </a:lnTo>
-                <a:lnTo>
-                  <a:pt x="8" y="1372"/>
-                </a:lnTo>
-                <a:lnTo>
-                  <a:pt x="8" y="1372"/>
-                </a:lnTo>
-                <a:lnTo>
-                  <a:pt x="6" y="1376"/>
-                </a:lnTo>
-                <a:lnTo>
-                  <a:pt x="3" y="1382"/>
-                </a:lnTo>
-                <a:lnTo>
-                  <a:pt x="0" y="1387"/>
-                </a:lnTo>
-                <a:lnTo>
-                  <a:pt x="0" y="1393"/>
-                </a:lnTo>
-                <a:lnTo>
-                  <a:pt x="0" y="1399"/>
-                </a:lnTo>
-                <a:lnTo>
-                  <a:pt x="3" y="1404"/>
-                </a:lnTo>
-                <a:lnTo>
-                  <a:pt x="6" y="1410"/>
-                </a:lnTo>
-                <a:lnTo>
-                  <a:pt x="8" y="1414"/>
-                </a:lnTo>
-                <a:lnTo>
-                  <a:pt x="183" y="1589"/>
-                </a:lnTo>
-                <a:lnTo>
-                  <a:pt x="183" y="4320"/>
-                </a:lnTo>
-                <a:lnTo>
-                  <a:pt x="2879" y="4320"/>
-                </a:lnTo>
-                <a:lnTo>
-                  <a:pt x="2879" y="0"/>
-                </a:lnTo>
-                <a:lnTo>
-                  <a:pt x="183" y="0"/>
-                </a:lnTo>
-                <a:close/>
-              </a:path>
-            </a:pathLst>
-          </a:custGeom>
-          <a:noFill/>
-          <a:ln w="9525">
-            <a:solidFill>
-              <a:schemeClr val="tx2"/>
-            </a:solidFill>
-            <a:round/>
-            <a:headEnd/>
-            <a:tailEnd/>
-          </a:ln>
-          <a:effectLst/>
-        </p:spPr>
-        <p:txBody>
-          <a:bodyPr wrap="square" numCol="1" anchor="t" anchorCtr="0" compatLnSpc="1">
-            <a:prstTxWarp prst="textNoShape">
-              <a:avLst/>
-            </a:prstTxWarp>
-            <a:normAutofit/>
-          </a:bodyPr>
-          <a:lstStyle>
-            <a:lvl1pPr algn="ctr">
-              <a:buFontTx/>
-              <a:buNone/>
-              <a:defRPr sz="1400"/>
-            </a:lvl1pPr>
-          </a:lstStyle>
-          <a:p>
-            <a:r>
-              <a:rPr lang="de-DE"/>
-              <a:t>Bild durch Klicken auf Symbol hinzufügen</a:t>
-            </a:r>
-            <a:endParaRPr lang="en-US" dirty="0"/>
-          </a:p>
-        </p:txBody>
-      </p:sp>
-      <p:sp>
-        <p:nvSpPr>
-          <p:cNvPr id="4" name="Text Placeholder 3"/>
-          <p:cNvSpPr>
-            <a:spLocks noGrp="1"/>
-          </p:cNvSpPr>
-          <p:nvPr>
-            <p:ph type="body" sz="half" idx="2"/>
-          </p:nvPr>
-        </p:nvSpPr>
-        <p:spPr>
-          <a:xfrm>
-            <a:off x="814728" y="2344684"/>
-            <a:ext cx="4852988" cy="3516365"/>
-          </a:xfrm>
-        </p:spPr>
-        <p:txBody>
-          <a:bodyPr anchor="t">
-            <a:normAutofit/>
-          </a:bodyPr>
-          <a:lstStyle>
-            <a:lvl1pPr marL="0" indent="0">
-              <a:buNone/>
-              <a:defRPr sz="1200"/>
-            </a:lvl1pPr>
-            <a:lvl2pPr marL="457200" indent="0">
-              <a:buNone/>
-              <a:defRPr sz="1200"/>
-            </a:lvl2pPr>
-            <a:lvl3pPr marL="914400" indent="0">
-              <a:buNone/>
-              <a:defRPr sz="1000"/>
-            </a:lvl3pPr>
-            <a:lvl4pPr marL="1371600" indent="0">
-              <a:buNone/>
-              <a:defRPr sz="900"/>
-            </a:lvl4pPr>
-            <a:lvl5pPr marL="1828800" indent="0">
-              <a:buNone/>
-              <a:defRPr sz="900"/>
-            </a:lvl5pPr>
-            <a:lvl6pPr marL="2286000" indent="0">
-              <a:buNone/>
-              <a:defRPr sz="900"/>
-            </a:lvl6pPr>
-            <a:lvl7pPr marL="2743200" indent="0">
-              <a:buNone/>
-              <a:defRPr sz="900"/>
-            </a:lvl7pPr>
-            <a:lvl8pPr marL="3200400" indent="0">
-              <a:buNone/>
-              <a:defRPr sz="900"/>
-            </a:lvl8pPr>
-            <a:lvl9pPr marL="3657600" indent="0">
-              <a:buNone/>
-              <a:defRPr sz="900"/>
-            </a:lvl9pPr>
-          </a:lstStyle>
-          <a:p>
-            <a:pPr lvl="0"/>
-            <a:r>
-              <a:rPr lang="de-DE"/>
-              <a:t>Mastertextformat bearbeiten</a:t>
-            </a:r>
-          </a:p>
-        </p:txBody>
-      </p:sp>
-      <p:sp>
-        <p:nvSpPr>
-          <p:cNvPr id="5" name="Date Placeholder 4"/>
-          <p:cNvSpPr>
-            <a:spLocks noGrp="1"/>
-          </p:cNvSpPr>
-          <p:nvPr>
-            <p:ph type="dt" sz="half" idx="10"/>
-          </p:nvPr>
-        </p:nvSpPr>
-        <p:spPr>
-          <a:xfrm>
-            <a:off x="3885810" y="6041362"/>
-            <a:ext cx="976879" cy="365125"/>
-          </a:xfrm>
-        </p:spPr>
-        <p:txBody>
-          <a:bodyPr/>
-          <a:lstStyle/>
-          <a:p>
-            <a:fld id="{18C79C5D-2A6F-F04D-97DA-BEF2467B64E4}" type="datetimeFigureOut">
-              <a:rPr lang="en-US" dirty="0"/>
-              <a:pPr/>
-              <a:t>4/30/2019</a:t>
-            </a:fld>
-            <a:endParaRPr lang="en-US" dirty="0"/>
-          </a:p>
-        </p:txBody>
-      </p:sp>
-      <p:sp>
-        <p:nvSpPr>
-          <p:cNvPr id="6" name="Footer Placeholder 5"/>
-          <p:cNvSpPr>
-            <a:spLocks noGrp="1"/>
-          </p:cNvSpPr>
-          <p:nvPr>
-            <p:ph type="ftr" sz="quarter" idx="11"/>
-          </p:nvPr>
-        </p:nvSpPr>
-        <p:spPr>
-          <a:xfrm>
-            <a:off x="590396" y="6041362"/>
-            <a:ext cx="3295413" cy="365125"/>
-          </a:xfrm>
-        </p:spPr>
-        <p:txBody>
-          <a:bodyPr/>
-          <a:lstStyle/>
-          <a:p>
-            <a:endParaRPr lang="en-US" dirty="0"/>
-          </a:p>
-        </p:txBody>
-      </p:sp>
-      <p:sp>
-        <p:nvSpPr>
-          <p:cNvPr id="7" name="Slide Number Placeholder 6"/>
-          <p:cNvSpPr>
-            <a:spLocks noGrp="1"/>
-          </p:cNvSpPr>
-          <p:nvPr>
-            <p:ph type="sldNum" sz="quarter" idx="12"/>
-          </p:nvPr>
-        </p:nvSpPr>
-        <p:spPr>
-          <a:xfrm>
-            <a:off x="4862689" y="5915888"/>
-            <a:ext cx="1062155" cy="490599"/>
-          </a:xfrm>
-        </p:spPr>
         <p:txBody>
           <a:bodyPr/>
           <a:lstStyle/>
@@ -5104,7 +5631,7 @@
             <a:fld id="{09B482E8-6E0E-1B4F-B1FD-C69DB9E858D9}" type="datetimeFigureOut">
               <a:rPr lang="en-US" dirty="0"/>
               <a:pPr/>
-              <a:t>4/30/2019</a:t>
+              <a:t>5/4/2019</a:t>
             </a:fld>
             <a:endParaRPr lang="en-US" dirty="0"/>
           </a:p>
@@ -5155,19 +5682,20 @@
   <p:clrMap bg1="dk1" tx1="lt1" bg2="dk2" tx2="lt2" accent1="accent1" accent2="accent2" accent3="accent3" accent4="accent4" accent5="accent5" accent6="accent6" hlink="hlink" folHlink="folHlink"/>
   <p:sldLayoutIdLst>
     <p:sldLayoutId id="2147483649" r:id="rId1"/>
-    <p:sldLayoutId id="2147483650" r:id="rId2"/>
-    <p:sldLayoutId id="2147483651" r:id="rId3"/>
-    <p:sldLayoutId id="2147483652" r:id="rId4"/>
-    <p:sldLayoutId id="2147483653" r:id="rId5"/>
-    <p:sldLayoutId id="2147483654" r:id="rId6"/>
-    <p:sldLayoutId id="2147483655" r:id="rId7"/>
-    <p:sldLayoutId id="2147483656" r:id="rId8"/>
-    <p:sldLayoutId id="2147483663" r:id="rId9"/>
-    <p:sldLayoutId id="2147483657" r:id="rId10"/>
-    <p:sldLayoutId id="2147483666" r:id="rId11"/>
-    <p:sldLayoutId id="2147483661" r:id="rId12"/>
-    <p:sldLayoutId id="2147483658" r:id="rId13"/>
-    <p:sldLayoutId id="2147483659" r:id="rId14"/>
+    <p:sldLayoutId id="2147483667" r:id="rId2"/>
+    <p:sldLayoutId id="2147483650" r:id="rId3"/>
+    <p:sldLayoutId id="2147483651" r:id="rId4"/>
+    <p:sldLayoutId id="2147483652" r:id="rId5"/>
+    <p:sldLayoutId id="2147483653" r:id="rId6"/>
+    <p:sldLayoutId id="2147483654" r:id="rId7"/>
+    <p:sldLayoutId id="2147483655" r:id="rId8"/>
+    <p:sldLayoutId id="2147483656" r:id="rId9"/>
+    <p:sldLayoutId id="2147483663" r:id="rId10"/>
+    <p:sldLayoutId id="2147483657" r:id="rId11"/>
+    <p:sldLayoutId id="2147483666" r:id="rId12"/>
+    <p:sldLayoutId id="2147483661" r:id="rId13"/>
+    <p:sldLayoutId id="2147483658" r:id="rId14"/>
+    <p:sldLayoutId id="2147483659" r:id="rId15"/>
   </p:sldLayoutIdLst>
   <p:hf sldNum="0" hdr="0" ftr="0" dt="0"/>
   <p:txStyles>
@@ -5687,6 +6215,39 @@
           </a:p>
         </p:txBody>
       </p:sp>
+      <p:sp>
+        <p:nvSpPr>
+          <p:cNvPr id="4" name="Footer Placeholder 3">
+            <a:extLst>
+              <a:ext uri="{FF2B5EF4-FFF2-40B4-BE49-F238E27FC236}">
+                <a16:creationId xmlns:a16="http://schemas.microsoft.com/office/drawing/2014/main" id="{67F27B3A-B03F-442B-8793-85140DF864C6}"/>
+              </a:ext>
+            </a:extLst>
+          </p:cNvPr>
+          <p:cNvSpPr>
+            <a:spLocks noGrp="1"/>
+          </p:cNvSpPr>
+          <p:nvPr>
+            <p:ph type="ftr" sz="quarter" idx="11"/>
+          </p:nvPr>
+        </p:nvSpPr>
+        <p:spPr/>
+        <p:txBody>
+          <a:bodyPr/>
+          <a:lstStyle/>
+          <a:p>
+            <a:r>
+              <a:rPr lang="en-US" sz="1000" dirty="0"/>
+              <a:t>Von Emre Kaan Çetin, Björn Koch, Janelle Pfeifer und Jan </a:t>
+            </a:r>
+            <a:r>
+              <a:rPr lang="en-US" sz="1000" dirty="0" err="1"/>
+              <a:t>Wittke</a:t>
+            </a:r>
+            <a:endParaRPr lang="en-US" sz="1000" dirty="0"/>
+          </a:p>
+        </p:txBody>
+      </p:sp>
     </p:spTree>
     <p:extLst>
       <p:ext uri="{BB962C8B-B14F-4D97-AF65-F5344CB8AC3E}">
@@ -5703,10 +6264,96 @@
 <file path=ppt/slides/slide10.xml><?xml version="1.0" encoding="utf-8"?>
 <p:sld xmlns:a="http://schemas.openxmlformats.org/drawingml/2006/main" xmlns:r="http://schemas.openxmlformats.org/officeDocument/2006/relationships" xmlns:p="http://schemas.openxmlformats.org/presentationml/2006/main">
   <p:cSld>
+    <p:spTree>
+      <p:nvGrpSpPr>
+        <p:cNvPr id="1" name=""/>
+        <p:cNvGrpSpPr/>
+        <p:nvPr/>
+      </p:nvGrpSpPr>
+      <p:grpSpPr>
+        <a:xfrm>
+          <a:off x="0" y="0"/>
+          <a:ext cx="0" cy="0"/>
+          <a:chOff x="0" y="0"/>
+          <a:chExt cx="0" cy="0"/>
+        </a:xfrm>
+      </p:grpSpPr>
+      <p:sp>
+        <p:nvSpPr>
+          <p:cNvPr id="2" name="Title 1">
+            <a:extLst>
+              <a:ext uri="{FF2B5EF4-FFF2-40B4-BE49-F238E27FC236}">
+                <a16:creationId xmlns:a16="http://schemas.microsoft.com/office/drawing/2014/main" id="{846C340C-5808-4094-BCD8-A85FAFB27705}"/>
+              </a:ext>
+            </a:extLst>
+          </p:cNvPr>
+          <p:cNvSpPr>
+            <a:spLocks noGrp="1"/>
+          </p:cNvSpPr>
+          <p:nvPr>
+            <p:ph type="title"/>
+          </p:nvPr>
+        </p:nvSpPr>
+        <p:spPr/>
+        <p:txBody>
+          <a:bodyPr/>
+          <a:lstStyle/>
+          <a:p>
+            <a:r>
+              <a:rPr lang="de-DE" dirty="0"/>
+              <a:t>Timeline</a:t>
+            </a:r>
+          </a:p>
+        </p:txBody>
+      </p:sp>
+      <p:sp>
+        <p:nvSpPr>
+          <p:cNvPr id="3" name="Text Placeholder 2">
+            <a:extLst>
+              <a:ext uri="{FF2B5EF4-FFF2-40B4-BE49-F238E27FC236}">
+                <a16:creationId xmlns:a16="http://schemas.microsoft.com/office/drawing/2014/main" id="{DA5E9288-FA66-4CDB-A839-3530E375A4AC}"/>
+              </a:ext>
+            </a:extLst>
+          </p:cNvPr>
+          <p:cNvSpPr>
+            <a:spLocks noGrp="1"/>
+          </p:cNvSpPr>
+          <p:nvPr>
+            <p:ph type="body" idx="1"/>
+          </p:nvPr>
+        </p:nvSpPr>
+        <p:spPr/>
+        <p:txBody>
+          <a:bodyPr/>
+          <a:lstStyle/>
+          <a:p>
+            <a:endParaRPr lang="de-DE"/>
+          </a:p>
+        </p:txBody>
+      </p:sp>
+    </p:spTree>
+    <p:extLst>
+      <p:ext uri="{BB962C8B-B14F-4D97-AF65-F5344CB8AC3E}">
+        <p14:creationId xmlns:p14="http://schemas.microsoft.com/office/powerpoint/2010/main" val="1040150357"/>
+      </p:ext>
+    </p:extLst>
+  </p:cSld>
+  <p:clrMapOvr>
+    <a:masterClrMapping/>
+  </p:clrMapOvr>
+  <p:transition spd="slow">
+    <p:push dir="u"/>
+  </p:transition>
+</p:sld>
+</file>
+
+<file path=ppt/slides/slide11.xml><?xml version="1.0" encoding="utf-8"?>
+<p:sld xmlns:a="http://schemas.openxmlformats.org/drawingml/2006/main" xmlns:r="http://schemas.openxmlformats.org/officeDocument/2006/relationships" xmlns:p="http://schemas.openxmlformats.org/presentationml/2006/main">
+  <p:cSld>
     <p:bg>
       <p:bgPr>
         <a:solidFill>
-          <a:srgbClr val="212121"/>
+          <a:schemeClr val="bg2"/>
         </a:solidFill>
         <a:effectLst/>
       </p:bgPr>
@@ -5725,223 +6372,12 @@
           <a:chExt cx="0" cy="0"/>
         </a:xfrm>
       </p:grpSpPr>
-      <p:sp>
-        <p:nvSpPr>
-          <p:cNvPr id="2" name="Title 1">
+      <p:sp useBgFill="1">
+        <p:nvSpPr>
+          <p:cNvPr id="10" name="Rectangle 9">
             <a:extLst>
               <a:ext uri="{FF2B5EF4-FFF2-40B4-BE49-F238E27FC236}">
-                <a16:creationId xmlns:a16="http://schemas.microsoft.com/office/drawing/2014/main" id="{B365A255-200E-4F86-BD21-23E894FAF123}"/>
-              </a:ext>
-            </a:extLst>
-          </p:cNvPr>
-          <p:cNvSpPr>
-            <a:spLocks noGrp="1"/>
-          </p:cNvSpPr>
-          <p:nvPr>
-            <p:ph type="title"/>
-          </p:nvPr>
-        </p:nvSpPr>
-        <p:spPr/>
-        <p:txBody>
-          <a:bodyPr/>
-          <a:lstStyle/>
-          <a:p>
-            <a:r>
-              <a:rPr lang="de-DE" dirty="0"/>
-              <a:t>Gegenstand und Ziel des Spiels</a:t>
-            </a:r>
-          </a:p>
-        </p:txBody>
-      </p:sp>
-      <p:sp>
-        <p:nvSpPr>
-          <p:cNvPr id="3" name="Text Placeholder 2">
-            <a:extLst>
-              <a:ext uri="{FF2B5EF4-FFF2-40B4-BE49-F238E27FC236}">
-                <a16:creationId xmlns:a16="http://schemas.microsoft.com/office/drawing/2014/main" id="{2B52C165-D6F8-448F-A102-823281144D12}"/>
-              </a:ext>
-            </a:extLst>
-          </p:cNvPr>
-          <p:cNvSpPr>
-            <a:spLocks noGrp="1"/>
-          </p:cNvSpPr>
-          <p:nvPr>
-            <p:ph type="body" idx="1"/>
-          </p:nvPr>
-        </p:nvSpPr>
-        <p:spPr/>
-        <p:txBody>
-          <a:bodyPr/>
-          <a:lstStyle/>
-          <a:p>
-            <a:endParaRPr lang="de-DE"/>
-          </a:p>
-        </p:txBody>
-      </p:sp>
-    </p:spTree>
-    <p:extLst>
-      <p:ext uri="{BB962C8B-B14F-4D97-AF65-F5344CB8AC3E}">
-        <p14:creationId xmlns:p14="http://schemas.microsoft.com/office/powerpoint/2010/main" val="1117020876"/>
-      </p:ext>
-    </p:extLst>
-  </p:cSld>
-  <p:clrMapOvr>
-    <a:masterClrMapping/>
-  </p:clrMapOvr>
-</p:sld>
-</file>
-
-<file path=ppt/slides/slide11.xml><?xml version="1.0" encoding="utf-8"?>
-<p:sld xmlns:a="http://schemas.openxmlformats.org/drawingml/2006/main" xmlns:r="http://schemas.openxmlformats.org/officeDocument/2006/relationships" xmlns:p="http://schemas.openxmlformats.org/presentationml/2006/main">
-  <p:cSld>
-    <p:bg>
-      <p:bgPr>
-        <a:solidFill>
-          <a:srgbClr val="212121"/>
-        </a:solidFill>
-        <a:effectLst/>
-      </p:bgPr>
-    </p:bg>
-    <p:spTree>
-      <p:nvGrpSpPr>
-        <p:cNvPr id="1" name=""/>
-        <p:cNvGrpSpPr/>
-        <p:nvPr/>
-      </p:nvGrpSpPr>
-      <p:grpSpPr>
-        <a:xfrm>
-          <a:off x="0" y="0"/>
-          <a:ext cx="0" cy="0"/>
-          <a:chOff x="0" y="0"/>
-          <a:chExt cx="0" cy="0"/>
-        </a:xfrm>
-      </p:grpSpPr>
-      <p:sp>
-        <p:nvSpPr>
-          <p:cNvPr id="16" name="Freeform 6">
-            <a:extLst>
-              <a:ext uri="{FF2B5EF4-FFF2-40B4-BE49-F238E27FC236}">
-                <a16:creationId xmlns:a16="http://schemas.microsoft.com/office/drawing/2014/main" id="{DA9A1ACB-4ECA-4EAE-AEAB-CE9C8C01EE60}"/>
-              </a:ext>
-              <a:ext uri="{C183D7F6-B498-43B3-948B-1728B52AA6E4}">
-                <adec:decorative xmlns:adec="http://schemas.microsoft.com/office/drawing/2017/decorative" val="1"/>
-              </a:ext>
-            </a:extLst>
-          </p:cNvPr>
-          <p:cNvSpPr>
-            <a:spLocks noGrp="1" noRot="1" noChangeAspect="1" noMove="1" noResize="1" noEditPoints="1" noAdjustHandles="1" noChangeArrowheads="1" noChangeShapeType="1" noTextEdit="1"/>
-          </p:cNvSpPr>
-          <p:nvPr>
-            <p:extLst>
-              <p:ext uri="{386F3935-93C4-4BCD-93E2-E3B085C9AB24}">
-                <p16:designElem xmlns:p16="http://schemas.microsoft.com/office/powerpoint/2015/main" val="1"/>
-              </p:ext>
-            </p:extLst>
-          </p:nvPr>
-        </p:nvSpPr>
-        <p:spPr bwMode="auto">
-          <a:xfrm>
-            <a:off x="0" y="0"/>
-            <a:ext cx="12192000" cy="2185988"/>
-          </a:xfrm>
-          <a:custGeom>
-            <a:avLst/>
-            <a:gdLst/>
-            <a:ahLst/>
-            <a:cxnLst/>
-            <a:rect l="0" t="0" r="r" b="b"/>
-            <a:pathLst>
-              <a:path w="5760" h="1377">
-                <a:moveTo>
-                  <a:pt x="5760" y="0"/>
-                </a:moveTo>
-                <a:lnTo>
-                  <a:pt x="0" y="0"/>
-                </a:lnTo>
-                <a:lnTo>
-                  <a:pt x="0" y="1189"/>
-                </a:lnTo>
-                <a:lnTo>
-                  <a:pt x="943" y="1189"/>
-                </a:lnTo>
-                <a:lnTo>
-                  <a:pt x="1123" y="1369"/>
-                </a:lnTo>
-                <a:lnTo>
-                  <a:pt x="1123" y="1369"/>
-                </a:lnTo>
-                <a:lnTo>
-                  <a:pt x="1127" y="1371"/>
-                </a:lnTo>
-                <a:lnTo>
-                  <a:pt x="1133" y="1374"/>
-                </a:lnTo>
-                <a:lnTo>
-                  <a:pt x="1139" y="1377"/>
-                </a:lnTo>
-                <a:lnTo>
-                  <a:pt x="1144" y="1377"/>
-                </a:lnTo>
-                <a:lnTo>
-                  <a:pt x="1150" y="1377"/>
-                </a:lnTo>
-                <a:lnTo>
-                  <a:pt x="1155" y="1374"/>
-                </a:lnTo>
-                <a:lnTo>
-                  <a:pt x="1161" y="1371"/>
-                </a:lnTo>
-                <a:lnTo>
-                  <a:pt x="1165" y="1369"/>
-                </a:lnTo>
-                <a:lnTo>
-                  <a:pt x="1345" y="1189"/>
-                </a:lnTo>
-                <a:lnTo>
-                  <a:pt x="5760" y="1189"/>
-                </a:lnTo>
-                <a:lnTo>
-                  <a:pt x="5760" y="0"/>
-                </a:lnTo>
-                <a:close/>
-              </a:path>
-            </a:pathLst>
-          </a:custGeom>
-          <a:ln/>
-          <a:extLst>
-            <a:ext uri="{91240B29-F687-4f45-9708-019B960494DF}">
-              <a14:hiddenLine xmlns="" xmlns:a16="http://schemas.microsoft.com/office/drawing/2014/main" xmlns:p14="http://schemas.microsoft.com/office/powerpoint/2010/main" xmlns:a14="http://schemas.microsoft.com/office/drawing/2010/main" w="9525">
-                <a:solidFill>
-                  <a:srgbClr val="000000"/>
-                </a:solidFill>
-                <a:round/>
-                <a:headEnd/>
-                <a:tailEnd/>
-              </a14:hiddenLine>
-            </a:ext>
-          </a:extLst>
-        </p:spPr>
-        <p:style>
-          <a:lnRef idx="1">
-            <a:schemeClr val="accent1"/>
-          </a:lnRef>
-          <a:fillRef idx="3">
-            <a:schemeClr val="accent1"/>
-          </a:fillRef>
-          <a:effectRef idx="2">
-            <a:schemeClr val="accent1"/>
-          </a:effectRef>
-          <a:fontRef idx="minor">
-            <a:schemeClr val="lt1"/>
-          </a:fontRef>
-        </p:style>
-      </p:sp>
-      <p:sp useBgFill="1">
-        <p:nvSpPr>
-          <p:cNvPr id="18" name="Rectangle 17">
-            <a:extLst>
-              <a:ext uri="{FF2B5EF4-FFF2-40B4-BE49-F238E27FC236}">
-                <a16:creationId xmlns:a16="http://schemas.microsoft.com/office/drawing/2014/main" id="{5940F547-7206-4401-94FB-F8421915D8B8}"/>
+                <a16:creationId xmlns:a16="http://schemas.microsoft.com/office/drawing/2014/main" id="{874F1482-69C3-47D5-95FE-67C0FA2DF8B0}"/>
               </a:ext>
               <a:ext uri="{C183D7F6-B498-43B3-948B-1728B52AA6E4}">
                 <adec:decorative xmlns:adec="http://schemas.microsoft.com/office/drawing/2017/decorative" val="1"/>
@@ -5996,52 +6432,20 @@
           </a:p>
         </p:txBody>
       </p:sp>
-      <p:pic>
-        <p:nvPicPr>
-          <p:cNvPr id="11" name="Picture 10">
+      <p:sp>
+        <p:nvSpPr>
+          <p:cNvPr id="4" name="Title 3">
             <a:extLst>
               <a:ext uri="{FF2B5EF4-FFF2-40B4-BE49-F238E27FC236}">
-                <a16:creationId xmlns:a16="http://schemas.microsoft.com/office/drawing/2014/main" id="{8E30CCFE-D3DA-4E64-97BE-6DCBAFAB9A1D}"/>
+                <a16:creationId xmlns:a16="http://schemas.microsoft.com/office/drawing/2014/main" id="{CEC59A56-2D0E-409F-8DAD-C82E6F48FC1D}"/>
               </a:ext>
             </a:extLst>
           </p:cNvPr>
-          <p:cNvPicPr>
-            <a:picLocks noChangeAspect="1"/>
-          </p:cNvPicPr>
-          <p:nvPr/>
-        </p:nvPicPr>
-        <p:blipFill rotWithShape="1">
-          <a:blip r:embed="rId2">
-            <a:alphaModFix amt="40000"/>
-            <a:extLst/>
-          </a:blip>
-          <a:srcRect t="37419" b="6331"/>
-          <a:stretch/>
-        </p:blipFill>
-        <p:spPr>
-          <a:xfrm>
-            <a:off x="20" y="10"/>
-            <a:ext cx="12191980" cy="6857990"/>
-          </a:xfrm>
-          <a:prstGeom prst="rect">
-            <a:avLst/>
-          </a:prstGeom>
-        </p:spPr>
-      </p:pic>
-      <p:sp>
-        <p:nvSpPr>
-          <p:cNvPr id="2" name="Titel 1">
-            <a:extLst>
-              <a:ext uri="{FF2B5EF4-FFF2-40B4-BE49-F238E27FC236}">
-                <a16:creationId xmlns:a16="http://schemas.microsoft.com/office/drawing/2014/main" id="{F28AE2A3-81B8-45B2-A5A8-DED21D00A916}"/>
-              </a:ext>
-            </a:extLst>
-          </p:cNvPr>
-          <p:cNvSpPr>
-            <a:spLocks noGrp="1"/>
-          </p:cNvSpPr>
-          <p:nvPr>
-            <p:ph type="title" idx="4294967295"/>
+          <p:cNvSpPr>
+            <a:spLocks noGrp="1"/>
+          </p:cNvSpPr>
+          <p:nvPr>
+            <p:ph type="title"/>
           </p:nvPr>
         </p:nvSpPr>
         <p:spPr>
@@ -6049,31 +6453,32 @@
             <a:off x="810000" y="447188"/>
             <a:ext cx="10571998" cy="970450"/>
           </a:xfrm>
-          <a:effectLst>
-            <a:outerShdw blurRad="50800" dir="14400000">
-              <a:srgbClr val="000000"/>
-            </a:outerShdw>
-          </a:effectLst>
+          <a:effectLst/>
         </p:spPr>
         <p:txBody>
-          <a:bodyPr vert="horz" lIns="91440" tIns="45720" rIns="91440" bIns="45720" rtlCol="0" anchor="b">
+          <a:bodyPr anchor="ctr">
             <a:normAutofit/>
           </a:bodyPr>
           <a:lstStyle/>
           <a:p>
-            <a:r>
-              <a:rPr lang="de-DE" dirty="0"/>
-              <a:t>Gegenstand und Ziel des Spiels</a:t>
-            </a:r>
-          </a:p>
-        </p:txBody>
-      </p:sp>
-      <p:sp>
-        <p:nvSpPr>
-          <p:cNvPr id="3" name="Inhaltsplatzhalter 2">
+            <a:pPr algn="ctr"/>
+            <a:r>
+              <a:rPr lang="de-DE" sz="3200" dirty="0">
+                <a:solidFill>
+                  <a:schemeClr val="tx1"/>
+                </a:solidFill>
+              </a:rPr>
+              <a:t>Timeline</a:t>
+            </a:r>
+          </a:p>
+        </p:txBody>
+      </p:sp>
+      <p:sp>
+        <p:nvSpPr>
+          <p:cNvPr id="5" name="Content Placeholder 4">
             <a:extLst>
               <a:ext uri="{FF2B5EF4-FFF2-40B4-BE49-F238E27FC236}">
-                <a16:creationId xmlns:a16="http://schemas.microsoft.com/office/drawing/2014/main" id="{85591122-C9E8-45EA-BF4B-46DA9D2FCE46}"/>
+                <a16:creationId xmlns:a16="http://schemas.microsoft.com/office/drawing/2014/main" id="{41ABA5D0-3508-45B2-B104-B05418651DE1}"/>
               </a:ext>
             </a:extLst>
           </p:cNvPr>
@@ -6081,101 +6486,256 @@
             <a:spLocks noGrp="1"/>
           </p:cNvSpPr>
           <p:nvPr>
-            <p:ph idx="4294967295"/>
+            <p:ph idx="1"/>
           </p:nvPr>
         </p:nvSpPr>
         <p:spPr>
           <a:xfrm>
-            <a:off x="818712" y="2222287"/>
+            <a:off x="818712" y="1610745"/>
             <a:ext cx="10554574" cy="3636511"/>
           </a:xfrm>
-          <a:effectLst>
-            <a:outerShdw blurRad="165100" dist="38100" dir="2700000" algn="tl" rotWithShape="0">
-              <a:prstClr val="black"/>
-            </a:outerShdw>
-          </a:effectLst>
+          <a:effectLst/>
         </p:spPr>
         <p:txBody>
-          <a:bodyPr vert="horz" lIns="91440" tIns="45720" rIns="91440" bIns="45720" rtlCol="0" anchor="ctr">
+          <a:bodyPr anchor="ctr">
             <a:normAutofit/>
           </a:bodyPr>
           <a:lstStyle/>
           <a:p>
-            <a:r>
-              <a:rPr lang="de-DE" dirty="0" err="1">
-                <a:effectLst>
-                  <a:outerShdw blurRad="38100" dist="38100" dir="2700000" algn="tl">
-                    <a:srgbClr val="000000">
-                      <a:alpha val="43137"/>
-                    </a:srgbClr>
-                  </a:outerShdw>
-                </a:effectLst>
-              </a:rPr>
-              <a:t>Storybasiertes</a:t>
-            </a:r>
-            <a:r>
-              <a:rPr lang="de-DE" dirty="0">
-                <a:effectLst>
-                  <a:outerShdw blurRad="38100" dist="38100" dir="2700000" algn="tl">
-                    <a:srgbClr val="000000">
-                      <a:alpha val="43137"/>
-                    </a:srgbClr>
-                  </a:outerShdw>
-                </a:effectLst>
-              </a:rPr>
-              <a:t> Survivalspiel für eine Person</a:t>
-            </a:r>
-          </a:p>
-          <a:p>
-            <a:r>
-              <a:rPr lang="de-DE" dirty="0">
-                <a:effectLst>
-                  <a:outerShdw blurRad="38100" dist="38100" dir="2700000" algn="tl">
-                    <a:srgbClr val="000000">
-                      <a:alpha val="43137"/>
-                    </a:srgbClr>
-                  </a:outerShdw>
-                </a:effectLst>
-              </a:rPr>
-              <a:t>Spieler erforscht eine zerstörte Welt</a:t>
-            </a:r>
-          </a:p>
-          <a:p>
-            <a:pPr lvl="1"/>
-            <a:r>
-              <a:rPr lang="de-DE" dirty="0">
-                <a:effectLst>
-                  <a:outerShdw blurRad="38100" dist="38100" dir="2700000" algn="tl">
-                    <a:srgbClr val="000000">
-                      <a:alpha val="43137"/>
-                    </a:srgbClr>
-                  </a:outerShdw>
-                </a:effectLst>
-              </a:rPr>
-              <a:t>Kann wenige Minuten vor Eintritt des Unglücks reisen</a:t>
-            </a:r>
-          </a:p>
-          <a:p>
-            <a:pPr lvl="1"/>
-            <a:r>
-              <a:rPr lang="de-DE" dirty="0">
-                <a:effectLst>
-                  <a:outerShdw blurRad="38100" dist="38100" dir="2700000" algn="tl">
-                    <a:srgbClr val="000000">
-                      <a:alpha val="43137"/>
-                    </a:srgbClr>
-                  </a:outerShdw>
-                </a:effectLst>
-              </a:rPr>
-              <a:t>Ziel: Ursache der Katastrophe herausfinden und diese abwenden</a:t>
-            </a:r>
-          </a:p>
-        </p:txBody>
+            <a:endParaRPr lang="de-DE"/>
+          </a:p>
+        </p:txBody>
+      </p:sp>
+      <p:sp>
+        <p:nvSpPr>
+          <p:cNvPr id="12" name="Freeform: Shape 11">
+            <a:extLst>
+              <a:ext uri="{FF2B5EF4-FFF2-40B4-BE49-F238E27FC236}">
+                <a16:creationId xmlns:a16="http://schemas.microsoft.com/office/drawing/2014/main" id="{41CA5367-149E-428C-B4D8-C1ECC9EAF739}"/>
+              </a:ext>
+              <a:ext uri="{C183D7F6-B498-43B3-948B-1728B52AA6E4}">
+                <adec:decorative xmlns:adec="http://schemas.microsoft.com/office/drawing/2017/decorative" val="1"/>
+              </a:ext>
+            </a:extLst>
+          </p:cNvPr>
+          <p:cNvSpPr>
+            <a:spLocks noGrp="1" noRot="1" noChangeAspect="1" noMove="1" noResize="1" noEditPoints="1" noAdjustHandles="1" noChangeArrowheads="1" noChangeShapeType="1" noTextEdit="1"/>
+          </p:cNvSpPr>
+          <p:nvPr>
+            <p:extLst>
+              <p:ext uri="{386F3935-93C4-4BCD-93E2-E3B085C9AB24}">
+                <p16:designElem xmlns:p16="http://schemas.microsoft.com/office/powerpoint/2015/main" val="1"/>
+              </p:ext>
+            </p:extLst>
+          </p:nvPr>
+        </p:nvSpPr>
+        <p:spPr bwMode="auto">
+          <a:xfrm rot="10800000">
+            <a:off x="0" y="5388384"/>
+            <a:ext cx="12192000" cy="1469616"/>
+          </a:xfrm>
+          <a:custGeom>
+            <a:avLst/>
+            <a:gdLst>
+              <a:gd name="connsiteX0" fmla="*/ 6113881 w 12192000"/>
+              <a:gd name="connsiteY0" fmla="*/ 1469616 h 1469616"/>
+              <a:gd name="connsiteX1" fmla="*/ 6101181 w 12192000"/>
+              <a:gd name="connsiteY1" fmla="*/ 1469616 h 1469616"/>
+              <a:gd name="connsiteX2" fmla="*/ 6090598 w 12192000"/>
+              <a:gd name="connsiteY2" fmla="*/ 1469616 h 1469616"/>
+              <a:gd name="connsiteX3" fmla="*/ 6077897 w 12192000"/>
+              <a:gd name="connsiteY3" fmla="*/ 1464854 h 1469616"/>
+              <a:gd name="connsiteX4" fmla="*/ 6065198 w 12192000"/>
+              <a:gd name="connsiteY4" fmla="*/ 1460091 h 1469616"/>
+              <a:gd name="connsiteX5" fmla="*/ 6056731 w 12192000"/>
+              <a:gd name="connsiteY5" fmla="*/ 1456916 h 1469616"/>
+              <a:gd name="connsiteX6" fmla="*/ 5678033 w 12192000"/>
+              <a:gd name="connsiteY6" fmla="*/ 1172892 h 1469616"/>
+              <a:gd name="connsiteX7" fmla="*/ 0 w 12192000"/>
+              <a:gd name="connsiteY7" fmla="*/ 1172892 h 1469616"/>
+              <a:gd name="connsiteX8" fmla="*/ 0 w 12192000"/>
+              <a:gd name="connsiteY8" fmla="*/ 1162370 h 1469616"/>
+              <a:gd name="connsiteX9" fmla="*/ 0 w 12192000"/>
+              <a:gd name="connsiteY9" fmla="*/ 403347 h 1469616"/>
+              <a:gd name="connsiteX10" fmla="*/ 0 w 12192000"/>
+              <a:gd name="connsiteY10" fmla="*/ 0 h 1469616"/>
+              <a:gd name="connsiteX11" fmla="*/ 12192000 w 12192000"/>
+              <a:gd name="connsiteY11" fmla="*/ 0 h 1469616"/>
+              <a:gd name="connsiteX12" fmla="*/ 12192000 w 12192000"/>
+              <a:gd name="connsiteY12" fmla="*/ 403347 h 1469616"/>
+              <a:gd name="connsiteX13" fmla="*/ 12192000 w 12192000"/>
+              <a:gd name="connsiteY13" fmla="*/ 1162370 h 1469616"/>
+              <a:gd name="connsiteX14" fmla="*/ 12192000 w 12192000"/>
+              <a:gd name="connsiteY14" fmla="*/ 1172892 h 1469616"/>
+              <a:gd name="connsiteX15" fmla="*/ 6524330 w 12192000"/>
+              <a:gd name="connsiteY15" fmla="*/ 1172892 h 1469616"/>
+              <a:gd name="connsiteX16" fmla="*/ 6145631 w 12192000"/>
+              <a:gd name="connsiteY16" fmla="*/ 1456916 h 1469616"/>
+              <a:gd name="connsiteX17" fmla="*/ 6137163 w 12192000"/>
+              <a:gd name="connsiteY17" fmla="*/ 1460091 h 1469616"/>
+              <a:gd name="connsiteX18" fmla="*/ 6124463 w 12192000"/>
+              <a:gd name="connsiteY18" fmla="*/ 1464854 h 1469616"/>
+            </a:gdLst>
+            <a:ahLst/>
+            <a:cxnLst>
+              <a:cxn ang="0">
+                <a:pos x="connsiteX0" y="connsiteY0"/>
+              </a:cxn>
+              <a:cxn ang="0">
+                <a:pos x="connsiteX1" y="connsiteY1"/>
+              </a:cxn>
+              <a:cxn ang="0">
+                <a:pos x="connsiteX2" y="connsiteY2"/>
+              </a:cxn>
+              <a:cxn ang="0">
+                <a:pos x="connsiteX3" y="connsiteY3"/>
+              </a:cxn>
+              <a:cxn ang="0">
+                <a:pos x="connsiteX4" y="connsiteY4"/>
+              </a:cxn>
+              <a:cxn ang="0">
+                <a:pos x="connsiteX5" y="connsiteY5"/>
+              </a:cxn>
+              <a:cxn ang="0">
+                <a:pos x="connsiteX6" y="connsiteY6"/>
+              </a:cxn>
+              <a:cxn ang="0">
+                <a:pos x="connsiteX7" y="connsiteY7"/>
+              </a:cxn>
+              <a:cxn ang="0">
+                <a:pos x="connsiteX8" y="connsiteY8"/>
+              </a:cxn>
+              <a:cxn ang="0">
+                <a:pos x="connsiteX9" y="connsiteY9"/>
+              </a:cxn>
+              <a:cxn ang="0">
+                <a:pos x="connsiteX10" y="connsiteY10"/>
+              </a:cxn>
+              <a:cxn ang="0">
+                <a:pos x="connsiteX11" y="connsiteY11"/>
+              </a:cxn>
+              <a:cxn ang="0">
+                <a:pos x="connsiteX12" y="connsiteY12"/>
+              </a:cxn>
+              <a:cxn ang="0">
+                <a:pos x="connsiteX13" y="connsiteY13"/>
+              </a:cxn>
+              <a:cxn ang="0">
+                <a:pos x="connsiteX14" y="connsiteY14"/>
+              </a:cxn>
+              <a:cxn ang="0">
+                <a:pos x="connsiteX15" y="connsiteY15"/>
+              </a:cxn>
+              <a:cxn ang="0">
+                <a:pos x="connsiteX16" y="connsiteY16"/>
+              </a:cxn>
+              <a:cxn ang="0">
+                <a:pos x="connsiteX17" y="connsiteY17"/>
+              </a:cxn>
+              <a:cxn ang="0">
+                <a:pos x="connsiteX18" y="connsiteY18"/>
+              </a:cxn>
+            </a:cxnLst>
+            <a:rect l="l" t="t" r="r" b="b"/>
+            <a:pathLst>
+              <a:path w="12192000" h="1469616">
+                <a:moveTo>
+                  <a:pt x="6113881" y="1469616"/>
+                </a:moveTo>
+                <a:lnTo>
+                  <a:pt x="6101181" y="1469616"/>
+                </a:lnTo>
+                <a:lnTo>
+                  <a:pt x="6090598" y="1469616"/>
+                </a:lnTo>
+                <a:lnTo>
+                  <a:pt x="6077897" y="1464854"/>
+                </a:lnTo>
+                <a:lnTo>
+                  <a:pt x="6065198" y="1460091"/>
+                </a:lnTo>
+                <a:lnTo>
+                  <a:pt x="6056731" y="1456916"/>
+                </a:lnTo>
+                <a:lnTo>
+                  <a:pt x="5678033" y="1172892"/>
+                </a:lnTo>
+                <a:lnTo>
+                  <a:pt x="0" y="1172892"/>
+                </a:lnTo>
+                <a:lnTo>
+                  <a:pt x="0" y="1162370"/>
+                </a:lnTo>
+                <a:lnTo>
+                  <a:pt x="0" y="403347"/>
+                </a:lnTo>
+                <a:lnTo>
+                  <a:pt x="0" y="0"/>
+                </a:lnTo>
+                <a:lnTo>
+                  <a:pt x="12192000" y="0"/>
+                </a:lnTo>
+                <a:lnTo>
+                  <a:pt x="12192000" y="403347"/>
+                </a:lnTo>
+                <a:lnTo>
+                  <a:pt x="12192000" y="1162370"/>
+                </a:lnTo>
+                <a:lnTo>
+                  <a:pt x="12192000" y="1172892"/>
+                </a:lnTo>
+                <a:lnTo>
+                  <a:pt x="6524330" y="1172892"/>
+                </a:lnTo>
+                <a:lnTo>
+                  <a:pt x="6145631" y="1456916"/>
+                </a:lnTo>
+                <a:lnTo>
+                  <a:pt x="6137163" y="1460091"/>
+                </a:lnTo>
+                <a:lnTo>
+                  <a:pt x="6124463" y="1464854"/>
+                </a:lnTo>
+                <a:close/>
+              </a:path>
+            </a:pathLst>
+          </a:custGeom>
+          <a:ln>
+            <a:noFill/>
+          </a:ln>
+          <a:effectLst/>
+          <a:extLst>
+            <a:ext uri="{91240B29-F687-4f45-9708-019B960494DF}">
+              <a14:hiddenLine xmlns="" xmlns:a14="http://schemas.microsoft.com/office/drawing/2010/main" xmlns:p14="http://schemas.microsoft.com/office/powerpoint/2010/main" xmlns:a16="http://schemas.microsoft.com/office/drawing/2014/main" w="9525">
+                <a:solidFill>
+                  <a:srgbClr val="000000"/>
+                </a:solidFill>
+                <a:round/>
+                <a:headEnd/>
+                <a:tailEnd/>
+              </a14:hiddenLine>
+            </a:ext>
+          </a:extLst>
+        </p:spPr>
+        <p:style>
+          <a:lnRef idx="1">
+            <a:schemeClr val="accent1"/>
+          </a:lnRef>
+          <a:fillRef idx="3">
+            <a:schemeClr val="accent1"/>
+          </a:fillRef>
+          <a:effectRef idx="2">
+            <a:schemeClr val="accent1"/>
+          </a:effectRef>
+          <a:fontRef idx="minor">
+            <a:schemeClr val="lt1"/>
+          </a:fontRef>
+        </p:style>
       </p:sp>
     </p:spTree>
     <p:extLst>
       <p:ext uri="{BB962C8B-B14F-4D97-AF65-F5344CB8AC3E}">
-        <p14:creationId xmlns:p14="http://schemas.microsoft.com/office/powerpoint/2010/main" val="4259698189"/>
+        <p14:creationId xmlns:p14="http://schemas.microsoft.com/office/powerpoint/2010/main" val="865538087"/>
       </p:ext>
     </p:extLst>
   </p:cSld>
@@ -6210,7 +6770,7 @@
           <p:cNvPr id="2" name="Title 1">
             <a:extLst>
               <a:ext uri="{FF2B5EF4-FFF2-40B4-BE49-F238E27FC236}">
-                <a16:creationId xmlns:a16="http://schemas.microsoft.com/office/drawing/2014/main" id="{E9EB5875-F86B-4D1E-8E3E-E3784360ACAF}"/>
+                <a16:creationId xmlns:a16="http://schemas.microsoft.com/office/drawing/2014/main" id="{8BC8F15F-47DD-4563-BF3E-2E39E36D16A8}"/>
               </a:ext>
             </a:extLst>
           </p:cNvPr>
@@ -6228,7 +6788,7 @@
           <a:p>
             <a:r>
               <a:rPr lang="de-DE" dirty="0"/>
-              <a:t>Abläufe</a:t>
+              <a:t>Aktueller Stand</a:t>
             </a:r>
           </a:p>
         </p:txBody>
@@ -6238,7 +6798,7 @@
           <p:cNvPr id="3" name="Text Placeholder 2">
             <a:extLst>
               <a:ext uri="{FF2B5EF4-FFF2-40B4-BE49-F238E27FC236}">
-                <a16:creationId xmlns:a16="http://schemas.microsoft.com/office/drawing/2014/main" id="{EEC5B696-6980-4C06-A986-1E48597DF211}"/>
+                <a16:creationId xmlns:a16="http://schemas.microsoft.com/office/drawing/2014/main" id="{0C976D38-15E2-4A1A-9272-2B22395A0FF3}"/>
               </a:ext>
             </a:extLst>
           </p:cNvPr>
@@ -6261,19 +6821,30 @@
     </p:spTree>
     <p:extLst>
       <p:ext uri="{BB962C8B-B14F-4D97-AF65-F5344CB8AC3E}">
-        <p14:creationId xmlns:p14="http://schemas.microsoft.com/office/powerpoint/2010/main" val="1020318277"/>
+        <p14:creationId xmlns:p14="http://schemas.microsoft.com/office/powerpoint/2010/main" val="2348594618"/>
       </p:ext>
     </p:extLst>
   </p:cSld>
   <p:clrMapOvr>
     <a:masterClrMapping/>
   </p:clrMapOvr>
+  <p:transition spd="slow">
+    <p:push dir="u"/>
+  </p:transition>
 </p:sld>
 </file>
 
 <file path=ppt/slides/slide13.xml><?xml version="1.0" encoding="utf-8"?>
 <p:sld xmlns:a="http://schemas.openxmlformats.org/drawingml/2006/main" xmlns:r="http://schemas.openxmlformats.org/officeDocument/2006/relationships" xmlns:p="http://schemas.openxmlformats.org/presentationml/2006/main">
   <p:cSld>
+    <p:bg>
+      <p:bgPr>
+        <a:solidFill>
+          <a:schemeClr val="bg2"/>
+        </a:solidFill>
+        <a:effectLst/>
+      </p:bgPr>
+    </p:bg>
     <p:spTree>
       <p:nvGrpSpPr>
         <p:cNvPr id="1" name=""/>
@@ -6288,40 +6859,72 @@
           <a:chExt cx="0" cy="0"/>
         </a:xfrm>
       </p:grpSpPr>
-      <p:sp>
-        <p:nvSpPr>
-          <p:cNvPr id="2" name="Titel 1">
+      <p:sp useBgFill="1">
+        <p:nvSpPr>
+          <p:cNvPr id="10" name="Rectangle 9">
             <a:extLst>
               <a:ext uri="{FF2B5EF4-FFF2-40B4-BE49-F238E27FC236}">
-                <a16:creationId xmlns:a16="http://schemas.microsoft.com/office/drawing/2014/main" id="{84F86118-F345-4523-AF7F-F7D68E053282}"/>
+                <a16:creationId xmlns:a16="http://schemas.microsoft.com/office/drawing/2014/main" id="{874F1482-69C3-47D5-95FE-67C0FA2DF8B0}"/>
+              </a:ext>
+              <a:ext uri="{C183D7F6-B498-43B3-948B-1728B52AA6E4}">
+                <adec:decorative xmlns:adec="http://schemas.microsoft.com/office/drawing/2017/decorative" val="1"/>
               </a:ext>
             </a:extLst>
           </p:cNvPr>
           <p:cNvSpPr>
-            <a:spLocks noGrp="1"/>
-          </p:cNvSpPr>
-          <p:nvPr>
-            <p:ph type="title"/>
-          </p:nvPr>
-        </p:nvSpPr>
-        <p:spPr/>
-        <p:txBody>
-          <a:bodyPr/>
+            <a:spLocks noGrp="1" noRot="1" noChangeAspect="1" noMove="1" noResize="1" noEditPoints="1" noAdjustHandles="1" noChangeArrowheads="1" noChangeShapeType="1" noTextEdit="1"/>
+          </p:cNvSpPr>
+          <p:nvPr>
+            <p:extLst>
+              <p:ext uri="{386F3935-93C4-4BCD-93E2-E3B085C9AB24}">
+                <p16:designElem xmlns:p16="http://schemas.microsoft.com/office/powerpoint/2015/main" val="1"/>
+              </p:ext>
+            </p:extLst>
+          </p:nvPr>
+        </p:nvSpPr>
+        <p:spPr>
+          <a:xfrm>
+            <a:off x="0" y="0"/>
+            <a:ext cx="12192000" cy="6858000"/>
+          </a:xfrm>
+          <a:prstGeom prst="rect">
+            <a:avLst/>
+          </a:prstGeom>
+          <a:ln>
+            <a:noFill/>
+          </a:ln>
+        </p:spPr>
+        <p:style>
+          <a:lnRef idx="2">
+            <a:schemeClr val="accent1">
+              <a:shade val="50000"/>
+            </a:schemeClr>
+          </a:lnRef>
+          <a:fillRef idx="1">
+            <a:schemeClr val="accent1"/>
+          </a:fillRef>
+          <a:effectRef idx="0">
+            <a:schemeClr val="accent1"/>
+          </a:effectRef>
+          <a:fontRef idx="minor">
+            <a:schemeClr val="lt1"/>
+          </a:fontRef>
+        </p:style>
+        <p:txBody>
+          <a:bodyPr rtlCol="0" anchor="ctr"/>
           <a:lstStyle/>
           <a:p>
-            <a:r>
-              <a:rPr lang="de-DE" dirty="0"/>
-              <a:t>Abläufe (1/2)</a:t>
-            </a:r>
-          </a:p>
-        </p:txBody>
-      </p:sp>
-      <p:sp>
-        <p:nvSpPr>
-          <p:cNvPr id="3" name="Inhaltsplatzhalter 2">
+            <a:pPr algn="ctr"/>
+            <a:endParaRPr lang="en-US"/>
+          </a:p>
+        </p:txBody>
+      </p:sp>
+      <p:sp>
+        <p:nvSpPr>
+          <p:cNvPr id="4" name="Title 3">
             <a:extLst>
               <a:ext uri="{FF2B5EF4-FFF2-40B4-BE49-F238E27FC236}">
-                <a16:creationId xmlns:a16="http://schemas.microsoft.com/office/drawing/2014/main" id="{822DEB85-F3D0-4C61-A6DC-6463E9A6ADF1}"/>
+                <a16:creationId xmlns:a16="http://schemas.microsoft.com/office/drawing/2014/main" id="{FCF2CAA6-294D-4BFE-BDDA-321D8B18167F}"/>
               </a:ext>
             </a:extLst>
           </p:cNvPr>
@@ -6329,24 +6932,40 @@
             <a:spLocks noGrp="1"/>
           </p:cNvSpPr>
           <p:nvPr>
-            <p:ph sz="half" idx="1"/>
-          </p:nvPr>
-        </p:nvSpPr>
-        <p:spPr/>
-        <p:txBody>
-          <a:bodyPr/>
+            <p:ph type="title"/>
+          </p:nvPr>
+        </p:nvSpPr>
+        <p:spPr>
+          <a:xfrm>
+            <a:off x="810000" y="447188"/>
+            <a:ext cx="10571998" cy="970450"/>
+          </a:xfrm>
+          <a:effectLst/>
+        </p:spPr>
+        <p:txBody>
+          <a:bodyPr anchor="ctr">
+            <a:normAutofit/>
+          </a:bodyPr>
           <a:lstStyle/>
           <a:p>
-            <a:endParaRPr lang="de-DE" dirty="0"/>
-          </a:p>
-        </p:txBody>
-      </p:sp>
-      <p:sp>
-        <p:nvSpPr>
-          <p:cNvPr id="4" name="Inhaltsplatzhalter 3">
+            <a:pPr algn="ctr"/>
+            <a:r>
+              <a:rPr lang="de-DE" sz="3200" dirty="0">
+                <a:solidFill>
+                  <a:schemeClr val="tx1"/>
+                </a:solidFill>
+              </a:rPr>
+              <a:t>Aktueller Stand</a:t>
+            </a:r>
+          </a:p>
+        </p:txBody>
+      </p:sp>
+      <p:sp>
+        <p:nvSpPr>
+          <p:cNvPr id="5" name="Content Placeholder 4">
             <a:extLst>
               <a:ext uri="{FF2B5EF4-FFF2-40B4-BE49-F238E27FC236}">
-                <a16:creationId xmlns:a16="http://schemas.microsoft.com/office/drawing/2014/main" id="{B2281C8A-31A1-4B71-A5AC-847D2CA27994}"/>
+                <a16:creationId xmlns:a16="http://schemas.microsoft.com/office/drawing/2014/main" id="{B78DC0F9-AFCB-4F5F-AB3A-DDBE57565ACF}"/>
               </a:ext>
             </a:extLst>
           </p:cNvPr>
@@ -6354,30 +6973,264 @@
             <a:spLocks noGrp="1"/>
           </p:cNvSpPr>
           <p:nvPr>
-            <p:ph sz="half" idx="2"/>
-          </p:nvPr>
-        </p:nvSpPr>
-        <p:spPr/>
-        <p:txBody>
-          <a:bodyPr/>
+            <p:ph idx="1"/>
+          </p:nvPr>
+        </p:nvSpPr>
+        <p:spPr>
+          <a:xfrm>
+            <a:off x="818712" y="1610745"/>
+            <a:ext cx="10554574" cy="3636511"/>
+          </a:xfrm>
+          <a:effectLst/>
+        </p:spPr>
+        <p:txBody>
+          <a:bodyPr anchor="ctr">
+            <a:normAutofit/>
+          </a:bodyPr>
           <a:lstStyle/>
           <a:p>
             <a:endParaRPr lang="de-DE"/>
           </a:p>
         </p:txBody>
+      </p:sp>
+      <p:sp>
+        <p:nvSpPr>
+          <p:cNvPr id="12" name="Freeform: Shape 11">
+            <a:extLst>
+              <a:ext uri="{FF2B5EF4-FFF2-40B4-BE49-F238E27FC236}">
+                <a16:creationId xmlns:a16="http://schemas.microsoft.com/office/drawing/2014/main" id="{41CA5367-149E-428C-B4D8-C1ECC9EAF739}"/>
+              </a:ext>
+              <a:ext uri="{C183D7F6-B498-43B3-948B-1728B52AA6E4}">
+                <adec:decorative xmlns:adec="http://schemas.microsoft.com/office/drawing/2017/decorative" val="1"/>
+              </a:ext>
+            </a:extLst>
+          </p:cNvPr>
+          <p:cNvSpPr>
+            <a:spLocks noGrp="1" noRot="1" noChangeAspect="1" noMove="1" noResize="1" noEditPoints="1" noAdjustHandles="1" noChangeArrowheads="1" noChangeShapeType="1" noTextEdit="1"/>
+          </p:cNvSpPr>
+          <p:nvPr>
+            <p:extLst>
+              <p:ext uri="{386F3935-93C4-4BCD-93E2-E3B085C9AB24}">
+                <p16:designElem xmlns:p16="http://schemas.microsoft.com/office/powerpoint/2015/main" val="1"/>
+              </p:ext>
+            </p:extLst>
+          </p:nvPr>
+        </p:nvSpPr>
+        <p:spPr bwMode="auto">
+          <a:xfrm rot="10800000">
+            <a:off x="0" y="5388384"/>
+            <a:ext cx="12192000" cy="1469616"/>
+          </a:xfrm>
+          <a:custGeom>
+            <a:avLst/>
+            <a:gdLst>
+              <a:gd name="connsiteX0" fmla="*/ 6113881 w 12192000"/>
+              <a:gd name="connsiteY0" fmla="*/ 1469616 h 1469616"/>
+              <a:gd name="connsiteX1" fmla="*/ 6101181 w 12192000"/>
+              <a:gd name="connsiteY1" fmla="*/ 1469616 h 1469616"/>
+              <a:gd name="connsiteX2" fmla="*/ 6090598 w 12192000"/>
+              <a:gd name="connsiteY2" fmla="*/ 1469616 h 1469616"/>
+              <a:gd name="connsiteX3" fmla="*/ 6077897 w 12192000"/>
+              <a:gd name="connsiteY3" fmla="*/ 1464854 h 1469616"/>
+              <a:gd name="connsiteX4" fmla="*/ 6065198 w 12192000"/>
+              <a:gd name="connsiteY4" fmla="*/ 1460091 h 1469616"/>
+              <a:gd name="connsiteX5" fmla="*/ 6056731 w 12192000"/>
+              <a:gd name="connsiteY5" fmla="*/ 1456916 h 1469616"/>
+              <a:gd name="connsiteX6" fmla="*/ 5678033 w 12192000"/>
+              <a:gd name="connsiteY6" fmla="*/ 1172892 h 1469616"/>
+              <a:gd name="connsiteX7" fmla="*/ 0 w 12192000"/>
+              <a:gd name="connsiteY7" fmla="*/ 1172892 h 1469616"/>
+              <a:gd name="connsiteX8" fmla="*/ 0 w 12192000"/>
+              <a:gd name="connsiteY8" fmla="*/ 1162370 h 1469616"/>
+              <a:gd name="connsiteX9" fmla="*/ 0 w 12192000"/>
+              <a:gd name="connsiteY9" fmla="*/ 403347 h 1469616"/>
+              <a:gd name="connsiteX10" fmla="*/ 0 w 12192000"/>
+              <a:gd name="connsiteY10" fmla="*/ 0 h 1469616"/>
+              <a:gd name="connsiteX11" fmla="*/ 12192000 w 12192000"/>
+              <a:gd name="connsiteY11" fmla="*/ 0 h 1469616"/>
+              <a:gd name="connsiteX12" fmla="*/ 12192000 w 12192000"/>
+              <a:gd name="connsiteY12" fmla="*/ 403347 h 1469616"/>
+              <a:gd name="connsiteX13" fmla="*/ 12192000 w 12192000"/>
+              <a:gd name="connsiteY13" fmla="*/ 1162370 h 1469616"/>
+              <a:gd name="connsiteX14" fmla="*/ 12192000 w 12192000"/>
+              <a:gd name="connsiteY14" fmla="*/ 1172892 h 1469616"/>
+              <a:gd name="connsiteX15" fmla="*/ 6524330 w 12192000"/>
+              <a:gd name="connsiteY15" fmla="*/ 1172892 h 1469616"/>
+              <a:gd name="connsiteX16" fmla="*/ 6145631 w 12192000"/>
+              <a:gd name="connsiteY16" fmla="*/ 1456916 h 1469616"/>
+              <a:gd name="connsiteX17" fmla="*/ 6137163 w 12192000"/>
+              <a:gd name="connsiteY17" fmla="*/ 1460091 h 1469616"/>
+              <a:gd name="connsiteX18" fmla="*/ 6124463 w 12192000"/>
+              <a:gd name="connsiteY18" fmla="*/ 1464854 h 1469616"/>
+            </a:gdLst>
+            <a:ahLst/>
+            <a:cxnLst>
+              <a:cxn ang="0">
+                <a:pos x="connsiteX0" y="connsiteY0"/>
+              </a:cxn>
+              <a:cxn ang="0">
+                <a:pos x="connsiteX1" y="connsiteY1"/>
+              </a:cxn>
+              <a:cxn ang="0">
+                <a:pos x="connsiteX2" y="connsiteY2"/>
+              </a:cxn>
+              <a:cxn ang="0">
+                <a:pos x="connsiteX3" y="connsiteY3"/>
+              </a:cxn>
+              <a:cxn ang="0">
+                <a:pos x="connsiteX4" y="connsiteY4"/>
+              </a:cxn>
+              <a:cxn ang="0">
+                <a:pos x="connsiteX5" y="connsiteY5"/>
+              </a:cxn>
+              <a:cxn ang="0">
+                <a:pos x="connsiteX6" y="connsiteY6"/>
+              </a:cxn>
+              <a:cxn ang="0">
+                <a:pos x="connsiteX7" y="connsiteY7"/>
+              </a:cxn>
+              <a:cxn ang="0">
+                <a:pos x="connsiteX8" y="connsiteY8"/>
+              </a:cxn>
+              <a:cxn ang="0">
+                <a:pos x="connsiteX9" y="connsiteY9"/>
+              </a:cxn>
+              <a:cxn ang="0">
+                <a:pos x="connsiteX10" y="connsiteY10"/>
+              </a:cxn>
+              <a:cxn ang="0">
+                <a:pos x="connsiteX11" y="connsiteY11"/>
+              </a:cxn>
+              <a:cxn ang="0">
+                <a:pos x="connsiteX12" y="connsiteY12"/>
+              </a:cxn>
+              <a:cxn ang="0">
+                <a:pos x="connsiteX13" y="connsiteY13"/>
+              </a:cxn>
+              <a:cxn ang="0">
+                <a:pos x="connsiteX14" y="connsiteY14"/>
+              </a:cxn>
+              <a:cxn ang="0">
+                <a:pos x="connsiteX15" y="connsiteY15"/>
+              </a:cxn>
+              <a:cxn ang="0">
+                <a:pos x="connsiteX16" y="connsiteY16"/>
+              </a:cxn>
+              <a:cxn ang="0">
+                <a:pos x="connsiteX17" y="connsiteY17"/>
+              </a:cxn>
+              <a:cxn ang="0">
+                <a:pos x="connsiteX18" y="connsiteY18"/>
+              </a:cxn>
+            </a:cxnLst>
+            <a:rect l="l" t="t" r="r" b="b"/>
+            <a:pathLst>
+              <a:path w="12192000" h="1469616">
+                <a:moveTo>
+                  <a:pt x="6113881" y="1469616"/>
+                </a:moveTo>
+                <a:lnTo>
+                  <a:pt x="6101181" y="1469616"/>
+                </a:lnTo>
+                <a:lnTo>
+                  <a:pt x="6090598" y="1469616"/>
+                </a:lnTo>
+                <a:lnTo>
+                  <a:pt x="6077897" y="1464854"/>
+                </a:lnTo>
+                <a:lnTo>
+                  <a:pt x="6065198" y="1460091"/>
+                </a:lnTo>
+                <a:lnTo>
+                  <a:pt x="6056731" y="1456916"/>
+                </a:lnTo>
+                <a:lnTo>
+                  <a:pt x="5678033" y="1172892"/>
+                </a:lnTo>
+                <a:lnTo>
+                  <a:pt x="0" y="1172892"/>
+                </a:lnTo>
+                <a:lnTo>
+                  <a:pt x="0" y="1162370"/>
+                </a:lnTo>
+                <a:lnTo>
+                  <a:pt x="0" y="403347"/>
+                </a:lnTo>
+                <a:lnTo>
+                  <a:pt x="0" y="0"/>
+                </a:lnTo>
+                <a:lnTo>
+                  <a:pt x="12192000" y="0"/>
+                </a:lnTo>
+                <a:lnTo>
+                  <a:pt x="12192000" y="403347"/>
+                </a:lnTo>
+                <a:lnTo>
+                  <a:pt x="12192000" y="1162370"/>
+                </a:lnTo>
+                <a:lnTo>
+                  <a:pt x="12192000" y="1172892"/>
+                </a:lnTo>
+                <a:lnTo>
+                  <a:pt x="6524330" y="1172892"/>
+                </a:lnTo>
+                <a:lnTo>
+                  <a:pt x="6145631" y="1456916"/>
+                </a:lnTo>
+                <a:lnTo>
+                  <a:pt x="6137163" y="1460091"/>
+                </a:lnTo>
+                <a:lnTo>
+                  <a:pt x="6124463" y="1464854"/>
+                </a:lnTo>
+                <a:close/>
+              </a:path>
+            </a:pathLst>
+          </a:custGeom>
+          <a:ln>
+            <a:noFill/>
+          </a:ln>
+          <a:effectLst/>
+          <a:extLst>
+            <a:ext uri="{91240B29-F687-4f45-9708-019B960494DF}">
+              <a14:hiddenLine xmlns="" xmlns:a14="http://schemas.microsoft.com/office/drawing/2010/main" xmlns:p14="http://schemas.microsoft.com/office/powerpoint/2010/main" xmlns:a16="http://schemas.microsoft.com/office/drawing/2014/main" w="9525">
+                <a:solidFill>
+                  <a:srgbClr val="000000"/>
+                </a:solidFill>
+                <a:round/>
+                <a:headEnd/>
+                <a:tailEnd/>
+              </a14:hiddenLine>
+            </a:ext>
+          </a:extLst>
+        </p:spPr>
+        <p:style>
+          <a:lnRef idx="1">
+            <a:schemeClr val="accent1"/>
+          </a:lnRef>
+          <a:fillRef idx="3">
+            <a:schemeClr val="accent1"/>
+          </a:fillRef>
+          <a:effectRef idx="2">
+            <a:schemeClr val="accent1"/>
+          </a:effectRef>
+          <a:fontRef idx="minor">
+            <a:schemeClr val="lt1"/>
+          </a:fontRef>
+        </p:style>
       </p:sp>
     </p:spTree>
     <p:extLst>
       <p:ext uri="{BB962C8B-B14F-4D97-AF65-F5344CB8AC3E}">
-        <p14:creationId xmlns:p14="http://schemas.microsoft.com/office/powerpoint/2010/main" val="501255173"/>
+        <p14:creationId xmlns:p14="http://schemas.microsoft.com/office/powerpoint/2010/main" val="111335783"/>
       </p:ext>
     </p:extLst>
   </p:cSld>
   <p:clrMapOvr>
     <a:masterClrMapping/>
   </p:clrMapOvr>
-  <p:transition spd="med">
-    <p:pull/>
+  <p:transition spd="slow">
+    <p:push dir="u"/>
   </p:transition>
 </p:sld>
 </file>
@@ -6404,7 +7257,7 @@
           <p:cNvPr id="2" name="Title 1">
             <a:extLst>
               <a:ext uri="{FF2B5EF4-FFF2-40B4-BE49-F238E27FC236}">
-                <a16:creationId xmlns:a16="http://schemas.microsoft.com/office/drawing/2014/main" id="{F75A3D9C-0C7A-43DF-99EB-A8C063B3C172}"/>
+                <a16:creationId xmlns:a16="http://schemas.microsoft.com/office/drawing/2014/main" id="{63961263-0C5D-4977-977D-B724D01AF89F}"/>
               </a:ext>
             </a:extLst>
           </p:cNvPr>
@@ -6422,17 +7275,17 @@
           <a:p>
             <a:r>
               <a:rPr lang="de-DE" dirty="0"/>
-              <a:t>Regeln</a:t>
-            </a:r>
-          </a:p>
-        </p:txBody>
-      </p:sp>
-      <p:sp>
-        <p:nvSpPr>
-          <p:cNvPr id="4" name="Text Placeholder 3">
+              <a:t>Ausblick</a:t>
+            </a:r>
+          </a:p>
+        </p:txBody>
+      </p:sp>
+      <p:sp>
+        <p:nvSpPr>
+          <p:cNvPr id="3" name="Text Placeholder 2">
             <a:extLst>
               <a:ext uri="{FF2B5EF4-FFF2-40B4-BE49-F238E27FC236}">
-                <a16:creationId xmlns:a16="http://schemas.microsoft.com/office/drawing/2014/main" id="{C9F72C86-7D50-40ED-9472-33A84BAFE548}"/>
+                <a16:creationId xmlns:a16="http://schemas.microsoft.com/office/drawing/2014/main" id="{80680AAD-BACE-4C8B-844E-31FA43DAF718}"/>
               </a:ext>
             </a:extLst>
           </p:cNvPr>
@@ -6455,19 +7308,30 @@
     </p:spTree>
     <p:extLst>
       <p:ext uri="{BB962C8B-B14F-4D97-AF65-F5344CB8AC3E}">
-        <p14:creationId xmlns:p14="http://schemas.microsoft.com/office/powerpoint/2010/main" val="3186779876"/>
+        <p14:creationId xmlns:p14="http://schemas.microsoft.com/office/powerpoint/2010/main" val="1124599273"/>
       </p:ext>
     </p:extLst>
   </p:cSld>
   <p:clrMapOvr>
     <a:masterClrMapping/>
   </p:clrMapOvr>
+  <p:transition spd="slow">
+    <p:push dir="u"/>
+  </p:transition>
 </p:sld>
 </file>
 
 <file path=ppt/slides/slide15.xml><?xml version="1.0" encoding="utf-8"?>
 <p:sld xmlns:a="http://schemas.openxmlformats.org/drawingml/2006/main" xmlns:r="http://schemas.openxmlformats.org/officeDocument/2006/relationships" xmlns:p="http://schemas.openxmlformats.org/presentationml/2006/main">
   <p:cSld>
+    <p:bg>
+      <p:bgPr>
+        <a:solidFill>
+          <a:schemeClr val="bg2"/>
+        </a:solidFill>
+        <a:effectLst/>
+      </p:bgPr>
+    </p:bg>
     <p:spTree>
       <p:nvGrpSpPr>
         <p:cNvPr id="1" name=""/>
@@ -6482,40 +7346,72 @@
           <a:chExt cx="0" cy="0"/>
         </a:xfrm>
       </p:grpSpPr>
-      <p:sp>
-        <p:nvSpPr>
-          <p:cNvPr id="2" name="Title 1">
+      <p:sp useBgFill="1">
+        <p:nvSpPr>
+          <p:cNvPr id="16" name="Rectangle 9">
             <a:extLst>
               <a:ext uri="{FF2B5EF4-FFF2-40B4-BE49-F238E27FC236}">
-                <a16:creationId xmlns:a16="http://schemas.microsoft.com/office/drawing/2014/main" id="{EF02E3B6-7728-409B-AA2F-6C156B0FA560}"/>
+                <a16:creationId xmlns:a16="http://schemas.microsoft.com/office/drawing/2014/main" id="{874F1482-69C3-47D5-95FE-67C0FA2DF8B0}"/>
+              </a:ext>
+              <a:ext uri="{C183D7F6-B498-43B3-948B-1728B52AA6E4}">
+                <adec:decorative xmlns:adec="http://schemas.microsoft.com/office/drawing/2017/decorative" val="1"/>
               </a:ext>
             </a:extLst>
           </p:cNvPr>
           <p:cNvSpPr>
-            <a:spLocks noGrp="1"/>
-          </p:cNvSpPr>
-          <p:nvPr>
-            <p:ph type="title"/>
-          </p:nvPr>
-        </p:nvSpPr>
-        <p:spPr/>
-        <p:txBody>
-          <a:bodyPr/>
+            <a:spLocks noGrp="1" noRot="1" noChangeAspect="1" noMove="1" noResize="1" noEditPoints="1" noAdjustHandles="1" noChangeArrowheads="1" noChangeShapeType="1" noTextEdit="1"/>
+          </p:cNvSpPr>
+          <p:nvPr>
+            <p:extLst>
+              <p:ext uri="{386F3935-93C4-4BCD-93E2-E3B085C9AB24}">
+                <p16:designElem xmlns:p16="http://schemas.microsoft.com/office/powerpoint/2015/main" val="1"/>
+              </p:ext>
+            </p:extLst>
+          </p:nvPr>
+        </p:nvSpPr>
+        <p:spPr>
+          <a:xfrm>
+            <a:off x="0" y="0"/>
+            <a:ext cx="12192000" cy="6858000"/>
+          </a:xfrm>
+          <a:prstGeom prst="rect">
+            <a:avLst/>
+          </a:prstGeom>
+          <a:ln>
+            <a:noFill/>
+          </a:ln>
+        </p:spPr>
+        <p:style>
+          <a:lnRef idx="2">
+            <a:schemeClr val="accent1">
+              <a:shade val="50000"/>
+            </a:schemeClr>
+          </a:lnRef>
+          <a:fillRef idx="1">
+            <a:schemeClr val="accent1"/>
+          </a:fillRef>
+          <a:effectRef idx="0">
+            <a:schemeClr val="accent1"/>
+          </a:effectRef>
+          <a:fontRef idx="minor">
+            <a:schemeClr val="lt1"/>
+          </a:fontRef>
+        </p:style>
+        <p:txBody>
+          <a:bodyPr rtlCol="0" anchor="ctr"/>
           <a:lstStyle/>
           <a:p>
-            <a:r>
-              <a:rPr lang="de-DE" dirty="0"/>
-              <a:t>Ressourcen</a:t>
-            </a:r>
-          </a:p>
-        </p:txBody>
-      </p:sp>
-      <p:sp>
-        <p:nvSpPr>
-          <p:cNvPr id="4" name="Text Placeholder 3">
+            <a:pPr algn="ctr"/>
+            <a:endParaRPr lang="en-US"/>
+          </a:p>
+        </p:txBody>
+      </p:sp>
+      <p:sp>
+        <p:nvSpPr>
+          <p:cNvPr id="4" name="Title 3">
             <a:extLst>
               <a:ext uri="{FF2B5EF4-FFF2-40B4-BE49-F238E27FC236}">
-                <a16:creationId xmlns:a16="http://schemas.microsoft.com/office/drawing/2014/main" id="{5D2288A5-B0AC-4C1C-B6B2-1D4694396011}"/>
+                <a16:creationId xmlns:a16="http://schemas.microsoft.com/office/drawing/2014/main" id="{E0824251-EF05-4F59-9539-9DC0ED6A4F29}"/>
               </a:ext>
             </a:extLst>
           </p:cNvPr>
@@ -6523,28 +7419,306 @@
             <a:spLocks noGrp="1"/>
           </p:cNvSpPr>
           <p:nvPr>
-            <p:ph type="body" idx="1"/>
-          </p:nvPr>
-        </p:nvSpPr>
-        <p:spPr/>
-        <p:txBody>
-          <a:bodyPr/>
+            <p:ph type="title"/>
+          </p:nvPr>
+        </p:nvSpPr>
+        <p:spPr>
+          <a:xfrm>
+            <a:off x="810000" y="447188"/>
+            <a:ext cx="10571998" cy="970450"/>
+          </a:xfrm>
+          <a:effectLst/>
+        </p:spPr>
+        <p:txBody>
+          <a:bodyPr anchor="ctr">
+            <a:normAutofit/>
+          </a:bodyPr>
           <a:lstStyle/>
           <a:p>
+            <a:pPr algn="ctr"/>
+            <a:r>
+              <a:rPr lang="de-DE" sz="3200" dirty="0">
+                <a:solidFill>
+                  <a:schemeClr val="tx1"/>
+                </a:solidFill>
+              </a:rPr>
+              <a:t>Ausblick</a:t>
+            </a:r>
+          </a:p>
+        </p:txBody>
+      </p:sp>
+      <p:sp>
+        <p:nvSpPr>
+          <p:cNvPr id="5" name="Content Placeholder 4">
+            <a:extLst>
+              <a:ext uri="{FF2B5EF4-FFF2-40B4-BE49-F238E27FC236}">
+                <a16:creationId xmlns:a16="http://schemas.microsoft.com/office/drawing/2014/main" id="{A8476903-2D16-4996-B4DD-5692A226618E}"/>
+              </a:ext>
+            </a:extLst>
+          </p:cNvPr>
+          <p:cNvSpPr>
+            <a:spLocks noGrp="1"/>
+          </p:cNvSpPr>
+          <p:nvPr>
+            <p:ph idx="1"/>
+          </p:nvPr>
+        </p:nvSpPr>
+        <p:spPr>
+          <a:xfrm>
+            <a:off x="818712" y="1610745"/>
+            <a:ext cx="10554574" cy="3636511"/>
+          </a:xfrm>
+          <a:effectLst/>
+        </p:spPr>
+        <p:txBody>
+          <a:bodyPr anchor="ctr">
+            <a:normAutofit/>
+          </a:bodyPr>
+          <a:lstStyle/>
+          <a:p>
             <a:endParaRPr lang="de-DE"/>
           </a:p>
         </p:txBody>
+      </p:sp>
+      <p:sp>
+        <p:nvSpPr>
+          <p:cNvPr id="17" name="Freeform: Shape 11">
+            <a:extLst>
+              <a:ext uri="{FF2B5EF4-FFF2-40B4-BE49-F238E27FC236}">
+                <a16:creationId xmlns:a16="http://schemas.microsoft.com/office/drawing/2014/main" id="{41CA5367-149E-428C-B4D8-C1ECC9EAF739}"/>
+              </a:ext>
+              <a:ext uri="{C183D7F6-B498-43B3-948B-1728B52AA6E4}">
+                <adec:decorative xmlns:adec="http://schemas.microsoft.com/office/drawing/2017/decorative" val="1"/>
+              </a:ext>
+            </a:extLst>
+          </p:cNvPr>
+          <p:cNvSpPr>
+            <a:spLocks noGrp="1" noRot="1" noChangeAspect="1" noMove="1" noResize="1" noEditPoints="1" noAdjustHandles="1" noChangeArrowheads="1" noChangeShapeType="1" noTextEdit="1"/>
+          </p:cNvSpPr>
+          <p:nvPr>
+            <p:extLst>
+              <p:ext uri="{386F3935-93C4-4BCD-93E2-E3B085C9AB24}">
+                <p16:designElem xmlns:p16="http://schemas.microsoft.com/office/powerpoint/2015/main" val="1"/>
+              </p:ext>
+            </p:extLst>
+          </p:nvPr>
+        </p:nvSpPr>
+        <p:spPr bwMode="auto">
+          <a:xfrm rot="10800000">
+            <a:off x="0" y="5388384"/>
+            <a:ext cx="12192000" cy="1469616"/>
+          </a:xfrm>
+          <a:custGeom>
+            <a:avLst/>
+            <a:gdLst>
+              <a:gd name="connsiteX0" fmla="*/ 6113881 w 12192000"/>
+              <a:gd name="connsiteY0" fmla="*/ 1469616 h 1469616"/>
+              <a:gd name="connsiteX1" fmla="*/ 6101181 w 12192000"/>
+              <a:gd name="connsiteY1" fmla="*/ 1469616 h 1469616"/>
+              <a:gd name="connsiteX2" fmla="*/ 6090598 w 12192000"/>
+              <a:gd name="connsiteY2" fmla="*/ 1469616 h 1469616"/>
+              <a:gd name="connsiteX3" fmla="*/ 6077897 w 12192000"/>
+              <a:gd name="connsiteY3" fmla="*/ 1464854 h 1469616"/>
+              <a:gd name="connsiteX4" fmla="*/ 6065198 w 12192000"/>
+              <a:gd name="connsiteY4" fmla="*/ 1460091 h 1469616"/>
+              <a:gd name="connsiteX5" fmla="*/ 6056731 w 12192000"/>
+              <a:gd name="connsiteY5" fmla="*/ 1456916 h 1469616"/>
+              <a:gd name="connsiteX6" fmla="*/ 5678033 w 12192000"/>
+              <a:gd name="connsiteY6" fmla="*/ 1172892 h 1469616"/>
+              <a:gd name="connsiteX7" fmla="*/ 0 w 12192000"/>
+              <a:gd name="connsiteY7" fmla="*/ 1172892 h 1469616"/>
+              <a:gd name="connsiteX8" fmla="*/ 0 w 12192000"/>
+              <a:gd name="connsiteY8" fmla="*/ 1162370 h 1469616"/>
+              <a:gd name="connsiteX9" fmla="*/ 0 w 12192000"/>
+              <a:gd name="connsiteY9" fmla="*/ 403347 h 1469616"/>
+              <a:gd name="connsiteX10" fmla="*/ 0 w 12192000"/>
+              <a:gd name="connsiteY10" fmla="*/ 0 h 1469616"/>
+              <a:gd name="connsiteX11" fmla="*/ 12192000 w 12192000"/>
+              <a:gd name="connsiteY11" fmla="*/ 0 h 1469616"/>
+              <a:gd name="connsiteX12" fmla="*/ 12192000 w 12192000"/>
+              <a:gd name="connsiteY12" fmla="*/ 403347 h 1469616"/>
+              <a:gd name="connsiteX13" fmla="*/ 12192000 w 12192000"/>
+              <a:gd name="connsiteY13" fmla="*/ 1162370 h 1469616"/>
+              <a:gd name="connsiteX14" fmla="*/ 12192000 w 12192000"/>
+              <a:gd name="connsiteY14" fmla="*/ 1172892 h 1469616"/>
+              <a:gd name="connsiteX15" fmla="*/ 6524330 w 12192000"/>
+              <a:gd name="connsiteY15" fmla="*/ 1172892 h 1469616"/>
+              <a:gd name="connsiteX16" fmla="*/ 6145631 w 12192000"/>
+              <a:gd name="connsiteY16" fmla="*/ 1456916 h 1469616"/>
+              <a:gd name="connsiteX17" fmla="*/ 6137163 w 12192000"/>
+              <a:gd name="connsiteY17" fmla="*/ 1460091 h 1469616"/>
+              <a:gd name="connsiteX18" fmla="*/ 6124463 w 12192000"/>
+              <a:gd name="connsiteY18" fmla="*/ 1464854 h 1469616"/>
+            </a:gdLst>
+            <a:ahLst/>
+            <a:cxnLst>
+              <a:cxn ang="0">
+                <a:pos x="connsiteX0" y="connsiteY0"/>
+              </a:cxn>
+              <a:cxn ang="0">
+                <a:pos x="connsiteX1" y="connsiteY1"/>
+              </a:cxn>
+              <a:cxn ang="0">
+                <a:pos x="connsiteX2" y="connsiteY2"/>
+              </a:cxn>
+              <a:cxn ang="0">
+                <a:pos x="connsiteX3" y="connsiteY3"/>
+              </a:cxn>
+              <a:cxn ang="0">
+                <a:pos x="connsiteX4" y="connsiteY4"/>
+              </a:cxn>
+              <a:cxn ang="0">
+                <a:pos x="connsiteX5" y="connsiteY5"/>
+              </a:cxn>
+              <a:cxn ang="0">
+                <a:pos x="connsiteX6" y="connsiteY6"/>
+              </a:cxn>
+              <a:cxn ang="0">
+                <a:pos x="connsiteX7" y="connsiteY7"/>
+              </a:cxn>
+              <a:cxn ang="0">
+                <a:pos x="connsiteX8" y="connsiteY8"/>
+              </a:cxn>
+              <a:cxn ang="0">
+                <a:pos x="connsiteX9" y="connsiteY9"/>
+              </a:cxn>
+              <a:cxn ang="0">
+                <a:pos x="connsiteX10" y="connsiteY10"/>
+              </a:cxn>
+              <a:cxn ang="0">
+                <a:pos x="connsiteX11" y="connsiteY11"/>
+              </a:cxn>
+              <a:cxn ang="0">
+                <a:pos x="connsiteX12" y="connsiteY12"/>
+              </a:cxn>
+              <a:cxn ang="0">
+                <a:pos x="connsiteX13" y="connsiteY13"/>
+              </a:cxn>
+              <a:cxn ang="0">
+                <a:pos x="connsiteX14" y="connsiteY14"/>
+              </a:cxn>
+              <a:cxn ang="0">
+                <a:pos x="connsiteX15" y="connsiteY15"/>
+              </a:cxn>
+              <a:cxn ang="0">
+                <a:pos x="connsiteX16" y="connsiteY16"/>
+              </a:cxn>
+              <a:cxn ang="0">
+                <a:pos x="connsiteX17" y="connsiteY17"/>
+              </a:cxn>
+              <a:cxn ang="0">
+                <a:pos x="connsiteX18" y="connsiteY18"/>
+              </a:cxn>
+            </a:cxnLst>
+            <a:rect l="l" t="t" r="r" b="b"/>
+            <a:pathLst>
+              <a:path w="12192000" h="1469616">
+                <a:moveTo>
+                  <a:pt x="6113881" y="1469616"/>
+                </a:moveTo>
+                <a:lnTo>
+                  <a:pt x="6101181" y="1469616"/>
+                </a:lnTo>
+                <a:lnTo>
+                  <a:pt x="6090598" y="1469616"/>
+                </a:lnTo>
+                <a:lnTo>
+                  <a:pt x="6077897" y="1464854"/>
+                </a:lnTo>
+                <a:lnTo>
+                  <a:pt x="6065198" y="1460091"/>
+                </a:lnTo>
+                <a:lnTo>
+                  <a:pt x="6056731" y="1456916"/>
+                </a:lnTo>
+                <a:lnTo>
+                  <a:pt x="5678033" y="1172892"/>
+                </a:lnTo>
+                <a:lnTo>
+                  <a:pt x="0" y="1172892"/>
+                </a:lnTo>
+                <a:lnTo>
+                  <a:pt x="0" y="1162370"/>
+                </a:lnTo>
+                <a:lnTo>
+                  <a:pt x="0" y="403347"/>
+                </a:lnTo>
+                <a:lnTo>
+                  <a:pt x="0" y="0"/>
+                </a:lnTo>
+                <a:lnTo>
+                  <a:pt x="12192000" y="0"/>
+                </a:lnTo>
+                <a:lnTo>
+                  <a:pt x="12192000" y="403347"/>
+                </a:lnTo>
+                <a:lnTo>
+                  <a:pt x="12192000" y="1162370"/>
+                </a:lnTo>
+                <a:lnTo>
+                  <a:pt x="12192000" y="1172892"/>
+                </a:lnTo>
+                <a:lnTo>
+                  <a:pt x="6524330" y="1172892"/>
+                </a:lnTo>
+                <a:lnTo>
+                  <a:pt x="6145631" y="1456916"/>
+                </a:lnTo>
+                <a:lnTo>
+                  <a:pt x="6137163" y="1460091"/>
+                </a:lnTo>
+                <a:lnTo>
+                  <a:pt x="6124463" y="1464854"/>
+                </a:lnTo>
+                <a:close/>
+              </a:path>
+            </a:pathLst>
+          </a:custGeom>
+          <a:ln>
+            <a:noFill/>
+          </a:ln>
+          <a:effectLst/>
+          <a:extLst>
+            <a:ext uri="{91240B29-F687-4f45-9708-019B960494DF}">
+              <a14:hiddenLine xmlns="" xmlns:a14="http://schemas.microsoft.com/office/drawing/2010/main" xmlns:p14="http://schemas.microsoft.com/office/powerpoint/2010/main" xmlns:a16="http://schemas.microsoft.com/office/drawing/2014/main" w="9525">
+                <a:solidFill>
+                  <a:srgbClr val="000000"/>
+                </a:solidFill>
+                <a:round/>
+                <a:headEnd/>
+                <a:tailEnd/>
+              </a14:hiddenLine>
+            </a:ext>
+          </a:extLst>
+        </p:spPr>
+        <p:style>
+          <a:lnRef idx="1">
+            <a:schemeClr val="accent1"/>
+          </a:lnRef>
+          <a:fillRef idx="3">
+            <a:schemeClr val="accent1"/>
+          </a:fillRef>
+          <a:effectRef idx="2">
+            <a:schemeClr val="accent1"/>
+          </a:effectRef>
+          <a:fontRef idx="minor">
+            <a:schemeClr val="lt1"/>
+          </a:fontRef>
+        </p:style>
       </p:sp>
     </p:spTree>
     <p:extLst>
       <p:ext uri="{BB962C8B-B14F-4D97-AF65-F5344CB8AC3E}">
-        <p14:creationId xmlns:p14="http://schemas.microsoft.com/office/powerpoint/2010/main" val="3851938191"/>
+        <p14:creationId xmlns:p14="http://schemas.microsoft.com/office/powerpoint/2010/main" val="8616043"/>
       </p:ext>
     </p:extLst>
   </p:cSld>
   <p:clrMapOvr>
     <a:masterClrMapping/>
   </p:clrMapOvr>
+  <p:transition spd="slow">
+    <p:push dir="u"/>
+  </p:transition>
 </p:sld>
 </file>
 
@@ -6567,10 +7741,10 @@
       </p:grpSpPr>
       <p:sp>
         <p:nvSpPr>
-          <p:cNvPr id="2" name="Titel 1">
+          <p:cNvPr id="2" name="Title 1">
             <a:extLst>
               <a:ext uri="{FF2B5EF4-FFF2-40B4-BE49-F238E27FC236}">
-                <a16:creationId xmlns:a16="http://schemas.microsoft.com/office/drawing/2014/main" id="{18DF4FAD-9138-4F4B-920A-CBA219D0470B}"/>
+                <a16:creationId xmlns:a16="http://schemas.microsoft.com/office/drawing/2014/main" id="{30BC686E-40E7-4A8A-8079-215F85D5A9D2}"/>
               </a:ext>
             </a:extLst>
           </p:cNvPr>
@@ -6578,27 +7752,32 @@
             <a:spLocks noGrp="1"/>
           </p:cNvSpPr>
           <p:nvPr>
-            <p:ph type="title"/>
-          </p:nvPr>
-        </p:nvSpPr>
-        <p:spPr/>
+            <p:ph type="ctrTitle"/>
+          </p:nvPr>
+        </p:nvSpPr>
+        <p:spPr>
+          <a:xfrm>
+            <a:off x="810001" y="1449147"/>
+            <a:ext cx="5285999" cy="2971051"/>
+          </a:xfrm>
+        </p:spPr>
         <p:txBody>
           <a:bodyPr/>
           <a:lstStyle/>
           <a:p>
             <a:r>
               <a:rPr lang="de-DE" dirty="0"/>
-              <a:t>Ressourcen</a:t>
-            </a:r>
-          </a:p>
-        </p:txBody>
-      </p:sp>
-      <p:sp>
-        <p:nvSpPr>
-          <p:cNvPr id="3" name="Inhaltsplatzhalter 2">
+              <a:t>Fragen?</a:t>
+            </a:r>
+          </a:p>
+        </p:txBody>
+      </p:sp>
+      <p:sp>
+        <p:nvSpPr>
+          <p:cNvPr id="3" name="Subtitle 2">
             <a:extLst>
               <a:ext uri="{FF2B5EF4-FFF2-40B4-BE49-F238E27FC236}">
-                <a16:creationId xmlns:a16="http://schemas.microsoft.com/office/drawing/2014/main" id="{FF67F4C2-EB00-415C-84C9-8AC7CC68248B}"/>
+                <a16:creationId xmlns:a16="http://schemas.microsoft.com/office/drawing/2014/main" id="{6415A5E7-065C-4FBC-8085-53B2AA48867C}"/>
               </a:ext>
             </a:extLst>
           </p:cNvPr>
@@ -6606,7 +7785,7 @@
             <a:spLocks noGrp="1"/>
           </p:cNvSpPr>
           <p:nvPr>
-            <p:ph idx="1"/>
+            <p:ph type="subTitle" idx="1"/>
           </p:nvPr>
         </p:nvSpPr>
         <p:spPr/>
@@ -6614,542 +7793,244 @@
           <a:bodyPr/>
           <a:lstStyle/>
           <a:p>
+            <a:endParaRPr lang="de-DE"/>
+          </a:p>
+        </p:txBody>
+      </p:sp>
+      <p:sp>
+        <p:nvSpPr>
+          <p:cNvPr id="4" name="Title 1">
+            <a:extLst>
+              <a:ext uri="{FF2B5EF4-FFF2-40B4-BE49-F238E27FC236}">
+                <a16:creationId xmlns:a16="http://schemas.microsoft.com/office/drawing/2014/main" id="{614F8CF1-E8AF-4D69-A338-20DCC80EE999}"/>
+              </a:ext>
+            </a:extLst>
+          </p:cNvPr>
+          <p:cNvSpPr txBox="1">
+            <a:spLocks/>
+          </p:cNvSpPr>
+          <p:nvPr/>
+        </p:nvSpPr>
+        <p:spPr>
+          <a:xfrm>
+            <a:off x="6096000" y="1449146"/>
+            <a:ext cx="5286000" cy="2971051"/>
+          </a:xfrm>
+          <a:prstGeom prst="rect">
+            <a:avLst/>
+          </a:prstGeom>
+          <a:effectLst>
+            <a:outerShdw blurRad="50800" dir="14400000">
+              <a:srgbClr val="000000">
+                <a:alpha val="60000"/>
+              </a:srgbClr>
+            </a:outerShdw>
+          </a:effectLst>
+        </p:spPr>
+        <p:txBody>
+          <a:bodyPr vert="horz" lIns="91440" tIns="45720" rIns="91440" bIns="45720" rtlCol="0" anchor="b">
+            <a:noAutofit/>
+          </a:bodyPr>
+          <a:lstStyle>
+            <a:lvl1pPr algn="l" defTabSz="457200" rtl="0" eaLnBrk="1" latinLnBrk="0" hangingPunct="1">
+              <a:spcBef>
+                <a:spcPct val="0"/>
+              </a:spcBef>
+              <a:buNone/>
+              <a:defRPr sz="5400" b="1" kern="1200">
+                <a:solidFill>
+                  <a:srgbClr val="FEFEFE"/>
+                </a:solidFill>
+                <a:latin typeface="+mj-lt"/>
+                <a:ea typeface="+mj-ea"/>
+                <a:cs typeface="+mj-cs"/>
+              </a:defRPr>
+            </a:lvl1pPr>
+            <a:lvl2pPr eaLnBrk="1" hangingPunct="1">
+              <a:defRPr>
+                <a:solidFill>
+                  <a:schemeClr val="tx2"/>
+                </a:solidFill>
+              </a:defRPr>
+            </a:lvl2pPr>
+            <a:lvl3pPr eaLnBrk="1" hangingPunct="1">
+              <a:defRPr>
+                <a:solidFill>
+                  <a:schemeClr val="tx2"/>
+                </a:solidFill>
+              </a:defRPr>
+            </a:lvl3pPr>
+            <a:lvl4pPr eaLnBrk="1" hangingPunct="1">
+              <a:defRPr>
+                <a:solidFill>
+                  <a:schemeClr val="tx2"/>
+                </a:solidFill>
+              </a:defRPr>
+            </a:lvl4pPr>
+            <a:lvl5pPr eaLnBrk="1" hangingPunct="1">
+              <a:defRPr>
+                <a:solidFill>
+                  <a:schemeClr val="tx2"/>
+                </a:solidFill>
+              </a:defRPr>
+            </a:lvl5pPr>
+            <a:lvl6pPr eaLnBrk="1" hangingPunct="1">
+              <a:defRPr>
+                <a:solidFill>
+                  <a:schemeClr val="tx2"/>
+                </a:solidFill>
+              </a:defRPr>
+            </a:lvl6pPr>
+            <a:lvl7pPr eaLnBrk="1" hangingPunct="1">
+              <a:defRPr>
+                <a:solidFill>
+                  <a:schemeClr val="tx2"/>
+                </a:solidFill>
+              </a:defRPr>
+            </a:lvl7pPr>
+            <a:lvl8pPr eaLnBrk="1" hangingPunct="1">
+              <a:defRPr>
+                <a:solidFill>
+                  <a:schemeClr val="tx2"/>
+                </a:solidFill>
+              </a:defRPr>
+            </a:lvl8pPr>
+            <a:lvl9pPr eaLnBrk="1" hangingPunct="1">
+              <a:defRPr>
+                <a:solidFill>
+                  <a:schemeClr val="tx2"/>
+                </a:solidFill>
+              </a:defRPr>
+            </a:lvl9pPr>
+          </a:lstStyle>
+          <a:p>
+            <a:pPr algn="r"/>
             <a:r>
               <a:rPr lang="de-DE" dirty="0"/>
-              <a:t>Soll mit frei verfügbarer Software erzeugt werden</a:t>
-            </a:r>
-          </a:p>
-          <a:p>
-            <a:pPr lvl="1"/>
-            <a:r>
-              <a:rPr lang="de-DE" dirty="0"/>
-              <a:t>Texturen &amp; Charaktere: </a:t>
-            </a:r>
-            <a:r>
-              <a:rPr lang="de-DE" dirty="0" err="1">
-                <a:solidFill>
-                  <a:schemeClr val="accent1">
-                    <a:lumMod val="60000"/>
-                    <a:lumOff val="40000"/>
-                  </a:schemeClr>
-                </a:solidFill>
-              </a:rPr>
-              <a:t>Krita</a:t>
-            </a:r>
-            <a:endParaRPr lang="de-DE" dirty="0">
-              <a:solidFill>
-                <a:schemeClr val="accent1">
-                  <a:lumMod val="60000"/>
-                  <a:lumOff val="40000"/>
-                </a:schemeClr>
-              </a:solidFill>
-            </a:endParaRPr>
-          </a:p>
-          <a:p>
-            <a:pPr lvl="1"/>
-            <a:r>
-              <a:rPr lang="de-DE" dirty="0"/>
-              <a:t>Animation &amp; Programmierung: </a:t>
-            </a:r>
-            <a:r>
-              <a:rPr lang="de-DE" dirty="0">
-                <a:solidFill>
-                  <a:schemeClr val="accent1">
-                    <a:lumMod val="60000"/>
-                    <a:lumOff val="40000"/>
-                  </a:schemeClr>
-                </a:solidFill>
-              </a:rPr>
-              <a:t>Unity</a:t>
-            </a:r>
-          </a:p>
-          <a:p>
-            <a:pPr lvl="1"/>
-            <a:r>
-              <a:rPr lang="de-DE" dirty="0"/>
-              <a:t>Verwaltung von Assets &amp; Sources: </a:t>
-            </a:r>
-            <a:r>
-              <a:rPr lang="de-DE" dirty="0" err="1">
-                <a:solidFill>
-                  <a:schemeClr val="accent1">
-                    <a:lumMod val="60000"/>
-                    <a:lumOff val="40000"/>
-                  </a:schemeClr>
-                </a:solidFill>
-              </a:rPr>
-              <a:t>Github</a:t>
-            </a:r>
-            <a:endParaRPr lang="de-DE" dirty="0">
-              <a:solidFill>
-                <a:schemeClr val="accent1">
-                  <a:lumMod val="60000"/>
-                  <a:lumOff val="40000"/>
-                </a:schemeClr>
-              </a:solidFill>
-            </a:endParaRPr>
-          </a:p>
-          <a:p>
-            <a:pPr lvl="1"/>
-            <a:r>
-              <a:rPr lang="de-DE" dirty="0"/>
-              <a:t>Interne Kommunikation: </a:t>
-            </a:r>
-            <a:r>
-              <a:rPr lang="de-DE" dirty="0" err="1">
-                <a:solidFill>
-                  <a:schemeClr val="accent1">
-                    <a:lumMod val="60000"/>
-                    <a:lumOff val="40000"/>
-                  </a:schemeClr>
-                </a:solidFill>
-              </a:rPr>
-              <a:t>Discord</a:t>
-            </a:r>
-            <a:endParaRPr lang="de-DE" dirty="0">
-              <a:solidFill>
-                <a:schemeClr val="accent1">
-                  <a:lumMod val="60000"/>
-                  <a:lumOff val="40000"/>
-                </a:schemeClr>
-              </a:solidFill>
-            </a:endParaRPr>
+              <a:t>Dankeschön!</a:t>
+            </a:r>
           </a:p>
         </p:txBody>
       </p:sp>
     </p:spTree>
     <p:extLst>
       <p:ext uri="{BB962C8B-B14F-4D97-AF65-F5344CB8AC3E}">
-        <p14:creationId xmlns:p14="http://schemas.microsoft.com/office/powerpoint/2010/main" val="450538810"/>
+        <p14:creationId xmlns:p14="http://schemas.microsoft.com/office/powerpoint/2010/main" val="986665442"/>
       </p:ext>
     </p:extLst>
   </p:cSld>
   <p:clrMapOvr>
     <a:masterClrMapping/>
   </p:clrMapOvr>
-  <p:transition spd="med">
-    <p:pull/>
+  <p:transition spd="slow">
+    <p:push dir="u"/>
   </p:transition>
-</p:sld>
-</file>
-
-<file path=ppt/slides/slide17.xml><?xml version="1.0" encoding="utf-8"?>
-<p:sld xmlns:a="http://schemas.openxmlformats.org/drawingml/2006/main" xmlns:r="http://schemas.openxmlformats.org/officeDocument/2006/relationships" xmlns:p="http://schemas.openxmlformats.org/presentationml/2006/main">
-  <p:cSld>
-    <p:spTree>
-      <p:nvGrpSpPr>
-        <p:cNvPr id="1" name=""/>
-        <p:cNvGrpSpPr/>
-        <p:nvPr/>
-      </p:nvGrpSpPr>
-      <p:grpSpPr>
-        <a:xfrm>
-          <a:off x="0" y="0"/>
-          <a:ext cx="0" cy="0"/>
-          <a:chOff x="0" y="0"/>
-          <a:chExt cx="0" cy="0"/>
-        </a:xfrm>
-      </p:grpSpPr>
-      <p:sp>
-        <p:nvSpPr>
-          <p:cNvPr id="2" name="Title 1">
-            <a:extLst>
-              <a:ext uri="{FF2B5EF4-FFF2-40B4-BE49-F238E27FC236}">
-                <a16:creationId xmlns:a16="http://schemas.microsoft.com/office/drawing/2014/main" id="{E2FC36D9-4836-4C7F-B17D-330362EAA4FC}"/>
-              </a:ext>
-            </a:extLst>
-          </p:cNvPr>
-          <p:cNvSpPr>
-            <a:spLocks noGrp="1"/>
-          </p:cNvSpPr>
-          <p:nvPr>
-            <p:ph type="title"/>
-          </p:nvPr>
-        </p:nvSpPr>
-        <p:spPr/>
-        <p:txBody>
-          <a:bodyPr/>
-          <a:lstStyle/>
-          <a:p>
-            <a:r>
-              <a:rPr lang="de-DE" dirty="0"/>
-              <a:t>Konflikte &amp; absehbare Schwierigkeiten</a:t>
-            </a:r>
-          </a:p>
-        </p:txBody>
-      </p:sp>
-      <p:sp>
-        <p:nvSpPr>
-          <p:cNvPr id="4" name="Text Placeholder 3">
-            <a:extLst>
-              <a:ext uri="{FF2B5EF4-FFF2-40B4-BE49-F238E27FC236}">
-                <a16:creationId xmlns:a16="http://schemas.microsoft.com/office/drawing/2014/main" id="{E2A16828-BD38-4201-AFA8-DE45322A084F}"/>
-              </a:ext>
-            </a:extLst>
-          </p:cNvPr>
-          <p:cNvSpPr>
-            <a:spLocks noGrp="1"/>
-          </p:cNvSpPr>
-          <p:nvPr>
-            <p:ph type="body" idx="1"/>
-          </p:nvPr>
-        </p:nvSpPr>
-        <p:spPr/>
-        <p:txBody>
-          <a:bodyPr/>
-          <a:lstStyle/>
-          <a:p>
-            <a:endParaRPr lang="de-DE"/>
-          </a:p>
-        </p:txBody>
-      </p:sp>
-    </p:spTree>
-    <p:extLst>
-      <p:ext uri="{BB962C8B-B14F-4D97-AF65-F5344CB8AC3E}">
-        <p14:creationId xmlns:p14="http://schemas.microsoft.com/office/powerpoint/2010/main" val="727512892"/>
-      </p:ext>
-    </p:extLst>
-  </p:cSld>
-  <p:clrMapOvr>
-    <a:masterClrMapping/>
-  </p:clrMapOvr>
-</p:sld>
-</file>
-
-<file path=ppt/slides/slide18.xml><?xml version="1.0" encoding="utf-8"?>
-<p:sld xmlns:a="http://schemas.openxmlformats.org/drawingml/2006/main" xmlns:r="http://schemas.openxmlformats.org/officeDocument/2006/relationships" xmlns:p="http://schemas.openxmlformats.org/presentationml/2006/main">
-  <p:cSld>
-    <p:spTree>
-      <p:nvGrpSpPr>
-        <p:cNvPr id="1" name=""/>
-        <p:cNvGrpSpPr/>
-        <p:nvPr/>
-      </p:nvGrpSpPr>
-      <p:grpSpPr>
-        <a:xfrm>
-          <a:off x="0" y="0"/>
-          <a:ext cx="0" cy="0"/>
-          <a:chOff x="0" y="0"/>
-          <a:chExt cx="0" cy="0"/>
-        </a:xfrm>
-      </p:grpSpPr>
-      <p:sp>
-        <p:nvSpPr>
-          <p:cNvPr id="2" name="Titel 1">
-            <a:extLst>
-              <a:ext uri="{FF2B5EF4-FFF2-40B4-BE49-F238E27FC236}">
-                <a16:creationId xmlns:a16="http://schemas.microsoft.com/office/drawing/2014/main" id="{669B0A48-5A68-41E6-A83E-32C407CF4FCB}"/>
-              </a:ext>
-            </a:extLst>
-          </p:cNvPr>
-          <p:cNvSpPr>
-            <a:spLocks noGrp="1"/>
-          </p:cNvSpPr>
-          <p:nvPr>
-            <p:ph type="title"/>
-          </p:nvPr>
-        </p:nvSpPr>
-        <p:spPr/>
-        <p:txBody>
-          <a:bodyPr/>
-          <a:lstStyle/>
-          <a:p>
-            <a:r>
-              <a:rPr lang="de-DE" dirty="0"/>
-              <a:t>Konflikte &amp; absehbare Schwierigkeiten</a:t>
-            </a:r>
-          </a:p>
-        </p:txBody>
-      </p:sp>
-      <p:sp>
-        <p:nvSpPr>
-          <p:cNvPr id="3" name="Textplatzhalter 2">
-            <a:extLst>
-              <a:ext uri="{FF2B5EF4-FFF2-40B4-BE49-F238E27FC236}">
-                <a16:creationId xmlns:a16="http://schemas.microsoft.com/office/drawing/2014/main" id="{1CD4D5D7-F63E-4CD6-B8F1-37F0E06E6258}"/>
-              </a:ext>
-            </a:extLst>
-          </p:cNvPr>
-          <p:cNvSpPr>
-            <a:spLocks noGrp="1"/>
-          </p:cNvSpPr>
-          <p:nvPr>
-            <p:ph type="body" idx="1"/>
-          </p:nvPr>
-        </p:nvSpPr>
-        <p:spPr/>
-        <p:txBody>
-          <a:bodyPr/>
-          <a:lstStyle/>
-          <a:p>
-            <a:r>
-              <a:rPr lang="de-DE" dirty="0"/>
-              <a:t>Konflikte:</a:t>
-            </a:r>
-          </a:p>
-        </p:txBody>
-      </p:sp>
-      <p:sp>
-        <p:nvSpPr>
-          <p:cNvPr id="4" name="Inhaltsplatzhalter 3">
-            <a:extLst>
-              <a:ext uri="{FF2B5EF4-FFF2-40B4-BE49-F238E27FC236}">
-                <a16:creationId xmlns:a16="http://schemas.microsoft.com/office/drawing/2014/main" id="{B0DA33C1-6B68-4766-ABB5-CB7512628D0D}"/>
-              </a:ext>
-            </a:extLst>
-          </p:cNvPr>
-          <p:cNvSpPr>
-            <a:spLocks noGrp="1"/>
-          </p:cNvSpPr>
-          <p:nvPr>
-            <p:ph sz="half" idx="2"/>
-          </p:nvPr>
-        </p:nvSpPr>
-        <p:spPr>
-          <a:xfrm>
-            <a:off x="814729" y="2751138"/>
-            <a:ext cx="5189856" cy="3415982"/>
-          </a:xfrm>
-        </p:spPr>
-        <p:txBody>
-          <a:bodyPr/>
-          <a:lstStyle/>
-          <a:p>
-            <a:r>
-              <a:rPr lang="de-DE" dirty="0"/>
-              <a:t>Mehrere Gruppenmitglieder haben noch nie mit Unity gearbeitet</a:t>
-            </a:r>
-          </a:p>
-          <a:p>
-            <a:pPr lvl="1"/>
-            <a:r>
-              <a:rPr lang="de-DE" dirty="0"/>
-              <a:t>Unklar ob Fähigkeiten angeeignet werden können</a:t>
-            </a:r>
-          </a:p>
-          <a:p>
-            <a:pPr lvl="1"/>
-            <a:r>
-              <a:rPr lang="de-DE" dirty="0"/>
-              <a:t>Einarbeitungszeit nicht absehbar</a:t>
-            </a:r>
-          </a:p>
-          <a:p>
-            <a:r>
-              <a:rPr lang="de-DE" dirty="0"/>
-              <a:t>Zwei Gruppenmitglieder haben kaum/keine künstlerischen Fähigkeiten</a:t>
-            </a:r>
-          </a:p>
-          <a:p>
-            <a:pPr lvl="1"/>
-            <a:r>
-              <a:rPr lang="de-DE" dirty="0"/>
-              <a:t>Viel Arbeit für die anderen beiden Teammitglieder</a:t>
-            </a:r>
-          </a:p>
-          <a:p>
-            <a:pPr lvl="1"/>
-            <a:r>
-              <a:rPr lang="de-DE" dirty="0"/>
-              <a:t>Point </a:t>
-            </a:r>
-            <a:r>
-              <a:rPr lang="de-DE" dirty="0" err="1"/>
-              <a:t>of</a:t>
-            </a:r>
-            <a:r>
-              <a:rPr lang="de-DE" dirty="0"/>
-              <a:t> </a:t>
-            </a:r>
-            <a:r>
-              <a:rPr lang="de-DE" dirty="0" err="1"/>
-              <a:t>failure</a:t>
-            </a:r>
-            <a:r>
-              <a:rPr lang="de-DE" dirty="0"/>
-              <a:t> bei Ausfall</a:t>
-            </a:r>
-          </a:p>
-        </p:txBody>
-      </p:sp>
-      <p:sp>
-        <p:nvSpPr>
-          <p:cNvPr id="5" name="Textplatzhalter 4">
-            <a:extLst>
-              <a:ext uri="{FF2B5EF4-FFF2-40B4-BE49-F238E27FC236}">
-                <a16:creationId xmlns:a16="http://schemas.microsoft.com/office/drawing/2014/main" id="{F37032E9-C6F5-4B96-88E4-43854559FDE7}"/>
-              </a:ext>
-            </a:extLst>
-          </p:cNvPr>
-          <p:cNvSpPr>
-            <a:spLocks noGrp="1"/>
-          </p:cNvSpPr>
-          <p:nvPr>
-            <p:ph type="body" sz="quarter" idx="3"/>
-          </p:nvPr>
-        </p:nvSpPr>
-        <p:spPr/>
-        <p:txBody>
-          <a:bodyPr/>
-          <a:lstStyle/>
-          <a:p>
-            <a:r>
-              <a:rPr lang="de-DE" dirty="0"/>
-              <a:t>Mögliche Lösungen:</a:t>
-            </a:r>
-          </a:p>
-        </p:txBody>
-      </p:sp>
-      <p:sp>
-        <p:nvSpPr>
-          <p:cNvPr id="6" name="Inhaltsplatzhalter 5">
-            <a:extLst>
-              <a:ext uri="{FF2B5EF4-FFF2-40B4-BE49-F238E27FC236}">
-                <a16:creationId xmlns:a16="http://schemas.microsoft.com/office/drawing/2014/main" id="{E3956134-53B7-49B2-B626-59C254500E8A}"/>
-              </a:ext>
-            </a:extLst>
-          </p:cNvPr>
-          <p:cNvSpPr>
-            <a:spLocks noGrp="1"/>
-          </p:cNvSpPr>
-          <p:nvPr>
-            <p:ph sz="quarter" idx="4"/>
-          </p:nvPr>
-        </p:nvSpPr>
-        <p:spPr>
-          <a:xfrm>
-            <a:off x="6187415" y="2751138"/>
-            <a:ext cx="5194583" cy="3415982"/>
-          </a:xfrm>
-        </p:spPr>
-        <p:txBody>
-          <a:bodyPr/>
-          <a:lstStyle/>
-          <a:p>
-            <a:r>
-              <a:rPr lang="de-DE" dirty="0"/>
-              <a:t>Eventuelle Einschränkung der Dimension des finalen Produkts</a:t>
-            </a:r>
-          </a:p>
-          <a:p>
-            <a:pPr marL="0" indent="0">
-              <a:buNone/>
-            </a:pPr>
-            <a:endParaRPr lang="de-DE" dirty="0"/>
-          </a:p>
-          <a:p>
-            <a:endParaRPr lang="de-DE" dirty="0"/>
-          </a:p>
-          <a:p>
-            <a:r>
-              <a:rPr lang="de-DE" dirty="0"/>
-              <a:t>Nutzung von frei verfügbaren Assets</a:t>
-            </a:r>
-          </a:p>
-          <a:p>
-            <a:r>
-              <a:rPr lang="de-DE" dirty="0"/>
-              <a:t>Wiederverwendung von Zeichnungen</a:t>
-            </a:r>
-          </a:p>
-        </p:txBody>
-      </p:sp>
-    </p:spTree>
-    <p:extLst>
-      <p:ext uri="{BB962C8B-B14F-4D97-AF65-F5344CB8AC3E}">
-        <p14:creationId xmlns:p14="http://schemas.microsoft.com/office/powerpoint/2010/main" val="2241308789"/>
-      </p:ext>
-    </p:extLst>
-  </p:cSld>
-  <p:clrMapOvr>
-    <a:masterClrMapping/>
-  </p:clrMapOvr>
-  <p:transition spd="med">
-    <p:pull/>
-  </p:transition>
-</p:sld>
-</file>
-
-<file path=ppt/slides/slide19.xml><?xml version="1.0" encoding="utf-8"?>
-<p:sld xmlns:a="http://schemas.openxmlformats.org/drawingml/2006/main" xmlns:r="http://schemas.openxmlformats.org/officeDocument/2006/relationships" xmlns:p="http://schemas.openxmlformats.org/presentationml/2006/main">
-  <p:cSld>
-    <p:spTree>
-      <p:nvGrpSpPr>
-        <p:cNvPr id="1" name=""/>
-        <p:cNvGrpSpPr/>
-        <p:nvPr/>
-      </p:nvGrpSpPr>
-      <p:grpSpPr>
-        <a:xfrm>
-          <a:off x="0" y="0"/>
-          <a:ext cx="0" cy="0"/>
-          <a:chOff x="0" y="0"/>
-          <a:chExt cx="0" cy="0"/>
-        </a:xfrm>
-      </p:grpSpPr>
-      <p:sp>
-        <p:nvSpPr>
-          <p:cNvPr id="2" name="Title 1">
-            <a:extLst>
-              <a:ext uri="{FF2B5EF4-FFF2-40B4-BE49-F238E27FC236}">
-                <a16:creationId xmlns:a16="http://schemas.microsoft.com/office/drawing/2014/main" id="{A4068062-1FBB-481E-8A2D-DDC9C5F15684}"/>
-              </a:ext>
-            </a:extLst>
-          </p:cNvPr>
-          <p:cNvSpPr>
-            <a:spLocks noGrp="1"/>
-          </p:cNvSpPr>
-          <p:nvPr>
-            <p:ph type="title"/>
-          </p:nvPr>
-        </p:nvSpPr>
-        <p:spPr/>
-        <p:txBody>
-          <a:bodyPr/>
-          <a:lstStyle/>
-          <a:p>
-            <a:r>
-              <a:rPr lang="de-DE" dirty="0"/>
-              <a:t>Rahmenbedingungen</a:t>
-            </a:r>
-          </a:p>
-        </p:txBody>
-      </p:sp>
-      <p:sp>
-        <p:nvSpPr>
-          <p:cNvPr id="4" name="Text Placeholder 3">
-            <a:extLst>
-              <a:ext uri="{FF2B5EF4-FFF2-40B4-BE49-F238E27FC236}">
-                <a16:creationId xmlns:a16="http://schemas.microsoft.com/office/drawing/2014/main" id="{77C20D7E-2C45-4B3D-AB55-23BD7017A865}"/>
-              </a:ext>
-            </a:extLst>
-          </p:cNvPr>
-          <p:cNvSpPr>
-            <a:spLocks noGrp="1"/>
-          </p:cNvSpPr>
-          <p:nvPr>
-            <p:ph type="body" idx="1"/>
-          </p:nvPr>
-        </p:nvSpPr>
-        <p:spPr/>
-        <p:txBody>
-          <a:bodyPr/>
-          <a:lstStyle/>
-          <a:p>
-            <a:endParaRPr lang="de-DE"/>
-          </a:p>
-        </p:txBody>
-      </p:sp>
-    </p:spTree>
-    <p:extLst>
-      <p:ext uri="{BB962C8B-B14F-4D97-AF65-F5344CB8AC3E}">
-        <p14:creationId xmlns:p14="http://schemas.microsoft.com/office/powerpoint/2010/main" val="2995921652"/>
-      </p:ext>
-    </p:extLst>
-  </p:cSld>
-  <p:clrMapOvr>
-    <a:masterClrMapping/>
-  </p:clrMapOvr>
+  <p:timing>
+    <p:tnLst>
+      <p:par>
+        <p:cTn id="1" dur="indefinite" restart="never" nodeType="tmRoot">
+          <p:childTnLst>
+            <p:seq concurrent="1" nextAc="seek">
+              <p:cTn id="2" dur="indefinite" nodeType="mainSeq">
+                <p:childTnLst>
+                  <p:par>
+                    <p:cTn id="3" fill="hold">
+                      <p:stCondLst>
+                        <p:cond delay="indefinite"/>
+                      </p:stCondLst>
+                      <p:childTnLst>
+                        <p:par>
+                          <p:cTn id="4" fill="hold">
+                            <p:stCondLst>
+                              <p:cond delay="0"/>
+                            </p:stCondLst>
+                            <p:childTnLst>
+                              <p:par>
+                                <p:cTn id="5" presetID="1" presetClass="exit" presetSubtype="0" fill="hold" grpId="0" nodeType="clickEffect">
+                                  <p:stCondLst>
+                                    <p:cond delay="0"/>
+                                  </p:stCondLst>
+                                  <p:childTnLst>
+                                    <p:set>
+                                      <p:cBhvr>
+                                        <p:cTn id="6" dur="1" fill="hold">
+                                          <p:stCondLst>
+                                            <p:cond delay="0"/>
+                                          </p:stCondLst>
+                                        </p:cTn>
+                                        <p:tgtEl>
+                                          <p:spTgt spid="2"/>
+                                        </p:tgtEl>
+                                        <p:attrNameLst>
+                                          <p:attrName>style.visibility</p:attrName>
+                                        </p:attrNameLst>
+                                      </p:cBhvr>
+                                      <p:to>
+                                        <p:strVal val="hidden"/>
+                                      </p:to>
+                                    </p:set>
+                                  </p:childTnLst>
+                                </p:cTn>
+                              </p:par>
+                              <p:par>
+                                <p:cTn id="7" presetID="1" presetClass="entr" presetSubtype="0" fill="hold" grpId="0" nodeType="withEffect">
+                                  <p:stCondLst>
+                                    <p:cond delay="0"/>
+                                  </p:stCondLst>
+                                  <p:childTnLst>
+                                    <p:set>
+                                      <p:cBhvr>
+                                        <p:cTn id="8" dur="1" fill="hold">
+                                          <p:stCondLst>
+                                            <p:cond delay="0"/>
+                                          </p:stCondLst>
+                                        </p:cTn>
+                                        <p:tgtEl>
+                                          <p:spTgt spid="4"/>
+                                        </p:tgtEl>
+                                        <p:attrNameLst>
+                                          <p:attrName>style.visibility</p:attrName>
+                                        </p:attrNameLst>
+                                      </p:cBhvr>
+                                      <p:to>
+                                        <p:strVal val="visible"/>
+                                      </p:to>
+                                    </p:set>
+                                  </p:childTnLst>
+                                </p:cTn>
+                              </p:par>
+                            </p:childTnLst>
+                          </p:cTn>
+                        </p:par>
+                      </p:childTnLst>
+                    </p:cTn>
+                  </p:par>
+                </p:childTnLst>
+              </p:cTn>
+              <p:prevCondLst>
+                <p:cond evt="onPrev" delay="0">
+                  <p:tgtEl>
+                    <p:sldTgt/>
+                  </p:tgtEl>
+                </p:cond>
+              </p:prevCondLst>
+              <p:nextCondLst>
+                <p:cond evt="onNext" delay="0">
+                  <p:tgtEl>
+                    <p:sldTgt/>
+                  </p:tgtEl>
+                </p:cond>
+              </p:nextCondLst>
+            </p:seq>
+          </p:childTnLst>
+        </p:cTn>
+      </p:par>
+    </p:tnLst>
+    <p:bldLst>
+      <p:bldP spid="2" grpId="0"/>
+      <p:bldP spid="4" grpId="0"/>
+    </p:bldLst>
+  </p:timing>
 </p:sld>
 </file>
 
@@ -7186,13 +8067,18 @@
             <p:ph type="title"/>
           </p:nvPr>
         </p:nvSpPr>
-        <p:spPr/>
+        <p:spPr>
+          <a:xfrm>
+            <a:off x="810000" y="2951396"/>
+            <a:ext cx="10561418" cy="1468800"/>
+          </a:xfrm>
+        </p:spPr>
         <p:txBody>
           <a:bodyPr/>
           <a:lstStyle/>
           <a:p>
             <a:r>
-              <a:rPr lang="de-DE" dirty="0" err="1"/>
+              <a:rPr lang="de-DE"/>
               <a:t>Overview</a:t>
             </a:r>
             <a:endParaRPr lang="de-DE" dirty="0"/>
@@ -7201,10 +8087,10 @@
       </p:sp>
       <p:sp>
         <p:nvSpPr>
-          <p:cNvPr id="3" name="Textplatzhalter 2">
+          <p:cNvPr id="4" name="Text Placeholder 3">
             <a:extLst>
               <a:ext uri="{FF2B5EF4-FFF2-40B4-BE49-F238E27FC236}">
-                <a16:creationId xmlns:a16="http://schemas.microsoft.com/office/drawing/2014/main" id="{749496FF-68F0-4465-A686-609398454016}"/>
+                <a16:creationId xmlns:a16="http://schemas.microsoft.com/office/drawing/2014/main" id="{5A48F8CF-9B5F-4D93-B8FA-4FF44834491C}"/>
               </a:ext>
             </a:extLst>
           </p:cNvPr>
@@ -7215,12 +8101,17 @@
             <p:ph type="body" idx="1"/>
           </p:nvPr>
         </p:nvSpPr>
-        <p:spPr/>
+        <p:spPr>
+          <a:xfrm>
+            <a:off x="810000" y="5281201"/>
+            <a:ext cx="10561418" cy="433955"/>
+          </a:xfrm>
+        </p:spPr>
         <p:txBody>
           <a:bodyPr/>
           <a:lstStyle/>
           <a:p>
-            <a:endParaRPr lang="de-DE" dirty="0"/>
+            <a:endParaRPr lang="de-DE"/>
           </a:p>
         </p:txBody>
       </p:sp>
@@ -7240,9 +8131,17 @@
 </p:sld>
 </file>
 
-<file path=ppt/slides/slide20.xml><?xml version="1.0" encoding="utf-8"?>
+<file path=ppt/slides/slide3.xml><?xml version="1.0" encoding="utf-8"?>
 <p:sld xmlns:a="http://schemas.openxmlformats.org/drawingml/2006/main" xmlns:r="http://schemas.openxmlformats.org/officeDocument/2006/relationships" xmlns:p="http://schemas.openxmlformats.org/presentationml/2006/main">
   <p:cSld>
+    <p:bg>
+      <p:bgPr>
+        <a:solidFill>
+          <a:schemeClr val="bg2"/>
+        </a:solidFill>
+        <a:effectLst/>
+      </p:bgPr>
+    </p:bg>
     <p:spTree>
       <p:nvGrpSpPr>
         <p:cNvPr id="1" name=""/>
@@ -7257,40 +8156,72 @@
           <a:chExt cx="0" cy="0"/>
         </a:xfrm>
       </p:grpSpPr>
-      <p:sp>
-        <p:nvSpPr>
-          <p:cNvPr id="2" name="Titel 1">
+      <p:sp useBgFill="1">
+        <p:nvSpPr>
+          <p:cNvPr id="16" name="Rectangle 9">
             <a:extLst>
               <a:ext uri="{FF2B5EF4-FFF2-40B4-BE49-F238E27FC236}">
-                <a16:creationId xmlns:a16="http://schemas.microsoft.com/office/drawing/2014/main" id="{5B9B922A-0DEF-4D66-82B4-3BE2C9A00A3D}"/>
+                <a16:creationId xmlns:a16="http://schemas.microsoft.com/office/drawing/2014/main" id="{874F1482-69C3-47D5-95FE-67C0FA2DF8B0}"/>
+              </a:ext>
+              <a:ext uri="{C183D7F6-B498-43B3-948B-1728B52AA6E4}">
+                <adec:decorative xmlns:adec="http://schemas.microsoft.com/office/drawing/2017/decorative" val="1"/>
               </a:ext>
             </a:extLst>
           </p:cNvPr>
           <p:cNvSpPr>
-            <a:spLocks noGrp="1"/>
-          </p:cNvSpPr>
-          <p:nvPr>
-            <p:ph type="title"/>
-          </p:nvPr>
-        </p:nvSpPr>
-        <p:spPr/>
-        <p:txBody>
-          <a:bodyPr/>
+            <a:spLocks noGrp="1" noRot="1" noChangeAspect="1" noMove="1" noResize="1" noEditPoints="1" noAdjustHandles="1" noChangeArrowheads="1" noChangeShapeType="1" noTextEdit="1"/>
+          </p:cNvSpPr>
+          <p:nvPr>
+            <p:extLst>
+              <p:ext uri="{386F3935-93C4-4BCD-93E2-E3B085C9AB24}">
+                <p16:designElem xmlns:p16="http://schemas.microsoft.com/office/powerpoint/2015/main" val="1"/>
+              </p:ext>
+            </p:extLst>
+          </p:nvPr>
+        </p:nvSpPr>
+        <p:spPr>
+          <a:xfrm>
+            <a:off x="0" y="0"/>
+            <a:ext cx="12192000" cy="6858000"/>
+          </a:xfrm>
+          <a:prstGeom prst="rect">
+            <a:avLst/>
+          </a:prstGeom>
+          <a:ln>
+            <a:noFill/>
+          </a:ln>
+        </p:spPr>
+        <p:style>
+          <a:lnRef idx="2">
+            <a:schemeClr val="accent1">
+              <a:shade val="50000"/>
+            </a:schemeClr>
+          </a:lnRef>
+          <a:fillRef idx="1">
+            <a:schemeClr val="accent1"/>
+          </a:fillRef>
+          <a:effectRef idx="0">
+            <a:schemeClr val="accent1"/>
+          </a:effectRef>
+          <a:fontRef idx="minor">
+            <a:schemeClr val="lt1"/>
+          </a:fontRef>
+        </p:style>
+        <p:txBody>
+          <a:bodyPr rtlCol="0" anchor="ctr"/>
           <a:lstStyle/>
           <a:p>
-            <a:r>
-              <a:rPr lang="de-DE" dirty="0"/>
-              <a:t>Rahmenbedingungen</a:t>
-            </a:r>
-          </a:p>
-        </p:txBody>
-      </p:sp>
-      <p:sp>
-        <p:nvSpPr>
-          <p:cNvPr id="3" name="Inhaltsplatzhalter 2">
+            <a:pPr algn="ctr"/>
+            <a:endParaRPr lang="en-US"/>
+          </a:p>
+        </p:txBody>
+      </p:sp>
+      <p:sp>
+        <p:nvSpPr>
+          <p:cNvPr id="4" name="Title 3">
             <a:extLst>
               <a:ext uri="{FF2B5EF4-FFF2-40B4-BE49-F238E27FC236}">
-                <a16:creationId xmlns:a16="http://schemas.microsoft.com/office/drawing/2014/main" id="{CD9EBAF4-41E9-464C-9526-7D20036752F1}"/>
+                <a16:creationId xmlns:a16="http://schemas.microsoft.com/office/drawing/2014/main" id="{2928A975-B86E-461F-BF29-DA4643475BD3}"/>
               </a:ext>
             </a:extLst>
           </p:cNvPr>
@@ -7298,554 +8229,346 @@
             <a:spLocks noGrp="1"/>
           </p:cNvSpPr>
           <p:nvPr>
-            <p:ph idx="1"/>
-          </p:nvPr>
-        </p:nvSpPr>
-        <p:spPr/>
-        <p:txBody>
-          <a:bodyPr>
-            <a:normAutofit lnSpcReduction="10000"/>
+            <p:ph type="title"/>
+          </p:nvPr>
+        </p:nvSpPr>
+        <p:spPr>
+          <a:xfrm>
+            <a:off x="810000" y="447188"/>
+            <a:ext cx="10571998" cy="970450"/>
+          </a:xfrm>
+          <a:effectLst/>
+        </p:spPr>
+        <p:txBody>
+          <a:bodyPr anchor="ctr">
+            <a:normAutofit/>
           </a:bodyPr>
           <a:lstStyle/>
           <a:p>
+            <a:pPr algn="ctr"/>
+            <a:r>
+              <a:rPr lang="de-DE" sz="3200" dirty="0" err="1">
+                <a:solidFill>
+                  <a:schemeClr val="tx1"/>
+                </a:solidFill>
+              </a:rPr>
+              <a:t>Overview</a:t>
+            </a:r>
+            <a:endParaRPr lang="de-DE" sz="3200" dirty="0">
+              <a:solidFill>
+                <a:schemeClr val="tx1"/>
+              </a:solidFill>
+            </a:endParaRPr>
+          </a:p>
+        </p:txBody>
+      </p:sp>
+      <p:sp>
+        <p:nvSpPr>
+          <p:cNvPr id="5" name="Content Placeholder 4">
+            <a:extLst>
+              <a:ext uri="{FF2B5EF4-FFF2-40B4-BE49-F238E27FC236}">
+                <a16:creationId xmlns:a16="http://schemas.microsoft.com/office/drawing/2014/main" id="{11A05852-97E5-473D-9EDD-F6086B755FFB}"/>
+              </a:ext>
+            </a:extLst>
+          </p:cNvPr>
+          <p:cNvSpPr>
+            <a:spLocks noGrp="1"/>
+          </p:cNvSpPr>
+          <p:nvPr>
+            <p:ph idx="1"/>
+          </p:nvPr>
+        </p:nvSpPr>
+        <p:spPr>
+          <a:xfrm>
+            <a:off x="818712" y="1610745"/>
+            <a:ext cx="10554574" cy="3636511"/>
+          </a:xfrm>
+          <a:effectLst/>
+        </p:spPr>
+        <p:txBody>
+          <a:bodyPr anchor="ctr">
+            <a:normAutofit/>
+          </a:bodyPr>
+          <a:lstStyle/>
+          <a:p>
+            <a:r>
+              <a:rPr lang="de-DE" dirty="0" err="1"/>
+              <a:t>Grundkozept</a:t>
+            </a:r>
+            <a:endParaRPr lang="de-DE" dirty="0"/>
+          </a:p>
+          <a:p>
             <a:r>
               <a:rPr lang="de-DE" dirty="0"/>
-              <a:t>Alle nicht selbsterzeugten Assets müssen frei verfügbar sein</a:t>
+              <a:t>Hintergrund</a:t>
             </a:r>
           </a:p>
           <a:p>
             <a:r>
               <a:rPr lang="de-DE" dirty="0"/>
-              <a:t>Jugendschutz</a:t>
+              <a:t>Spielablauf</a:t>
+            </a:r>
+          </a:p>
+          <a:p>
+            <a:r>
+              <a:rPr lang="de-DE" dirty="0"/>
+              <a:t>Timeline</a:t>
             </a:r>
           </a:p>
           <a:p>
             <a:pPr lvl="1"/>
             <a:r>
               <a:rPr lang="de-DE" dirty="0"/>
-              <a:t>Kampfszenarien</a:t>
+              <a:t>Aktueller Stand</a:t>
             </a:r>
           </a:p>
           <a:p>
             <a:pPr lvl="1"/>
             <a:r>
               <a:rPr lang="de-DE" dirty="0"/>
-              <a:t>Lösbarkeit</a:t>
-            </a:r>
-          </a:p>
-          <a:p>
-            <a:pPr lvl="1"/>
-            <a:r>
-              <a:rPr lang="de-DE" dirty="0"/>
-              <a:t>Hintergrund des Spiels</a:t>
-            </a:r>
-          </a:p>
-          <a:p>
-            <a:r>
-              <a:rPr lang="de-DE" dirty="0"/>
-              <a:t>Verbreitungsplattform</a:t>
-            </a:r>
-          </a:p>
-          <a:p>
-            <a:pPr lvl="1"/>
-            <a:r>
-              <a:rPr lang="de-DE" dirty="0"/>
-              <a:t>Windows</a:t>
-            </a:r>
-          </a:p>
-          <a:p>
-            <a:pPr lvl="1"/>
-            <a:r>
-              <a:rPr lang="de-DE" dirty="0"/>
-              <a:t>Mac (?)</a:t>
-            </a:r>
-          </a:p>
-          <a:p>
-            <a:pPr lvl="1"/>
-            <a:r>
-              <a:rPr lang="de-DE" dirty="0"/>
-              <a:t>Linux(?)</a:t>
-            </a:r>
-          </a:p>
-          <a:p>
-            <a:r>
-              <a:rPr lang="de-DE" dirty="0"/>
-              <a:t>Namensprüfung „</a:t>
-            </a:r>
-            <a:r>
-              <a:rPr lang="de-DE" dirty="0" err="1"/>
-              <a:t>Past</a:t>
-            </a:r>
-            <a:r>
-              <a:rPr lang="de-DE" dirty="0"/>
-              <a:t> </a:t>
-            </a:r>
-            <a:r>
-              <a:rPr lang="de-DE" dirty="0" err="1"/>
-              <a:t>Minutes</a:t>
-            </a:r>
-            <a:r>
-              <a:rPr lang="de-DE" dirty="0"/>
-              <a:t>“</a:t>
-            </a:r>
-          </a:p>
-        </p:txBody>
+              <a:t>Ausblick</a:t>
+            </a:r>
+          </a:p>
+        </p:txBody>
+      </p:sp>
+      <p:sp>
+        <p:nvSpPr>
+          <p:cNvPr id="17" name="Freeform: Shape 11">
+            <a:extLst>
+              <a:ext uri="{FF2B5EF4-FFF2-40B4-BE49-F238E27FC236}">
+                <a16:creationId xmlns:a16="http://schemas.microsoft.com/office/drawing/2014/main" id="{41CA5367-149E-428C-B4D8-C1ECC9EAF739}"/>
+              </a:ext>
+              <a:ext uri="{C183D7F6-B498-43B3-948B-1728B52AA6E4}">
+                <adec:decorative xmlns:adec="http://schemas.microsoft.com/office/drawing/2017/decorative" val="1"/>
+              </a:ext>
+            </a:extLst>
+          </p:cNvPr>
+          <p:cNvSpPr>
+            <a:spLocks noGrp="1" noRot="1" noChangeAspect="1" noMove="1" noResize="1" noEditPoints="1" noAdjustHandles="1" noChangeArrowheads="1" noChangeShapeType="1" noTextEdit="1"/>
+          </p:cNvSpPr>
+          <p:nvPr>
+            <p:extLst>
+              <p:ext uri="{386F3935-93C4-4BCD-93E2-E3B085C9AB24}">
+                <p16:designElem xmlns:p16="http://schemas.microsoft.com/office/powerpoint/2015/main" val="1"/>
+              </p:ext>
+            </p:extLst>
+          </p:nvPr>
+        </p:nvSpPr>
+        <p:spPr bwMode="auto">
+          <a:xfrm rot="10800000">
+            <a:off x="0" y="5388384"/>
+            <a:ext cx="12192000" cy="1469616"/>
+          </a:xfrm>
+          <a:custGeom>
+            <a:avLst/>
+            <a:gdLst>
+              <a:gd name="connsiteX0" fmla="*/ 6113881 w 12192000"/>
+              <a:gd name="connsiteY0" fmla="*/ 1469616 h 1469616"/>
+              <a:gd name="connsiteX1" fmla="*/ 6101181 w 12192000"/>
+              <a:gd name="connsiteY1" fmla="*/ 1469616 h 1469616"/>
+              <a:gd name="connsiteX2" fmla="*/ 6090598 w 12192000"/>
+              <a:gd name="connsiteY2" fmla="*/ 1469616 h 1469616"/>
+              <a:gd name="connsiteX3" fmla="*/ 6077897 w 12192000"/>
+              <a:gd name="connsiteY3" fmla="*/ 1464854 h 1469616"/>
+              <a:gd name="connsiteX4" fmla="*/ 6065198 w 12192000"/>
+              <a:gd name="connsiteY4" fmla="*/ 1460091 h 1469616"/>
+              <a:gd name="connsiteX5" fmla="*/ 6056731 w 12192000"/>
+              <a:gd name="connsiteY5" fmla="*/ 1456916 h 1469616"/>
+              <a:gd name="connsiteX6" fmla="*/ 5678033 w 12192000"/>
+              <a:gd name="connsiteY6" fmla="*/ 1172892 h 1469616"/>
+              <a:gd name="connsiteX7" fmla="*/ 0 w 12192000"/>
+              <a:gd name="connsiteY7" fmla="*/ 1172892 h 1469616"/>
+              <a:gd name="connsiteX8" fmla="*/ 0 w 12192000"/>
+              <a:gd name="connsiteY8" fmla="*/ 1162370 h 1469616"/>
+              <a:gd name="connsiteX9" fmla="*/ 0 w 12192000"/>
+              <a:gd name="connsiteY9" fmla="*/ 403347 h 1469616"/>
+              <a:gd name="connsiteX10" fmla="*/ 0 w 12192000"/>
+              <a:gd name="connsiteY10" fmla="*/ 0 h 1469616"/>
+              <a:gd name="connsiteX11" fmla="*/ 12192000 w 12192000"/>
+              <a:gd name="connsiteY11" fmla="*/ 0 h 1469616"/>
+              <a:gd name="connsiteX12" fmla="*/ 12192000 w 12192000"/>
+              <a:gd name="connsiteY12" fmla="*/ 403347 h 1469616"/>
+              <a:gd name="connsiteX13" fmla="*/ 12192000 w 12192000"/>
+              <a:gd name="connsiteY13" fmla="*/ 1162370 h 1469616"/>
+              <a:gd name="connsiteX14" fmla="*/ 12192000 w 12192000"/>
+              <a:gd name="connsiteY14" fmla="*/ 1172892 h 1469616"/>
+              <a:gd name="connsiteX15" fmla="*/ 6524330 w 12192000"/>
+              <a:gd name="connsiteY15" fmla="*/ 1172892 h 1469616"/>
+              <a:gd name="connsiteX16" fmla="*/ 6145631 w 12192000"/>
+              <a:gd name="connsiteY16" fmla="*/ 1456916 h 1469616"/>
+              <a:gd name="connsiteX17" fmla="*/ 6137163 w 12192000"/>
+              <a:gd name="connsiteY17" fmla="*/ 1460091 h 1469616"/>
+              <a:gd name="connsiteX18" fmla="*/ 6124463 w 12192000"/>
+              <a:gd name="connsiteY18" fmla="*/ 1464854 h 1469616"/>
+            </a:gdLst>
+            <a:ahLst/>
+            <a:cxnLst>
+              <a:cxn ang="0">
+                <a:pos x="connsiteX0" y="connsiteY0"/>
+              </a:cxn>
+              <a:cxn ang="0">
+                <a:pos x="connsiteX1" y="connsiteY1"/>
+              </a:cxn>
+              <a:cxn ang="0">
+                <a:pos x="connsiteX2" y="connsiteY2"/>
+              </a:cxn>
+              <a:cxn ang="0">
+                <a:pos x="connsiteX3" y="connsiteY3"/>
+              </a:cxn>
+              <a:cxn ang="0">
+                <a:pos x="connsiteX4" y="connsiteY4"/>
+              </a:cxn>
+              <a:cxn ang="0">
+                <a:pos x="connsiteX5" y="connsiteY5"/>
+              </a:cxn>
+              <a:cxn ang="0">
+                <a:pos x="connsiteX6" y="connsiteY6"/>
+              </a:cxn>
+              <a:cxn ang="0">
+                <a:pos x="connsiteX7" y="connsiteY7"/>
+              </a:cxn>
+              <a:cxn ang="0">
+                <a:pos x="connsiteX8" y="connsiteY8"/>
+              </a:cxn>
+              <a:cxn ang="0">
+                <a:pos x="connsiteX9" y="connsiteY9"/>
+              </a:cxn>
+              <a:cxn ang="0">
+                <a:pos x="connsiteX10" y="connsiteY10"/>
+              </a:cxn>
+              <a:cxn ang="0">
+                <a:pos x="connsiteX11" y="connsiteY11"/>
+              </a:cxn>
+              <a:cxn ang="0">
+                <a:pos x="connsiteX12" y="connsiteY12"/>
+              </a:cxn>
+              <a:cxn ang="0">
+                <a:pos x="connsiteX13" y="connsiteY13"/>
+              </a:cxn>
+              <a:cxn ang="0">
+                <a:pos x="connsiteX14" y="connsiteY14"/>
+              </a:cxn>
+              <a:cxn ang="0">
+                <a:pos x="connsiteX15" y="connsiteY15"/>
+              </a:cxn>
+              <a:cxn ang="0">
+                <a:pos x="connsiteX16" y="connsiteY16"/>
+              </a:cxn>
+              <a:cxn ang="0">
+                <a:pos x="connsiteX17" y="connsiteY17"/>
+              </a:cxn>
+              <a:cxn ang="0">
+                <a:pos x="connsiteX18" y="connsiteY18"/>
+              </a:cxn>
+            </a:cxnLst>
+            <a:rect l="l" t="t" r="r" b="b"/>
+            <a:pathLst>
+              <a:path w="12192000" h="1469616">
+                <a:moveTo>
+                  <a:pt x="6113881" y="1469616"/>
+                </a:moveTo>
+                <a:lnTo>
+                  <a:pt x="6101181" y="1469616"/>
+                </a:lnTo>
+                <a:lnTo>
+                  <a:pt x="6090598" y="1469616"/>
+                </a:lnTo>
+                <a:lnTo>
+                  <a:pt x="6077897" y="1464854"/>
+                </a:lnTo>
+                <a:lnTo>
+                  <a:pt x="6065198" y="1460091"/>
+                </a:lnTo>
+                <a:lnTo>
+                  <a:pt x="6056731" y="1456916"/>
+                </a:lnTo>
+                <a:lnTo>
+                  <a:pt x="5678033" y="1172892"/>
+                </a:lnTo>
+                <a:lnTo>
+                  <a:pt x="0" y="1172892"/>
+                </a:lnTo>
+                <a:lnTo>
+                  <a:pt x="0" y="1162370"/>
+                </a:lnTo>
+                <a:lnTo>
+                  <a:pt x="0" y="403347"/>
+                </a:lnTo>
+                <a:lnTo>
+                  <a:pt x="0" y="0"/>
+                </a:lnTo>
+                <a:lnTo>
+                  <a:pt x="12192000" y="0"/>
+                </a:lnTo>
+                <a:lnTo>
+                  <a:pt x="12192000" y="403347"/>
+                </a:lnTo>
+                <a:lnTo>
+                  <a:pt x="12192000" y="1162370"/>
+                </a:lnTo>
+                <a:lnTo>
+                  <a:pt x="12192000" y="1172892"/>
+                </a:lnTo>
+                <a:lnTo>
+                  <a:pt x="6524330" y="1172892"/>
+                </a:lnTo>
+                <a:lnTo>
+                  <a:pt x="6145631" y="1456916"/>
+                </a:lnTo>
+                <a:lnTo>
+                  <a:pt x="6137163" y="1460091"/>
+                </a:lnTo>
+                <a:lnTo>
+                  <a:pt x="6124463" y="1464854"/>
+                </a:lnTo>
+                <a:close/>
+              </a:path>
+            </a:pathLst>
+          </a:custGeom>
+          <a:ln>
+            <a:noFill/>
+          </a:ln>
+          <a:effectLst/>
+          <a:extLst>
+            <a:ext uri="{91240B29-F687-4f45-9708-019B960494DF}">
+              <a14:hiddenLine xmlns="" xmlns:a14="http://schemas.microsoft.com/office/drawing/2010/main" xmlns:p14="http://schemas.microsoft.com/office/powerpoint/2010/main" xmlns:a16="http://schemas.microsoft.com/office/drawing/2014/main" w="9525">
+                <a:solidFill>
+                  <a:srgbClr val="000000"/>
+                </a:solidFill>
+                <a:round/>
+                <a:headEnd/>
+                <a:tailEnd/>
+              </a14:hiddenLine>
+            </a:ext>
+          </a:extLst>
+        </p:spPr>
+        <p:style>
+          <a:lnRef idx="1">
+            <a:schemeClr val="accent1"/>
+          </a:lnRef>
+          <a:fillRef idx="3">
+            <a:schemeClr val="accent1"/>
+          </a:fillRef>
+          <a:effectRef idx="2">
+            <a:schemeClr val="accent1"/>
+          </a:effectRef>
+          <a:fontRef idx="minor">
+            <a:schemeClr val="lt1"/>
+          </a:fontRef>
+        </p:style>
       </p:sp>
     </p:spTree>
     <p:extLst>
       <p:ext uri="{BB962C8B-B14F-4D97-AF65-F5344CB8AC3E}">
-        <p14:creationId xmlns:p14="http://schemas.microsoft.com/office/powerpoint/2010/main" val="2633012805"/>
+        <p14:creationId xmlns:p14="http://schemas.microsoft.com/office/powerpoint/2010/main" val="2673524041"/>
       </p:ext>
     </p:extLst>
   </p:cSld>
   <p:clrMapOvr>
     <a:masterClrMapping/>
   </p:clrMapOvr>
-  <p:transition spd="med">
-    <p:pull/>
-  </p:transition>
-</p:sld>
-</file>
-
-<file path=ppt/slides/slide21.xml><?xml version="1.0" encoding="utf-8"?>
-<p:sld xmlns:a="http://schemas.openxmlformats.org/drawingml/2006/main" xmlns:r="http://schemas.openxmlformats.org/officeDocument/2006/relationships" xmlns:p="http://schemas.openxmlformats.org/presentationml/2006/main">
-  <p:cSld>
-    <p:spTree>
-      <p:nvGrpSpPr>
-        <p:cNvPr id="1" name=""/>
-        <p:cNvGrpSpPr/>
-        <p:nvPr/>
-      </p:nvGrpSpPr>
-      <p:grpSpPr>
-        <a:xfrm>
-          <a:off x="0" y="0"/>
-          <a:ext cx="0" cy="0"/>
-          <a:chOff x="0" y="0"/>
-          <a:chExt cx="0" cy="0"/>
-        </a:xfrm>
-      </p:grpSpPr>
-      <p:sp>
-        <p:nvSpPr>
-          <p:cNvPr id="2" name="Title 1">
-            <a:extLst>
-              <a:ext uri="{FF2B5EF4-FFF2-40B4-BE49-F238E27FC236}">
-                <a16:creationId xmlns:a16="http://schemas.microsoft.com/office/drawing/2014/main" id="{663570ED-9D61-46D3-906D-9C71BEF067B6}"/>
-              </a:ext>
-            </a:extLst>
-          </p:cNvPr>
-          <p:cNvSpPr>
-            <a:spLocks noGrp="1"/>
-          </p:cNvSpPr>
-          <p:nvPr>
-            <p:ph type="title"/>
-          </p:nvPr>
-        </p:nvSpPr>
-        <p:spPr/>
-        <p:txBody>
-          <a:bodyPr/>
-          <a:lstStyle/>
-          <a:p>
-            <a:r>
-              <a:rPr lang="de-DE" dirty="0"/>
-              <a:t>Ergebnisse</a:t>
-            </a:r>
-          </a:p>
-        </p:txBody>
-      </p:sp>
-      <p:sp>
-        <p:nvSpPr>
-          <p:cNvPr id="4" name="Text Placeholder 3">
-            <a:extLst>
-              <a:ext uri="{FF2B5EF4-FFF2-40B4-BE49-F238E27FC236}">
-                <a16:creationId xmlns:a16="http://schemas.microsoft.com/office/drawing/2014/main" id="{C913C932-11BD-46C0-86DB-07A2A8DC10A6}"/>
-              </a:ext>
-            </a:extLst>
-          </p:cNvPr>
-          <p:cNvSpPr>
-            <a:spLocks noGrp="1"/>
-          </p:cNvSpPr>
-          <p:nvPr>
-            <p:ph type="body" idx="1"/>
-          </p:nvPr>
-        </p:nvSpPr>
-        <p:spPr/>
-        <p:txBody>
-          <a:bodyPr/>
-          <a:lstStyle/>
-          <a:p>
-            <a:endParaRPr lang="de-DE"/>
-          </a:p>
-        </p:txBody>
-      </p:sp>
-    </p:spTree>
-    <p:extLst>
-      <p:ext uri="{BB962C8B-B14F-4D97-AF65-F5344CB8AC3E}">
-        <p14:creationId xmlns:p14="http://schemas.microsoft.com/office/powerpoint/2010/main" val="3970480316"/>
-      </p:ext>
-    </p:extLst>
-  </p:cSld>
-  <p:clrMapOvr>
-    <a:masterClrMapping/>
-  </p:clrMapOvr>
-</p:sld>
-</file>
-
-<file path=ppt/slides/slide22.xml><?xml version="1.0" encoding="utf-8"?>
-<p:sld xmlns:a="http://schemas.openxmlformats.org/drawingml/2006/main" xmlns:r="http://schemas.openxmlformats.org/officeDocument/2006/relationships" xmlns:p="http://schemas.openxmlformats.org/presentationml/2006/main">
-  <p:cSld>
-    <p:spTree>
-      <p:nvGrpSpPr>
-        <p:cNvPr id="1" name=""/>
-        <p:cNvGrpSpPr/>
-        <p:nvPr/>
-      </p:nvGrpSpPr>
-      <p:grpSpPr>
-        <a:xfrm>
-          <a:off x="0" y="0"/>
-          <a:ext cx="0" cy="0"/>
-          <a:chOff x="0" y="0"/>
-          <a:chExt cx="0" cy="0"/>
-        </a:xfrm>
-      </p:grpSpPr>
-      <p:sp>
-        <p:nvSpPr>
-          <p:cNvPr id="2" name="Titel 1">
-            <a:extLst>
-              <a:ext uri="{FF2B5EF4-FFF2-40B4-BE49-F238E27FC236}">
-                <a16:creationId xmlns:a16="http://schemas.microsoft.com/office/drawing/2014/main" id="{59FC75DF-F55C-4D91-9D0F-DA2FADE1883B}"/>
-              </a:ext>
-            </a:extLst>
-          </p:cNvPr>
-          <p:cNvSpPr>
-            <a:spLocks noGrp="1"/>
-          </p:cNvSpPr>
-          <p:nvPr>
-            <p:ph type="title"/>
-          </p:nvPr>
-        </p:nvSpPr>
-        <p:spPr>
-          <a:xfrm>
-            <a:off x="810000" y="447188"/>
-            <a:ext cx="10571998" cy="970450"/>
-          </a:xfrm>
-        </p:spPr>
-        <p:txBody>
-          <a:bodyPr/>
-          <a:lstStyle/>
-          <a:p>
-            <a:r>
-              <a:rPr lang="de-DE" dirty="0"/>
-              <a:t>Ergebnisse</a:t>
-            </a:r>
-          </a:p>
-        </p:txBody>
-      </p:sp>
-      <p:sp>
-        <p:nvSpPr>
-          <p:cNvPr id="3" name="Inhaltsplatzhalter 2">
-            <a:extLst>
-              <a:ext uri="{FF2B5EF4-FFF2-40B4-BE49-F238E27FC236}">
-                <a16:creationId xmlns:a16="http://schemas.microsoft.com/office/drawing/2014/main" id="{26D94A35-38DE-4A71-B8DA-D7499CF4B6DC}"/>
-              </a:ext>
-            </a:extLst>
-          </p:cNvPr>
-          <p:cNvSpPr>
-            <a:spLocks noGrp="1"/>
-          </p:cNvSpPr>
-          <p:nvPr>
-            <p:ph idx="1"/>
-          </p:nvPr>
-        </p:nvSpPr>
-        <p:spPr/>
-        <p:txBody>
-          <a:bodyPr/>
-          <a:lstStyle/>
-          <a:p>
-            <a:r>
-              <a:rPr lang="de-DE" dirty="0"/>
-              <a:t>Fertig spielbares Produkt</a:t>
-            </a:r>
-          </a:p>
-          <a:p>
-            <a:pPr lvl="1"/>
-            <a:r>
-              <a:rPr lang="de-DE" dirty="0"/>
-              <a:t>Mehrere </a:t>
-            </a:r>
-            <a:r>
-              <a:rPr lang="de-DE" dirty="0" err="1"/>
-              <a:t>Storypfade</a:t>
-            </a:r>
-            <a:endParaRPr lang="de-DE" dirty="0"/>
-          </a:p>
-          <a:p>
-            <a:pPr lvl="1"/>
-            <a:r>
-              <a:rPr lang="de-DE" dirty="0"/>
-              <a:t>Diskussion &amp; Austausch unter Spielern</a:t>
-            </a:r>
-          </a:p>
-          <a:p>
-            <a:pPr lvl="1"/>
-            <a:r>
-              <a:rPr lang="de-DE" dirty="0"/>
-              <a:t>Mundpropaganda</a:t>
-            </a:r>
-          </a:p>
-          <a:p>
-            <a:pPr lvl="1"/>
-            <a:r>
-              <a:rPr lang="de-DE" dirty="0"/>
-              <a:t>Replay-Value</a:t>
-            </a:r>
-          </a:p>
-        </p:txBody>
-      </p:sp>
-    </p:spTree>
-    <p:extLst>
-      <p:ext uri="{BB962C8B-B14F-4D97-AF65-F5344CB8AC3E}">
-        <p14:creationId xmlns:p14="http://schemas.microsoft.com/office/powerpoint/2010/main" val="2874611857"/>
-      </p:ext>
-    </p:extLst>
-  </p:cSld>
-  <p:clrMapOvr>
-    <a:masterClrMapping/>
-  </p:clrMapOvr>
-  <p:transition spd="med">
-    <p:pull/>
-  </p:transition>
-</p:sld>
-</file>
-
-<file path=ppt/slides/slide3.xml><?xml version="1.0" encoding="utf-8"?>
-<p:sld xmlns:a="http://schemas.openxmlformats.org/drawingml/2006/main" xmlns:r="http://schemas.openxmlformats.org/officeDocument/2006/relationships" xmlns:p="http://schemas.openxmlformats.org/presentationml/2006/main">
-  <p:cSld>
-    <p:spTree>
-      <p:nvGrpSpPr>
-        <p:cNvPr id="1" name=""/>
-        <p:cNvGrpSpPr/>
-        <p:nvPr/>
-      </p:nvGrpSpPr>
-      <p:grpSpPr>
-        <a:xfrm>
-          <a:off x="0" y="0"/>
-          <a:ext cx="0" cy="0"/>
-          <a:chOff x="0" y="0"/>
-          <a:chExt cx="0" cy="0"/>
-        </a:xfrm>
-      </p:grpSpPr>
-      <p:sp>
-        <p:nvSpPr>
-          <p:cNvPr id="2" name="Title 1">
-            <a:extLst>
-              <a:ext uri="{FF2B5EF4-FFF2-40B4-BE49-F238E27FC236}">
-                <a16:creationId xmlns:a16="http://schemas.microsoft.com/office/drawing/2014/main" id="{2571A1A1-9A44-42A6-A02B-76C094C9F7C7}"/>
-              </a:ext>
-            </a:extLst>
-          </p:cNvPr>
-          <p:cNvSpPr>
-            <a:spLocks noGrp="1"/>
-          </p:cNvSpPr>
-          <p:nvPr>
-            <p:ph type="title"/>
-          </p:nvPr>
-        </p:nvSpPr>
-        <p:spPr/>
-        <p:txBody>
-          <a:bodyPr/>
-          <a:lstStyle/>
-          <a:p>
-            <a:r>
-              <a:rPr lang="de-DE" dirty="0" err="1"/>
-              <a:t>Overview</a:t>
-            </a:r>
-            <a:endParaRPr lang="de-DE" dirty="0"/>
-          </a:p>
-        </p:txBody>
-      </p:sp>
-      <mc:AlternateContent xmlns:mc="http://schemas.openxmlformats.org/markup-compatibility/2006">
-        <mc:Choice xmlns:psuz="http://schemas.microsoft.com/office/powerpoint/2016/summaryzoom" Requires="psuz">
-          <p:graphicFrame>
-            <p:nvGraphicFramePr>
-              <p:cNvPr id="5" name="Summary Zoom 4">
-                <a:extLst>
-                  <a:ext uri="{FF2B5EF4-FFF2-40B4-BE49-F238E27FC236}">
-                    <a16:creationId xmlns:a16="http://schemas.microsoft.com/office/drawing/2014/main" id="{2D9DB9DC-0B98-423B-B90F-A36EE18FBE1C}"/>
-                  </a:ext>
-                </a:extLst>
-              </p:cNvPr>
-              <p:cNvGraphicFramePr>
-                <a:graphicFrameLocks noChangeAspect="1"/>
-              </p:cNvGraphicFramePr>
-              <p:nvPr>
-                <p:extLst>
-                  <p:ext uri="{D42A27DB-BD31-4B8C-83A1-F6EECF244321}">
-                    <p14:modId xmlns:p14="http://schemas.microsoft.com/office/powerpoint/2010/main" val="2844971571"/>
-                  </p:ext>
-                </p:extLst>
-              </p:nvPr>
-            </p:nvGraphicFramePr>
-            <p:xfrm>
-              <a:off x="819150" y="2222500"/>
-              <a:ext cx="10553700" cy="3636963"/>
-            </p:xfrm>
-            <a:graphic>
-              <a:graphicData uri="http://schemas.microsoft.com/office/powerpoint/2016/summaryzoom">
-                <psuz:summaryZm>
-                  <psuz:summaryZmObj sectionId="{448C54FB-7A7F-4DE3-931A-5B530A9D04AF}">
-                    <psuz:zmPr id="{F8C3ECE4-F35D-4DEF-9D8D-A3E4233DAC5D}" transitionDur="1000">
-                      <p166:blipFill xmlns:p166="http://schemas.microsoft.com/office/powerpoint/2016/6/main">
-                        <a:blip r:embed="rId2"/>
-                        <a:stretch>
-                          <a:fillRect/>
-                        </a:stretch>
-                      </p166:blipFill>
-                      <p166:spPr xmlns:p166="http://schemas.microsoft.com/office/powerpoint/2016/6/main">
-                        <a:xfrm>
-                          <a:off x="438638" y="482779"/>
-                          <a:ext cx="4749165" cy="2671405"/>
-                        </a:xfrm>
-                        <a:prstGeom prst="rect">
-                          <a:avLst/>
-                        </a:prstGeom>
-                        <a:ln w="3175">
-                          <a:solidFill>
-                            <a:prstClr val="ltGray"/>
-                          </a:solidFill>
-                        </a:ln>
-                      </p166:spPr>
-                    </psuz:zmPr>
-                  </psuz:summaryZmObj>
-                  <psuz:summaryZmObj sectionId="{0A0AD3E9-F226-499F-A6A9-475BBDC8260B}">
-                    <psuz:zmPr id="{E6B11968-320D-4A08-9487-32EAF7BF4BC7}" transitionDur="1000">
-                      <p166:blipFill xmlns:p166="http://schemas.microsoft.com/office/powerpoint/2016/6/main">
-                        <a:blip r:embed="rId3"/>
-                        <a:stretch>
-                          <a:fillRect/>
-                        </a:stretch>
-                      </p166:blipFill>
-                      <p166:spPr xmlns:p166="http://schemas.microsoft.com/office/powerpoint/2016/6/main">
-                        <a:xfrm>
-                          <a:off x="5365897" y="482779"/>
-                          <a:ext cx="4749165" cy="2671405"/>
-                        </a:xfrm>
-                        <a:prstGeom prst="rect">
-                          <a:avLst/>
-                        </a:prstGeom>
-                        <a:ln w="3175">
-                          <a:solidFill>
-                            <a:prstClr val="ltGray"/>
-                          </a:solidFill>
-                        </a:ln>
-                      </p166:spPr>
-                    </psuz:zmPr>
-                  </psuz:summaryZmObj>
-                  <psuz:gridLayout/>
-                </psuz:summaryZm>
-              </a:graphicData>
-            </a:graphic>
-          </p:graphicFrame>
-        </mc:Choice>
-        <mc:Fallback>
-          <p:grpSp>
-            <p:nvGrpSpPr>
-              <p:cNvPr id="5" name="Summary Zoom 4">
-                <a:extLst>
-                  <a:ext uri="{FF2B5EF4-FFF2-40B4-BE49-F238E27FC236}">
-                    <a16:creationId xmlns:a16="http://schemas.microsoft.com/office/drawing/2014/main" id="{2D9DB9DC-0B98-423B-B90F-A36EE18FBE1C}"/>
-                  </a:ext>
-                </a:extLst>
-              </p:cNvPr>
-              <p:cNvGrpSpPr>
-                <a:grpSpLocks noGrp="1" noUngrp="1" noRot="1" noChangeAspect="1" noMove="1" noResize="1"/>
-              </p:cNvGrpSpPr>
-              <p:nvPr/>
-            </p:nvGrpSpPr>
-            <p:grpSpPr>
-              <a:xfrm>
-                <a:off x="819150" y="2222500"/>
-                <a:ext cx="10553700" cy="3636963"/>
-                <a:chOff x="819150" y="2222500"/>
-                <a:chExt cx="10553700" cy="3636963"/>
-              </a:xfrm>
-            </p:grpSpPr>
-            <p:pic>
-              <p:nvPicPr>
-                <p:cNvPr id="3" name="Picture 3">
-                  <a:hlinkClick r:id="rId4" action="ppaction://hlinksldjump"/>
-                </p:cNvPr>
-                <p:cNvPicPr>
-                  <a:picLocks noSelect="1" noRot="1" noChangeAspect="1" noMove="1" noResize="1" noEditPoints="1" noAdjustHandles="1" noChangeArrowheads="1" noChangeShapeType="1"/>
-                </p:cNvPicPr>
-                <p:nvPr/>
-              </p:nvPicPr>
-              <p:blipFill>
-                <a:blip r:embed="rId2"/>
-                <a:stretch>
-                  <a:fillRect/>
-                </a:stretch>
-              </p:blipFill>
-              <p:spPr>
-                <a:xfrm>
-                  <a:off x="1257788" y="2705279"/>
-                  <a:ext cx="4749165" cy="2671405"/>
-                </a:xfrm>
-                <a:prstGeom prst="rect">
-                  <a:avLst/>
-                </a:prstGeom>
-                <a:ln w="3175">
-                  <a:solidFill>
-                    <a:prstClr val="ltGray"/>
-                  </a:solidFill>
-                </a:ln>
-              </p:spPr>
-            </p:pic>
-            <p:pic>
-              <p:nvPicPr>
-                <p:cNvPr id="4" name="Picture 4">
-                  <a:hlinkClick r:id="rId5" action="ppaction://hlinksldjump"/>
-                </p:cNvPr>
-                <p:cNvPicPr>
-                  <a:picLocks noSelect="1" noRot="1" noChangeAspect="1" noMove="1" noResize="1" noEditPoints="1" noAdjustHandles="1" noChangeArrowheads="1" noChangeShapeType="1"/>
-                </p:cNvPicPr>
-                <p:nvPr/>
-              </p:nvPicPr>
-              <p:blipFill>
-                <a:blip r:embed="rId3"/>
-                <a:stretch>
-                  <a:fillRect/>
-                </a:stretch>
-              </p:blipFill>
-              <p:spPr>
-                <a:xfrm>
-                  <a:off x="6185047" y="2705279"/>
-                  <a:ext cx="4749165" cy="2671405"/>
-                </a:xfrm>
-                <a:prstGeom prst="rect">
-                  <a:avLst/>
-                </a:prstGeom>
-                <a:ln w="3175">
-                  <a:solidFill>
-                    <a:prstClr val="ltGray"/>
-                  </a:solidFill>
-                </a:ln>
-              </p:spPr>
-            </p:pic>
-          </p:grpSp>
-        </mc:Fallback>
-      </mc:AlternateContent>
-    </p:spTree>
-    <p:extLst>
-      <p:ext uri="{BB962C8B-B14F-4D97-AF65-F5344CB8AC3E}">
-        <p14:creationId xmlns:p14="http://schemas.microsoft.com/office/powerpoint/2010/main" val="3458338609"/>
-      </p:ext>
-    </p:extLst>
-  </p:cSld>
-  <p:clrMapOvr>
-    <a:masterClrMapping/>
-  </p:clrMapOvr>
-  <p:transition spd="med">
-    <p:pull/>
+  <p:transition spd="slow">
+    <p:push dir="u"/>
   </p:transition>
 </p:sld>
 </file>
@@ -7869,10 +8592,10 @@
       </p:grpSpPr>
       <p:sp>
         <p:nvSpPr>
-          <p:cNvPr id="2" name="Titel 1">
+          <p:cNvPr id="2" name="Title 1">
             <a:extLst>
               <a:ext uri="{FF2B5EF4-FFF2-40B4-BE49-F238E27FC236}">
-                <a16:creationId xmlns:a16="http://schemas.microsoft.com/office/drawing/2014/main" id="{E283AD4D-71E7-433E-8261-0EE37DFA7789}"/>
+                <a16:creationId xmlns:a16="http://schemas.microsoft.com/office/drawing/2014/main" id="{05B63D89-C0C5-4680-A56A-C95552B9943F}"/>
               </a:ext>
             </a:extLst>
           </p:cNvPr>
@@ -7880,7 +8603,7 @@
             <a:spLocks noGrp="1"/>
           </p:cNvSpPr>
           <p:nvPr>
-            <p:ph type="ctrTitle"/>
+            <p:ph type="title"/>
           </p:nvPr>
         </p:nvSpPr>
         <p:spPr/>
@@ -7890,17 +8613,17 @@
           <a:p>
             <a:r>
               <a:rPr lang="de-DE" dirty="0"/>
-              <a:t>Hintergrund</a:t>
-            </a:r>
-          </a:p>
-        </p:txBody>
-      </p:sp>
-      <p:sp>
-        <p:nvSpPr>
-          <p:cNvPr id="3" name="Untertitel 2">
+              <a:t>Grundkonzept</a:t>
+            </a:r>
+          </a:p>
+        </p:txBody>
+      </p:sp>
+      <p:sp>
+        <p:nvSpPr>
+          <p:cNvPr id="3" name="Text Placeholder 2">
             <a:extLst>
               <a:ext uri="{FF2B5EF4-FFF2-40B4-BE49-F238E27FC236}">
-                <a16:creationId xmlns:a16="http://schemas.microsoft.com/office/drawing/2014/main" id="{E9A3DA70-A480-4006-9369-8654FB8E5FD9}"/>
+                <a16:creationId xmlns:a16="http://schemas.microsoft.com/office/drawing/2014/main" id="{C7F9359A-B88C-4310-90EB-7504AEC834D1}"/>
               </a:ext>
             </a:extLst>
           </p:cNvPr>
@@ -7908,7 +8631,7 @@
             <a:spLocks noGrp="1"/>
           </p:cNvSpPr>
           <p:nvPr>
-            <p:ph type="subTitle" idx="1"/>
+            <p:ph type="body" idx="1"/>
           </p:nvPr>
         </p:nvSpPr>
         <p:spPr/>
@@ -7916,20 +8639,23 @@
           <a:bodyPr/>
           <a:lstStyle/>
           <a:p>
-            <a:endParaRPr lang="de-DE" dirty="0"/>
+            <a:endParaRPr lang="de-DE"/>
           </a:p>
         </p:txBody>
       </p:sp>
     </p:spTree>
     <p:extLst>
       <p:ext uri="{BB962C8B-B14F-4D97-AF65-F5344CB8AC3E}">
-        <p14:creationId xmlns:p14="http://schemas.microsoft.com/office/powerpoint/2010/main" val="4010767833"/>
+        <p14:creationId xmlns:p14="http://schemas.microsoft.com/office/powerpoint/2010/main" val="209758017"/>
       </p:ext>
     </p:extLst>
   </p:cSld>
   <p:clrMapOvr>
     <a:masterClrMapping/>
   </p:clrMapOvr>
+  <p:transition spd="slow">
+    <p:push dir="u"/>
+  </p:transition>
 </p:sld>
 </file>
 
@@ -7960,10 +8686,10 @@
       </p:grpSpPr>
       <p:sp useBgFill="1">
         <p:nvSpPr>
-          <p:cNvPr id="25" name="Rectangle 24">
+          <p:cNvPr id="10" name="Rectangle 9">
             <a:extLst>
               <a:ext uri="{FF2B5EF4-FFF2-40B4-BE49-F238E27FC236}">
-                <a16:creationId xmlns:a16="http://schemas.microsoft.com/office/drawing/2014/main" id="{2BDEF1B6-CABC-4FE5-BBB0-98BACFAB07E1}"/>
+                <a16:creationId xmlns:a16="http://schemas.microsoft.com/office/drawing/2014/main" id="{874F1482-69C3-47D5-95FE-67C0FA2DF8B0}"/>
               </a:ext>
               <a:ext uri="{C183D7F6-B498-43B3-948B-1728B52AA6E4}">
                 <adec:decorative xmlns:adec="http://schemas.microsoft.com/office/drawing/2017/decorative" val="1"/>
@@ -7983,8 +8709,8 @@
         </p:nvSpPr>
         <p:spPr>
           <a:xfrm>
-            <a:off x="0" y="-1"/>
-            <a:ext cx="12192000" cy="6858001"/>
+            <a:off x="0" y="0"/>
+            <a:ext cx="12192000" cy="6858000"/>
           </a:xfrm>
           <a:prstGeom prst="rect">
             <a:avLst/>
@@ -8018,41 +8744,86 @@
           </a:p>
         </p:txBody>
       </p:sp>
-      <p:pic>
-        <p:nvPicPr>
-          <p:cNvPr id="13" name="Grafik 12">
+      <p:sp>
+        <p:nvSpPr>
+          <p:cNvPr id="4" name="Title 3">
             <a:extLst>
               <a:ext uri="{FF2B5EF4-FFF2-40B4-BE49-F238E27FC236}">
-                <a16:creationId xmlns:a16="http://schemas.microsoft.com/office/drawing/2014/main" id="{A204BD77-18F4-4561-956C-C47EC2A9CDE5}"/>
+                <a16:creationId xmlns:a16="http://schemas.microsoft.com/office/drawing/2014/main" id="{6C760F11-1C0F-4871-AD95-63AA0B47465B}"/>
               </a:ext>
             </a:extLst>
           </p:cNvPr>
-          <p:cNvPicPr>
-            <a:picLocks noChangeAspect="1"/>
-          </p:cNvPicPr>
-          <p:nvPr/>
-        </p:nvPicPr>
-        <p:blipFill rotWithShape="1">
-          <a:blip r:embed="rId2"/>
-          <a:srcRect l="9844" r="5521" b="-5"/>
-          <a:stretch/>
-        </p:blipFill>
+          <p:cNvSpPr>
+            <a:spLocks noGrp="1"/>
+          </p:cNvSpPr>
+          <p:nvPr>
+            <p:ph type="title"/>
+          </p:nvPr>
+        </p:nvSpPr>
         <p:spPr>
           <a:xfrm>
-            <a:off x="5985393" y="2732749"/>
-            <a:ext cx="6206607" cy="4125251"/>
+            <a:off x="810000" y="447188"/>
+            <a:ext cx="10571998" cy="970450"/>
           </a:xfrm>
-          <a:prstGeom prst="rect">
-            <a:avLst/>
-          </a:prstGeom>
+          <a:effectLst/>
         </p:spPr>
-      </p:pic>
-      <p:sp useBgFill="1">
-        <p:nvSpPr>
-          <p:cNvPr id="27" name="Freeform 9">
+        <p:txBody>
+          <a:bodyPr anchor="ctr">
+            <a:normAutofit/>
+          </a:bodyPr>
+          <a:lstStyle/>
+          <a:p>
+            <a:pPr algn="ctr"/>
+            <a:r>
+              <a:rPr lang="de-DE" sz="3200" dirty="0">
+                <a:solidFill>
+                  <a:schemeClr val="tx1"/>
+                </a:solidFill>
+              </a:rPr>
+              <a:t>Grundkonzept</a:t>
+            </a:r>
+          </a:p>
+        </p:txBody>
+      </p:sp>
+      <p:sp>
+        <p:nvSpPr>
+          <p:cNvPr id="5" name="Content Placeholder 4">
             <a:extLst>
               <a:ext uri="{FF2B5EF4-FFF2-40B4-BE49-F238E27FC236}">
-                <a16:creationId xmlns:a16="http://schemas.microsoft.com/office/drawing/2014/main" id="{B48BE8E5-C0F4-4C06-9B14-3DD8C03838B3}"/>
+                <a16:creationId xmlns:a16="http://schemas.microsoft.com/office/drawing/2014/main" id="{0E058CC5-B280-4527-9570-2A6BDFAA4988}"/>
+              </a:ext>
+            </a:extLst>
+          </p:cNvPr>
+          <p:cNvSpPr>
+            <a:spLocks noGrp="1"/>
+          </p:cNvSpPr>
+          <p:nvPr>
+            <p:ph idx="1"/>
+          </p:nvPr>
+        </p:nvSpPr>
+        <p:spPr>
+          <a:xfrm>
+            <a:off x="818712" y="1610745"/>
+            <a:ext cx="10554574" cy="3636511"/>
+          </a:xfrm>
+          <a:effectLst/>
+        </p:spPr>
+        <p:txBody>
+          <a:bodyPr anchor="ctr">
+            <a:normAutofit/>
+          </a:bodyPr>
+          <a:lstStyle/>
+          <a:p>
+            <a:endParaRPr lang="de-DE"/>
+          </a:p>
+        </p:txBody>
+      </p:sp>
+      <p:sp>
+        <p:nvSpPr>
+          <p:cNvPr id="12" name="Freeform: Shape 11">
+            <a:extLst>
+              <a:ext uri="{FF2B5EF4-FFF2-40B4-BE49-F238E27FC236}">
+                <a16:creationId xmlns:a16="http://schemas.microsoft.com/office/drawing/2014/main" id="{41CA5367-149E-428C-B4D8-C1ECC9EAF739}"/>
               </a:ext>
               <a:ext uri="{C183D7F6-B498-43B3-948B-1728B52AA6E4}">
                 <adec:decorative xmlns:adec="http://schemas.microsoft.com/office/drawing/2017/decorative" val="1"/>
@@ -8070,44 +8841,52 @@
             </p:extLst>
           </p:nvPr>
         </p:nvSpPr>
-        <p:spPr bwMode="white">
-          <a:xfrm>
-            <a:off x="0" y="0"/>
-            <a:ext cx="6485467" cy="6858000"/>
+        <p:spPr bwMode="auto">
+          <a:xfrm rot="10800000">
+            <a:off x="0" y="5388384"/>
+            <a:ext cx="12192000" cy="1469616"/>
           </a:xfrm>
           <a:custGeom>
             <a:avLst/>
             <a:gdLst>
-              <a:gd name="connsiteX0" fmla="*/ 0 w 6485467"/>
-              <a:gd name="connsiteY0" fmla="*/ 0 h 6858000"/>
-              <a:gd name="connsiteX1" fmla="*/ 6485467 w 6485467"/>
-              <a:gd name="connsiteY1" fmla="*/ 0 h 6858000"/>
-              <a:gd name="connsiteX2" fmla="*/ 6485467 w 6485467"/>
-              <a:gd name="connsiteY2" fmla="*/ 1900238 h 6858000"/>
-              <a:gd name="connsiteX3" fmla="*/ 6115051 w 6485467"/>
-              <a:gd name="connsiteY3" fmla="*/ 2178050 h 6858000"/>
-              <a:gd name="connsiteX4" fmla="*/ 6110817 w 6485467"/>
-              <a:gd name="connsiteY4" fmla="*/ 2184400 h 6858000"/>
-              <a:gd name="connsiteX5" fmla="*/ 6104467 w 6485467"/>
-              <a:gd name="connsiteY5" fmla="*/ 2193925 h 6858000"/>
-              <a:gd name="connsiteX6" fmla="*/ 6098117 w 6485467"/>
-              <a:gd name="connsiteY6" fmla="*/ 2201863 h 6858000"/>
-              <a:gd name="connsiteX7" fmla="*/ 6098117 w 6485467"/>
-              <a:gd name="connsiteY7" fmla="*/ 2211388 h 6858000"/>
-              <a:gd name="connsiteX8" fmla="*/ 6098117 w 6485467"/>
-              <a:gd name="connsiteY8" fmla="*/ 2220913 h 6858000"/>
-              <a:gd name="connsiteX9" fmla="*/ 6104467 w 6485467"/>
-              <a:gd name="connsiteY9" fmla="*/ 2228850 h 6858000"/>
-              <a:gd name="connsiteX10" fmla="*/ 6110817 w 6485467"/>
-              <a:gd name="connsiteY10" fmla="*/ 2238375 h 6858000"/>
-              <a:gd name="connsiteX11" fmla="*/ 6115051 w 6485467"/>
-              <a:gd name="connsiteY11" fmla="*/ 2244725 h 6858000"/>
-              <a:gd name="connsiteX12" fmla="*/ 6485467 w 6485467"/>
-              <a:gd name="connsiteY12" fmla="*/ 2522538 h 6858000"/>
-              <a:gd name="connsiteX13" fmla="*/ 6485467 w 6485467"/>
-              <a:gd name="connsiteY13" fmla="*/ 6858000 h 6858000"/>
-              <a:gd name="connsiteX14" fmla="*/ 0 w 6485467"/>
-              <a:gd name="connsiteY14" fmla="*/ 6858000 h 6858000"/>
+              <a:gd name="connsiteX0" fmla="*/ 6113881 w 12192000"/>
+              <a:gd name="connsiteY0" fmla="*/ 1469616 h 1469616"/>
+              <a:gd name="connsiteX1" fmla="*/ 6101181 w 12192000"/>
+              <a:gd name="connsiteY1" fmla="*/ 1469616 h 1469616"/>
+              <a:gd name="connsiteX2" fmla="*/ 6090598 w 12192000"/>
+              <a:gd name="connsiteY2" fmla="*/ 1469616 h 1469616"/>
+              <a:gd name="connsiteX3" fmla="*/ 6077897 w 12192000"/>
+              <a:gd name="connsiteY3" fmla="*/ 1464854 h 1469616"/>
+              <a:gd name="connsiteX4" fmla="*/ 6065198 w 12192000"/>
+              <a:gd name="connsiteY4" fmla="*/ 1460091 h 1469616"/>
+              <a:gd name="connsiteX5" fmla="*/ 6056731 w 12192000"/>
+              <a:gd name="connsiteY5" fmla="*/ 1456916 h 1469616"/>
+              <a:gd name="connsiteX6" fmla="*/ 5678033 w 12192000"/>
+              <a:gd name="connsiteY6" fmla="*/ 1172892 h 1469616"/>
+              <a:gd name="connsiteX7" fmla="*/ 0 w 12192000"/>
+              <a:gd name="connsiteY7" fmla="*/ 1172892 h 1469616"/>
+              <a:gd name="connsiteX8" fmla="*/ 0 w 12192000"/>
+              <a:gd name="connsiteY8" fmla="*/ 1162370 h 1469616"/>
+              <a:gd name="connsiteX9" fmla="*/ 0 w 12192000"/>
+              <a:gd name="connsiteY9" fmla="*/ 403347 h 1469616"/>
+              <a:gd name="connsiteX10" fmla="*/ 0 w 12192000"/>
+              <a:gd name="connsiteY10" fmla="*/ 0 h 1469616"/>
+              <a:gd name="connsiteX11" fmla="*/ 12192000 w 12192000"/>
+              <a:gd name="connsiteY11" fmla="*/ 0 h 1469616"/>
+              <a:gd name="connsiteX12" fmla="*/ 12192000 w 12192000"/>
+              <a:gd name="connsiteY12" fmla="*/ 403347 h 1469616"/>
+              <a:gd name="connsiteX13" fmla="*/ 12192000 w 12192000"/>
+              <a:gd name="connsiteY13" fmla="*/ 1162370 h 1469616"/>
+              <a:gd name="connsiteX14" fmla="*/ 12192000 w 12192000"/>
+              <a:gd name="connsiteY14" fmla="*/ 1172892 h 1469616"/>
+              <a:gd name="connsiteX15" fmla="*/ 6524330 w 12192000"/>
+              <a:gd name="connsiteY15" fmla="*/ 1172892 h 1469616"/>
+              <a:gd name="connsiteX16" fmla="*/ 6145631 w 12192000"/>
+              <a:gd name="connsiteY16" fmla="*/ 1456916 h 1469616"/>
+              <a:gd name="connsiteX17" fmla="*/ 6137163 w 12192000"/>
+              <a:gd name="connsiteY17" fmla="*/ 1460091 h 1469616"/>
+              <a:gd name="connsiteX18" fmla="*/ 6124463 w 12192000"/>
+              <a:gd name="connsiteY18" fmla="*/ 1464854 h 1469616"/>
             </a:gdLst>
             <a:ahLst/>
             <a:cxnLst>
@@ -8156,54 +8935,78 @@
               <a:cxn ang="0">
                 <a:pos x="connsiteX14" y="connsiteY14"/>
               </a:cxn>
+              <a:cxn ang="0">
+                <a:pos x="connsiteX15" y="connsiteY15"/>
+              </a:cxn>
+              <a:cxn ang="0">
+                <a:pos x="connsiteX16" y="connsiteY16"/>
+              </a:cxn>
+              <a:cxn ang="0">
+                <a:pos x="connsiteX17" y="connsiteY17"/>
+              </a:cxn>
+              <a:cxn ang="0">
+                <a:pos x="connsiteX18" y="connsiteY18"/>
+              </a:cxn>
             </a:cxnLst>
             <a:rect l="l" t="t" r="r" b="b"/>
             <a:pathLst>
-              <a:path w="6485467" h="6858000">
+              <a:path w="12192000" h="1469616">
                 <a:moveTo>
+                  <a:pt x="6113881" y="1469616"/>
+                </a:moveTo>
+                <a:lnTo>
+                  <a:pt x="6101181" y="1469616"/>
+                </a:lnTo>
+                <a:lnTo>
+                  <a:pt x="6090598" y="1469616"/>
+                </a:lnTo>
+                <a:lnTo>
+                  <a:pt x="6077897" y="1464854"/>
+                </a:lnTo>
+                <a:lnTo>
+                  <a:pt x="6065198" y="1460091"/>
+                </a:lnTo>
+                <a:lnTo>
+                  <a:pt x="6056731" y="1456916"/>
+                </a:lnTo>
+                <a:lnTo>
+                  <a:pt x="5678033" y="1172892"/>
+                </a:lnTo>
+                <a:lnTo>
+                  <a:pt x="0" y="1172892"/>
+                </a:lnTo>
+                <a:lnTo>
+                  <a:pt x="0" y="1162370"/>
+                </a:lnTo>
+                <a:lnTo>
+                  <a:pt x="0" y="403347"/>
+                </a:lnTo>
+                <a:lnTo>
                   <a:pt x="0" y="0"/>
-                </a:moveTo>
-                <a:lnTo>
-                  <a:pt x="6485467" y="0"/>
-                </a:lnTo>
-                <a:lnTo>
-                  <a:pt x="6485467" y="1900238"/>
-                </a:lnTo>
-                <a:lnTo>
-                  <a:pt x="6115051" y="2178050"/>
-                </a:lnTo>
-                <a:lnTo>
-                  <a:pt x="6110817" y="2184400"/>
-                </a:lnTo>
-                <a:lnTo>
-                  <a:pt x="6104467" y="2193925"/>
-                </a:lnTo>
-                <a:lnTo>
-                  <a:pt x="6098117" y="2201863"/>
-                </a:lnTo>
-                <a:lnTo>
-                  <a:pt x="6098117" y="2211388"/>
-                </a:lnTo>
-                <a:lnTo>
-                  <a:pt x="6098117" y="2220913"/>
-                </a:lnTo>
-                <a:lnTo>
-                  <a:pt x="6104467" y="2228850"/>
-                </a:lnTo>
-                <a:lnTo>
-                  <a:pt x="6110817" y="2238375"/>
-                </a:lnTo>
-                <a:lnTo>
-                  <a:pt x="6115051" y="2244725"/>
-                </a:lnTo>
-                <a:lnTo>
-                  <a:pt x="6485467" y="2522538"/>
-                </a:lnTo>
-                <a:lnTo>
-                  <a:pt x="6485467" y="6858000"/>
-                </a:lnTo>
-                <a:lnTo>
-                  <a:pt x="0" y="6858000"/>
+                </a:lnTo>
+                <a:lnTo>
+                  <a:pt x="12192000" y="0"/>
+                </a:lnTo>
+                <a:lnTo>
+                  <a:pt x="12192000" y="403347"/>
+                </a:lnTo>
+                <a:lnTo>
+                  <a:pt x="12192000" y="1162370"/>
+                </a:lnTo>
+                <a:lnTo>
+                  <a:pt x="12192000" y="1172892"/>
+                </a:lnTo>
+                <a:lnTo>
+                  <a:pt x="6524330" y="1172892"/>
+                </a:lnTo>
+                <a:lnTo>
+                  <a:pt x="6145631" y="1456916"/>
+                </a:lnTo>
+                <a:lnTo>
+                  <a:pt x="6137163" y="1460091"/>
+                </a:lnTo>
+                <a:lnTo>
+                  <a:pt x="6124463" y="1464854"/>
                 </a:lnTo>
                 <a:close/>
               </a:path>
@@ -8213,292 +9016,38 @@
             <a:noFill/>
           </a:ln>
           <a:effectLst/>
+          <a:extLst>
+            <a:ext uri="{91240B29-F687-4f45-9708-019B960494DF}">
+              <a14:hiddenLine xmlns="" xmlns:a14="http://schemas.microsoft.com/office/drawing/2010/main" xmlns:p14="http://schemas.microsoft.com/office/powerpoint/2010/main" xmlns:a16="http://schemas.microsoft.com/office/drawing/2014/main" w="9525">
+                <a:solidFill>
+                  <a:srgbClr val="000000"/>
+                </a:solidFill>
+                <a:round/>
+                <a:headEnd/>
+                <a:tailEnd/>
+              </a14:hiddenLine>
+            </a:ext>
+          </a:extLst>
         </p:spPr>
         <p:style>
-          <a:lnRef idx="2">
-            <a:schemeClr val="accent1">
-              <a:shade val="50000"/>
-            </a:schemeClr>
+          <a:lnRef idx="1">
+            <a:schemeClr val="accent1"/>
           </a:lnRef>
-          <a:fillRef idx="1">
+          <a:fillRef idx="3">
             <a:schemeClr val="accent1"/>
           </a:fillRef>
-          <a:effectRef idx="0">
+          <a:effectRef idx="2">
             <a:schemeClr val="accent1"/>
           </a:effectRef>
           <a:fontRef idx="minor">
             <a:schemeClr val="lt1"/>
           </a:fontRef>
         </p:style>
-        <p:txBody>
-          <a:bodyPr rtlCol="0" anchor="ctr"/>
-          <a:lstStyle/>
-          <a:p>
-            <a:pPr algn="ctr"/>
-            <a:endParaRPr lang="en-US"/>
-          </a:p>
-        </p:txBody>
-      </p:sp>
-      <p:sp>
-        <p:nvSpPr>
-          <p:cNvPr id="2" name="Titel 1">
-            <a:extLst>
-              <a:ext uri="{FF2B5EF4-FFF2-40B4-BE49-F238E27FC236}">
-                <a16:creationId xmlns:a16="http://schemas.microsoft.com/office/drawing/2014/main" id="{272281D7-924D-4007-A050-E329229052EB}"/>
-              </a:ext>
-            </a:extLst>
-          </p:cNvPr>
-          <p:cNvSpPr>
-            <a:spLocks noGrp="1"/>
-          </p:cNvSpPr>
-          <p:nvPr>
-            <p:ph type="title"/>
-          </p:nvPr>
-        </p:nvSpPr>
-        <p:spPr>
-          <a:xfrm>
-            <a:off x="778933" y="409088"/>
-            <a:ext cx="4930400" cy="1559412"/>
-          </a:xfrm>
-          <a:effectLst/>
-        </p:spPr>
-        <p:txBody>
-          <a:bodyPr>
-            <a:normAutofit/>
-          </a:bodyPr>
-          <a:lstStyle/>
-          <a:p>
-            <a:r>
-              <a:rPr lang="de-DE" dirty="0">
-                <a:solidFill>
-                  <a:schemeClr val="tx1"/>
-                </a:solidFill>
-              </a:rPr>
-              <a:t>Hintergrund</a:t>
-            </a:r>
-          </a:p>
-        </p:txBody>
-      </p:sp>
-      <p:sp>
-        <p:nvSpPr>
-          <p:cNvPr id="3" name="Inhaltsplatzhalter 2">
-            <a:extLst>
-              <a:ext uri="{FF2B5EF4-FFF2-40B4-BE49-F238E27FC236}">
-                <a16:creationId xmlns:a16="http://schemas.microsoft.com/office/drawing/2014/main" id="{9B6E5D47-2396-40D8-96AF-216BA28B96DE}"/>
-              </a:ext>
-            </a:extLst>
-          </p:cNvPr>
-          <p:cNvSpPr>
-            <a:spLocks noGrp="1"/>
-          </p:cNvSpPr>
-          <p:nvPr>
-            <p:ph idx="1"/>
-          </p:nvPr>
-        </p:nvSpPr>
-        <p:spPr>
-          <a:xfrm>
-            <a:off x="609600" y="2413000"/>
-            <a:ext cx="5486400" cy="4035912"/>
-          </a:xfrm>
-          <a:effectLst/>
-        </p:spPr>
-        <p:txBody>
-          <a:bodyPr>
-            <a:normAutofit/>
-          </a:bodyPr>
-          <a:lstStyle/>
-          <a:p>
-            <a:r>
-              <a:rPr lang="de-DE" sz="2000" dirty="0"/>
-              <a:t>Inspiriert durch die Perspektiven von </a:t>
-            </a:r>
-            <a:r>
-              <a:rPr lang="de-DE" sz="2000" dirty="0" err="1">
-                <a:solidFill>
-                  <a:schemeClr val="accent1">
-                    <a:lumMod val="60000"/>
-                    <a:lumOff val="40000"/>
-                  </a:schemeClr>
-                </a:solidFill>
-              </a:rPr>
-              <a:t>Don‘t</a:t>
-            </a:r>
-            <a:r>
-              <a:rPr lang="de-DE" sz="2000" dirty="0">
-                <a:solidFill>
-                  <a:schemeClr val="accent1">
-                    <a:lumMod val="60000"/>
-                    <a:lumOff val="40000"/>
-                  </a:schemeClr>
-                </a:solidFill>
-              </a:rPr>
-              <a:t> </a:t>
-            </a:r>
-            <a:r>
-              <a:rPr lang="de-DE" sz="2000" dirty="0" err="1">
-                <a:solidFill>
-                  <a:schemeClr val="accent1">
-                    <a:lumMod val="60000"/>
-                    <a:lumOff val="40000"/>
-                  </a:schemeClr>
-                </a:solidFill>
-              </a:rPr>
-              <a:t>Starve</a:t>
-            </a:r>
-            <a:r>
-              <a:rPr lang="de-DE" sz="2000" dirty="0">
-                <a:solidFill>
-                  <a:schemeClr val="accent1">
-                    <a:lumMod val="60000"/>
-                    <a:lumOff val="40000"/>
-                  </a:schemeClr>
-                </a:solidFill>
-              </a:rPr>
-              <a:t> </a:t>
-            </a:r>
-            <a:r>
-              <a:rPr lang="de-DE" sz="2000" dirty="0"/>
-              <a:t>und </a:t>
-            </a:r>
-            <a:r>
-              <a:rPr lang="de-DE" sz="2000" dirty="0" err="1">
-                <a:solidFill>
-                  <a:schemeClr val="accent1">
-                    <a:lumMod val="60000"/>
-                    <a:lumOff val="40000"/>
-                  </a:schemeClr>
-                </a:solidFill>
-              </a:rPr>
-              <a:t>Stardew</a:t>
-            </a:r>
-            <a:r>
-              <a:rPr lang="de-DE" sz="2000" dirty="0">
-                <a:solidFill>
-                  <a:schemeClr val="accent1">
-                    <a:lumMod val="60000"/>
-                    <a:lumOff val="40000"/>
-                  </a:schemeClr>
-                </a:solidFill>
-              </a:rPr>
-              <a:t> Valley</a:t>
-            </a:r>
-          </a:p>
-          <a:p>
-            <a:r>
-              <a:rPr lang="de-DE" sz="2000" dirty="0"/>
-              <a:t>Kernmechanik: </a:t>
-            </a:r>
-            <a:r>
-              <a:rPr lang="de-DE" sz="2000" b="1" dirty="0"/>
-              <a:t>Zeitreise</a:t>
-            </a:r>
-            <a:r>
-              <a:rPr lang="de-DE" sz="2000" dirty="0"/>
-              <a:t> → Inspiriert durch „Time </a:t>
-            </a:r>
-            <a:r>
-              <a:rPr lang="de-DE" sz="2000" dirty="0" err="1"/>
-              <a:t>gauntlet</a:t>
-            </a:r>
-            <a:r>
-              <a:rPr lang="de-DE" sz="2000" dirty="0"/>
-              <a:t>“ aus </a:t>
-            </a:r>
-            <a:r>
-              <a:rPr lang="de-DE" sz="2000" dirty="0">
-                <a:solidFill>
-                  <a:schemeClr val="accent1">
-                    <a:lumMod val="60000"/>
-                    <a:lumOff val="40000"/>
-                  </a:schemeClr>
-                </a:solidFill>
-              </a:rPr>
-              <a:t>Titanfall 2</a:t>
-            </a:r>
-          </a:p>
-          <a:p>
-            <a:r>
-              <a:rPr lang="de-DE" sz="2000" dirty="0"/>
-              <a:t>Gegensatz zu </a:t>
-            </a:r>
-            <a:r>
-              <a:rPr lang="de-DE" sz="2000" dirty="0">
-                <a:solidFill>
-                  <a:schemeClr val="accent1">
-                    <a:lumMod val="60000"/>
-                    <a:lumOff val="40000"/>
-                  </a:schemeClr>
-                </a:solidFill>
-              </a:rPr>
-              <a:t>Titanfall 2</a:t>
-            </a:r>
-            <a:r>
-              <a:rPr lang="de-DE" sz="2000" dirty="0"/>
-              <a:t>:</a:t>
-            </a:r>
-          </a:p>
-          <a:p>
-            <a:pPr lvl="1"/>
-            <a:r>
-              <a:rPr lang="de-DE" sz="1800" dirty="0"/>
-              <a:t>Lösung von </a:t>
-            </a:r>
-            <a:r>
-              <a:rPr lang="de-DE" sz="1800" b="1" dirty="0"/>
-              <a:t>Rätseln</a:t>
-            </a:r>
-            <a:r>
-              <a:rPr lang="de-DE" sz="1800" dirty="0"/>
-              <a:t> statt Parkour</a:t>
-            </a:r>
-          </a:p>
-          <a:p>
-            <a:pPr lvl="1"/>
-            <a:r>
-              <a:rPr lang="de-DE" sz="1800" dirty="0"/>
-              <a:t>Limitierter Einsatz der Fähigkeit durch </a:t>
-            </a:r>
-            <a:r>
-              <a:rPr lang="de-DE" sz="1800" b="1" dirty="0" err="1"/>
-              <a:t>Cooldown</a:t>
-            </a:r>
-            <a:endParaRPr lang="de-DE" sz="1800" b="1" dirty="0"/>
-          </a:p>
-        </p:txBody>
-      </p:sp>
-      <p:pic>
-        <p:nvPicPr>
-          <p:cNvPr id="9" name="Grafik 8">
-            <a:extLst>
-              <a:ext uri="{FF2B5EF4-FFF2-40B4-BE49-F238E27FC236}">
-                <a16:creationId xmlns:a16="http://schemas.microsoft.com/office/drawing/2014/main" id="{EB8FBED4-5D71-40E7-A16A-7D26B05BA797}"/>
-              </a:ext>
-            </a:extLst>
-          </p:cNvPr>
-          <p:cNvPicPr>
-            <a:picLocks noChangeAspect="1"/>
-          </p:cNvPicPr>
-          <p:nvPr/>
-        </p:nvPicPr>
-        <p:blipFill rotWithShape="1">
-          <a:blip r:embed="rId3"/>
-          <a:srcRect l="590" t="2704" r="-2" b="14895"/>
-          <a:stretch/>
-        </p:blipFill>
-        <p:spPr>
-          <a:xfrm>
-            <a:off x="6485466" y="0"/>
-            <a:ext cx="5706533" cy="2732748"/>
-          </a:xfrm>
-          <a:prstGeom prst="rect">
-            <a:avLst/>
-          </a:prstGeom>
-        </p:spPr>
-      </p:pic>
+      </p:sp>
     </p:spTree>
     <p:extLst>
       <p:ext uri="{BB962C8B-B14F-4D97-AF65-F5344CB8AC3E}">
-        <p14:creationId xmlns:p14="http://schemas.microsoft.com/office/powerpoint/2010/main" val="880463644"/>
+        <p14:creationId xmlns:p14="http://schemas.microsoft.com/office/powerpoint/2010/main" val="1000973869"/>
       </p:ext>
     </p:extLst>
   </p:cSld>
@@ -8533,7 +9082,7 @@
           <p:cNvPr id="2" name="Titel 1">
             <a:extLst>
               <a:ext uri="{FF2B5EF4-FFF2-40B4-BE49-F238E27FC236}">
-                <a16:creationId xmlns:a16="http://schemas.microsoft.com/office/drawing/2014/main" id="{FD9ADE95-3574-4F6E-B2B8-43D6AC301045}"/>
+                <a16:creationId xmlns:a16="http://schemas.microsoft.com/office/drawing/2014/main" id="{E283AD4D-71E7-433E-8261-0EE37DFA7789}"/>
               </a:ext>
             </a:extLst>
           </p:cNvPr>
@@ -8541,27 +9090,33 @@
             <a:spLocks noGrp="1"/>
           </p:cNvSpPr>
           <p:nvPr>
-            <p:ph type="ctrTitle"/>
-          </p:nvPr>
-        </p:nvSpPr>
-        <p:spPr/>
+            <p:ph type="title"/>
+          </p:nvPr>
+        </p:nvSpPr>
+        <p:spPr>
+          <a:xfrm>
+            <a:off x="810000" y="2951396"/>
+            <a:ext cx="10561418" cy="1468800"/>
+          </a:xfrm>
+        </p:spPr>
         <p:txBody>
           <a:bodyPr/>
           <a:lstStyle/>
           <a:p>
             <a:r>
-              <a:rPr lang="de-DE" dirty="0"/>
-              <a:t>Formale Elemente</a:t>
-            </a:r>
-          </a:p>
-        </p:txBody>
-      </p:sp>
-      <p:sp>
-        <p:nvSpPr>
-          <p:cNvPr id="3" name="Untertitel 2">
+              <a:rPr lang="de-DE"/>
+              <a:t>Hintergrund</a:t>
+            </a:r>
+            <a:endParaRPr lang="de-DE" dirty="0"/>
+          </a:p>
+        </p:txBody>
+      </p:sp>
+      <p:sp>
+        <p:nvSpPr>
+          <p:cNvPr id="4" name="Text Placeholder 3">
             <a:extLst>
               <a:ext uri="{FF2B5EF4-FFF2-40B4-BE49-F238E27FC236}">
-                <a16:creationId xmlns:a16="http://schemas.microsoft.com/office/drawing/2014/main" id="{563E058B-ACA6-4389-9B8E-1C06FDE64D00}"/>
+                <a16:creationId xmlns:a16="http://schemas.microsoft.com/office/drawing/2014/main" id="{427931AC-6E49-4BE6-81BE-E2D1D62ADE65}"/>
               </a:ext>
             </a:extLst>
           </p:cNvPr>
@@ -8569,68 +9124,50 @@
             <a:spLocks noGrp="1"/>
           </p:cNvSpPr>
           <p:nvPr>
-            <p:ph type="subTitle" idx="1"/>
+            <p:ph type="body" idx="1"/>
           </p:nvPr>
         </p:nvSpPr>
         <p:spPr>
           <a:xfrm>
-            <a:off x="810001" y="5280846"/>
-            <a:ext cx="10572000" cy="815153"/>
+            <a:off x="810000" y="5281201"/>
+            <a:ext cx="10561418" cy="433955"/>
           </a:xfrm>
         </p:spPr>
         <p:txBody>
-          <a:bodyPr>
-            <a:normAutofit/>
-          </a:bodyPr>
+          <a:bodyPr/>
           <a:lstStyle/>
           <a:p>
-            <a:r>
-              <a:rPr lang="de-DE" sz="2000" dirty="0"/>
-              <a:t>nach: Tracy Fullerton, Christopher Swain &amp; Steven Hoffman: Game Design Workshop: </a:t>
-            </a:r>
-            <a:r>
-              <a:rPr lang="de-DE" sz="2000" dirty="0" err="1"/>
-              <a:t>Designing</a:t>
-            </a:r>
-            <a:r>
-              <a:rPr lang="de-DE" sz="2000" dirty="0"/>
-              <a:t>, </a:t>
-            </a:r>
-            <a:r>
-              <a:rPr lang="de-DE" sz="2000" dirty="0" err="1"/>
-              <a:t>Prototyping</a:t>
-            </a:r>
-            <a:r>
-              <a:rPr lang="de-DE" sz="2000" dirty="0"/>
-              <a:t>, and </a:t>
-            </a:r>
-            <a:r>
-              <a:rPr lang="de-DE" sz="2000" dirty="0" err="1"/>
-              <a:t>Playtesting</a:t>
-            </a:r>
-            <a:r>
-              <a:rPr lang="de-DE" sz="2000" dirty="0"/>
-              <a:t> Games, 2004</a:t>
-            </a:r>
+            <a:endParaRPr lang="de-DE"/>
           </a:p>
         </p:txBody>
       </p:sp>
     </p:spTree>
     <p:extLst>
       <p:ext uri="{BB962C8B-B14F-4D97-AF65-F5344CB8AC3E}">
-        <p14:creationId xmlns:p14="http://schemas.microsoft.com/office/powerpoint/2010/main" val="419410755"/>
+        <p14:creationId xmlns:p14="http://schemas.microsoft.com/office/powerpoint/2010/main" val="4010767833"/>
       </p:ext>
     </p:extLst>
   </p:cSld>
   <p:clrMapOvr>
     <a:masterClrMapping/>
   </p:clrMapOvr>
+  <p:transition spd="slow">
+    <p:push dir="u"/>
+  </p:transition>
 </p:sld>
 </file>
 
 <file path=ppt/slides/slide7.xml><?xml version="1.0" encoding="utf-8"?>
 <p:sld xmlns:a="http://schemas.openxmlformats.org/drawingml/2006/main" xmlns:r="http://schemas.openxmlformats.org/officeDocument/2006/relationships" xmlns:p="http://schemas.openxmlformats.org/presentationml/2006/main">
   <p:cSld>
+    <p:bg>
+      <p:bgPr>
+        <a:solidFill>
+          <a:schemeClr val="bg2"/>
+        </a:solidFill>
+        <a:effectLst/>
+      </p:bgPr>
+    </p:bg>
     <p:spTree>
       <p:nvGrpSpPr>
         <p:cNvPr id="1" name=""/>
@@ -8645,547 +9182,518 @@
           <a:chExt cx="0" cy="0"/>
         </a:xfrm>
       </p:grpSpPr>
-      <p:sp>
-        <p:nvSpPr>
-          <p:cNvPr id="2" name="Title 1">
+      <p:sp useBgFill="1">
+        <p:nvSpPr>
+          <p:cNvPr id="8" name="Rectangle 7">
             <a:extLst>
               <a:ext uri="{FF2B5EF4-FFF2-40B4-BE49-F238E27FC236}">
-                <a16:creationId xmlns:a16="http://schemas.microsoft.com/office/drawing/2014/main" id="{A563ED78-99F3-4906-A9D6-FE286538616F}"/>
+                <a16:creationId xmlns:a16="http://schemas.microsoft.com/office/drawing/2014/main" id="{874F1482-69C3-47D5-95FE-67C0FA2DF8B0}"/>
+              </a:ext>
+              <a:ext uri="{C183D7F6-B498-43B3-948B-1728B52AA6E4}">
+                <adec:decorative xmlns:adec="http://schemas.microsoft.com/office/drawing/2017/decorative" val="1"/>
               </a:ext>
             </a:extLst>
           </p:cNvPr>
           <p:cNvSpPr>
+            <a:spLocks noGrp="1" noRot="1" noChangeAspect="1" noMove="1" noResize="1" noEditPoints="1" noAdjustHandles="1" noChangeArrowheads="1" noChangeShapeType="1" noTextEdit="1"/>
+          </p:cNvSpPr>
+          <p:nvPr>
+            <p:extLst>
+              <p:ext uri="{386F3935-93C4-4BCD-93E2-E3B085C9AB24}">
+                <p16:designElem xmlns:p16="http://schemas.microsoft.com/office/powerpoint/2015/main" val="1"/>
+              </p:ext>
+            </p:extLst>
+          </p:nvPr>
+        </p:nvSpPr>
+        <p:spPr>
+          <a:xfrm>
+            <a:off x="0" y="0"/>
+            <a:ext cx="12192000" cy="6858000"/>
+          </a:xfrm>
+          <a:prstGeom prst="rect">
+            <a:avLst/>
+          </a:prstGeom>
+          <a:ln>
+            <a:noFill/>
+          </a:ln>
+        </p:spPr>
+        <p:style>
+          <a:lnRef idx="2">
+            <a:schemeClr val="accent1">
+              <a:shade val="50000"/>
+            </a:schemeClr>
+          </a:lnRef>
+          <a:fillRef idx="1">
+            <a:schemeClr val="accent1"/>
+          </a:fillRef>
+          <a:effectRef idx="0">
+            <a:schemeClr val="accent1"/>
+          </a:effectRef>
+          <a:fontRef idx="minor">
+            <a:schemeClr val="lt1"/>
+          </a:fontRef>
+        </p:style>
+        <p:txBody>
+          <a:bodyPr rtlCol="0" anchor="ctr"/>
+          <a:lstStyle/>
+          <a:p>
+            <a:pPr algn="ctr"/>
+            <a:endParaRPr lang="en-US"/>
+          </a:p>
+        </p:txBody>
+      </p:sp>
+      <p:sp>
+        <p:nvSpPr>
+          <p:cNvPr id="3" name="Inhaltsplatzhalter 2">
+            <a:extLst>
+              <a:ext uri="{FF2B5EF4-FFF2-40B4-BE49-F238E27FC236}">
+                <a16:creationId xmlns:a16="http://schemas.microsoft.com/office/drawing/2014/main" id="{9B6E5D47-2396-40D8-96AF-216BA28B96DE}"/>
+              </a:ext>
+            </a:extLst>
+          </p:cNvPr>
+          <p:cNvSpPr>
+            <a:spLocks noGrp="1"/>
+          </p:cNvSpPr>
+          <p:nvPr>
+            <p:ph idx="1"/>
+          </p:nvPr>
+        </p:nvSpPr>
+        <p:spPr>
+          <a:xfrm>
+            <a:off x="818712" y="1417639"/>
+            <a:ext cx="5277288" cy="3829618"/>
+          </a:xfrm>
+          <a:effectLst/>
+        </p:spPr>
+        <p:txBody>
+          <a:bodyPr anchor="ctr">
+            <a:normAutofit/>
+          </a:bodyPr>
+          <a:lstStyle/>
+          <a:p>
+            <a:r>
+              <a:rPr lang="de-DE" dirty="0"/>
+              <a:t>Inspiriert durch die Perspektiven von </a:t>
+            </a:r>
+            <a:r>
+              <a:rPr lang="de-DE" dirty="0" err="1"/>
+              <a:t>Don‘t</a:t>
+            </a:r>
+            <a:r>
+              <a:rPr lang="de-DE" dirty="0"/>
+              <a:t> </a:t>
+            </a:r>
+            <a:r>
+              <a:rPr lang="de-DE" dirty="0" err="1"/>
+              <a:t>Starve</a:t>
+            </a:r>
+            <a:r>
+              <a:rPr lang="de-DE" dirty="0"/>
+              <a:t> und </a:t>
+            </a:r>
+            <a:r>
+              <a:rPr lang="de-DE" dirty="0" err="1"/>
+              <a:t>Stardew</a:t>
+            </a:r>
+            <a:r>
+              <a:rPr lang="de-DE" dirty="0"/>
+              <a:t> Valley</a:t>
+            </a:r>
+          </a:p>
+          <a:p>
+            <a:r>
+              <a:rPr lang="de-DE" dirty="0"/>
+              <a:t>Kernmechanik: </a:t>
+            </a:r>
+            <a:r>
+              <a:rPr lang="de-DE" b="1" dirty="0"/>
+              <a:t>Zeitreise</a:t>
+            </a:r>
+            <a:r>
+              <a:rPr lang="de-DE" dirty="0"/>
+              <a:t> → Inspiriert durch „Time </a:t>
+            </a:r>
+            <a:r>
+              <a:rPr lang="de-DE" dirty="0" err="1"/>
+              <a:t>gauntlet</a:t>
+            </a:r>
+            <a:r>
+              <a:rPr lang="de-DE" dirty="0"/>
+              <a:t>“ aus Titanfall 2</a:t>
+            </a:r>
+          </a:p>
+          <a:p>
+            <a:r>
+              <a:rPr lang="de-DE" dirty="0"/>
+              <a:t>Gegensatz zu Titanfall 2:</a:t>
+            </a:r>
+          </a:p>
+          <a:p>
+            <a:pPr lvl="1"/>
+            <a:r>
+              <a:rPr lang="de-DE" dirty="0"/>
+              <a:t>Lösung von </a:t>
+            </a:r>
+            <a:r>
+              <a:rPr lang="de-DE" b="1" dirty="0"/>
+              <a:t>Rätseln</a:t>
+            </a:r>
+            <a:r>
+              <a:rPr lang="de-DE" dirty="0"/>
+              <a:t> statt Parkour</a:t>
+            </a:r>
+          </a:p>
+          <a:p>
+            <a:pPr lvl="1"/>
+            <a:r>
+              <a:rPr lang="de-DE" dirty="0"/>
+              <a:t>Limitierter Einsatz der Fähigkeit durch </a:t>
+            </a:r>
+            <a:r>
+              <a:rPr lang="de-DE" b="1" dirty="0" err="1"/>
+              <a:t>Cooldown</a:t>
+            </a:r>
+            <a:endParaRPr lang="de-DE" b="1" dirty="0"/>
+          </a:p>
+        </p:txBody>
+      </p:sp>
+      <p:sp>
+        <p:nvSpPr>
+          <p:cNvPr id="14" name="Freeform: Shape 9">
+            <a:extLst>
+              <a:ext uri="{FF2B5EF4-FFF2-40B4-BE49-F238E27FC236}">
+                <a16:creationId xmlns:a16="http://schemas.microsoft.com/office/drawing/2014/main" id="{41CA5367-149E-428C-B4D8-C1ECC9EAF739}"/>
+              </a:ext>
+              <a:ext uri="{C183D7F6-B498-43B3-948B-1728B52AA6E4}">
+                <adec:decorative xmlns:adec="http://schemas.microsoft.com/office/drawing/2017/decorative" val="1"/>
+              </a:ext>
+            </a:extLst>
+          </p:cNvPr>
+          <p:cNvSpPr>
+            <a:spLocks noGrp="1" noRot="1" noChangeAspect="1" noMove="1" noResize="1" noEditPoints="1" noAdjustHandles="1" noChangeArrowheads="1" noChangeShapeType="1" noTextEdit="1"/>
+          </p:cNvSpPr>
+          <p:nvPr>
+            <p:extLst>
+              <p:ext uri="{386F3935-93C4-4BCD-93E2-E3B085C9AB24}">
+                <p16:designElem xmlns:p16="http://schemas.microsoft.com/office/powerpoint/2015/main" val="1"/>
+              </p:ext>
+            </p:extLst>
+          </p:nvPr>
+        </p:nvSpPr>
+        <p:spPr bwMode="auto">
+          <a:xfrm rot="10800000">
+            <a:off x="0" y="5388384"/>
+            <a:ext cx="12192000" cy="1469616"/>
+          </a:xfrm>
+          <a:custGeom>
+            <a:avLst/>
+            <a:gdLst>
+              <a:gd name="connsiteX0" fmla="*/ 6113881 w 12192000"/>
+              <a:gd name="connsiteY0" fmla="*/ 1469616 h 1469616"/>
+              <a:gd name="connsiteX1" fmla="*/ 6101181 w 12192000"/>
+              <a:gd name="connsiteY1" fmla="*/ 1469616 h 1469616"/>
+              <a:gd name="connsiteX2" fmla="*/ 6090598 w 12192000"/>
+              <a:gd name="connsiteY2" fmla="*/ 1469616 h 1469616"/>
+              <a:gd name="connsiteX3" fmla="*/ 6077897 w 12192000"/>
+              <a:gd name="connsiteY3" fmla="*/ 1464854 h 1469616"/>
+              <a:gd name="connsiteX4" fmla="*/ 6065198 w 12192000"/>
+              <a:gd name="connsiteY4" fmla="*/ 1460091 h 1469616"/>
+              <a:gd name="connsiteX5" fmla="*/ 6056731 w 12192000"/>
+              <a:gd name="connsiteY5" fmla="*/ 1456916 h 1469616"/>
+              <a:gd name="connsiteX6" fmla="*/ 5678033 w 12192000"/>
+              <a:gd name="connsiteY6" fmla="*/ 1172892 h 1469616"/>
+              <a:gd name="connsiteX7" fmla="*/ 0 w 12192000"/>
+              <a:gd name="connsiteY7" fmla="*/ 1172892 h 1469616"/>
+              <a:gd name="connsiteX8" fmla="*/ 0 w 12192000"/>
+              <a:gd name="connsiteY8" fmla="*/ 1162370 h 1469616"/>
+              <a:gd name="connsiteX9" fmla="*/ 0 w 12192000"/>
+              <a:gd name="connsiteY9" fmla="*/ 403347 h 1469616"/>
+              <a:gd name="connsiteX10" fmla="*/ 0 w 12192000"/>
+              <a:gd name="connsiteY10" fmla="*/ 0 h 1469616"/>
+              <a:gd name="connsiteX11" fmla="*/ 12192000 w 12192000"/>
+              <a:gd name="connsiteY11" fmla="*/ 0 h 1469616"/>
+              <a:gd name="connsiteX12" fmla="*/ 12192000 w 12192000"/>
+              <a:gd name="connsiteY12" fmla="*/ 403347 h 1469616"/>
+              <a:gd name="connsiteX13" fmla="*/ 12192000 w 12192000"/>
+              <a:gd name="connsiteY13" fmla="*/ 1162370 h 1469616"/>
+              <a:gd name="connsiteX14" fmla="*/ 12192000 w 12192000"/>
+              <a:gd name="connsiteY14" fmla="*/ 1172892 h 1469616"/>
+              <a:gd name="connsiteX15" fmla="*/ 6524330 w 12192000"/>
+              <a:gd name="connsiteY15" fmla="*/ 1172892 h 1469616"/>
+              <a:gd name="connsiteX16" fmla="*/ 6145631 w 12192000"/>
+              <a:gd name="connsiteY16" fmla="*/ 1456916 h 1469616"/>
+              <a:gd name="connsiteX17" fmla="*/ 6137163 w 12192000"/>
+              <a:gd name="connsiteY17" fmla="*/ 1460091 h 1469616"/>
+              <a:gd name="connsiteX18" fmla="*/ 6124463 w 12192000"/>
+              <a:gd name="connsiteY18" fmla="*/ 1464854 h 1469616"/>
+            </a:gdLst>
+            <a:ahLst/>
+            <a:cxnLst>
+              <a:cxn ang="0">
+                <a:pos x="connsiteX0" y="connsiteY0"/>
+              </a:cxn>
+              <a:cxn ang="0">
+                <a:pos x="connsiteX1" y="connsiteY1"/>
+              </a:cxn>
+              <a:cxn ang="0">
+                <a:pos x="connsiteX2" y="connsiteY2"/>
+              </a:cxn>
+              <a:cxn ang="0">
+                <a:pos x="connsiteX3" y="connsiteY3"/>
+              </a:cxn>
+              <a:cxn ang="0">
+                <a:pos x="connsiteX4" y="connsiteY4"/>
+              </a:cxn>
+              <a:cxn ang="0">
+                <a:pos x="connsiteX5" y="connsiteY5"/>
+              </a:cxn>
+              <a:cxn ang="0">
+                <a:pos x="connsiteX6" y="connsiteY6"/>
+              </a:cxn>
+              <a:cxn ang="0">
+                <a:pos x="connsiteX7" y="connsiteY7"/>
+              </a:cxn>
+              <a:cxn ang="0">
+                <a:pos x="connsiteX8" y="connsiteY8"/>
+              </a:cxn>
+              <a:cxn ang="0">
+                <a:pos x="connsiteX9" y="connsiteY9"/>
+              </a:cxn>
+              <a:cxn ang="0">
+                <a:pos x="connsiteX10" y="connsiteY10"/>
+              </a:cxn>
+              <a:cxn ang="0">
+                <a:pos x="connsiteX11" y="connsiteY11"/>
+              </a:cxn>
+              <a:cxn ang="0">
+                <a:pos x="connsiteX12" y="connsiteY12"/>
+              </a:cxn>
+              <a:cxn ang="0">
+                <a:pos x="connsiteX13" y="connsiteY13"/>
+              </a:cxn>
+              <a:cxn ang="0">
+                <a:pos x="connsiteX14" y="connsiteY14"/>
+              </a:cxn>
+              <a:cxn ang="0">
+                <a:pos x="connsiteX15" y="connsiteY15"/>
+              </a:cxn>
+              <a:cxn ang="0">
+                <a:pos x="connsiteX16" y="connsiteY16"/>
+              </a:cxn>
+              <a:cxn ang="0">
+                <a:pos x="connsiteX17" y="connsiteY17"/>
+              </a:cxn>
+              <a:cxn ang="0">
+                <a:pos x="connsiteX18" y="connsiteY18"/>
+              </a:cxn>
+            </a:cxnLst>
+            <a:rect l="l" t="t" r="r" b="b"/>
+            <a:pathLst>
+              <a:path w="12192000" h="1469616">
+                <a:moveTo>
+                  <a:pt x="6113881" y="1469616"/>
+                </a:moveTo>
+                <a:lnTo>
+                  <a:pt x="6101181" y="1469616"/>
+                </a:lnTo>
+                <a:lnTo>
+                  <a:pt x="6090598" y="1469616"/>
+                </a:lnTo>
+                <a:lnTo>
+                  <a:pt x="6077897" y="1464854"/>
+                </a:lnTo>
+                <a:lnTo>
+                  <a:pt x="6065198" y="1460091"/>
+                </a:lnTo>
+                <a:lnTo>
+                  <a:pt x="6056731" y="1456916"/>
+                </a:lnTo>
+                <a:lnTo>
+                  <a:pt x="5678033" y="1172892"/>
+                </a:lnTo>
+                <a:lnTo>
+                  <a:pt x="0" y="1172892"/>
+                </a:lnTo>
+                <a:lnTo>
+                  <a:pt x="0" y="1162370"/>
+                </a:lnTo>
+                <a:lnTo>
+                  <a:pt x="0" y="403347"/>
+                </a:lnTo>
+                <a:lnTo>
+                  <a:pt x="0" y="0"/>
+                </a:lnTo>
+                <a:lnTo>
+                  <a:pt x="12192000" y="0"/>
+                </a:lnTo>
+                <a:lnTo>
+                  <a:pt x="12192000" y="403347"/>
+                </a:lnTo>
+                <a:lnTo>
+                  <a:pt x="12192000" y="1162370"/>
+                </a:lnTo>
+                <a:lnTo>
+                  <a:pt x="12192000" y="1172892"/>
+                </a:lnTo>
+                <a:lnTo>
+                  <a:pt x="6524330" y="1172892"/>
+                </a:lnTo>
+                <a:lnTo>
+                  <a:pt x="6145631" y="1456916"/>
+                </a:lnTo>
+                <a:lnTo>
+                  <a:pt x="6137163" y="1460091"/>
+                </a:lnTo>
+                <a:lnTo>
+                  <a:pt x="6124463" y="1464854"/>
+                </a:lnTo>
+                <a:close/>
+              </a:path>
+            </a:pathLst>
+          </a:custGeom>
+          <a:ln>
+            <a:noFill/>
+          </a:ln>
+          <a:effectLst/>
+          <a:extLst>
+            <a:ext uri="{91240B29-F687-4f45-9708-019B960494DF}">
+              <a14:hiddenLine xmlns="" xmlns:a14="http://schemas.microsoft.com/office/drawing/2010/main" xmlns:p14="http://schemas.microsoft.com/office/powerpoint/2010/main" xmlns:a16="http://schemas.microsoft.com/office/drawing/2014/main" w="9525">
+                <a:solidFill>
+                  <a:srgbClr val="000000"/>
+                </a:solidFill>
+                <a:round/>
+                <a:headEnd/>
+                <a:tailEnd/>
+              </a14:hiddenLine>
+            </a:ext>
+          </a:extLst>
+        </p:spPr>
+        <p:style>
+          <a:lnRef idx="1">
+            <a:schemeClr val="accent1"/>
+          </a:lnRef>
+          <a:fillRef idx="3">
+            <a:schemeClr val="accent1"/>
+          </a:fillRef>
+          <a:effectRef idx="2">
+            <a:schemeClr val="accent1"/>
+          </a:effectRef>
+          <a:fontRef idx="minor">
+            <a:schemeClr val="lt1"/>
+          </a:fontRef>
+        </p:style>
+      </p:sp>
+      <p:pic>
+        <p:nvPicPr>
+          <p:cNvPr id="15" name="Grafik 12">
+            <a:extLst>
+              <a:ext uri="{FF2B5EF4-FFF2-40B4-BE49-F238E27FC236}">
+                <a16:creationId xmlns:a16="http://schemas.microsoft.com/office/drawing/2014/main" id="{EEE83B34-E87F-4027-9F6E-9923B328AC5B}"/>
+              </a:ext>
+            </a:extLst>
+          </p:cNvPr>
+          <p:cNvPicPr>
+            <a:picLocks noChangeAspect="1"/>
+          </p:cNvPicPr>
+          <p:nvPr/>
+        </p:nvPicPr>
+        <p:blipFill rotWithShape="1">
+          <a:blip r:embed="rId2"/>
+          <a:srcRect l="9844" r="5521" b="-5"/>
+          <a:stretch/>
+        </p:blipFill>
+        <p:spPr>
+          <a:xfrm>
+            <a:off x="7181740" y="2352677"/>
+            <a:ext cx="5014622" cy="3332991"/>
+          </a:xfrm>
+          <a:prstGeom prst="rect">
+            <a:avLst/>
+          </a:prstGeom>
+        </p:spPr>
+      </p:pic>
+      <p:pic>
+        <p:nvPicPr>
+          <p:cNvPr id="16" name="Grafik 8">
+            <a:extLst>
+              <a:ext uri="{FF2B5EF4-FFF2-40B4-BE49-F238E27FC236}">
+                <a16:creationId xmlns:a16="http://schemas.microsoft.com/office/drawing/2014/main" id="{2245D594-ABE3-42FD-85BB-10AB13A4A913}"/>
+              </a:ext>
+            </a:extLst>
+          </p:cNvPr>
+          <p:cNvPicPr>
+            <a:picLocks noChangeAspect="1"/>
+          </p:cNvPicPr>
+          <p:nvPr/>
+        </p:nvPicPr>
+        <p:blipFill rotWithShape="1">
+          <a:blip r:embed="rId3"/>
+          <a:srcRect l="590" t="2704" r="-2" b="14895"/>
+          <a:stretch/>
+        </p:blipFill>
+        <p:spPr>
+          <a:xfrm>
+            <a:off x="7181852" y="0"/>
+            <a:ext cx="5010148" cy="2399262"/>
+          </a:xfrm>
+          <a:prstGeom prst="rect">
+            <a:avLst/>
+          </a:prstGeom>
+        </p:spPr>
+      </p:pic>
+      <p:sp>
+        <p:nvSpPr>
+          <p:cNvPr id="2" name="Titel 1">
+            <a:extLst>
+              <a:ext uri="{FF2B5EF4-FFF2-40B4-BE49-F238E27FC236}">
+                <a16:creationId xmlns:a16="http://schemas.microsoft.com/office/drawing/2014/main" id="{272281D7-924D-4007-A050-E329229052EB}"/>
+              </a:ext>
+            </a:extLst>
+          </p:cNvPr>
+          <p:cNvSpPr>
             <a:spLocks noGrp="1"/>
           </p:cNvSpPr>
           <p:nvPr>
             <p:ph type="title"/>
           </p:nvPr>
         </p:nvSpPr>
-        <p:spPr/>
-        <p:txBody>
-          <a:bodyPr/>
+        <p:spPr>
+          <a:xfrm>
+            <a:off x="818712" y="447188"/>
+            <a:ext cx="5277288" cy="970450"/>
+          </a:xfrm>
+          <a:effectLst/>
+        </p:spPr>
+        <p:txBody>
+          <a:bodyPr anchor="ctr">
+            <a:normAutofit/>
+          </a:bodyPr>
           <a:lstStyle/>
           <a:p>
-            <a:r>
-              <a:rPr lang="de-DE" dirty="0"/>
-              <a:t>Formale Elemente</a:t>
-            </a:r>
-          </a:p>
-        </p:txBody>
-      </p:sp>
-      <mc:AlternateContent xmlns:mc="http://schemas.openxmlformats.org/markup-compatibility/2006">
-        <mc:Choice xmlns:psuz="http://schemas.microsoft.com/office/powerpoint/2016/summaryzoom" Requires="psuz">
-          <p:graphicFrame>
-            <p:nvGraphicFramePr>
-              <p:cNvPr id="5" name="Summary Zoom 4">
-                <a:extLst>
-                  <a:ext uri="{FF2B5EF4-FFF2-40B4-BE49-F238E27FC236}">
-                    <a16:creationId xmlns:a16="http://schemas.microsoft.com/office/drawing/2014/main" id="{BBC55DF4-539B-4AF5-8FBA-E437AACE296C}"/>
-                  </a:ext>
-                </a:extLst>
-              </p:cNvPr>
-              <p:cNvGraphicFramePr>
-                <a:graphicFrameLocks noChangeAspect="1"/>
-              </p:cNvGraphicFramePr>
-              <p:nvPr>
-                <p:extLst>
-                  <p:ext uri="{D42A27DB-BD31-4B8C-83A1-F6EECF244321}">
-                    <p14:modId xmlns:p14="http://schemas.microsoft.com/office/powerpoint/2010/main" val="2324272120"/>
-                  </p:ext>
-                </p:extLst>
-              </p:nvPr>
-            </p:nvGraphicFramePr>
-            <p:xfrm>
-              <a:off x="819150" y="2222500"/>
-              <a:ext cx="10553700" cy="3636963"/>
-            </p:xfrm>
-            <a:graphic>
-              <a:graphicData uri="http://schemas.microsoft.com/office/powerpoint/2016/summaryzoom">
-                <psuz:summaryZm>
-                  <psuz:summaryZmObj sectionId="{2D74ECE9-51AA-48B2-A681-1B700657B38C}">
-                    <psuz:zmPr id="{06DE6D10-687B-4F09-8352-C14629A5F1F3}" transitionDur="750">
-                      <p166:blipFill xmlns:p166="http://schemas.microsoft.com/office/powerpoint/2016/6/main">
-                        <a:blip r:embed="rId2"/>
-                        <a:stretch>
-                          <a:fillRect/>
-                        </a:stretch>
-                      </p166:blipFill>
-                      <p166:spPr xmlns:p166="http://schemas.microsoft.com/office/powerpoint/2016/6/main">
-                        <a:xfrm>
-                          <a:off x="394113" y="438255"/>
-                          <a:ext cx="2374583" cy="1335703"/>
-                        </a:xfrm>
-                        <a:prstGeom prst="rect">
-                          <a:avLst/>
-                        </a:prstGeom>
-                        <a:ln w="3175">
-                          <a:solidFill>
-                            <a:prstClr val="ltGray"/>
-                          </a:solidFill>
-                        </a:ln>
-                      </p166:spPr>
-                    </psuz:zmPr>
-                  </psuz:summaryZmObj>
-                  <psuz:summaryZmObj sectionId="{3416F951-5A24-405D-9DA1-EF4A54895E36}">
-                    <psuz:zmPr id="{1EFBE078-C436-4F3E-AA79-D5275EC12078}" transitionDur="750">
-                      <p166:blipFill xmlns:p166="http://schemas.microsoft.com/office/powerpoint/2016/6/main">
-                        <a:blip r:embed="rId3"/>
-                        <a:stretch>
-                          <a:fillRect/>
-                        </a:stretch>
-                      </p166:blipFill>
-                      <p166:spPr xmlns:p166="http://schemas.microsoft.com/office/powerpoint/2016/6/main">
-                        <a:xfrm>
-                          <a:off x="2857743" y="438255"/>
-                          <a:ext cx="2374583" cy="1335703"/>
-                        </a:xfrm>
-                        <a:prstGeom prst="rect">
-                          <a:avLst/>
-                        </a:prstGeom>
-                        <a:ln w="3175">
-                          <a:solidFill>
-                            <a:prstClr val="ltGray"/>
-                          </a:solidFill>
-                        </a:ln>
-                      </p166:spPr>
-                    </psuz:zmPr>
-                  </psuz:summaryZmObj>
-                  <psuz:summaryZmObj sectionId="{FBA0BB86-F06D-4BA0-983B-4B94ED8FA917}">
-                    <psuz:zmPr id="{F6FC9AAC-A520-493A-B66F-55BD6F5DD7D2}" transitionDur="750">
-                      <p166:blipFill xmlns:p166="http://schemas.microsoft.com/office/powerpoint/2016/6/main">
-                        <a:blip r:embed="rId4"/>
-                        <a:stretch>
-                          <a:fillRect/>
-                        </a:stretch>
-                      </p166:blipFill>
-                      <p166:spPr xmlns:p166="http://schemas.microsoft.com/office/powerpoint/2016/6/main">
-                        <a:xfrm>
-                          <a:off x="5321373" y="438255"/>
-                          <a:ext cx="2374583" cy="1335703"/>
-                        </a:xfrm>
-                        <a:prstGeom prst="rect">
-                          <a:avLst/>
-                        </a:prstGeom>
-                        <a:ln w="3175">
-                          <a:solidFill>
-                            <a:prstClr val="ltGray"/>
-                          </a:solidFill>
-                        </a:ln>
-                      </p166:spPr>
-                    </psuz:zmPr>
-                  </psuz:summaryZmObj>
-                  <psuz:summaryZmObj sectionId="{4EAB2BE6-6483-4DE4-B885-F8A04D3A5DC6}">
-                    <psuz:zmPr id="{25F8A6D4-A9EA-4039-8799-95F10AF5503E}" transitionDur="750">
-                      <p166:blipFill xmlns:p166="http://schemas.microsoft.com/office/powerpoint/2016/6/main">
-                        <a:blip r:embed="rId5"/>
-                        <a:stretch>
-                          <a:fillRect/>
-                        </a:stretch>
-                      </p166:blipFill>
-                      <p166:spPr xmlns:p166="http://schemas.microsoft.com/office/powerpoint/2016/6/main">
-                        <a:xfrm>
-                          <a:off x="7785003" y="438255"/>
-                          <a:ext cx="2374583" cy="1335703"/>
-                        </a:xfrm>
-                        <a:prstGeom prst="rect">
-                          <a:avLst/>
-                        </a:prstGeom>
-                        <a:ln w="3175">
-                          <a:solidFill>
-                            <a:prstClr val="ltGray"/>
-                          </a:solidFill>
-                        </a:ln>
-                      </p166:spPr>
-                    </psuz:zmPr>
-                  </psuz:summaryZmObj>
-                  <psuz:summaryZmObj sectionId="{F5254605-6156-463A-9D1F-716FC09734B6}">
-                    <psuz:zmPr id="{A0DD51D3-925D-479B-82D7-00B36972AE87}" transitionDur="750">
-                      <p166:blipFill xmlns:p166="http://schemas.microsoft.com/office/powerpoint/2016/6/main">
-                        <a:blip r:embed="rId6"/>
-                        <a:stretch>
-                          <a:fillRect/>
-                        </a:stretch>
-                      </p166:blipFill>
-                      <p166:spPr xmlns:p166="http://schemas.microsoft.com/office/powerpoint/2016/6/main">
-                        <a:xfrm>
-                          <a:off x="394113" y="1863005"/>
-                          <a:ext cx="2374583" cy="1335703"/>
-                        </a:xfrm>
-                        <a:prstGeom prst="rect">
-                          <a:avLst/>
-                        </a:prstGeom>
-                        <a:ln w="3175">
-                          <a:solidFill>
-                            <a:prstClr val="ltGray"/>
-                          </a:solidFill>
-                        </a:ln>
-                      </p166:spPr>
-                    </psuz:zmPr>
-                  </psuz:summaryZmObj>
-                  <psuz:summaryZmObj sectionId="{71526EA7-9B9A-4FE5-B037-5674774363E2}">
-                    <psuz:zmPr id="{80B394C7-C722-43E3-AA57-0C3B35FDAAF8}" transitionDur="750">
-                      <p166:blipFill xmlns:p166="http://schemas.microsoft.com/office/powerpoint/2016/6/main">
-                        <a:blip r:embed="rId7"/>
-                        <a:stretch>
-                          <a:fillRect/>
-                        </a:stretch>
-                      </p166:blipFill>
-                      <p166:spPr xmlns:p166="http://schemas.microsoft.com/office/powerpoint/2016/6/main">
-                        <a:xfrm>
-                          <a:off x="2857743" y="1863005"/>
-                          <a:ext cx="2374583" cy="1335703"/>
-                        </a:xfrm>
-                        <a:prstGeom prst="rect">
-                          <a:avLst/>
-                        </a:prstGeom>
-                        <a:ln w="3175">
-                          <a:solidFill>
-                            <a:prstClr val="ltGray"/>
-                          </a:solidFill>
-                        </a:ln>
-                      </p166:spPr>
-                    </psuz:zmPr>
-                  </psuz:summaryZmObj>
-                  <psuz:summaryZmObj sectionId="{D6A69A88-33A5-4091-A66E-533B9558B68E}">
-                    <psuz:zmPr id="{2EED2313-555E-4322-8C62-7462CDA7A256}" transitionDur="750">
-                      <p166:blipFill xmlns:p166="http://schemas.microsoft.com/office/powerpoint/2016/6/main">
-                        <a:blip r:embed="rId8"/>
-                        <a:stretch>
-                          <a:fillRect/>
-                        </a:stretch>
-                      </p166:blipFill>
-                      <p166:spPr xmlns:p166="http://schemas.microsoft.com/office/powerpoint/2016/6/main">
-                        <a:xfrm>
-                          <a:off x="5321373" y="1863005"/>
-                          <a:ext cx="2374583" cy="1335703"/>
-                        </a:xfrm>
-                        <a:prstGeom prst="rect">
-                          <a:avLst/>
-                        </a:prstGeom>
-                        <a:ln w="3175">
-                          <a:solidFill>
-                            <a:prstClr val="ltGray"/>
-                          </a:solidFill>
-                        </a:ln>
-                      </p166:spPr>
-                    </psuz:zmPr>
-                  </psuz:summaryZmObj>
-                  <psuz:summaryZmObj sectionId="{B62DC81D-7119-4DBA-A8F1-949B2D1686E3}">
-                    <psuz:zmPr id="{A5D6B46C-B6B3-42CE-99D8-E65BBB13A11B}" transitionDur="750">
-                      <p166:blipFill xmlns:p166="http://schemas.microsoft.com/office/powerpoint/2016/6/main">
-                        <a:blip r:embed="rId9"/>
-                        <a:stretch>
-                          <a:fillRect/>
-                        </a:stretch>
-                      </p166:blipFill>
-                      <p166:spPr xmlns:p166="http://schemas.microsoft.com/office/powerpoint/2016/6/main">
-                        <a:xfrm>
-                          <a:off x="7785003" y="1863005"/>
-                          <a:ext cx="2374583" cy="1335703"/>
-                        </a:xfrm>
-                        <a:prstGeom prst="rect">
-                          <a:avLst/>
-                        </a:prstGeom>
-                        <a:ln w="3175">
-                          <a:solidFill>
-                            <a:prstClr val="ltGray"/>
-                          </a:solidFill>
-                        </a:ln>
-                      </p166:spPr>
-                    </psuz:zmPr>
-                  </psuz:summaryZmObj>
-                  <psuz:gridLayout/>
-                </psuz:summaryZm>
-              </a:graphicData>
-            </a:graphic>
-          </p:graphicFrame>
-        </mc:Choice>
-        <mc:Fallback>
-          <p:grpSp>
-            <p:nvGrpSpPr>
-              <p:cNvPr id="5" name="Summary Zoom 4">
-                <a:extLst>
-                  <a:ext uri="{FF2B5EF4-FFF2-40B4-BE49-F238E27FC236}">
-                    <a16:creationId xmlns:a16="http://schemas.microsoft.com/office/drawing/2014/main" id="{BBC55DF4-539B-4AF5-8FBA-E437AACE296C}"/>
-                  </a:ext>
-                </a:extLst>
-              </p:cNvPr>
-              <p:cNvGrpSpPr>
-                <a:grpSpLocks noGrp="1" noUngrp="1" noRot="1" noChangeAspect="1" noMove="1" noResize="1"/>
-              </p:cNvGrpSpPr>
-              <p:nvPr/>
-            </p:nvGrpSpPr>
-            <p:grpSpPr>
-              <a:xfrm>
-                <a:off x="819150" y="2222500"/>
-                <a:ext cx="10553700" cy="3636963"/>
-                <a:chOff x="819150" y="2222500"/>
-                <a:chExt cx="10553700" cy="3636963"/>
-              </a:xfrm>
-            </p:grpSpPr>
-            <p:pic>
-              <p:nvPicPr>
-                <p:cNvPr id="3" name="Picture 3">
-                  <a:hlinkClick r:id="rId10" action="ppaction://hlinksldjump"/>
-                </p:cNvPr>
-                <p:cNvPicPr>
-                  <a:picLocks noSelect="1" noRot="1" noChangeAspect="1" noMove="1" noResize="1" noEditPoints="1" noAdjustHandles="1" noChangeArrowheads="1" noChangeShapeType="1"/>
-                </p:cNvPicPr>
-                <p:nvPr/>
-              </p:nvPicPr>
-              <p:blipFill>
-                <a:blip r:embed="rId2"/>
-                <a:stretch>
-                  <a:fillRect/>
-                </a:stretch>
-              </p:blipFill>
-              <p:spPr>
-                <a:xfrm>
-                  <a:off x="1213263" y="2660755"/>
-                  <a:ext cx="2374583" cy="1335703"/>
-                </a:xfrm>
-                <a:prstGeom prst="rect">
-                  <a:avLst/>
-                </a:prstGeom>
-                <a:ln w="3175">
-                  <a:solidFill>
-                    <a:prstClr val="ltGray"/>
-                  </a:solidFill>
-                </a:ln>
-              </p:spPr>
-            </p:pic>
-            <p:pic>
-              <p:nvPicPr>
-                <p:cNvPr id="4" name="Picture 4">
-                  <a:hlinkClick r:id="rId11" action="ppaction://hlinksldjump"/>
-                </p:cNvPr>
-                <p:cNvPicPr>
-                  <a:picLocks noSelect="1" noRot="1" noChangeAspect="1" noMove="1" noResize="1" noEditPoints="1" noAdjustHandles="1" noChangeArrowheads="1" noChangeShapeType="1"/>
-                </p:cNvPicPr>
-                <p:nvPr/>
-              </p:nvPicPr>
-              <p:blipFill>
-                <a:blip r:embed="rId3"/>
-                <a:stretch>
-                  <a:fillRect/>
-                </a:stretch>
-              </p:blipFill>
-              <p:spPr>
-                <a:xfrm>
-                  <a:off x="3676893" y="2660755"/>
-                  <a:ext cx="2374583" cy="1335703"/>
-                </a:xfrm>
-                <a:prstGeom prst="rect">
-                  <a:avLst/>
-                </a:prstGeom>
-                <a:ln w="3175">
-                  <a:solidFill>
-                    <a:prstClr val="ltGray"/>
-                  </a:solidFill>
-                </a:ln>
-              </p:spPr>
-            </p:pic>
-            <p:pic>
-              <p:nvPicPr>
-                <p:cNvPr id="6" name="Picture 6">
-                  <a:hlinkClick r:id="rId12" action="ppaction://hlinksldjump"/>
-                </p:cNvPr>
-                <p:cNvPicPr>
-                  <a:picLocks noSelect="1" noRot="1" noChangeAspect="1" noMove="1" noResize="1" noEditPoints="1" noAdjustHandles="1" noChangeArrowheads="1" noChangeShapeType="1"/>
-                </p:cNvPicPr>
-                <p:nvPr/>
-              </p:nvPicPr>
-              <p:blipFill>
-                <a:blip r:embed="rId4"/>
-                <a:stretch>
-                  <a:fillRect/>
-                </a:stretch>
-              </p:blipFill>
-              <p:spPr>
-                <a:xfrm>
-                  <a:off x="6140523" y="2660755"/>
-                  <a:ext cx="2374583" cy="1335703"/>
-                </a:xfrm>
-                <a:prstGeom prst="rect">
-                  <a:avLst/>
-                </a:prstGeom>
-                <a:ln w="3175">
-                  <a:solidFill>
-                    <a:prstClr val="ltGray"/>
-                  </a:solidFill>
-                </a:ln>
-              </p:spPr>
-            </p:pic>
-            <p:pic>
-              <p:nvPicPr>
-                <p:cNvPr id="7" name="Picture 7">
-                  <a:hlinkClick r:id="rId13" action="ppaction://hlinksldjump"/>
-                </p:cNvPr>
-                <p:cNvPicPr>
-                  <a:picLocks noSelect="1" noRot="1" noChangeAspect="1" noMove="1" noResize="1" noEditPoints="1" noAdjustHandles="1" noChangeArrowheads="1" noChangeShapeType="1"/>
-                </p:cNvPicPr>
-                <p:nvPr/>
-              </p:nvPicPr>
-              <p:blipFill>
-                <a:blip r:embed="rId5"/>
-                <a:stretch>
-                  <a:fillRect/>
-                </a:stretch>
-              </p:blipFill>
-              <p:spPr>
-                <a:xfrm>
-                  <a:off x="8604153" y="2660755"/>
-                  <a:ext cx="2374583" cy="1335703"/>
-                </a:xfrm>
-                <a:prstGeom prst="rect">
-                  <a:avLst/>
-                </a:prstGeom>
-                <a:ln w="3175">
-                  <a:solidFill>
-                    <a:prstClr val="ltGray"/>
-                  </a:solidFill>
-                </a:ln>
-              </p:spPr>
-            </p:pic>
-            <p:pic>
-              <p:nvPicPr>
-                <p:cNvPr id="8" name="Picture 8">
-                  <a:hlinkClick r:id="rId14" action="ppaction://hlinksldjump"/>
-                </p:cNvPr>
-                <p:cNvPicPr>
-                  <a:picLocks noSelect="1" noRot="1" noChangeAspect="1" noMove="1" noResize="1" noEditPoints="1" noAdjustHandles="1" noChangeArrowheads="1" noChangeShapeType="1"/>
-                </p:cNvPicPr>
-                <p:nvPr/>
-              </p:nvPicPr>
-              <p:blipFill>
-                <a:blip r:embed="rId6"/>
-                <a:stretch>
-                  <a:fillRect/>
-                </a:stretch>
-              </p:blipFill>
-              <p:spPr>
-                <a:xfrm>
-                  <a:off x="1213263" y="4085505"/>
-                  <a:ext cx="2374583" cy="1335703"/>
-                </a:xfrm>
-                <a:prstGeom prst="rect">
-                  <a:avLst/>
-                </a:prstGeom>
-                <a:ln w="3175">
-                  <a:solidFill>
-                    <a:prstClr val="ltGray"/>
-                  </a:solidFill>
-                </a:ln>
-              </p:spPr>
-            </p:pic>
-            <p:pic>
-              <p:nvPicPr>
-                <p:cNvPr id="9" name="Picture 9">
-                  <a:hlinkClick r:id="rId15" action="ppaction://hlinksldjump"/>
-                </p:cNvPr>
-                <p:cNvPicPr>
-                  <a:picLocks noSelect="1" noRot="1" noChangeAspect="1" noMove="1" noResize="1" noEditPoints="1" noAdjustHandles="1" noChangeArrowheads="1" noChangeShapeType="1"/>
-                </p:cNvPicPr>
-                <p:nvPr/>
-              </p:nvPicPr>
-              <p:blipFill>
-                <a:blip r:embed="rId7"/>
-                <a:stretch>
-                  <a:fillRect/>
-                </a:stretch>
-              </p:blipFill>
-              <p:spPr>
-                <a:xfrm>
-                  <a:off x="3676893" y="4085505"/>
-                  <a:ext cx="2374583" cy="1335703"/>
-                </a:xfrm>
-                <a:prstGeom prst="rect">
-                  <a:avLst/>
-                </a:prstGeom>
-                <a:ln w="3175">
-                  <a:solidFill>
-                    <a:prstClr val="ltGray"/>
-                  </a:solidFill>
-                </a:ln>
-              </p:spPr>
-            </p:pic>
-            <p:pic>
-              <p:nvPicPr>
-                <p:cNvPr id="10" name="Picture 10">
-                  <a:hlinkClick r:id="rId16" action="ppaction://hlinksldjump"/>
-                </p:cNvPr>
-                <p:cNvPicPr>
-                  <a:picLocks noSelect="1" noRot="1" noChangeAspect="1" noMove="1" noResize="1" noEditPoints="1" noAdjustHandles="1" noChangeArrowheads="1" noChangeShapeType="1"/>
-                </p:cNvPicPr>
-                <p:nvPr/>
-              </p:nvPicPr>
-              <p:blipFill>
-                <a:blip r:embed="rId8"/>
-                <a:stretch>
-                  <a:fillRect/>
-                </a:stretch>
-              </p:blipFill>
-              <p:spPr>
-                <a:xfrm>
-                  <a:off x="6140523" y="4085505"/>
-                  <a:ext cx="2374583" cy="1335703"/>
-                </a:xfrm>
-                <a:prstGeom prst="rect">
-                  <a:avLst/>
-                </a:prstGeom>
-                <a:ln w="3175">
-                  <a:solidFill>
-                    <a:prstClr val="ltGray"/>
-                  </a:solidFill>
-                </a:ln>
-              </p:spPr>
-            </p:pic>
-            <p:pic>
-              <p:nvPicPr>
-                <p:cNvPr id="11" name="Picture 11">
-                  <a:hlinkClick r:id="rId17" action="ppaction://hlinksldjump"/>
-                </p:cNvPr>
-                <p:cNvPicPr>
-                  <a:picLocks noSelect="1" noRot="1" noChangeAspect="1" noMove="1" noResize="1" noEditPoints="1" noAdjustHandles="1" noChangeArrowheads="1" noChangeShapeType="1"/>
-                </p:cNvPicPr>
-                <p:nvPr/>
-              </p:nvPicPr>
-              <p:blipFill>
-                <a:blip r:embed="rId9"/>
-                <a:stretch>
-                  <a:fillRect/>
-                </a:stretch>
-              </p:blipFill>
-              <p:spPr>
-                <a:xfrm>
-                  <a:off x="8604153" y="4085505"/>
-                  <a:ext cx="2374583" cy="1335703"/>
-                </a:xfrm>
-                <a:prstGeom prst="rect">
-                  <a:avLst/>
-                </a:prstGeom>
-                <a:ln w="3175">
-                  <a:solidFill>
-                    <a:prstClr val="ltGray"/>
-                  </a:solidFill>
-                </a:ln>
-              </p:spPr>
-            </p:pic>
-          </p:grpSp>
-        </mc:Fallback>
-      </mc:AlternateContent>
+            <a:pPr algn="ctr"/>
+            <a:r>
+              <a:rPr lang="de-DE" sz="3200" dirty="0">
+                <a:solidFill>
+                  <a:schemeClr val="tx1"/>
+                </a:solidFill>
+              </a:rPr>
+              <a:t>Hintergrund</a:t>
+            </a:r>
+          </a:p>
+        </p:txBody>
+      </p:sp>
     </p:spTree>
     <p:extLst>
       <p:ext uri="{BB962C8B-B14F-4D97-AF65-F5344CB8AC3E}">
-        <p14:creationId xmlns:p14="http://schemas.microsoft.com/office/powerpoint/2010/main" val="2048408449"/>
+        <p14:creationId xmlns:p14="http://schemas.microsoft.com/office/powerpoint/2010/main" val="880463644"/>
       </p:ext>
     </p:extLst>
   </p:cSld>
   <p:clrMapOvr>
     <a:masterClrMapping/>
   </p:clrMapOvr>
-  <p:transition spd="med">
-    <p:pull/>
+  <p:transition spd="slow">
+    <p:push dir="u"/>
   </p:transition>
 </p:sld>
 </file>
@@ -9212,7 +9720,7 @@
           <p:cNvPr id="2" name="Title 1">
             <a:extLst>
               <a:ext uri="{FF2B5EF4-FFF2-40B4-BE49-F238E27FC236}">
-                <a16:creationId xmlns:a16="http://schemas.microsoft.com/office/drawing/2014/main" id="{A0E347B6-9D87-4240-B007-622872ACF097}"/>
+                <a16:creationId xmlns:a16="http://schemas.microsoft.com/office/drawing/2014/main" id="{8058F5B4-1229-4E1B-A4AD-110793F06EC6}"/>
               </a:ext>
             </a:extLst>
           </p:cNvPr>
@@ -9230,7 +9738,7 @@
           <a:p>
             <a:r>
               <a:rPr lang="de-DE" dirty="0"/>
-              <a:t>Spieler (Zielgruppe)</a:t>
+              <a:t>Spielablauf</a:t>
             </a:r>
           </a:p>
         </p:txBody>
@@ -9240,7 +9748,7 @@
           <p:cNvPr id="3" name="Text Placeholder 2">
             <a:extLst>
               <a:ext uri="{FF2B5EF4-FFF2-40B4-BE49-F238E27FC236}">
-                <a16:creationId xmlns:a16="http://schemas.microsoft.com/office/drawing/2014/main" id="{9B0836C9-04FE-46DD-96EA-09BD75620C8A}"/>
+                <a16:creationId xmlns:a16="http://schemas.microsoft.com/office/drawing/2014/main" id="{F8F45B72-A153-464D-B04A-39781453F7DF}"/>
               </a:ext>
             </a:extLst>
           </p:cNvPr>
@@ -9256,34 +9764,37 @@
           <a:bodyPr/>
           <a:lstStyle/>
           <a:p>
-            <a:r>
-              <a:rPr lang="de-DE" dirty="0"/>
-              <a:t>„</a:t>
-            </a:r>
-            <a:r>
-              <a:rPr lang="en-US" dirty="0"/>
-              <a:t>Always make the audience suffer as much as possible.” – Alfred Hitchcock</a:t>
-            </a:r>
-            <a:endParaRPr lang="de-DE" dirty="0"/>
+            <a:endParaRPr lang="de-DE"/>
           </a:p>
         </p:txBody>
       </p:sp>
     </p:spTree>
     <p:extLst>
       <p:ext uri="{BB962C8B-B14F-4D97-AF65-F5344CB8AC3E}">
-        <p14:creationId xmlns:p14="http://schemas.microsoft.com/office/powerpoint/2010/main" val="3767224182"/>
+        <p14:creationId xmlns:p14="http://schemas.microsoft.com/office/powerpoint/2010/main" val="456439967"/>
       </p:ext>
     </p:extLst>
   </p:cSld>
   <p:clrMapOvr>
     <a:masterClrMapping/>
   </p:clrMapOvr>
+  <p:transition spd="slow">
+    <p:push dir="u"/>
+  </p:transition>
 </p:sld>
 </file>
 
 <file path=ppt/slides/slide9.xml><?xml version="1.0" encoding="utf-8"?>
 <p:sld xmlns:a="http://schemas.openxmlformats.org/drawingml/2006/main" xmlns:r="http://schemas.openxmlformats.org/officeDocument/2006/relationships" xmlns:p="http://schemas.openxmlformats.org/presentationml/2006/main">
   <p:cSld>
+    <p:bg>
+      <p:bgPr>
+        <a:solidFill>
+          <a:schemeClr val="bg2"/>
+        </a:solidFill>
+        <a:effectLst/>
+      </p:bgPr>
+    </p:bg>
     <p:spTree>
       <p:nvGrpSpPr>
         <p:cNvPr id="1" name=""/>
@@ -9298,40 +9809,72 @@
           <a:chExt cx="0" cy="0"/>
         </a:xfrm>
       </p:grpSpPr>
-      <p:sp>
-        <p:nvSpPr>
-          <p:cNvPr id="2" name="Titel 1">
+      <p:sp useBgFill="1">
+        <p:nvSpPr>
+          <p:cNvPr id="9" name="Rectangle 8">
             <a:extLst>
               <a:ext uri="{FF2B5EF4-FFF2-40B4-BE49-F238E27FC236}">
-                <a16:creationId xmlns:a16="http://schemas.microsoft.com/office/drawing/2014/main" id="{0B3F3D35-A8EB-4534-83EF-0B5BEDC7DE0D}"/>
+                <a16:creationId xmlns:a16="http://schemas.microsoft.com/office/drawing/2014/main" id="{874F1482-69C3-47D5-95FE-67C0FA2DF8B0}"/>
+              </a:ext>
+              <a:ext uri="{C183D7F6-B498-43B3-948B-1728B52AA6E4}">
+                <adec:decorative xmlns:adec="http://schemas.microsoft.com/office/drawing/2017/decorative" val="1"/>
               </a:ext>
             </a:extLst>
           </p:cNvPr>
           <p:cNvSpPr>
-            <a:spLocks noGrp="1"/>
-          </p:cNvSpPr>
-          <p:nvPr>
-            <p:ph type="title"/>
-          </p:nvPr>
-        </p:nvSpPr>
-        <p:spPr/>
-        <p:txBody>
-          <a:bodyPr/>
+            <a:spLocks noGrp="1" noRot="1" noChangeAspect="1" noMove="1" noResize="1" noEditPoints="1" noAdjustHandles="1" noChangeArrowheads="1" noChangeShapeType="1" noTextEdit="1"/>
+          </p:cNvSpPr>
+          <p:nvPr>
+            <p:extLst>
+              <p:ext uri="{386F3935-93C4-4BCD-93E2-E3B085C9AB24}">
+                <p16:designElem xmlns:p16="http://schemas.microsoft.com/office/powerpoint/2015/main" val="1"/>
+              </p:ext>
+            </p:extLst>
+          </p:nvPr>
+        </p:nvSpPr>
+        <p:spPr>
+          <a:xfrm>
+            <a:off x="0" y="0"/>
+            <a:ext cx="12192000" cy="6858000"/>
+          </a:xfrm>
+          <a:prstGeom prst="rect">
+            <a:avLst/>
+          </a:prstGeom>
+          <a:ln>
+            <a:noFill/>
+          </a:ln>
+        </p:spPr>
+        <p:style>
+          <a:lnRef idx="2">
+            <a:schemeClr val="accent1">
+              <a:shade val="50000"/>
+            </a:schemeClr>
+          </a:lnRef>
+          <a:fillRef idx="1">
+            <a:schemeClr val="accent1"/>
+          </a:fillRef>
+          <a:effectRef idx="0">
+            <a:schemeClr val="accent1"/>
+          </a:effectRef>
+          <a:fontRef idx="minor">
+            <a:schemeClr val="lt1"/>
+          </a:fontRef>
+        </p:style>
+        <p:txBody>
+          <a:bodyPr rtlCol="0" anchor="ctr"/>
           <a:lstStyle/>
           <a:p>
-            <a:r>
-              <a:rPr lang="de-DE" dirty="0"/>
-              <a:t>Spieler (Zielgruppe)</a:t>
-            </a:r>
-          </a:p>
-        </p:txBody>
-      </p:sp>
-      <p:sp>
-        <p:nvSpPr>
-          <p:cNvPr id="3" name="Inhaltsplatzhalter 2">
+            <a:pPr algn="ctr"/>
+            <a:endParaRPr lang="en-US"/>
+          </a:p>
+        </p:txBody>
+      </p:sp>
+      <p:sp>
+        <p:nvSpPr>
+          <p:cNvPr id="2" name="Title 1">
             <a:extLst>
               <a:ext uri="{FF2B5EF4-FFF2-40B4-BE49-F238E27FC236}">
-                <a16:creationId xmlns:a16="http://schemas.microsoft.com/office/drawing/2014/main" id="{47B86522-C4A3-4572-857B-B09C112956AA}"/>
+                <a16:creationId xmlns:a16="http://schemas.microsoft.com/office/drawing/2014/main" id="{19998F4E-D92D-4662-A7D1-B5194FD33F31}"/>
               </a:ext>
             </a:extLst>
           </p:cNvPr>
@@ -9339,72 +9882,305 @@
             <a:spLocks noGrp="1"/>
           </p:cNvSpPr>
           <p:nvPr>
-            <p:ph idx="1"/>
-          </p:nvPr>
-        </p:nvSpPr>
-        <p:spPr/>
-        <p:txBody>
-          <a:bodyPr>
+            <p:ph type="title"/>
+          </p:nvPr>
+        </p:nvSpPr>
+        <p:spPr>
+          <a:xfrm>
+            <a:off x="810000" y="447188"/>
+            <a:ext cx="10571998" cy="970450"/>
+          </a:xfrm>
+          <a:effectLst/>
+        </p:spPr>
+        <p:txBody>
+          <a:bodyPr anchor="ctr">
             <a:normAutofit/>
           </a:bodyPr>
           <a:lstStyle/>
           <a:p>
-            <a:r>
-              <a:rPr lang="de-DE" sz="2000" dirty="0"/>
-              <a:t>Mindestalter von 12 bis 16 Jahren</a:t>
-            </a:r>
-          </a:p>
-          <a:p>
-            <a:pPr lvl="1">
-              <a:buFont typeface="Wingdings" panose="05000000000000000000" pitchFamily="2" charset="2"/>
-              <a:buChar char="Ø"/>
-            </a:pPr>
-            <a:r>
-              <a:rPr lang="de-DE" sz="1800" dirty="0"/>
-              <a:t>Aufgrund des fiktiven Settings und kampforientierten Gameplays</a:t>
-            </a:r>
-          </a:p>
-          <a:p>
-            <a:pPr indent="-285750"/>
-            <a:r>
-              <a:rPr lang="de-DE" sz="2000" dirty="0"/>
-              <a:t>Spielerfahrung in vorausgesetzt</a:t>
-            </a:r>
-          </a:p>
-          <a:p>
-            <a:pPr lvl="1">
-              <a:buFont typeface="Wingdings" panose="05000000000000000000" pitchFamily="2" charset="2"/>
-              <a:buChar char="Ø"/>
-            </a:pPr>
-            <a:r>
-              <a:rPr lang="de-DE" sz="1800" dirty="0"/>
-              <a:t>Interesse an Survival- und Actionspielen</a:t>
-            </a:r>
-          </a:p>
-          <a:p>
-            <a:pPr lvl="1">
-              <a:buFont typeface="Wingdings" panose="05000000000000000000" pitchFamily="2" charset="2"/>
-              <a:buChar char="Ø"/>
-            </a:pPr>
-            <a:r>
-              <a:rPr lang="de-DE" sz="1800" dirty="0"/>
-              <a:t>Interesse am Erforschen einer neuen Welt</a:t>
-            </a:r>
-          </a:p>
-        </p:txBody>
+            <a:pPr algn="ctr"/>
+            <a:r>
+              <a:rPr lang="de-DE" sz="3200" dirty="0">
+                <a:solidFill>
+                  <a:schemeClr val="tx1"/>
+                </a:solidFill>
+              </a:rPr>
+              <a:t>Spielablauf</a:t>
+            </a:r>
+          </a:p>
+        </p:txBody>
+      </p:sp>
+      <p:sp>
+        <p:nvSpPr>
+          <p:cNvPr id="4" name="Content Placeholder 3">
+            <a:extLst>
+              <a:ext uri="{FF2B5EF4-FFF2-40B4-BE49-F238E27FC236}">
+                <a16:creationId xmlns:a16="http://schemas.microsoft.com/office/drawing/2014/main" id="{5B5F2068-2448-4B88-BBD6-C6A826006F0E}"/>
+              </a:ext>
+            </a:extLst>
+          </p:cNvPr>
+          <p:cNvSpPr>
+            <a:spLocks noGrp="1"/>
+          </p:cNvSpPr>
+          <p:nvPr>
+            <p:ph idx="1"/>
+          </p:nvPr>
+        </p:nvSpPr>
+        <p:spPr>
+          <a:xfrm>
+            <a:off x="818712" y="1610745"/>
+            <a:ext cx="10554574" cy="3636511"/>
+          </a:xfrm>
+          <a:effectLst/>
+        </p:spPr>
+        <p:txBody>
+          <a:bodyPr anchor="ctr">
+            <a:normAutofit/>
+          </a:bodyPr>
+          <a:lstStyle/>
+          <a:p>
+            <a:endParaRPr lang="de-DE"/>
+          </a:p>
+        </p:txBody>
+      </p:sp>
+      <p:sp>
+        <p:nvSpPr>
+          <p:cNvPr id="11" name="Freeform: Shape 10">
+            <a:extLst>
+              <a:ext uri="{FF2B5EF4-FFF2-40B4-BE49-F238E27FC236}">
+                <a16:creationId xmlns:a16="http://schemas.microsoft.com/office/drawing/2014/main" id="{41CA5367-149E-428C-B4D8-C1ECC9EAF739}"/>
+              </a:ext>
+              <a:ext uri="{C183D7F6-B498-43B3-948B-1728B52AA6E4}">
+                <adec:decorative xmlns:adec="http://schemas.microsoft.com/office/drawing/2017/decorative" val="1"/>
+              </a:ext>
+            </a:extLst>
+          </p:cNvPr>
+          <p:cNvSpPr>
+            <a:spLocks noGrp="1" noRot="1" noChangeAspect="1" noMove="1" noResize="1" noEditPoints="1" noAdjustHandles="1" noChangeArrowheads="1" noChangeShapeType="1" noTextEdit="1"/>
+          </p:cNvSpPr>
+          <p:nvPr>
+            <p:extLst>
+              <p:ext uri="{386F3935-93C4-4BCD-93E2-E3B085C9AB24}">
+                <p16:designElem xmlns:p16="http://schemas.microsoft.com/office/powerpoint/2015/main" val="1"/>
+              </p:ext>
+            </p:extLst>
+          </p:nvPr>
+        </p:nvSpPr>
+        <p:spPr bwMode="auto">
+          <a:xfrm rot="10800000">
+            <a:off x="0" y="5388384"/>
+            <a:ext cx="12192000" cy="1469616"/>
+          </a:xfrm>
+          <a:custGeom>
+            <a:avLst/>
+            <a:gdLst>
+              <a:gd name="connsiteX0" fmla="*/ 6113881 w 12192000"/>
+              <a:gd name="connsiteY0" fmla="*/ 1469616 h 1469616"/>
+              <a:gd name="connsiteX1" fmla="*/ 6101181 w 12192000"/>
+              <a:gd name="connsiteY1" fmla="*/ 1469616 h 1469616"/>
+              <a:gd name="connsiteX2" fmla="*/ 6090598 w 12192000"/>
+              <a:gd name="connsiteY2" fmla="*/ 1469616 h 1469616"/>
+              <a:gd name="connsiteX3" fmla="*/ 6077897 w 12192000"/>
+              <a:gd name="connsiteY3" fmla="*/ 1464854 h 1469616"/>
+              <a:gd name="connsiteX4" fmla="*/ 6065198 w 12192000"/>
+              <a:gd name="connsiteY4" fmla="*/ 1460091 h 1469616"/>
+              <a:gd name="connsiteX5" fmla="*/ 6056731 w 12192000"/>
+              <a:gd name="connsiteY5" fmla="*/ 1456916 h 1469616"/>
+              <a:gd name="connsiteX6" fmla="*/ 5678033 w 12192000"/>
+              <a:gd name="connsiteY6" fmla="*/ 1172892 h 1469616"/>
+              <a:gd name="connsiteX7" fmla="*/ 0 w 12192000"/>
+              <a:gd name="connsiteY7" fmla="*/ 1172892 h 1469616"/>
+              <a:gd name="connsiteX8" fmla="*/ 0 w 12192000"/>
+              <a:gd name="connsiteY8" fmla="*/ 1162370 h 1469616"/>
+              <a:gd name="connsiteX9" fmla="*/ 0 w 12192000"/>
+              <a:gd name="connsiteY9" fmla="*/ 403347 h 1469616"/>
+              <a:gd name="connsiteX10" fmla="*/ 0 w 12192000"/>
+              <a:gd name="connsiteY10" fmla="*/ 0 h 1469616"/>
+              <a:gd name="connsiteX11" fmla="*/ 12192000 w 12192000"/>
+              <a:gd name="connsiteY11" fmla="*/ 0 h 1469616"/>
+              <a:gd name="connsiteX12" fmla="*/ 12192000 w 12192000"/>
+              <a:gd name="connsiteY12" fmla="*/ 403347 h 1469616"/>
+              <a:gd name="connsiteX13" fmla="*/ 12192000 w 12192000"/>
+              <a:gd name="connsiteY13" fmla="*/ 1162370 h 1469616"/>
+              <a:gd name="connsiteX14" fmla="*/ 12192000 w 12192000"/>
+              <a:gd name="connsiteY14" fmla="*/ 1172892 h 1469616"/>
+              <a:gd name="connsiteX15" fmla="*/ 6524330 w 12192000"/>
+              <a:gd name="connsiteY15" fmla="*/ 1172892 h 1469616"/>
+              <a:gd name="connsiteX16" fmla="*/ 6145631 w 12192000"/>
+              <a:gd name="connsiteY16" fmla="*/ 1456916 h 1469616"/>
+              <a:gd name="connsiteX17" fmla="*/ 6137163 w 12192000"/>
+              <a:gd name="connsiteY17" fmla="*/ 1460091 h 1469616"/>
+              <a:gd name="connsiteX18" fmla="*/ 6124463 w 12192000"/>
+              <a:gd name="connsiteY18" fmla="*/ 1464854 h 1469616"/>
+            </a:gdLst>
+            <a:ahLst/>
+            <a:cxnLst>
+              <a:cxn ang="0">
+                <a:pos x="connsiteX0" y="connsiteY0"/>
+              </a:cxn>
+              <a:cxn ang="0">
+                <a:pos x="connsiteX1" y="connsiteY1"/>
+              </a:cxn>
+              <a:cxn ang="0">
+                <a:pos x="connsiteX2" y="connsiteY2"/>
+              </a:cxn>
+              <a:cxn ang="0">
+                <a:pos x="connsiteX3" y="connsiteY3"/>
+              </a:cxn>
+              <a:cxn ang="0">
+                <a:pos x="connsiteX4" y="connsiteY4"/>
+              </a:cxn>
+              <a:cxn ang="0">
+                <a:pos x="connsiteX5" y="connsiteY5"/>
+              </a:cxn>
+              <a:cxn ang="0">
+                <a:pos x="connsiteX6" y="connsiteY6"/>
+              </a:cxn>
+              <a:cxn ang="0">
+                <a:pos x="connsiteX7" y="connsiteY7"/>
+              </a:cxn>
+              <a:cxn ang="0">
+                <a:pos x="connsiteX8" y="connsiteY8"/>
+              </a:cxn>
+              <a:cxn ang="0">
+                <a:pos x="connsiteX9" y="connsiteY9"/>
+              </a:cxn>
+              <a:cxn ang="0">
+                <a:pos x="connsiteX10" y="connsiteY10"/>
+              </a:cxn>
+              <a:cxn ang="0">
+                <a:pos x="connsiteX11" y="connsiteY11"/>
+              </a:cxn>
+              <a:cxn ang="0">
+                <a:pos x="connsiteX12" y="connsiteY12"/>
+              </a:cxn>
+              <a:cxn ang="0">
+                <a:pos x="connsiteX13" y="connsiteY13"/>
+              </a:cxn>
+              <a:cxn ang="0">
+                <a:pos x="connsiteX14" y="connsiteY14"/>
+              </a:cxn>
+              <a:cxn ang="0">
+                <a:pos x="connsiteX15" y="connsiteY15"/>
+              </a:cxn>
+              <a:cxn ang="0">
+                <a:pos x="connsiteX16" y="connsiteY16"/>
+              </a:cxn>
+              <a:cxn ang="0">
+                <a:pos x="connsiteX17" y="connsiteY17"/>
+              </a:cxn>
+              <a:cxn ang="0">
+                <a:pos x="connsiteX18" y="connsiteY18"/>
+              </a:cxn>
+            </a:cxnLst>
+            <a:rect l="l" t="t" r="r" b="b"/>
+            <a:pathLst>
+              <a:path w="12192000" h="1469616">
+                <a:moveTo>
+                  <a:pt x="6113881" y="1469616"/>
+                </a:moveTo>
+                <a:lnTo>
+                  <a:pt x="6101181" y="1469616"/>
+                </a:lnTo>
+                <a:lnTo>
+                  <a:pt x="6090598" y="1469616"/>
+                </a:lnTo>
+                <a:lnTo>
+                  <a:pt x="6077897" y="1464854"/>
+                </a:lnTo>
+                <a:lnTo>
+                  <a:pt x="6065198" y="1460091"/>
+                </a:lnTo>
+                <a:lnTo>
+                  <a:pt x="6056731" y="1456916"/>
+                </a:lnTo>
+                <a:lnTo>
+                  <a:pt x="5678033" y="1172892"/>
+                </a:lnTo>
+                <a:lnTo>
+                  <a:pt x="0" y="1172892"/>
+                </a:lnTo>
+                <a:lnTo>
+                  <a:pt x="0" y="1162370"/>
+                </a:lnTo>
+                <a:lnTo>
+                  <a:pt x="0" y="403347"/>
+                </a:lnTo>
+                <a:lnTo>
+                  <a:pt x="0" y="0"/>
+                </a:lnTo>
+                <a:lnTo>
+                  <a:pt x="12192000" y="0"/>
+                </a:lnTo>
+                <a:lnTo>
+                  <a:pt x="12192000" y="403347"/>
+                </a:lnTo>
+                <a:lnTo>
+                  <a:pt x="12192000" y="1162370"/>
+                </a:lnTo>
+                <a:lnTo>
+                  <a:pt x="12192000" y="1172892"/>
+                </a:lnTo>
+                <a:lnTo>
+                  <a:pt x="6524330" y="1172892"/>
+                </a:lnTo>
+                <a:lnTo>
+                  <a:pt x="6145631" y="1456916"/>
+                </a:lnTo>
+                <a:lnTo>
+                  <a:pt x="6137163" y="1460091"/>
+                </a:lnTo>
+                <a:lnTo>
+                  <a:pt x="6124463" y="1464854"/>
+                </a:lnTo>
+                <a:close/>
+              </a:path>
+            </a:pathLst>
+          </a:custGeom>
+          <a:ln>
+            <a:noFill/>
+          </a:ln>
+          <a:effectLst/>
+          <a:extLst>
+            <a:ext uri="{91240B29-F687-4f45-9708-019B960494DF}">
+              <a14:hiddenLine xmlns="" xmlns:a14="http://schemas.microsoft.com/office/drawing/2010/main" xmlns:p14="http://schemas.microsoft.com/office/powerpoint/2010/main" xmlns:a16="http://schemas.microsoft.com/office/drawing/2014/main" w="9525">
+                <a:solidFill>
+                  <a:srgbClr val="000000"/>
+                </a:solidFill>
+                <a:round/>
+                <a:headEnd/>
+                <a:tailEnd/>
+              </a14:hiddenLine>
+            </a:ext>
+          </a:extLst>
+        </p:spPr>
+        <p:style>
+          <a:lnRef idx="1">
+            <a:schemeClr val="accent1"/>
+          </a:lnRef>
+          <a:fillRef idx="3">
+            <a:schemeClr val="accent1"/>
+          </a:fillRef>
+          <a:effectRef idx="2">
+            <a:schemeClr val="accent1"/>
+          </a:effectRef>
+          <a:fontRef idx="minor">
+            <a:schemeClr val="lt1"/>
+          </a:fontRef>
+        </p:style>
       </p:sp>
     </p:spTree>
     <p:extLst>
       <p:ext uri="{BB962C8B-B14F-4D97-AF65-F5344CB8AC3E}">
-        <p14:creationId xmlns:p14="http://schemas.microsoft.com/office/powerpoint/2010/main" val="73519166"/>
+        <p14:creationId xmlns:p14="http://schemas.microsoft.com/office/powerpoint/2010/main" val="794238273"/>
       </p:ext>
     </p:extLst>
   </p:cSld>
   <p:clrMapOvr>
     <a:masterClrMapping/>
   </p:clrMapOvr>
-  <p:transition spd="med">
-    <p:pull/>
+  <p:transition spd="slow">
+    <p:push dir="u"/>
   </p:transition>
 </p:sld>
 </file>
@@ -9644,4 +10420,299 @@
     </a:ext>
   </a:extLst>
 </a:theme>
+</file>
+
+<file path=ppt/theme/theme2.xml><?xml version="1.0" encoding="utf-8"?>
+<a:theme xmlns:a="http://schemas.openxmlformats.org/drawingml/2006/main" name="Office Theme">
+  <a:themeElements>
+    <a:clrScheme name="Office">
+      <a:dk1>
+        <a:sysClr val="windowText" lastClr="000000"/>
+      </a:dk1>
+      <a:lt1>
+        <a:sysClr val="window" lastClr="FFFFFF"/>
+      </a:lt1>
+      <a:dk2>
+        <a:srgbClr val="44546A"/>
+      </a:dk2>
+      <a:lt2>
+        <a:srgbClr val="E7E6E6"/>
+      </a:lt2>
+      <a:accent1>
+        <a:srgbClr val="4472C4"/>
+      </a:accent1>
+      <a:accent2>
+        <a:srgbClr val="ED7D31"/>
+      </a:accent2>
+      <a:accent3>
+        <a:srgbClr val="A5A5A5"/>
+      </a:accent3>
+      <a:accent4>
+        <a:srgbClr val="FFC000"/>
+      </a:accent4>
+      <a:accent5>
+        <a:srgbClr val="5B9BD5"/>
+      </a:accent5>
+      <a:accent6>
+        <a:srgbClr val="70AD47"/>
+      </a:accent6>
+      <a:hlink>
+        <a:srgbClr val="0563C1"/>
+      </a:hlink>
+      <a:folHlink>
+        <a:srgbClr val="954F72"/>
+      </a:folHlink>
+    </a:clrScheme>
+    <a:fontScheme name="Office">
+      <a:majorFont>
+        <a:latin typeface="Calibri Light" panose="020F0302020204030204"/>
+        <a:ea typeface=""/>
+        <a:cs typeface=""/>
+        <a:font script="Jpan" typeface="游ゴシック Light"/>
+        <a:font script="Hang" typeface="맑은 고딕"/>
+        <a:font script="Hans" typeface="等线 Light"/>
+        <a:font script="Hant" typeface="新細明體"/>
+        <a:font script="Arab" typeface="Times New Roman"/>
+        <a:font script="Hebr" typeface="Times New Roman"/>
+        <a:font script="Thai" typeface="Angsana New"/>
+        <a:font script="Ethi" typeface="Nyala"/>
+        <a:font script="Beng" typeface="Vrinda"/>
+        <a:font script="Gujr" typeface="Shruti"/>
+        <a:font script="Khmr" typeface="MoolBoran"/>
+        <a:font script="Knda" typeface="Tunga"/>
+        <a:font script="Guru" typeface="Raavi"/>
+        <a:font script="Cans" typeface="Euphemia"/>
+        <a:font script="Cher" typeface="Plantagenet Cherokee"/>
+        <a:font script="Yiii" typeface="Microsoft Yi Baiti"/>
+        <a:font script="Tibt" typeface="Microsoft Himalaya"/>
+        <a:font script="Thaa" typeface="MV Boli"/>
+        <a:font script="Deva" typeface="Mangal"/>
+        <a:font script="Telu" typeface="Gautami"/>
+        <a:font script="Taml" typeface="Latha"/>
+        <a:font script="Syrc" typeface="Estrangelo Edessa"/>
+        <a:font script="Orya" typeface="Kalinga"/>
+        <a:font script="Mlym" typeface="Kartika"/>
+        <a:font script="Laoo" typeface="DokChampa"/>
+        <a:font script="Sinh" typeface="Iskoola Pota"/>
+        <a:font script="Mong" typeface="Mongolian Baiti"/>
+        <a:font script="Viet" typeface="Times New Roman"/>
+        <a:font script="Uigh" typeface="Microsoft Uighur"/>
+        <a:font script="Geor" typeface="Sylfaen"/>
+        <a:font script="Armn" typeface="Arial"/>
+        <a:font script="Bugi" typeface="Leelawadee UI"/>
+        <a:font script="Bopo" typeface="Microsoft JhengHei"/>
+        <a:font script="Java" typeface="Javanese Text"/>
+        <a:font script="Lisu" typeface="Segoe UI"/>
+        <a:font script="Mymr" typeface="Myanmar Text"/>
+        <a:font script="Nkoo" typeface="Ebrima"/>
+        <a:font script="Olck" typeface="Nirmala UI"/>
+        <a:font script="Osma" typeface="Ebrima"/>
+        <a:font script="Phag" typeface="Phagspa"/>
+        <a:font script="Syrn" typeface="Estrangelo Edessa"/>
+        <a:font script="Syrj" typeface="Estrangelo Edessa"/>
+        <a:font script="Syre" typeface="Estrangelo Edessa"/>
+        <a:font script="Sora" typeface="Nirmala UI"/>
+        <a:font script="Tale" typeface="Microsoft Tai Le"/>
+        <a:font script="Talu" typeface="Microsoft New Tai Lue"/>
+        <a:font script="Tfng" typeface="Ebrima"/>
+      </a:majorFont>
+      <a:minorFont>
+        <a:latin typeface="Calibri" panose="020F0502020204030204"/>
+        <a:ea typeface=""/>
+        <a:cs typeface=""/>
+        <a:font script="Jpan" typeface="游ゴシック"/>
+        <a:font script="Hang" typeface="맑은 고딕"/>
+        <a:font script="Hans" typeface="等线"/>
+        <a:font script="Hant" typeface="新細明體"/>
+        <a:font script="Arab" typeface="Arial"/>
+        <a:font script="Hebr" typeface="Arial"/>
+        <a:font script="Thai" typeface="Cordia New"/>
+        <a:font script="Ethi" typeface="Nyala"/>
+        <a:font script="Beng" typeface="Vrinda"/>
+        <a:font script="Gujr" typeface="Shruti"/>
+        <a:font script="Khmr" typeface="DaunPenh"/>
+        <a:font script="Knda" typeface="Tunga"/>
+        <a:font script="Guru" typeface="Raavi"/>
+        <a:font script="Cans" typeface="Euphemia"/>
+        <a:font script="Cher" typeface="Plantagenet Cherokee"/>
+        <a:font script="Yiii" typeface="Microsoft Yi Baiti"/>
+        <a:font script="Tibt" typeface="Microsoft Himalaya"/>
+        <a:font script="Thaa" typeface="MV Boli"/>
+        <a:font script="Deva" typeface="Mangal"/>
+        <a:font script="Telu" typeface="Gautami"/>
+        <a:font script="Taml" typeface="Latha"/>
+        <a:font script="Syrc" typeface="Estrangelo Edessa"/>
+        <a:font script="Orya" typeface="Kalinga"/>
+        <a:font script="Mlym" typeface="Kartika"/>
+        <a:font script="Laoo" typeface="DokChampa"/>
+        <a:font script="Sinh" typeface="Iskoola Pota"/>
+        <a:font script="Mong" typeface="Mongolian Baiti"/>
+        <a:font script="Viet" typeface="Arial"/>
+        <a:font script="Uigh" typeface="Microsoft Uighur"/>
+        <a:font script="Geor" typeface="Sylfaen"/>
+        <a:font script="Armn" typeface="Arial"/>
+        <a:font script="Bugi" typeface="Leelawadee UI"/>
+        <a:font script="Bopo" typeface="Microsoft JhengHei"/>
+        <a:font script="Java" typeface="Javanese Text"/>
+        <a:font script="Lisu" typeface="Segoe UI"/>
+        <a:font script="Mymr" typeface="Myanmar Text"/>
+        <a:font script="Nkoo" typeface="Ebrima"/>
+        <a:font script="Olck" typeface="Nirmala UI"/>
+        <a:font script="Osma" typeface="Ebrima"/>
+        <a:font script="Phag" typeface="Phagspa"/>
+        <a:font script="Syrn" typeface="Estrangelo Edessa"/>
+        <a:font script="Syrj" typeface="Estrangelo Edessa"/>
+        <a:font script="Syre" typeface="Estrangelo Edessa"/>
+        <a:font script="Sora" typeface="Nirmala UI"/>
+        <a:font script="Tale" typeface="Microsoft Tai Le"/>
+        <a:font script="Talu" typeface="Microsoft New Tai Lue"/>
+        <a:font script="Tfng" typeface="Ebrima"/>
+      </a:minorFont>
+    </a:fontScheme>
+    <a:fmtScheme name="Office">
+      <a:fillStyleLst>
+        <a:solidFill>
+          <a:schemeClr val="phClr"/>
+        </a:solidFill>
+        <a:gradFill rotWithShape="1">
+          <a:gsLst>
+            <a:gs pos="0">
+              <a:schemeClr val="phClr">
+                <a:lumMod val="110000"/>
+                <a:satMod val="105000"/>
+                <a:tint val="67000"/>
+              </a:schemeClr>
+            </a:gs>
+            <a:gs pos="50000">
+              <a:schemeClr val="phClr">
+                <a:lumMod val="105000"/>
+                <a:satMod val="103000"/>
+                <a:tint val="73000"/>
+              </a:schemeClr>
+            </a:gs>
+            <a:gs pos="100000">
+              <a:schemeClr val="phClr">
+                <a:lumMod val="105000"/>
+                <a:satMod val="109000"/>
+                <a:tint val="81000"/>
+              </a:schemeClr>
+            </a:gs>
+          </a:gsLst>
+          <a:lin ang="5400000" scaled="0"/>
+        </a:gradFill>
+        <a:gradFill rotWithShape="1">
+          <a:gsLst>
+            <a:gs pos="0">
+              <a:schemeClr val="phClr">
+                <a:satMod val="103000"/>
+                <a:lumMod val="102000"/>
+                <a:tint val="94000"/>
+              </a:schemeClr>
+            </a:gs>
+            <a:gs pos="50000">
+              <a:schemeClr val="phClr">
+                <a:satMod val="110000"/>
+                <a:lumMod val="100000"/>
+                <a:shade val="100000"/>
+              </a:schemeClr>
+            </a:gs>
+            <a:gs pos="100000">
+              <a:schemeClr val="phClr">
+                <a:lumMod val="99000"/>
+                <a:satMod val="120000"/>
+                <a:shade val="78000"/>
+              </a:schemeClr>
+            </a:gs>
+          </a:gsLst>
+          <a:lin ang="5400000" scaled="0"/>
+        </a:gradFill>
+      </a:fillStyleLst>
+      <a:lnStyleLst>
+        <a:ln w="6350" cap="flat" cmpd="sng" algn="ctr">
+          <a:solidFill>
+            <a:schemeClr val="phClr"/>
+          </a:solidFill>
+          <a:prstDash val="solid"/>
+          <a:miter lim="800000"/>
+        </a:ln>
+        <a:ln w="12700" cap="flat" cmpd="sng" algn="ctr">
+          <a:solidFill>
+            <a:schemeClr val="phClr"/>
+          </a:solidFill>
+          <a:prstDash val="solid"/>
+          <a:miter lim="800000"/>
+        </a:ln>
+        <a:ln w="19050" cap="flat" cmpd="sng" algn="ctr">
+          <a:solidFill>
+            <a:schemeClr val="phClr"/>
+          </a:solidFill>
+          <a:prstDash val="solid"/>
+          <a:miter lim="800000"/>
+        </a:ln>
+      </a:lnStyleLst>
+      <a:effectStyleLst>
+        <a:effectStyle>
+          <a:effectLst/>
+        </a:effectStyle>
+        <a:effectStyle>
+          <a:effectLst/>
+        </a:effectStyle>
+        <a:effectStyle>
+          <a:effectLst>
+            <a:outerShdw blurRad="57150" dist="19050" dir="5400000" algn="ctr" rotWithShape="0">
+              <a:srgbClr val="000000">
+                <a:alpha val="63000"/>
+              </a:srgbClr>
+            </a:outerShdw>
+          </a:effectLst>
+        </a:effectStyle>
+      </a:effectStyleLst>
+      <a:bgFillStyleLst>
+        <a:solidFill>
+          <a:schemeClr val="phClr"/>
+        </a:solidFill>
+        <a:solidFill>
+          <a:schemeClr val="phClr">
+            <a:tint val="95000"/>
+            <a:satMod val="170000"/>
+          </a:schemeClr>
+        </a:solidFill>
+        <a:gradFill rotWithShape="1">
+          <a:gsLst>
+            <a:gs pos="0">
+              <a:schemeClr val="phClr">
+                <a:tint val="93000"/>
+                <a:satMod val="150000"/>
+                <a:shade val="98000"/>
+                <a:lumMod val="102000"/>
+              </a:schemeClr>
+            </a:gs>
+            <a:gs pos="50000">
+              <a:schemeClr val="phClr">
+                <a:tint val="98000"/>
+                <a:satMod val="130000"/>
+                <a:shade val="90000"/>
+                <a:lumMod val="103000"/>
+              </a:schemeClr>
+            </a:gs>
+            <a:gs pos="100000">
+              <a:schemeClr val="phClr">
+                <a:shade val="63000"/>
+                <a:satMod val="120000"/>
+              </a:schemeClr>
+            </a:gs>
+          </a:gsLst>
+          <a:lin ang="5400000" scaled="0"/>
+        </a:gradFill>
+      </a:bgFillStyleLst>
+    </a:fmtScheme>
+  </a:themeElements>
+  <a:objectDefaults/>
+  <a:extraClrSchemeLst/>
+  <a:extLst>
+    <a:ext uri="{05A4C25C-085E-4340-85A3-A5531E510DB2}">
+      <thm15:themeFamily xmlns:thm15="http://schemas.microsoft.com/office/thememl/2012/main" name="Office Theme" id="{62F939B6-93AF-4DB8-9C6B-D6C7DFDC589F}" vid="{4A3C46E8-61CC-4603-A589-7422A47A8E4A}"/>
+    </a:ext>
+  </a:extLst>
+</a:theme>
 </file>
--- a/Information/Präsentation.pptx
+++ b/Information/Präsentation.pptx
@@ -190,6 +190,2160 @@
 </p:cmAuthorLst>
 </file>
 
+<file path=ppt/charts/chart1.xml><?xml version="1.0" encoding="utf-8"?>
+<c:chartSpace xmlns:c="http://schemas.openxmlformats.org/drawingml/2006/chart" xmlns:a="http://schemas.openxmlformats.org/drawingml/2006/main" xmlns:r="http://schemas.openxmlformats.org/officeDocument/2006/relationships" xmlns:c16r2="http://schemas.microsoft.com/office/drawing/2015/06/chart">
+  <c:date1904 val="0"/>
+  <c:lang val="en-US"/>
+  <c:roundedCorners val="0"/>
+  <mc:AlternateContent xmlns:mc="http://schemas.openxmlformats.org/markup-compatibility/2006">
+    <mc:Choice xmlns:c14="http://schemas.microsoft.com/office/drawing/2007/8/2/chart" Requires="c14">
+      <c14:style val="102"/>
+    </mc:Choice>
+    <mc:Fallback>
+      <c:style val="2"/>
+    </mc:Fallback>
+  </mc:AlternateContent>
+  <c:chart>
+    <c:autoTitleDeleted val="1"/>
+    <c:plotArea>
+      <c:layout>
+        <c:manualLayout>
+          <c:layoutTarget val="inner"/>
+          <c:xMode val="edge"/>
+          <c:yMode val="edge"/>
+          <c:x val="5.6978185383786448E-2"/>
+          <c:y val="7.8828945337177894E-2"/>
+          <c:w val="0.87548045355302873"/>
+          <c:h val="0.89401558523578717"/>
+        </c:manualLayout>
+      </c:layout>
+      <c:scatterChart>
+        <c:scatterStyle val="lineMarker"/>
+        <c:varyColors val="0"/>
+        <c:ser>
+          <c:idx val="1"/>
+          <c:order val="0"/>
+          <c:tx>
+            <c:v>Tasks</c:v>
+          </c:tx>
+          <c:spPr>
+            <a:ln w="25400" cap="rnd">
+              <a:noFill/>
+            </a:ln>
+            <a:effectLst>
+              <a:glow rad="139700">
+                <a:srgbClr val="1DC7F4">
+                  <a:alpha val="13725"/>
+                </a:srgbClr>
+              </a:glow>
+            </a:effectLst>
+          </c:spPr>
+          <c:marker>
+            <c:symbol val="circle"/>
+            <c:size val="3"/>
+            <c:spPr>
+              <a:solidFill>
+                <a:schemeClr val="accent5">
+                  <a:lumMod val="60000"/>
+                  <a:lumOff val="40000"/>
+                </a:schemeClr>
+              </a:solidFill>
+              <a:ln>
+                <a:noFill/>
+              </a:ln>
+              <a:effectLst>
+                <a:glow rad="139700">
+                  <a:srgbClr val="1DC7F4">
+                    <a:alpha val="13725"/>
+                  </a:srgbClr>
+                </a:glow>
+              </a:effectLst>
+            </c:spPr>
+          </c:marker>
+          <c:dLbls>
+            <c:dLbl>
+              <c:idx val="0"/>
+              <c:tx>
+                <c:rich>
+                  <a:bodyPr/>
+                  <a:lstStyle/>
+                  <a:p>
+                    <a:endParaRPr lang="en-US"/>
+                  </a:p>
+                </c:rich>
+              </c:tx>
+              <c:dLblPos val="l"/>
+              <c:showLegendKey val="0"/>
+              <c:showVal val="0"/>
+              <c:showCatName val="0"/>
+              <c:showSerName val="0"/>
+              <c:showPercent val="0"/>
+              <c:showBubbleSize val="0"/>
+              <c:extLst>
+                <c:ext xmlns:c15="http://schemas.microsoft.com/office/drawing/2012/chart" uri="{CE6537A1-D6FC-4f65-9D91-7224C49458BB}"/>
+                <c:ext xmlns:c16="http://schemas.microsoft.com/office/drawing/2014/chart" uri="{C3380CC4-5D6E-409C-BE32-E72D297353CC}">
+                  <c16:uniqueId val="{00000000-D37E-4BC5-BE84-ECC3FD659881}"/>
+                </c:ext>
+              </c:extLst>
+            </c:dLbl>
+            <c:dLbl>
+              <c:idx val="1"/>
+              <c:tx>
+                <c:rich>
+                  <a:bodyPr/>
+                  <a:lstStyle/>
+                  <a:p>
+                    <a:fld id="{DB44898A-8EBD-421D-BE40-15FD3715EA0B}" type="CELLRANGE">
+                      <a:rPr lang="de-DE"/>
+                      <a:pPr/>
+                      <a:t>[CELLRANGE]</a:t>
+                    </a:fld>
+                    <a:endParaRPr lang="de-DE"/>
+                  </a:p>
+                </c:rich>
+              </c:tx>
+              <c:dLblPos val="l"/>
+              <c:showLegendKey val="0"/>
+              <c:showVal val="0"/>
+              <c:showCatName val="0"/>
+              <c:showSerName val="0"/>
+              <c:showPercent val="0"/>
+              <c:showBubbleSize val="0"/>
+              <c:extLst>
+                <c:ext xmlns:c15="http://schemas.microsoft.com/office/drawing/2012/chart" uri="{CE6537A1-D6FC-4f65-9D91-7224C49458BB}">
+                  <c15:dlblFieldTable/>
+                  <c15:xForSave val="1"/>
+                  <c15:showDataLabelsRange val="1"/>
+                </c:ext>
+                <c:ext xmlns:c16="http://schemas.microsoft.com/office/drawing/2014/chart" uri="{C3380CC4-5D6E-409C-BE32-E72D297353CC}">
+                  <c16:uniqueId val="{00000001-D37E-4BC5-BE84-ECC3FD659881}"/>
+                </c:ext>
+              </c:extLst>
+            </c:dLbl>
+            <c:dLbl>
+              <c:idx val="2"/>
+              <c:tx>
+                <c:rich>
+                  <a:bodyPr/>
+                  <a:lstStyle/>
+                  <a:p>
+                    <a:fld id="{DBAC2678-05C7-41C5-B32E-89BF72A69BA7}" type="CELLRANGE">
+                      <a:rPr lang="de-DE"/>
+                      <a:pPr/>
+                      <a:t>[CELLRANGE]</a:t>
+                    </a:fld>
+                    <a:endParaRPr lang="de-DE"/>
+                  </a:p>
+                </c:rich>
+              </c:tx>
+              <c:dLblPos val="l"/>
+              <c:showLegendKey val="0"/>
+              <c:showVal val="0"/>
+              <c:showCatName val="0"/>
+              <c:showSerName val="0"/>
+              <c:showPercent val="0"/>
+              <c:showBubbleSize val="0"/>
+              <c:extLst>
+                <c:ext xmlns:c15="http://schemas.microsoft.com/office/drawing/2012/chart" uri="{CE6537A1-D6FC-4f65-9D91-7224C49458BB}">
+                  <c15:dlblFieldTable/>
+                  <c15:xForSave val="1"/>
+                  <c15:showDataLabelsRange val="1"/>
+                </c:ext>
+                <c:ext xmlns:c16="http://schemas.microsoft.com/office/drawing/2014/chart" uri="{C3380CC4-5D6E-409C-BE32-E72D297353CC}">
+                  <c16:uniqueId val="{00000002-D37E-4BC5-BE84-ECC3FD659881}"/>
+                </c:ext>
+              </c:extLst>
+            </c:dLbl>
+            <c:dLbl>
+              <c:idx val="3"/>
+              <c:tx>
+                <c:rich>
+                  <a:bodyPr/>
+                  <a:lstStyle/>
+                  <a:p>
+                    <a:fld id="{571346FA-08A3-49E2-8FE4-63A7F955243F}" type="CELLRANGE">
+                      <a:rPr lang="de-DE"/>
+                      <a:pPr/>
+                      <a:t>[CELLRANGE]</a:t>
+                    </a:fld>
+                    <a:endParaRPr lang="de-DE"/>
+                  </a:p>
+                </c:rich>
+              </c:tx>
+              <c:dLblPos val="l"/>
+              <c:showLegendKey val="0"/>
+              <c:showVal val="0"/>
+              <c:showCatName val="0"/>
+              <c:showSerName val="0"/>
+              <c:showPercent val="0"/>
+              <c:showBubbleSize val="0"/>
+              <c:extLst>
+                <c:ext xmlns:c15="http://schemas.microsoft.com/office/drawing/2012/chart" uri="{CE6537A1-D6FC-4f65-9D91-7224C49458BB}">
+                  <c15:dlblFieldTable/>
+                  <c15:xForSave val="1"/>
+                  <c15:showDataLabelsRange val="1"/>
+                </c:ext>
+                <c:ext xmlns:c16="http://schemas.microsoft.com/office/drawing/2014/chart" uri="{C3380CC4-5D6E-409C-BE32-E72D297353CC}">
+                  <c16:uniqueId val="{00000003-D37E-4BC5-BE84-ECC3FD659881}"/>
+                </c:ext>
+              </c:extLst>
+            </c:dLbl>
+            <c:dLbl>
+              <c:idx val="4"/>
+              <c:tx>
+                <c:rich>
+                  <a:bodyPr/>
+                  <a:lstStyle/>
+                  <a:p>
+                    <a:fld id="{228347FC-91A4-4A2A-A105-227C3866CA4C}" type="CELLRANGE">
+                      <a:rPr lang="de-DE"/>
+                      <a:pPr/>
+                      <a:t>[CELLRANGE]</a:t>
+                    </a:fld>
+                    <a:endParaRPr lang="de-DE"/>
+                  </a:p>
+                </c:rich>
+              </c:tx>
+              <c:dLblPos val="l"/>
+              <c:showLegendKey val="0"/>
+              <c:showVal val="0"/>
+              <c:showCatName val="0"/>
+              <c:showSerName val="0"/>
+              <c:showPercent val="0"/>
+              <c:showBubbleSize val="0"/>
+              <c:extLst>
+                <c:ext xmlns:c15="http://schemas.microsoft.com/office/drawing/2012/chart" uri="{CE6537A1-D6FC-4f65-9D91-7224C49458BB}">
+                  <c15:dlblFieldTable/>
+                  <c15:xForSave val="1"/>
+                  <c15:showDataLabelsRange val="1"/>
+                </c:ext>
+                <c:ext xmlns:c16="http://schemas.microsoft.com/office/drawing/2014/chart" uri="{C3380CC4-5D6E-409C-BE32-E72D297353CC}">
+                  <c16:uniqueId val="{00000004-D37E-4BC5-BE84-ECC3FD659881}"/>
+                </c:ext>
+              </c:extLst>
+            </c:dLbl>
+            <c:dLbl>
+              <c:idx val="5"/>
+              <c:tx>
+                <c:rich>
+                  <a:bodyPr/>
+                  <a:lstStyle/>
+                  <a:p>
+                    <a:fld id="{4D09D84B-EC73-4BD8-91DA-80B52181461A}" type="CELLRANGE">
+                      <a:rPr lang="de-DE"/>
+                      <a:pPr/>
+                      <a:t>[CELLRANGE]</a:t>
+                    </a:fld>
+                    <a:endParaRPr lang="de-DE"/>
+                  </a:p>
+                </c:rich>
+              </c:tx>
+              <c:dLblPos val="l"/>
+              <c:showLegendKey val="0"/>
+              <c:showVal val="0"/>
+              <c:showCatName val="0"/>
+              <c:showSerName val="0"/>
+              <c:showPercent val="0"/>
+              <c:showBubbleSize val="0"/>
+              <c:extLst>
+                <c:ext xmlns:c15="http://schemas.microsoft.com/office/drawing/2012/chart" uri="{CE6537A1-D6FC-4f65-9D91-7224C49458BB}">
+                  <c15:dlblFieldTable/>
+                  <c15:xForSave val="1"/>
+                  <c15:showDataLabelsRange val="1"/>
+                </c:ext>
+                <c:ext xmlns:c16="http://schemas.microsoft.com/office/drawing/2014/chart" uri="{C3380CC4-5D6E-409C-BE32-E72D297353CC}">
+                  <c16:uniqueId val="{00000005-D37E-4BC5-BE84-ECC3FD659881}"/>
+                </c:ext>
+              </c:extLst>
+            </c:dLbl>
+            <c:dLbl>
+              <c:idx val="6"/>
+              <c:tx>
+                <c:rich>
+                  <a:bodyPr/>
+                  <a:lstStyle/>
+                  <a:p>
+                    <a:fld id="{7406C5F7-BD48-44DA-944A-B83694A60850}" type="CELLRANGE">
+                      <a:rPr lang="de-DE"/>
+                      <a:pPr/>
+                      <a:t>[CELLRANGE]</a:t>
+                    </a:fld>
+                    <a:endParaRPr lang="de-DE"/>
+                  </a:p>
+                </c:rich>
+              </c:tx>
+              <c:dLblPos val="l"/>
+              <c:showLegendKey val="0"/>
+              <c:showVal val="0"/>
+              <c:showCatName val="0"/>
+              <c:showSerName val="0"/>
+              <c:showPercent val="0"/>
+              <c:showBubbleSize val="0"/>
+              <c:extLst>
+                <c:ext xmlns:c15="http://schemas.microsoft.com/office/drawing/2012/chart" uri="{CE6537A1-D6FC-4f65-9D91-7224C49458BB}">
+                  <c15:dlblFieldTable/>
+                  <c15:xForSave val="1"/>
+                  <c15:showDataLabelsRange val="1"/>
+                </c:ext>
+                <c:ext xmlns:c16="http://schemas.microsoft.com/office/drawing/2014/chart" uri="{C3380CC4-5D6E-409C-BE32-E72D297353CC}">
+                  <c16:uniqueId val="{00000006-D37E-4BC5-BE84-ECC3FD659881}"/>
+                </c:ext>
+              </c:extLst>
+            </c:dLbl>
+            <c:dLbl>
+              <c:idx val="7"/>
+              <c:tx>
+                <c:rich>
+                  <a:bodyPr/>
+                  <a:lstStyle/>
+                  <a:p>
+                    <a:fld id="{5811AD01-6437-4692-9606-F72563BB7DCA}" type="CELLRANGE">
+                      <a:rPr lang="de-DE"/>
+                      <a:pPr/>
+                      <a:t>[CELLRANGE]</a:t>
+                    </a:fld>
+                    <a:endParaRPr lang="de-DE"/>
+                  </a:p>
+                </c:rich>
+              </c:tx>
+              <c:dLblPos val="l"/>
+              <c:showLegendKey val="0"/>
+              <c:showVal val="0"/>
+              <c:showCatName val="0"/>
+              <c:showSerName val="0"/>
+              <c:showPercent val="0"/>
+              <c:showBubbleSize val="0"/>
+              <c:extLst>
+                <c:ext xmlns:c15="http://schemas.microsoft.com/office/drawing/2012/chart" uri="{CE6537A1-D6FC-4f65-9D91-7224C49458BB}">
+                  <c15:dlblFieldTable/>
+                  <c15:xForSave val="1"/>
+                  <c15:showDataLabelsRange val="1"/>
+                </c:ext>
+                <c:ext xmlns:c16="http://schemas.microsoft.com/office/drawing/2014/chart" uri="{C3380CC4-5D6E-409C-BE32-E72D297353CC}">
+                  <c16:uniqueId val="{00000007-D37E-4BC5-BE84-ECC3FD659881}"/>
+                </c:ext>
+              </c:extLst>
+            </c:dLbl>
+            <c:dLbl>
+              <c:idx val="8"/>
+              <c:tx>
+                <c:rich>
+                  <a:bodyPr/>
+                  <a:lstStyle/>
+                  <a:p>
+                    <a:fld id="{1A644DDB-9782-4A35-B8BE-B9BCDBE05EEB}" type="CELLRANGE">
+                      <a:rPr lang="de-DE"/>
+                      <a:pPr/>
+                      <a:t>[CELLRANGE]</a:t>
+                    </a:fld>
+                    <a:endParaRPr lang="de-DE"/>
+                  </a:p>
+                </c:rich>
+              </c:tx>
+              <c:dLblPos val="l"/>
+              <c:showLegendKey val="0"/>
+              <c:showVal val="0"/>
+              <c:showCatName val="0"/>
+              <c:showSerName val="0"/>
+              <c:showPercent val="0"/>
+              <c:showBubbleSize val="0"/>
+              <c:extLst>
+                <c:ext xmlns:c15="http://schemas.microsoft.com/office/drawing/2012/chart" uri="{CE6537A1-D6FC-4f65-9D91-7224C49458BB}">
+                  <c15:dlblFieldTable/>
+                  <c15:xForSave val="1"/>
+                  <c15:showDataLabelsRange val="1"/>
+                </c:ext>
+                <c:ext xmlns:c16="http://schemas.microsoft.com/office/drawing/2014/chart" uri="{C3380CC4-5D6E-409C-BE32-E72D297353CC}">
+                  <c16:uniqueId val="{00000008-D37E-4BC5-BE84-ECC3FD659881}"/>
+                </c:ext>
+              </c:extLst>
+            </c:dLbl>
+            <c:dLbl>
+              <c:idx val="9"/>
+              <c:tx>
+                <c:rich>
+                  <a:bodyPr/>
+                  <a:lstStyle/>
+                  <a:p>
+                    <a:fld id="{1055E9A2-8D53-466F-819E-9A06B20B9719}" type="CELLRANGE">
+                      <a:rPr lang="de-DE"/>
+                      <a:pPr/>
+                      <a:t>[CELLRANGE]</a:t>
+                    </a:fld>
+                    <a:endParaRPr lang="de-DE"/>
+                  </a:p>
+                </c:rich>
+              </c:tx>
+              <c:dLblPos val="l"/>
+              <c:showLegendKey val="0"/>
+              <c:showVal val="0"/>
+              <c:showCatName val="0"/>
+              <c:showSerName val="0"/>
+              <c:showPercent val="0"/>
+              <c:showBubbleSize val="0"/>
+              <c:extLst>
+                <c:ext xmlns:c15="http://schemas.microsoft.com/office/drawing/2012/chart" uri="{CE6537A1-D6FC-4f65-9D91-7224C49458BB}">
+                  <c15:dlblFieldTable/>
+                  <c15:xForSave val="1"/>
+                  <c15:showDataLabelsRange val="1"/>
+                </c:ext>
+                <c:ext xmlns:c16="http://schemas.microsoft.com/office/drawing/2014/chart" uri="{C3380CC4-5D6E-409C-BE32-E72D297353CC}">
+                  <c16:uniqueId val="{00000009-D37E-4BC5-BE84-ECC3FD659881}"/>
+                </c:ext>
+              </c:extLst>
+            </c:dLbl>
+            <c:dLbl>
+              <c:idx val="10"/>
+              <c:tx>
+                <c:rich>
+                  <a:bodyPr/>
+                  <a:lstStyle/>
+                  <a:p>
+                    <a:fld id="{70265446-C5AC-4B22-ABF0-506BA886E045}" type="CELLRANGE">
+                      <a:rPr lang="de-DE"/>
+                      <a:pPr/>
+                      <a:t>[CELLRANGE]</a:t>
+                    </a:fld>
+                    <a:endParaRPr lang="de-DE"/>
+                  </a:p>
+                </c:rich>
+              </c:tx>
+              <c:dLblPos val="l"/>
+              <c:showLegendKey val="0"/>
+              <c:showVal val="0"/>
+              <c:showCatName val="0"/>
+              <c:showSerName val="0"/>
+              <c:showPercent val="0"/>
+              <c:showBubbleSize val="0"/>
+              <c:extLst>
+                <c:ext xmlns:c15="http://schemas.microsoft.com/office/drawing/2012/chart" uri="{CE6537A1-D6FC-4f65-9D91-7224C49458BB}">
+                  <c15:dlblFieldTable/>
+                  <c15:xForSave val="1"/>
+                  <c15:showDataLabelsRange val="1"/>
+                </c:ext>
+                <c:ext xmlns:c16="http://schemas.microsoft.com/office/drawing/2014/chart" uri="{C3380CC4-5D6E-409C-BE32-E72D297353CC}">
+                  <c16:uniqueId val="{0000000A-D37E-4BC5-BE84-ECC3FD659881}"/>
+                </c:ext>
+              </c:extLst>
+            </c:dLbl>
+            <c:dLbl>
+              <c:idx val="11"/>
+              <c:tx>
+                <c:rich>
+                  <a:bodyPr/>
+                  <a:lstStyle/>
+                  <a:p>
+                    <a:fld id="{DA6F642E-6A17-49D9-BAD3-4264F6FB69D6}" type="CELLRANGE">
+                      <a:rPr lang="de-DE"/>
+                      <a:pPr/>
+                      <a:t>[CELLRANGE]</a:t>
+                    </a:fld>
+                    <a:endParaRPr lang="de-DE"/>
+                  </a:p>
+                </c:rich>
+              </c:tx>
+              <c:dLblPos val="l"/>
+              <c:showLegendKey val="0"/>
+              <c:showVal val="0"/>
+              <c:showCatName val="0"/>
+              <c:showSerName val="0"/>
+              <c:showPercent val="0"/>
+              <c:showBubbleSize val="0"/>
+              <c:extLst>
+                <c:ext xmlns:c15="http://schemas.microsoft.com/office/drawing/2012/chart" uri="{CE6537A1-D6FC-4f65-9D91-7224C49458BB}">
+                  <c15:dlblFieldTable/>
+                  <c15:xForSave val="1"/>
+                  <c15:showDataLabelsRange val="1"/>
+                </c:ext>
+                <c:ext xmlns:c16="http://schemas.microsoft.com/office/drawing/2014/chart" uri="{C3380CC4-5D6E-409C-BE32-E72D297353CC}">
+                  <c16:uniqueId val="{0000000B-D37E-4BC5-BE84-ECC3FD659881}"/>
+                </c:ext>
+              </c:extLst>
+            </c:dLbl>
+            <c:dLbl>
+              <c:idx val="12"/>
+              <c:tx>
+                <c:rich>
+                  <a:bodyPr/>
+                  <a:lstStyle/>
+                  <a:p>
+                    <a:fld id="{9E0FF84A-EE0E-44D1-A1B5-EAFF3C2608A1}" type="CELLRANGE">
+                      <a:rPr lang="de-DE"/>
+                      <a:pPr/>
+                      <a:t>[CELLRANGE]</a:t>
+                    </a:fld>
+                    <a:endParaRPr lang="de-DE"/>
+                  </a:p>
+                </c:rich>
+              </c:tx>
+              <c:dLblPos val="l"/>
+              <c:showLegendKey val="0"/>
+              <c:showVal val="0"/>
+              <c:showCatName val="0"/>
+              <c:showSerName val="0"/>
+              <c:showPercent val="0"/>
+              <c:showBubbleSize val="0"/>
+              <c:extLst>
+                <c:ext xmlns:c15="http://schemas.microsoft.com/office/drawing/2012/chart" uri="{CE6537A1-D6FC-4f65-9D91-7224C49458BB}">
+                  <c15:dlblFieldTable/>
+                  <c15:xForSave val="1"/>
+                  <c15:showDataLabelsRange val="1"/>
+                </c:ext>
+                <c:ext xmlns:c16="http://schemas.microsoft.com/office/drawing/2014/chart" uri="{C3380CC4-5D6E-409C-BE32-E72D297353CC}">
+                  <c16:uniqueId val="{0000000C-D37E-4BC5-BE84-ECC3FD659881}"/>
+                </c:ext>
+              </c:extLst>
+            </c:dLbl>
+            <c:dLbl>
+              <c:idx val="13"/>
+              <c:tx>
+                <c:rich>
+                  <a:bodyPr/>
+                  <a:lstStyle/>
+                  <a:p>
+                    <a:endParaRPr lang="en-US"/>
+                  </a:p>
+                </c:rich>
+              </c:tx>
+              <c:dLblPos val="l"/>
+              <c:showLegendKey val="0"/>
+              <c:showVal val="0"/>
+              <c:showCatName val="0"/>
+              <c:showSerName val="0"/>
+              <c:showPercent val="0"/>
+              <c:showBubbleSize val="0"/>
+              <c:extLst>
+                <c:ext xmlns:c15="http://schemas.microsoft.com/office/drawing/2012/chart" uri="{CE6537A1-D6FC-4f65-9D91-7224C49458BB}"/>
+                <c:ext xmlns:c16="http://schemas.microsoft.com/office/drawing/2014/chart" uri="{C3380CC4-5D6E-409C-BE32-E72D297353CC}">
+                  <c16:uniqueId val="{0000000D-D37E-4BC5-BE84-ECC3FD659881}"/>
+                </c:ext>
+              </c:extLst>
+            </c:dLbl>
+            <c:spPr>
+              <a:noFill/>
+              <a:ln>
+                <a:noFill/>
+              </a:ln>
+              <a:effectLst/>
+            </c:spPr>
+            <c:txPr>
+              <a:bodyPr rot="0" spcFirstLastPara="1" vertOverflow="clip" horzOverflow="clip" vert="horz" wrap="square" lIns="0" tIns="0" rIns="0" bIns="0" anchor="ctr" anchorCtr="1">
+                <a:spAutoFit/>
+              </a:bodyPr>
+              <a:lstStyle/>
+              <a:p>
+                <a:pPr>
+                  <a:defRPr sz="1100" b="0" i="0" u="none" strike="noStrike" kern="1200" baseline="0">
+                    <a:solidFill>
+                      <a:schemeClr val="lt1">
+                        <a:lumMod val="15000"/>
+                        <a:lumOff val="85000"/>
+                      </a:schemeClr>
+                    </a:solidFill>
+                    <a:latin typeface="Century Gothic" panose="020B0502020202020204" pitchFamily="34" charset="0"/>
+                    <a:ea typeface="+mn-ea"/>
+                    <a:cs typeface="+mn-cs"/>
+                  </a:defRPr>
+                </a:pPr>
+                <a:endParaRPr lang="en-DE"/>
+              </a:p>
+            </c:txPr>
+            <c:dLblPos val="l"/>
+            <c:showLegendKey val="0"/>
+            <c:showVal val="0"/>
+            <c:showCatName val="0"/>
+            <c:showSerName val="0"/>
+            <c:showPercent val="0"/>
+            <c:showBubbleSize val="0"/>
+            <c:showLeaderLines val="0"/>
+            <c:extLst>
+              <c:ext xmlns:c15="http://schemas.microsoft.com/office/drawing/2012/chart" uri="{CE6537A1-D6FC-4f65-9D91-7224C49458BB}">
+                <c15:spPr xmlns:c15="http://schemas.microsoft.com/office/drawing/2012/chart">
+                  <a:prstGeom prst="rect">
+                    <a:avLst/>
+                  </a:prstGeom>
+                  <a:noFill/>
+                  <a:ln>
+                    <a:noFill/>
+                  </a:ln>
+                </c15:spPr>
+                <c15:showDataLabelsRange val="1"/>
+                <c15:showLeaderLines val="1"/>
+                <c15:leaderLines>
+                  <c:spPr>
+                    <a:ln w="9525">
+                      <a:solidFill>
+                        <a:schemeClr val="lt1">
+                          <a:lumMod val="50000"/>
+                        </a:schemeClr>
+                      </a:solidFill>
+                      <a:round/>
+                    </a:ln>
+                    <a:effectLst/>
+                  </c:spPr>
+                </c15:leaderLines>
+              </c:ext>
+            </c:extLst>
+          </c:dLbls>
+          <c:errBars>
+            <c:errDir val="x"/>
+            <c:errBarType val="plus"/>
+            <c:errValType val="cust"/>
+            <c:noEndCap val="1"/>
+            <c:plus>
+              <c:numRef>
+                <c:f>Timeline!$D$30:$D$43</c:f>
+                <c:numCache>
+                  <c:formatCode>General</c:formatCode>
+                  <c:ptCount val="14"/>
+                  <c:pt idx="1">
+                    <c:v>15</c:v>
+                  </c:pt>
+                  <c:pt idx="2">
+                    <c:v>11</c:v>
+                  </c:pt>
+                  <c:pt idx="3">
+                    <c:v>8</c:v>
+                  </c:pt>
+                  <c:pt idx="4">
+                    <c:v>4</c:v>
+                  </c:pt>
+                  <c:pt idx="5">
+                    <c:v>8</c:v>
+                  </c:pt>
+                  <c:pt idx="6">
+                    <c:v>15</c:v>
+                  </c:pt>
+                  <c:pt idx="7">
+                    <c:v>29</c:v>
+                  </c:pt>
+                  <c:pt idx="8">
+                    <c:v>36</c:v>
+                  </c:pt>
+                  <c:pt idx="9">
+                    <c:v>15</c:v>
+                  </c:pt>
+                  <c:pt idx="10">
+                    <c:v>36</c:v>
+                  </c:pt>
+                  <c:pt idx="11">
+                    <c:v>8</c:v>
+                  </c:pt>
+                  <c:pt idx="12">
+                    <c:v>15</c:v>
+                  </c:pt>
+                </c:numCache>
+              </c:numRef>
+            </c:plus>
+            <c:minus>
+              <c:numLit>
+                <c:formatCode>General</c:formatCode>
+                <c:ptCount val="1"/>
+                <c:pt idx="0">
+                  <c:v>1</c:v>
+                </c:pt>
+              </c:numLit>
+            </c:minus>
+            <c:spPr>
+              <a:noFill/>
+              <a:ln w="31750">
+                <a:solidFill>
+                  <a:srgbClr val="31859C"/>
+                </a:solidFill>
+                <a:round/>
+              </a:ln>
+              <a:effectLst/>
+            </c:spPr>
+          </c:errBars>
+          <c:errBars>
+            <c:errDir val="y"/>
+            <c:errBarType val="minus"/>
+            <c:errValType val="cust"/>
+            <c:noEndCap val="1"/>
+            <c:plus>
+              <c:numLit>
+                <c:formatCode>General</c:formatCode>
+                <c:ptCount val="1"/>
+                <c:pt idx="0">
+                  <c:v>0</c:v>
+                </c:pt>
+              </c:numLit>
+            </c:plus>
+            <c:minus>
+              <c:numRef>
+                <c:f>Timeline!$G$30:$G$43</c:f>
+                <c:numCache>
+                  <c:formatCode>General</c:formatCode>
+                  <c:ptCount val="14"/>
+                  <c:pt idx="1">
+                    <c:v>-15</c:v>
+                  </c:pt>
+                  <c:pt idx="2">
+                    <c:v>-25</c:v>
+                  </c:pt>
+                  <c:pt idx="3">
+                    <c:v>-35</c:v>
+                  </c:pt>
+                  <c:pt idx="4">
+                    <c:v>-45</c:v>
+                  </c:pt>
+                  <c:pt idx="5">
+                    <c:v>-40</c:v>
+                  </c:pt>
+                  <c:pt idx="6">
+                    <c:v>-10</c:v>
+                  </c:pt>
+                  <c:pt idx="7">
+                    <c:v>-10</c:v>
+                  </c:pt>
+                  <c:pt idx="8">
+                    <c:v>-10</c:v>
+                  </c:pt>
+                  <c:pt idx="9">
+                    <c:v>-25</c:v>
+                  </c:pt>
+                  <c:pt idx="10">
+                    <c:v>-15</c:v>
+                  </c:pt>
+                  <c:pt idx="11">
+                    <c:v>-35</c:v>
+                  </c:pt>
+                  <c:pt idx="12">
+                    <c:v>-55</c:v>
+                  </c:pt>
+                </c:numCache>
+              </c:numRef>
+            </c:minus>
+            <c:spPr>
+              <a:noFill/>
+              <a:ln w="12700">
+                <a:solidFill>
+                  <a:srgbClr val="93CDDD"/>
+                </a:solidFill>
+                <a:round/>
+              </a:ln>
+              <a:effectLst/>
+            </c:spPr>
+          </c:errBars>
+          <c:xVal>
+            <c:numRef>
+              <c:f>Timeline!$B$30:$B$43</c:f>
+              <c:numCache>
+                <c:formatCode>m/d/yyyy</c:formatCode>
+                <c:ptCount val="14"/>
+                <c:pt idx="1">
+                  <c:v>43563</c:v>
+                </c:pt>
+                <c:pt idx="2">
+                  <c:v>43574</c:v>
+                </c:pt>
+                <c:pt idx="3">
+                  <c:v>43584</c:v>
+                </c:pt>
+                <c:pt idx="4">
+                  <c:v>43588</c:v>
+                </c:pt>
+                <c:pt idx="5">
+                  <c:v>43591</c:v>
+                </c:pt>
+                <c:pt idx="6">
+                  <c:v>43591</c:v>
+                </c:pt>
+                <c:pt idx="7">
+                  <c:v>43591</c:v>
+                </c:pt>
+                <c:pt idx="8">
+                  <c:v>43591</c:v>
+                </c:pt>
+                <c:pt idx="9">
+                  <c:v>43598</c:v>
+                </c:pt>
+                <c:pt idx="10">
+                  <c:v>43591</c:v>
+                </c:pt>
+                <c:pt idx="11">
+                  <c:v>43619</c:v>
+                </c:pt>
+                <c:pt idx="12">
+                  <c:v>43626</c:v>
+                </c:pt>
+              </c:numCache>
+            </c:numRef>
+          </c:xVal>
+          <c:yVal>
+            <c:numRef>
+              <c:f>Timeline!$F$30:$F$43</c:f>
+              <c:numCache>
+                <c:formatCode>General</c:formatCode>
+                <c:ptCount val="14"/>
+                <c:pt idx="1">
+                  <c:v>-15</c:v>
+                </c:pt>
+                <c:pt idx="2">
+                  <c:v>-25</c:v>
+                </c:pt>
+                <c:pt idx="3">
+                  <c:v>-35</c:v>
+                </c:pt>
+                <c:pt idx="4">
+                  <c:v>-45</c:v>
+                </c:pt>
+                <c:pt idx="5">
+                  <c:v>-55</c:v>
+                </c:pt>
+                <c:pt idx="6">
+                  <c:v>-65</c:v>
+                </c:pt>
+                <c:pt idx="7">
+                  <c:v>-75</c:v>
+                </c:pt>
+                <c:pt idx="8">
+                  <c:v>-85</c:v>
+                </c:pt>
+                <c:pt idx="9">
+                  <c:v>-25</c:v>
+                </c:pt>
+                <c:pt idx="10">
+                  <c:v>-15</c:v>
+                </c:pt>
+                <c:pt idx="11">
+                  <c:v>-35</c:v>
+                </c:pt>
+                <c:pt idx="12">
+                  <c:v>-55</c:v>
+                </c:pt>
+              </c:numCache>
+            </c:numRef>
+          </c:yVal>
+          <c:smooth val="0"/>
+          <c:extLst>
+            <c:ext xmlns:c15="http://schemas.microsoft.com/office/drawing/2012/chart" uri="{02D57815-91ED-43cb-92C2-25804820EDAC}">
+              <c15:datalabelsRange>
+                <c15:f>Timeline!$E$30:$E$43</c15:f>
+                <c15:dlblRangeCache>
+                  <c:ptCount val="14"/>
+                  <c:pt idx="1">
+                    <c:v>Story Writing</c:v>
+                  </c:pt>
+                  <c:pt idx="2">
+                    <c:v>Prototyping</c:v>
+                  </c:pt>
+                  <c:pt idx="3">
+                    <c:v>Movement, Health, Oxygen</c:v>
+                  </c:pt>
+                  <c:pt idx="4">
+                    <c:v>Basic Animation</c:v>
+                  </c:pt>
+                  <c:pt idx="5">
+                    <c:v>Gunplay</c:v>
+                  </c:pt>
+                  <c:pt idx="6">
+                    <c:v>Inventory System</c:v>
+                  </c:pt>
+                  <c:pt idx="7">
+                    <c:v>AI</c:v>
+                  </c:pt>
+                  <c:pt idx="8">
+                    <c:v>UI</c:v>
+                  </c:pt>
+                  <c:pt idx="9">
+                    <c:v>Time Travel</c:v>
+                  </c:pt>
+                  <c:pt idx="10">
+                    <c:v>Puzzle</c:v>
+                  </c:pt>
+                  <c:pt idx="11">
+                    <c:v>Sound</c:v>
+                  </c:pt>
+                  <c:pt idx="12">
+                    <c:v>Bugfixing, Balancing, Polishing</c:v>
+                  </c:pt>
+                  <c:pt idx="13">
+                    <c:v>Insert new rows above this one</c:v>
+                  </c:pt>
+                </c15:dlblRangeCache>
+              </c15:datalabelsRange>
+            </c:ext>
+            <c:ext xmlns:c16="http://schemas.microsoft.com/office/drawing/2014/chart" uri="{C3380CC4-5D6E-409C-BE32-E72D297353CC}">
+              <c16:uniqueId val="{0000000E-D37E-4BC5-BE84-ECC3FD659881}"/>
+            </c:ext>
+          </c:extLst>
+        </c:ser>
+        <c:ser>
+          <c:idx val="0"/>
+          <c:order val="1"/>
+          <c:tx>
+            <c:v>Milestones</c:v>
+          </c:tx>
+          <c:spPr>
+            <a:ln w="25400" cap="rnd">
+              <a:noFill/>
+            </a:ln>
+            <a:effectLst>
+              <a:glow rad="139700">
+                <a:srgbClr val="C0504D">
+                  <a:alpha val="13725"/>
+                </a:srgbClr>
+              </a:glow>
+            </a:effectLst>
+          </c:spPr>
+          <c:marker>
+            <c:symbol val="circle"/>
+            <c:size val="3"/>
+            <c:spPr>
+              <a:solidFill>
+                <a:schemeClr val="accent6">
+                  <a:lumMod val="60000"/>
+                  <a:lumOff val="40000"/>
+                </a:schemeClr>
+              </a:solidFill>
+              <a:ln>
+                <a:noFill/>
+              </a:ln>
+              <a:effectLst>
+                <a:glow rad="139700">
+                  <a:srgbClr val="C0504D">
+                    <a:alpha val="13725"/>
+                  </a:srgbClr>
+                </a:glow>
+              </a:effectLst>
+            </c:spPr>
+          </c:marker>
+          <c:dPt>
+            <c:idx val="0"/>
+            <c:marker>
+              <c:symbol val="circle"/>
+              <c:size val="3"/>
+              <c:spPr>
+                <a:solidFill>
+                  <a:schemeClr val="accent6">
+                    <a:lumMod val="60000"/>
+                    <a:lumOff val="40000"/>
+                  </a:schemeClr>
+                </a:solidFill>
+                <a:ln>
+                  <a:noFill/>
+                </a:ln>
+                <a:effectLst>
+                  <a:glow rad="139700">
+                    <a:srgbClr val="C0504D">
+                      <a:alpha val="13725"/>
+                    </a:srgbClr>
+                  </a:glow>
+                </a:effectLst>
+              </c:spPr>
+            </c:marker>
+            <c:bubble3D val="0"/>
+            <c:extLst>
+              <c:ext xmlns:c16="http://schemas.microsoft.com/office/drawing/2014/chart" uri="{C3380CC4-5D6E-409C-BE32-E72D297353CC}">
+                <c16:uniqueId val="{0000000F-D37E-4BC5-BE84-ECC3FD659881}"/>
+              </c:ext>
+            </c:extLst>
+          </c:dPt>
+          <c:dPt>
+            <c:idx val="1"/>
+            <c:marker>
+              <c:symbol val="circle"/>
+              <c:size val="3"/>
+              <c:spPr>
+                <a:solidFill>
+                  <a:schemeClr val="accent6">
+                    <a:lumMod val="60000"/>
+                    <a:lumOff val="40000"/>
+                  </a:schemeClr>
+                </a:solidFill>
+                <a:ln>
+                  <a:noFill/>
+                </a:ln>
+                <a:effectLst>
+                  <a:glow rad="139700">
+                    <a:srgbClr val="C0504D">
+                      <a:alpha val="13725"/>
+                    </a:srgbClr>
+                  </a:glow>
+                </a:effectLst>
+              </c:spPr>
+            </c:marker>
+            <c:bubble3D val="0"/>
+            <c:extLst>
+              <c:ext xmlns:c16="http://schemas.microsoft.com/office/drawing/2014/chart" uri="{C3380CC4-5D6E-409C-BE32-E72D297353CC}">
+                <c16:uniqueId val="{00000010-D37E-4BC5-BE84-ECC3FD659881}"/>
+              </c:ext>
+            </c:extLst>
+          </c:dPt>
+          <c:dPt>
+            <c:idx val="6"/>
+            <c:marker>
+              <c:symbol val="circle"/>
+              <c:size val="3"/>
+              <c:spPr>
+                <a:solidFill>
+                  <a:schemeClr val="accent6">
+                    <a:lumMod val="60000"/>
+                    <a:lumOff val="40000"/>
+                  </a:schemeClr>
+                </a:solidFill>
+                <a:ln>
+                  <a:noFill/>
+                </a:ln>
+                <a:effectLst>
+                  <a:glow rad="139700">
+                    <a:srgbClr val="C0504D">
+                      <a:alpha val="13725"/>
+                    </a:srgbClr>
+                  </a:glow>
+                </a:effectLst>
+              </c:spPr>
+            </c:marker>
+            <c:bubble3D val="0"/>
+            <c:extLst>
+              <c:ext xmlns:c16="http://schemas.microsoft.com/office/drawing/2014/chart" uri="{C3380CC4-5D6E-409C-BE32-E72D297353CC}">
+                <c16:uniqueId val="{00000011-D37E-4BC5-BE84-ECC3FD659881}"/>
+              </c:ext>
+            </c:extLst>
+          </c:dPt>
+          <c:dLbls>
+            <c:dLbl>
+              <c:idx val="0"/>
+              <c:tx>
+                <c:rich>
+                  <a:bodyPr/>
+                  <a:lstStyle/>
+                  <a:p>
+                    <a:endParaRPr lang="en-US"/>
+                  </a:p>
+                </c:rich>
+              </c:tx>
+              <c:dLblPos val="t"/>
+              <c:showLegendKey val="0"/>
+              <c:showVal val="0"/>
+              <c:showCatName val="0"/>
+              <c:showSerName val="0"/>
+              <c:showPercent val="0"/>
+              <c:showBubbleSize val="0"/>
+              <c:extLst>
+                <c:ext xmlns:c15="http://schemas.microsoft.com/office/drawing/2012/chart" uri="{CE6537A1-D6FC-4f65-9D91-7224C49458BB}"/>
+                <c:ext xmlns:c16="http://schemas.microsoft.com/office/drawing/2014/chart" uri="{C3380CC4-5D6E-409C-BE32-E72D297353CC}">
+                  <c16:uniqueId val="{0000000F-D37E-4BC5-BE84-ECC3FD659881}"/>
+                </c:ext>
+              </c:extLst>
+            </c:dLbl>
+            <c:dLbl>
+              <c:idx val="1"/>
+              <c:tx>
+                <c:rich>
+                  <a:bodyPr/>
+                  <a:lstStyle/>
+                  <a:p>
+                    <a:fld id="{AB5A942A-E60D-4AC6-81C8-1D2C5102E572}" type="CELLRANGE">
+                      <a:rPr lang="de-DE"/>
+                      <a:pPr/>
+                      <a:t>[CELLRANGE]</a:t>
+                    </a:fld>
+                    <a:endParaRPr lang="de-DE"/>
+                  </a:p>
+                </c:rich>
+              </c:tx>
+              <c:dLblPos val="t"/>
+              <c:showLegendKey val="0"/>
+              <c:showVal val="0"/>
+              <c:showCatName val="0"/>
+              <c:showSerName val="0"/>
+              <c:showPercent val="0"/>
+              <c:showBubbleSize val="0"/>
+              <c:extLst>
+                <c:ext xmlns:c15="http://schemas.microsoft.com/office/drawing/2012/chart" uri="{CE6537A1-D6FC-4f65-9D91-7224C49458BB}">
+                  <c15:dlblFieldTable/>
+                  <c15:xForSave val="1"/>
+                  <c15:showDataLabelsRange val="1"/>
+                </c:ext>
+                <c:ext xmlns:c16="http://schemas.microsoft.com/office/drawing/2014/chart" uri="{C3380CC4-5D6E-409C-BE32-E72D297353CC}">
+                  <c16:uniqueId val="{00000010-D37E-4BC5-BE84-ECC3FD659881}"/>
+                </c:ext>
+              </c:extLst>
+            </c:dLbl>
+            <c:dLbl>
+              <c:idx val="2"/>
+              <c:tx>
+                <c:rich>
+                  <a:bodyPr/>
+                  <a:lstStyle/>
+                  <a:p>
+                    <a:fld id="{E97DF23A-D496-4DA9-AAEE-B6CDDE58FFCF}" type="CELLRANGE">
+                      <a:rPr lang="de-DE"/>
+                      <a:pPr/>
+                      <a:t>[CELLRANGE]</a:t>
+                    </a:fld>
+                    <a:endParaRPr lang="de-DE"/>
+                  </a:p>
+                </c:rich>
+              </c:tx>
+              <c:dLblPos val="t"/>
+              <c:showLegendKey val="0"/>
+              <c:showVal val="0"/>
+              <c:showCatName val="0"/>
+              <c:showSerName val="0"/>
+              <c:showPercent val="0"/>
+              <c:showBubbleSize val="0"/>
+              <c:extLst>
+                <c:ext xmlns:c15="http://schemas.microsoft.com/office/drawing/2012/chart" uri="{CE6537A1-D6FC-4f65-9D91-7224C49458BB}">
+                  <c15:dlblFieldTable/>
+                  <c15:xForSave val="1"/>
+                  <c15:showDataLabelsRange val="1"/>
+                </c:ext>
+                <c:ext xmlns:c16="http://schemas.microsoft.com/office/drawing/2014/chart" uri="{C3380CC4-5D6E-409C-BE32-E72D297353CC}">
+                  <c16:uniqueId val="{00000012-D37E-4BC5-BE84-ECC3FD659881}"/>
+                </c:ext>
+              </c:extLst>
+            </c:dLbl>
+            <c:dLbl>
+              <c:idx val="3"/>
+              <c:tx>
+                <c:rich>
+                  <a:bodyPr/>
+                  <a:lstStyle/>
+                  <a:p>
+                    <a:fld id="{19D37982-EE15-482E-B4D3-E987C7626F65}" type="CELLRANGE">
+                      <a:rPr lang="de-DE"/>
+                      <a:pPr/>
+                      <a:t>[CELLRANGE]</a:t>
+                    </a:fld>
+                    <a:endParaRPr lang="de-DE"/>
+                  </a:p>
+                </c:rich>
+              </c:tx>
+              <c:dLblPos val="t"/>
+              <c:showLegendKey val="0"/>
+              <c:showVal val="0"/>
+              <c:showCatName val="0"/>
+              <c:showSerName val="0"/>
+              <c:showPercent val="0"/>
+              <c:showBubbleSize val="0"/>
+              <c:extLst>
+                <c:ext xmlns:c15="http://schemas.microsoft.com/office/drawing/2012/chart" uri="{CE6537A1-D6FC-4f65-9D91-7224C49458BB}">
+                  <c15:dlblFieldTable/>
+                  <c15:xForSave val="1"/>
+                  <c15:showDataLabelsRange val="1"/>
+                </c:ext>
+                <c:ext xmlns:c16="http://schemas.microsoft.com/office/drawing/2014/chart" uri="{C3380CC4-5D6E-409C-BE32-E72D297353CC}">
+                  <c16:uniqueId val="{00000013-D37E-4BC5-BE84-ECC3FD659881}"/>
+                </c:ext>
+              </c:extLst>
+            </c:dLbl>
+            <c:dLbl>
+              <c:idx val="4"/>
+              <c:tx>
+                <c:rich>
+                  <a:bodyPr/>
+                  <a:lstStyle/>
+                  <a:p>
+                    <a:fld id="{370E68C4-6E50-4122-A106-C76F2A9CB59B}" type="CELLRANGE">
+                      <a:rPr lang="de-DE"/>
+                      <a:pPr/>
+                      <a:t>[CELLRANGE]</a:t>
+                    </a:fld>
+                    <a:endParaRPr lang="de-DE"/>
+                  </a:p>
+                </c:rich>
+              </c:tx>
+              <c:dLblPos val="t"/>
+              <c:showLegendKey val="0"/>
+              <c:showVal val="0"/>
+              <c:showCatName val="0"/>
+              <c:showSerName val="0"/>
+              <c:showPercent val="0"/>
+              <c:showBubbleSize val="0"/>
+              <c:extLst>
+                <c:ext xmlns:c15="http://schemas.microsoft.com/office/drawing/2012/chart" uri="{CE6537A1-D6FC-4f65-9D91-7224C49458BB}">
+                  <c15:dlblFieldTable/>
+                  <c15:xForSave val="1"/>
+                  <c15:showDataLabelsRange val="1"/>
+                </c:ext>
+                <c:ext xmlns:c16="http://schemas.microsoft.com/office/drawing/2014/chart" uri="{C3380CC4-5D6E-409C-BE32-E72D297353CC}">
+                  <c16:uniqueId val="{00000014-D37E-4BC5-BE84-ECC3FD659881}"/>
+                </c:ext>
+              </c:extLst>
+            </c:dLbl>
+            <c:dLbl>
+              <c:idx val="5"/>
+              <c:tx>
+                <c:rich>
+                  <a:bodyPr/>
+                  <a:lstStyle/>
+                  <a:p>
+                    <a:fld id="{B1A4C327-3DC0-45CE-B280-D86B8DBC0A6F}" type="CELLRANGE">
+                      <a:rPr lang="de-DE"/>
+                      <a:pPr/>
+                      <a:t>[CELLRANGE]</a:t>
+                    </a:fld>
+                    <a:endParaRPr lang="de-DE"/>
+                  </a:p>
+                </c:rich>
+              </c:tx>
+              <c:dLblPos val="t"/>
+              <c:showLegendKey val="0"/>
+              <c:showVal val="0"/>
+              <c:showCatName val="0"/>
+              <c:showSerName val="0"/>
+              <c:showPercent val="0"/>
+              <c:showBubbleSize val="0"/>
+              <c:extLst>
+                <c:ext xmlns:c15="http://schemas.microsoft.com/office/drawing/2012/chart" uri="{CE6537A1-D6FC-4f65-9D91-7224C49458BB}">
+                  <c15:dlblFieldTable/>
+                  <c15:xForSave val="1"/>
+                  <c15:showDataLabelsRange val="1"/>
+                </c:ext>
+                <c:ext xmlns:c16="http://schemas.microsoft.com/office/drawing/2014/chart" uri="{C3380CC4-5D6E-409C-BE32-E72D297353CC}">
+                  <c16:uniqueId val="{00000015-D37E-4BC5-BE84-ECC3FD659881}"/>
+                </c:ext>
+              </c:extLst>
+            </c:dLbl>
+            <c:dLbl>
+              <c:idx val="6"/>
+              <c:tx>
+                <c:rich>
+                  <a:bodyPr/>
+                  <a:lstStyle/>
+                  <a:p>
+                    <a:fld id="{C2B51F6D-5C1D-4AAE-BD13-81134C27C65C}" type="CELLRANGE">
+                      <a:rPr lang="de-DE"/>
+                      <a:pPr/>
+                      <a:t>[CELLRANGE]</a:t>
+                    </a:fld>
+                    <a:endParaRPr lang="de-DE"/>
+                  </a:p>
+                </c:rich>
+              </c:tx>
+              <c:dLblPos val="t"/>
+              <c:showLegendKey val="0"/>
+              <c:showVal val="0"/>
+              <c:showCatName val="0"/>
+              <c:showSerName val="0"/>
+              <c:showPercent val="0"/>
+              <c:showBubbleSize val="0"/>
+              <c:extLst>
+                <c:ext xmlns:c15="http://schemas.microsoft.com/office/drawing/2012/chart" uri="{CE6537A1-D6FC-4f65-9D91-7224C49458BB}">
+                  <c15:dlblFieldTable/>
+                  <c15:xForSave val="1"/>
+                  <c15:showDataLabelsRange val="1"/>
+                </c:ext>
+                <c:ext xmlns:c16="http://schemas.microsoft.com/office/drawing/2014/chart" uri="{C3380CC4-5D6E-409C-BE32-E72D297353CC}">
+                  <c16:uniqueId val="{00000011-D37E-4BC5-BE84-ECC3FD659881}"/>
+                </c:ext>
+              </c:extLst>
+            </c:dLbl>
+            <c:dLbl>
+              <c:idx val="7"/>
+              <c:tx>
+                <c:rich>
+                  <a:bodyPr/>
+                  <a:lstStyle/>
+                  <a:p>
+                    <a:endParaRPr lang="en-US"/>
+                  </a:p>
+                </c:rich>
+              </c:tx>
+              <c:dLblPos val="t"/>
+              <c:showLegendKey val="0"/>
+              <c:showVal val="0"/>
+              <c:showCatName val="0"/>
+              <c:showSerName val="0"/>
+              <c:showPercent val="0"/>
+              <c:showBubbleSize val="0"/>
+              <c:extLst>
+                <c:ext xmlns:c15="http://schemas.microsoft.com/office/drawing/2012/chart" uri="{CE6537A1-D6FC-4f65-9D91-7224C49458BB}"/>
+                <c:ext xmlns:c16="http://schemas.microsoft.com/office/drawing/2014/chart" uri="{C3380CC4-5D6E-409C-BE32-E72D297353CC}">
+                  <c16:uniqueId val="{00000016-D37E-4BC5-BE84-ECC3FD659881}"/>
+                </c:ext>
+              </c:extLst>
+            </c:dLbl>
+            <c:spPr>
+              <a:noFill/>
+              <a:ln>
+                <a:noFill/>
+              </a:ln>
+              <a:effectLst/>
+            </c:spPr>
+            <c:txPr>
+              <a:bodyPr rot="0" spcFirstLastPara="1" vertOverflow="ellipsis" vert="horz" wrap="square" lIns="38100" tIns="19050" rIns="38100" bIns="19050" anchor="ctr" anchorCtr="1">
+                <a:spAutoFit/>
+              </a:bodyPr>
+              <a:lstStyle/>
+              <a:p>
+                <a:pPr>
+                  <a:defRPr sz="1200" b="1" i="0" u="none" strike="noStrike" kern="1200" baseline="0">
+                    <a:solidFill>
+                      <a:schemeClr val="tx1"/>
+                    </a:solidFill>
+                    <a:effectLst/>
+                    <a:latin typeface="Century Gothic" panose="020B0502020202020204" pitchFamily="34" charset="0"/>
+                    <a:ea typeface="+mn-ea"/>
+                    <a:cs typeface="+mn-cs"/>
+                  </a:defRPr>
+                </a:pPr>
+                <a:endParaRPr lang="en-DE"/>
+              </a:p>
+            </c:txPr>
+            <c:dLblPos val="t"/>
+            <c:showLegendKey val="0"/>
+            <c:showVal val="0"/>
+            <c:showCatName val="0"/>
+            <c:showSerName val="0"/>
+            <c:showPercent val="0"/>
+            <c:showBubbleSize val="0"/>
+            <c:showLeaderLines val="0"/>
+            <c:extLst>
+              <c:ext xmlns:c15="http://schemas.microsoft.com/office/drawing/2012/chart" uri="{CE6537A1-D6FC-4f65-9D91-7224C49458BB}">
+                <c15:showDataLabelsRange val="1"/>
+                <c15:showLeaderLines val="1"/>
+                <c15:leaderLines>
+                  <c:spPr>
+                    <a:ln w="9525">
+                      <a:solidFill>
+                        <a:schemeClr val="lt1">
+                          <a:lumMod val="50000"/>
+                        </a:schemeClr>
+                      </a:solidFill>
+                      <a:round/>
+                    </a:ln>
+                    <a:effectLst/>
+                  </c:spPr>
+                </c15:leaderLines>
+              </c:ext>
+            </c:extLst>
+          </c:dLbls>
+          <c:errBars>
+            <c:errDir val="y"/>
+            <c:errBarType val="minus"/>
+            <c:errValType val="percentage"/>
+            <c:noEndCap val="1"/>
+            <c:val val="100"/>
+            <c:spPr>
+              <a:noFill/>
+              <a:ln w="15875">
+                <a:solidFill>
+                  <a:srgbClr val="C0504D"/>
+                </a:solidFill>
+                <a:round/>
+              </a:ln>
+              <a:effectLst/>
+            </c:spPr>
+          </c:errBars>
+          <c:xVal>
+            <c:numRef>
+              <c:f>Timeline!$B$47:$B$54</c:f>
+              <c:numCache>
+                <c:formatCode>m/d/yyyy</c:formatCode>
+                <c:ptCount val="8"/>
+                <c:pt idx="1">
+                  <c:v>43563</c:v>
+                </c:pt>
+                <c:pt idx="2">
+                  <c:v>43598</c:v>
+                </c:pt>
+                <c:pt idx="3">
+                  <c:v>43619</c:v>
+                </c:pt>
+                <c:pt idx="4">
+                  <c:v>43626</c:v>
+                </c:pt>
+                <c:pt idx="5">
+                  <c:v>43644</c:v>
+                </c:pt>
+                <c:pt idx="6">
+                  <c:v>43647</c:v>
+                </c:pt>
+              </c:numCache>
+            </c:numRef>
+          </c:xVal>
+          <c:yVal>
+            <c:numRef>
+              <c:f>Timeline!$F$47:$F$54</c:f>
+              <c:numCache>
+                <c:formatCode>General</c:formatCode>
+                <c:ptCount val="8"/>
+                <c:pt idx="1">
+                  <c:v>25</c:v>
+                </c:pt>
+                <c:pt idx="2">
+                  <c:v>15</c:v>
+                </c:pt>
+                <c:pt idx="3">
+                  <c:v>15</c:v>
+                </c:pt>
+                <c:pt idx="4">
+                  <c:v>30</c:v>
+                </c:pt>
+                <c:pt idx="5">
+                  <c:v>15</c:v>
+                </c:pt>
+                <c:pt idx="6">
+                  <c:v>30</c:v>
+                </c:pt>
+              </c:numCache>
+            </c:numRef>
+          </c:yVal>
+          <c:smooth val="0"/>
+          <c:extLst>
+            <c:ext xmlns:c15="http://schemas.microsoft.com/office/drawing/2012/chart" uri="{02D57815-91ED-43cb-92C2-25804820EDAC}">
+              <c15:datalabelsRange>
+                <c15:f>Timeline!$E$47:$E$54</c15:f>
+                <c15:dlblRangeCache>
+                  <c:ptCount val="8"/>
+                  <c:pt idx="1">
+                    <c:v>Start</c:v>
+                  </c:pt>
+                  <c:pt idx="2">
+                    <c:v>Präsentation (GDD)</c:v>
+                  </c:pt>
+                  <c:pt idx="3">
+                    <c:v>Präsentation (Projekstatus)</c:v>
+                  </c:pt>
+                  <c:pt idx="4">
+                    <c:v>Code Freeze</c:v>
+                  </c:pt>
+                  <c:pt idx="5">
+                    <c:v>Spielbarer Build</c:v>
+                  </c:pt>
+                  <c:pt idx="6">
+                    <c:v>Finale Präsentation</c:v>
+                  </c:pt>
+                  <c:pt idx="7">
+                    <c:v>Insert new rows above this one</c:v>
+                  </c:pt>
+                </c15:dlblRangeCache>
+              </c15:datalabelsRange>
+            </c:ext>
+            <c:ext xmlns:c16="http://schemas.microsoft.com/office/drawing/2014/chart" uri="{C3380CC4-5D6E-409C-BE32-E72D297353CC}">
+              <c16:uniqueId val="{00000017-D37E-4BC5-BE84-ECC3FD659881}"/>
+            </c:ext>
+          </c:extLst>
+        </c:ser>
+        <c:dLbls>
+          <c:showLegendKey val="0"/>
+          <c:showVal val="0"/>
+          <c:showCatName val="0"/>
+          <c:showSerName val="0"/>
+          <c:showPercent val="0"/>
+          <c:showBubbleSize val="0"/>
+        </c:dLbls>
+        <c:axId val="484833240"/>
+        <c:axId val="484834552"/>
+      </c:scatterChart>
+      <c:valAx>
+        <c:axId val="484833240"/>
+        <c:scaling>
+          <c:orientation val="minMax"/>
+        </c:scaling>
+        <c:delete val="0"/>
+        <c:axPos val="b"/>
+        <c:majorGridlines>
+          <c:spPr>
+            <a:ln w="9525" cap="flat" cmpd="sng" algn="ctr">
+              <a:solidFill>
+                <a:schemeClr val="dk1">
+                  <a:lumMod val="65000"/>
+                  <a:lumOff val="35000"/>
+                  <a:alpha val="75000"/>
+                </a:schemeClr>
+              </a:solidFill>
+              <a:round/>
+            </a:ln>
+            <a:effectLst/>
+          </c:spPr>
+        </c:majorGridlines>
+        <c:minorGridlines>
+          <c:spPr>
+            <a:ln w="9525" cap="flat" cmpd="sng" algn="ctr">
+              <a:solidFill>
+                <a:schemeClr val="dk1">
+                  <a:lumMod val="65000"/>
+                  <a:lumOff val="35000"/>
+                  <a:alpha val="25000"/>
+                </a:schemeClr>
+              </a:solidFill>
+              <a:round/>
+            </a:ln>
+            <a:effectLst/>
+          </c:spPr>
+        </c:minorGridlines>
+        <c:numFmt formatCode="d\.m\.yy;@" sourceLinked="0"/>
+        <c:majorTickMark val="none"/>
+        <c:minorTickMark val="none"/>
+        <c:tickLblPos val="nextTo"/>
+        <c:spPr>
+          <a:noFill/>
+          <a:ln w="9525" cap="flat" cmpd="sng" algn="ctr">
+            <a:solidFill>
+              <a:schemeClr val="lt1">
+                <a:lumMod val="50000"/>
+              </a:schemeClr>
+            </a:solidFill>
+            <a:round/>
+          </a:ln>
+          <a:effectLst/>
+        </c:spPr>
+        <c:txPr>
+          <a:bodyPr rot="-60000000" spcFirstLastPara="1" vertOverflow="ellipsis" vert="horz" wrap="square" anchor="ctr" anchorCtr="1"/>
+          <a:lstStyle/>
+          <a:p>
+            <a:pPr>
+              <a:defRPr sz="900" b="0" i="0" u="none" strike="noStrike" kern="1200" baseline="0">
+                <a:solidFill>
+                  <a:schemeClr val="tx1">
+                    <a:lumMod val="85000"/>
+                  </a:schemeClr>
+                </a:solidFill>
+                <a:latin typeface="+mn-lt"/>
+                <a:ea typeface="+mn-ea"/>
+                <a:cs typeface="+mn-cs"/>
+              </a:defRPr>
+            </a:pPr>
+            <a:endParaRPr lang="en-DE"/>
+          </a:p>
+        </c:txPr>
+        <c:crossAx val="484834552"/>
+        <c:crosses val="autoZero"/>
+        <c:crossBetween val="midCat"/>
+      </c:valAx>
+      <c:valAx>
+        <c:axId val="484834552"/>
+        <c:scaling>
+          <c:orientation val="minMax"/>
+          <c:max val="50"/>
+          <c:min val="-100"/>
+        </c:scaling>
+        <c:delete val="1"/>
+        <c:axPos val="l"/>
+        <c:numFmt formatCode="General" sourceLinked="1"/>
+        <c:majorTickMark val="none"/>
+        <c:minorTickMark val="none"/>
+        <c:tickLblPos val="nextTo"/>
+        <c:crossAx val="484833240"/>
+        <c:crosses val="autoZero"/>
+        <c:crossBetween val="midCat"/>
+        <c:majorUnit val="25"/>
+      </c:valAx>
+      <c:spPr>
+        <a:noFill/>
+        <a:ln>
+          <a:noFill/>
+        </a:ln>
+        <a:effectLst/>
+      </c:spPr>
+    </c:plotArea>
+    <c:plotVisOnly val="1"/>
+    <c:dispBlanksAs val="gap"/>
+    <c:extLst>
+      <c:ext xmlns:c16r3="http://schemas.microsoft.com/office/drawing/2017/03/chart" uri="{56B9EC1D-385E-4148-901F-78D8002777C0}">
+        <c16r3:dataDisplayOptions16>
+          <c16r3:dispNaAsBlank val="1"/>
+        </c16r3:dataDisplayOptions16>
+      </c:ext>
+    </c:extLst>
+    <c:showDLblsOverMax val="0"/>
+  </c:chart>
+  <c:spPr>
+    <a:solidFill>
+      <a:srgbClr val="212121"/>
+    </a:solidFill>
+    <a:ln w="9525" cap="flat" cmpd="sng" algn="ctr">
+      <a:noFill/>
+      <a:round/>
+    </a:ln>
+    <a:effectLst/>
+  </c:spPr>
+  <c:txPr>
+    <a:bodyPr/>
+    <a:lstStyle/>
+    <a:p>
+      <a:pPr>
+        <a:defRPr/>
+      </a:pPr>
+      <a:endParaRPr lang="en-DE"/>
+    </a:p>
+  </c:txPr>
+  <c:externalData r:id="rId3">
+    <c:autoUpdate val="0"/>
+  </c:externalData>
+</c:chartSpace>
+</file>
+
+<file path=ppt/charts/colors1.xml><?xml version="1.0" encoding="utf-8"?>
+<cs:colorStyle xmlns:cs="http://schemas.microsoft.com/office/drawing/2012/chartStyle" xmlns:a="http://schemas.openxmlformats.org/drawingml/2006/main" meth="cycle" id="13">
+  <a:schemeClr val="accent6"/>
+  <a:schemeClr val="accent5"/>
+  <a:schemeClr val="accent4"/>
+  <cs:variation/>
+  <cs:variation>
+    <a:lumMod val="60000"/>
+  </cs:variation>
+  <cs:variation>
+    <a:lumMod val="80000"/>
+    <a:lumOff val="20000"/>
+  </cs:variation>
+  <cs:variation>
+    <a:lumMod val="80000"/>
+  </cs:variation>
+  <cs:variation>
+    <a:lumMod val="60000"/>
+    <a:lumOff val="40000"/>
+  </cs:variation>
+  <cs:variation>
+    <a:lumMod val="50000"/>
+  </cs:variation>
+  <cs:variation>
+    <a:lumMod val="70000"/>
+    <a:lumOff val="30000"/>
+  </cs:variation>
+  <cs:variation>
+    <a:lumMod val="70000"/>
+  </cs:variation>
+  <cs:variation>
+    <a:lumMod val="50000"/>
+    <a:lumOff val="50000"/>
+  </cs:variation>
+</cs:colorStyle>
+</file>
+
+<file path=ppt/charts/style1.xml><?xml version="1.0" encoding="utf-8"?>
+<cs:chartStyle xmlns:cs="http://schemas.microsoft.com/office/drawing/2012/chartStyle" xmlns:a="http://schemas.openxmlformats.org/drawingml/2006/main" id="245">
+  <cs:axisTitle>
+    <cs:lnRef idx="0"/>
+    <cs:fillRef idx="0"/>
+    <cs:effectRef idx="0"/>
+    <cs:fontRef idx="minor">
+      <a:schemeClr val="lt1">
+        <a:lumMod val="75000"/>
+      </a:schemeClr>
+    </cs:fontRef>
+    <cs:defRPr sz="900" b="1" kern="1200"/>
+  </cs:axisTitle>
+  <cs:categoryAxis>
+    <cs:lnRef idx="0"/>
+    <cs:fillRef idx="0"/>
+    <cs:effectRef idx="0"/>
+    <cs:fontRef idx="minor">
+      <a:schemeClr val="lt1">
+        <a:lumMod val="75000"/>
+      </a:schemeClr>
+    </cs:fontRef>
+    <cs:defRPr sz="900" kern="1200"/>
+  </cs:categoryAxis>
+  <cs:chartArea>
+    <cs:lnRef idx="0"/>
+    <cs:fillRef idx="0"/>
+    <cs:effectRef idx="0"/>
+    <cs:fontRef idx="minor">
+      <a:schemeClr val="dk1"/>
+    </cs:fontRef>
+    <cs:spPr>
+      <a:solidFill>
+        <a:schemeClr val="dk1">
+          <a:lumMod val="75000"/>
+          <a:lumOff val="25000"/>
+        </a:schemeClr>
+      </a:solidFill>
+      <a:ln w="9525" cap="flat" cmpd="sng" algn="ctr">
+        <a:solidFill>
+          <a:schemeClr val="dk1">
+            <a:lumMod val="15000"/>
+            <a:lumOff val="85000"/>
+          </a:schemeClr>
+        </a:solidFill>
+        <a:round/>
+      </a:ln>
+    </cs:spPr>
+    <cs:defRPr sz="900" kern="1200"/>
+  </cs:chartArea>
+  <cs:dataLabel>
+    <cs:lnRef idx="0"/>
+    <cs:fillRef idx="0"/>
+    <cs:effectRef idx="0"/>
+    <cs:fontRef idx="minor">
+      <a:schemeClr val="lt1">
+        <a:lumMod val="75000"/>
+      </a:schemeClr>
+    </cs:fontRef>
+    <cs:defRPr sz="900" kern="1200"/>
+  </cs:dataLabel>
+  <cs:dataLabelCallout>
+    <cs:lnRef idx="0"/>
+    <cs:fillRef idx="0"/>
+    <cs:effectRef idx="0"/>
+    <cs:fontRef idx="minor">
+      <a:schemeClr val="lt1">
+        <a:lumMod val="15000"/>
+        <a:lumOff val="85000"/>
+      </a:schemeClr>
+    </cs:fontRef>
+    <cs:spPr>
+      <a:solidFill>
+        <a:schemeClr val="dk1">
+          <a:lumMod val="65000"/>
+          <a:lumOff val="35000"/>
+        </a:schemeClr>
+      </a:solidFill>
+    </cs:spPr>
+    <cs:defRPr sz="900" kern="1200"/>
+    <cs:bodyPr rot="0" spcFirstLastPara="1" vertOverflow="clip" horzOverflow="clip" vert="horz" wrap="square" lIns="36576" tIns="18288" rIns="36576" bIns="18288" anchor="ctr" anchorCtr="1">
+      <a:spAutoFit/>
+    </cs:bodyPr>
+  </cs:dataLabelCallout>
+  <cs:dataPoint>
+    <cs:lnRef idx="0">
+      <cs:styleClr val="auto"/>
+    </cs:lnRef>
+    <cs:fillRef idx="0"/>
+    <cs:effectRef idx="0">
+      <cs:styleClr val="auto"/>
+    </cs:effectRef>
+    <cs:fontRef idx="minor">
+      <a:schemeClr val="dk1"/>
+    </cs:fontRef>
+    <cs:spPr>
+      <a:ln w="9525" cap="flat" cmpd="sng" algn="ctr">
+        <a:solidFill>
+          <a:schemeClr val="phClr"/>
+        </a:solidFill>
+        <a:miter lim="800000"/>
+      </a:ln>
+      <a:effectLst>
+        <a:glow rad="63500">
+          <a:schemeClr val="phClr">
+            <a:satMod val="175000"/>
+            <a:alpha val="25000"/>
+          </a:schemeClr>
+        </a:glow>
+      </a:effectLst>
+    </cs:spPr>
+  </cs:dataPoint>
+  <cs:dataPoint3D>
+    <cs:lnRef idx="0">
+      <cs:styleClr val="auto"/>
+    </cs:lnRef>
+    <cs:fillRef idx="0">
+      <cs:styleClr val="auto"/>
+    </cs:fillRef>
+    <cs:effectRef idx="0">
+      <cs:styleClr val="auto"/>
+    </cs:effectRef>
+    <cs:fontRef idx="minor">
+      <a:schemeClr val="dk1"/>
+    </cs:fontRef>
+    <cs:spPr>
+      <a:ln w="9525" cap="flat" cmpd="sng" algn="ctr">
+        <a:solidFill>
+          <a:schemeClr val="phClr"/>
+        </a:solidFill>
+        <a:miter lim="800000"/>
+      </a:ln>
+      <a:effectLst>
+        <a:glow rad="63500">
+          <a:schemeClr val="phClr">
+            <a:satMod val="175000"/>
+            <a:alpha val="25000"/>
+          </a:schemeClr>
+        </a:glow>
+      </a:effectLst>
+    </cs:spPr>
+  </cs:dataPoint3D>
+  <cs:dataPointLine>
+    <cs:lnRef idx="0">
+      <cs:styleClr val="auto"/>
+    </cs:lnRef>
+    <cs:fillRef idx="0">
+      <cs:styleClr val="auto"/>
+    </cs:fillRef>
+    <cs:effectRef idx="0">
+      <cs:styleClr val="auto"/>
+    </cs:effectRef>
+    <cs:fontRef idx="minor">
+      <a:schemeClr val="dk1"/>
+    </cs:fontRef>
+    <cs:spPr>
+      <a:ln w="22225" cap="rnd">
+        <a:solidFill>
+          <a:schemeClr val="phClr"/>
+        </a:solidFill>
+      </a:ln>
+      <a:effectLst>
+        <a:glow rad="139700">
+          <a:schemeClr val="phClr">
+            <a:satMod val="175000"/>
+            <a:alpha val="14000"/>
+          </a:schemeClr>
+        </a:glow>
+      </a:effectLst>
+    </cs:spPr>
+  </cs:dataPointLine>
+  <cs:dataPointMarker>
+    <cs:lnRef idx="0">
+      <cs:styleClr val="auto"/>
+    </cs:lnRef>
+    <cs:fillRef idx="0">
+      <cs:styleClr val="auto"/>
+    </cs:fillRef>
+    <cs:effectRef idx="0">
+      <cs:styleClr val="auto"/>
+    </cs:effectRef>
+    <cs:fontRef idx="minor">
+      <a:schemeClr val="dk1"/>
+    </cs:fontRef>
+    <cs:spPr>
+      <a:solidFill>
+        <a:schemeClr val="phClr">
+          <a:lumMod val="60000"/>
+          <a:lumOff val="40000"/>
+        </a:schemeClr>
+      </a:solidFill>
+      <a:effectLst>
+        <a:glow rad="63500">
+          <a:schemeClr val="phClr">
+            <a:satMod val="175000"/>
+            <a:alpha val="25000"/>
+          </a:schemeClr>
+        </a:glow>
+      </a:effectLst>
+    </cs:spPr>
+  </cs:dataPointMarker>
+  <cs:dataPointMarkerLayout symbol="circle" size="3"/>
+  <cs:dataPointWireframe>
+    <cs:lnRef idx="0">
+      <cs:styleClr val="auto"/>
+    </cs:lnRef>
+    <cs:fillRef idx="0"/>
+    <cs:effectRef idx="0"/>
+    <cs:fontRef idx="minor">
+      <a:schemeClr val="dk1"/>
+    </cs:fontRef>
+    <cs:spPr>
+      <a:ln w="9525" cap="rnd">
+        <a:solidFill>
+          <a:schemeClr val="phClr"/>
+        </a:solidFill>
+        <a:round/>
+      </a:ln>
+    </cs:spPr>
+  </cs:dataPointWireframe>
+  <cs:dataTable>
+    <cs:lnRef idx="0"/>
+    <cs:fillRef idx="0"/>
+    <cs:effectRef idx="0"/>
+    <cs:fontRef idx="minor">
+      <a:schemeClr val="lt1">
+        <a:lumMod val="75000"/>
+      </a:schemeClr>
+    </cs:fontRef>
+    <cs:spPr>
+      <a:ln w="9525">
+        <a:solidFill>
+          <a:schemeClr val="dk1">
+            <a:lumMod val="50000"/>
+            <a:lumOff val="50000"/>
+          </a:schemeClr>
+        </a:solidFill>
+      </a:ln>
+    </cs:spPr>
+    <cs:defRPr sz="900" kern="1200"/>
+  </cs:dataTable>
+  <cs:downBar>
+    <cs:lnRef idx="0"/>
+    <cs:fillRef idx="0"/>
+    <cs:effectRef idx="0"/>
+    <cs:fontRef idx="minor">
+      <a:schemeClr val="lt1"/>
+    </cs:fontRef>
+    <cs:spPr>
+      <a:solidFill>
+        <a:schemeClr val="dk1">
+          <a:lumMod val="50000"/>
+          <a:lumOff val="50000"/>
+        </a:schemeClr>
+      </a:solidFill>
+      <a:ln w="9525">
+        <a:solidFill>
+          <a:schemeClr val="dk1">
+            <a:lumMod val="75000"/>
+          </a:schemeClr>
+        </a:solidFill>
+        <a:round/>
+      </a:ln>
+    </cs:spPr>
+  </cs:downBar>
+  <cs:dropLine>
+    <cs:lnRef idx="0"/>
+    <cs:fillRef idx="0"/>
+    <cs:effectRef idx="0"/>
+    <cs:fontRef idx="minor">
+      <a:schemeClr val="dk1"/>
+    </cs:fontRef>
+    <cs:spPr>
+      <a:ln w="9525">
+        <a:solidFill>
+          <a:schemeClr val="lt1">
+            <a:lumMod val="50000"/>
+          </a:schemeClr>
+        </a:solidFill>
+        <a:round/>
+      </a:ln>
+    </cs:spPr>
+  </cs:dropLine>
+  <cs:errorBar>
+    <cs:lnRef idx="0"/>
+    <cs:fillRef idx="0"/>
+    <cs:effectRef idx="0"/>
+    <cs:fontRef idx="minor">
+      <a:schemeClr val="dk1"/>
+    </cs:fontRef>
+    <cs:spPr>
+      <a:ln w="9525">
+        <a:solidFill>
+          <a:schemeClr val="lt1">
+            <a:lumMod val="50000"/>
+          </a:schemeClr>
+        </a:solidFill>
+        <a:round/>
+      </a:ln>
+    </cs:spPr>
+  </cs:errorBar>
+  <cs:floor>
+    <cs:lnRef idx="0"/>
+    <cs:fillRef idx="0"/>
+    <cs:effectRef idx="0"/>
+    <cs:fontRef idx="minor">
+      <a:schemeClr val="dk1"/>
+    </cs:fontRef>
+  </cs:floor>
+  <cs:gridlineMajor>
+    <cs:lnRef idx="0"/>
+    <cs:fillRef idx="0"/>
+    <cs:effectRef idx="0"/>
+    <cs:fontRef idx="minor">
+      <a:schemeClr val="tx1"/>
+    </cs:fontRef>
+    <cs:spPr>
+      <a:ln w="9525" cap="flat" cmpd="sng" algn="ctr">
+        <a:solidFill>
+          <a:schemeClr val="dk1">
+            <a:lumMod val="65000"/>
+            <a:lumOff val="35000"/>
+            <a:alpha val="75000"/>
+          </a:schemeClr>
+        </a:solidFill>
+        <a:round/>
+      </a:ln>
+    </cs:spPr>
+  </cs:gridlineMajor>
+  <cs:gridlineMinor>
+    <cs:lnRef idx="0"/>
+    <cs:fillRef idx="0"/>
+    <cs:effectRef idx="0"/>
+    <cs:fontRef idx="minor">
+      <a:schemeClr val="tx1"/>
+    </cs:fontRef>
+    <cs:spPr>
+      <a:ln w="9525" cap="flat" cmpd="sng" algn="ctr">
+        <a:solidFill>
+          <a:schemeClr val="dk1">
+            <a:lumMod val="65000"/>
+            <a:lumOff val="35000"/>
+            <a:alpha val="25000"/>
+          </a:schemeClr>
+        </a:solidFill>
+        <a:round/>
+      </a:ln>
+    </cs:spPr>
+  </cs:gridlineMinor>
+  <cs:hiLoLine>
+    <cs:lnRef idx="0"/>
+    <cs:fillRef idx="0"/>
+    <cs:effectRef idx="0"/>
+    <cs:fontRef idx="minor">
+      <a:schemeClr val="dk1"/>
+    </cs:fontRef>
+    <cs:spPr>
+      <a:ln w="9525">
+        <a:solidFill>
+          <a:schemeClr val="lt1">
+            <a:lumMod val="50000"/>
+          </a:schemeClr>
+        </a:solidFill>
+        <a:round/>
+      </a:ln>
+    </cs:spPr>
+  </cs:hiLoLine>
+  <cs:leaderLine>
+    <cs:lnRef idx="0"/>
+    <cs:fillRef idx="0"/>
+    <cs:effectRef idx="0"/>
+    <cs:fontRef idx="minor">
+      <a:schemeClr val="dk1"/>
+    </cs:fontRef>
+    <cs:spPr>
+      <a:ln w="9525">
+        <a:solidFill>
+          <a:schemeClr val="lt1">
+            <a:lumMod val="50000"/>
+          </a:schemeClr>
+        </a:solidFill>
+        <a:round/>
+      </a:ln>
+    </cs:spPr>
+  </cs:leaderLine>
+  <cs:legend>
+    <cs:lnRef idx="0"/>
+    <cs:fillRef idx="0"/>
+    <cs:effectRef idx="0"/>
+    <cs:fontRef idx="minor">
+      <a:schemeClr val="lt1">
+        <a:lumMod val="75000"/>
+      </a:schemeClr>
+    </cs:fontRef>
+    <cs:defRPr sz="900" kern="1200"/>
+  </cs:legend>
+  <cs:plotArea>
+    <cs:lnRef idx="0"/>
+    <cs:fillRef idx="0"/>
+    <cs:effectRef idx="0"/>
+    <cs:fontRef idx="minor">
+      <a:schemeClr val="dk1"/>
+    </cs:fontRef>
+  </cs:plotArea>
+  <cs:plotArea3D>
+    <cs:lnRef idx="0"/>
+    <cs:fillRef idx="0"/>
+    <cs:effectRef idx="0"/>
+    <cs:fontRef idx="minor">
+      <a:schemeClr val="dk1"/>
+    </cs:fontRef>
+  </cs:plotArea3D>
+  <cs:seriesAxis>
+    <cs:lnRef idx="0"/>
+    <cs:fillRef idx="0"/>
+    <cs:effectRef idx="0"/>
+    <cs:fontRef idx="minor">
+      <a:schemeClr val="lt1">
+        <a:lumMod val="75000"/>
+      </a:schemeClr>
+    </cs:fontRef>
+    <cs:defRPr sz="900" kern="1200"/>
+  </cs:seriesAxis>
+  <cs:seriesLine>
+    <cs:lnRef idx="0"/>
+    <cs:fillRef idx="0"/>
+    <cs:effectRef idx="0"/>
+    <cs:fontRef idx="minor">
+      <a:schemeClr val="dk1"/>
+    </cs:fontRef>
+    <cs:spPr>
+      <a:ln w="9525">
+        <a:solidFill>
+          <a:schemeClr val="lt1">
+            <a:lumMod val="50000"/>
+          </a:schemeClr>
+        </a:solidFill>
+        <a:round/>
+      </a:ln>
+    </cs:spPr>
+  </cs:seriesLine>
+  <cs:title>
+    <cs:lnRef idx="0"/>
+    <cs:fillRef idx="0"/>
+    <cs:effectRef idx="0"/>
+    <cs:fontRef idx="minor">
+      <a:schemeClr val="lt1">
+        <a:lumMod val="85000"/>
+      </a:schemeClr>
+    </cs:fontRef>
+    <cs:defRPr sz="1400" b="1" kern="1200" cap="none" baseline="0"/>
+  </cs:title>
+  <cs:trendline>
+    <cs:lnRef idx="0">
+      <cs:styleClr val="auto"/>
+    </cs:lnRef>
+    <cs:fillRef idx="0"/>
+    <cs:effectRef idx="0"/>
+    <cs:fontRef idx="minor">
+      <a:schemeClr val="lt1"/>
+    </cs:fontRef>
+    <cs:spPr>
+      <a:ln w="25400" cap="rnd">
+        <a:solidFill>
+          <a:schemeClr val="phClr">
+            <a:alpha val="50000"/>
+          </a:schemeClr>
+        </a:solidFill>
+      </a:ln>
+    </cs:spPr>
+  </cs:trendline>
+  <cs:trendlineLabel>
+    <cs:lnRef idx="0"/>
+    <cs:fillRef idx="0"/>
+    <cs:effectRef idx="0"/>
+    <cs:fontRef idx="minor">
+      <a:schemeClr val="lt1">
+        <a:lumMod val="75000"/>
+      </a:schemeClr>
+    </cs:fontRef>
+    <cs:defRPr sz="900" kern="1200"/>
+  </cs:trendlineLabel>
+  <cs:upBar>
+    <cs:lnRef idx="0"/>
+    <cs:fillRef idx="0"/>
+    <cs:effectRef idx="0"/>
+    <cs:fontRef idx="minor">
+      <a:schemeClr val="dk1"/>
+    </cs:fontRef>
+    <cs:spPr>
+      <a:solidFill>
+        <a:schemeClr val="lt1">
+          <a:lumMod val="85000"/>
+        </a:schemeClr>
+      </a:solidFill>
+      <a:ln w="9525">
+        <a:solidFill>
+          <a:schemeClr val="dk1">
+            <a:lumMod val="50000"/>
+          </a:schemeClr>
+        </a:solidFill>
+        <a:round/>
+      </a:ln>
+    </cs:spPr>
+  </cs:upBar>
+  <cs:valueAxis>
+    <cs:lnRef idx="0"/>
+    <cs:fillRef idx="0"/>
+    <cs:effectRef idx="0"/>
+    <cs:fontRef idx="minor">
+      <a:schemeClr val="lt1">
+        <a:lumMod val="75000"/>
+      </a:schemeClr>
+    </cs:fontRef>
+    <cs:spPr>
+      <a:ln w="9525" cap="flat" cmpd="sng" algn="ctr">
+        <a:solidFill>
+          <a:schemeClr val="lt1">
+            <a:lumMod val="50000"/>
+          </a:schemeClr>
+        </a:solidFill>
+        <a:round/>
+      </a:ln>
+    </cs:spPr>
+    <cs:defRPr sz="900" kern="1200"/>
+    <cs:bodyPr/>
+  </cs:valueAxis>
+  <cs:wall>
+    <cs:lnRef idx="0"/>
+    <cs:fillRef idx="0"/>
+    <cs:effectRef idx="0"/>
+    <cs:fontRef idx="minor">
+      <a:schemeClr val="dk1"/>
+    </cs:fontRef>
+  </cs:wall>
+</cs:chartStyle>
+</file>
+
 <file path=ppt/comments/comment1.xml><?xml version="1.0" encoding="utf-8"?>
 <p:cmLst xmlns:a="http://schemas.openxmlformats.org/drawingml/2006/main" xmlns:r="http://schemas.openxmlformats.org/officeDocument/2006/relationships" xmlns:p="http://schemas.openxmlformats.org/presentationml/2006/main">
   <p:cm authorId="1" dt="2019-04-29T14:28:16.431" idx="1">
@@ -300,7 +2454,7 @@
           <a:p>
             <a:fld id="{E50B3C79-A904-4F35-8EE8-3F2172FFB220}" type="datetimeFigureOut">
               <a:rPr lang="de-DE" smtClean="0"/>
-              <a:t>04.05.2019</a:t>
+              <a:t>06.05.2019</a:t>
             </a:fld>
             <a:endParaRPr lang="de-DE"/>
           </a:p>
@@ -663,7 +2817,7 @@
           <a:effectLst/>
           <a:extLst>
             <a:ext uri="{91240B29-F687-4f45-9708-019B960494DF}">
-              <a14:hiddenLine xmlns:a14="http://schemas.microsoft.com/office/drawing/2010/main" xmlns="" w="9525">
+              <a14:hiddenLine xmlns="" xmlns:a14="http://schemas.microsoft.com/office/drawing/2010/main" w="9525">
                 <a:solidFill>
                   <a:srgbClr val="000000"/>
                 </a:solidFill>
@@ -856,7 +3010,7 @@
             <a:fld id="{08B9EBBA-996F-894A-B54A-D6246ED52CEA}" type="datetimeFigureOut">
               <a:rPr lang="en-US" dirty="0"/>
               <a:pPr/>
-              <a:t>5/4/2019</a:t>
+              <a:t>5/6/2019</a:t>
             </a:fld>
             <a:endParaRPr lang="en-US" dirty="0"/>
           </a:p>
@@ -1166,7 +3320,7 @@
             <a:fld id="{18C79C5D-2A6F-F04D-97DA-BEF2467B64E4}" type="datetimeFigureOut">
               <a:rPr lang="en-US" dirty="0"/>
               <a:pPr/>
-              <a:t>5/4/2019</a:t>
+              <a:t>5/6/2019</a:t>
             </a:fld>
             <a:endParaRPr lang="en-US" dirty="0"/>
           </a:p>
@@ -1491,7 +3645,7 @@
             <a:fld id="{18C79C5D-2A6F-F04D-97DA-BEF2467B64E4}" type="datetimeFigureOut">
               <a:rPr lang="en-US" dirty="0"/>
               <a:pPr/>
-              <a:t>5/4/2019</a:t>
+              <a:t>5/6/2019</a:t>
             </a:fld>
             <a:endParaRPr lang="en-US" dirty="0"/>
           </a:p>
@@ -1976,7 +4130,7 @@
             <a:fld id="{8DFA1846-DA80-1C48-A609-854EA85C59AD}" type="datetimeFigureOut">
               <a:rPr lang="en-US" dirty="0"/>
               <a:pPr/>
-              <a:t>5/4/2019</a:t>
+              <a:t>5/6/2019</a:t>
             </a:fld>
             <a:endParaRPr lang="en-US" dirty="0"/>
           </a:p>
@@ -2342,7 +4496,7 @@
             <a:fld id="{FBF54567-0DE4-3F47-BF90-CB84690072F9}" type="datetimeFigureOut">
               <a:rPr lang="en-US" dirty="0"/>
               <a:pPr/>
-              <a:t>5/4/2019</a:t>
+              <a:t>5/6/2019</a:t>
             </a:fld>
             <a:endParaRPr lang="en-US" dirty="0"/>
           </a:p>
@@ -2493,7 +4647,7 @@
           <a:ln/>
           <a:extLst>
             <a:ext uri="{91240B29-F687-4f45-9708-019B960494DF}">
-              <a14:hiddenLine xmlns:a14="http://schemas.microsoft.com/office/drawing/2010/main" xmlns="" w="9525">
+              <a14:hiddenLine xmlns="" xmlns:a14="http://schemas.microsoft.com/office/drawing/2010/main" w="9525">
                 <a:solidFill>
                   <a:srgbClr val="000000"/>
                 </a:solidFill>
@@ -2612,7 +4766,7 @@
             <a:fld id="{C6C52C72-DE31-F449-A4ED-4C594FD91407}" type="datetimeFigureOut">
               <a:rPr lang="en-US" dirty="0"/>
               <a:pPr/>
-              <a:t>5/4/2019</a:t>
+              <a:t>5/6/2019</a:t>
             </a:fld>
             <a:endParaRPr lang="en-US" dirty="0"/>
           </a:p>
@@ -2765,7 +4919,7 @@
           <a:ln/>
           <a:extLst>
             <a:ext uri="{91240B29-F687-4f45-9708-019B960494DF}">
-              <a14:hiddenLine xmlns:a14="http://schemas.microsoft.com/office/drawing/2010/main" xmlns="" w="9525">
+              <a14:hiddenLine xmlns="" xmlns:a14="http://schemas.microsoft.com/office/drawing/2010/main" w="9525">
                 <a:solidFill>
                   <a:srgbClr val="000000"/>
                 </a:solidFill>
@@ -2894,7 +5048,7 @@
             <a:fld id="{ED62726E-379B-B349-9EED-81ED093FA806}" type="datetimeFigureOut">
               <a:rPr lang="en-US" dirty="0"/>
               <a:pPr/>
-              <a:t>5/4/2019</a:t>
+              <a:t>5/6/2019</a:t>
             </a:fld>
             <a:endParaRPr lang="en-US" dirty="0"/>
           </a:p>
@@ -3135,7 +5289,7 @@
             <a:fld id="{08B9EBBA-996F-894A-B54A-D6246ED52CEA}" type="datetimeFigureOut">
               <a:rPr lang="en-US" dirty="0"/>
               <a:pPr/>
-              <a:t>5/4/2019</a:t>
+              <a:t>5/6/2019</a:t>
             </a:fld>
             <a:endParaRPr lang="en-US" dirty="0"/>
           </a:p>
@@ -3321,7 +5475,7 @@
           <a:ln/>
           <a:extLst>
             <a:ext uri="{91240B29-F687-4f45-9708-019B960494DF}">
-              <a14:hiddenLine xmlns:a14="http://schemas.microsoft.com/office/drawing/2010/main" xmlns="" w="9525">
+              <a14:hiddenLine xmlns="" xmlns:a14="http://schemas.microsoft.com/office/drawing/2010/main" w="9525">
                 <a:solidFill>
                   <a:srgbClr val="000000"/>
                 </a:solidFill>
@@ -3450,7 +5604,7 @@
             <a:fld id="{9B3A1323-8D79-1946-B0D7-40001CF92E9D}" type="datetimeFigureOut">
               <a:rPr lang="en-US" dirty="0"/>
               <a:pPr/>
-              <a:t>5/4/2019</a:t>
+              <a:t>5/6/2019</a:t>
             </a:fld>
             <a:endParaRPr lang="en-US" dirty="0"/>
           </a:p>
@@ -3790,7 +5944,7 @@
             <a:fld id="{8DFA1846-DA80-1C48-A609-854EA85C59AD}" type="datetimeFigureOut">
               <a:rPr lang="en-US" dirty="0"/>
               <a:pPr/>
-              <a:t>5/4/2019</a:t>
+              <a:t>5/6/2019</a:t>
             </a:fld>
             <a:endParaRPr lang="en-US" dirty="0"/>
           </a:p>
@@ -3941,7 +6095,7 @@
           <a:ln/>
           <a:extLst>
             <a:ext uri="{91240B29-F687-4f45-9708-019B960494DF}">
-              <a14:hiddenLine xmlns:a14="http://schemas.microsoft.com/office/drawing/2010/main" xmlns="" w="9525">
+              <a14:hiddenLine xmlns="" xmlns:a14="http://schemas.microsoft.com/office/drawing/2010/main" w="9525">
                 <a:solidFill>
                   <a:srgbClr val="000000"/>
                 </a:solidFill>
@@ -4126,7 +6280,7 @@
             <a:fld id="{57302355-E14B-8545-A8F8-0FE83CC9D524}" type="datetimeFigureOut">
               <a:rPr lang="en-US" dirty="0"/>
               <a:pPr/>
-              <a:t>5/4/2019</a:t>
+              <a:t>5/6/2019</a:t>
             </a:fld>
             <a:endParaRPr lang="en-US" dirty="0"/>
           </a:p>
@@ -4277,7 +6431,7 @@
           <a:ln/>
           <a:extLst>
             <a:ext uri="{91240B29-F687-4f45-9708-019B960494DF}">
-              <a14:hiddenLine xmlns:a14="http://schemas.microsoft.com/office/drawing/2010/main" xmlns="" w="9525">
+              <a14:hiddenLine xmlns="" xmlns:a14="http://schemas.microsoft.com/office/drawing/2010/main" w="9525">
                 <a:solidFill>
                   <a:srgbClr val="000000"/>
                 </a:solidFill>
@@ -4600,7 +6754,7 @@
             <a:fld id="{02640F58-564D-2B4F-AE67-E407BA4FCF45}" type="datetimeFigureOut">
               <a:rPr lang="en-US" dirty="0"/>
               <a:pPr/>
-              <a:t>5/4/2019</a:t>
+              <a:t>5/6/2019</a:t>
             </a:fld>
             <a:endParaRPr lang="en-US" dirty="0"/>
           </a:p>
@@ -4751,7 +6905,7 @@
           <a:ln/>
           <a:extLst>
             <a:ext uri="{91240B29-F687-4f45-9708-019B960494DF}">
-              <a14:hiddenLine xmlns:a14="http://schemas.microsoft.com/office/drawing/2010/main" xmlns="" w="9525">
+              <a14:hiddenLine xmlns="" xmlns:a14="http://schemas.microsoft.com/office/drawing/2010/main" w="9525">
                 <a:solidFill>
                   <a:srgbClr val="000000"/>
                 </a:solidFill>
@@ -4818,7 +6972,7 @@
             <a:fld id="{F13A34C8-038E-2045-AF43-DF7DBB8E0E9E}" type="datetimeFigureOut">
               <a:rPr lang="en-US" dirty="0"/>
               <a:pPr/>
-              <a:t>5/4/2019</a:t>
+              <a:t>5/6/2019</a:t>
             </a:fld>
             <a:endParaRPr lang="en-US" dirty="0"/>
           </a:p>
@@ -4910,7 +7064,7 @@
             <a:fld id="{8818C68F-D26B-8F47-958C-23B49CF8A634}" type="datetimeFigureOut">
               <a:rPr lang="en-US" dirty="0"/>
               <a:pPr/>
-              <a:t>5/4/2019</a:t>
+              <a:t>5/6/2019</a:t>
             </a:fld>
             <a:endParaRPr lang="en-US" dirty="0"/>
           </a:p>
@@ -5174,7 +7328,7 @@
           <a:ln/>
           <a:extLst>
             <a:ext uri="{91240B29-F687-4f45-9708-019B960494DF}">
-              <a14:hiddenLine xmlns:a14="http://schemas.microsoft.com/office/drawing/2010/main" xmlns="" w="9525">
+              <a14:hiddenLine xmlns="" xmlns:a14="http://schemas.microsoft.com/office/drawing/2010/main" w="9525">
                 <a:solidFill>
                   <a:srgbClr val="000000"/>
                 </a:solidFill>
@@ -5374,7 +7528,7 @@
             <a:fld id="{D0DF5E60-9974-AC48-9591-99C2BB44B7CF}" type="datetimeFigureOut">
               <a:rPr lang="en-US" dirty="0"/>
               <a:pPr/>
-              <a:t>5/4/2019</a:t>
+              <a:t>5/6/2019</a:t>
             </a:fld>
             <a:endParaRPr lang="en-US" dirty="0"/>
           </a:p>
@@ -5631,7 +7785,7 @@
             <a:fld id="{09B482E8-6E0E-1B4F-B1FD-C69DB9E858D9}" type="datetimeFigureOut">
               <a:rPr lang="en-US" dirty="0"/>
               <a:pPr/>
-              <a:t>5/4/2019</a:t>
+              <a:t>5/6/2019</a:t>
             </a:fld>
             <a:endParaRPr lang="en-US" dirty="0"/>
           </a:p>
@@ -6434,80 +8588,6 @@
       </p:sp>
       <p:sp>
         <p:nvSpPr>
-          <p:cNvPr id="4" name="Title 3">
-            <a:extLst>
-              <a:ext uri="{FF2B5EF4-FFF2-40B4-BE49-F238E27FC236}">
-                <a16:creationId xmlns:a16="http://schemas.microsoft.com/office/drawing/2014/main" id="{CEC59A56-2D0E-409F-8DAD-C82E6F48FC1D}"/>
-              </a:ext>
-            </a:extLst>
-          </p:cNvPr>
-          <p:cNvSpPr>
-            <a:spLocks noGrp="1"/>
-          </p:cNvSpPr>
-          <p:nvPr>
-            <p:ph type="title"/>
-          </p:nvPr>
-        </p:nvSpPr>
-        <p:spPr>
-          <a:xfrm>
-            <a:off x="810000" y="447188"/>
-            <a:ext cx="10571998" cy="970450"/>
-          </a:xfrm>
-          <a:effectLst/>
-        </p:spPr>
-        <p:txBody>
-          <a:bodyPr anchor="ctr">
-            <a:normAutofit/>
-          </a:bodyPr>
-          <a:lstStyle/>
-          <a:p>
-            <a:pPr algn="ctr"/>
-            <a:r>
-              <a:rPr lang="de-DE" sz="3200" dirty="0">
-                <a:solidFill>
-                  <a:schemeClr val="tx1"/>
-                </a:solidFill>
-              </a:rPr>
-              <a:t>Timeline</a:t>
-            </a:r>
-          </a:p>
-        </p:txBody>
-      </p:sp>
-      <p:sp>
-        <p:nvSpPr>
-          <p:cNvPr id="5" name="Content Placeholder 4">
-            <a:extLst>
-              <a:ext uri="{FF2B5EF4-FFF2-40B4-BE49-F238E27FC236}">
-                <a16:creationId xmlns:a16="http://schemas.microsoft.com/office/drawing/2014/main" id="{41ABA5D0-3508-45B2-B104-B05418651DE1}"/>
-              </a:ext>
-            </a:extLst>
-          </p:cNvPr>
-          <p:cNvSpPr>
-            <a:spLocks noGrp="1"/>
-          </p:cNvSpPr>
-          <p:nvPr>
-            <p:ph idx="1"/>
-          </p:nvPr>
-        </p:nvSpPr>
-        <p:spPr>
-          <a:xfrm>
-            <a:off x="818712" y="1610745"/>
-            <a:ext cx="10554574" cy="3636511"/>
-          </a:xfrm>
-          <a:effectLst/>
-        </p:spPr>
-        <p:txBody>
-          <a:bodyPr anchor="ctr">
-            <a:normAutofit/>
-          </a:bodyPr>
-          <a:lstStyle/>
-          <a:p>
-            <a:endParaRPr lang="de-DE"/>
-          </a:p>
-        </p:txBody>
-      </p:sp>
-      <p:sp>
-        <p:nvSpPr>
           <p:cNvPr id="12" name="Freeform: Shape 11">
             <a:extLst>
               <a:ext uri="{FF2B5EF4-FFF2-40B4-BE49-F238E27FC236}">
@@ -6706,7 +8786,7 @@
           <a:effectLst/>
           <a:extLst>
             <a:ext uri="{91240B29-F687-4f45-9708-019B960494DF}">
-              <a14:hiddenLine xmlns="" xmlns:a14="http://schemas.microsoft.com/office/drawing/2010/main" xmlns:p14="http://schemas.microsoft.com/office/powerpoint/2010/main" xmlns:a16="http://schemas.microsoft.com/office/drawing/2014/main" w="9525">
+              <a14:hiddenLine xmlns:a16="http://schemas.microsoft.com/office/drawing/2014/main" xmlns:p14="http://schemas.microsoft.com/office/powerpoint/2010/main" xmlns:a14="http://schemas.microsoft.com/office/drawing/2010/main" xmlns="" w="9525">
                 <a:solidFill>
                   <a:srgbClr val="000000"/>
                 </a:solidFill>
@@ -6731,6 +8811,77 @@
             <a:schemeClr val="lt1"/>
           </a:fontRef>
         </p:style>
+      </p:sp>
+      <p:graphicFrame>
+        <p:nvGraphicFramePr>
+          <p:cNvPr id="7" name="Chart 6">
+            <a:extLst>
+              <a:ext uri="{FF2B5EF4-FFF2-40B4-BE49-F238E27FC236}">
+                <a16:creationId xmlns:a16="http://schemas.microsoft.com/office/drawing/2014/main" id="{804101E9-334F-4A84-8D62-96D9C4F484C2}"/>
+              </a:ext>
+            </a:extLst>
+          </p:cNvPr>
+          <p:cNvGraphicFramePr>
+            <a:graphicFrameLocks/>
+          </p:cNvGraphicFramePr>
+          <p:nvPr>
+            <p:extLst>
+              <p:ext uri="{D42A27DB-BD31-4B8C-83A1-F6EECF244321}">
+                <p14:modId xmlns:p14="http://schemas.microsoft.com/office/powerpoint/2010/main" val="3798237725"/>
+              </p:ext>
+            </p:extLst>
+          </p:nvPr>
+        </p:nvGraphicFramePr>
+        <p:xfrm>
+          <a:off x="0" y="990600"/>
+          <a:ext cx="12192000" cy="4333010"/>
+        </p:xfrm>
+        <a:graphic>
+          <a:graphicData uri="http://schemas.openxmlformats.org/drawingml/2006/chart">
+            <c:chart xmlns:c="http://schemas.openxmlformats.org/drawingml/2006/chart" xmlns:r="http://schemas.openxmlformats.org/officeDocument/2006/relationships" r:id="rId2"/>
+          </a:graphicData>
+        </a:graphic>
+      </p:graphicFrame>
+      <p:sp>
+        <p:nvSpPr>
+          <p:cNvPr id="11" name="Title 1">
+            <a:extLst>
+              <a:ext uri="{FF2B5EF4-FFF2-40B4-BE49-F238E27FC236}">
+                <a16:creationId xmlns:a16="http://schemas.microsoft.com/office/drawing/2014/main" id="{E6E4B087-21C4-4059-90D4-97F3684885B1}"/>
+              </a:ext>
+            </a:extLst>
+          </p:cNvPr>
+          <p:cNvSpPr>
+            <a:spLocks noGrp="1"/>
+          </p:cNvSpPr>
+          <p:nvPr>
+            <p:ph type="title"/>
+          </p:nvPr>
+        </p:nvSpPr>
+        <p:spPr>
+          <a:xfrm>
+            <a:off x="810000" y="447188"/>
+            <a:ext cx="10571998" cy="970450"/>
+          </a:xfrm>
+          <a:effectLst/>
+        </p:spPr>
+        <p:txBody>
+          <a:bodyPr anchor="ctr">
+            <a:normAutofit/>
+          </a:bodyPr>
+          <a:lstStyle/>
+          <a:p>
+            <a:pPr algn="ctr"/>
+            <a:r>
+              <a:rPr lang="de-DE" sz="3200" dirty="0">
+                <a:solidFill>
+                  <a:schemeClr val="tx1"/>
+                </a:solidFill>
+              </a:rPr>
+              <a:t>Timeline</a:t>
+            </a:r>
+          </a:p>
+        </p:txBody>
       </p:sp>
     </p:spTree>
     <p:extLst>
@@ -7193,7 +9344,7 @@
           <a:effectLst/>
           <a:extLst>
             <a:ext uri="{91240B29-F687-4f45-9708-019B960494DF}">
-              <a14:hiddenLine xmlns="" xmlns:a14="http://schemas.microsoft.com/office/drawing/2010/main" xmlns:p14="http://schemas.microsoft.com/office/powerpoint/2010/main" xmlns:a16="http://schemas.microsoft.com/office/drawing/2014/main" w="9525">
+              <a14:hiddenLine xmlns:a16="http://schemas.microsoft.com/office/drawing/2014/main" xmlns:p14="http://schemas.microsoft.com/office/powerpoint/2010/main" xmlns:a14="http://schemas.microsoft.com/office/drawing/2010/main" xmlns="" w="9525">
                 <a:solidFill>
                   <a:srgbClr val="000000"/>
                 </a:solidFill>
@@ -7680,7 +9831,7 @@
           <a:effectLst/>
           <a:extLst>
             <a:ext uri="{91240B29-F687-4f45-9708-019B960494DF}">
-              <a14:hiddenLine xmlns="" xmlns:a14="http://schemas.microsoft.com/office/drawing/2010/main" xmlns:p14="http://schemas.microsoft.com/office/powerpoint/2010/main" xmlns:a16="http://schemas.microsoft.com/office/drawing/2014/main" w="9525">
+              <a14:hiddenLine xmlns:a16="http://schemas.microsoft.com/office/drawing/2014/main" xmlns:p14="http://schemas.microsoft.com/office/powerpoint/2010/main" xmlns:a14="http://schemas.microsoft.com/office/drawing/2010/main" xmlns="" w="9525">
                 <a:solidFill>
                   <a:srgbClr val="000000"/>
                 </a:solidFill>
@@ -8531,7 +10682,7 @@
           <a:effectLst/>
           <a:extLst>
             <a:ext uri="{91240B29-F687-4f45-9708-019B960494DF}">
-              <a14:hiddenLine xmlns="" xmlns:a14="http://schemas.microsoft.com/office/drawing/2010/main" xmlns:p14="http://schemas.microsoft.com/office/powerpoint/2010/main" xmlns:a16="http://schemas.microsoft.com/office/drawing/2014/main" w="9525">
+              <a14:hiddenLine xmlns:a16="http://schemas.microsoft.com/office/drawing/2014/main" xmlns:p14="http://schemas.microsoft.com/office/powerpoint/2010/main" xmlns:a14="http://schemas.microsoft.com/office/drawing/2010/main" xmlns="" w="9525">
                 <a:solidFill>
                   <a:srgbClr val="000000"/>
                 </a:solidFill>
@@ -9018,7 +11169,7 @@
           <a:effectLst/>
           <a:extLst>
             <a:ext uri="{91240B29-F687-4f45-9708-019B960494DF}">
-              <a14:hiddenLine xmlns="" xmlns:a14="http://schemas.microsoft.com/office/drawing/2010/main" xmlns:p14="http://schemas.microsoft.com/office/powerpoint/2010/main" xmlns:a16="http://schemas.microsoft.com/office/drawing/2014/main" w="9525">
+              <a14:hiddenLine xmlns:a16="http://schemas.microsoft.com/office/drawing/2014/main" xmlns:p14="http://schemas.microsoft.com/office/powerpoint/2010/main" xmlns:a14="http://schemas.microsoft.com/office/drawing/2010/main" xmlns="" w="9525">
                 <a:solidFill>
                   <a:srgbClr val="000000"/>
                 </a:solidFill>
@@ -9557,7 +11708,7 @@
           <a:effectLst/>
           <a:extLst>
             <a:ext uri="{91240B29-F687-4f45-9708-019B960494DF}">
-              <a14:hiddenLine xmlns="" xmlns:a14="http://schemas.microsoft.com/office/drawing/2010/main" xmlns:p14="http://schemas.microsoft.com/office/powerpoint/2010/main" xmlns:a16="http://schemas.microsoft.com/office/drawing/2014/main" w="9525">
+              <a14:hiddenLine xmlns:a16="http://schemas.microsoft.com/office/drawing/2014/main" xmlns:p14="http://schemas.microsoft.com/office/powerpoint/2010/main" xmlns:a14="http://schemas.microsoft.com/office/drawing/2010/main" xmlns="" w="9525">
                 <a:solidFill>
                   <a:srgbClr val="000000"/>
                 </a:solidFill>
@@ -10143,7 +12294,7 @@
           <a:effectLst/>
           <a:extLst>
             <a:ext uri="{91240B29-F687-4f45-9708-019B960494DF}">
-              <a14:hiddenLine xmlns="" xmlns:a14="http://schemas.microsoft.com/office/drawing/2010/main" xmlns:p14="http://schemas.microsoft.com/office/powerpoint/2010/main" xmlns:a16="http://schemas.microsoft.com/office/drawing/2014/main" w="9525">
+              <a14:hiddenLine xmlns:a16="http://schemas.microsoft.com/office/drawing/2014/main" xmlns:p14="http://schemas.microsoft.com/office/powerpoint/2010/main" xmlns:a14="http://schemas.microsoft.com/office/drawing/2010/main" xmlns="" w="9525">
                 <a:solidFill>
                   <a:srgbClr val="000000"/>
                 </a:solidFill>

--- a/Information/Präsentation.pptx
+++ b/Information/Präsentation.pptx
@@ -5,7 +5,7 @@
     <p:sldMasterId id="2147483648" r:id="rId1"/>
   </p:sldMasterIdLst>
   <p:notesMasterIdLst>
-    <p:notesMasterId r:id="rId18"/>
+    <p:notesMasterId r:id="rId20"/>
   </p:notesMasterIdLst>
   <p:sldIdLst>
     <p:sldId id="256" r:id="rId2"/>
@@ -21,9 +21,11 @@
     <p:sldId id="266" r:id="rId12"/>
     <p:sldId id="267" r:id="rId13"/>
     <p:sldId id="268" r:id="rId14"/>
-    <p:sldId id="269" r:id="rId15"/>
-    <p:sldId id="270" r:id="rId16"/>
-    <p:sldId id="272" r:id="rId17"/>
+    <p:sldId id="276" r:id="rId15"/>
+    <p:sldId id="274" r:id="rId16"/>
+    <p:sldId id="269" r:id="rId17"/>
+    <p:sldId id="270" r:id="rId18"/>
+    <p:sldId id="272" r:id="rId19"/>
   </p:sldIdLst>
   <p:sldSz cx="12192000" cy="6858000"/>
   <p:notesSz cx="6858000" cy="9144000"/>
@@ -160,6 +162,8 @@
           <p14:sldIdLst>
             <p14:sldId id="267"/>
             <p14:sldId id="268"/>
+            <p14:sldId id="276"/>
+            <p14:sldId id="274"/>
           </p14:sldIdLst>
         </p14:section>
         <p14:section name="Ausblick" id="{395DBB66-12D1-4E23-A433-FC3E6020E228}">
@@ -180,7 +184,7 @@
 
 <file path=ppt/commentAuthors.xml><?xml version="1.0" encoding="utf-8"?>
 <p:cmAuthorLst xmlns:a="http://schemas.openxmlformats.org/drawingml/2006/main" xmlns:r="http://schemas.openxmlformats.org/officeDocument/2006/relationships" xmlns:p="http://schemas.openxmlformats.org/presentationml/2006/main">
-  <p:cmAuthor id="1" name="EmreKaan.Cetin@365h-brs.de" initials="E" lastIdx="8" clrIdx="0">
+  <p:cmAuthor id="1" name="EmreKaan.Cetin@365h-brs.de" initials="E" lastIdx="9" clrIdx="0">
     <p:extLst>
       <p:ext uri="{19B8F6BF-5375-455C-9EA6-DF929625EA0E}">
         <p15:presenceInfo xmlns:p15="http://schemas.microsoft.com/office/powerpoint/2012/main" userId="EmreKaan.Cetin@365h-brs.de" providerId="None"/>
@@ -293,7 +297,7 @@
                   <a:bodyPr/>
                   <a:lstStyle/>
                   <a:p>
-                    <a:fld id="{DB44898A-8EBD-421D-BE40-15FD3715EA0B}" type="CELLRANGE">
+                    <a:fld id="{6F8DEDB0-90E3-4D0B-B7B5-6D76C75B6B70}" type="CELLRANGE">
                       <a:rPr lang="de-DE"/>
                       <a:pPr/>
                       <a:t>[CELLRANGE]</a:t>
@@ -327,7 +331,7 @@
                   <a:bodyPr/>
                   <a:lstStyle/>
                   <a:p>
-                    <a:fld id="{DBAC2678-05C7-41C5-B32E-89BF72A69BA7}" type="CELLRANGE">
+                    <a:fld id="{8C0D3DDB-BD5E-4FFE-B3AB-4DA299CB6FB2}" type="CELLRANGE">
                       <a:rPr lang="de-DE"/>
                       <a:pPr/>
                       <a:t>[CELLRANGE]</a:t>
@@ -361,7 +365,7 @@
                   <a:bodyPr/>
                   <a:lstStyle/>
                   <a:p>
-                    <a:fld id="{571346FA-08A3-49E2-8FE4-63A7F955243F}" type="CELLRANGE">
+                    <a:fld id="{0F59DCC8-FAED-4B5F-A9A2-8BE7F6E44A69}" type="CELLRANGE">
                       <a:rPr lang="de-DE"/>
                       <a:pPr/>
                       <a:t>[CELLRANGE]</a:t>
@@ -395,7 +399,7 @@
                   <a:bodyPr/>
                   <a:lstStyle/>
                   <a:p>
-                    <a:fld id="{228347FC-91A4-4A2A-A105-227C3866CA4C}" type="CELLRANGE">
+                    <a:fld id="{EBE3CCE9-D694-4467-945B-ABE74C05F0F2}" type="CELLRANGE">
                       <a:rPr lang="de-DE"/>
                       <a:pPr/>
                       <a:t>[CELLRANGE]</a:t>
@@ -429,7 +433,7 @@
                   <a:bodyPr/>
                   <a:lstStyle/>
                   <a:p>
-                    <a:fld id="{4D09D84B-EC73-4BD8-91DA-80B52181461A}" type="CELLRANGE">
+                    <a:fld id="{21CA6AB5-B22B-43B9-A93F-B72556DC254A}" type="CELLRANGE">
                       <a:rPr lang="de-DE"/>
                       <a:pPr/>
                       <a:t>[CELLRANGE]</a:t>
@@ -463,7 +467,7 @@
                   <a:bodyPr/>
                   <a:lstStyle/>
                   <a:p>
-                    <a:fld id="{7406C5F7-BD48-44DA-944A-B83694A60850}" type="CELLRANGE">
+                    <a:fld id="{EB8F3AE0-EA26-4250-BA1D-86C28B5DC508}" type="CELLRANGE">
                       <a:rPr lang="de-DE"/>
                       <a:pPr/>
                       <a:t>[CELLRANGE]</a:t>
@@ -497,7 +501,7 @@
                   <a:bodyPr/>
                   <a:lstStyle/>
                   <a:p>
-                    <a:fld id="{5811AD01-6437-4692-9606-F72563BB7DCA}" type="CELLRANGE">
+                    <a:fld id="{A9B6DD23-0EB5-47E2-8B02-9E35354A8465}" type="CELLRANGE">
                       <a:rPr lang="de-DE"/>
                       <a:pPr/>
                       <a:t>[CELLRANGE]</a:t>
@@ -531,7 +535,7 @@
                   <a:bodyPr/>
                   <a:lstStyle/>
                   <a:p>
-                    <a:fld id="{1A644DDB-9782-4A35-B8BE-B9BCDBE05EEB}" type="CELLRANGE">
+                    <a:fld id="{5343B488-62A1-4C5E-98F9-EC21E4C27A2D}" type="CELLRANGE">
                       <a:rPr lang="de-DE"/>
                       <a:pPr/>
                       <a:t>[CELLRANGE]</a:t>
@@ -565,7 +569,7 @@
                   <a:bodyPr/>
                   <a:lstStyle/>
                   <a:p>
-                    <a:fld id="{1055E9A2-8D53-466F-819E-9A06B20B9719}" type="CELLRANGE">
+                    <a:fld id="{4242C606-1247-4927-AF99-574E046D8A77}" type="CELLRANGE">
                       <a:rPr lang="de-DE"/>
                       <a:pPr/>
                       <a:t>[CELLRANGE]</a:t>
@@ -599,7 +603,7 @@
                   <a:bodyPr/>
                   <a:lstStyle/>
                   <a:p>
-                    <a:fld id="{70265446-C5AC-4B22-ABF0-506BA886E045}" type="CELLRANGE">
+                    <a:fld id="{3091EC06-17FA-4AC5-9A19-8A18BEFE479C}" type="CELLRANGE">
                       <a:rPr lang="de-DE"/>
                       <a:pPr/>
                       <a:t>[CELLRANGE]</a:t>
@@ -633,7 +637,7 @@
                   <a:bodyPr/>
                   <a:lstStyle/>
                   <a:p>
-                    <a:fld id="{DA6F642E-6A17-49D9-BAD3-4264F6FB69D6}" type="CELLRANGE">
+                    <a:fld id="{20CF3BE5-5F9F-4C00-AC15-7B5582F0D1A3}" type="CELLRANGE">
                       <a:rPr lang="de-DE"/>
                       <a:pPr/>
                       <a:t>[CELLRANGE]</a:t>
@@ -667,7 +671,7 @@
                   <a:bodyPr/>
                   <a:lstStyle/>
                   <a:p>
-                    <a:fld id="{9E0FF84A-EE0E-44D1-A1B5-EAFF3C2608A1}" type="CELLRANGE">
+                    <a:fld id="{B07AB48B-EB3B-4922-8A2F-C5A627D7E7D3}" type="CELLRANGE">
                       <a:rPr lang="de-DE"/>
                       <a:pPr/>
                       <a:t>[CELLRANGE]</a:t>
@@ -1235,7 +1239,7 @@
                   <a:bodyPr/>
                   <a:lstStyle/>
                   <a:p>
-                    <a:fld id="{AB5A942A-E60D-4AC6-81C8-1D2C5102E572}" type="CELLRANGE">
+                    <a:fld id="{8DA6E3CF-28CA-4700-B865-09025D073883}" type="CELLRANGE">
                       <a:rPr lang="de-DE"/>
                       <a:pPr/>
                       <a:t>[CELLRANGE]</a:t>
@@ -1269,7 +1273,7 @@
                   <a:bodyPr/>
                   <a:lstStyle/>
                   <a:p>
-                    <a:fld id="{E97DF23A-D496-4DA9-AAEE-B6CDDE58FFCF}" type="CELLRANGE">
+                    <a:fld id="{104C0BC8-6348-4160-96D5-7B96B05DDF3B}" type="CELLRANGE">
                       <a:rPr lang="de-DE"/>
                       <a:pPr/>
                       <a:t>[CELLRANGE]</a:t>
@@ -1303,7 +1307,7 @@
                   <a:bodyPr/>
                   <a:lstStyle/>
                   <a:p>
-                    <a:fld id="{19D37982-EE15-482E-B4D3-E987C7626F65}" type="CELLRANGE">
+                    <a:fld id="{833B305A-9C77-4FC4-BCDF-901FD89DBF4B}" type="CELLRANGE">
                       <a:rPr lang="de-DE"/>
                       <a:pPr/>
                       <a:t>[CELLRANGE]</a:t>
@@ -1337,7 +1341,7 @@
                   <a:bodyPr/>
                   <a:lstStyle/>
                   <a:p>
-                    <a:fld id="{370E68C4-6E50-4122-A106-C76F2A9CB59B}" type="CELLRANGE">
+                    <a:fld id="{AADFD953-B01E-41BC-BCA4-3F47FB805873}" type="CELLRANGE">
                       <a:rPr lang="de-DE"/>
                       <a:pPr/>
                       <a:t>[CELLRANGE]</a:t>
@@ -1371,7 +1375,7 @@
                   <a:bodyPr/>
                   <a:lstStyle/>
                   <a:p>
-                    <a:fld id="{B1A4C327-3DC0-45CE-B280-D86B8DBC0A6F}" type="CELLRANGE">
+                    <a:fld id="{DBE2579F-9A76-4F22-AB60-2CF7094B60EA}" type="CELLRANGE">
                       <a:rPr lang="de-DE"/>
                       <a:pPr/>
                       <a:t>[CELLRANGE]</a:t>
@@ -1405,7 +1409,7 @@
                   <a:bodyPr/>
                   <a:lstStyle/>
                   <a:p>
-                    <a:fld id="{C2B51F6D-5C1D-4AAE-BD13-81134C27C65C}" type="CELLRANGE">
+                    <a:fld id="{6B63E093-7DD4-45F4-9DA9-F011D891F776}" type="CELLRANGE">
                       <a:rPr lang="de-DE"/>
                       <a:pPr/>
                       <a:t>[CELLRANGE]</a:t>
@@ -2372,6 +2376,3609 @@
 </p:cmLst>
 </file>
 
+<file path=ppt/diagrams/colors1.xml><?xml version="1.0" encoding="utf-8"?>
+<dgm:colorsDef xmlns:dgm="http://schemas.openxmlformats.org/drawingml/2006/diagram" xmlns:a="http://schemas.openxmlformats.org/drawingml/2006/main" uniqueId="urn:microsoft.com/office/officeart/2005/8/colors/accent1_2">
+  <dgm:title val=""/>
+  <dgm:desc val=""/>
+  <dgm:catLst>
+    <dgm:cat type="accent1" pri="11200"/>
+  </dgm:catLst>
+  <dgm:styleLbl name="node0">
+    <dgm:fillClrLst meth="repeat">
+      <a:schemeClr val="accent1"/>
+    </dgm:fillClrLst>
+    <dgm:linClrLst meth="repeat">
+      <a:schemeClr val="lt1"/>
+    </dgm:linClrLst>
+    <dgm:effectClrLst/>
+    <dgm:txLinClrLst/>
+    <dgm:txFillClrLst/>
+    <dgm:txEffectClrLst/>
+  </dgm:styleLbl>
+  <dgm:styleLbl name="alignNode1">
+    <dgm:fillClrLst meth="repeat">
+      <a:schemeClr val="accent1"/>
+    </dgm:fillClrLst>
+    <dgm:linClrLst meth="repeat">
+      <a:schemeClr val="accent1"/>
+    </dgm:linClrLst>
+    <dgm:effectClrLst/>
+    <dgm:txLinClrLst/>
+    <dgm:txFillClrLst/>
+    <dgm:txEffectClrLst/>
+  </dgm:styleLbl>
+  <dgm:styleLbl name="node1">
+    <dgm:fillClrLst meth="repeat">
+      <a:schemeClr val="accent1"/>
+    </dgm:fillClrLst>
+    <dgm:linClrLst meth="repeat">
+      <a:schemeClr val="lt1"/>
+    </dgm:linClrLst>
+    <dgm:effectClrLst/>
+    <dgm:txLinClrLst/>
+    <dgm:txFillClrLst/>
+    <dgm:txEffectClrLst/>
+  </dgm:styleLbl>
+  <dgm:styleLbl name="lnNode1">
+    <dgm:fillClrLst meth="repeat">
+      <a:schemeClr val="accent1"/>
+    </dgm:fillClrLst>
+    <dgm:linClrLst meth="repeat">
+      <a:schemeClr val="lt1"/>
+    </dgm:linClrLst>
+    <dgm:effectClrLst/>
+    <dgm:txLinClrLst/>
+    <dgm:txFillClrLst/>
+    <dgm:txEffectClrLst/>
+  </dgm:styleLbl>
+  <dgm:styleLbl name="vennNode1">
+    <dgm:fillClrLst meth="repeat">
+      <a:schemeClr val="accent1">
+        <a:alpha val="50000"/>
+      </a:schemeClr>
+    </dgm:fillClrLst>
+    <dgm:linClrLst meth="repeat">
+      <a:schemeClr val="lt1"/>
+    </dgm:linClrLst>
+    <dgm:effectClrLst/>
+    <dgm:txLinClrLst/>
+    <dgm:txFillClrLst/>
+    <dgm:txEffectClrLst/>
+  </dgm:styleLbl>
+  <dgm:styleLbl name="node2">
+    <dgm:fillClrLst meth="repeat">
+      <a:schemeClr val="accent1"/>
+    </dgm:fillClrLst>
+    <dgm:linClrLst meth="repeat">
+      <a:schemeClr val="lt1"/>
+    </dgm:linClrLst>
+    <dgm:effectClrLst/>
+    <dgm:txLinClrLst/>
+    <dgm:txFillClrLst/>
+    <dgm:txEffectClrLst/>
+  </dgm:styleLbl>
+  <dgm:styleLbl name="node3">
+    <dgm:fillClrLst meth="repeat">
+      <a:schemeClr val="accent1"/>
+    </dgm:fillClrLst>
+    <dgm:linClrLst meth="repeat">
+      <a:schemeClr val="lt1"/>
+    </dgm:linClrLst>
+    <dgm:effectClrLst/>
+    <dgm:txLinClrLst/>
+    <dgm:txFillClrLst/>
+    <dgm:txEffectClrLst/>
+  </dgm:styleLbl>
+  <dgm:styleLbl name="node4">
+    <dgm:fillClrLst meth="repeat">
+      <a:schemeClr val="accent1"/>
+    </dgm:fillClrLst>
+    <dgm:linClrLst meth="repeat">
+      <a:schemeClr val="lt1"/>
+    </dgm:linClrLst>
+    <dgm:effectClrLst/>
+    <dgm:txLinClrLst/>
+    <dgm:txFillClrLst/>
+    <dgm:txEffectClrLst/>
+  </dgm:styleLbl>
+  <dgm:styleLbl name="fgImgPlace1">
+    <dgm:fillClrLst meth="repeat">
+      <a:schemeClr val="accent1">
+        <a:tint val="50000"/>
+      </a:schemeClr>
+    </dgm:fillClrLst>
+    <dgm:linClrLst meth="repeat">
+      <a:schemeClr val="lt1"/>
+    </dgm:linClrLst>
+    <dgm:effectClrLst/>
+    <dgm:txLinClrLst/>
+    <dgm:txFillClrLst meth="repeat">
+      <a:schemeClr val="lt1"/>
+    </dgm:txFillClrLst>
+    <dgm:txEffectClrLst/>
+  </dgm:styleLbl>
+  <dgm:styleLbl name="alignImgPlace1">
+    <dgm:fillClrLst meth="repeat">
+      <a:schemeClr val="accent1">
+        <a:tint val="50000"/>
+      </a:schemeClr>
+    </dgm:fillClrLst>
+    <dgm:linClrLst meth="repeat">
+      <a:schemeClr val="lt1"/>
+    </dgm:linClrLst>
+    <dgm:effectClrLst/>
+    <dgm:txLinClrLst/>
+    <dgm:txFillClrLst meth="repeat">
+      <a:schemeClr val="lt1"/>
+    </dgm:txFillClrLst>
+    <dgm:txEffectClrLst/>
+  </dgm:styleLbl>
+  <dgm:styleLbl name="bgImgPlace1">
+    <dgm:fillClrLst meth="repeat">
+      <a:schemeClr val="accent1">
+        <a:tint val="50000"/>
+      </a:schemeClr>
+    </dgm:fillClrLst>
+    <dgm:linClrLst meth="repeat">
+      <a:schemeClr val="lt1"/>
+    </dgm:linClrLst>
+    <dgm:effectClrLst/>
+    <dgm:txLinClrLst/>
+    <dgm:txFillClrLst meth="repeat">
+      <a:schemeClr val="lt1"/>
+    </dgm:txFillClrLst>
+    <dgm:txEffectClrLst/>
+  </dgm:styleLbl>
+  <dgm:styleLbl name="sibTrans2D1">
+    <dgm:fillClrLst meth="repeat">
+      <a:schemeClr val="accent1">
+        <a:tint val="60000"/>
+      </a:schemeClr>
+    </dgm:fillClrLst>
+    <dgm:linClrLst meth="repeat">
+      <a:schemeClr val="accent1">
+        <a:tint val="60000"/>
+      </a:schemeClr>
+    </dgm:linClrLst>
+    <dgm:effectClrLst/>
+    <dgm:txLinClrLst/>
+    <dgm:txFillClrLst/>
+    <dgm:txEffectClrLst/>
+  </dgm:styleLbl>
+  <dgm:styleLbl name="fgSibTrans2D1">
+    <dgm:fillClrLst meth="repeat">
+      <a:schemeClr val="accent1">
+        <a:tint val="60000"/>
+      </a:schemeClr>
+    </dgm:fillClrLst>
+    <dgm:linClrLst meth="repeat">
+      <a:schemeClr val="accent1">
+        <a:tint val="60000"/>
+      </a:schemeClr>
+    </dgm:linClrLst>
+    <dgm:effectClrLst/>
+    <dgm:txLinClrLst/>
+    <dgm:txFillClrLst/>
+    <dgm:txEffectClrLst/>
+  </dgm:styleLbl>
+  <dgm:styleLbl name="bgSibTrans2D1">
+    <dgm:fillClrLst meth="repeat">
+      <a:schemeClr val="accent1">
+        <a:tint val="60000"/>
+      </a:schemeClr>
+    </dgm:fillClrLst>
+    <dgm:linClrLst meth="repeat">
+      <a:schemeClr val="accent1">
+        <a:tint val="60000"/>
+      </a:schemeClr>
+    </dgm:linClrLst>
+    <dgm:effectClrLst/>
+    <dgm:txLinClrLst/>
+    <dgm:txFillClrLst/>
+    <dgm:txEffectClrLst/>
+  </dgm:styleLbl>
+  <dgm:styleLbl name="sibTrans1D1">
+    <dgm:fillClrLst meth="repeat">
+      <a:schemeClr val="accent1"/>
+    </dgm:fillClrLst>
+    <dgm:linClrLst meth="repeat">
+      <a:schemeClr val="accent1"/>
+    </dgm:linClrLst>
+    <dgm:effectClrLst/>
+    <dgm:txLinClrLst/>
+    <dgm:txFillClrLst meth="repeat">
+      <a:schemeClr val="tx1"/>
+    </dgm:txFillClrLst>
+    <dgm:txEffectClrLst/>
+  </dgm:styleLbl>
+  <dgm:styleLbl name="callout">
+    <dgm:fillClrLst meth="repeat">
+      <a:schemeClr val="accent1"/>
+    </dgm:fillClrLst>
+    <dgm:linClrLst meth="repeat">
+      <a:schemeClr val="accent1">
+        <a:tint val="50000"/>
+      </a:schemeClr>
+    </dgm:linClrLst>
+    <dgm:effectClrLst/>
+    <dgm:txLinClrLst/>
+    <dgm:txFillClrLst meth="repeat">
+      <a:schemeClr val="tx1"/>
+    </dgm:txFillClrLst>
+    <dgm:txEffectClrLst/>
+  </dgm:styleLbl>
+  <dgm:styleLbl name="asst0">
+    <dgm:fillClrLst meth="repeat">
+      <a:schemeClr val="accent1"/>
+    </dgm:fillClrLst>
+    <dgm:linClrLst meth="repeat">
+      <a:schemeClr val="lt1"/>
+    </dgm:linClrLst>
+    <dgm:effectClrLst/>
+    <dgm:txLinClrLst/>
+    <dgm:txFillClrLst/>
+    <dgm:txEffectClrLst/>
+  </dgm:styleLbl>
+  <dgm:styleLbl name="asst1">
+    <dgm:fillClrLst meth="repeat">
+      <a:schemeClr val="accent1"/>
+    </dgm:fillClrLst>
+    <dgm:linClrLst meth="repeat">
+      <a:schemeClr val="lt1"/>
+    </dgm:linClrLst>
+    <dgm:effectClrLst/>
+    <dgm:txLinClrLst/>
+    <dgm:txFillClrLst/>
+    <dgm:txEffectClrLst/>
+  </dgm:styleLbl>
+  <dgm:styleLbl name="asst2">
+    <dgm:fillClrLst meth="repeat">
+      <a:schemeClr val="accent1"/>
+    </dgm:fillClrLst>
+    <dgm:linClrLst meth="repeat">
+      <a:schemeClr val="lt1"/>
+    </dgm:linClrLst>
+    <dgm:effectClrLst/>
+    <dgm:txLinClrLst/>
+    <dgm:txFillClrLst/>
+    <dgm:txEffectClrLst/>
+  </dgm:styleLbl>
+  <dgm:styleLbl name="asst3">
+    <dgm:fillClrLst meth="repeat">
+      <a:schemeClr val="accent1"/>
+    </dgm:fillClrLst>
+    <dgm:linClrLst meth="repeat">
+      <a:schemeClr val="lt1"/>
+    </dgm:linClrLst>
+    <dgm:effectClrLst/>
+    <dgm:txLinClrLst/>
+    <dgm:txFillClrLst/>
+    <dgm:txEffectClrLst/>
+  </dgm:styleLbl>
+  <dgm:styleLbl name="asst4">
+    <dgm:fillClrLst meth="repeat">
+      <a:schemeClr val="accent1"/>
+    </dgm:fillClrLst>
+    <dgm:linClrLst meth="repeat">
+      <a:schemeClr val="lt1"/>
+    </dgm:linClrLst>
+    <dgm:effectClrLst/>
+    <dgm:txLinClrLst/>
+    <dgm:txFillClrLst/>
+    <dgm:txEffectClrLst/>
+  </dgm:styleLbl>
+  <dgm:styleLbl name="parChTrans2D1">
+    <dgm:fillClrLst meth="repeat">
+      <a:schemeClr val="accent1">
+        <a:tint val="60000"/>
+      </a:schemeClr>
+    </dgm:fillClrLst>
+    <dgm:linClrLst meth="repeat">
+      <a:schemeClr val="accent1">
+        <a:tint val="60000"/>
+      </a:schemeClr>
+    </dgm:linClrLst>
+    <dgm:effectClrLst/>
+    <dgm:txLinClrLst/>
+    <dgm:txFillClrLst meth="repeat">
+      <a:schemeClr val="lt1"/>
+    </dgm:txFillClrLst>
+    <dgm:txEffectClrLst/>
+  </dgm:styleLbl>
+  <dgm:styleLbl name="parChTrans2D2">
+    <dgm:fillClrLst meth="repeat">
+      <a:schemeClr val="accent1"/>
+    </dgm:fillClrLst>
+    <dgm:linClrLst meth="repeat">
+      <a:schemeClr val="accent1"/>
+    </dgm:linClrLst>
+    <dgm:effectClrLst/>
+    <dgm:txLinClrLst/>
+    <dgm:txFillClrLst meth="repeat">
+      <a:schemeClr val="lt1"/>
+    </dgm:txFillClrLst>
+    <dgm:txEffectClrLst/>
+  </dgm:styleLbl>
+  <dgm:styleLbl name="parChTrans2D3">
+    <dgm:fillClrLst meth="repeat">
+      <a:schemeClr val="accent1"/>
+    </dgm:fillClrLst>
+    <dgm:linClrLst meth="repeat">
+      <a:schemeClr val="accent1"/>
+    </dgm:linClrLst>
+    <dgm:effectClrLst/>
+    <dgm:txLinClrLst/>
+    <dgm:txFillClrLst meth="repeat">
+      <a:schemeClr val="lt1"/>
+    </dgm:txFillClrLst>
+    <dgm:txEffectClrLst/>
+  </dgm:styleLbl>
+  <dgm:styleLbl name="parChTrans2D4">
+    <dgm:fillClrLst meth="repeat">
+      <a:schemeClr val="accent1"/>
+    </dgm:fillClrLst>
+    <dgm:linClrLst meth="repeat">
+      <a:schemeClr val="accent1"/>
+    </dgm:linClrLst>
+    <dgm:effectClrLst/>
+    <dgm:txLinClrLst/>
+    <dgm:txFillClrLst meth="repeat">
+      <a:schemeClr val="lt1"/>
+    </dgm:txFillClrLst>
+    <dgm:txEffectClrLst/>
+  </dgm:styleLbl>
+  <dgm:styleLbl name="parChTrans1D1">
+    <dgm:fillClrLst meth="repeat">
+      <a:schemeClr val="accent1"/>
+    </dgm:fillClrLst>
+    <dgm:linClrLst meth="repeat">
+      <a:schemeClr val="accent1">
+        <a:shade val="60000"/>
+      </a:schemeClr>
+    </dgm:linClrLst>
+    <dgm:effectClrLst/>
+    <dgm:txLinClrLst/>
+    <dgm:txFillClrLst meth="repeat">
+      <a:schemeClr val="tx1"/>
+    </dgm:txFillClrLst>
+    <dgm:txEffectClrLst/>
+  </dgm:styleLbl>
+  <dgm:styleLbl name="parChTrans1D2">
+    <dgm:fillClrLst meth="repeat">
+      <a:schemeClr val="accent1"/>
+    </dgm:fillClrLst>
+    <dgm:linClrLst meth="repeat">
+      <a:schemeClr val="accent1">
+        <a:shade val="60000"/>
+      </a:schemeClr>
+    </dgm:linClrLst>
+    <dgm:effectClrLst/>
+    <dgm:txLinClrLst/>
+    <dgm:txFillClrLst meth="repeat">
+      <a:schemeClr val="tx1"/>
+    </dgm:txFillClrLst>
+    <dgm:txEffectClrLst/>
+  </dgm:styleLbl>
+  <dgm:styleLbl name="parChTrans1D3">
+    <dgm:fillClrLst meth="repeat">
+      <a:schemeClr val="accent1"/>
+    </dgm:fillClrLst>
+    <dgm:linClrLst meth="repeat">
+      <a:schemeClr val="accent1">
+        <a:shade val="80000"/>
+      </a:schemeClr>
+    </dgm:linClrLst>
+    <dgm:effectClrLst/>
+    <dgm:txLinClrLst/>
+    <dgm:txFillClrLst meth="repeat">
+      <a:schemeClr val="tx1"/>
+    </dgm:txFillClrLst>
+    <dgm:txEffectClrLst/>
+  </dgm:styleLbl>
+  <dgm:styleLbl name="parChTrans1D4">
+    <dgm:fillClrLst meth="repeat">
+      <a:schemeClr val="accent1"/>
+    </dgm:fillClrLst>
+    <dgm:linClrLst meth="repeat">
+      <a:schemeClr val="accent1">
+        <a:shade val="80000"/>
+      </a:schemeClr>
+    </dgm:linClrLst>
+    <dgm:effectClrLst/>
+    <dgm:txLinClrLst/>
+    <dgm:txFillClrLst meth="repeat">
+      <a:schemeClr val="tx1"/>
+    </dgm:txFillClrLst>
+    <dgm:txEffectClrLst/>
+  </dgm:styleLbl>
+  <dgm:styleLbl name="fgAcc1">
+    <dgm:fillClrLst meth="repeat">
+      <a:schemeClr val="lt1">
+        <a:alpha val="90000"/>
+      </a:schemeClr>
+    </dgm:fillClrLst>
+    <dgm:linClrLst meth="repeat">
+      <a:schemeClr val="accent1"/>
+    </dgm:linClrLst>
+    <dgm:effectClrLst/>
+    <dgm:txLinClrLst/>
+    <dgm:txFillClrLst meth="repeat">
+      <a:schemeClr val="dk1"/>
+    </dgm:txFillClrLst>
+    <dgm:txEffectClrLst/>
+  </dgm:styleLbl>
+  <dgm:styleLbl name="conFgAcc1">
+    <dgm:fillClrLst meth="repeat">
+      <a:schemeClr val="lt1">
+        <a:alpha val="90000"/>
+      </a:schemeClr>
+    </dgm:fillClrLst>
+    <dgm:linClrLst meth="repeat">
+      <a:schemeClr val="accent1"/>
+    </dgm:linClrLst>
+    <dgm:effectClrLst/>
+    <dgm:txLinClrLst/>
+    <dgm:txFillClrLst meth="repeat">
+      <a:schemeClr val="dk1"/>
+    </dgm:txFillClrLst>
+    <dgm:txEffectClrLst/>
+  </dgm:styleLbl>
+  <dgm:styleLbl name="alignAcc1">
+    <dgm:fillClrLst meth="repeat">
+      <a:schemeClr val="lt1">
+        <a:alpha val="90000"/>
+      </a:schemeClr>
+    </dgm:fillClrLst>
+    <dgm:linClrLst meth="repeat">
+      <a:schemeClr val="accent1"/>
+    </dgm:linClrLst>
+    <dgm:effectClrLst/>
+    <dgm:txLinClrLst/>
+    <dgm:txFillClrLst meth="repeat">
+      <a:schemeClr val="dk1"/>
+    </dgm:txFillClrLst>
+    <dgm:txEffectClrLst/>
+  </dgm:styleLbl>
+  <dgm:styleLbl name="trAlignAcc1">
+    <dgm:fillClrLst meth="repeat">
+      <a:schemeClr val="lt1">
+        <a:alpha val="40000"/>
+      </a:schemeClr>
+    </dgm:fillClrLst>
+    <dgm:linClrLst meth="repeat">
+      <a:schemeClr val="accent1"/>
+    </dgm:linClrLst>
+    <dgm:effectClrLst/>
+    <dgm:txLinClrLst/>
+    <dgm:txFillClrLst meth="repeat">
+      <a:schemeClr val="dk1"/>
+    </dgm:txFillClrLst>
+    <dgm:txEffectClrLst/>
+  </dgm:styleLbl>
+  <dgm:styleLbl name="bgAcc1">
+    <dgm:fillClrLst meth="repeat">
+      <a:schemeClr val="lt1">
+        <a:alpha val="90000"/>
+      </a:schemeClr>
+    </dgm:fillClrLst>
+    <dgm:linClrLst meth="repeat">
+      <a:schemeClr val="accent1"/>
+    </dgm:linClrLst>
+    <dgm:effectClrLst/>
+    <dgm:txLinClrLst/>
+    <dgm:txFillClrLst meth="repeat">
+      <a:schemeClr val="dk1"/>
+    </dgm:txFillClrLst>
+    <dgm:txEffectClrLst/>
+  </dgm:styleLbl>
+  <dgm:styleLbl name="solidFgAcc1">
+    <dgm:fillClrLst meth="repeat">
+      <a:schemeClr val="lt1"/>
+    </dgm:fillClrLst>
+    <dgm:linClrLst meth="repeat">
+      <a:schemeClr val="accent1"/>
+    </dgm:linClrLst>
+    <dgm:effectClrLst/>
+    <dgm:txLinClrLst/>
+    <dgm:txFillClrLst meth="repeat">
+      <a:schemeClr val="dk1"/>
+    </dgm:txFillClrLst>
+    <dgm:txEffectClrLst/>
+  </dgm:styleLbl>
+  <dgm:styleLbl name="solidAlignAcc1">
+    <dgm:fillClrLst meth="repeat">
+      <a:schemeClr val="lt1"/>
+    </dgm:fillClrLst>
+    <dgm:linClrLst meth="repeat">
+      <a:schemeClr val="accent1"/>
+    </dgm:linClrLst>
+    <dgm:effectClrLst/>
+    <dgm:txLinClrLst/>
+    <dgm:txFillClrLst meth="repeat">
+      <a:schemeClr val="dk1"/>
+    </dgm:txFillClrLst>
+    <dgm:txEffectClrLst/>
+  </dgm:styleLbl>
+  <dgm:styleLbl name="solidBgAcc1">
+    <dgm:fillClrLst meth="repeat">
+      <a:schemeClr val="lt1"/>
+    </dgm:fillClrLst>
+    <dgm:linClrLst meth="repeat">
+      <a:schemeClr val="accent1"/>
+    </dgm:linClrLst>
+    <dgm:effectClrLst/>
+    <dgm:txLinClrLst/>
+    <dgm:txFillClrLst meth="repeat">
+      <a:schemeClr val="dk1"/>
+    </dgm:txFillClrLst>
+    <dgm:txEffectClrLst/>
+  </dgm:styleLbl>
+  <dgm:styleLbl name="fgAccFollowNode1">
+    <dgm:fillClrLst meth="repeat">
+      <a:schemeClr val="accent1">
+        <a:alpha val="90000"/>
+        <a:tint val="40000"/>
+      </a:schemeClr>
+    </dgm:fillClrLst>
+    <dgm:linClrLst meth="repeat">
+      <a:schemeClr val="accent1">
+        <a:alpha val="90000"/>
+        <a:tint val="40000"/>
+      </a:schemeClr>
+    </dgm:linClrLst>
+    <dgm:effectClrLst/>
+    <dgm:txLinClrLst/>
+    <dgm:txFillClrLst meth="repeat">
+      <a:schemeClr val="dk1"/>
+    </dgm:txFillClrLst>
+    <dgm:txEffectClrLst/>
+  </dgm:styleLbl>
+  <dgm:styleLbl name="alignAccFollowNode1">
+    <dgm:fillClrLst meth="repeat">
+      <a:schemeClr val="accent1">
+        <a:alpha val="90000"/>
+        <a:tint val="40000"/>
+      </a:schemeClr>
+    </dgm:fillClrLst>
+    <dgm:linClrLst meth="repeat">
+      <a:schemeClr val="accent1">
+        <a:alpha val="90000"/>
+        <a:tint val="40000"/>
+      </a:schemeClr>
+    </dgm:linClrLst>
+    <dgm:effectClrLst/>
+    <dgm:txLinClrLst/>
+    <dgm:txFillClrLst meth="repeat">
+      <a:schemeClr val="dk1"/>
+    </dgm:txFillClrLst>
+    <dgm:txEffectClrLst/>
+  </dgm:styleLbl>
+  <dgm:styleLbl name="bgAccFollowNode1">
+    <dgm:fillClrLst meth="repeat">
+      <a:schemeClr val="accent1">
+        <a:alpha val="90000"/>
+        <a:tint val="40000"/>
+      </a:schemeClr>
+    </dgm:fillClrLst>
+    <dgm:linClrLst meth="repeat">
+      <a:schemeClr val="accent1">
+        <a:alpha val="90000"/>
+        <a:tint val="40000"/>
+      </a:schemeClr>
+    </dgm:linClrLst>
+    <dgm:effectClrLst/>
+    <dgm:txLinClrLst/>
+    <dgm:txFillClrLst meth="repeat">
+      <a:schemeClr val="dk1"/>
+    </dgm:txFillClrLst>
+    <dgm:txEffectClrLst/>
+  </dgm:styleLbl>
+  <dgm:styleLbl name="fgAcc0">
+    <dgm:fillClrLst meth="repeat">
+      <a:schemeClr val="lt1">
+        <a:alpha val="90000"/>
+      </a:schemeClr>
+    </dgm:fillClrLst>
+    <dgm:linClrLst meth="repeat">
+      <a:schemeClr val="accent1"/>
+    </dgm:linClrLst>
+    <dgm:effectClrLst/>
+    <dgm:txLinClrLst/>
+    <dgm:txFillClrLst meth="repeat">
+      <a:schemeClr val="dk1"/>
+    </dgm:txFillClrLst>
+    <dgm:txEffectClrLst/>
+  </dgm:styleLbl>
+  <dgm:styleLbl name="fgAcc2">
+    <dgm:fillClrLst meth="repeat">
+      <a:schemeClr val="lt1">
+        <a:alpha val="90000"/>
+      </a:schemeClr>
+    </dgm:fillClrLst>
+    <dgm:linClrLst meth="repeat">
+      <a:schemeClr val="accent1"/>
+    </dgm:linClrLst>
+    <dgm:effectClrLst/>
+    <dgm:txLinClrLst/>
+    <dgm:txFillClrLst meth="repeat">
+      <a:schemeClr val="dk1"/>
+    </dgm:txFillClrLst>
+    <dgm:txEffectClrLst/>
+  </dgm:styleLbl>
+  <dgm:styleLbl name="fgAcc3">
+    <dgm:fillClrLst meth="repeat">
+      <a:schemeClr val="lt1">
+        <a:alpha val="90000"/>
+      </a:schemeClr>
+    </dgm:fillClrLst>
+    <dgm:linClrLst meth="repeat">
+      <a:schemeClr val="accent1"/>
+    </dgm:linClrLst>
+    <dgm:effectClrLst/>
+    <dgm:txLinClrLst/>
+    <dgm:txFillClrLst meth="repeat">
+      <a:schemeClr val="dk1"/>
+    </dgm:txFillClrLst>
+    <dgm:txEffectClrLst/>
+  </dgm:styleLbl>
+  <dgm:styleLbl name="fgAcc4">
+    <dgm:fillClrLst meth="repeat">
+      <a:schemeClr val="lt1">
+        <a:alpha val="90000"/>
+      </a:schemeClr>
+    </dgm:fillClrLst>
+    <dgm:linClrLst meth="repeat">
+      <a:schemeClr val="accent1"/>
+    </dgm:linClrLst>
+    <dgm:effectClrLst/>
+    <dgm:txLinClrLst/>
+    <dgm:txFillClrLst meth="repeat">
+      <a:schemeClr val="dk1"/>
+    </dgm:txFillClrLst>
+    <dgm:txEffectClrLst/>
+  </dgm:styleLbl>
+  <dgm:styleLbl name="bgShp">
+    <dgm:fillClrLst meth="repeat">
+      <a:schemeClr val="accent1">
+        <a:tint val="40000"/>
+      </a:schemeClr>
+    </dgm:fillClrLst>
+    <dgm:linClrLst meth="repeat">
+      <a:schemeClr val="accent1"/>
+    </dgm:linClrLst>
+    <dgm:effectClrLst/>
+    <dgm:txLinClrLst/>
+    <dgm:txFillClrLst meth="repeat">
+      <a:schemeClr val="dk1"/>
+    </dgm:txFillClrLst>
+    <dgm:txEffectClrLst/>
+  </dgm:styleLbl>
+  <dgm:styleLbl name="dkBgShp">
+    <dgm:fillClrLst meth="repeat">
+      <a:schemeClr val="accent1">
+        <a:shade val="80000"/>
+      </a:schemeClr>
+    </dgm:fillClrLst>
+    <dgm:linClrLst meth="repeat">
+      <a:schemeClr val="accent1"/>
+    </dgm:linClrLst>
+    <dgm:effectClrLst/>
+    <dgm:txLinClrLst/>
+    <dgm:txFillClrLst meth="repeat">
+      <a:schemeClr val="lt1"/>
+    </dgm:txFillClrLst>
+    <dgm:txEffectClrLst/>
+  </dgm:styleLbl>
+  <dgm:styleLbl name="trBgShp">
+    <dgm:fillClrLst meth="repeat">
+      <a:schemeClr val="accent1">
+        <a:tint val="50000"/>
+        <a:alpha val="40000"/>
+      </a:schemeClr>
+    </dgm:fillClrLst>
+    <dgm:linClrLst meth="repeat">
+      <a:schemeClr val="accent1"/>
+    </dgm:linClrLst>
+    <dgm:effectClrLst/>
+    <dgm:txLinClrLst/>
+    <dgm:txFillClrLst meth="repeat">
+      <a:schemeClr val="lt1"/>
+    </dgm:txFillClrLst>
+    <dgm:txEffectClrLst/>
+  </dgm:styleLbl>
+  <dgm:styleLbl name="fgShp">
+    <dgm:fillClrLst meth="repeat">
+      <a:schemeClr val="accent1">
+        <a:tint val="60000"/>
+      </a:schemeClr>
+    </dgm:fillClrLst>
+    <dgm:linClrLst meth="repeat">
+      <a:schemeClr val="lt1"/>
+    </dgm:linClrLst>
+    <dgm:effectClrLst/>
+    <dgm:txLinClrLst/>
+    <dgm:txFillClrLst meth="repeat">
+      <a:schemeClr val="dk1"/>
+    </dgm:txFillClrLst>
+    <dgm:txEffectClrLst/>
+  </dgm:styleLbl>
+  <dgm:styleLbl name="revTx">
+    <dgm:fillClrLst meth="repeat">
+      <a:schemeClr val="lt1">
+        <a:alpha val="0"/>
+      </a:schemeClr>
+    </dgm:fillClrLst>
+    <dgm:linClrLst meth="repeat">
+      <a:schemeClr val="dk1">
+        <a:alpha val="0"/>
+      </a:schemeClr>
+    </dgm:linClrLst>
+    <dgm:effectClrLst/>
+    <dgm:txLinClrLst/>
+    <dgm:txFillClrLst meth="repeat">
+      <a:schemeClr val="tx1"/>
+    </dgm:txFillClrLst>
+    <dgm:txEffectClrLst/>
+  </dgm:styleLbl>
+</dgm:colorsDef>
+</file>
+
+<file path=ppt/diagrams/data1.xml><?xml version="1.0" encoding="utf-8"?>
+<dgm:dataModel xmlns:dgm="http://schemas.openxmlformats.org/drawingml/2006/diagram" xmlns:a="http://schemas.openxmlformats.org/drawingml/2006/main">
+  <dgm:ptLst>
+    <dgm:pt modelId="{3CD1D26C-9603-4AEC-BC98-375D1C57475E}" type="doc">
+      <dgm:prSet loTypeId="urn:microsoft.com/office/officeart/2018/2/layout/IconVerticalSolidList" loCatId="icon" qsTypeId="urn:microsoft.com/office/officeart/2005/8/quickstyle/simple4" qsCatId="simple" csTypeId="urn:microsoft.com/office/officeart/2005/8/colors/accent1_2" csCatId="accent1" phldr="1"/>
+      <dgm:spPr/>
+      <dgm:t>
+        <a:bodyPr/>
+        <a:lstStyle/>
+        <a:p>
+          <a:endParaRPr lang="de-DE"/>
+        </a:p>
+      </dgm:t>
+    </dgm:pt>
+    <dgm:pt modelId="{43BCF808-F9B4-4154-A2D1-A80453712A17}">
+      <dgm:prSet phldrT="[Text]"/>
+      <dgm:spPr/>
+      <dgm:t>
+        <a:bodyPr/>
+        <a:lstStyle/>
+        <a:p>
+          <a:pPr>
+            <a:lnSpc>
+              <a:spcPct val="100000"/>
+            </a:lnSpc>
+          </a:pPr>
+          <a:r>
+            <a:rPr lang="en-GB" noProof="0" dirty="0"/>
+            <a:t>Curiosity</a:t>
+          </a:r>
+          <a:endParaRPr lang="de-DE" dirty="0"/>
+        </a:p>
+      </dgm:t>
+    </dgm:pt>
+    <dgm:pt modelId="{C5DBDF95-5826-4421-9918-CB7F4F9C2454}" type="parTrans" cxnId="{A0E884BA-5366-40E3-ACEB-501F8348EF45}">
+      <dgm:prSet/>
+      <dgm:spPr/>
+      <dgm:t>
+        <a:bodyPr/>
+        <a:lstStyle/>
+        <a:p>
+          <a:endParaRPr lang="de-DE"/>
+        </a:p>
+      </dgm:t>
+    </dgm:pt>
+    <dgm:pt modelId="{AB07DEA3-A7C5-4EDF-ACCF-A49AC99BF827}" type="sibTrans" cxnId="{A0E884BA-5366-40E3-ACEB-501F8348EF45}">
+      <dgm:prSet/>
+      <dgm:spPr/>
+      <dgm:t>
+        <a:bodyPr/>
+        <a:lstStyle/>
+        <a:p>
+          <a:endParaRPr lang="de-DE"/>
+        </a:p>
+      </dgm:t>
+    </dgm:pt>
+    <dgm:pt modelId="{4D509436-EC4A-43F0-8E75-018D03FD996F}">
+      <dgm:prSet phldrT="[Text]"/>
+      <dgm:spPr/>
+      <dgm:t>
+        <a:bodyPr/>
+        <a:lstStyle/>
+        <a:p>
+          <a:pPr>
+            <a:lnSpc>
+              <a:spcPct val="100000"/>
+            </a:lnSpc>
+          </a:pPr>
+          <a:r>
+            <a:rPr lang="en-GB" noProof="0" dirty="0"/>
+            <a:t>Exploration</a:t>
+          </a:r>
+        </a:p>
+      </dgm:t>
+    </dgm:pt>
+    <dgm:pt modelId="{EA06CB12-BC51-4DB4-9C95-F6B8323AB405}" type="parTrans" cxnId="{55CE34B3-77F2-40D9-86BA-3CB0838EDFFF}">
+      <dgm:prSet/>
+      <dgm:spPr/>
+      <dgm:t>
+        <a:bodyPr/>
+        <a:lstStyle/>
+        <a:p>
+          <a:endParaRPr lang="de-DE"/>
+        </a:p>
+      </dgm:t>
+    </dgm:pt>
+    <dgm:pt modelId="{4AA4FBF4-5E11-40A7-93FE-C028EB43B887}" type="sibTrans" cxnId="{55CE34B3-77F2-40D9-86BA-3CB0838EDFFF}">
+      <dgm:prSet/>
+      <dgm:spPr/>
+      <dgm:t>
+        <a:bodyPr/>
+        <a:lstStyle/>
+        <a:p>
+          <a:endParaRPr lang="de-DE"/>
+        </a:p>
+      </dgm:t>
+    </dgm:pt>
+    <dgm:pt modelId="{985B6502-9D0B-493D-A8EF-60992C46375C}">
+      <dgm:prSet phldrT="[Text]"/>
+      <dgm:spPr/>
+      <dgm:t>
+        <a:bodyPr/>
+        <a:lstStyle/>
+        <a:p>
+          <a:pPr>
+            <a:lnSpc>
+              <a:spcPct val="100000"/>
+            </a:lnSpc>
+          </a:pPr>
+          <a:r>
+            <a:rPr lang="en-GB" noProof="0" dirty="0"/>
+            <a:t>Obstacles</a:t>
+          </a:r>
+        </a:p>
+      </dgm:t>
+    </dgm:pt>
+    <dgm:pt modelId="{6DC0C298-F151-41AE-91CE-27415B6CECBE}" type="parTrans" cxnId="{D89BD1E0-57CE-4D5A-AB77-0951DC960A52}">
+      <dgm:prSet/>
+      <dgm:spPr/>
+      <dgm:t>
+        <a:bodyPr/>
+        <a:lstStyle/>
+        <a:p>
+          <a:endParaRPr lang="de-DE"/>
+        </a:p>
+      </dgm:t>
+    </dgm:pt>
+    <dgm:pt modelId="{8E9E2313-B56A-4616-9194-EFC04C8D4A04}" type="sibTrans" cxnId="{D89BD1E0-57CE-4D5A-AB77-0951DC960A52}">
+      <dgm:prSet/>
+      <dgm:spPr/>
+      <dgm:t>
+        <a:bodyPr/>
+        <a:lstStyle/>
+        <a:p>
+          <a:endParaRPr lang="de-DE"/>
+        </a:p>
+      </dgm:t>
+    </dgm:pt>
+    <dgm:pt modelId="{BF4FAFCE-BCD6-45D8-9618-8DCD78278598}">
+      <dgm:prSet phldrT="[Text]"/>
+      <dgm:spPr/>
+      <dgm:t>
+        <a:bodyPr/>
+        <a:lstStyle/>
+        <a:p>
+          <a:pPr>
+            <a:lnSpc>
+              <a:spcPct val="100000"/>
+            </a:lnSpc>
+          </a:pPr>
+          <a:r>
+            <a:rPr lang="en-GB" noProof="0" dirty="0"/>
+            <a:t>Objectives</a:t>
+          </a:r>
+        </a:p>
+      </dgm:t>
+    </dgm:pt>
+    <dgm:pt modelId="{3F1AC354-F928-4730-8A18-D66A3FED111B}" type="parTrans" cxnId="{8B7E75FA-8438-47BB-8C8A-7972DC27B2A6}">
+      <dgm:prSet/>
+      <dgm:spPr/>
+      <dgm:t>
+        <a:bodyPr/>
+        <a:lstStyle/>
+        <a:p>
+          <a:endParaRPr lang="de-DE"/>
+        </a:p>
+      </dgm:t>
+    </dgm:pt>
+    <dgm:pt modelId="{0767219F-BF8C-4AD1-9C7F-219823F0B25F}" type="sibTrans" cxnId="{8B7E75FA-8438-47BB-8C8A-7972DC27B2A6}">
+      <dgm:prSet/>
+      <dgm:spPr/>
+      <dgm:t>
+        <a:bodyPr/>
+        <a:lstStyle/>
+        <a:p>
+          <a:endParaRPr lang="de-DE"/>
+        </a:p>
+      </dgm:t>
+    </dgm:pt>
+    <dgm:pt modelId="{FD1E3E36-630E-4ED5-A4D1-8D8FAE5ADB10}">
+      <dgm:prSet phldrT="[Text]"/>
+      <dgm:spPr/>
+      <dgm:t>
+        <a:bodyPr/>
+        <a:lstStyle/>
+        <a:p>
+          <a:pPr>
+            <a:lnSpc>
+              <a:spcPct val="100000"/>
+            </a:lnSpc>
+          </a:pPr>
+          <a:r>
+            <a:rPr lang="en-GB" noProof="0" dirty="0"/>
+            <a:t>Time Travel</a:t>
+          </a:r>
+        </a:p>
+      </dgm:t>
+    </dgm:pt>
+    <dgm:pt modelId="{D3BC6404-F40E-4848-ADFB-FA2917D143E0}" type="parTrans" cxnId="{2BE473FF-3AE0-477F-B843-C288DE8C4EA4}">
+      <dgm:prSet/>
+      <dgm:spPr/>
+      <dgm:t>
+        <a:bodyPr/>
+        <a:lstStyle/>
+        <a:p>
+          <a:endParaRPr lang="de-DE"/>
+        </a:p>
+      </dgm:t>
+    </dgm:pt>
+    <dgm:pt modelId="{6CDB8E78-006E-4502-A184-D0F7BB66A7CD}" type="sibTrans" cxnId="{2BE473FF-3AE0-477F-B843-C288DE8C4EA4}">
+      <dgm:prSet/>
+      <dgm:spPr/>
+      <dgm:t>
+        <a:bodyPr/>
+        <a:lstStyle/>
+        <a:p>
+          <a:endParaRPr lang="de-DE"/>
+        </a:p>
+      </dgm:t>
+    </dgm:pt>
+    <dgm:pt modelId="{2F07F2F8-957F-4750-B9B8-36EA4436340E}">
+      <dgm:prSet phldrT="[Text]"/>
+      <dgm:spPr/>
+      <dgm:t>
+        <a:bodyPr/>
+        <a:lstStyle/>
+        <a:p>
+          <a:pPr>
+            <a:lnSpc>
+              <a:spcPct val="100000"/>
+            </a:lnSpc>
+          </a:pPr>
+          <a:r>
+            <a:rPr lang="en-GB" noProof="0" dirty="0"/>
+            <a:t>New Information</a:t>
+          </a:r>
+        </a:p>
+      </dgm:t>
+    </dgm:pt>
+    <dgm:pt modelId="{42CED4AE-5A1B-4401-96C5-0777119BEC2A}" type="parTrans" cxnId="{AA79FE16-0730-4445-8674-3672ECD5AE9A}">
+      <dgm:prSet/>
+      <dgm:spPr/>
+      <dgm:t>
+        <a:bodyPr/>
+        <a:lstStyle/>
+        <a:p>
+          <a:endParaRPr lang="de-DE"/>
+        </a:p>
+      </dgm:t>
+    </dgm:pt>
+    <dgm:pt modelId="{628D9D1B-02CF-4A2B-BCE0-02D2DC901B94}" type="sibTrans" cxnId="{AA79FE16-0730-4445-8674-3672ECD5AE9A}">
+      <dgm:prSet/>
+      <dgm:spPr/>
+      <dgm:t>
+        <a:bodyPr/>
+        <a:lstStyle/>
+        <a:p>
+          <a:endParaRPr lang="de-DE"/>
+        </a:p>
+      </dgm:t>
+    </dgm:pt>
+    <dgm:pt modelId="{EE521799-27BA-43F2-BEDD-935A32EB0A7A}" type="pres">
+      <dgm:prSet presAssocID="{3CD1D26C-9603-4AEC-BC98-375D1C57475E}" presName="root" presStyleCnt="0">
+        <dgm:presLayoutVars>
+          <dgm:dir/>
+          <dgm:resizeHandles val="exact"/>
+        </dgm:presLayoutVars>
+      </dgm:prSet>
+      <dgm:spPr/>
+    </dgm:pt>
+    <dgm:pt modelId="{EAF397E5-1FE0-4CE4-85FC-E5AB741AB798}" type="pres">
+      <dgm:prSet presAssocID="{43BCF808-F9B4-4154-A2D1-A80453712A17}" presName="compNode" presStyleCnt="0"/>
+      <dgm:spPr/>
+    </dgm:pt>
+    <dgm:pt modelId="{E7D4B670-8399-4761-B8A2-58158D5326B6}" type="pres">
+      <dgm:prSet presAssocID="{43BCF808-F9B4-4154-A2D1-A80453712A17}" presName="bgRect" presStyleLbl="bgShp" presStyleIdx="0" presStyleCnt="6"/>
+      <dgm:spPr>
+        <a:solidFill>
+          <a:schemeClr val="tx2">
+            <a:lumMod val="50000"/>
+          </a:schemeClr>
+        </a:solidFill>
+      </dgm:spPr>
+    </dgm:pt>
+    <dgm:pt modelId="{5F59A255-57EF-4A51-9AA1-5818A42BA75F}" type="pres">
+      <dgm:prSet presAssocID="{43BCF808-F9B4-4154-A2D1-A80453712A17}" presName="iconRect" presStyleLbl="node1" presStyleIdx="0" presStyleCnt="6"/>
+      <dgm:spPr>
+        <a:blipFill>
+          <a:blip xmlns:r="http://schemas.openxmlformats.org/officeDocument/2006/relationships" r:embed="rId1">
+            <a:extLst>
+              <a:ext uri="{28A0092B-C50C-407E-A947-70E740481C1C}">
+                <a14:useLocalDpi xmlns:a14="http://schemas.microsoft.com/office/drawing/2010/main" val="0"/>
+              </a:ext>
+              <a:ext uri="{96DAC541-7B7A-43D3-8B79-37D633B846F1}">
+                <asvg:svgBlip xmlns:asvg="http://schemas.microsoft.com/office/drawing/2016/SVG/main" r:embed="rId2"/>
+              </a:ext>
+            </a:extLst>
+          </a:blip>
+          <a:stretch>
+            <a:fillRect/>
+          </a:stretch>
+        </a:blipFill>
+      </dgm:spPr>
+      <dgm:extLst/>
+    </dgm:pt>
+    <dgm:pt modelId="{293D343F-CEF2-4BB3-8370-F2EEA5110141}" type="pres">
+      <dgm:prSet presAssocID="{43BCF808-F9B4-4154-A2D1-A80453712A17}" presName="spaceRect" presStyleCnt="0"/>
+      <dgm:spPr/>
+    </dgm:pt>
+    <dgm:pt modelId="{F28977C9-43EC-4DF9-AADA-1A40E34B7359}" type="pres">
+      <dgm:prSet presAssocID="{43BCF808-F9B4-4154-A2D1-A80453712A17}" presName="parTx" presStyleLbl="revTx" presStyleIdx="0" presStyleCnt="6">
+        <dgm:presLayoutVars>
+          <dgm:chMax val="0"/>
+          <dgm:chPref val="0"/>
+        </dgm:presLayoutVars>
+      </dgm:prSet>
+      <dgm:spPr/>
+    </dgm:pt>
+    <dgm:pt modelId="{51ECC40C-995E-4EDC-92C7-2BA14BB4960C}" type="pres">
+      <dgm:prSet presAssocID="{AB07DEA3-A7C5-4EDF-ACCF-A49AC99BF827}" presName="sibTrans" presStyleCnt="0"/>
+      <dgm:spPr/>
+    </dgm:pt>
+    <dgm:pt modelId="{36C4EF5E-FFA8-4BC8-96DD-B30356C32D0D}" type="pres">
+      <dgm:prSet presAssocID="{4D509436-EC4A-43F0-8E75-018D03FD996F}" presName="compNode" presStyleCnt="0"/>
+      <dgm:spPr/>
+    </dgm:pt>
+    <dgm:pt modelId="{4F000F8E-D1F8-44CE-BD27-B50895F6ED0E}" type="pres">
+      <dgm:prSet presAssocID="{4D509436-EC4A-43F0-8E75-018D03FD996F}" presName="bgRect" presStyleLbl="bgShp" presStyleIdx="1" presStyleCnt="6"/>
+      <dgm:spPr>
+        <a:solidFill>
+          <a:schemeClr val="tx2">
+            <a:lumMod val="50000"/>
+          </a:schemeClr>
+        </a:solidFill>
+      </dgm:spPr>
+    </dgm:pt>
+    <dgm:pt modelId="{DF74ADEA-FFFC-4C46-B183-FDC9B2FDF01F}" type="pres">
+      <dgm:prSet presAssocID="{4D509436-EC4A-43F0-8E75-018D03FD996F}" presName="iconRect" presStyleLbl="node1" presStyleIdx="1" presStyleCnt="6"/>
+      <dgm:spPr>
+        <a:blipFill>
+          <a:blip xmlns:r="http://schemas.openxmlformats.org/officeDocument/2006/relationships" r:embed="rId3">
+            <a:extLst>
+              <a:ext uri="{28A0092B-C50C-407E-A947-70E740481C1C}">
+                <a14:useLocalDpi xmlns:a14="http://schemas.microsoft.com/office/drawing/2010/main" val="0"/>
+              </a:ext>
+              <a:ext uri="{96DAC541-7B7A-43D3-8B79-37D633B846F1}">
+                <asvg:svgBlip xmlns:asvg="http://schemas.microsoft.com/office/drawing/2016/SVG/main" r:embed="rId4"/>
+              </a:ext>
+            </a:extLst>
+          </a:blip>
+          <a:stretch>
+            <a:fillRect/>
+          </a:stretch>
+        </a:blipFill>
+      </dgm:spPr>
+      <dgm:extLst/>
+    </dgm:pt>
+    <dgm:pt modelId="{8D5F6051-ADEF-4774-B4D6-9295B8F93AE7}" type="pres">
+      <dgm:prSet presAssocID="{4D509436-EC4A-43F0-8E75-018D03FD996F}" presName="spaceRect" presStyleCnt="0"/>
+      <dgm:spPr/>
+    </dgm:pt>
+    <dgm:pt modelId="{3A5E658C-57BA-415F-BFA3-AACC0ADBAB61}" type="pres">
+      <dgm:prSet presAssocID="{4D509436-EC4A-43F0-8E75-018D03FD996F}" presName="parTx" presStyleLbl="revTx" presStyleIdx="1" presStyleCnt="6">
+        <dgm:presLayoutVars>
+          <dgm:chMax val="0"/>
+          <dgm:chPref val="0"/>
+        </dgm:presLayoutVars>
+      </dgm:prSet>
+      <dgm:spPr/>
+    </dgm:pt>
+    <dgm:pt modelId="{E7A089DF-7A1A-4B88-9E23-6DE1126DD16F}" type="pres">
+      <dgm:prSet presAssocID="{4AA4FBF4-5E11-40A7-93FE-C028EB43B887}" presName="sibTrans" presStyleCnt="0"/>
+      <dgm:spPr/>
+    </dgm:pt>
+    <dgm:pt modelId="{882F667C-E274-4DEB-BBE3-957907C29C4A}" type="pres">
+      <dgm:prSet presAssocID="{985B6502-9D0B-493D-A8EF-60992C46375C}" presName="compNode" presStyleCnt="0"/>
+      <dgm:spPr/>
+    </dgm:pt>
+    <dgm:pt modelId="{47D9936B-9835-4E38-93B8-50770B0288B0}" type="pres">
+      <dgm:prSet presAssocID="{985B6502-9D0B-493D-A8EF-60992C46375C}" presName="bgRect" presStyleLbl="bgShp" presStyleIdx="2" presStyleCnt="6"/>
+      <dgm:spPr>
+        <a:solidFill>
+          <a:schemeClr val="tx2">
+            <a:lumMod val="50000"/>
+          </a:schemeClr>
+        </a:solidFill>
+      </dgm:spPr>
+    </dgm:pt>
+    <dgm:pt modelId="{9239F48E-D19F-4FD8-8A43-4438389816EA}" type="pres">
+      <dgm:prSet presAssocID="{985B6502-9D0B-493D-A8EF-60992C46375C}" presName="iconRect" presStyleLbl="node1" presStyleIdx="2" presStyleCnt="6"/>
+      <dgm:spPr>
+        <a:blipFill>
+          <a:blip xmlns:r="http://schemas.openxmlformats.org/officeDocument/2006/relationships" r:embed="rId5">
+            <a:extLst>
+              <a:ext uri="{96DAC541-7B7A-43D3-8B79-37D633B846F1}">
+                <asvg:svgBlip xmlns:asvg="http://schemas.microsoft.com/office/drawing/2016/SVG/main" r:embed="rId6"/>
+              </a:ext>
+            </a:extLst>
+          </a:blip>
+          <a:srcRect/>
+          <a:stretch>
+            <a:fillRect/>
+          </a:stretch>
+        </a:blipFill>
+      </dgm:spPr>
+      <dgm:extLst>
+        <a:ext uri="{E40237B7-FDA0-4F09-8148-C483321AD2D9}">
+          <dgm14:cNvPr xmlns:dgm14="http://schemas.microsoft.com/office/drawing/2010/diagram" id="0" name="" descr="Fence"/>
+        </a:ext>
+      </dgm:extLst>
+    </dgm:pt>
+    <dgm:pt modelId="{92F6D804-C63F-4024-8771-8991DA1EB82F}" type="pres">
+      <dgm:prSet presAssocID="{985B6502-9D0B-493D-A8EF-60992C46375C}" presName="spaceRect" presStyleCnt="0"/>
+      <dgm:spPr/>
+    </dgm:pt>
+    <dgm:pt modelId="{938AF2A2-91DB-4929-B6B6-F74F79780C1A}" type="pres">
+      <dgm:prSet presAssocID="{985B6502-9D0B-493D-A8EF-60992C46375C}" presName="parTx" presStyleLbl="revTx" presStyleIdx="2" presStyleCnt="6">
+        <dgm:presLayoutVars>
+          <dgm:chMax val="0"/>
+          <dgm:chPref val="0"/>
+        </dgm:presLayoutVars>
+      </dgm:prSet>
+      <dgm:spPr/>
+    </dgm:pt>
+    <dgm:pt modelId="{285FCDF1-29AB-492B-902D-1C1035D7CF3B}" type="pres">
+      <dgm:prSet presAssocID="{8E9E2313-B56A-4616-9194-EFC04C8D4A04}" presName="sibTrans" presStyleCnt="0"/>
+      <dgm:spPr/>
+    </dgm:pt>
+    <dgm:pt modelId="{7DF37F66-8150-4D91-841B-B04DCEF128B9}" type="pres">
+      <dgm:prSet presAssocID="{BF4FAFCE-BCD6-45D8-9618-8DCD78278598}" presName="compNode" presStyleCnt="0"/>
+      <dgm:spPr/>
+    </dgm:pt>
+    <dgm:pt modelId="{336F5367-F89D-496A-ACFE-34B8A8068028}" type="pres">
+      <dgm:prSet presAssocID="{BF4FAFCE-BCD6-45D8-9618-8DCD78278598}" presName="bgRect" presStyleLbl="bgShp" presStyleIdx="3" presStyleCnt="6"/>
+      <dgm:spPr>
+        <a:solidFill>
+          <a:schemeClr val="tx2">
+            <a:lumMod val="50000"/>
+          </a:schemeClr>
+        </a:solidFill>
+      </dgm:spPr>
+    </dgm:pt>
+    <dgm:pt modelId="{CEF5B04D-070D-44D1-8615-94D59D99FA53}" type="pres">
+      <dgm:prSet presAssocID="{BF4FAFCE-BCD6-45D8-9618-8DCD78278598}" presName="iconRect" presStyleLbl="node1" presStyleIdx="3" presStyleCnt="6"/>
+      <dgm:spPr>
+        <a:blipFill>
+          <a:blip xmlns:r="http://schemas.openxmlformats.org/officeDocument/2006/relationships" r:embed="rId7">
+            <a:extLst>
+              <a:ext uri="{28A0092B-C50C-407E-A947-70E740481C1C}">
+                <a14:useLocalDpi xmlns:a14="http://schemas.microsoft.com/office/drawing/2010/main" val="0"/>
+              </a:ext>
+              <a:ext uri="{96DAC541-7B7A-43D3-8B79-37D633B846F1}">
+                <asvg:svgBlip xmlns:asvg="http://schemas.microsoft.com/office/drawing/2016/SVG/main" r:embed="rId8"/>
+              </a:ext>
+            </a:extLst>
+          </a:blip>
+          <a:stretch>
+            <a:fillRect/>
+          </a:stretch>
+        </a:blipFill>
+      </dgm:spPr>
+      <dgm:extLst/>
+    </dgm:pt>
+    <dgm:pt modelId="{BCB1D4FD-502D-4526-9C09-160DE1BC1803}" type="pres">
+      <dgm:prSet presAssocID="{BF4FAFCE-BCD6-45D8-9618-8DCD78278598}" presName="spaceRect" presStyleCnt="0"/>
+      <dgm:spPr/>
+    </dgm:pt>
+    <dgm:pt modelId="{98DC91D7-F0D6-43E3-B8A4-3692DFA2711A}" type="pres">
+      <dgm:prSet presAssocID="{BF4FAFCE-BCD6-45D8-9618-8DCD78278598}" presName="parTx" presStyleLbl="revTx" presStyleIdx="3" presStyleCnt="6">
+        <dgm:presLayoutVars>
+          <dgm:chMax val="0"/>
+          <dgm:chPref val="0"/>
+        </dgm:presLayoutVars>
+      </dgm:prSet>
+      <dgm:spPr/>
+    </dgm:pt>
+    <dgm:pt modelId="{1A333834-9BF8-45C1-9AF3-446E508B252A}" type="pres">
+      <dgm:prSet presAssocID="{0767219F-BF8C-4AD1-9C7F-219823F0B25F}" presName="sibTrans" presStyleCnt="0"/>
+      <dgm:spPr/>
+    </dgm:pt>
+    <dgm:pt modelId="{E2C0F99A-8029-4C4D-988E-C22EB56914BB}" type="pres">
+      <dgm:prSet presAssocID="{FD1E3E36-630E-4ED5-A4D1-8D8FAE5ADB10}" presName="compNode" presStyleCnt="0"/>
+      <dgm:spPr/>
+    </dgm:pt>
+    <dgm:pt modelId="{3AE49C42-2872-470B-AC56-540333D57F90}" type="pres">
+      <dgm:prSet presAssocID="{FD1E3E36-630E-4ED5-A4D1-8D8FAE5ADB10}" presName="bgRect" presStyleLbl="bgShp" presStyleIdx="4" presStyleCnt="6"/>
+      <dgm:spPr>
+        <a:solidFill>
+          <a:schemeClr val="tx2">
+            <a:lumMod val="50000"/>
+          </a:schemeClr>
+        </a:solidFill>
+      </dgm:spPr>
+    </dgm:pt>
+    <dgm:pt modelId="{852FEE87-E262-4529-B95D-4152081DFC76}" type="pres">
+      <dgm:prSet presAssocID="{FD1E3E36-630E-4ED5-A4D1-8D8FAE5ADB10}" presName="iconRect" presStyleLbl="node1" presStyleIdx="4" presStyleCnt="6"/>
+      <dgm:spPr>
+        <a:blipFill>
+          <a:blip xmlns:r="http://schemas.openxmlformats.org/officeDocument/2006/relationships" r:embed="rId9">
+            <a:extLst>
+              <a:ext uri="{96DAC541-7B7A-43D3-8B79-37D633B846F1}">
+                <asvg:svgBlip xmlns:asvg="http://schemas.microsoft.com/office/drawing/2016/SVG/main" r:embed="rId10"/>
+              </a:ext>
+            </a:extLst>
+          </a:blip>
+          <a:srcRect/>
+          <a:stretch>
+            <a:fillRect/>
+          </a:stretch>
+        </a:blipFill>
+      </dgm:spPr>
+      <dgm:extLst>
+        <a:ext uri="{E40237B7-FDA0-4F09-8148-C483321AD2D9}">
+          <dgm14:cNvPr xmlns:dgm14="http://schemas.microsoft.com/office/drawing/2010/diagram" id="0" name="" descr="Stopwatch"/>
+        </a:ext>
+      </dgm:extLst>
+    </dgm:pt>
+    <dgm:pt modelId="{BEFB0003-3E4D-4C3D-986F-79BD86AA4BBB}" type="pres">
+      <dgm:prSet presAssocID="{FD1E3E36-630E-4ED5-A4D1-8D8FAE5ADB10}" presName="spaceRect" presStyleCnt="0"/>
+      <dgm:spPr/>
+    </dgm:pt>
+    <dgm:pt modelId="{97598798-3155-45C4-B78E-170BD1952B22}" type="pres">
+      <dgm:prSet presAssocID="{FD1E3E36-630E-4ED5-A4D1-8D8FAE5ADB10}" presName="parTx" presStyleLbl="revTx" presStyleIdx="4" presStyleCnt="6">
+        <dgm:presLayoutVars>
+          <dgm:chMax val="0"/>
+          <dgm:chPref val="0"/>
+        </dgm:presLayoutVars>
+      </dgm:prSet>
+      <dgm:spPr/>
+    </dgm:pt>
+    <dgm:pt modelId="{C5526B1A-9093-4F43-995C-7CC28146C8FC}" type="pres">
+      <dgm:prSet presAssocID="{6CDB8E78-006E-4502-A184-D0F7BB66A7CD}" presName="sibTrans" presStyleCnt="0"/>
+      <dgm:spPr/>
+    </dgm:pt>
+    <dgm:pt modelId="{A8E8878A-808C-4312-AFB7-BCEB24590740}" type="pres">
+      <dgm:prSet presAssocID="{2F07F2F8-957F-4750-B9B8-36EA4436340E}" presName="compNode" presStyleCnt="0"/>
+      <dgm:spPr/>
+    </dgm:pt>
+    <dgm:pt modelId="{042DD1CB-0471-4CA1-8BDD-A9434D5C8315}" type="pres">
+      <dgm:prSet presAssocID="{2F07F2F8-957F-4750-B9B8-36EA4436340E}" presName="bgRect" presStyleLbl="bgShp" presStyleIdx="5" presStyleCnt="6"/>
+      <dgm:spPr>
+        <a:solidFill>
+          <a:schemeClr val="tx2">
+            <a:lumMod val="50000"/>
+          </a:schemeClr>
+        </a:solidFill>
+      </dgm:spPr>
+    </dgm:pt>
+    <dgm:pt modelId="{3ADB9B1C-3F35-4045-A423-E33C953746A7}" type="pres">
+      <dgm:prSet presAssocID="{2F07F2F8-957F-4750-B9B8-36EA4436340E}" presName="iconRect" presStyleLbl="node1" presStyleIdx="5" presStyleCnt="6"/>
+      <dgm:spPr>
+        <a:blipFill>
+          <a:blip xmlns:r="http://schemas.openxmlformats.org/officeDocument/2006/relationships" r:embed="rId11">
+            <a:extLst>
+              <a:ext uri="{28A0092B-C50C-407E-A947-70E740481C1C}">
+                <a14:useLocalDpi xmlns:a14="http://schemas.microsoft.com/office/drawing/2010/main" val="0"/>
+              </a:ext>
+              <a:ext uri="{96DAC541-7B7A-43D3-8B79-37D633B846F1}">
+                <asvg:svgBlip xmlns:asvg="http://schemas.microsoft.com/office/drawing/2016/SVG/main" r:embed="rId12"/>
+              </a:ext>
+            </a:extLst>
+          </a:blip>
+          <a:stretch>
+            <a:fillRect/>
+          </a:stretch>
+        </a:blipFill>
+      </dgm:spPr>
+      <dgm:extLst/>
+    </dgm:pt>
+    <dgm:pt modelId="{D35AE723-F3B6-42F9-B89C-881D7BABF57D}" type="pres">
+      <dgm:prSet presAssocID="{2F07F2F8-957F-4750-B9B8-36EA4436340E}" presName="spaceRect" presStyleCnt="0"/>
+      <dgm:spPr/>
+    </dgm:pt>
+    <dgm:pt modelId="{08F9F107-6293-4E42-B6ED-1F4B5222824E}" type="pres">
+      <dgm:prSet presAssocID="{2F07F2F8-957F-4750-B9B8-36EA4436340E}" presName="parTx" presStyleLbl="revTx" presStyleIdx="5" presStyleCnt="6">
+        <dgm:presLayoutVars>
+          <dgm:chMax val="0"/>
+          <dgm:chPref val="0"/>
+        </dgm:presLayoutVars>
+      </dgm:prSet>
+      <dgm:spPr/>
+    </dgm:pt>
+  </dgm:ptLst>
+  <dgm:cxnLst>
+    <dgm:cxn modelId="{E6590206-E3C7-4510-B211-77A920C2BDB7}" type="presOf" srcId="{FD1E3E36-630E-4ED5-A4D1-8D8FAE5ADB10}" destId="{97598798-3155-45C4-B78E-170BD1952B22}" srcOrd="0" destOrd="0" presId="urn:microsoft.com/office/officeart/2018/2/layout/IconVerticalSolidList"/>
+    <dgm:cxn modelId="{AA79FE16-0730-4445-8674-3672ECD5AE9A}" srcId="{3CD1D26C-9603-4AEC-BC98-375D1C57475E}" destId="{2F07F2F8-957F-4750-B9B8-36EA4436340E}" srcOrd="5" destOrd="0" parTransId="{42CED4AE-5A1B-4401-96C5-0777119BEC2A}" sibTransId="{628D9D1B-02CF-4A2B-BCE0-02D2DC901B94}"/>
+    <dgm:cxn modelId="{90CE0D29-8E21-4B8D-BF57-59BEB1BD60B5}" type="presOf" srcId="{BF4FAFCE-BCD6-45D8-9618-8DCD78278598}" destId="{98DC91D7-F0D6-43E3-B8A4-3692DFA2711A}" srcOrd="0" destOrd="0" presId="urn:microsoft.com/office/officeart/2018/2/layout/IconVerticalSolidList"/>
+    <dgm:cxn modelId="{88944E54-A025-4F51-9297-0D3F79FFB771}" type="presOf" srcId="{3CD1D26C-9603-4AEC-BC98-375D1C57475E}" destId="{EE521799-27BA-43F2-BEDD-935A32EB0A7A}" srcOrd="0" destOrd="0" presId="urn:microsoft.com/office/officeart/2018/2/layout/IconVerticalSolidList"/>
+    <dgm:cxn modelId="{A509EA79-481F-431D-B1B0-7C036029C1FD}" type="presOf" srcId="{43BCF808-F9B4-4154-A2D1-A80453712A17}" destId="{F28977C9-43EC-4DF9-AADA-1A40E34B7359}" srcOrd="0" destOrd="0" presId="urn:microsoft.com/office/officeart/2018/2/layout/IconVerticalSolidList"/>
+    <dgm:cxn modelId="{F731518D-A3D3-4DF1-995F-0B0E34D2ECF9}" type="presOf" srcId="{985B6502-9D0B-493D-A8EF-60992C46375C}" destId="{938AF2A2-91DB-4929-B6B6-F74F79780C1A}" srcOrd="0" destOrd="0" presId="urn:microsoft.com/office/officeart/2018/2/layout/IconVerticalSolidList"/>
+    <dgm:cxn modelId="{74628C9D-E3BD-48FC-837F-04CADEABC84B}" type="presOf" srcId="{2F07F2F8-957F-4750-B9B8-36EA4436340E}" destId="{08F9F107-6293-4E42-B6ED-1F4B5222824E}" srcOrd="0" destOrd="0" presId="urn:microsoft.com/office/officeart/2018/2/layout/IconVerticalSolidList"/>
+    <dgm:cxn modelId="{55CE34B3-77F2-40D9-86BA-3CB0838EDFFF}" srcId="{3CD1D26C-9603-4AEC-BC98-375D1C57475E}" destId="{4D509436-EC4A-43F0-8E75-018D03FD996F}" srcOrd="1" destOrd="0" parTransId="{EA06CB12-BC51-4DB4-9C95-F6B8323AB405}" sibTransId="{4AA4FBF4-5E11-40A7-93FE-C028EB43B887}"/>
+    <dgm:cxn modelId="{A0E884BA-5366-40E3-ACEB-501F8348EF45}" srcId="{3CD1D26C-9603-4AEC-BC98-375D1C57475E}" destId="{43BCF808-F9B4-4154-A2D1-A80453712A17}" srcOrd="0" destOrd="0" parTransId="{C5DBDF95-5826-4421-9918-CB7F4F9C2454}" sibTransId="{AB07DEA3-A7C5-4EDF-ACCF-A49AC99BF827}"/>
+    <dgm:cxn modelId="{CA5803DE-F3EE-4A25-B94B-B3ADE8BB1B55}" type="presOf" srcId="{4D509436-EC4A-43F0-8E75-018D03FD996F}" destId="{3A5E658C-57BA-415F-BFA3-AACC0ADBAB61}" srcOrd="0" destOrd="0" presId="urn:microsoft.com/office/officeart/2018/2/layout/IconVerticalSolidList"/>
+    <dgm:cxn modelId="{D89BD1E0-57CE-4D5A-AB77-0951DC960A52}" srcId="{3CD1D26C-9603-4AEC-BC98-375D1C57475E}" destId="{985B6502-9D0B-493D-A8EF-60992C46375C}" srcOrd="2" destOrd="0" parTransId="{6DC0C298-F151-41AE-91CE-27415B6CECBE}" sibTransId="{8E9E2313-B56A-4616-9194-EFC04C8D4A04}"/>
+    <dgm:cxn modelId="{8B7E75FA-8438-47BB-8C8A-7972DC27B2A6}" srcId="{3CD1D26C-9603-4AEC-BC98-375D1C57475E}" destId="{BF4FAFCE-BCD6-45D8-9618-8DCD78278598}" srcOrd="3" destOrd="0" parTransId="{3F1AC354-F928-4730-8A18-D66A3FED111B}" sibTransId="{0767219F-BF8C-4AD1-9C7F-219823F0B25F}"/>
+    <dgm:cxn modelId="{2BE473FF-3AE0-477F-B843-C288DE8C4EA4}" srcId="{3CD1D26C-9603-4AEC-BC98-375D1C57475E}" destId="{FD1E3E36-630E-4ED5-A4D1-8D8FAE5ADB10}" srcOrd="4" destOrd="0" parTransId="{D3BC6404-F40E-4848-ADFB-FA2917D143E0}" sibTransId="{6CDB8E78-006E-4502-A184-D0F7BB66A7CD}"/>
+    <dgm:cxn modelId="{0C74291F-40C8-4ADB-BF03-BF46267C7F32}" type="presParOf" srcId="{EE521799-27BA-43F2-BEDD-935A32EB0A7A}" destId="{EAF397E5-1FE0-4CE4-85FC-E5AB741AB798}" srcOrd="0" destOrd="0" presId="urn:microsoft.com/office/officeart/2018/2/layout/IconVerticalSolidList"/>
+    <dgm:cxn modelId="{33733915-72F8-4942-AD43-26D7C751EF5B}" type="presParOf" srcId="{EAF397E5-1FE0-4CE4-85FC-E5AB741AB798}" destId="{E7D4B670-8399-4761-B8A2-58158D5326B6}" srcOrd="0" destOrd="0" presId="urn:microsoft.com/office/officeart/2018/2/layout/IconVerticalSolidList"/>
+    <dgm:cxn modelId="{498B1692-7859-4871-A676-30503973B623}" type="presParOf" srcId="{EAF397E5-1FE0-4CE4-85FC-E5AB741AB798}" destId="{5F59A255-57EF-4A51-9AA1-5818A42BA75F}" srcOrd="1" destOrd="0" presId="urn:microsoft.com/office/officeart/2018/2/layout/IconVerticalSolidList"/>
+    <dgm:cxn modelId="{DF2EDD37-2522-4A4E-8144-3E4A6BE785AB}" type="presParOf" srcId="{EAF397E5-1FE0-4CE4-85FC-E5AB741AB798}" destId="{293D343F-CEF2-4BB3-8370-F2EEA5110141}" srcOrd="2" destOrd="0" presId="urn:microsoft.com/office/officeart/2018/2/layout/IconVerticalSolidList"/>
+    <dgm:cxn modelId="{26983FEC-85A5-4BA3-9AAA-24F9AAF6C41B}" type="presParOf" srcId="{EAF397E5-1FE0-4CE4-85FC-E5AB741AB798}" destId="{F28977C9-43EC-4DF9-AADA-1A40E34B7359}" srcOrd="3" destOrd="0" presId="urn:microsoft.com/office/officeart/2018/2/layout/IconVerticalSolidList"/>
+    <dgm:cxn modelId="{A948A15B-9D9B-4826-9118-F18215158091}" type="presParOf" srcId="{EE521799-27BA-43F2-BEDD-935A32EB0A7A}" destId="{51ECC40C-995E-4EDC-92C7-2BA14BB4960C}" srcOrd="1" destOrd="0" presId="urn:microsoft.com/office/officeart/2018/2/layout/IconVerticalSolidList"/>
+    <dgm:cxn modelId="{8E3C1FB9-0C69-46EA-ABBE-38CFF7B17337}" type="presParOf" srcId="{EE521799-27BA-43F2-BEDD-935A32EB0A7A}" destId="{36C4EF5E-FFA8-4BC8-96DD-B30356C32D0D}" srcOrd="2" destOrd="0" presId="urn:microsoft.com/office/officeart/2018/2/layout/IconVerticalSolidList"/>
+    <dgm:cxn modelId="{3DE6D6AA-D769-411D-9092-A448EE6D05A0}" type="presParOf" srcId="{36C4EF5E-FFA8-4BC8-96DD-B30356C32D0D}" destId="{4F000F8E-D1F8-44CE-BD27-B50895F6ED0E}" srcOrd="0" destOrd="0" presId="urn:microsoft.com/office/officeart/2018/2/layout/IconVerticalSolidList"/>
+    <dgm:cxn modelId="{00B89B55-51D0-428D-86EB-BF208703760C}" type="presParOf" srcId="{36C4EF5E-FFA8-4BC8-96DD-B30356C32D0D}" destId="{DF74ADEA-FFFC-4C46-B183-FDC9B2FDF01F}" srcOrd="1" destOrd="0" presId="urn:microsoft.com/office/officeart/2018/2/layout/IconVerticalSolidList"/>
+    <dgm:cxn modelId="{D4B7578F-B24A-4BB7-9F57-2944F28C5F76}" type="presParOf" srcId="{36C4EF5E-FFA8-4BC8-96DD-B30356C32D0D}" destId="{8D5F6051-ADEF-4774-B4D6-9295B8F93AE7}" srcOrd="2" destOrd="0" presId="urn:microsoft.com/office/officeart/2018/2/layout/IconVerticalSolidList"/>
+    <dgm:cxn modelId="{EBD328D0-AF40-467B-BD3C-CC391512E1E2}" type="presParOf" srcId="{36C4EF5E-FFA8-4BC8-96DD-B30356C32D0D}" destId="{3A5E658C-57BA-415F-BFA3-AACC0ADBAB61}" srcOrd="3" destOrd="0" presId="urn:microsoft.com/office/officeart/2018/2/layout/IconVerticalSolidList"/>
+    <dgm:cxn modelId="{84D8CC6E-EFE7-492F-AEF2-E1835DA21B31}" type="presParOf" srcId="{EE521799-27BA-43F2-BEDD-935A32EB0A7A}" destId="{E7A089DF-7A1A-4B88-9E23-6DE1126DD16F}" srcOrd="3" destOrd="0" presId="urn:microsoft.com/office/officeart/2018/2/layout/IconVerticalSolidList"/>
+    <dgm:cxn modelId="{8C00BDEF-FB2D-4CAB-AB1B-D468A1C55823}" type="presParOf" srcId="{EE521799-27BA-43F2-BEDD-935A32EB0A7A}" destId="{882F667C-E274-4DEB-BBE3-957907C29C4A}" srcOrd="4" destOrd="0" presId="urn:microsoft.com/office/officeart/2018/2/layout/IconVerticalSolidList"/>
+    <dgm:cxn modelId="{0BAD6CF6-5395-4B58-8315-2FBF31D26F9C}" type="presParOf" srcId="{882F667C-E274-4DEB-BBE3-957907C29C4A}" destId="{47D9936B-9835-4E38-93B8-50770B0288B0}" srcOrd="0" destOrd="0" presId="urn:microsoft.com/office/officeart/2018/2/layout/IconVerticalSolidList"/>
+    <dgm:cxn modelId="{792BAEF4-27A1-4D82-84F2-438BFDCCC9CF}" type="presParOf" srcId="{882F667C-E274-4DEB-BBE3-957907C29C4A}" destId="{9239F48E-D19F-4FD8-8A43-4438389816EA}" srcOrd="1" destOrd="0" presId="urn:microsoft.com/office/officeart/2018/2/layout/IconVerticalSolidList"/>
+    <dgm:cxn modelId="{7E8ACBA3-5CFD-415B-A32D-BC9475756D07}" type="presParOf" srcId="{882F667C-E274-4DEB-BBE3-957907C29C4A}" destId="{92F6D804-C63F-4024-8771-8991DA1EB82F}" srcOrd="2" destOrd="0" presId="urn:microsoft.com/office/officeart/2018/2/layout/IconVerticalSolidList"/>
+    <dgm:cxn modelId="{A061E573-096A-4A5E-A017-A3B46E38E916}" type="presParOf" srcId="{882F667C-E274-4DEB-BBE3-957907C29C4A}" destId="{938AF2A2-91DB-4929-B6B6-F74F79780C1A}" srcOrd="3" destOrd="0" presId="urn:microsoft.com/office/officeart/2018/2/layout/IconVerticalSolidList"/>
+    <dgm:cxn modelId="{FCD7B7CE-0143-4B27-AE59-3E810007D4BB}" type="presParOf" srcId="{EE521799-27BA-43F2-BEDD-935A32EB0A7A}" destId="{285FCDF1-29AB-492B-902D-1C1035D7CF3B}" srcOrd="5" destOrd="0" presId="urn:microsoft.com/office/officeart/2018/2/layout/IconVerticalSolidList"/>
+    <dgm:cxn modelId="{9BD500D3-2AB5-4042-A2DA-D2DFDB1386A9}" type="presParOf" srcId="{EE521799-27BA-43F2-BEDD-935A32EB0A7A}" destId="{7DF37F66-8150-4D91-841B-B04DCEF128B9}" srcOrd="6" destOrd="0" presId="urn:microsoft.com/office/officeart/2018/2/layout/IconVerticalSolidList"/>
+    <dgm:cxn modelId="{E8AC8529-3A12-41C3-8538-21B6F5068002}" type="presParOf" srcId="{7DF37F66-8150-4D91-841B-B04DCEF128B9}" destId="{336F5367-F89D-496A-ACFE-34B8A8068028}" srcOrd="0" destOrd="0" presId="urn:microsoft.com/office/officeart/2018/2/layout/IconVerticalSolidList"/>
+    <dgm:cxn modelId="{5A70DDCB-EA04-49EE-83BD-A52B16789208}" type="presParOf" srcId="{7DF37F66-8150-4D91-841B-B04DCEF128B9}" destId="{CEF5B04D-070D-44D1-8615-94D59D99FA53}" srcOrd="1" destOrd="0" presId="urn:microsoft.com/office/officeart/2018/2/layout/IconVerticalSolidList"/>
+    <dgm:cxn modelId="{E4D89F57-A12C-4852-B03A-11D2565BDB27}" type="presParOf" srcId="{7DF37F66-8150-4D91-841B-B04DCEF128B9}" destId="{BCB1D4FD-502D-4526-9C09-160DE1BC1803}" srcOrd="2" destOrd="0" presId="urn:microsoft.com/office/officeart/2018/2/layout/IconVerticalSolidList"/>
+    <dgm:cxn modelId="{D3BDD68D-1290-4A3C-94F4-1ACA4A2D5A80}" type="presParOf" srcId="{7DF37F66-8150-4D91-841B-B04DCEF128B9}" destId="{98DC91D7-F0D6-43E3-B8A4-3692DFA2711A}" srcOrd="3" destOrd="0" presId="urn:microsoft.com/office/officeart/2018/2/layout/IconVerticalSolidList"/>
+    <dgm:cxn modelId="{4EB9047B-748F-49FF-98CD-7D76B7067E7D}" type="presParOf" srcId="{EE521799-27BA-43F2-BEDD-935A32EB0A7A}" destId="{1A333834-9BF8-45C1-9AF3-446E508B252A}" srcOrd="7" destOrd="0" presId="urn:microsoft.com/office/officeart/2018/2/layout/IconVerticalSolidList"/>
+    <dgm:cxn modelId="{A8CF196E-9E93-403C-AB80-D4189393871E}" type="presParOf" srcId="{EE521799-27BA-43F2-BEDD-935A32EB0A7A}" destId="{E2C0F99A-8029-4C4D-988E-C22EB56914BB}" srcOrd="8" destOrd="0" presId="urn:microsoft.com/office/officeart/2018/2/layout/IconVerticalSolidList"/>
+    <dgm:cxn modelId="{1B128002-1279-45C6-A86E-EA7814EB341B}" type="presParOf" srcId="{E2C0F99A-8029-4C4D-988E-C22EB56914BB}" destId="{3AE49C42-2872-470B-AC56-540333D57F90}" srcOrd="0" destOrd="0" presId="urn:microsoft.com/office/officeart/2018/2/layout/IconVerticalSolidList"/>
+    <dgm:cxn modelId="{471DCE0C-7BFC-469D-BAB0-AA413FC20849}" type="presParOf" srcId="{E2C0F99A-8029-4C4D-988E-C22EB56914BB}" destId="{852FEE87-E262-4529-B95D-4152081DFC76}" srcOrd="1" destOrd="0" presId="urn:microsoft.com/office/officeart/2018/2/layout/IconVerticalSolidList"/>
+    <dgm:cxn modelId="{EA24A357-997B-41CA-87C9-17EC676A2BC7}" type="presParOf" srcId="{E2C0F99A-8029-4C4D-988E-C22EB56914BB}" destId="{BEFB0003-3E4D-4C3D-986F-79BD86AA4BBB}" srcOrd="2" destOrd="0" presId="urn:microsoft.com/office/officeart/2018/2/layout/IconVerticalSolidList"/>
+    <dgm:cxn modelId="{A1FFA329-90B6-4529-BBD5-5D77193064B2}" type="presParOf" srcId="{E2C0F99A-8029-4C4D-988E-C22EB56914BB}" destId="{97598798-3155-45C4-B78E-170BD1952B22}" srcOrd="3" destOrd="0" presId="urn:microsoft.com/office/officeart/2018/2/layout/IconVerticalSolidList"/>
+    <dgm:cxn modelId="{22FBAB09-9790-4862-ACFF-3BBC042C167F}" type="presParOf" srcId="{EE521799-27BA-43F2-BEDD-935A32EB0A7A}" destId="{C5526B1A-9093-4F43-995C-7CC28146C8FC}" srcOrd="9" destOrd="0" presId="urn:microsoft.com/office/officeart/2018/2/layout/IconVerticalSolidList"/>
+    <dgm:cxn modelId="{3F0C5982-C945-417A-93A0-34E60CE306C3}" type="presParOf" srcId="{EE521799-27BA-43F2-BEDD-935A32EB0A7A}" destId="{A8E8878A-808C-4312-AFB7-BCEB24590740}" srcOrd="10" destOrd="0" presId="urn:microsoft.com/office/officeart/2018/2/layout/IconVerticalSolidList"/>
+    <dgm:cxn modelId="{B65D980F-5616-4079-9798-37E3A406B569}" type="presParOf" srcId="{A8E8878A-808C-4312-AFB7-BCEB24590740}" destId="{042DD1CB-0471-4CA1-8BDD-A9434D5C8315}" srcOrd="0" destOrd="0" presId="urn:microsoft.com/office/officeart/2018/2/layout/IconVerticalSolidList"/>
+    <dgm:cxn modelId="{EE1720F5-BCFC-42DD-8C54-BD9BAC2865DE}" type="presParOf" srcId="{A8E8878A-808C-4312-AFB7-BCEB24590740}" destId="{3ADB9B1C-3F35-4045-A423-E33C953746A7}" srcOrd="1" destOrd="0" presId="urn:microsoft.com/office/officeart/2018/2/layout/IconVerticalSolidList"/>
+    <dgm:cxn modelId="{6F7B0788-6FBC-40B1-8661-ECF5FB478D11}" type="presParOf" srcId="{A8E8878A-808C-4312-AFB7-BCEB24590740}" destId="{D35AE723-F3B6-42F9-B89C-881D7BABF57D}" srcOrd="2" destOrd="0" presId="urn:microsoft.com/office/officeart/2018/2/layout/IconVerticalSolidList"/>
+    <dgm:cxn modelId="{0B2EE7C8-4261-4DB1-A571-3B3304CA5A8E}" type="presParOf" srcId="{A8E8878A-808C-4312-AFB7-BCEB24590740}" destId="{08F9F107-6293-4E42-B6ED-1F4B5222824E}" srcOrd="3" destOrd="0" presId="urn:microsoft.com/office/officeart/2018/2/layout/IconVerticalSolidList"/>
+  </dgm:cxnLst>
+  <dgm:bg/>
+  <dgm:whole/>
+  <dgm:extLst>
+    <a:ext uri="http://schemas.microsoft.com/office/drawing/2008/diagram">
+      <dsp:dataModelExt xmlns:dsp="http://schemas.microsoft.com/office/drawing/2008/diagram" relId="rId7" minVer="http://schemas.openxmlformats.org/drawingml/2006/diagram"/>
+    </a:ext>
+  </dgm:extLst>
+</dgm:dataModel>
+</file>
+
+<file path=ppt/diagrams/drawing1.xml><?xml version="1.0" encoding="utf-8"?>
+<dsp:drawing xmlns:dgm="http://schemas.openxmlformats.org/drawingml/2006/diagram" xmlns:dsp="http://schemas.microsoft.com/office/drawing/2008/diagram" xmlns:a="http://schemas.openxmlformats.org/drawingml/2006/main">
+  <dsp:spTree>
+    <dsp:nvGrpSpPr>
+      <dsp:cNvPr id="0" name=""/>
+      <dsp:cNvGrpSpPr/>
+    </dsp:nvGrpSpPr>
+    <dsp:grpSpPr/>
+    <dsp:sp modelId="{E7D4B670-8399-4761-B8A2-58158D5326B6}">
+      <dsp:nvSpPr>
+        <dsp:cNvPr id="0" name=""/>
+        <dsp:cNvSpPr/>
+      </dsp:nvSpPr>
+      <dsp:spPr>
+        <a:xfrm>
+          <a:off x="0" y="1174"/>
+          <a:ext cx="7199220" cy="500668"/>
+        </a:xfrm>
+        <a:prstGeom prst="roundRect">
+          <a:avLst>
+            <a:gd name="adj" fmla="val 10000"/>
+          </a:avLst>
+        </a:prstGeom>
+        <a:solidFill>
+          <a:schemeClr val="tx2">
+            <a:lumMod val="50000"/>
+          </a:schemeClr>
+        </a:solidFill>
+        <a:ln>
+          <a:noFill/>
+        </a:ln>
+        <a:effectLst/>
+      </dsp:spPr>
+      <dsp:style>
+        <a:lnRef idx="0">
+          <a:scrgbClr r="0" g="0" b="0"/>
+        </a:lnRef>
+        <a:fillRef idx="1">
+          <a:scrgbClr r="0" g="0" b="0"/>
+        </a:fillRef>
+        <a:effectRef idx="2">
+          <a:scrgbClr r="0" g="0" b="0"/>
+        </a:effectRef>
+        <a:fontRef idx="minor"/>
+      </dsp:style>
+    </dsp:sp>
+    <dsp:sp modelId="{5F59A255-57EF-4A51-9AA1-5818A42BA75F}">
+      <dsp:nvSpPr>
+        <dsp:cNvPr id="0" name=""/>
+        <dsp:cNvSpPr/>
+      </dsp:nvSpPr>
+      <dsp:spPr>
+        <a:xfrm>
+          <a:off x="151452" y="113825"/>
+          <a:ext cx="275367" cy="275367"/>
+        </a:xfrm>
+        <a:prstGeom prst="rect">
+          <a:avLst/>
+        </a:prstGeom>
+        <a:blipFill rotWithShape="1">
+          <a:blip xmlns:r="http://schemas.openxmlformats.org/officeDocument/2006/relationships" r:embed="rId1">
+            <a:extLst>
+              <a:ext uri="{28A0092B-C50C-407E-A947-70E740481C1C}">
+                <a14:useLocalDpi xmlns:a14="http://schemas.microsoft.com/office/drawing/2010/main" val="0"/>
+              </a:ext>
+              <a:ext uri="{96DAC541-7B7A-43D3-8B79-37D633B846F1}">
+                <asvg:svgBlip xmlns:asvg="http://schemas.microsoft.com/office/drawing/2016/SVG/main" r:embed="rId2"/>
+              </a:ext>
+            </a:extLst>
+          </a:blip>
+          <a:stretch>
+            <a:fillRect/>
+          </a:stretch>
+        </a:blipFill>
+        <a:ln>
+          <a:noFill/>
+        </a:ln>
+        <a:effectLst/>
+      </dsp:spPr>
+      <dsp:style>
+        <a:lnRef idx="0">
+          <a:scrgbClr r="0" g="0" b="0"/>
+        </a:lnRef>
+        <a:fillRef idx="3">
+          <a:scrgbClr r="0" g="0" b="0"/>
+        </a:fillRef>
+        <a:effectRef idx="2">
+          <a:scrgbClr r="0" g="0" b="0"/>
+        </a:effectRef>
+        <a:fontRef idx="minor">
+          <a:schemeClr val="lt1"/>
+        </a:fontRef>
+      </dsp:style>
+    </dsp:sp>
+    <dsp:sp modelId="{F28977C9-43EC-4DF9-AADA-1A40E34B7359}">
+      <dsp:nvSpPr>
+        <dsp:cNvPr id="0" name=""/>
+        <dsp:cNvSpPr/>
+      </dsp:nvSpPr>
+      <dsp:spPr>
+        <a:xfrm>
+          <a:off x="578272" y="1174"/>
+          <a:ext cx="6620947" cy="500668"/>
+        </a:xfrm>
+        <a:prstGeom prst="rect">
+          <a:avLst/>
+        </a:prstGeom>
+        <a:noFill/>
+        <a:ln>
+          <a:noFill/>
+        </a:ln>
+        <a:effectLst/>
+      </dsp:spPr>
+      <dsp:style>
+        <a:lnRef idx="0">
+          <a:scrgbClr r="0" g="0" b="0"/>
+        </a:lnRef>
+        <a:fillRef idx="0">
+          <a:scrgbClr r="0" g="0" b="0"/>
+        </a:fillRef>
+        <a:effectRef idx="0">
+          <a:scrgbClr r="0" g="0" b="0"/>
+        </a:effectRef>
+        <a:fontRef idx="minor"/>
+      </dsp:style>
+      <dsp:txBody>
+        <a:bodyPr spcFirstLastPara="0" vert="horz" wrap="square" lIns="52987" tIns="52987" rIns="52987" bIns="52987" numCol="1" spcCol="1270" anchor="ctr" anchorCtr="0">
+          <a:noAutofit/>
+        </a:bodyPr>
+        <a:lstStyle/>
+        <a:p>
+          <a:pPr marL="0" lvl="0" indent="0" algn="l" defTabSz="844550">
+            <a:lnSpc>
+              <a:spcPct val="100000"/>
+            </a:lnSpc>
+            <a:spcBef>
+              <a:spcPct val="0"/>
+            </a:spcBef>
+            <a:spcAft>
+              <a:spcPct val="35000"/>
+            </a:spcAft>
+            <a:buNone/>
+          </a:pPr>
+          <a:r>
+            <a:rPr lang="en-GB" sz="1900" kern="1200" noProof="0" dirty="0"/>
+            <a:t>Curiosity</a:t>
+          </a:r>
+          <a:endParaRPr lang="de-DE" sz="1900" kern="1200" dirty="0"/>
+        </a:p>
+      </dsp:txBody>
+      <dsp:txXfrm>
+        <a:off x="578272" y="1174"/>
+        <a:ext cx="6620947" cy="500668"/>
+      </dsp:txXfrm>
+    </dsp:sp>
+    <dsp:sp modelId="{4F000F8E-D1F8-44CE-BD27-B50895F6ED0E}">
+      <dsp:nvSpPr>
+        <dsp:cNvPr id="0" name=""/>
+        <dsp:cNvSpPr/>
+      </dsp:nvSpPr>
+      <dsp:spPr>
+        <a:xfrm>
+          <a:off x="0" y="627011"/>
+          <a:ext cx="7199220" cy="500668"/>
+        </a:xfrm>
+        <a:prstGeom prst="roundRect">
+          <a:avLst>
+            <a:gd name="adj" fmla="val 10000"/>
+          </a:avLst>
+        </a:prstGeom>
+        <a:solidFill>
+          <a:schemeClr val="tx2">
+            <a:lumMod val="50000"/>
+          </a:schemeClr>
+        </a:solidFill>
+        <a:ln>
+          <a:noFill/>
+        </a:ln>
+        <a:effectLst/>
+      </dsp:spPr>
+      <dsp:style>
+        <a:lnRef idx="0">
+          <a:scrgbClr r="0" g="0" b="0"/>
+        </a:lnRef>
+        <a:fillRef idx="1">
+          <a:scrgbClr r="0" g="0" b="0"/>
+        </a:fillRef>
+        <a:effectRef idx="2">
+          <a:scrgbClr r="0" g="0" b="0"/>
+        </a:effectRef>
+        <a:fontRef idx="minor"/>
+      </dsp:style>
+    </dsp:sp>
+    <dsp:sp modelId="{DF74ADEA-FFFC-4C46-B183-FDC9B2FDF01F}">
+      <dsp:nvSpPr>
+        <dsp:cNvPr id="0" name=""/>
+        <dsp:cNvSpPr/>
+      </dsp:nvSpPr>
+      <dsp:spPr>
+        <a:xfrm>
+          <a:off x="151452" y="739661"/>
+          <a:ext cx="275367" cy="275367"/>
+        </a:xfrm>
+        <a:prstGeom prst="rect">
+          <a:avLst/>
+        </a:prstGeom>
+        <a:blipFill rotWithShape="1">
+          <a:blip xmlns:r="http://schemas.openxmlformats.org/officeDocument/2006/relationships" r:embed="rId3">
+            <a:extLst>
+              <a:ext uri="{28A0092B-C50C-407E-A947-70E740481C1C}">
+                <a14:useLocalDpi xmlns:a14="http://schemas.microsoft.com/office/drawing/2010/main" val="0"/>
+              </a:ext>
+              <a:ext uri="{96DAC541-7B7A-43D3-8B79-37D633B846F1}">
+                <asvg:svgBlip xmlns:asvg="http://schemas.microsoft.com/office/drawing/2016/SVG/main" r:embed="rId4"/>
+              </a:ext>
+            </a:extLst>
+          </a:blip>
+          <a:stretch>
+            <a:fillRect/>
+          </a:stretch>
+        </a:blipFill>
+        <a:ln>
+          <a:noFill/>
+        </a:ln>
+        <a:effectLst/>
+      </dsp:spPr>
+      <dsp:style>
+        <a:lnRef idx="0">
+          <a:scrgbClr r="0" g="0" b="0"/>
+        </a:lnRef>
+        <a:fillRef idx="3">
+          <a:scrgbClr r="0" g="0" b="0"/>
+        </a:fillRef>
+        <a:effectRef idx="2">
+          <a:scrgbClr r="0" g="0" b="0"/>
+        </a:effectRef>
+        <a:fontRef idx="minor">
+          <a:schemeClr val="lt1"/>
+        </a:fontRef>
+      </dsp:style>
+    </dsp:sp>
+    <dsp:sp modelId="{3A5E658C-57BA-415F-BFA3-AACC0ADBAB61}">
+      <dsp:nvSpPr>
+        <dsp:cNvPr id="0" name=""/>
+        <dsp:cNvSpPr/>
+      </dsp:nvSpPr>
+      <dsp:spPr>
+        <a:xfrm>
+          <a:off x="578272" y="627011"/>
+          <a:ext cx="6620947" cy="500668"/>
+        </a:xfrm>
+        <a:prstGeom prst="rect">
+          <a:avLst/>
+        </a:prstGeom>
+        <a:noFill/>
+        <a:ln>
+          <a:noFill/>
+        </a:ln>
+        <a:effectLst/>
+      </dsp:spPr>
+      <dsp:style>
+        <a:lnRef idx="0">
+          <a:scrgbClr r="0" g="0" b="0"/>
+        </a:lnRef>
+        <a:fillRef idx="0">
+          <a:scrgbClr r="0" g="0" b="0"/>
+        </a:fillRef>
+        <a:effectRef idx="0">
+          <a:scrgbClr r="0" g="0" b="0"/>
+        </a:effectRef>
+        <a:fontRef idx="minor"/>
+      </dsp:style>
+      <dsp:txBody>
+        <a:bodyPr spcFirstLastPara="0" vert="horz" wrap="square" lIns="52987" tIns="52987" rIns="52987" bIns="52987" numCol="1" spcCol="1270" anchor="ctr" anchorCtr="0">
+          <a:noAutofit/>
+        </a:bodyPr>
+        <a:lstStyle/>
+        <a:p>
+          <a:pPr marL="0" lvl="0" indent="0" algn="l" defTabSz="844550">
+            <a:lnSpc>
+              <a:spcPct val="100000"/>
+            </a:lnSpc>
+            <a:spcBef>
+              <a:spcPct val="0"/>
+            </a:spcBef>
+            <a:spcAft>
+              <a:spcPct val="35000"/>
+            </a:spcAft>
+            <a:buNone/>
+          </a:pPr>
+          <a:r>
+            <a:rPr lang="en-GB" sz="1900" kern="1200" noProof="0" dirty="0"/>
+            <a:t>Exploration</a:t>
+          </a:r>
+        </a:p>
+      </dsp:txBody>
+      <dsp:txXfrm>
+        <a:off x="578272" y="627011"/>
+        <a:ext cx="6620947" cy="500668"/>
+      </dsp:txXfrm>
+    </dsp:sp>
+    <dsp:sp modelId="{47D9936B-9835-4E38-93B8-50770B0288B0}">
+      <dsp:nvSpPr>
+        <dsp:cNvPr id="0" name=""/>
+        <dsp:cNvSpPr/>
+      </dsp:nvSpPr>
+      <dsp:spPr>
+        <a:xfrm>
+          <a:off x="0" y="1252847"/>
+          <a:ext cx="7199220" cy="500668"/>
+        </a:xfrm>
+        <a:prstGeom prst="roundRect">
+          <a:avLst>
+            <a:gd name="adj" fmla="val 10000"/>
+          </a:avLst>
+        </a:prstGeom>
+        <a:solidFill>
+          <a:schemeClr val="tx2">
+            <a:lumMod val="50000"/>
+          </a:schemeClr>
+        </a:solidFill>
+        <a:ln>
+          <a:noFill/>
+        </a:ln>
+        <a:effectLst/>
+      </dsp:spPr>
+      <dsp:style>
+        <a:lnRef idx="0">
+          <a:scrgbClr r="0" g="0" b="0"/>
+        </a:lnRef>
+        <a:fillRef idx="1">
+          <a:scrgbClr r="0" g="0" b="0"/>
+        </a:fillRef>
+        <a:effectRef idx="2">
+          <a:scrgbClr r="0" g="0" b="0"/>
+        </a:effectRef>
+        <a:fontRef idx="minor"/>
+      </dsp:style>
+    </dsp:sp>
+    <dsp:sp modelId="{9239F48E-D19F-4FD8-8A43-4438389816EA}">
+      <dsp:nvSpPr>
+        <dsp:cNvPr id="0" name=""/>
+        <dsp:cNvSpPr/>
+      </dsp:nvSpPr>
+      <dsp:spPr>
+        <a:xfrm>
+          <a:off x="151452" y="1365497"/>
+          <a:ext cx="275367" cy="275367"/>
+        </a:xfrm>
+        <a:prstGeom prst="rect">
+          <a:avLst/>
+        </a:prstGeom>
+        <a:blipFill rotWithShape="1">
+          <a:blip xmlns:r="http://schemas.openxmlformats.org/officeDocument/2006/relationships" r:embed="rId5">
+            <a:extLst>
+              <a:ext uri="{96DAC541-7B7A-43D3-8B79-37D633B846F1}">
+                <asvg:svgBlip xmlns:asvg="http://schemas.microsoft.com/office/drawing/2016/SVG/main" r:embed="rId6"/>
+              </a:ext>
+            </a:extLst>
+          </a:blip>
+          <a:srcRect/>
+          <a:stretch>
+            <a:fillRect/>
+          </a:stretch>
+        </a:blipFill>
+        <a:ln>
+          <a:noFill/>
+        </a:ln>
+        <a:effectLst/>
+      </dsp:spPr>
+      <dsp:style>
+        <a:lnRef idx="0">
+          <a:scrgbClr r="0" g="0" b="0"/>
+        </a:lnRef>
+        <a:fillRef idx="3">
+          <a:scrgbClr r="0" g="0" b="0"/>
+        </a:fillRef>
+        <a:effectRef idx="2">
+          <a:scrgbClr r="0" g="0" b="0"/>
+        </a:effectRef>
+        <a:fontRef idx="minor">
+          <a:schemeClr val="lt1"/>
+        </a:fontRef>
+      </dsp:style>
+    </dsp:sp>
+    <dsp:sp modelId="{938AF2A2-91DB-4929-B6B6-F74F79780C1A}">
+      <dsp:nvSpPr>
+        <dsp:cNvPr id="0" name=""/>
+        <dsp:cNvSpPr/>
+      </dsp:nvSpPr>
+      <dsp:spPr>
+        <a:xfrm>
+          <a:off x="578272" y="1252847"/>
+          <a:ext cx="6620947" cy="500668"/>
+        </a:xfrm>
+        <a:prstGeom prst="rect">
+          <a:avLst/>
+        </a:prstGeom>
+        <a:noFill/>
+        <a:ln>
+          <a:noFill/>
+        </a:ln>
+        <a:effectLst/>
+      </dsp:spPr>
+      <dsp:style>
+        <a:lnRef idx="0">
+          <a:scrgbClr r="0" g="0" b="0"/>
+        </a:lnRef>
+        <a:fillRef idx="0">
+          <a:scrgbClr r="0" g="0" b="0"/>
+        </a:fillRef>
+        <a:effectRef idx="0">
+          <a:scrgbClr r="0" g="0" b="0"/>
+        </a:effectRef>
+        <a:fontRef idx="minor"/>
+      </dsp:style>
+      <dsp:txBody>
+        <a:bodyPr spcFirstLastPara="0" vert="horz" wrap="square" lIns="52987" tIns="52987" rIns="52987" bIns="52987" numCol="1" spcCol="1270" anchor="ctr" anchorCtr="0">
+          <a:noAutofit/>
+        </a:bodyPr>
+        <a:lstStyle/>
+        <a:p>
+          <a:pPr marL="0" lvl="0" indent="0" algn="l" defTabSz="844550">
+            <a:lnSpc>
+              <a:spcPct val="100000"/>
+            </a:lnSpc>
+            <a:spcBef>
+              <a:spcPct val="0"/>
+            </a:spcBef>
+            <a:spcAft>
+              <a:spcPct val="35000"/>
+            </a:spcAft>
+            <a:buNone/>
+          </a:pPr>
+          <a:r>
+            <a:rPr lang="en-GB" sz="1900" kern="1200" noProof="0" dirty="0"/>
+            <a:t>Obstacles</a:t>
+          </a:r>
+        </a:p>
+      </dsp:txBody>
+      <dsp:txXfrm>
+        <a:off x="578272" y="1252847"/>
+        <a:ext cx="6620947" cy="500668"/>
+      </dsp:txXfrm>
+    </dsp:sp>
+    <dsp:sp modelId="{336F5367-F89D-496A-ACFE-34B8A8068028}">
+      <dsp:nvSpPr>
+        <dsp:cNvPr id="0" name=""/>
+        <dsp:cNvSpPr/>
+      </dsp:nvSpPr>
+      <dsp:spPr>
+        <a:xfrm>
+          <a:off x="0" y="1878683"/>
+          <a:ext cx="7199220" cy="500668"/>
+        </a:xfrm>
+        <a:prstGeom prst="roundRect">
+          <a:avLst>
+            <a:gd name="adj" fmla="val 10000"/>
+          </a:avLst>
+        </a:prstGeom>
+        <a:solidFill>
+          <a:schemeClr val="tx2">
+            <a:lumMod val="50000"/>
+          </a:schemeClr>
+        </a:solidFill>
+        <a:ln>
+          <a:noFill/>
+        </a:ln>
+        <a:effectLst/>
+      </dsp:spPr>
+      <dsp:style>
+        <a:lnRef idx="0">
+          <a:scrgbClr r="0" g="0" b="0"/>
+        </a:lnRef>
+        <a:fillRef idx="1">
+          <a:scrgbClr r="0" g="0" b="0"/>
+        </a:fillRef>
+        <a:effectRef idx="2">
+          <a:scrgbClr r="0" g="0" b="0"/>
+        </a:effectRef>
+        <a:fontRef idx="minor"/>
+      </dsp:style>
+    </dsp:sp>
+    <dsp:sp modelId="{CEF5B04D-070D-44D1-8615-94D59D99FA53}">
+      <dsp:nvSpPr>
+        <dsp:cNvPr id="0" name=""/>
+        <dsp:cNvSpPr/>
+      </dsp:nvSpPr>
+      <dsp:spPr>
+        <a:xfrm>
+          <a:off x="151452" y="1991334"/>
+          <a:ext cx="275367" cy="275367"/>
+        </a:xfrm>
+        <a:prstGeom prst="rect">
+          <a:avLst/>
+        </a:prstGeom>
+        <a:blipFill rotWithShape="1">
+          <a:blip xmlns:r="http://schemas.openxmlformats.org/officeDocument/2006/relationships" r:embed="rId7">
+            <a:extLst>
+              <a:ext uri="{28A0092B-C50C-407E-A947-70E740481C1C}">
+                <a14:useLocalDpi xmlns:a14="http://schemas.microsoft.com/office/drawing/2010/main" val="0"/>
+              </a:ext>
+              <a:ext uri="{96DAC541-7B7A-43D3-8B79-37D633B846F1}">
+                <asvg:svgBlip xmlns:asvg="http://schemas.microsoft.com/office/drawing/2016/SVG/main" r:embed="rId8"/>
+              </a:ext>
+            </a:extLst>
+          </a:blip>
+          <a:stretch>
+            <a:fillRect/>
+          </a:stretch>
+        </a:blipFill>
+        <a:ln>
+          <a:noFill/>
+        </a:ln>
+        <a:effectLst/>
+      </dsp:spPr>
+      <dsp:style>
+        <a:lnRef idx="0">
+          <a:scrgbClr r="0" g="0" b="0"/>
+        </a:lnRef>
+        <a:fillRef idx="3">
+          <a:scrgbClr r="0" g="0" b="0"/>
+        </a:fillRef>
+        <a:effectRef idx="2">
+          <a:scrgbClr r="0" g="0" b="0"/>
+        </a:effectRef>
+        <a:fontRef idx="minor">
+          <a:schemeClr val="lt1"/>
+        </a:fontRef>
+      </dsp:style>
+    </dsp:sp>
+    <dsp:sp modelId="{98DC91D7-F0D6-43E3-B8A4-3692DFA2711A}">
+      <dsp:nvSpPr>
+        <dsp:cNvPr id="0" name=""/>
+        <dsp:cNvSpPr/>
+      </dsp:nvSpPr>
+      <dsp:spPr>
+        <a:xfrm>
+          <a:off x="578272" y="1878683"/>
+          <a:ext cx="6620947" cy="500668"/>
+        </a:xfrm>
+        <a:prstGeom prst="rect">
+          <a:avLst/>
+        </a:prstGeom>
+        <a:noFill/>
+        <a:ln>
+          <a:noFill/>
+        </a:ln>
+        <a:effectLst/>
+      </dsp:spPr>
+      <dsp:style>
+        <a:lnRef idx="0">
+          <a:scrgbClr r="0" g="0" b="0"/>
+        </a:lnRef>
+        <a:fillRef idx="0">
+          <a:scrgbClr r="0" g="0" b="0"/>
+        </a:fillRef>
+        <a:effectRef idx="0">
+          <a:scrgbClr r="0" g="0" b="0"/>
+        </a:effectRef>
+        <a:fontRef idx="minor"/>
+      </dsp:style>
+      <dsp:txBody>
+        <a:bodyPr spcFirstLastPara="0" vert="horz" wrap="square" lIns="52987" tIns="52987" rIns="52987" bIns="52987" numCol="1" spcCol="1270" anchor="ctr" anchorCtr="0">
+          <a:noAutofit/>
+        </a:bodyPr>
+        <a:lstStyle/>
+        <a:p>
+          <a:pPr marL="0" lvl="0" indent="0" algn="l" defTabSz="844550">
+            <a:lnSpc>
+              <a:spcPct val="100000"/>
+            </a:lnSpc>
+            <a:spcBef>
+              <a:spcPct val="0"/>
+            </a:spcBef>
+            <a:spcAft>
+              <a:spcPct val="35000"/>
+            </a:spcAft>
+            <a:buNone/>
+          </a:pPr>
+          <a:r>
+            <a:rPr lang="en-GB" sz="1900" kern="1200" noProof="0" dirty="0"/>
+            <a:t>Objectives</a:t>
+          </a:r>
+        </a:p>
+      </dsp:txBody>
+      <dsp:txXfrm>
+        <a:off x="578272" y="1878683"/>
+        <a:ext cx="6620947" cy="500668"/>
+      </dsp:txXfrm>
+    </dsp:sp>
+    <dsp:sp modelId="{3AE49C42-2872-470B-AC56-540333D57F90}">
+      <dsp:nvSpPr>
+        <dsp:cNvPr id="0" name=""/>
+        <dsp:cNvSpPr/>
+      </dsp:nvSpPr>
+      <dsp:spPr>
+        <a:xfrm>
+          <a:off x="0" y="2504519"/>
+          <a:ext cx="7199220" cy="500668"/>
+        </a:xfrm>
+        <a:prstGeom prst="roundRect">
+          <a:avLst>
+            <a:gd name="adj" fmla="val 10000"/>
+          </a:avLst>
+        </a:prstGeom>
+        <a:solidFill>
+          <a:schemeClr val="tx2">
+            <a:lumMod val="50000"/>
+          </a:schemeClr>
+        </a:solidFill>
+        <a:ln>
+          <a:noFill/>
+        </a:ln>
+        <a:effectLst/>
+      </dsp:spPr>
+      <dsp:style>
+        <a:lnRef idx="0">
+          <a:scrgbClr r="0" g="0" b="0"/>
+        </a:lnRef>
+        <a:fillRef idx="1">
+          <a:scrgbClr r="0" g="0" b="0"/>
+        </a:fillRef>
+        <a:effectRef idx="2">
+          <a:scrgbClr r="0" g="0" b="0"/>
+        </a:effectRef>
+        <a:fontRef idx="minor"/>
+      </dsp:style>
+    </dsp:sp>
+    <dsp:sp modelId="{852FEE87-E262-4529-B95D-4152081DFC76}">
+      <dsp:nvSpPr>
+        <dsp:cNvPr id="0" name=""/>
+        <dsp:cNvSpPr/>
+      </dsp:nvSpPr>
+      <dsp:spPr>
+        <a:xfrm>
+          <a:off x="151452" y="2617170"/>
+          <a:ext cx="275367" cy="275367"/>
+        </a:xfrm>
+        <a:prstGeom prst="rect">
+          <a:avLst/>
+        </a:prstGeom>
+        <a:blipFill rotWithShape="1">
+          <a:blip xmlns:r="http://schemas.openxmlformats.org/officeDocument/2006/relationships" r:embed="rId9">
+            <a:extLst>
+              <a:ext uri="{96DAC541-7B7A-43D3-8B79-37D633B846F1}">
+                <asvg:svgBlip xmlns:asvg="http://schemas.microsoft.com/office/drawing/2016/SVG/main" r:embed="rId10"/>
+              </a:ext>
+            </a:extLst>
+          </a:blip>
+          <a:srcRect/>
+          <a:stretch>
+            <a:fillRect/>
+          </a:stretch>
+        </a:blipFill>
+        <a:ln>
+          <a:noFill/>
+        </a:ln>
+        <a:effectLst/>
+      </dsp:spPr>
+      <dsp:style>
+        <a:lnRef idx="0">
+          <a:scrgbClr r="0" g="0" b="0"/>
+        </a:lnRef>
+        <a:fillRef idx="3">
+          <a:scrgbClr r="0" g="0" b="0"/>
+        </a:fillRef>
+        <a:effectRef idx="2">
+          <a:scrgbClr r="0" g="0" b="0"/>
+        </a:effectRef>
+        <a:fontRef idx="minor">
+          <a:schemeClr val="lt1"/>
+        </a:fontRef>
+      </dsp:style>
+    </dsp:sp>
+    <dsp:sp modelId="{97598798-3155-45C4-B78E-170BD1952B22}">
+      <dsp:nvSpPr>
+        <dsp:cNvPr id="0" name=""/>
+        <dsp:cNvSpPr/>
+      </dsp:nvSpPr>
+      <dsp:spPr>
+        <a:xfrm>
+          <a:off x="578272" y="2504519"/>
+          <a:ext cx="6620947" cy="500668"/>
+        </a:xfrm>
+        <a:prstGeom prst="rect">
+          <a:avLst/>
+        </a:prstGeom>
+        <a:noFill/>
+        <a:ln>
+          <a:noFill/>
+        </a:ln>
+        <a:effectLst/>
+      </dsp:spPr>
+      <dsp:style>
+        <a:lnRef idx="0">
+          <a:scrgbClr r="0" g="0" b="0"/>
+        </a:lnRef>
+        <a:fillRef idx="0">
+          <a:scrgbClr r="0" g="0" b="0"/>
+        </a:fillRef>
+        <a:effectRef idx="0">
+          <a:scrgbClr r="0" g="0" b="0"/>
+        </a:effectRef>
+        <a:fontRef idx="minor"/>
+      </dsp:style>
+      <dsp:txBody>
+        <a:bodyPr spcFirstLastPara="0" vert="horz" wrap="square" lIns="52987" tIns="52987" rIns="52987" bIns="52987" numCol="1" spcCol="1270" anchor="ctr" anchorCtr="0">
+          <a:noAutofit/>
+        </a:bodyPr>
+        <a:lstStyle/>
+        <a:p>
+          <a:pPr marL="0" lvl="0" indent="0" algn="l" defTabSz="844550">
+            <a:lnSpc>
+              <a:spcPct val="100000"/>
+            </a:lnSpc>
+            <a:spcBef>
+              <a:spcPct val="0"/>
+            </a:spcBef>
+            <a:spcAft>
+              <a:spcPct val="35000"/>
+            </a:spcAft>
+            <a:buNone/>
+          </a:pPr>
+          <a:r>
+            <a:rPr lang="en-GB" sz="1900" kern="1200" noProof="0" dirty="0"/>
+            <a:t>Time Travel</a:t>
+          </a:r>
+        </a:p>
+      </dsp:txBody>
+      <dsp:txXfrm>
+        <a:off x="578272" y="2504519"/>
+        <a:ext cx="6620947" cy="500668"/>
+      </dsp:txXfrm>
+    </dsp:sp>
+    <dsp:sp modelId="{042DD1CB-0471-4CA1-8BDD-A9434D5C8315}">
+      <dsp:nvSpPr>
+        <dsp:cNvPr id="0" name=""/>
+        <dsp:cNvSpPr/>
+      </dsp:nvSpPr>
+      <dsp:spPr>
+        <a:xfrm>
+          <a:off x="0" y="3130356"/>
+          <a:ext cx="7199220" cy="500668"/>
+        </a:xfrm>
+        <a:prstGeom prst="roundRect">
+          <a:avLst>
+            <a:gd name="adj" fmla="val 10000"/>
+          </a:avLst>
+        </a:prstGeom>
+        <a:solidFill>
+          <a:schemeClr val="tx2">
+            <a:lumMod val="50000"/>
+          </a:schemeClr>
+        </a:solidFill>
+        <a:ln>
+          <a:noFill/>
+        </a:ln>
+        <a:effectLst/>
+      </dsp:spPr>
+      <dsp:style>
+        <a:lnRef idx="0">
+          <a:scrgbClr r="0" g="0" b="0"/>
+        </a:lnRef>
+        <a:fillRef idx="1">
+          <a:scrgbClr r="0" g="0" b="0"/>
+        </a:fillRef>
+        <a:effectRef idx="2">
+          <a:scrgbClr r="0" g="0" b="0"/>
+        </a:effectRef>
+        <a:fontRef idx="minor"/>
+      </dsp:style>
+    </dsp:sp>
+    <dsp:sp modelId="{3ADB9B1C-3F35-4045-A423-E33C953746A7}">
+      <dsp:nvSpPr>
+        <dsp:cNvPr id="0" name=""/>
+        <dsp:cNvSpPr/>
+      </dsp:nvSpPr>
+      <dsp:spPr>
+        <a:xfrm>
+          <a:off x="151452" y="3243006"/>
+          <a:ext cx="275367" cy="275367"/>
+        </a:xfrm>
+        <a:prstGeom prst="rect">
+          <a:avLst/>
+        </a:prstGeom>
+        <a:blipFill rotWithShape="1">
+          <a:blip xmlns:r="http://schemas.openxmlformats.org/officeDocument/2006/relationships" r:embed="rId11">
+            <a:extLst>
+              <a:ext uri="{28A0092B-C50C-407E-A947-70E740481C1C}">
+                <a14:useLocalDpi xmlns:a14="http://schemas.microsoft.com/office/drawing/2010/main" val="0"/>
+              </a:ext>
+              <a:ext uri="{96DAC541-7B7A-43D3-8B79-37D633B846F1}">
+                <asvg:svgBlip xmlns:asvg="http://schemas.microsoft.com/office/drawing/2016/SVG/main" r:embed="rId12"/>
+              </a:ext>
+            </a:extLst>
+          </a:blip>
+          <a:stretch>
+            <a:fillRect/>
+          </a:stretch>
+        </a:blipFill>
+        <a:ln>
+          <a:noFill/>
+        </a:ln>
+        <a:effectLst/>
+      </dsp:spPr>
+      <dsp:style>
+        <a:lnRef idx="0">
+          <a:scrgbClr r="0" g="0" b="0"/>
+        </a:lnRef>
+        <a:fillRef idx="3">
+          <a:scrgbClr r="0" g="0" b="0"/>
+        </a:fillRef>
+        <a:effectRef idx="2">
+          <a:scrgbClr r="0" g="0" b="0"/>
+        </a:effectRef>
+        <a:fontRef idx="minor">
+          <a:schemeClr val="lt1"/>
+        </a:fontRef>
+      </dsp:style>
+    </dsp:sp>
+    <dsp:sp modelId="{08F9F107-6293-4E42-B6ED-1F4B5222824E}">
+      <dsp:nvSpPr>
+        <dsp:cNvPr id="0" name=""/>
+        <dsp:cNvSpPr/>
+      </dsp:nvSpPr>
+      <dsp:spPr>
+        <a:xfrm>
+          <a:off x="578272" y="3130356"/>
+          <a:ext cx="6620947" cy="500668"/>
+        </a:xfrm>
+        <a:prstGeom prst="rect">
+          <a:avLst/>
+        </a:prstGeom>
+        <a:noFill/>
+        <a:ln>
+          <a:noFill/>
+        </a:ln>
+        <a:effectLst/>
+      </dsp:spPr>
+      <dsp:style>
+        <a:lnRef idx="0">
+          <a:scrgbClr r="0" g="0" b="0"/>
+        </a:lnRef>
+        <a:fillRef idx="0">
+          <a:scrgbClr r="0" g="0" b="0"/>
+        </a:fillRef>
+        <a:effectRef idx="0">
+          <a:scrgbClr r="0" g="0" b="0"/>
+        </a:effectRef>
+        <a:fontRef idx="minor"/>
+      </dsp:style>
+      <dsp:txBody>
+        <a:bodyPr spcFirstLastPara="0" vert="horz" wrap="square" lIns="52987" tIns="52987" rIns="52987" bIns="52987" numCol="1" spcCol="1270" anchor="ctr" anchorCtr="0">
+          <a:noAutofit/>
+        </a:bodyPr>
+        <a:lstStyle/>
+        <a:p>
+          <a:pPr marL="0" lvl="0" indent="0" algn="l" defTabSz="844550">
+            <a:lnSpc>
+              <a:spcPct val="100000"/>
+            </a:lnSpc>
+            <a:spcBef>
+              <a:spcPct val="0"/>
+            </a:spcBef>
+            <a:spcAft>
+              <a:spcPct val="35000"/>
+            </a:spcAft>
+            <a:buNone/>
+          </a:pPr>
+          <a:r>
+            <a:rPr lang="en-GB" sz="1900" kern="1200" noProof="0" dirty="0"/>
+            <a:t>New Information</a:t>
+          </a:r>
+        </a:p>
+      </dsp:txBody>
+      <dsp:txXfrm>
+        <a:off x="578272" y="3130356"/>
+        <a:ext cx="6620947" cy="500668"/>
+      </dsp:txXfrm>
+    </dsp:sp>
+  </dsp:spTree>
+</dsp:drawing>
+</file>
+
+<file path=ppt/diagrams/layout1.xml><?xml version="1.0" encoding="utf-8"?>
+<dgm:layoutDef xmlns:dgm="http://schemas.openxmlformats.org/drawingml/2006/diagram" xmlns:a="http://schemas.openxmlformats.org/drawingml/2006/main" uniqueId="urn:microsoft.com/office/officeart/2018/2/layout/IconVerticalSolidList">
+  <dgm:title val="Icon Vertical Solid List"/>
+  <dgm:desc val="Use to show a series of visuals from top to bottom with Level 1 or Level 1 and Level 2 text grouped in a shape. Works best with icons or small pictures with lengthier descriptions."/>
+  <dgm:catLst>
+    <dgm:cat type="icon" pri="500"/>
+  </dgm:catLst>
+  <dgm:sampData useDef="1">
+    <dgm:dataModel>
+      <dgm:ptLst/>
+      <dgm:bg/>
+      <dgm:whole/>
+    </dgm:dataModel>
+  </dgm:sampData>
+  <dgm:styleData useDef="1">
+    <dgm:dataModel>
+      <dgm:ptLst/>
+      <dgm:bg/>
+      <dgm:whole/>
+    </dgm:dataModel>
+  </dgm:styleData>
+  <dgm:clrData useDef="1">
+    <dgm:dataModel>
+      <dgm:ptLst/>
+      <dgm:bg/>
+      <dgm:whole/>
+    </dgm:dataModel>
+  </dgm:clrData>
+  <dgm:layoutNode name="root">
+    <dgm:varLst>
+      <dgm:dir/>
+      <dgm:resizeHandles val="exact"/>
+    </dgm:varLst>
+    <dgm:choose name="Name0">
+      <dgm:if name="Name1" axis="self" func="var" arg="dir" op="equ" val="norm">
+        <dgm:alg type="lin">
+          <dgm:param type="linDir" val="fromT"/>
+          <dgm:param type="nodeHorzAlign" val="l"/>
+        </dgm:alg>
+      </dgm:if>
+      <dgm:else name="Name2">
+        <dgm:alg type="lin">
+          <dgm:param type="linDir" val="fromT"/>
+          <dgm:param type="nodeHorzAlign" val="r"/>
+        </dgm:alg>
+      </dgm:else>
+    </dgm:choose>
+    <dgm:shape xmlns:r="http://schemas.openxmlformats.org/officeDocument/2006/relationships" r:blip="">
+      <dgm:adjLst/>
+    </dgm:shape>
+    <dgm:presOf/>
+    <dgm:choose name="Name3">
+      <dgm:if name="Name4" axis="ch" ptType="node" func="cnt" op="lte" val="3">
+        <dgm:constrLst>
+          <dgm:constr type="h" for="ch" forName="compNode" refType="h" fact="0.3"/>
+          <dgm:constr type="w" for="ch" forName="compNode" refType="w"/>
+          <dgm:constr type="h" for="ch" forName="sibTrans" refType="h" refFor="ch" refForName="compNode" fact="0.25"/>
+          <dgm:constr type="primFontSz" for="des" forName="parTx" val="25"/>
+          <dgm:constr type="primFontSz" for="des" forName="desTx" refType="primFontSz" refFor="des" refForName="parTx" op="lte" fact="0.75"/>
+          <dgm:constr type="h" for="des" forName="compNode" op="equ"/>
+          <dgm:constr type="h" for="des" forName="bgRect" op="equ"/>
+          <dgm:constr type="h" for="des" forName="iconRect" op="equ"/>
+          <dgm:constr type="w" for="des" forName="iconRect" op="equ"/>
+          <dgm:constr type="h" for="des" forName="spaceRect" op="equ"/>
+          <dgm:constr type="h" for="des" forName="parTx" op="equ"/>
+          <dgm:constr type="h" for="des" forName="desTx" op="equ"/>
+        </dgm:constrLst>
+      </dgm:if>
+      <dgm:if name="Name5" axis="ch" ptType="node" func="cnt" op="lte" val="4">
+        <dgm:constrLst>
+          <dgm:constr type="h" for="ch" forName="compNode" refType="h" fact="0.3"/>
+          <dgm:constr type="w" for="ch" forName="compNode" refType="w"/>
+          <dgm:constr type="h" for="ch" forName="sibTrans" refType="h" refFor="ch" refForName="compNode" fact="0.25"/>
+          <dgm:constr type="primFontSz" for="des" forName="parTx" val="22"/>
+          <dgm:constr type="primFontSz" for="des" forName="desTx" refType="primFontSz" refFor="des" refForName="parTx" op="lte" fact="0.75"/>
+          <dgm:constr type="h" for="des" forName="compNode" op="equ"/>
+          <dgm:constr type="h" for="des" forName="bgRect" op="equ"/>
+          <dgm:constr type="h" for="des" forName="iconRect" op="equ"/>
+          <dgm:constr type="w" for="des" forName="iconRect" op="equ"/>
+          <dgm:constr type="h" for="des" forName="spaceRect" op="equ"/>
+          <dgm:constr type="h" for="des" forName="parTx" op="equ"/>
+          <dgm:constr type="h" for="des" forName="desTx" op="equ"/>
+        </dgm:constrLst>
+      </dgm:if>
+      <dgm:if name="Name6" axis="ch" ptType="node" func="cnt" op="lte" val="6">
+        <dgm:constrLst>
+          <dgm:constr type="h" for="ch" forName="compNode" refType="h" fact="0.3"/>
+          <dgm:constr type="w" for="ch" forName="compNode" refType="w"/>
+          <dgm:constr type="h" for="ch" forName="sibTrans" refType="h" refFor="ch" refForName="compNode" fact="0.25"/>
+          <dgm:constr type="primFontSz" for="des" forName="parTx" val="19"/>
+          <dgm:constr type="primFontSz" for="des" forName="desTx" refType="primFontSz" refFor="des" refForName="parTx" op="lte" fact="0.75"/>
+          <dgm:constr type="h" for="des" forName="compNode" op="equ"/>
+          <dgm:constr type="h" for="des" forName="bgRect" op="equ"/>
+          <dgm:constr type="h" for="des" forName="iconRect" op="equ"/>
+          <dgm:constr type="w" for="des" forName="iconRect" op="equ"/>
+          <dgm:constr type="h" for="des" forName="spaceRect" op="equ"/>
+          <dgm:constr type="h" for="des" forName="parTx" op="equ"/>
+          <dgm:constr type="h" for="des" forName="desTx" op="equ"/>
+        </dgm:constrLst>
+      </dgm:if>
+      <dgm:else name="Name7">
+        <dgm:constrLst>
+          <dgm:constr type="h" for="ch" forName="compNode" refType="h" fact="0.3"/>
+          <dgm:constr type="w" for="ch" forName="compNode" refType="w"/>
+          <dgm:constr type="h" for="ch" forName="sibTrans" refType="h" refFor="ch" refForName="compNode" fact="0.25"/>
+          <dgm:constr type="primFontSz" for="des" forName="parTx" val="16"/>
+          <dgm:constr type="primFontSz" for="des" forName="desTx" refType="primFontSz" refFor="des" refForName="parTx" op="lte" fact="0.75"/>
+          <dgm:constr type="h" for="des" forName="compNode" op="equ"/>
+          <dgm:constr type="h" for="des" forName="bgRect" op="equ"/>
+          <dgm:constr type="h" for="des" forName="iconRect" op="equ"/>
+          <dgm:constr type="w" for="des" forName="iconRect" op="equ"/>
+          <dgm:constr type="h" for="des" forName="spaceRect" op="equ"/>
+          <dgm:constr type="h" for="des" forName="parTx" op="equ"/>
+          <dgm:constr type="h" for="des" forName="desTx" op="equ"/>
+        </dgm:constrLst>
+      </dgm:else>
+    </dgm:choose>
+    <dgm:ruleLst>
+      <dgm:rule type="h" for="ch" forName="compNode" val="0" fact="NaN" max="NaN"/>
+    </dgm:ruleLst>
+    <dgm:forEach name="Name8" axis="ch" ptType="node">
+      <dgm:layoutNode name="compNode">
+        <dgm:alg type="composite"/>
+        <dgm:shape xmlns:r="http://schemas.openxmlformats.org/officeDocument/2006/relationships" r:blip="">
+          <dgm:adjLst/>
+        </dgm:shape>
+        <dgm:presOf axis="self"/>
+        <dgm:choose name="Name9">
+          <dgm:if name="Name10" axis="ch" ptType="node" func="cnt" op="gte" val="1">
+            <dgm:constrLst>
+              <dgm:constr type="w" for="ch" forName="bgRect" refType="w"/>
+              <dgm:constr type="h" for="ch" forName="bgRect" refType="h"/>
+              <dgm:constr type="l" for="ch" forName="bgRect"/>
+              <dgm:constr type="t" for="ch" forName="bgRect"/>
+              <dgm:constr type="h" for="ch" forName="iconRect" refType="h" fact="0.55"/>
+              <dgm:constr type="w" for="ch" forName="iconRect" refType="h" refFor="ch" refForName="iconRect"/>
+              <dgm:constr type="l" for="ch" forName="iconRect" refType="h" refFor="ch" refForName="iconRect" fact="0.55"/>
+              <dgm:constr type="ctrY" for="ch" forName="iconRect" refType="ctrY" refFor="ch" refForName="bgRect"/>
+              <dgm:constr type="w" for="ch" forName="spaceRect" refType="l" refFor="ch" refForName="iconRect"/>
+              <dgm:constr type="h" for="ch" forName="spaceRect" refType="h"/>
+              <dgm:constr type="l" for="ch" forName="spaceRect" refType="r" refFor="ch" refForName="iconRect"/>
+              <dgm:constr type="t" for="ch" forName="spaceRect"/>
+              <dgm:constr type="w" for="ch" forName="parTx" refType="w" fact="0.45"/>
+              <dgm:constr type="h" for="ch" forName="parTx" refType="h"/>
+              <dgm:constr type="l" for="ch" forName="parTx" refType="r" refFor="ch" refForName="spaceRect"/>
+              <dgm:constr type="t" for="ch" forName="parTx"/>
+              <dgm:constr type="h" for="ch" forName="desTx" refType="h"/>
+              <dgm:constr type="l" for="ch" forName="desTx" refType="r" refFor="ch" refForName="parTx"/>
+              <dgm:constr type="t" for="ch" forName="desTx"/>
+            </dgm:constrLst>
+          </dgm:if>
+          <dgm:else name="Name11">
+            <dgm:constrLst>
+              <dgm:constr type="w" for="ch" forName="bgRect" refType="w"/>
+              <dgm:constr type="h" for="ch" forName="bgRect" refType="h"/>
+              <dgm:constr type="l" for="ch" forName="bgRect"/>
+              <dgm:constr type="t" for="ch" forName="bgRect"/>
+              <dgm:constr type="h" for="ch" forName="iconRect" refType="h" fact="0.55"/>
+              <dgm:constr type="w" for="ch" forName="iconRect" refType="h" refFor="ch" refForName="iconRect"/>
+              <dgm:constr type="l" for="ch" forName="iconRect" refType="h" refFor="ch" refForName="iconRect" fact="0.55"/>
+              <dgm:constr type="ctrY" for="ch" forName="iconRect" refType="ctrY" refFor="ch" refForName="bgRect"/>
+              <dgm:constr type="w" for="ch" forName="spaceRect" refType="l" refFor="ch" refForName="iconRect"/>
+              <dgm:constr type="h" for="ch" forName="spaceRect" refType="h"/>
+              <dgm:constr type="l" for="ch" forName="spaceRect" refType="r" refFor="ch" refForName="iconRect"/>
+              <dgm:constr type="t" for="ch" forName="spaceRect"/>
+              <dgm:constr type="h" for="ch" forName="parTx" refType="h"/>
+              <dgm:constr type="l" for="ch" forName="parTx" refType="r" refFor="ch" refForName="spaceRect"/>
+              <dgm:constr type="t" for="ch" forName="parTx"/>
+            </dgm:constrLst>
+          </dgm:else>
+        </dgm:choose>
+        <dgm:ruleLst>
+          <dgm:rule type="h" val="INF" fact="NaN" max="NaN"/>
+        </dgm:ruleLst>
+        <dgm:layoutNode name="bgRect" styleLbl="bgShp">
+          <dgm:alg type="sp"/>
+          <dgm:shape xmlns:r="http://schemas.openxmlformats.org/officeDocument/2006/relationships" type="roundRect" r:blip="">
+            <dgm:adjLst>
+              <dgm:adj idx="1" val="0.1"/>
+            </dgm:adjLst>
+          </dgm:shape>
+          <dgm:presOf/>
+          <dgm:constrLst/>
+          <dgm:ruleLst/>
+        </dgm:layoutNode>
+        <dgm:layoutNode name="iconRect" styleLbl="node1">
+          <dgm:alg type="sp"/>
+          <dgm:shape xmlns:r="http://schemas.openxmlformats.org/officeDocument/2006/relationships" type="rect" r:blip="" blipPhldr="1">
+            <dgm:adjLst/>
+          </dgm:shape>
+          <dgm:presOf/>
+          <dgm:constrLst/>
+          <dgm:ruleLst/>
+        </dgm:layoutNode>
+        <dgm:layoutNode name="spaceRect">
+          <dgm:alg type="sp"/>
+          <dgm:shape xmlns:r="http://schemas.openxmlformats.org/officeDocument/2006/relationships" r:blip="">
+            <dgm:adjLst/>
+          </dgm:shape>
+          <dgm:presOf/>
+          <dgm:constrLst/>
+          <dgm:ruleLst/>
+        </dgm:layoutNode>
+        <dgm:layoutNode name="parTx" styleLbl="revTx">
+          <dgm:varLst>
+            <dgm:chMax val="0"/>
+            <dgm:chPref val="0"/>
+          </dgm:varLst>
+          <dgm:alg type="tx">
+            <dgm:param type="txAnchorVert" val="mid"/>
+            <dgm:param type="parTxLTRAlign" val="l"/>
+            <dgm:param type="shpTxLTRAlignCh" val="l"/>
+            <dgm:param type="parTxRTLAlign" val="r"/>
+            <dgm:param type="shpTxRTLAlignCh" val="r"/>
+          </dgm:alg>
+          <dgm:shape xmlns:r="http://schemas.openxmlformats.org/officeDocument/2006/relationships" type="rect" r:blip="">
+            <dgm:adjLst/>
+          </dgm:shape>
+          <dgm:presOf axis="self" ptType="node"/>
+          <dgm:constrLst>
+            <dgm:constr type="lMarg" refType="h" fact="0.3"/>
+            <dgm:constr type="rMarg" refType="h" fact="0.3"/>
+            <dgm:constr type="tMarg" refType="h" fact="0.3"/>
+            <dgm:constr type="bMarg" refType="h" fact="0.3"/>
+          </dgm:constrLst>
+          <dgm:ruleLst>
+            <dgm:rule type="primFontSz" val="14" fact="NaN" max="NaN"/>
+            <dgm:rule type="h" val="INF" fact="NaN" max="NaN"/>
+          </dgm:ruleLst>
+        </dgm:layoutNode>
+        <dgm:choose name="Name12">
+          <dgm:if name="Name13" axis="ch" ptType="node" func="cnt" op="gte" val="1">
+            <dgm:layoutNode name="desTx" styleLbl="revTx">
+              <dgm:varLst/>
+              <dgm:alg type="tx">
+                <dgm:param type="txAnchorVertCh" val="mid"/>
+                <dgm:param type="parTxLTRAlign" val="l"/>
+                <dgm:param type="shpTxLTRAlignCh" val="l"/>
+                <dgm:param type="parTxRTLAlign" val="r"/>
+                <dgm:param type="shpTxRTLAlignCh" val="r"/>
+                <dgm:param type="stBulletLvl" val="0"/>
+              </dgm:alg>
+              <dgm:shape xmlns:r="http://schemas.openxmlformats.org/officeDocument/2006/relationships" type="rect" r:blip="">
+                <dgm:adjLst/>
+              </dgm:shape>
+              <dgm:presOf axis="des" ptType="node"/>
+              <dgm:constrLst>
+                <dgm:constr type="primFontSz" val="18"/>
+                <dgm:constr type="secFontSz" refType="primFontSz"/>
+                <dgm:constr type="lMarg" refType="h" fact="0.3"/>
+                <dgm:constr type="rMarg" refType="h" fact="0.3"/>
+                <dgm:constr type="tMarg" refType="h" fact="0.3"/>
+                <dgm:constr type="bMarg" refType="h" fact="0.3"/>
+              </dgm:constrLst>
+              <dgm:ruleLst>
+                <dgm:rule type="primFontSz" val="11" fact="NaN" max="NaN"/>
+              </dgm:ruleLst>
+            </dgm:layoutNode>
+          </dgm:if>
+          <dgm:else name="Name14"/>
+        </dgm:choose>
+      </dgm:layoutNode>
+      <dgm:forEach name="Name15" axis="followSib" ptType="sibTrans" cnt="1">
+        <dgm:layoutNode name="sibTrans">
+          <dgm:alg type="sp"/>
+          <dgm:shape xmlns:r="http://schemas.openxmlformats.org/officeDocument/2006/relationships" r:blip="">
+            <dgm:adjLst/>
+          </dgm:shape>
+          <dgm:presOf axis="self"/>
+          <dgm:constrLst/>
+          <dgm:ruleLst/>
+        </dgm:layoutNode>
+      </dgm:forEach>
+    </dgm:forEach>
+  </dgm:layoutNode>
+  <dgm:extLst>
+    <a:ext uri="{68A01E43-0DF5-4B5B-8FA6-DAF915123BFB}">
+      <dgm1612:lstStyle xmlns:dgm1612="http://schemas.microsoft.com/office/drawing/2016/12/diagram">
+        <a:lvl1pPr>
+          <a:lnSpc>
+            <a:spcPct val="100000"/>
+          </a:lnSpc>
+        </a:lvl1pPr>
+        <a:lvl2pPr>
+          <a:lnSpc>
+            <a:spcPct val="100000"/>
+          </a:lnSpc>
+        </a:lvl2pPr>
+      </dgm1612:lstStyle>
+    </a:ext>
+  </dgm:extLst>
+</dgm:layoutDef>
+</file>
+
+<file path=ppt/diagrams/quickStyle1.xml><?xml version="1.0" encoding="utf-8"?>
+<dgm:styleDef xmlns:dgm="http://schemas.openxmlformats.org/drawingml/2006/diagram" xmlns:a="http://schemas.openxmlformats.org/drawingml/2006/main" uniqueId="urn:microsoft.com/office/officeart/2005/8/quickstyle/simple4">
+  <dgm:title val=""/>
+  <dgm:desc val=""/>
+  <dgm:catLst>
+    <dgm:cat type="simple" pri="10400"/>
+  </dgm:catLst>
+  <dgm:scene3d>
+    <a:camera prst="orthographicFront"/>
+    <a:lightRig rig="threePt" dir="t"/>
+  </dgm:scene3d>
+  <dgm:styleLbl name="node0">
+    <dgm:scene3d>
+      <a:camera prst="orthographicFront"/>
+      <a:lightRig rig="threePt" dir="t"/>
+    </dgm:scene3d>
+    <dgm:sp3d/>
+    <dgm:txPr/>
+    <dgm:style>
+      <a:lnRef idx="0">
+        <a:scrgbClr r="0" g="0" b="0"/>
+      </a:lnRef>
+      <a:fillRef idx="3">
+        <a:scrgbClr r="0" g="0" b="0"/>
+      </a:fillRef>
+      <a:effectRef idx="2">
+        <a:scrgbClr r="0" g="0" b="0"/>
+      </a:effectRef>
+      <a:fontRef idx="minor">
+        <a:schemeClr val="lt1"/>
+      </a:fontRef>
+    </dgm:style>
+  </dgm:styleLbl>
+  <dgm:styleLbl name="lnNode1">
+    <dgm:scene3d>
+      <a:camera prst="orthographicFront"/>
+      <a:lightRig rig="threePt" dir="t"/>
+    </dgm:scene3d>
+    <dgm:sp3d/>
+    <dgm:txPr/>
+    <dgm:style>
+      <a:lnRef idx="1">
+        <a:scrgbClr r="0" g="0" b="0"/>
+      </a:lnRef>
+      <a:fillRef idx="3">
+        <a:scrgbClr r="0" g="0" b="0"/>
+      </a:fillRef>
+      <a:effectRef idx="2">
+        <a:scrgbClr r="0" g="0" b="0"/>
+      </a:effectRef>
+      <a:fontRef idx="minor">
+        <a:schemeClr val="lt1"/>
+      </a:fontRef>
+    </dgm:style>
+  </dgm:styleLbl>
+  <dgm:styleLbl name="vennNode1">
+    <dgm:scene3d>
+      <a:camera prst="orthographicFront"/>
+      <a:lightRig rig="threePt" dir="t"/>
+    </dgm:scene3d>
+    <dgm:sp3d/>
+    <dgm:txPr/>
+    <dgm:style>
+      <a:lnRef idx="0">
+        <a:scrgbClr r="0" g="0" b="0"/>
+      </a:lnRef>
+      <a:fillRef idx="3">
+        <a:scrgbClr r="0" g="0" b="0"/>
+      </a:fillRef>
+      <a:effectRef idx="0">
+        <a:scrgbClr r="0" g="0" b="0"/>
+      </a:effectRef>
+      <a:fontRef idx="minor">
+        <a:schemeClr val="tx1"/>
+      </a:fontRef>
+    </dgm:style>
+  </dgm:styleLbl>
+  <dgm:styleLbl name="alignNode1">
+    <dgm:scene3d>
+      <a:camera prst="orthographicFront"/>
+      <a:lightRig rig="threePt" dir="t"/>
+    </dgm:scene3d>
+    <dgm:sp3d/>
+    <dgm:txPr/>
+    <dgm:style>
+      <a:lnRef idx="1">
+        <a:scrgbClr r="0" g="0" b="0"/>
+      </a:lnRef>
+      <a:fillRef idx="3">
+        <a:scrgbClr r="0" g="0" b="0"/>
+      </a:fillRef>
+      <a:effectRef idx="2">
+        <a:scrgbClr r="0" g="0" b="0"/>
+      </a:effectRef>
+      <a:fontRef idx="minor">
+        <a:schemeClr val="lt1"/>
+      </a:fontRef>
+    </dgm:style>
+  </dgm:styleLbl>
+  <dgm:styleLbl name="node1">
+    <dgm:scene3d>
+      <a:camera prst="orthographicFront"/>
+      <a:lightRig rig="threePt" dir="t"/>
+    </dgm:scene3d>
+    <dgm:sp3d/>
+    <dgm:txPr/>
+    <dgm:style>
+      <a:lnRef idx="0">
+        <a:scrgbClr r="0" g="0" b="0"/>
+      </a:lnRef>
+      <a:fillRef idx="3">
+        <a:scrgbClr r="0" g="0" b="0"/>
+      </a:fillRef>
+      <a:effectRef idx="2">
+        <a:scrgbClr r="0" g="0" b="0"/>
+      </a:effectRef>
+      <a:fontRef idx="minor">
+        <a:schemeClr val="lt1"/>
+      </a:fontRef>
+    </dgm:style>
+  </dgm:styleLbl>
+  <dgm:styleLbl name="node2">
+    <dgm:scene3d>
+      <a:camera prst="orthographicFront"/>
+      <a:lightRig rig="threePt" dir="t"/>
+    </dgm:scene3d>
+    <dgm:sp3d/>
+    <dgm:txPr/>
+    <dgm:style>
+      <a:lnRef idx="0">
+        <a:scrgbClr r="0" g="0" b="0"/>
+      </a:lnRef>
+      <a:fillRef idx="3">
+        <a:scrgbClr r="0" g="0" b="0"/>
+      </a:fillRef>
+      <a:effectRef idx="2">
+        <a:scrgbClr r="0" g="0" b="0"/>
+      </a:effectRef>
+      <a:fontRef idx="minor">
+        <a:schemeClr val="lt1"/>
+      </a:fontRef>
+    </dgm:style>
+  </dgm:styleLbl>
+  <dgm:styleLbl name="node3">
+    <dgm:scene3d>
+      <a:camera prst="orthographicFront"/>
+      <a:lightRig rig="threePt" dir="t"/>
+    </dgm:scene3d>
+    <dgm:sp3d/>
+    <dgm:txPr/>
+    <dgm:style>
+      <a:lnRef idx="0">
+        <a:scrgbClr r="0" g="0" b="0"/>
+      </a:lnRef>
+      <a:fillRef idx="3">
+        <a:scrgbClr r="0" g="0" b="0"/>
+      </a:fillRef>
+      <a:effectRef idx="2">
+        <a:scrgbClr r="0" g="0" b="0"/>
+      </a:effectRef>
+      <a:fontRef idx="minor">
+        <a:schemeClr val="lt1"/>
+      </a:fontRef>
+    </dgm:style>
+  </dgm:styleLbl>
+  <dgm:styleLbl name="node4">
+    <dgm:scene3d>
+      <a:camera prst="orthographicFront"/>
+      <a:lightRig rig="threePt" dir="t"/>
+    </dgm:scene3d>
+    <dgm:sp3d/>
+    <dgm:txPr/>
+    <dgm:style>
+      <a:lnRef idx="0">
+        <a:scrgbClr r="0" g="0" b="0"/>
+      </a:lnRef>
+      <a:fillRef idx="3">
+        <a:scrgbClr r="0" g="0" b="0"/>
+      </a:fillRef>
+      <a:effectRef idx="2">
+        <a:scrgbClr r="0" g="0" b="0"/>
+      </a:effectRef>
+      <a:fontRef idx="minor">
+        <a:schemeClr val="lt1"/>
+      </a:fontRef>
+    </dgm:style>
+  </dgm:styleLbl>
+  <dgm:styleLbl name="fgImgPlace1">
+    <dgm:scene3d>
+      <a:camera prst="orthographicFront"/>
+      <a:lightRig rig="threePt" dir="t"/>
+    </dgm:scene3d>
+    <dgm:sp3d/>
+    <dgm:txPr/>
+    <dgm:style>
+      <a:lnRef idx="0">
+        <a:scrgbClr r="0" g="0" b="0"/>
+      </a:lnRef>
+      <a:fillRef idx="1">
+        <a:scrgbClr r="0" g="0" b="0"/>
+      </a:fillRef>
+      <a:effectRef idx="2">
+        <a:scrgbClr r="0" g="0" b="0"/>
+      </a:effectRef>
+      <a:fontRef idx="minor"/>
+    </dgm:style>
+  </dgm:styleLbl>
+  <dgm:styleLbl name="alignImgPlace1">
+    <dgm:scene3d>
+      <a:camera prst="orthographicFront"/>
+      <a:lightRig rig="threePt" dir="t"/>
+    </dgm:scene3d>
+    <dgm:sp3d/>
+    <dgm:txPr/>
+    <dgm:style>
+      <a:lnRef idx="0">
+        <a:scrgbClr r="0" g="0" b="0"/>
+      </a:lnRef>
+      <a:fillRef idx="1">
+        <a:scrgbClr r="0" g="0" b="0"/>
+      </a:fillRef>
+      <a:effectRef idx="2">
+        <a:scrgbClr r="0" g="0" b="0"/>
+      </a:effectRef>
+      <a:fontRef idx="minor"/>
+    </dgm:style>
+  </dgm:styleLbl>
+  <dgm:styleLbl name="bgImgPlace1">
+    <dgm:scene3d>
+      <a:camera prst="orthographicFront"/>
+      <a:lightRig rig="threePt" dir="t"/>
+    </dgm:scene3d>
+    <dgm:sp3d/>
+    <dgm:txPr/>
+    <dgm:style>
+      <a:lnRef idx="0">
+        <a:scrgbClr r="0" g="0" b="0"/>
+      </a:lnRef>
+      <a:fillRef idx="1">
+        <a:scrgbClr r="0" g="0" b="0"/>
+      </a:fillRef>
+      <a:effectRef idx="2">
+        <a:scrgbClr r="0" g="0" b="0"/>
+      </a:effectRef>
+      <a:fontRef idx="minor"/>
+    </dgm:style>
+  </dgm:styleLbl>
+  <dgm:styleLbl name="sibTrans2D1">
+    <dgm:scene3d>
+      <a:camera prst="orthographicFront"/>
+      <a:lightRig rig="threePt" dir="t"/>
+    </dgm:scene3d>
+    <dgm:sp3d/>
+    <dgm:txPr/>
+    <dgm:style>
+      <a:lnRef idx="0">
+        <a:scrgbClr r="0" g="0" b="0"/>
+      </a:lnRef>
+      <a:fillRef idx="3">
+        <a:scrgbClr r="0" g="0" b="0"/>
+      </a:fillRef>
+      <a:effectRef idx="2">
+        <a:scrgbClr r="0" g="0" b="0"/>
+      </a:effectRef>
+      <a:fontRef idx="minor">
+        <a:schemeClr val="lt1"/>
+      </a:fontRef>
+    </dgm:style>
+  </dgm:styleLbl>
+  <dgm:styleLbl name="fgSibTrans2D1">
+    <dgm:scene3d>
+      <a:camera prst="orthographicFront"/>
+      <a:lightRig rig="threePt" dir="t"/>
+    </dgm:scene3d>
+    <dgm:sp3d/>
+    <dgm:txPr/>
+    <dgm:style>
+      <a:lnRef idx="0">
+        <a:scrgbClr r="0" g="0" b="0"/>
+      </a:lnRef>
+      <a:fillRef idx="3">
+        <a:scrgbClr r="0" g="0" b="0"/>
+      </a:fillRef>
+      <a:effectRef idx="2">
+        <a:scrgbClr r="0" g="0" b="0"/>
+      </a:effectRef>
+      <a:fontRef idx="minor">
+        <a:schemeClr val="lt1"/>
+      </a:fontRef>
+    </dgm:style>
+  </dgm:styleLbl>
+  <dgm:styleLbl name="bgSibTrans2D1">
+    <dgm:scene3d>
+      <a:camera prst="orthographicFront"/>
+      <a:lightRig rig="threePt" dir="t"/>
+    </dgm:scene3d>
+    <dgm:sp3d/>
+    <dgm:txPr/>
+    <dgm:style>
+      <a:lnRef idx="0">
+        <a:scrgbClr r="0" g="0" b="0"/>
+      </a:lnRef>
+      <a:fillRef idx="3">
+        <a:scrgbClr r="0" g="0" b="0"/>
+      </a:fillRef>
+      <a:effectRef idx="2">
+        <a:scrgbClr r="0" g="0" b="0"/>
+      </a:effectRef>
+      <a:fontRef idx="minor">
+        <a:schemeClr val="lt1"/>
+      </a:fontRef>
+    </dgm:style>
+  </dgm:styleLbl>
+  <dgm:styleLbl name="sibTrans1D1">
+    <dgm:scene3d>
+      <a:camera prst="orthographicFront"/>
+      <a:lightRig rig="threePt" dir="t"/>
+    </dgm:scene3d>
+    <dgm:sp3d/>
+    <dgm:txPr/>
+    <dgm:style>
+      <a:lnRef idx="1">
+        <a:scrgbClr r="0" g="0" b="0"/>
+      </a:lnRef>
+      <a:fillRef idx="0">
+        <a:scrgbClr r="0" g="0" b="0"/>
+      </a:fillRef>
+      <a:effectRef idx="0">
+        <a:scrgbClr r="0" g="0" b="0"/>
+      </a:effectRef>
+      <a:fontRef idx="minor"/>
+    </dgm:style>
+  </dgm:styleLbl>
+  <dgm:styleLbl name="callout">
+    <dgm:scene3d>
+      <a:camera prst="orthographicFront"/>
+      <a:lightRig rig="threePt" dir="t"/>
+    </dgm:scene3d>
+    <dgm:sp3d/>
+    <dgm:txPr/>
+    <dgm:style>
+      <a:lnRef idx="2">
+        <a:scrgbClr r="0" g="0" b="0"/>
+      </a:lnRef>
+      <a:fillRef idx="1">
+        <a:scrgbClr r="0" g="0" b="0"/>
+      </a:fillRef>
+      <a:effectRef idx="1">
+        <a:scrgbClr r="0" g="0" b="0"/>
+      </a:effectRef>
+      <a:fontRef idx="minor"/>
+    </dgm:style>
+  </dgm:styleLbl>
+  <dgm:styleLbl name="asst0">
+    <dgm:scene3d>
+      <a:camera prst="orthographicFront"/>
+      <a:lightRig rig="threePt" dir="t"/>
+    </dgm:scene3d>
+    <dgm:sp3d/>
+    <dgm:txPr/>
+    <dgm:style>
+      <a:lnRef idx="0">
+        <a:scrgbClr r="0" g="0" b="0"/>
+      </a:lnRef>
+      <a:fillRef idx="3">
+        <a:scrgbClr r="0" g="0" b="0"/>
+      </a:fillRef>
+      <a:effectRef idx="2">
+        <a:scrgbClr r="0" g="0" b="0"/>
+      </a:effectRef>
+      <a:fontRef idx="minor">
+        <a:schemeClr val="lt1"/>
+      </a:fontRef>
+    </dgm:style>
+  </dgm:styleLbl>
+  <dgm:styleLbl name="asst1">
+    <dgm:scene3d>
+      <a:camera prst="orthographicFront"/>
+      <a:lightRig rig="threePt" dir="t"/>
+    </dgm:scene3d>
+    <dgm:sp3d/>
+    <dgm:txPr/>
+    <dgm:style>
+      <a:lnRef idx="0">
+        <a:scrgbClr r="0" g="0" b="0"/>
+      </a:lnRef>
+      <a:fillRef idx="3">
+        <a:scrgbClr r="0" g="0" b="0"/>
+      </a:fillRef>
+      <a:effectRef idx="2">
+        <a:scrgbClr r="0" g="0" b="0"/>
+      </a:effectRef>
+      <a:fontRef idx="minor">
+        <a:schemeClr val="lt1"/>
+      </a:fontRef>
+    </dgm:style>
+  </dgm:styleLbl>
+  <dgm:styleLbl name="asst2">
+    <dgm:scene3d>
+      <a:camera prst="orthographicFront"/>
+      <a:lightRig rig="threePt" dir="t"/>
+    </dgm:scene3d>
+    <dgm:sp3d/>
+    <dgm:txPr/>
+    <dgm:style>
+      <a:lnRef idx="0">
+        <a:scrgbClr r="0" g="0" b="0"/>
+      </a:lnRef>
+      <a:fillRef idx="3">
+        <a:scrgbClr r="0" g="0" b="0"/>
+      </a:fillRef>
+      <a:effectRef idx="2">
+        <a:scrgbClr r="0" g="0" b="0"/>
+      </a:effectRef>
+      <a:fontRef idx="minor">
+        <a:schemeClr val="lt1"/>
+      </a:fontRef>
+    </dgm:style>
+  </dgm:styleLbl>
+  <dgm:styleLbl name="asst3">
+    <dgm:scene3d>
+      <a:camera prst="orthographicFront"/>
+      <a:lightRig rig="threePt" dir="t"/>
+    </dgm:scene3d>
+    <dgm:sp3d/>
+    <dgm:txPr/>
+    <dgm:style>
+      <a:lnRef idx="0">
+        <a:scrgbClr r="0" g="0" b="0"/>
+      </a:lnRef>
+      <a:fillRef idx="3">
+        <a:scrgbClr r="0" g="0" b="0"/>
+      </a:fillRef>
+      <a:effectRef idx="2">
+        <a:scrgbClr r="0" g="0" b="0"/>
+      </a:effectRef>
+      <a:fontRef idx="minor">
+        <a:schemeClr val="lt1"/>
+      </a:fontRef>
+    </dgm:style>
+  </dgm:styleLbl>
+  <dgm:styleLbl name="asst4">
+    <dgm:scene3d>
+      <a:camera prst="orthographicFront"/>
+      <a:lightRig rig="threePt" dir="t"/>
+    </dgm:scene3d>
+    <dgm:sp3d/>
+    <dgm:txPr/>
+    <dgm:style>
+      <a:lnRef idx="0">
+        <a:scrgbClr r="0" g="0" b="0"/>
+      </a:lnRef>
+      <a:fillRef idx="3">
+        <a:scrgbClr r="0" g="0" b="0"/>
+      </a:fillRef>
+      <a:effectRef idx="2">
+        <a:scrgbClr r="0" g="0" b="0"/>
+      </a:effectRef>
+      <a:fontRef idx="minor">
+        <a:schemeClr val="lt1"/>
+      </a:fontRef>
+    </dgm:style>
+  </dgm:styleLbl>
+  <dgm:styleLbl name="parChTrans2D1">
+    <dgm:scene3d>
+      <a:camera prst="orthographicFront"/>
+      <a:lightRig rig="threePt" dir="t"/>
+    </dgm:scene3d>
+    <dgm:sp3d/>
+    <dgm:txPr/>
+    <dgm:style>
+      <a:lnRef idx="0">
+        <a:scrgbClr r="0" g="0" b="0"/>
+      </a:lnRef>
+      <a:fillRef idx="3">
+        <a:scrgbClr r="0" g="0" b="0"/>
+      </a:fillRef>
+      <a:effectRef idx="2">
+        <a:scrgbClr r="0" g="0" b="0"/>
+      </a:effectRef>
+      <a:fontRef idx="minor">
+        <a:schemeClr val="lt1"/>
+      </a:fontRef>
+    </dgm:style>
+  </dgm:styleLbl>
+  <dgm:styleLbl name="parChTrans2D2">
+    <dgm:scene3d>
+      <a:camera prst="orthographicFront"/>
+      <a:lightRig rig="threePt" dir="t"/>
+    </dgm:scene3d>
+    <dgm:sp3d/>
+    <dgm:txPr/>
+    <dgm:style>
+      <a:lnRef idx="0">
+        <a:scrgbClr r="0" g="0" b="0"/>
+      </a:lnRef>
+      <a:fillRef idx="3">
+        <a:scrgbClr r="0" g="0" b="0"/>
+      </a:fillRef>
+      <a:effectRef idx="2">
+        <a:scrgbClr r="0" g="0" b="0"/>
+      </a:effectRef>
+      <a:fontRef idx="minor">
+        <a:schemeClr val="lt1"/>
+      </a:fontRef>
+    </dgm:style>
+  </dgm:styleLbl>
+  <dgm:styleLbl name="parChTrans2D3">
+    <dgm:scene3d>
+      <a:camera prst="orthographicFront"/>
+      <a:lightRig rig="threePt" dir="t"/>
+    </dgm:scene3d>
+    <dgm:sp3d/>
+    <dgm:txPr/>
+    <dgm:style>
+      <a:lnRef idx="1">
+        <a:scrgbClr r="0" g="0" b="0"/>
+      </a:lnRef>
+      <a:fillRef idx="3">
+        <a:scrgbClr r="0" g="0" b="0"/>
+      </a:fillRef>
+      <a:effectRef idx="2">
+        <a:scrgbClr r="0" g="0" b="0"/>
+      </a:effectRef>
+      <a:fontRef idx="minor">
+        <a:schemeClr val="lt1"/>
+      </a:fontRef>
+    </dgm:style>
+  </dgm:styleLbl>
+  <dgm:styleLbl name="parChTrans2D4">
+    <dgm:scene3d>
+      <a:camera prst="orthographicFront"/>
+      <a:lightRig rig="threePt" dir="t"/>
+    </dgm:scene3d>
+    <dgm:sp3d/>
+    <dgm:txPr/>
+    <dgm:style>
+      <a:lnRef idx="1">
+        <a:scrgbClr r="0" g="0" b="0"/>
+      </a:lnRef>
+      <a:fillRef idx="3">
+        <a:scrgbClr r="0" g="0" b="0"/>
+      </a:fillRef>
+      <a:effectRef idx="2">
+        <a:scrgbClr r="0" g="0" b="0"/>
+      </a:effectRef>
+      <a:fontRef idx="minor">
+        <a:schemeClr val="lt1"/>
+      </a:fontRef>
+    </dgm:style>
+  </dgm:styleLbl>
+  <dgm:styleLbl name="parChTrans1D1">
+    <dgm:scene3d>
+      <a:camera prst="orthographicFront"/>
+      <a:lightRig rig="threePt" dir="t"/>
+    </dgm:scene3d>
+    <dgm:sp3d/>
+    <dgm:txPr/>
+    <dgm:style>
+      <a:lnRef idx="1">
+        <a:scrgbClr r="0" g="0" b="0"/>
+      </a:lnRef>
+      <a:fillRef idx="0">
+        <a:scrgbClr r="0" g="0" b="0"/>
+      </a:fillRef>
+      <a:effectRef idx="0">
+        <a:scrgbClr r="0" g="0" b="0"/>
+      </a:effectRef>
+      <a:fontRef idx="minor"/>
+    </dgm:style>
+  </dgm:styleLbl>
+  <dgm:styleLbl name="parChTrans1D2">
+    <dgm:scene3d>
+      <a:camera prst="orthographicFront"/>
+      <a:lightRig rig="threePt" dir="t"/>
+    </dgm:scene3d>
+    <dgm:sp3d/>
+    <dgm:txPr/>
+    <dgm:style>
+      <a:lnRef idx="1">
+        <a:scrgbClr r="0" g="0" b="0"/>
+      </a:lnRef>
+      <a:fillRef idx="0">
+        <a:scrgbClr r="0" g="0" b="0"/>
+      </a:fillRef>
+      <a:effectRef idx="0">
+        <a:scrgbClr r="0" g="0" b="0"/>
+      </a:effectRef>
+      <a:fontRef idx="minor"/>
+    </dgm:style>
+  </dgm:styleLbl>
+  <dgm:styleLbl name="parChTrans1D3">
+    <dgm:scene3d>
+      <a:camera prst="orthographicFront"/>
+      <a:lightRig rig="threePt" dir="t"/>
+    </dgm:scene3d>
+    <dgm:sp3d/>
+    <dgm:txPr/>
+    <dgm:style>
+      <a:lnRef idx="1">
+        <a:scrgbClr r="0" g="0" b="0"/>
+      </a:lnRef>
+      <a:fillRef idx="0">
+        <a:scrgbClr r="0" g="0" b="0"/>
+      </a:fillRef>
+      <a:effectRef idx="0">
+        <a:scrgbClr r="0" g="0" b="0"/>
+      </a:effectRef>
+      <a:fontRef idx="minor"/>
+    </dgm:style>
+  </dgm:styleLbl>
+  <dgm:styleLbl name="parChTrans1D4">
+    <dgm:scene3d>
+      <a:camera prst="orthographicFront"/>
+      <a:lightRig rig="threePt" dir="t"/>
+    </dgm:scene3d>
+    <dgm:sp3d/>
+    <dgm:txPr/>
+    <dgm:style>
+      <a:lnRef idx="1">
+        <a:scrgbClr r="0" g="0" b="0"/>
+      </a:lnRef>
+      <a:fillRef idx="0">
+        <a:scrgbClr r="0" g="0" b="0"/>
+      </a:fillRef>
+      <a:effectRef idx="0">
+        <a:scrgbClr r="0" g="0" b="0"/>
+      </a:effectRef>
+      <a:fontRef idx="minor"/>
+    </dgm:style>
+  </dgm:styleLbl>
+  <dgm:styleLbl name="fgAcc1">
+    <dgm:scene3d>
+      <a:camera prst="orthographicFront"/>
+      <a:lightRig rig="threePt" dir="t"/>
+    </dgm:scene3d>
+    <dgm:sp3d/>
+    <dgm:txPr/>
+    <dgm:style>
+      <a:lnRef idx="1">
+        <a:scrgbClr r="0" g="0" b="0"/>
+      </a:lnRef>
+      <a:fillRef idx="1">
+        <a:scrgbClr r="0" g="0" b="0"/>
+      </a:fillRef>
+      <a:effectRef idx="0">
+        <a:scrgbClr r="0" g="0" b="0"/>
+      </a:effectRef>
+      <a:fontRef idx="minor"/>
+    </dgm:style>
+  </dgm:styleLbl>
+  <dgm:styleLbl name="conFgAcc1">
+    <dgm:scene3d>
+      <a:camera prst="orthographicFront"/>
+      <a:lightRig rig="threePt" dir="t"/>
+    </dgm:scene3d>
+    <dgm:sp3d/>
+    <dgm:txPr/>
+    <dgm:style>
+      <a:lnRef idx="1">
+        <a:scrgbClr r="0" g="0" b="0"/>
+      </a:lnRef>
+      <a:fillRef idx="1">
+        <a:scrgbClr r="0" g="0" b="0"/>
+      </a:fillRef>
+      <a:effectRef idx="0">
+        <a:scrgbClr r="0" g="0" b="0"/>
+      </a:effectRef>
+      <a:fontRef idx="minor"/>
+    </dgm:style>
+  </dgm:styleLbl>
+  <dgm:styleLbl name="alignAcc1">
+    <dgm:scene3d>
+      <a:camera prst="orthographicFront"/>
+      <a:lightRig rig="threePt" dir="t"/>
+    </dgm:scene3d>
+    <dgm:sp3d/>
+    <dgm:txPr/>
+    <dgm:style>
+      <a:lnRef idx="1">
+        <a:scrgbClr r="0" g="0" b="0"/>
+      </a:lnRef>
+      <a:fillRef idx="1">
+        <a:scrgbClr r="0" g="0" b="0"/>
+      </a:fillRef>
+      <a:effectRef idx="0">
+        <a:scrgbClr r="0" g="0" b="0"/>
+      </a:effectRef>
+      <a:fontRef idx="minor"/>
+    </dgm:style>
+  </dgm:styleLbl>
+  <dgm:styleLbl name="trAlignAcc1">
+    <dgm:scene3d>
+      <a:camera prst="orthographicFront"/>
+      <a:lightRig rig="threePt" dir="t"/>
+    </dgm:scene3d>
+    <dgm:sp3d/>
+    <dgm:txPr/>
+    <dgm:style>
+      <a:lnRef idx="1">
+        <a:scrgbClr r="0" g="0" b="0"/>
+      </a:lnRef>
+      <a:fillRef idx="1">
+        <a:scrgbClr r="0" g="0" b="0"/>
+      </a:fillRef>
+      <a:effectRef idx="0">
+        <a:scrgbClr r="0" g="0" b="0"/>
+      </a:effectRef>
+      <a:fontRef idx="minor"/>
+    </dgm:style>
+  </dgm:styleLbl>
+  <dgm:styleLbl name="bgAcc1">
+    <dgm:scene3d>
+      <a:camera prst="orthographicFront"/>
+      <a:lightRig rig="threePt" dir="t"/>
+    </dgm:scene3d>
+    <dgm:sp3d/>
+    <dgm:txPr/>
+    <dgm:style>
+      <a:lnRef idx="1">
+        <a:scrgbClr r="0" g="0" b="0"/>
+      </a:lnRef>
+      <a:fillRef idx="1">
+        <a:scrgbClr r="0" g="0" b="0"/>
+      </a:fillRef>
+      <a:effectRef idx="0">
+        <a:scrgbClr r="0" g="0" b="0"/>
+      </a:effectRef>
+      <a:fontRef idx="minor"/>
+    </dgm:style>
+  </dgm:styleLbl>
+  <dgm:styleLbl name="solidFgAcc1">
+    <dgm:scene3d>
+      <a:camera prst="orthographicFront"/>
+      <a:lightRig rig="threePt" dir="t"/>
+    </dgm:scene3d>
+    <dgm:sp3d/>
+    <dgm:txPr/>
+    <dgm:style>
+      <a:lnRef idx="1">
+        <a:scrgbClr r="0" g="0" b="0"/>
+      </a:lnRef>
+      <a:fillRef idx="1">
+        <a:scrgbClr r="0" g="0" b="0"/>
+      </a:fillRef>
+      <a:effectRef idx="0">
+        <a:scrgbClr r="0" g="0" b="0"/>
+      </a:effectRef>
+      <a:fontRef idx="minor"/>
+    </dgm:style>
+  </dgm:styleLbl>
+  <dgm:styleLbl name="solidAlignAcc1">
+    <dgm:scene3d>
+      <a:camera prst="orthographicFront"/>
+      <a:lightRig rig="threePt" dir="t"/>
+    </dgm:scene3d>
+    <dgm:sp3d/>
+    <dgm:txPr/>
+    <dgm:style>
+      <a:lnRef idx="1">
+        <a:scrgbClr r="0" g="0" b="0"/>
+      </a:lnRef>
+      <a:fillRef idx="1">
+        <a:scrgbClr r="0" g="0" b="0"/>
+      </a:fillRef>
+      <a:effectRef idx="0">
+        <a:scrgbClr r="0" g="0" b="0"/>
+      </a:effectRef>
+      <a:fontRef idx="minor"/>
+    </dgm:style>
+  </dgm:styleLbl>
+  <dgm:styleLbl name="solidBgAcc1">
+    <dgm:scene3d>
+      <a:camera prst="orthographicFront"/>
+      <a:lightRig rig="threePt" dir="t"/>
+    </dgm:scene3d>
+    <dgm:sp3d/>
+    <dgm:txPr/>
+    <dgm:style>
+      <a:lnRef idx="1">
+        <a:scrgbClr r="0" g="0" b="0"/>
+      </a:lnRef>
+      <a:fillRef idx="1">
+        <a:scrgbClr r="0" g="0" b="0"/>
+      </a:fillRef>
+      <a:effectRef idx="0">
+        <a:scrgbClr r="0" g="0" b="0"/>
+      </a:effectRef>
+      <a:fontRef idx="minor"/>
+    </dgm:style>
+  </dgm:styleLbl>
+  <dgm:styleLbl name="fgAccFollowNode1">
+    <dgm:scene3d>
+      <a:camera prst="orthographicFront"/>
+      <a:lightRig rig="threePt" dir="t"/>
+    </dgm:scene3d>
+    <dgm:sp3d/>
+    <dgm:txPr/>
+    <dgm:style>
+      <a:lnRef idx="1">
+        <a:scrgbClr r="0" g="0" b="0"/>
+      </a:lnRef>
+      <a:fillRef idx="1">
+        <a:scrgbClr r="0" g="0" b="0"/>
+      </a:fillRef>
+      <a:effectRef idx="0">
+        <a:scrgbClr r="0" g="0" b="0"/>
+      </a:effectRef>
+      <a:fontRef idx="minor"/>
+    </dgm:style>
+  </dgm:styleLbl>
+  <dgm:styleLbl name="alignAccFollowNode1">
+    <dgm:scene3d>
+      <a:camera prst="orthographicFront"/>
+      <a:lightRig rig="threePt" dir="t"/>
+    </dgm:scene3d>
+    <dgm:sp3d/>
+    <dgm:txPr/>
+    <dgm:style>
+      <a:lnRef idx="1">
+        <a:scrgbClr r="0" g="0" b="0"/>
+      </a:lnRef>
+      <a:fillRef idx="1">
+        <a:scrgbClr r="0" g="0" b="0"/>
+      </a:fillRef>
+      <a:effectRef idx="0">
+        <a:scrgbClr r="0" g="0" b="0"/>
+      </a:effectRef>
+      <a:fontRef idx="minor"/>
+    </dgm:style>
+  </dgm:styleLbl>
+  <dgm:styleLbl name="bgAccFollowNode1">
+    <dgm:scene3d>
+      <a:camera prst="orthographicFront"/>
+      <a:lightRig rig="threePt" dir="t"/>
+    </dgm:scene3d>
+    <dgm:sp3d/>
+    <dgm:txPr/>
+    <dgm:style>
+      <a:lnRef idx="1">
+        <a:scrgbClr r="0" g="0" b="0"/>
+      </a:lnRef>
+      <a:fillRef idx="1">
+        <a:scrgbClr r="0" g="0" b="0"/>
+      </a:fillRef>
+      <a:effectRef idx="0">
+        <a:scrgbClr r="0" g="0" b="0"/>
+      </a:effectRef>
+      <a:fontRef idx="minor"/>
+    </dgm:style>
+  </dgm:styleLbl>
+  <dgm:styleLbl name="fgAcc0">
+    <dgm:scene3d>
+      <a:camera prst="orthographicFront"/>
+      <a:lightRig rig="threePt" dir="t"/>
+    </dgm:scene3d>
+    <dgm:sp3d/>
+    <dgm:txPr/>
+    <dgm:style>
+      <a:lnRef idx="1">
+        <a:scrgbClr r="0" g="0" b="0"/>
+      </a:lnRef>
+      <a:fillRef idx="1">
+        <a:scrgbClr r="0" g="0" b="0"/>
+      </a:fillRef>
+      <a:effectRef idx="0">
+        <a:scrgbClr r="0" g="0" b="0"/>
+      </a:effectRef>
+      <a:fontRef idx="minor"/>
+    </dgm:style>
+  </dgm:styleLbl>
+  <dgm:styleLbl name="fgAcc2">
+    <dgm:scene3d>
+      <a:camera prst="orthographicFront"/>
+      <a:lightRig rig="threePt" dir="t"/>
+    </dgm:scene3d>
+    <dgm:sp3d/>
+    <dgm:txPr/>
+    <dgm:style>
+      <a:lnRef idx="1">
+        <a:scrgbClr r="0" g="0" b="0"/>
+      </a:lnRef>
+      <a:fillRef idx="1">
+        <a:scrgbClr r="0" g="0" b="0"/>
+      </a:fillRef>
+      <a:effectRef idx="0">
+        <a:scrgbClr r="0" g="0" b="0"/>
+      </a:effectRef>
+      <a:fontRef idx="minor"/>
+    </dgm:style>
+  </dgm:styleLbl>
+  <dgm:styleLbl name="fgAcc3">
+    <dgm:scene3d>
+      <a:camera prst="orthographicFront"/>
+      <a:lightRig rig="threePt" dir="t"/>
+    </dgm:scene3d>
+    <dgm:sp3d/>
+    <dgm:txPr/>
+    <dgm:style>
+      <a:lnRef idx="1">
+        <a:scrgbClr r="0" g="0" b="0"/>
+      </a:lnRef>
+      <a:fillRef idx="1">
+        <a:scrgbClr r="0" g="0" b="0"/>
+      </a:fillRef>
+      <a:effectRef idx="0">
+        <a:scrgbClr r="0" g="0" b="0"/>
+      </a:effectRef>
+      <a:fontRef idx="minor"/>
+    </dgm:style>
+  </dgm:styleLbl>
+  <dgm:styleLbl name="fgAcc4">
+    <dgm:scene3d>
+      <a:camera prst="orthographicFront"/>
+      <a:lightRig rig="threePt" dir="t"/>
+    </dgm:scene3d>
+    <dgm:sp3d/>
+    <dgm:txPr/>
+    <dgm:style>
+      <a:lnRef idx="1">
+        <a:scrgbClr r="0" g="0" b="0"/>
+      </a:lnRef>
+      <a:fillRef idx="1">
+        <a:scrgbClr r="0" g="0" b="0"/>
+      </a:fillRef>
+      <a:effectRef idx="0">
+        <a:scrgbClr r="0" g="0" b="0"/>
+      </a:effectRef>
+      <a:fontRef idx="minor"/>
+    </dgm:style>
+  </dgm:styleLbl>
+  <dgm:styleLbl name="bgShp">
+    <dgm:scene3d>
+      <a:camera prst="orthographicFront"/>
+      <a:lightRig rig="threePt" dir="t"/>
+    </dgm:scene3d>
+    <dgm:sp3d/>
+    <dgm:txPr/>
+    <dgm:style>
+      <a:lnRef idx="0">
+        <a:scrgbClr r="0" g="0" b="0"/>
+      </a:lnRef>
+      <a:fillRef idx="1">
+        <a:scrgbClr r="0" g="0" b="0"/>
+      </a:fillRef>
+      <a:effectRef idx="2">
+        <a:scrgbClr r="0" g="0" b="0"/>
+      </a:effectRef>
+      <a:fontRef idx="minor"/>
+    </dgm:style>
+  </dgm:styleLbl>
+  <dgm:styleLbl name="dkBgShp">
+    <dgm:scene3d>
+      <a:camera prst="orthographicFront"/>
+      <a:lightRig rig="threePt" dir="t"/>
+    </dgm:scene3d>
+    <dgm:sp3d/>
+    <dgm:txPr/>
+    <dgm:style>
+      <a:lnRef idx="0">
+        <a:scrgbClr r="0" g="0" b="0"/>
+      </a:lnRef>
+      <a:fillRef idx="1">
+        <a:scrgbClr r="0" g="0" b="0"/>
+      </a:fillRef>
+      <a:effectRef idx="2">
+        <a:scrgbClr r="0" g="0" b="0"/>
+      </a:effectRef>
+      <a:fontRef idx="minor"/>
+    </dgm:style>
+  </dgm:styleLbl>
+  <dgm:styleLbl name="trBgShp">
+    <dgm:scene3d>
+      <a:camera prst="orthographicFront"/>
+      <a:lightRig rig="threePt" dir="t"/>
+    </dgm:scene3d>
+    <dgm:sp3d/>
+    <dgm:txPr/>
+    <dgm:style>
+      <a:lnRef idx="0">
+        <a:scrgbClr r="0" g="0" b="0"/>
+      </a:lnRef>
+      <a:fillRef idx="1">
+        <a:scrgbClr r="0" g="0" b="0"/>
+      </a:fillRef>
+      <a:effectRef idx="0">
+        <a:scrgbClr r="0" g="0" b="0"/>
+      </a:effectRef>
+      <a:fontRef idx="minor"/>
+    </dgm:style>
+  </dgm:styleLbl>
+  <dgm:styleLbl name="fgShp">
+    <dgm:scene3d>
+      <a:camera prst="orthographicFront"/>
+      <a:lightRig rig="threePt" dir="t"/>
+    </dgm:scene3d>
+    <dgm:sp3d/>
+    <dgm:txPr/>
+    <dgm:style>
+      <a:lnRef idx="0">
+        <a:scrgbClr r="0" g="0" b="0"/>
+      </a:lnRef>
+      <a:fillRef idx="3">
+        <a:scrgbClr r="0" g="0" b="0"/>
+      </a:fillRef>
+      <a:effectRef idx="2">
+        <a:scrgbClr r="0" g="0" b="0"/>
+      </a:effectRef>
+      <a:fontRef idx="minor"/>
+    </dgm:style>
+  </dgm:styleLbl>
+  <dgm:styleLbl name="revTx">
+    <dgm:scene3d>
+      <a:camera prst="orthographicFront"/>
+      <a:lightRig rig="threePt" dir="t"/>
+    </dgm:scene3d>
+    <dgm:sp3d/>
+    <dgm:txPr/>
+    <dgm:style>
+      <a:lnRef idx="0">
+        <a:scrgbClr r="0" g="0" b="0"/>
+      </a:lnRef>
+      <a:fillRef idx="0">
+        <a:scrgbClr r="0" g="0" b="0"/>
+      </a:fillRef>
+      <a:effectRef idx="0">
+        <a:scrgbClr r="0" g="0" b="0"/>
+      </a:effectRef>
+      <a:fontRef idx="minor"/>
+    </dgm:style>
+  </dgm:styleLbl>
+</dgm:styleDef>
+</file>
+
 <file path=ppt/notesMasters/notesMaster1.xml><?xml version="1.0" encoding="utf-8"?>
 <p:notesMaster xmlns:a="http://schemas.openxmlformats.org/drawingml/2006/main" xmlns:r="http://schemas.openxmlformats.org/officeDocument/2006/relationships" xmlns:p="http://schemas.openxmlformats.org/presentationml/2006/main">
   <p:cSld>
@@ -2454,7 +6061,7 @@
           <a:p>
             <a:fld id="{E50B3C79-A904-4F35-8EE8-3F2172FFB220}" type="datetimeFigureOut">
               <a:rPr lang="de-DE" smtClean="0"/>
-              <a:t>06.05.2019</a:t>
+              <a:t>09.05.2019</a:t>
             </a:fld>
             <a:endParaRPr lang="de-DE"/>
           </a:p>
@@ -2722,6 +6329,186 @@
 </p:notesMaster>
 </file>
 
+<file path=ppt/notesSlides/notesSlide1.xml><?xml version="1.0" encoding="utf-8"?>
+<p:notes xmlns:a="http://schemas.openxmlformats.org/drawingml/2006/main" xmlns:r="http://schemas.openxmlformats.org/officeDocument/2006/relationships" xmlns:p="http://schemas.openxmlformats.org/presentationml/2006/main">
+  <p:cSld>
+    <p:spTree>
+      <p:nvGrpSpPr>
+        <p:cNvPr id="1" name=""/>
+        <p:cNvGrpSpPr/>
+        <p:nvPr/>
+      </p:nvGrpSpPr>
+      <p:grpSpPr>
+        <a:xfrm>
+          <a:off x="0" y="0"/>
+          <a:ext cx="0" cy="0"/>
+          <a:chOff x="0" y="0"/>
+          <a:chExt cx="0" cy="0"/>
+        </a:xfrm>
+      </p:grpSpPr>
+      <p:sp>
+        <p:nvSpPr>
+          <p:cNvPr id="2" name="Slide Image Placeholder 1"/>
+          <p:cNvSpPr>
+            <a:spLocks noGrp="1" noRot="1" noChangeAspect="1"/>
+          </p:cNvSpPr>
+          <p:nvPr>
+            <p:ph type="sldImg"/>
+          </p:nvPr>
+        </p:nvSpPr>
+        <p:spPr/>
+      </p:sp>
+      <p:sp>
+        <p:nvSpPr>
+          <p:cNvPr id="3" name="Notes Placeholder 2"/>
+          <p:cNvSpPr>
+            <a:spLocks noGrp="1"/>
+          </p:cNvSpPr>
+          <p:nvPr>
+            <p:ph type="body" idx="1"/>
+          </p:nvPr>
+        </p:nvSpPr>
+        <p:spPr/>
+        <p:txBody>
+          <a:bodyPr/>
+          <a:lstStyle/>
+          <a:p>
+            <a:r>
+              <a:rPr lang="de-DE" dirty="0" err="1"/>
+              <a:t>Convexity</a:t>
+            </a:r>
+            <a:r>
+              <a:rPr lang="de-DE" dirty="0"/>
+              <a:t> Game </a:t>
+            </a:r>
+            <a:r>
+              <a:rPr lang="de-DE" dirty="0" err="1"/>
+              <a:t>Structure</a:t>
+            </a:r>
+            <a:endParaRPr lang="de-DE" dirty="0"/>
+          </a:p>
+        </p:txBody>
+      </p:sp>
+      <p:sp>
+        <p:nvSpPr>
+          <p:cNvPr id="4" name="Slide Number Placeholder 3"/>
+          <p:cNvSpPr>
+            <a:spLocks noGrp="1"/>
+          </p:cNvSpPr>
+          <p:nvPr>
+            <p:ph type="sldNum" sz="quarter" idx="5"/>
+          </p:nvPr>
+        </p:nvSpPr>
+        <p:spPr/>
+        <p:txBody>
+          <a:bodyPr/>
+          <a:lstStyle/>
+          <a:p>
+            <a:fld id="{6BAD1AF2-A6B3-4B84-B5D2-6F16B2D7100D}" type="slidenum">
+              <a:rPr lang="de-DE" smtClean="0"/>
+              <a:t>13</a:t>
+            </a:fld>
+            <a:endParaRPr lang="de-DE"/>
+          </a:p>
+        </p:txBody>
+      </p:sp>
+    </p:spTree>
+    <p:extLst>
+      <p:ext uri="{BB962C8B-B14F-4D97-AF65-F5344CB8AC3E}">
+        <p14:creationId xmlns:p14="http://schemas.microsoft.com/office/powerpoint/2010/main" val="4096383767"/>
+      </p:ext>
+    </p:extLst>
+  </p:cSld>
+  <p:clrMapOvr>
+    <a:masterClrMapping/>
+  </p:clrMapOvr>
+</p:notes>
+</file>
+
+<file path=ppt/notesSlides/notesSlide2.xml><?xml version="1.0" encoding="utf-8"?>
+<p:notes xmlns:a="http://schemas.openxmlformats.org/drawingml/2006/main" xmlns:r="http://schemas.openxmlformats.org/officeDocument/2006/relationships" xmlns:p="http://schemas.openxmlformats.org/presentationml/2006/main">
+  <p:cSld>
+    <p:spTree>
+      <p:nvGrpSpPr>
+        <p:cNvPr id="1" name=""/>
+        <p:cNvGrpSpPr/>
+        <p:nvPr/>
+      </p:nvGrpSpPr>
+      <p:grpSpPr>
+        <a:xfrm>
+          <a:off x="0" y="0"/>
+          <a:ext cx="0" cy="0"/>
+          <a:chOff x="0" y="0"/>
+          <a:chExt cx="0" cy="0"/>
+        </a:xfrm>
+      </p:grpSpPr>
+      <p:sp>
+        <p:nvSpPr>
+          <p:cNvPr id="2" name="Slide Image Placeholder 1"/>
+          <p:cNvSpPr>
+            <a:spLocks noGrp="1" noRot="1" noChangeAspect="1"/>
+          </p:cNvSpPr>
+          <p:nvPr>
+            <p:ph type="sldImg"/>
+          </p:nvPr>
+        </p:nvSpPr>
+        <p:spPr/>
+      </p:sp>
+      <p:sp>
+        <p:nvSpPr>
+          <p:cNvPr id="3" name="Notes Placeholder 2"/>
+          <p:cNvSpPr>
+            <a:spLocks noGrp="1"/>
+          </p:cNvSpPr>
+          <p:nvPr>
+            <p:ph type="body" idx="1"/>
+          </p:nvPr>
+        </p:nvSpPr>
+        <p:spPr/>
+        <p:txBody>
+          <a:bodyPr/>
+          <a:lstStyle/>
+          <a:p>
+            <a:endParaRPr lang="de-DE" dirty="0"/>
+          </a:p>
+        </p:txBody>
+      </p:sp>
+      <p:sp>
+        <p:nvSpPr>
+          <p:cNvPr id="4" name="Slide Number Placeholder 3"/>
+          <p:cNvSpPr>
+            <a:spLocks noGrp="1"/>
+          </p:cNvSpPr>
+          <p:nvPr>
+            <p:ph type="sldNum" sz="quarter" idx="5"/>
+          </p:nvPr>
+        </p:nvSpPr>
+        <p:spPr/>
+        <p:txBody>
+          <a:bodyPr/>
+          <a:lstStyle/>
+          <a:p>
+            <a:fld id="{6BAD1AF2-A6B3-4B84-B5D2-6F16B2D7100D}" type="slidenum">
+              <a:rPr lang="de-DE" smtClean="0"/>
+              <a:t>15</a:t>
+            </a:fld>
+            <a:endParaRPr lang="de-DE"/>
+          </a:p>
+        </p:txBody>
+      </p:sp>
+    </p:spTree>
+    <p:extLst>
+      <p:ext uri="{BB962C8B-B14F-4D97-AF65-F5344CB8AC3E}">
+        <p14:creationId xmlns:p14="http://schemas.microsoft.com/office/powerpoint/2010/main" val="2675079619"/>
+      </p:ext>
+    </p:extLst>
+  </p:cSld>
+  <p:clrMapOvr>
+    <a:masterClrMapping/>
+  </p:clrMapOvr>
+</p:notes>
+</file>
+
 <file path=ppt/slideLayouts/slideLayout1.xml><?xml version="1.0" encoding="utf-8"?>
 <p:sldLayout xmlns:a="http://schemas.openxmlformats.org/drawingml/2006/main" xmlns:r="http://schemas.openxmlformats.org/officeDocument/2006/relationships" xmlns:p="http://schemas.openxmlformats.org/presentationml/2006/main" type="title" preserve="1">
   <p:cSld name="Titelfolie">
@@ -2817,7 +6604,7 @@
           <a:effectLst/>
           <a:extLst>
             <a:ext uri="{91240B29-F687-4f45-9708-019B960494DF}">
-              <a14:hiddenLine xmlns="" xmlns:a14="http://schemas.microsoft.com/office/drawing/2010/main" w="9525">
+              <a14:hiddenLine xmlns:a14="http://schemas.microsoft.com/office/drawing/2010/main" xmlns="" w="9525">
                 <a:solidFill>
                   <a:srgbClr val="000000"/>
                 </a:solidFill>
@@ -3010,7 +6797,7 @@
             <a:fld id="{08B9EBBA-996F-894A-B54A-D6246ED52CEA}" type="datetimeFigureOut">
               <a:rPr lang="en-US" dirty="0"/>
               <a:pPr/>
-              <a:t>5/6/2019</a:t>
+              <a:t>5/9/2019</a:t>
             </a:fld>
             <a:endParaRPr lang="en-US" dirty="0"/>
           </a:p>
@@ -3320,7 +7107,7 @@
             <a:fld id="{18C79C5D-2A6F-F04D-97DA-BEF2467B64E4}" type="datetimeFigureOut">
               <a:rPr lang="en-US" dirty="0"/>
               <a:pPr/>
-              <a:t>5/6/2019</a:t>
+              <a:t>5/9/2019</a:t>
             </a:fld>
             <a:endParaRPr lang="en-US" dirty="0"/>
           </a:p>
@@ -3645,7 +7432,7 @@
             <a:fld id="{18C79C5D-2A6F-F04D-97DA-BEF2467B64E4}" type="datetimeFigureOut">
               <a:rPr lang="en-US" dirty="0"/>
               <a:pPr/>
-              <a:t>5/6/2019</a:t>
+              <a:t>5/9/2019</a:t>
             </a:fld>
             <a:endParaRPr lang="en-US" dirty="0"/>
           </a:p>
@@ -4130,7 +7917,7 @@
             <a:fld id="{8DFA1846-DA80-1C48-A609-854EA85C59AD}" type="datetimeFigureOut">
               <a:rPr lang="en-US" dirty="0"/>
               <a:pPr/>
-              <a:t>5/6/2019</a:t>
+              <a:t>5/9/2019</a:t>
             </a:fld>
             <a:endParaRPr lang="en-US" dirty="0"/>
           </a:p>
@@ -4496,7 +8283,7 @@
             <a:fld id="{FBF54567-0DE4-3F47-BF90-CB84690072F9}" type="datetimeFigureOut">
               <a:rPr lang="en-US" dirty="0"/>
               <a:pPr/>
-              <a:t>5/6/2019</a:t>
+              <a:t>5/9/2019</a:t>
             </a:fld>
             <a:endParaRPr lang="en-US" dirty="0"/>
           </a:p>
@@ -4647,7 +8434,7 @@
           <a:ln/>
           <a:extLst>
             <a:ext uri="{91240B29-F687-4f45-9708-019B960494DF}">
-              <a14:hiddenLine xmlns="" xmlns:a14="http://schemas.microsoft.com/office/drawing/2010/main" w="9525">
+              <a14:hiddenLine xmlns:a14="http://schemas.microsoft.com/office/drawing/2010/main" xmlns="" w="9525">
                 <a:solidFill>
                   <a:srgbClr val="000000"/>
                 </a:solidFill>
@@ -4766,7 +8553,7 @@
             <a:fld id="{C6C52C72-DE31-F449-A4ED-4C594FD91407}" type="datetimeFigureOut">
               <a:rPr lang="en-US" dirty="0"/>
               <a:pPr/>
-              <a:t>5/6/2019</a:t>
+              <a:t>5/9/2019</a:t>
             </a:fld>
             <a:endParaRPr lang="en-US" dirty="0"/>
           </a:p>
@@ -4919,7 +8706,7 @@
           <a:ln/>
           <a:extLst>
             <a:ext uri="{91240B29-F687-4f45-9708-019B960494DF}">
-              <a14:hiddenLine xmlns="" xmlns:a14="http://schemas.microsoft.com/office/drawing/2010/main" w="9525">
+              <a14:hiddenLine xmlns:a14="http://schemas.microsoft.com/office/drawing/2010/main" xmlns="" w="9525">
                 <a:solidFill>
                   <a:srgbClr val="000000"/>
                 </a:solidFill>
@@ -5048,7 +8835,7 @@
             <a:fld id="{ED62726E-379B-B349-9EED-81ED093FA806}" type="datetimeFigureOut">
               <a:rPr lang="en-US" dirty="0"/>
               <a:pPr/>
-              <a:t>5/6/2019</a:t>
+              <a:t>5/9/2019</a:t>
             </a:fld>
             <a:endParaRPr lang="en-US" dirty="0"/>
           </a:p>
@@ -5289,7 +9076,7 @@
             <a:fld id="{08B9EBBA-996F-894A-B54A-D6246ED52CEA}" type="datetimeFigureOut">
               <a:rPr lang="en-US" dirty="0"/>
               <a:pPr/>
-              <a:t>5/6/2019</a:t>
+              <a:t>5/9/2019</a:t>
             </a:fld>
             <a:endParaRPr lang="en-US" dirty="0"/>
           </a:p>
@@ -5475,7 +9262,7 @@
           <a:ln/>
           <a:extLst>
             <a:ext uri="{91240B29-F687-4f45-9708-019B960494DF}">
-              <a14:hiddenLine xmlns="" xmlns:a14="http://schemas.microsoft.com/office/drawing/2010/main" w="9525">
+              <a14:hiddenLine xmlns:a14="http://schemas.microsoft.com/office/drawing/2010/main" xmlns="" w="9525">
                 <a:solidFill>
                   <a:srgbClr val="000000"/>
                 </a:solidFill>
@@ -5604,7 +9391,7 @@
             <a:fld id="{9B3A1323-8D79-1946-B0D7-40001CF92E9D}" type="datetimeFigureOut">
               <a:rPr lang="en-US" dirty="0"/>
               <a:pPr/>
-              <a:t>5/6/2019</a:t>
+              <a:t>5/9/2019</a:t>
             </a:fld>
             <a:endParaRPr lang="en-US" dirty="0"/>
           </a:p>
@@ -5944,7 +9731,7 @@
             <a:fld id="{8DFA1846-DA80-1C48-A609-854EA85C59AD}" type="datetimeFigureOut">
               <a:rPr lang="en-US" dirty="0"/>
               <a:pPr/>
-              <a:t>5/6/2019</a:t>
+              <a:t>5/9/2019</a:t>
             </a:fld>
             <a:endParaRPr lang="en-US" dirty="0"/>
           </a:p>
@@ -6095,7 +9882,7 @@
           <a:ln/>
           <a:extLst>
             <a:ext uri="{91240B29-F687-4f45-9708-019B960494DF}">
-              <a14:hiddenLine xmlns="" xmlns:a14="http://schemas.microsoft.com/office/drawing/2010/main" w="9525">
+              <a14:hiddenLine xmlns:a14="http://schemas.microsoft.com/office/drawing/2010/main" xmlns="" w="9525">
                 <a:solidFill>
                   <a:srgbClr val="000000"/>
                 </a:solidFill>
@@ -6280,7 +10067,7 @@
             <a:fld id="{57302355-E14B-8545-A8F8-0FE83CC9D524}" type="datetimeFigureOut">
               <a:rPr lang="en-US" dirty="0"/>
               <a:pPr/>
-              <a:t>5/6/2019</a:t>
+              <a:t>5/9/2019</a:t>
             </a:fld>
             <a:endParaRPr lang="en-US" dirty="0"/>
           </a:p>
@@ -6431,7 +10218,7 @@
           <a:ln/>
           <a:extLst>
             <a:ext uri="{91240B29-F687-4f45-9708-019B960494DF}">
-              <a14:hiddenLine xmlns="" xmlns:a14="http://schemas.microsoft.com/office/drawing/2010/main" w="9525">
+              <a14:hiddenLine xmlns:a14="http://schemas.microsoft.com/office/drawing/2010/main" xmlns="" w="9525">
                 <a:solidFill>
                   <a:srgbClr val="000000"/>
                 </a:solidFill>
@@ -6754,7 +10541,7 @@
             <a:fld id="{02640F58-564D-2B4F-AE67-E407BA4FCF45}" type="datetimeFigureOut">
               <a:rPr lang="en-US" dirty="0"/>
               <a:pPr/>
-              <a:t>5/6/2019</a:t>
+              <a:t>5/9/2019</a:t>
             </a:fld>
             <a:endParaRPr lang="en-US" dirty="0"/>
           </a:p>
@@ -6905,7 +10692,7 @@
           <a:ln/>
           <a:extLst>
             <a:ext uri="{91240B29-F687-4f45-9708-019B960494DF}">
-              <a14:hiddenLine xmlns="" xmlns:a14="http://schemas.microsoft.com/office/drawing/2010/main" w="9525">
+              <a14:hiddenLine xmlns:a14="http://schemas.microsoft.com/office/drawing/2010/main" xmlns="" w="9525">
                 <a:solidFill>
                   <a:srgbClr val="000000"/>
                 </a:solidFill>
@@ -6972,7 +10759,7 @@
             <a:fld id="{F13A34C8-038E-2045-AF43-DF7DBB8E0E9E}" type="datetimeFigureOut">
               <a:rPr lang="en-US" dirty="0"/>
               <a:pPr/>
-              <a:t>5/6/2019</a:t>
+              <a:t>5/9/2019</a:t>
             </a:fld>
             <a:endParaRPr lang="en-US" dirty="0"/>
           </a:p>
@@ -7064,7 +10851,7 @@
             <a:fld id="{8818C68F-D26B-8F47-958C-23B49CF8A634}" type="datetimeFigureOut">
               <a:rPr lang="en-US" dirty="0"/>
               <a:pPr/>
-              <a:t>5/6/2019</a:t>
+              <a:t>5/9/2019</a:t>
             </a:fld>
             <a:endParaRPr lang="en-US" dirty="0"/>
           </a:p>
@@ -7328,7 +11115,7 @@
           <a:ln/>
           <a:extLst>
             <a:ext uri="{91240B29-F687-4f45-9708-019B960494DF}">
-              <a14:hiddenLine xmlns="" xmlns:a14="http://schemas.microsoft.com/office/drawing/2010/main" w="9525">
+              <a14:hiddenLine xmlns:a14="http://schemas.microsoft.com/office/drawing/2010/main" xmlns="" w="9525">
                 <a:solidFill>
                   <a:srgbClr val="000000"/>
                 </a:solidFill>
@@ -7528,7 +11315,7 @@
             <a:fld id="{D0DF5E60-9974-AC48-9591-99C2BB44B7CF}" type="datetimeFigureOut">
               <a:rPr lang="en-US" dirty="0"/>
               <a:pPr/>
-              <a:t>5/6/2019</a:t>
+              <a:t>5/9/2019</a:t>
             </a:fld>
             <a:endParaRPr lang="en-US" dirty="0"/>
           </a:p>
@@ -7589,9 +11376,12 @@
 <p:sldMaster xmlns:a="http://schemas.openxmlformats.org/drawingml/2006/main" xmlns:r="http://schemas.openxmlformats.org/officeDocument/2006/relationships" xmlns:p="http://schemas.openxmlformats.org/presentationml/2006/main">
   <p:cSld>
     <p:bg>
-      <p:bgRef idx="1001">
-        <a:schemeClr val="bg2"/>
-      </p:bgRef>
+      <p:bgPr>
+        <a:solidFill>
+          <a:srgbClr val="212121"/>
+        </a:solidFill>
+        <a:effectLst/>
+      </p:bgPr>
     </p:bg>
     <p:spTree>
       <p:nvGrpSpPr>
@@ -7785,7 +11575,7 @@
             <a:fld id="{09B482E8-6E0E-1B4F-B1FD-C69DB9E858D9}" type="datetimeFigureOut">
               <a:rPr lang="en-US" dirty="0"/>
               <a:pPr/>
-              <a:t>5/6/2019</a:t>
+              <a:t>5/9/2019</a:t>
             </a:fld>
             <a:endParaRPr lang="en-US" dirty="0"/>
           </a:p>
@@ -8481,7 +12271,7 @@
           <a:bodyPr/>
           <a:lstStyle/>
           <a:p>
-            <a:endParaRPr lang="de-DE"/>
+            <a:endParaRPr lang="de-DE" dirty="0"/>
           </a:p>
         </p:txBody>
       </p:sp>
@@ -8504,14 +12294,6 @@
 <file path=ppt/slides/slide11.xml><?xml version="1.0" encoding="utf-8"?>
 <p:sld xmlns:a="http://schemas.openxmlformats.org/drawingml/2006/main" xmlns:r="http://schemas.openxmlformats.org/officeDocument/2006/relationships" xmlns:p="http://schemas.openxmlformats.org/presentationml/2006/main">
   <p:cSld>
-    <p:bg>
-      <p:bgPr>
-        <a:solidFill>
-          <a:schemeClr val="bg2"/>
-        </a:solidFill>
-        <a:effectLst/>
-      </p:bgPr>
-    </p:bg>
     <p:spTree>
       <p:nvGrpSpPr>
         <p:cNvPr id="1" name=""/>
@@ -8786,7 +12568,7 @@
           <a:effectLst/>
           <a:extLst>
             <a:ext uri="{91240B29-F687-4f45-9708-019B960494DF}">
-              <a14:hiddenLine xmlns:a16="http://schemas.microsoft.com/office/drawing/2014/main" xmlns:p14="http://schemas.microsoft.com/office/powerpoint/2010/main" xmlns:a14="http://schemas.microsoft.com/office/drawing/2010/main" xmlns="" w="9525">
+              <a14:hiddenLine xmlns="" xmlns:a14="http://schemas.microsoft.com/office/drawing/2010/main" xmlns:p14="http://schemas.microsoft.com/office/powerpoint/2010/main" xmlns:a16="http://schemas.microsoft.com/office/drawing/2014/main" w="9525">
                 <a:solidFill>
                   <a:srgbClr val="000000"/>
                 </a:solidFill>
@@ -8883,6 +12665,103 @@
           </a:p>
         </p:txBody>
       </p:sp>
+      <p:cxnSp>
+        <p:nvCxnSpPr>
+          <p:cNvPr id="14" name="Straight Arrow Connector 13">
+            <a:extLst>
+              <a:ext uri="{FF2B5EF4-FFF2-40B4-BE49-F238E27FC236}">
+                <a16:creationId xmlns:a16="http://schemas.microsoft.com/office/drawing/2014/main" id="{D5E6BF90-9AC0-4438-B873-6BA7C5834435}"/>
+              </a:ext>
+            </a:extLst>
+          </p:cNvPr>
+          <p:cNvCxnSpPr/>
+          <p:nvPr/>
+        </p:nvCxnSpPr>
+        <p:spPr>
+          <a:xfrm flipH="1">
+            <a:off x="5494713" y="1534390"/>
+            <a:ext cx="390698" cy="374073"/>
+          </a:xfrm>
+          <a:prstGeom prst="straightConnector1">
+            <a:avLst/>
+          </a:prstGeom>
+          <a:ln>
+            <a:solidFill>
+              <a:srgbClr val="C0504D"/>
+            </a:solidFill>
+            <a:tailEnd type="triangle"/>
+          </a:ln>
+        </p:spPr>
+        <p:style>
+          <a:lnRef idx="1">
+            <a:schemeClr val="accent1"/>
+          </a:lnRef>
+          <a:fillRef idx="0">
+            <a:schemeClr val="accent1"/>
+          </a:fillRef>
+          <a:effectRef idx="0">
+            <a:schemeClr val="accent1"/>
+          </a:effectRef>
+          <a:fontRef idx="minor">
+            <a:schemeClr val="tx1"/>
+          </a:fontRef>
+        </p:style>
+      </p:cxnSp>
+      <p:sp>
+        <p:nvSpPr>
+          <p:cNvPr id="15" name="TextBox 14">
+            <a:extLst>
+              <a:ext uri="{FF2B5EF4-FFF2-40B4-BE49-F238E27FC236}">
+                <a16:creationId xmlns:a16="http://schemas.microsoft.com/office/drawing/2014/main" id="{8691DD24-EF7D-4D9E-86F5-C0DB7F973C71}"/>
+              </a:ext>
+            </a:extLst>
+          </p:cNvPr>
+          <p:cNvSpPr txBox="1"/>
+          <p:nvPr/>
+        </p:nvSpPr>
+        <p:spPr>
+          <a:xfrm>
+            <a:off x="5847262" y="1284950"/>
+            <a:ext cx="1368185" cy="307777"/>
+          </a:xfrm>
+          <a:prstGeom prst="rect">
+            <a:avLst/>
+          </a:prstGeom>
+          <a:noFill/>
+        </p:spPr>
+        <p:txBody>
+          <a:bodyPr wrap="square" rtlCol="0">
+            <a:spAutoFit/>
+          </a:bodyPr>
+          <a:lstStyle/>
+          <a:p>
+            <a:r>
+              <a:rPr lang="de-DE" sz="1400" dirty="0" err="1"/>
+              <a:t>You</a:t>
+            </a:r>
+            <a:r>
+              <a:rPr lang="de-DE" sz="1400" dirty="0"/>
+              <a:t> </a:t>
+            </a:r>
+            <a:r>
+              <a:rPr lang="de-DE" sz="1400" dirty="0" err="1"/>
+              <a:t>are</a:t>
+            </a:r>
+            <a:r>
+              <a:rPr lang="de-DE" sz="1400" dirty="0"/>
+              <a:t> </a:t>
+            </a:r>
+            <a:r>
+              <a:rPr lang="de-DE" sz="1400" dirty="0" err="1"/>
+              <a:t>here</a:t>
+            </a:r>
+            <a:r>
+              <a:rPr lang="de-DE" sz="1400" dirty="0"/>
+              <a:t>!</a:t>
+            </a:r>
+          </a:p>
+        </p:txBody>
+      </p:sp>
     </p:spTree>
     <p:extLst>
       <p:ext uri="{BB962C8B-B14F-4D97-AF65-F5344CB8AC3E}">
@@ -8965,7 +12844,30 @@
           <a:bodyPr/>
           <a:lstStyle/>
           <a:p>
-            <a:endParaRPr lang="de-DE"/>
+            <a:r>
+              <a:rPr lang="de-DE" dirty="0" err="1"/>
+              <a:t>git</a:t>
+            </a:r>
+            <a:r>
+              <a:rPr lang="de-DE" dirty="0"/>
+              <a:t> </a:t>
+            </a:r>
+            <a:r>
+              <a:rPr lang="de-DE" dirty="0" err="1"/>
+              <a:t>commit</a:t>
+            </a:r>
+            <a:r>
+              <a:rPr lang="de-DE" dirty="0"/>
+              <a:t> –m „</a:t>
+            </a:r>
+            <a:r>
+              <a:rPr lang="de-DE" dirty="0" err="1"/>
+              <a:t>blorg</a:t>
+            </a:r>
+            <a:r>
+              <a:rPr lang="de-DE" dirty="0"/>
+              <a:t>“</a:t>
+            </a:r>
           </a:p>
         </p:txBody>
       </p:sp>
@@ -8996,6 +12898,216 @@
         <a:effectLst/>
       </p:bgPr>
     </p:bg>
+    <p:spTree>
+      <p:nvGrpSpPr>
+        <p:cNvPr id="1" name=""/>
+        <p:cNvGrpSpPr/>
+        <p:nvPr/>
+      </p:nvGrpSpPr>
+      <p:grpSpPr>
+        <a:xfrm>
+          <a:off x="0" y="0"/>
+          <a:ext cx="0" cy="0"/>
+          <a:chOff x="0" y="0"/>
+          <a:chExt cx="0" cy="0"/>
+        </a:xfrm>
+      </p:grpSpPr>
+      <p:sp>
+        <p:nvSpPr>
+          <p:cNvPr id="4" name="Title 3">
+            <a:extLst>
+              <a:ext uri="{FF2B5EF4-FFF2-40B4-BE49-F238E27FC236}">
+                <a16:creationId xmlns:a16="http://schemas.microsoft.com/office/drawing/2014/main" id="{FCF2CAA6-294D-4BFE-BDDA-321D8B18167F}"/>
+              </a:ext>
+            </a:extLst>
+          </p:cNvPr>
+          <p:cNvSpPr>
+            <a:spLocks noGrp="1"/>
+          </p:cNvSpPr>
+          <p:nvPr>
+            <p:ph type="title"/>
+          </p:nvPr>
+        </p:nvSpPr>
+        <p:spPr>
+          <a:xfrm>
+            <a:off x="810000" y="447188"/>
+            <a:ext cx="10571998" cy="970450"/>
+          </a:xfrm>
+        </p:spPr>
+        <p:txBody>
+          <a:bodyPr>
+            <a:normAutofit/>
+          </a:bodyPr>
+          <a:lstStyle/>
+          <a:p>
+            <a:r>
+              <a:rPr lang="de-DE" dirty="0"/>
+              <a:t>Aktueller Stand (1/3)</a:t>
+            </a:r>
+          </a:p>
+        </p:txBody>
+      </p:sp>
+      <p:sp>
+        <p:nvSpPr>
+          <p:cNvPr id="20" name="Content Placeholder 19">
+            <a:extLst>
+              <a:ext uri="{FF2B5EF4-FFF2-40B4-BE49-F238E27FC236}">
+                <a16:creationId xmlns:a16="http://schemas.microsoft.com/office/drawing/2014/main" id="{127D4DDF-B2E1-446A-BE27-77793B15398C}"/>
+              </a:ext>
+            </a:extLst>
+          </p:cNvPr>
+          <p:cNvSpPr>
+            <a:spLocks noGrp="1"/>
+          </p:cNvSpPr>
+          <p:nvPr>
+            <p:ph idx="1"/>
+          </p:nvPr>
+        </p:nvSpPr>
+        <p:spPr>
+          <a:xfrm>
+            <a:off x="818713" y="2413000"/>
+            <a:ext cx="4324787" cy="3632200"/>
+          </a:xfrm>
+        </p:spPr>
+        <p:txBody>
+          <a:bodyPr>
+            <a:normAutofit/>
+          </a:bodyPr>
+          <a:lstStyle/>
+          <a:p>
+            <a:r>
+              <a:rPr lang="de-DE" dirty="0"/>
+              <a:t>Schlüssige Storyline (erweiterbar)</a:t>
+            </a:r>
+          </a:p>
+          <a:p>
+            <a:r>
+              <a:rPr lang="de-DE" dirty="0"/>
+              <a:t>Animation-Prototype</a:t>
+            </a:r>
+          </a:p>
+          <a:p>
+            <a:r>
+              <a:rPr lang="de-DE" dirty="0"/>
+              <a:t>Walking &amp; Standing </a:t>
+            </a:r>
+            <a:r>
+              <a:rPr lang="de-DE" dirty="0" err="1"/>
+              <a:t>Animations</a:t>
+            </a:r>
+            <a:endParaRPr lang="de-DE" dirty="0"/>
+          </a:p>
+          <a:p>
+            <a:r>
+              <a:rPr lang="de-DE" dirty="0"/>
+              <a:t>Environment Assets</a:t>
+            </a:r>
+          </a:p>
+          <a:p>
+            <a:r>
+              <a:rPr lang="de-DE" dirty="0" err="1"/>
+              <a:t>Spritesheets</a:t>
+            </a:r>
+            <a:r>
+              <a:rPr lang="de-DE" dirty="0"/>
+              <a:t> &amp; Animationen anderer Charaktere</a:t>
+            </a:r>
+          </a:p>
+        </p:txBody>
+      </p:sp>
+      <p:pic>
+        <p:nvPicPr>
+          <p:cNvPr id="38" name="Picture 37">
+            <a:extLst>
+              <a:ext uri="{FF2B5EF4-FFF2-40B4-BE49-F238E27FC236}">
+                <a16:creationId xmlns:a16="http://schemas.microsoft.com/office/drawing/2014/main" id="{0C489529-EEEA-47C6-80ED-7B532B27350F}"/>
+              </a:ext>
+            </a:extLst>
+          </p:cNvPr>
+          <p:cNvPicPr>
+            <a:picLocks noChangeAspect="1"/>
+          </p:cNvPicPr>
+          <p:nvPr/>
+        </p:nvPicPr>
+        <p:blipFill>
+          <a:blip r:embed="rId3"/>
+          <a:stretch>
+            <a:fillRect/>
+          </a:stretch>
+        </p:blipFill>
+        <p:spPr>
+          <a:xfrm>
+            <a:off x="5333999" y="2299849"/>
+            <a:ext cx="6281219" cy="3862949"/>
+          </a:xfrm>
+          <a:prstGeom prst="roundRect">
+            <a:avLst>
+              <a:gd name="adj" fmla="val 3876"/>
+            </a:avLst>
+          </a:prstGeom>
+          <a:ln>
+            <a:solidFill>
+              <a:schemeClr val="accent1"/>
+            </a:solidFill>
+          </a:ln>
+          <a:effectLst/>
+        </p:spPr>
+      </p:pic>
+      <p:sp>
+        <p:nvSpPr>
+          <p:cNvPr id="28" name="TextBox 27">
+            <a:extLst>
+              <a:ext uri="{FF2B5EF4-FFF2-40B4-BE49-F238E27FC236}">
+                <a16:creationId xmlns:a16="http://schemas.microsoft.com/office/drawing/2014/main" id="{C4985B7B-FDCB-4C57-9576-0BF9D6C79DEE}"/>
+              </a:ext>
+            </a:extLst>
+          </p:cNvPr>
+          <p:cNvSpPr txBox="1"/>
+          <p:nvPr/>
+        </p:nvSpPr>
+        <p:spPr>
+          <a:xfrm>
+            <a:off x="5333999" y="6226146"/>
+            <a:ext cx="6281219" cy="338554"/>
+          </a:xfrm>
+          <a:prstGeom prst="rect">
+            <a:avLst/>
+          </a:prstGeom>
+          <a:noFill/>
+        </p:spPr>
+        <p:txBody>
+          <a:bodyPr wrap="square" rtlCol="0">
+            <a:spAutoFit/>
+          </a:bodyPr>
+          <a:lstStyle/>
+          <a:p>
+            <a:pPr algn="ctr"/>
+            <a:r>
+              <a:rPr lang="en-GB" sz="1600"/>
+              <a:t>Overview: Current Storyline</a:t>
+            </a:r>
+          </a:p>
+        </p:txBody>
+      </p:sp>
+    </p:spTree>
+    <p:extLst>
+      <p:ext uri="{BB962C8B-B14F-4D97-AF65-F5344CB8AC3E}">
+        <p14:creationId xmlns:p14="http://schemas.microsoft.com/office/powerpoint/2010/main" val="111335783"/>
+      </p:ext>
+    </p:extLst>
+  </p:cSld>
+  <p:clrMapOvr>
+    <a:masterClrMapping/>
+  </p:clrMapOvr>
+  <p:transition spd="slow">
+    <p:push dir="u"/>
+  </p:transition>
+</p:sld>
+</file>
+
+<file path=ppt/slides/slide14.xml><?xml version="1.0" encoding="utf-8"?>
+<p:sld xmlns:a="http://schemas.openxmlformats.org/drawingml/2006/main" xmlns:r="http://schemas.openxmlformats.org/officeDocument/2006/relationships" xmlns:p="http://schemas.openxmlformats.org/presentationml/2006/main">
+  <p:cSld>
     <p:spTree>
       <p:nvGrpSpPr>
         <p:cNvPr id="1" name=""/>
@@ -9067,80 +13179,6 @@
           <a:p>
             <a:pPr algn="ctr"/>
             <a:endParaRPr lang="en-US"/>
-          </a:p>
-        </p:txBody>
-      </p:sp>
-      <p:sp>
-        <p:nvSpPr>
-          <p:cNvPr id="4" name="Title 3">
-            <a:extLst>
-              <a:ext uri="{FF2B5EF4-FFF2-40B4-BE49-F238E27FC236}">
-                <a16:creationId xmlns:a16="http://schemas.microsoft.com/office/drawing/2014/main" id="{FCF2CAA6-294D-4BFE-BDDA-321D8B18167F}"/>
-              </a:ext>
-            </a:extLst>
-          </p:cNvPr>
-          <p:cNvSpPr>
-            <a:spLocks noGrp="1"/>
-          </p:cNvSpPr>
-          <p:nvPr>
-            <p:ph type="title"/>
-          </p:nvPr>
-        </p:nvSpPr>
-        <p:spPr>
-          <a:xfrm>
-            <a:off x="810000" y="447188"/>
-            <a:ext cx="10571998" cy="970450"/>
-          </a:xfrm>
-          <a:effectLst/>
-        </p:spPr>
-        <p:txBody>
-          <a:bodyPr anchor="ctr">
-            <a:normAutofit/>
-          </a:bodyPr>
-          <a:lstStyle/>
-          <a:p>
-            <a:pPr algn="ctr"/>
-            <a:r>
-              <a:rPr lang="de-DE" sz="3200" dirty="0">
-                <a:solidFill>
-                  <a:schemeClr val="tx1"/>
-                </a:solidFill>
-              </a:rPr>
-              <a:t>Aktueller Stand</a:t>
-            </a:r>
-          </a:p>
-        </p:txBody>
-      </p:sp>
-      <p:sp>
-        <p:nvSpPr>
-          <p:cNvPr id="5" name="Content Placeholder 4">
-            <a:extLst>
-              <a:ext uri="{FF2B5EF4-FFF2-40B4-BE49-F238E27FC236}">
-                <a16:creationId xmlns:a16="http://schemas.microsoft.com/office/drawing/2014/main" id="{B78DC0F9-AFCB-4F5F-AB3A-DDBE57565ACF}"/>
-              </a:ext>
-            </a:extLst>
-          </p:cNvPr>
-          <p:cNvSpPr>
-            <a:spLocks noGrp="1"/>
-          </p:cNvSpPr>
-          <p:nvPr>
-            <p:ph idx="1"/>
-          </p:nvPr>
-        </p:nvSpPr>
-        <p:spPr>
-          <a:xfrm>
-            <a:off x="818712" y="1610745"/>
-            <a:ext cx="10554574" cy="3636511"/>
-          </a:xfrm>
-          <a:effectLst/>
-        </p:spPr>
-        <p:txBody>
-          <a:bodyPr anchor="ctr">
-            <a:normAutofit/>
-          </a:bodyPr>
-          <a:lstStyle/>
-          <a:p>
-            <a:endParaRPr lang="de-DE"/>
           </a:p>
         </p:txBody>
       </p:sp>
@@ -9344,7 +13382,7 @@
           <a:effectLst/>
           <a:extLst>
             <a:ext uri="{91240B29-F687-4f45-9708-019B960494DF}">
-              <a14:hiddenLine xmlns:a16="http://schemas.microsoft.com/office/drawing/2014/main" xmlns:p14="http://schemas.microsoft.com/office/powerpoint/2010/main" xmlns:a14="http://schemas.microsoft.com/office/drawing/2010/main" xmlns="" w="9525">
+              <a14:hiddenLine xmlns="" xmlns:a14="http://schemas.microsoft.com/office/drawing/2010/main" xmlns:p14="http://schemas.microsoft.com/office/powerpoint/2010/main" xmlns:a16="http://schemas.microsoft.com/office/drawing/2014/main" w="9525">
                 <a:solidFill>
                   <a:srgbClr val="000000"/>
                 </a:solidFill>
@@ -9370,45 +13408,12 @@
           </a:fontRef>
         </p:style>
       </p:sp>
-    </p:spTree>
-    <p:extLst>
-      <p:ext uri="{BB962C8B-B14F-4D97-AF65-F5344CB8AC3E}">
-        <p14:creationId xmlns:p14="http://schemas.microsoft.com/office/powerpoint/2010/main" val="111335783"/>
-      </p:ext>
-    </p:extLst>
-  </p:cSld>
-  <p:clrMapOvr>
-    <a:masterClrMapping/>
-  </p:clrMapOvr>
-  <p:transition spd="slow">
-    <p:push dir="u"/>
-  </p:transition>
-</p:sld>
-</file>
-
-<file path=ppt/slides/slide14.xml><?xml version="1.0" encoding="utf-8"?>
-<p:sld xmlns:a="http://schemas.openxmlformats.org/drawingml/2006/main" xmlns:r="http://schemas.openxmlformats.org/officeDocument/2006/relationships" xmlns:p="http://schemas.openxmlformats.org/presentationml/2006/main">
-  <p:cSld>
-    <p:spTree>
-      <p:nvGrpSpPr>
-        <p:cNvPr id="1" name=""/>
-        <p:cNvGrpSpPr/>
-        <p:nvPr/>
-      </p:nvGrpSpPr>
-      <p:grpSpPr>
-        <a:xfrm>
-          <a:off x="0" y="0"/>
-          <a:ext cx="0" cy="0"/>
-          <a:chOff x="0" y="0"/>
-          <a:chExt cx="0" cy="0"/>
-        </a:xfrm>
-      </p:grpSpPr>
       <p:sp>
         <p:nvSpPr>
-          <p:cNvPr id="2" name="Title 1">
+          <p:cNvPr id="11" name="Title 1">
             <a:extLst>
               <a:ext uri="{FF2B5EF4-FFF2-40B4-BE49-F238E27FC236}">
-                <a16:creationId xmlns:a16="http://schemas.microsoft.com/office/drawing/2014/main" id="{63961263-0C5D-4977-977D-B724D01AF89F}"/>
+                <a16:creationId xmlns:a16="http://schemas.microsoft.com/office/drawing/2014/main" id="{E6E4B087-21C4-4059-90D4-97F3684885B1}"/>
               </a:ext>
             </a:extLst>
           </p:cNvPr>
@@ -9419,47 +13424,343 @@
             <p:ph type="title"/>
           </p:nvPr>
         </p:nvSpPr>
-        <p:spPr/>
+        <p:spPr>
+          <a:xfrm>
+            <a:off x="810001" y="288511"/>
+            <a:ext cx="10571998" cy="970450"/>
+          </a:xfrm>
+          <a:effectLst/>
+        </p:spPr>
         <p:txBody>
-          <a:bodyPr/>
+          <a:bodyPr anchor="ctr">
+            <a:normAutofit/>
+          </a:bodyPr>
           <a:lstStyle/>
           <a:p>
+            <a:pPr algn="ctr"/>
+            <a:r>
+              <a:rPr lang="de-DE" sz="3200" dirty="0">
+                <a:solidFill>
+                  <a:schemeClr val="tx1"/>
+                </a:solidFill>
+              </a:rPr>
+              <a:t>Aktueller Stand (2/3)</a:t>
+            </a:r>
+          </a:p>
+        </p:txBody>
+      </p:sp>
+      <p:pic>
+        <p:nvPicPr>
+          <p:cNvPr id="8" name="Content Placeholder 18">
+            <a:extLst>
+              <a:ext uri="{FF2B5EF4-FFF2-40B4-BE49-F238E27FC236}">
+                <a16:creationId xmlns:a16="http://schemas.microsoft.com/office/drawing/2014/main" id="{0B7F0338-E4D0-4355-B700-7A56E664BC53}"/>
+              </a:ext>
+            </a:extLst>
+          </p:cNvPr>
+          <p:cNvPicPr>
+            <a:picLocks noChangeAspect="1"/>
+          </p:cNvPicPr>
+          <p:nvPr/>
+        </p:nvPicPr>
+        <p:blipFill rotWithShape="1">
+          <a:blip r:embed="rId2"/>
+          <a:srcRect b="47566"/>
+          <a:stretch/>
+        </p:blipFill>
+        <p:spPr>
+          <a:xfrm>
+            <a:off x="1504282" y="1309617"/>
+            <a:ext cx="1889526" cy="3602736"/>
+          </a:xfrm>
+          <a:prstGeom prst="roundRect">
+            <a:avLst>
+              <a:gd name="adj" fmla="val 3876"/>
+            </a:avLst>
+          </a:prstGeom>
+          <a:solidFill>
+            <a:schemeClr val="tx1"/>
+          </a:solidFill>
+          <a:ln w="12700">
+            <a:solidFill>
+              <a:schemeClr val="accent1"/>
+            </a:solidFill>
+          </a:ln>
+          <a:effectLst/>
+        </p:spPr>
+      </p:pic>
+      <p:pic>
+        <p:nvPicPr>
+          <p:cNvPr id="9" name="Picture 2" descr="https://cdn.discordapp.com/attachments/562760624409673748/576145448230977547/layer_view.PNG">
+            <a:extLst>
+              <a:ext uri="{FF2B5EF4-FFF2-40B4-BE49-F238E27FC236}">
+                <a16:creationId xmlns:a16="http://schemas.microsoft.com/office/drawing/2014/main" id="{CE7A4747-F9CA-4C39-B573-B6CE813EFB4F}"/>
+              </a:ext>
+            </a:extLst>
+          </p:cNvPr>
+          <p:cNvPicPr>
+            <a:picLocks noChangeAspect="1" noChangeArrowheads="1"/>
+          </p:cNvPicPr>
+          <p:nvPr/>
+        </p:nvPicPr>
+        <p:blipFill>
+          <a:blip r:embed="rId3">
+            <a:extLst>
+              <a:ext uri="{28A0092B-C50C-407E-A947-70E740481C1C}">
+                <a14:useLocalDpi xmlns:a14="http://schemas.microsoft.com/office/drawing/2010/main" val="0"/>
+              </a:ext>
+            </a:extLst>
+          </a:blip>
+          <a:stretch>
+            <a:fillRect/>
+          </a:stretch>
+        </p:blipFill>
+        <p:spPr bwMode="auto">
+          <a:xfrm>
+            <a:off x="4898090" y="1309617"/>
+            <a:ext cx="2395819" cy="3602736"/>
+          </a:xfrm>
+          <a:prstGeom prst="roundRect">
+            <a:avLst>
+              <a:gd name="adj" fmla="val 3876"/>
+            </a:avLst>
+          </a:prstGeom>
+          <a:noFill/>
+          <a:ln w="12700">
+            <a:solidFill>
+              <a:schemeClr val="accent1"/>
+            </a:solidFill>
+          </a:ln>
+          <a:effectLst/>
+          <a:extLst>
+            <a:ext uri="{909E8E84-426E-40DD-AFC4-6F175D3DCCD1}">
+              <a14:hiddenFill xmlns:a14="http://schemas.microsoft.com/office/drawing/2010/main">
+                <a:solidFill>
+                  <a:srgbClr val="FFFFFF"/>
+                </a:solidFill>
+              </a14:hiddenFill>
+            </a:ext>
+          </a:extLst>
+        </p:spPr>
+      </p:pic>
+      <p:pic>
+        <p:nvPicPr>
+          <p:cNvPr id="13" name="Picture 4" descr="https://cdn.discordapp.com/attachments/562760624409673748/576145471429541908/clone_image_overplay.PNG">
+            <a:extLst>
+              <a:ext uri="{FF2B5EF4-FFF2-40B4-BE49-F238E27FC236}">
+                <a16:creationId xmlns:a16="http://schemas.microsoft.com/office/drawing/2014/main" id="{61F83967-4E85-4A89-B781-770E1A0D4178}"/>
+              </a:ext>
+            </a:extLst>
+          </p:cNvPr>
+          <p:cNvPicPr>
+            <a:picLocks noChangeAspect="1" noChangeArrowheads="1"/>
+          </p:cNvPicPr>
+          <p:nvPr/>
+        </p:nvPicPr>
+        <p:blipFill>
+          <a:blip r:embed="rId4">
+            <a:extLst>
+              <a:ext uri="{28A0092B-C50C-407E-A947-70E740481C1C}">
+                <a14:useLocalDpi xmlns:a14="http://schemas.microsoft.com/office/drawing/2010/main" val="0"/>
+              </a:ext>
+            </a:extLst>
+          </a:blip>
+          <a:stretch>
+            <a:fillRect/>
+          </a:stretch>
+        </p:blipFill>
+        <p:spPr bwMode="auto">
+          <a:xfrm>
+            <a:off x="8143511" y="1309617"/>
+            <a:ext cx="3238488" cy="3602736"/>
+          </a:xfrm>
+          <a:prstGeom prst="roundRect">
+            <a:avLst>
+              <a:gd name="adj" fmla="val 3876"/>
+            </a:avLst>
+          </a:prstGeom>
+          <a:noFill/>
+          <a:ln w="12700">
+            <a:solidFill>
+              <a:schemeClr val="accent1"/>
+            </a:solidFill>
+          </a:ln>
+          <a:effectLst/>
+          <a:extLst>
+            <a:ext uri="{909E8E84-426E-40DD-AFC4-6F175D3DCCD1}">
+              <a14:hiddenFill xmlns:a14="http://schemas.microsoft.com/office/drawing/2010/main">
+                <a:solidFill>
+                  <a:srgbClr val="FFFFFF"/>
+                </a:solidFill>
+              </a14:hiddenFill>
+            </a:ext>
+          </a:extLst>
+        </p:spPr>
+      </p:pic>
+      <p:sp>
+        <p:nvSpPr>
+          <p:cNvPr id="2" name="TextBox 1">
+            <a:extLst>
+              <a:ext uri="{FF2B5EF4-FFF2-40B4-BE49-F238E27FC236}">
+                <a16:creationId xmlns:a16="http://schemas.microsoft.com/office/drawing/2014/main" id="{FF556BAE-0E7D-46D4-BDE3-8B56FEFC623B}"/>
+              </a:ext>
+            </a:extLst>
+          </p:cNvPr>
+          <p:cNvSpPr txBox="1"/>
+          <p:nvPr/>
+        </p:nvSpPr>
+        <p:spPr>
+          <a:xfrm>
+            <a:off x="1100923" y="5019535"/>
+            <a:ext cx="2696243" cy="369332"/>
+          </a:xfrm>
+          <a:prstGeom prst="rect">
+            <a:avLst/>
+          </a:prstGeom>
+          <a:noFill/>
+        </p:spPr>
+        <p:txBody>
+          <a:bodyPr wrap="square" rtlCol="0">
+            <a:spAutoFit/>
+          </a:bodyPr>
+          <a:lstStyle/>
+          <a:p>
+            <a:pPr algn="ctr"/>
             <a:r>
               <a:rPr lang="de-DE" dirty="0"/>
-              <a:t>Ausblick</a:t>
-            </a:r>
+              <a:t>Ausschnitt: </a:t>
+            </a:r>
+            <a:r>
+              <a:rPr lang="de-DE" dirty="0" err="1"/>
+              <a:t>Spritesheet</a:t>
+            </a:r>
+            <a:endParaRPr lang="de-DE" dirty="0"/>
           </a:p>
         </p:txBody>
       </p:sp>
       <p:sp>
         <p:nvSpPr>
-          <p:cNvPr id="3" name="Text Placeholder 2">
+          <p:cNvPr id="16" name="TextBox 15">
             <a:extLst>
               <a:ext uri="{FF2B5EF4-FFF2-40B4-BE49-F238E27FC236}">
-                <a16:creationId xmlns:a16="http://schemas.microsoft.com/office/drawing/2014/main" id="{80680AAD-BACE-4C8B-844E-31FA43DAF718}"/>
+                <a16:creationId xmlns:a16="http://schemas.microsoft.com/office/drawing/2014/main" id="{EE536F52-16DF-444B-992A-D5895FA6FEF3}"/>
               </a:ext>
             </a:extLst>
           </p:cNvPr>
-          <p:cNvSpPr>
-            <a:spLocks noGrp="1"/>
-          </p:cNvSpPr>
-          <p:nvPr>
-            <p:ph type="body" idx="1"/>
-          </p:nvPr>
+          <p:cNvSpPr txBox="1"/>
+          <p:nvPr/>
         </p:nvSpPr>
-        <p:spPr/>
+        <p:spPr>
+          <a:xfrm>
+            <a:off x="4839819" y="5019051"/>
+            <a:ext cx="2512360" cy="369332"/>
+          </a:xfrm>
+          <a:prstGeom prst="rect">
+            <a:avLst/>
+          </a:prstGeom>
+          <a:noFill/>
+        </p:spPr>
         <p:txBody>
-          <a:bodyPr/>
+          <a:bodyPr wrap="square" rtlCol="0">
+            <a:spAutoFit/>
+          </a:bodyPr>
           <a:lstStyle/>
           <a:p>
-            <a:endParaRPr lang="de-DE"/>
+            <a:pPr algn="ctr"/>
+            <a:r>
+              <a:rPr lang="de-DE" dirty="0"/>
+              <a:t>(Princess) Layer View</a:t>
+            </a:r>
           </a:p>
         </p:txBody>
       </p:sp>
+      <p:sp>
+        <p:nvSpPr>
+          <p:cNvPr id="17" name="TextBox 16">
+            <a:extLst>
+              <a:ext uri="{FF2B5EF4-FFF2-40B4-BE49-F238E27FC236}">
+                <a16:creationId xmlns:a16="http://schemas.microsoft.com/office/drawing/2014/main" id="{DF7F777C-DF6A-44EE-BB4A-466AD6F7C339}"/>
+              </a:ext>
+            </a:extLst>
+          </p:cNvPr>
+          <p:cNvSpPr txBox="1"/>
+          <p:nvPr/>
+        </p:nvSpPr>
+        <p:spPr>
+          <a:xfrm>
+            <a:off x="8143511" y="5019051"/>
+            <a:ext cx="3238487" cy="369332"/>
+          </a:xfrm>
+          <a:prstGeom prst="rect">
+            <a:avLst/>
+          </a:prstGeom>
+          <a:noFill/>
+        </p:spPr>
+        <p:txBody>
+          <a:bodyPr wrap="square" rtlCol="0">
+            <a:spAutoFit/>
+          </a:bodyPr>
+          <a:lstStyle/>
+          <a:p>
+            <a:pPr algn="ctr"/>
+            <a:r>
+              <a:rPr lang="de-DE" dirty="0"/>
+              <a:t>Clone Layer Aufbau</a:t>
+            </a:r>
+          </a:p>
+        </p:txBody>
+      </p:sp>
+      <p:pic>
+        <p:nvPicPr>
+          <p:cNvPr id="8202" name="Picture 10" descr="215 best 8bit images on Pinterest | Game design, Pixel art ...">
+            <a:extLst>
+              <a:ext uri="{FF2B5EF4-FFF2-40B4-BE49-F238E27FC236}">
+                <a16:creationId xmlns:a16="http://schemas.microsoft.com/office/drawing/2014/main" id="{F575AADA-9E39-4179-9807-C96DE42024C5}"/>
+              </a:ext>
+            </a:extLst>
+          </p:cNvPr>
+          <p:cNvPicPr>
+            <a:picLocks noChangeAspect="1" noChangeArrowheads="1"/>
+          </p:cNvPicPr>
+          <p:nvPr/>
+        </p:nvPicPr>
+        <p:blipFill>
+          <a:blip r:embed="rId5">
+            <a:extLst>
+              <a:ext uri="{28A0092B-C50C-407E-A947-70E740481C1C}">
+                <a14:useLocalDpi xmlns:a14="http://schemas.microsoft.com/office/drawing/2010/main" val="0"/>
+              </a:ext>
+            </a:extLst>
+          </a:blip>
+          <a:srcRect/>
+          <a:stretch>
+            <a:fillRect/>
+          </a:stretch>
+        </p:blipFill>
+        <p:spPr bwMode="auto">
+          <a:xfrm>
+            <a:off x="161112" y="121823"/>
+            <a:ext cx="487777" cy="487777"/>
+          </a:xfrm>
+          <a:prstGeom prst="rect">
+            <a:avLst/>
+          </a:prstGeom>
+          <a:noFill/>
+          <a:extLst>
+            <a:ext uri="{909E8E84-426E-40DD-AFC4-6F175D3DCCD1}">
+              <a14:hiddenFill xmlns:a14="http://schemas.microsoft.com/office/drawing/2010/main">
+                <a:solidFill>
+                  <a:srgbClr val="FFFFFF"/>
+                </a:solidFill>
+              </a14:hiddenFill>
+            </a:ext>
+          </a:extLst>
+        </p:spPr>
+      </p:pic>
     </p:spTree>
     <p:extLst>
       <p:ext uri="{BB962C8B-B14F-4D97-AF65-F5344CB8AC3E}">
-        <p14:creationId xmlns:p14="http://schemas.microsoft.com/office/powerpoint/2010/main" val="1124599273"/>
+        <p14:creationId xmlns:p14="http://schemas.microsoft.com/office/powerpoint/2010/main" val="2232308226"/>
       </p:ext>
     </p:extLst>
   </p:cSld>
@@ -9475,14 +13776,6 @@
 <file path=ppt/slides/slide15.xml><?xml version="1.0" encoding="utf-8"?>
 <p:sld xmlns:a="http://schemas.openxmlformats.org/drawingml/2006/main" xmlns:r="http://schemas.openxmlformats.org/officeDocument/2006/relationships" xmlns:p="http://schemas.openxmlformats.org/presentationml/2006/main">
   <p:cSld>
-    <p:bg>
-      <p:bgPr>
-        <a:solidFill>
-          <a:schemeClr val="bg2"/>
-        </a:solidFill>
-        <a:effectLst/>
-      </p:bgPr>
-    </p:bg>
     <p:spTree>
       <p:nvGrpSpPr>
         <p:cNvPr id="1" name=""/>
@@ -9588,13 +13881,14 @@
           <a:p>
             <a:pPr algn="ctr"/>
             <a:r>
-              <a:rPr lang="de-DE" sz="3200" dirty="0">
-                <a:solidFill>
-                  <a:schemeClr val="tx1"/>
-                </a:solidFill>
-              </a:rPr>
-              <a:t>Ausblick</a:t>
-            </a:r>
+              <a:rPr lang="de-DE" sz="3200" dirty="0"/>
+              <a:t>Aktueller Stand (3/3)</a:t>
+            </a:r>
+            <a:endParaRPr lang="de-DE" sz="3200" dirty="0">
+              <a:solidFill>
+                <a:schemeClr val="tx1"/>
+              </a:solidFill>
+            </a:endParaRPr>
           </a:p>
         </p:txBody>
       </p:sp>
@@ -9617,17 +13911,86 @@
         <p:spPr>
           <a:xfrm>
             <a:off x="818712" y="1610745"/>
-            <a:ext cx="10554574" cy="3636511"/>
+            <a:ext cx="5978713" cy="3636511"/>
           </a:xfrm>
           <a:effectLst/>
         </p:spPr>
         <p:txBody>
           <a:bodyPr anchor="ctr">
-            <a:normAutofit/>
+            <a:normAutofit lnSpcReduction="10000"/>
           </a:bodyPr>
           <a:lstStyle/>
           <a:p>
-            <a:endParaRPr lang="de-DE"/>
+            <a:r>
+              <a:rPr lang="de-DE" sz="2000" dirty="0" err="1"/>
+              <a:t>Gunplay</a:t>
+            </a:r>
+            <a:endParaRPr lang="de-DE" sz="2000" dirty="0"/>
+          </a:p>
+          <a:p>
+            <a:r>
+              <a:rPr lang="de-DE" sz="2000" dirty="0"/>
+              <a:t>Base Systems &amp; Managers</a:t>
+            </a:r>
+          </a:p>
+          <a:p>
+            <a:r>
+              <a:rPr lang="de-DE" sz="2000" dirty="0"/>
+              <a:t>Health- &amp; Oxygen-System</a:t>
+            </a:r>
+          </a:p>
+          <a:p>
+            <a:r>
+              <a:rPr lang="de-DE" sz="2000" dirty="0"/>
+              <a:t>In Arbeit: </a:t>
+            </a:r>
+          </a:p>
+          <a:p>
+            <a:pPr lvl="1"/>
+            <a:r>
+              <a:rPr lang="de-DE" sz="1800" dirty="0" err="1"/>
+              <a:t>Inventory</a:t>
+            </a:r>
+            <a:r>
+              <a:rPr lang="de-DE" sz="1800" dirty="0"/>
+              <a:t> System</a:t>
+            </a:r>
+          </a:p>
+          <a:p>
+            <a:pPr lvl="1"/>
+            <a:r>
+              <a:rPr lang="de-DE" sz="1800" dirty="0"/>
+              <a:t>(</a:t>
+            </a:r>
+            <a:r>
+              <a:rPr lang="de-DE" sz="1800" dirty="0" err="1"/>
+              <a:t>basic</a:t>
+            </a:r>
+            <a:r>
+              <a:rPr lang="de-DE" sz="1800" dirty="0"/>
+              <a:t>) AI</a:t>
+            </a:r>
+          </a:p>
+          <a:p>
+            <a:pPr lvl="1"/>
+            <a:r>
+              <a:rPr lang="de-DE" sz="1800" dirty="0"/>
+              <a:t>UI</a:t>
+            </a:r>
+          </a:p>
+          <a:p>
+            <a:pPr lvl="1"/>
+            <a:r>
+              <a:rPr lang="de-DE" sz="1800" dirty="0"/>
+              <a:t>Verbesserung der Assets</a:t>
+            </a:r>
+          </a:p>
+          <a:p>
+            <a:pPr lvl="1"/>
+            <a:r>
+              <a:rPr lang="de-DE" sz="1800" dirty="0"/>
+              <a:t>Verbesserung der Animation</a:t>
+            </a:r>
           </a:p>
         </p:txBody>
       </p:sp>
@@ -9831,7 +14194,7 @@
           <a:effectLst/>
           <a:extLst>
             <a:ext uri="{91240B29-F687-4f45-9708-019B960494DF}">
-              <a14:hiddenLine xmlns:a16="http://schemas.microsoft.com/office/drawing/2014/main" xmlns:p14="http://schemas.microsoft.com/office/powerpoint/2010/main" xmlns:a14="http://schemas.microsoft.com/office/drawing/2010/main" xmlns="" w="9525">
+              <a14:hiddenLine xmlns="" xmlns:a14="http://schemas.microsoft.com/office/drawing/2010/main" xmlns:p14="http://schemas.microsoft.com/office/powerpoint/2010/main" xmlns:a16="http://schemas.microsoft.com/office/drawing/2014/main" w="9525">
                 <a:solidFill>
                   <a:srgbClr val="000000"/>
                 </a:solidFill>
@@ -9857,6 +14220,634 @@
           </a:fontRef>
         </p:style>
       </p:sp>
+      <p:pic>
+        <p:nvPicPr>
+          <p:cNvPr id="6" name="Content Placeholder 4">
+            <a:extLst>
+              <a:ext uri="{FF2B5EF4-FFF2-40B4-BE49-F238E27FC236}">
+                <a16:creationId xmlns:a16="http://schemas.microsoft.com/office/drawing/2014/main" id="{9AEC71ED-2340-4A40-A988-7437A0B837C3}"/>
+              </a:ext>
+            </a:extLst>
+          </p:cNvPr>
+          <p:cNvPicPr>
+            <a:picLocks noChangeAspect="1"/>
+          </p:cNvPicPr>
+          <p:nvPr/>
+        </p:nvPicPr>
+        <p:blipFill>
+          <a:blip r:embed="rId3"/>
+          <a:stretch>
+            <a:fillRect/>
+          </a:stretch>
+        </p:blipFill>
+        <p:spPr>
+          <a:xfrm>
+            <a:off x="7147551" y="1949832"/>
+            <a:ext cx="4694323" cy="2969878"/>
+          </a:xfrm>
+          <a:prstGeom prst="roundRect">
+            <a:avLst>
+              <a:gd name="adj" fmla="val 3876"/>
+            </a:avLst>
+          </a:prstGeom>
+          <a:ln>
+            <a:solidFill>
+              <a:schemeClr val="accent1"/>
+            </a:solidFill>
+          </a:ln>
+          <a:effectLst/>
+        </p:spPr>
+      </p:pic>
+      <p:sp>
+        <p:nvSpPr>
+          <p:cNvPr id="2" name="TextBox 1">
+            <a:extLst>
+              <a:ext uri="{FF2B5EF4-FFF2-40B4-BE49-F238E27FC236}">
+                <a16:creationId xmlns:a16="http://schemas.microsoft.com/office/drawing/2014/main" id="{12A55A95-3337-4C42-A799-F1741E10B455}"/>
+              </a:ext>
+            </a:extLst>
+          </p:cNvPr>
+          <p:cNvSpPr txBox="1"/>
+          <p:nvPr/>
+        </p:nvSpPr>
+        <p:spPr>
+          <a:xfrm>
+            <a:off x="7147550" y="5019052"/>
+            <a:ext cx="4694323" cy="307777"/>
+          </a:xfrm>
+          <a:prstGeom prst="rect">
+            <a:avLst/>
+          </a:prstGeom>
+          <a:noFill/>
+        </p:spPr>
+        <p:txBody>
+          <a:bodyPr wrap="square" rtlCol="0">
+            <a:spAutoFit/>
+          </a:bodyPr>
+          <a:lstStyle/>
+          <a:p>
+            <a:pPr algn="ctr"/>
+            <a:r>
+              <a:rPr lang="de-DE" sz="1400" dirty="0"/>
+              <a:t>Player: Walking Animation</a:t>
+            </a:r>
+          </a:p>
+        </p:txBody>
+      </p:sp>
+    </p:spTree>
+    <p:extLst>
+      <p:ext uri="{BB962C8B-B14F-4D97-AF65-F5344CB8AC3E}">
+        <p14:creationId xmlns:p14="http://schemas.microsoft.com/office/powerpoint/2010/main" val="1047969736"/>
+      </p:ext>
+    </p:extLst>
+  </p:cSld>
+  <p:clrMapOvr>
+    <a:masterClrMapping/>
+  </p:clrMapOvr>
+  <p:transition spd="slow">
+    <p:push dir="u"/>
+  </p:transition>
+</p:sld>
+</file>
+
+<file path=ppt/slides/slide16.xml><?xml version="1.0" encoding="utf-8"?>
+<p:sld xmlns:a="http://schemas.openxmlformats.org/drawingml/2006/main" xmlns:r="http://schemas.openxmlformats.org/officeDocument/2006/relationships" xmlns:p="http://schemas.openxmlformats.org/presentationml/2006/main">
+  <p:cSld>
+    <p:spTree>
+      <p:nvGrpSpPr>
+        <p:cNvPr id="1" name=""/>
+        <p:cNvGrpSpPr/>
+        <p:nvPr/>
+      </p:nvGrpSpPr>
+      <p:grpSpPr>
+        <a:xfrm>
+          <a:off x="0" y="0"/>
+          <a:ext cx="0" cy="0"/>
+          <a:chOff x="0" y="0"/>
+          <a:chExt cx="0" cy="0"/>
+        </a:xfrm>
+      </p:grpSpPr>
+      <p:sp>
+        <p:nvSpPr>
+          <p:cNvPr id="2" name="Title 1">
+            <a:extLst>
+              <a:ext uri="{FF2B5EF4-FFF2-40B4-BE49-F238E27FC236}">
+                <a16:creationId xmlns:a16="http://schemas.microsoft.com/office/drawing/2014/main" id="{63961263-0C5D-4977-977D-B724D01AF89F}"/>
+              </a:ext>
+            </a:extLst>
+          </p:cNvPr>
+          <p:cNvSpPr>
+            <a:spLocks noGrp="1"/>
+          </p:cNvSpPr>
+          <p:nvPr>
+            <p:ph type="title"/>
+          </p:nvPr>
+        </p:nvSpPr>
+        <p:spPr/>
+        <p:txBody>
+          <a:bodyPr/>
+          <a:lstStyle/>
+          <a:p>
+            <a:r>
+              <a:rPr lang="de-DE" dirty="0"/>
+              <a:t>Ausblick</a:t>
+            </a:r>
+          </a:p>
+        </p:txBody>
+      </p:sp>
+      <p:sp>
+        <p:nvSpPr>
+          <p:cNvPr id="3" name="Text Placeholder 2">
+            <a:extLst>
+              <a:ext uri="{FF2B5EF4-FFF2-40B4-BE49-F238E27FC236}">
+                <a16:creationId xmlns:a16="http://schemas.microsoft.com/office/drawing/2014/main" id="{80680AAD-BACE-4C8B-844E-31FA43DAF718}"/>
+              </a:ext>
+            </a:extLst>
+          </p:cNvPr>
+          <p:cNvSpPr>
+            <a:spLocks noGrp="1"/>
+          </p:cNvSpPr>
+          <p:nvPr>
+            <p:ph type="body" idx="1"/>
+          </p:nvPr>
+        </p:nvSpPr>
+        <p:spPr/>
+        <p:txBody>
+          <a:bodyPr/>
+          <a:lstStyle/>
+          <a:p>
+            <a:endParaRPr lang="de-DE"/>
+          </a:p>
+        </p:txBody>
+      </p:sp>
+    </p:spTree>
+    <p:extLst>
+      <p:ext uri="{BB962C8B-B14F-4D97-AF65-F5344CB8AC3E}">
+        <p14:creationId xmlns:p14="http://schemas.microsoft.com/office/powerpoint/2010/main" val="1124599273"/>
+      </p:ext>
+    </p:extLst>
+  </p:cSld>
+  <p:clrMapOvr>
+    <a:masterClrMapping/>
+  </p:clrMapOvr>
+  <p:transition spd="slow">
+    <p:push dir="u"/>
+  </p:transition>
+</p:sld>
+</file>
+
+<file path=ppt/slides/slide17.xml><?xml version="1.0" encoding="utf-8"?>
+<p:sld xmlns:a="http://schemas.openxmlformats.org/drawingml/2006/main" xmlns:r="http://schemas.openxmlformats.org/officeDocument/2006/relationships" xmlns:p="http://schemas.openxmlformats.org/presentationml/2006/main">
+  <p:cSld>
+    <p:spTree>
+      <p:nvGrpSpPr>
+        <p:cNvPr id="1" name=""/>
+        <p:cNvGrpSpPr/>
+        <p:nvPr/>
+      </p:nvGrpSpPr>
+      <p:grpSpPr>
+        <a:xfrm>
+          <a:off x="0" y="0"/>
+          <a:ext cx="0" cy="0"/>
+          <a:chOff x="0" y="0"/>
+          <a:chExt cx="0" cy="0"/>
+        </a:xfrm>
+      </p:grpSpPr>
+      <p:sp useBgFill="1">
+        <p:nvSpPr>
+          <p:cNvPr id="16" name="Rectangle 9">
+            <a:extLst>
+              <a:ext uri="{FF2B5EF4-FFF2-40B4-BE49-F238E27FC236}">
+                <a16:creationId xmlns:a16="http://schemas.microsoft.com/office/drawing/2014/main" id="{874F1482-69C3-47D5-95FE-67C0FA2DF8B0}"/>
+              </a:ext>
+              <a:ext uri="{C183D7F6-B498-43B3-948B-1728B52AA6E4}">
+                <adec:decorative xmlns:adec="http://schemas.microsoft.com/office/drawing/2017/decorative" val="1"/>
+              </a:ext>
+            </a:extLst>
+          </p:cNvPr>
+          <p:cNvSpPr>
+            <a:spLocks noGrp="1" noRot="1" noChangeAspect="1" noMove="1" noResize="1" noEditPoints="1" noAdjustHandles="1" noChangeArrowheads="1" noChangeShapeType="1" noTextEdit="1"/>
+          </p:cNvSpPr>
+          <p:nvPr>
+            <p:extLst>
+              <p:ext uri="{386F3935-93C4-4BCD-93E2-E3B085C9AB24}">
+                <p16:designElem xmlns:p16="http://schemas.microsoft.com/office/powerpoint/2015/main" val="1"/>
+              </p:ext>
+            </p:extLst>
+          </p:nvPr>
+        </p:nvSpPr>
+        <p:spPr>
+          <a:xfrm>
+            <a:off x="0" y="0"/>
+            <a:ext cx="12192000" cy="6858000"/>
+          </a:xfrm>
+          <a:prstGeom prst="rect">
+            <a:avLst/>
+          </a:prstGeom>
+          <a:ln>
+            <a:noFill/>
+          </a:ln>
+        </p:spPr>
+        <p:style>
+          <a:lnRef idx="2">
+            <a:schemeClr val="accent1">
+              <a:shade val="50000"/>
+            </a:schemeClr>
+          </a:lnRef>
+          <a:fillRef idx="1">
+            <a:schemeClr val="accent1"/>
+          </a:fillRef>
+          <a:effectRef idx="0">
+            <a:schemeClr val="accent1"/>
+          </a:effectRef>
+          <a:fontRef idx="minor">
+            <a:schemeClr val="lt1"/>
+          </a:fontRef>
+        </p:style>
+        <p:txBody>
+          <a:bodyPr rtlCol="0" anchor="ctr"/>
+          <a:lstStyle/>
+          <a:p>
+            <a:pPr algn="ctr"/>
+            <a:endParaRPr lang="en-US"/>
+          </a:p>
+        </p:txBody>
+      </p:sp>
+      <p:sp>
+        <p:nvSpPr>
+          <p:cNvPr id="4" name="Title 3">
+            <a:extLst>
+              <a:ext uri="{FF2B5EF4-FFF2-40B4-BE49-F238E27FC236}">
+                <a16:creationId xmlns:a16="http://schemas.microsoft.com/office/drawing/2014/main" id="{E0824251-EF05-4F59-9539-9DC0ED6A4F29}"/>
+              </a:ext>
+            </a:extLst>
+          </p:cNvPr>
+          <p:cNvSpPr>
+            <a:spLocks noGrp="1"/>
+          </p:cNvSpPr>
+          <p:nvPr>
+            <p:ph type="title"/>
+          </p:nvPr>
+        </p:nvSpPr>
+        <p:spPr>
+          <a:xfrm>
+            <a:off x="810000" y="447188"/>
+            <a:ext cx="10571998" cy="970450"/>
+          </a:xfrm>
+          <a:effectLst/>
+        </p:spPr>
+        <p:txBody>
+          <a:bodyPr anchor="ctr">
+            <a:normAutofit/>
+          </a:bodyPr>
+          <a:lstStyle/>
+          <a:p>
+            <a:pPr algn="ctr"/>
+            <a:r>
+              <a:rPr lang="de-DE" sz="3200" dirty="0">
+                <a:solidFill>
+                  <a:schemeClr val="tx1"/>
+                </a:solidFill>
+              </a:rPr>
+              <a:t>Ausblick</a:t>
+            </a:r>
+          </a:p>
+        </p:txBody>
+      </p:sp>
+      <p:sp>
+        <p:nvSpPr>
+          <p:cNvPr id="5" name="Content Placeholder 4">
+            <a:extLst>
+              <a:ext uri="{FF2B5EF4-FFF2-40B4-BE49-F238E27FC236}">
+                <a16:creationId xmlns:a16="http://schemas.microsoft.com/office/drawing/2014/main" id="{A8476903-2D16-4996-B4DD-5692A226618E}"/>
+              </a:ext>
+            </a:extLst>
+          </p:cNvPr>
+          <p:cNvSpPr>
+            <a:spLocks noGrp="1"/>
+          </p:cNvSpPr>
+          <p:nvPr>
+            <p:ph idx="1"/>
+          </p:nvPr>
+        </p:nvSpPr>
+        <p:spPr>
+          <a:xfrm>
+            <a:off x="818712" y="1610745"/>
+            <a:ext cx="10554574" cy="3636511"/>
+          </a:xfrm>
+          <a:effectLst/>
+        </p:spPr>
+        <p:txBody>
+          <a:bodyPr anchor="ctr">
+            <a:normAutofit/>
+          </a:bodyPr>
+          <a:lstStyle/>
+          <a:p>
+            <a:r>
+              <a:rPr lang="de-DE" dirty="0"/>
+              <a:t>Prolog / Vertical Slice</a:t>
+            </a:r>
+          </a:p>
+          <a:p>
+            <a:r>
+              <a:rPr lang="de-DE" dirty="0"/>
+              <a:t>Puzzle &amp; Level Design</a:t>
+            </a:r>
+          </a:p>
+          <a:p>
+            <a:r>
+              <a:rPr lang="de-DE" dirty="0"/>
+              <a:t>Time Travel</a:t>
+            </a:r>
+          </a:p>
+          <a:p>
+            <a:r>
+              <a:rPr lang="de-DE" dirty="0"/>
+              <a:t>Sound</a:t>
+            </a:r>
+          </a:p>
+        </p:txBody>
+      </p:sp>
+      <p:sp>
+        <p:nvSpPr>
+          <p:cNvPr id="17" name="Freeform: Shape 11">
+            <a:extLst>
+              <a:ext uri="{FF2B5EF4-FFF2-40B4-BE49-F238E27FC236}">
+                <a16:creationId xmlns:a16="http://schemas.microsoft.com/office/drawing/2014/main" id="{41CA5367-149E-428C-B4D8-C1ECC9EAF739}"/>
+              </a:ext>
+              <a:ext uri="{C183D7F6-B498-43B3-948B-1728B52AA6E4}">
+                <adec:decorative xmlns:adec="http://schemas.microsoft.com/office/drawing/2017/decorative" val="1"/>
+              </a:ext>
+            </a:extLst>
+          </p:cNvPr>
+          <p:cNvSpPr>
+            <a:spLocks noGrp="1" noRot="1" noChangeAspect="1" noMove="1" noResize="1" noEditPoints="1" noAdjustHandles="1" noChangeArrowheads="1" noChangeShapeType="1" noTextEdit="1"/>
+          </p:cNvSpPr>
+          <p:nvPr>
+            <p:extLst>
+              <p:ext uri="{386F3935-93C4-4BCD-93E2-E3B085C9AB24}">
+                <p16:designElem xmlns:p16="http://schemas.microsoft.com/office/powerpoint/2015/main" val="1"/>
+              </p:ext>
+            </p:extLst>
+          </p:nvPr>
+        </p:nvSpPr>
+        <p:spPr bwMode="auto">
+          <a:xfrm rot="10800000">
+            <a:off x="0" y="5388384"/>
+            <a:ext cx="12192000" cy="1469616"/>
+          </a:xfrm>
+          <a:custGeom>
+            <a:avLst/>
+            <a:gdLst>
+              <a:gd name="connsiteX0" fmla="*/ 6113881 w 12192000"/>
+              <a:gd name="connsiteY0" fmla="*/ 1469616 h 1469616"/>
+              <a:gd name="connsiteX1" fmla="*/ 6101181 w 12192000"/>
+              <a:gd name="connsiteY1" fmla="*/ 1469616 h 1469616"/>
+              <a:gd name="connsiteX2" fmla="*/ 6090598 w 12192000"/>
+              <a:gd name="connsiteY2" fmla="*/ 1469616 h 1469616"/>
+              <a:gd name="connsiteX3" fmla="*/ 6077897 w 12192000"/>
+              <a:gd name="connsiteY3" fmla="*/ 1464854 h 1469616"/>
+              <a:gd name="connsiteX4" fmla="*/ 6065198 w 12192000"/>
+              <a:gd name="connsiteY4" fmla="*/ 1460091 h 1469616"/>
+              <a:gd name="connsiteX5" fmla="*/ 6056731 w 12192000"/>
+              <a:gd name="connsiteY5" fmla="*/ 1456916 h 1469616"/>
+              <a:gd name="connsiteX6" fmla="*/ 5678033 w 12192000"/>
+              <a:gd name="connsiteY6" fmla="*/ 1172892 h 1469616"/>
+              <a:gd name="connsiteX7" fmla="*/ 0 w 12192000"/>
+              <a:gd name="connsiteY7" fmla="*/ 1172892 h 1469616"/>
+              <a:gd name="connsiteX8" fmla="*/ 0 w 12192000"/>
+              <a:gd name="connsiteY8" fmla="*/ 1162370 h 1469616"/>
+              <a:gd name="connsiteX9" fmla="*/ 0 w 12192000"/>
+              <a:gd name="connsiteY9" fmla="*/ 403347 h 1469616"/>
+              <a:gd name="connsiteX10" fmla="*/ 0 w 12192000"/>
+              <a:gd name="connsiteY10" fmla="*/ 0 h 1469616"/>
+              <a:gd name="connsiteX11" fmla="*/ 12192000 w 12192000"/>
+              <a:gd name="connsiteY11" fmla="*/ 0 h 1469616"/>
+              <a:gd name="connsiteX12" fmla="*/ 12192000 w 12192000"/>
+              <a:gd name="connsiteY12" fmla="*/ 403347 h 1469616"/>
+              <a:gd name="connsiteX13" fmla="*/ 12192000 w 12192000"/>
+              <a:gd name="connsiteY13" fmla="*/ 1162370 h 1469616"/>
+              <a:gd name="connsiteX14" fmla="*/ 12192000 w 12192000"/>
+              <a:gd name="connsiteY14" fmla="*/ 1172892 h 1469616"/>
+              <a:gd name="connsiteX15" fmla="*/ 6524330 w 12192000"/>
+              <a:gd name="connsiteY15" fmla="*/ 1172892 h 1469616"/>
+              <a:gd name="connsiteX16" fmla="*/ 6145631 w 12192000"/>
+              <a:gd name="connsiteY16" fmla="*/ 1456916 h 1469616"/>
+              <a:gd name="connsiteX17" fmla="*/ 6137163 w 12192000"/>
+              <a:gd name="connsiteY17" fmla="*/ 1460091 h 1469616"/>
+              <a:gd name="connsiteX18" fmla="*/ 6124463 w 12192000"/>
+              <a:gd name="connsiteY18" fmla="*/ 1464854 h 1469616"/>
+            </a:gdLst>
+            <a:ahLst/>
+            <a:cxnLst>
+              <a:cxn ang="0">
+                <a:pos x="connsiteX0" y="connsiteY0"/>
+              </a:cxn>
+              <a:cxn ang="0">
+                <a:pos x="connsiteX1" y="connsiteY1"/>
+              </a:cxn>
+              <a:cxn ang="0">
+                <a:pos x="connsiteX2" y="connsiteY2"/>
+              </a:cxn>
+              <a:cxn ang="0">
+                <a:pos x="connsiteX3" y="connsiteY3"/>
+              </a:cxn>
+              <a:cxn ang="0">
+                <a:pos x="connsiteX4" y="connsiteY4"/>
+              </a:cxn>
+              <a:cxn ang="0">
+                <a:pos x="connsiteX5" y="connsiteY5"/>
+              </a:cxn>
+              <a:cxn ang="0">
+                <a:pos x="connsiteX6" y="connsiteY6"/>
+              </a:cxn>
+              <a:cxn ang="0">
+                <a:pos x="connsiteX7" y="connsiteY7"/>
+              </a:cxn>
+              <a:cxn ang="0">
+                <a:pos x="connsiteX8" y="connsiteY8"/>
+              </a:cxn>
+              <a:cxn ang="0">
+                <a:pos x="connsiteX9" y="connsiteY9"/>
+              </a:cxn>
+              <a:cxn ang="0">
+                <a:pos x="connsiteX10" y="connsiteY10"/>
+              </a:cxn>
+              <a:cxn ang="0">
+                <a:pos x="connsiteX11" y="connsiteY11"/>
+              </a:cxn>
+              <a:cxn ang="0">
+                <a:pos x="connsiteX12" y="connsiteY12"/>
+              </a:cxn>
+              <a:cxn ang="0">
+                <a:pos x="connsiteX13" y="connsiteY13"/>
+              </a:cxn>
+              <a:cxn ang="0">
+                <a:pos x="connsiteX14" y="connsiteY14"/>
+              </a:cxn>
+              <a:cxn ang="0">
+                <a:pos x="connsiteX15" y="connsiteY15"/>
+              </a:cxn>
+              <a:cxn ang="0">
+                <a:pos x="connsiteX16" y="connsiteY16"/>
+              </a:cxn>
+              <a:cxn ang="0">
+                <a:pos x="connsiteX17" y="connsiteY17"/>
+              </a:cxn>
+              <a:cxn ang="0">
+                <a:pos x="connsiteX18" y="connsiteY18"/>
+              </a:cxn>
+            </a:cxnLst>
+            <a:rect l="l" t="t" r="r" b="b"/>
+            <a:pathLst>
+              <a:path w="12192000" h="1469616">
+                <a:moveTo>
+                  <a:pt x="6113881" y="1469616"/>
+                </a:moveTo>
+                <a:lnTo>
+                  <a:pt x="6101181" y="1469616"/>
+                </a:lnTo>
+                <a:lnTo>
+                  <a:pt x="6090598" y="1469616"/>
+                </a:lnTo>
+                <a:lnTo>
+                  <a:pt x="6077897" y="1464854"/>
+                </a:lnTo>
+                <a:lnTo>
+                  <a:pt x="6065198" y="1460091"/>
+                </a:lnTo>
+                <a:lnTo>
+                  <a:pt x="6056731" y="1456916"/>
+                </a:lnTo>
+                <a:lnTo>
+                  <a:pt x="5678033" y="1172892"/>
+                </a:lnTo>
+                <a:lnTo>
+                  <a:pt x="0" y="1172892"/>
+                </a:lnTo>
+                <a:lnTo>
+                  <a:pt x="0" y="1162370"/>
+                </a:lnTo>
+                <a:lnTo>
+                  <a:pt x="0" y="403347"/>
+                </a:lnTo>
+                <a:lnTo>
+                  <a:pt x="0" y="0"/>
+                </a:lnTo>
+                <a:lnTo>
+                  <a:pt x="12192000" y="0"/>
+                </a:lnTo>
+                <a:lnTo>
+                  <a:pt x="12192000" y="403347"/>
+                </a:lnTo>
+                <a:lnTo>
+                  <a:pt x="12192000" y="1162370"/>
+                </a:lnTo>
+                <a:lnTo>
+                  <a:pt x="12192000" y="1172892"/>
+                </a:lnTo>
+                <a:lnTo>
+                  <a:pt x="6524330" y="1172892"/>
+                </a:lnTo>
+                <a:lnTo>
+                  <a:pt x="6145631" y="1456916"/>
+                </a:lnTo>
+                <a:lnTo>
+                  <a:pt x="6137163" y="1460091"/>
+                </a:lnTo>
+                <a:lnTo>
+                  <a:pt x="6124463" y="1464854"/>
+                </a:lnTo>
+                <a:close/>
+              </a:path>
+            </a:pathLst>
+          </a:custGeom>
+          <a:ln>
+            <a:noFill/>
+          </a:ln>
+          <a:effectLst/>
+          <a:extLst>
+            <a:ext uri="{91240B29-F687-4f45-9708-019B960494DF}">
+              <a14:hiddenLine xmlns="" xmlns:a14="http://schemas.microsoft.com/office/drawing/2010/main" xmlns:p14="http://schemas.microsoft.com/office/powerpoint/2010/main" xmlns:a16="http://schemas.microsoft.com/office/drawing/2014/main" w="9525">
+                <a:solidFill>
+                  <a:srgbClr val="000000"/>
+                </a:solidFill>
+                <a:round/>
+                <a:headEnd/>
+                <a:tailEnd/>
+              </a14:hiddenLine>
+            </a:ext>
+          </a:extLst>
+        </p:spPr>
+        <p:style>
+          <a:lnRef idx="1">
+            <a:schemeClr val="accent1"/>
+          </a:lnRef>
+          <a:fillRef idx="3">
+            <a:schemeClr val="accent1"/>
+          </a:fillRef>
+          <a:effectRef idx="2">
+            <a:schemeClr val="accent1"/>
+          </a:effectRef>
+          <a:fontRef idx="minor">
+            <a:schemeClr val="lt1"/>
+          </a:fontRef>
+        </p:style>
+      </p:sp>
+      <p:pic>
+        <p:nvPicPr>
+          <p:cNvPr id="6" name="Picture 6" descr="https://cdn.discordapp.com/attachments/562760624409673748/576112421303746571/zombie.png">
+            <a:extLst>
+              <a:ext uri="{FF2B5EF4-FFF2-40B4-BE49-F238E27FC236}">
+                <a16:creationId xmlns:a16="http://schemas.microsoft.com/office/drawing/2014/main" id="{C7BE4B00-29F8-48F1-A05F-C0BE2C98C51E}"/>
+              </a:ext>
+            </a:extLst>
+          </p:cNvPr>
+          <p:cNvPicPr>
+            <a:picLocks noChangeAspect="1" noChangeArrowheads="1"/>
+          </p:cNvPicPr>
+          <p:nvPr/>
+        </p:nvPicPr>
+        <p:blipFill>
+          <a:blip r:embed="rId2">
+            <a:extLst>
+              <a:ext uri="{28A0092B-C50C-407E-A947-70E740481C1C}">
+                <a14:useLocalDpi xmlns:a14="http://schemas.microsoft.com/office/drawing/2010/main" val="0"/>
+              </a:ext>
+            </a:extLst>
+          </a:blip>
+          <a:stretch>
+            <a:fillRect/>
+          </a:stretch>
+        </p:blipFill>
+        <p:spPr bwMode="auto">
+          <a:xfrm>
+            <a:off x="8223506" y="1469617"/>
+            <a:ext cx="2034694" cy="3716338"/>
+          </a:xfrm>
+          <a:prstGeom prst="roundRect">
+            <a:avLst>
+              <a:gd name="adj" fmla="val 3876"/>
+            </a:avLst>
+          </a:prstGeom>
+          <a:noFill/>
+          <a:ln>
+            <a:solidFill>
+              <a:schemeClr val="accent1"/>
+            </a:solidFill>
+          </a:ln>
+          <a:effectLst/>
+          <a:extLst>
+            <a:ext uri="{909E8E84-426E-40DD-AFC4-6F175D3DCCD1}">
+              <a14:hiddenFill xmlns:a14="http://schemas.microsoft.com/office/drawing/2010/main">
+                <a:solidFill>
+                  <a:srgbClr val="FFFFFF"/>
+                </a:solidFill>
+              </a14:hiddenFill>
+            </a:ext>
+          </a:extLst>
+        </p:spPr>
+      </p:pic>
     </p:spTree>
     <p:extLst>
       <p:ext uri="{BB962C8B-B14F-4D97-AF65-F5344CB8AC3E}">
@@ -9873,7 +14864,7 @@
 </p:sld>
 </file>
 
-<file path=ppt/slides/slide16.xml><?xml version="1.0" encoding="utf-8"?>
+<file path=ppt/slides/slide18.xml><?xml version="1.0" encoding="utf-8"?>
 <p:sld xmlns:a="http://schemas.openxmlformats.org/drawingml/2006/main" xmlns:r="http://schemas.openxmlformats.org/officeDocument/2006/relationships" xmlns:p="http://schemas.openxmlformats.org/presentationml/2006/main">
   <p:cSld>
     <p:spTree>
@@ -10285,14 +15276,6 @@
 <file path=ppt/slides/slide3.xml><?xml version="1.0" encoding="utf-8"?>
 <p:sld xmlns:a="http://schemas.openxmlformats.org/drawingml/2006/main" xmlns:r="http://schemas.openxmlformats.org/officeDocument/2006/relationships" xmlns:p="http://schemas.openxmlformats.org/presentationml/2006/main">
   <p:cSld>
-    <p:bg>
-      <p:bgPr>
-        <a:solidFill>
-          <a:schemeClr val="bg2"/>
-        </a:solidFill>
-        <a:effectLst/>
-      </p:bgPr>
-    </p:bg>
     <p:spTree>
       <p:nvGrpSpPr>
         <p:cNvPr id="1" name=""/>
@@ -10443,10 +15426,9 @@
           <a:lstStyle/>
           <a:p>
             <a:r>
-              <a:rPr lang="de-DE" dirty="0" err="1"/>
-              <a:t>Grundkozept</a:t>
-            </a:r>
-            <a:endParaRPr lang="de-DE" dirty="0"/>
+              <a:rPr lang="de-DE" dirty="0"/>
+              <a:t>Grundkonzept</a:t>
+            </a:r>
           </a:p>
           <a:p>
             <a:r>
@@ -10682,7 +15664,7 @@
           <a:effectLst/>
           <a:extLst>
             <a:ext uri="{91240B29-F687-4f45-9708-019B960494DF}">
-              <a14:hiddenLine xmlns:a16="http://schemas.microsoft.com/office/drawing/2014/main" xmlns:p14="http://schemas.microsoft.com/office/powerpoint/2010/main" xmlns:a14="http://schemas.microsoft.com/office/drawing/2010/main" xmlns="" w="9525">
+              <a14:hiddenLine xmlns="" xmlns:a14="http://schemas.microsoft.com/office/drawing/2010/main" xmlns:p14="http://schemas.microsoft.com/office/powerpoint/2010/main" xmlns:a16="http://schemas.microsoft.com/office/drawing/2014/main" w="9525">
                 <a:solidFill>
                   <a:srgbClr val="000000"/>
                 </a:solidFill>
@@ -10816,7 +15798,7 @@
     <p:bg>
       <p:bgPr>
         <a:solidFill>
-          <a:schemeClr val="bg2"/>
+          <a:srgbClr val="212121"/>
         </a:solidFill>
         <a:effectLst/>
       </p:bgPr>
@@ -10837,10 +15819,10 @@
       </p:grpSpPr>
       <p:sp useBgFill="1">
         <p:nvSpPr>
-          <p:cNvPr id="10" name="Rectangle 9">
+          <p:cNvPr id="17" name="Rectangle 16">
             <a:extLst>
               <a:ext uri="{FF2B5EF4-FFF2-40B4-BE49-F238E27FC236}">
-                <a16:creationId xmlns:a16="http://schemas.microsoft.com/office/drawing/2014/main" id="{874F1482-69C3-47D5-95FE-67C0FA2DF8B0}"/>
+                <a16:creationId xmlns:a16="http://schemas.microsoft.com/office/drawing/2014/main" id="{5940F547-7206-4401-94FB-F8421915D8B8}"/>
               </a:ext>
               <a:ext uri="{C183D7F6-B498-43B3-948B-1728B52AA6E4}">
                 <adec:decorative xmlns:adec="http://schemas.microsoft.com/office/drawing/2017/decorative" val="1"/>
@@ -10895,6 +15877,38 @@
           </a:p>
         </p:txBody>
       </p:sp>
+      <p:pic>
+        <p:nvPicPr>
+          <p:cNvPr id="11" name="Picture 10" descr="A picture containing headdress&#10;&#10;Description automatically generated">
+            <a:extLst>
+              <a:ext uri="{FF2B5EF4-FFF2-40B4-BE49-F238E27FC236}">
+                <a16:creationId xmlns:a16="http://schemas.microsoft.com/office/drawing/2014/main" id="{ECA2219D-79C7-4EF6-B58A-C736C30879EB}"/>
+              </a:ext>
+            </a:extLst>
+          </p:cNvPr>
+          <p:cNvPicPr>
+            <a:picLocks noChangeAspect="1"/>
+          </p:cNvPicPr>
+          <p:nvPr/>
+        </p:nvPicPr>
+        <p:blipFill rotWithShape="1">
+          <a:blip r:embed="rId2">
+            <a:alphaModFix amt="40000"/>
+            <a:extLst/>
+          </a:blip>
+          <a:srcRect t="37490" b="6260"/>
+          <a:stretch/>
+        </p:blipFill>
+        <p:spPr>
+          <a:xfrm>
+            <a:off x="20" y="10"/>
+            <a:ext cx="12191980" cy="6857990"/>
+          </a:xfrm>
+          <a:prstGeom prst="rect">
+            <a:avLst/>
+          </a:prstGeom>
+        </p:spPr>
+      </p:pic>
       <p:sp>
         <p:nvSpPr>
           <p:cNvPr id="4" name="Title 3">
@@ -10916,21 +15930,15 @@
             <a:off x="810000" y="447188"/>
             <a:ext cx="10571998" cy="970450"/>
           </a:xfrm>
-          <a:effectLst/>
         </p:spPr>
         <p:txBody>
-          <a:bodyPr anchor="ctr">
+          <a:bodyPr>
             <a:normAutofit/>
           </a:bodyPr>
           <a:lstStyle/>
           <a:p>
-            <a:pPr algn="ctr"/>
-            <a:r>
-              <a:rPr lang="de-DE" sz="3200" dirty="0">
-                <a:solidFill>
-                  <a:schemeClr val="tx1"/>
-                </a:solidFill>
-              </a:rPr>
+            <a:r>
+              <a:rPr lang="de-DE" dirty="0"/>
               <a:t>Grundkonzept</a:t>
             </a:r>
           </a:p>
@@ -10954,246 +15962,166 @@
         </p:nvSpPr>
         <p:spPr>
           <a:xfrm>
-            <a:off x="818712" y="1610745"/>
+            <a:off x="818712" y="2222287"/>
             <a:ext cx="10554574" cy="3636511"/>
           </a:xfrm>
-          <a:effectLst/>
         </p:spPr>
         <p:txBody>
-          <a:bodyPr anchor="ctr">
+          <a:bodyPr>
             <a:normAutofit/>
           </a:bodyPr>
           <a:lstStyle/>
           <a:p>
-            <a:endParaRPr lang="de-DE"/>
+            <a:r>
+              <a:rPr lang="de-DE" dirty="0" err="1">
+                <a:effectLst>
+                  <a:glow rad="127000">
+                    <a:srgbClr val="212121">
+                      <a:alpha val="60000"/>
+                    </a:srgbClr>
+                  </a:glow>
+                  <a:outerShdw blurRad="38100" dist="38100" dir="2700000" algn="tl">
+                    <a:srgbClr val="000000">
+                      <a:alpha val="43137"/>
+                    </a:srgbClr>
+                  </a:outerShdw>
+                </a:effectLst>
+              </a:rPr>
+              <a:t>Storybasiertes</a:t>
+            </a:r>
+            <a:r>
+              <a:rPr lang="de-DE" dirty="0">
+                <a:effectLst>
+                  <a:glow rad="127000">
+                    <a:srgbClr val="212121">
+                      <a:alpha val="60000"/>
+                    </a:srgbClr>
+                  </a:glow>
+                  <a:outerShdw blurRad="38100" dist="38100" dir="2700000" algn="tl">
+                    <a:srgbClr val="000000">
+                      <a:alpha val="43137"/>
+                    </a:srgbClr>
+                  </a:outerShdw>
+                </a:effectLst>
+              </a:rPr>
+              <a:t> Survivalspiel</a:t>
+            </a:r>
+          </a:p>
+          <a:p>
+            <a:r>
+              <a:rPr lang="de-DE" dirty="0">
+                <a:effectLst>
+                  <a:glow rad="127000">
+                    <a:srgbClr val="212121">
+                      <a:alpha val="60000"/>
+                    </a:srgbClr>
+                  </a:glow>
+                  <a:outerShdw blurRad="38100" dist="38100" dir="2700000" algn="tl">
+                    <a:srgbClr val="000000">
+                      <a:alpha val="43137"/>
+                    </a:srgbClr>
+                  </a:outerShdw>
+                </a:effectLst>
+              </a:rPr>
+              <a:t>Singleplayer</a:t>
+            </a:r>
+          </a:p>
+          <a:p>
+            <a:r>
+              <a:rPr lang="de-DE" dirty="0">
+                <a:effectLst>
+                  <a:glow rad="127000">
+                    <a:srgbClr val="212121">
+                      <a:alpha val="60000"/>
+                    </a:srgbClr>
+                  </a:glow>
+                  <a:outerShdw blurRad="38100" dist="38100" dir="2700000" algn="tl">
+                    <a:srgbClr val="000000">
+                      <a:alpha val="43137"/>
+                    </a:srgbClr>
+                  </a:outerShdw>
+                </a:effectLst>
+              </a:rPr>
+              <a:t>Apokalypse</a:t>
+            </a:r>
+          </a:p>
+          <a:p>
+            <a:r>
+              <a:rPr lang="de-DE" dirty="0">
+                <a:effectLst>
+                  <a:glow rad="127000">
+                    <a:srgbClr val="212121">
+                      <a:alpha val="60000"/>
+                    </a:srgbClr>
+                  </a:glow>
+                  <a:outerShdw blurRad="38100" dist="38100" dir="2700000" algn="tl">
+                    <a:srgbClr val="000000">
+                      <a:alpha val="43137"/>
+                    </a:srgbClr>
+                  </a:outerShdw>
+                </a:effectLst>
+              </a:rPr>
+              <a:t>Zeitreise</a:t>
+            </a:r>
+          </a:p>
+          <a:p>
+            <a:r>
+              <a:rPr lang="de-DE" dirty="0">
+                <a:effectLst>
+                  <a:glow rad="127000">
+                    <a:srgbClr val="212121">
+                      <a:alpha val="60000"/>
+                    </a:srgbClr>
+                  </a:glow>
+                  <a:outerShdw blurRad="38100" dist="38100" dir="2700000" algn="tl">
+                    <a:srgbClr val="000000">
+                      <a:alpha val="43137"/>
+                    </a:srgbClr>
+                  </a:outerShdw>
+                </a:effectLst>
+              </a:rPr>
+              <a:t>Rätsel lösen</a:t>
+            </a:r>
+          </a:p>
+          <a:p>
+            <a:r>
+              <a:rPr lang="de-DE" dirty="0">
+                <a:effectLst>
+                  <a:glow rad="127000">
+                    <a:srgbClr val="212121">
+                      <a:alpha val="60000"/>
+                    </a:srgbClr>
+                  </a:glow>
+                  <a:outerShdw blurRad="38100" dist="38100" dir="2700000" algn="tl">
+                    <a:srgbClr val="000000">
+                      <a:alpha val="43137"/>
+                    </a:srgbClr>
+                  </a:outerShdw>
+                </a:effectLst>
+              </a:rPr>
+              <a:t>Zombies bekämpfen</a:t>
+            </a:r>
+          </a:p>
+          <a:p>
+            <a:r>
+              <a:rPr lang="de-DE" dirty="0">
+                <a:effectLst>
+                  <a:glow rad="127000">
+                    <a:srgbClr val="212121">
+                      <a:alpha val="60000"/>
+                    </a:srgbClr>
+                  </a:glow>
+                  <a:outerShdw blurRad="38100" dist="38100" dir="2700000" algn="tl">
+                    <a:srgbClr val="000000">
+                      <a:alpha val="43137"/>
+                    </a:srgbClr>
+                  </a:outerShdw>
+                </a:effectLst>
+              </a:rPr>
+              <a:t>Exploration</a:t>
+            </a:r>
           </a:p>
         </p:txBody>
-      </p:sp>
-      <p:sp>
-        <p:nvSpPr>
-          <p:cNvPr id="12" name="Freeform: Shape 11">
-            <a:extLst>
-              <a:ext uri="{FF2B5EF4-FFF2-40B4-BE49-F238E27FC236}">
-                <a16:creationId xmlns:a16="http://schemas.microsoft.com/office/drawing/2014/main" id="{41CA5367-149E-428C-B4D8-C1ECC9EAF739}"/>
-              </a:ext>
-              <a:ext uri="{C183D7F6-B498-43B3-948B-1728B52AA6E4}">
-                <adec:decorative xmlns:adec="http://schemas.microsoft.com/office/drawing/2017/decorative" val="1"/>
-              </a:ext>
-            </a:extLst>
-          </p:cNvPr>
-          <p:cNvSpPr>
-            <a:spLocks noGrp="1" noRot="1" noChangeAspect="1" noMove="1" noResize="1" noEditPoints="1" noAdjustHandles="1" noChangeArrowheads="1" noChangeShapeType="1" noTextEdit="1"/>
-          </p:cNvSpPr>
-          <p:nvPr>
-            <p:extLst>
-              <p:ext uri="{386F3935-93C4-4BCD-93E2-E3B085C9AB24}">
-                <p16:designElem xmlns:p16="http://schemas.microsoft.com/office/powerpoint/2015/main" val="1"/>
-              </p:ext>
-            </p:extLst>
-          </p:nvPr>
-        </p:nvSpPr>
-        <p:spPr bwMode="auto">
-          <a:xfrm rot="10800000">
-            <a:off x="0" y="5388384"/>
-            <a:ext cx="12192000" cy="1469616"/>
-          </a:xfrm>
-          <a:custGeom>
-            <a:avLst/>
-            <a:gdLst>
-              <a:gd name="connsiteX0" fmla="*/ 6113881 w 12192000"/>
-              <a:gd name="connsiteY0" fmla="*/ 1469616 h 1469616"/>
-              <a:gd name="connsiteX1" fmla="*/ 6101181 w 12192000"/>
-              <a:gd name="connsiteY1" fmla="*/ 1469616 h 1469616"/>
-              <a:gd name="connsiteX2" fmla="*/ 6090598 w 12192000"/>
-              <a:gd name="connsiteY2" fmla="*/ 1469616 h 1469616"/>
-              <a:gd name="connsiteX3" fmla="*/ 6077897 w 12192000"/>
-              <a:gd name="connsiteY3" fmla="*/ 1464854 h 1469616"/>
-              <a:gd name="connsiteX4" fmla="*/ 6065198 w 12192000"/>
-              <a:gd name="connsiteY4" fmla="*/ 1460091 h 1469616"/>
-              <a:gd name="connsiteX5" fmla="*/ 6056731 w 12192000"/>
-              <a:gd name="connsiteY5" fmla="*/ 1456916 h 1469616"/>
-              <a:gd name="connsiteX6" fmla="*/ 5678033 w 12192000"/>
-              <a:gd name="connsiteY6" fmla="*/ 1172892 h 1469616"/>
-              <a:gd name="connsiteX7" fmla="*/ 0 w 12192000"/>
-              <a:gd name="connsiteY7" fmla="*/ 1172892 h 1469616"/>
-              <a:gd name="connsiteX8" fmla="*/ 0 w 12192000"/>
-              <a:gd name="connsiteY8" fmla="*/ 1162370 h 1469616"/>
-              <a:gd name="connsiteX9" fmla="*/ 0 w 12192000"/>
-              <a:gd name="connsiteY9" fmla="*/ 403347 h 1469616"/>
-              <a:gd name="connsiteX10" fmla="*/ 0 w 12192000"/>
-              <a:gd name="connsiteY10" fmla="*/ 0 h 1469616"/>
-              <a:gd name="connsiteX11" fmla="*/ 12192000 w 12192000"/>
-              <a:gd name="connsiteY11" fmla="*/ 0 h 1469616"/>
-              <a:gd name="connsiteX12" fmla="*/ 12192000 w 12192000"/>
-              <a:gd name="connsiteY12" fmla="*/ 403347 h 1469616"/>
-              <a:gd name="connsiteX13" fmla="*/ 12192000 w 12192000"/>
-              <a:gd name="connsiteY13" fmla="*/ 1162370 h 1469616"/>
-              <a:gd name="connsiteX14" fmla="*/ 12192000 w 12192000"/>
-              <a:gd name="connsiteY14" fmla="*/ 1172892 h 1469616"/>
-              <a:gd name="connsiteX15" fmla="*/ 6524330 w 12192000"/>
-              <a:gd name="connsiteY15" fmla="*/ 1172892 h 1469616"/>
-              <a:gd name="connsiteX16" fmla="*/ 6145631 w 12192000"/>
-              <a:gd name="connsiteY16" fmla="*/ 1456916 h 1469616"/>
-              <a:gd name="connsiteX17" fmla="*/ 6137163 w 12192000"/>
-              <a:gd name="connsiteY17" fmla="*/ 1460091 h 1469616"/>
-              <a:gd name="connsiteX18" fmla="*/ 6124463 w 12192000"/>
-              <a:gd name="connsiteY18" fmla="*/ 1464854 h 1469616"/>
-            </a:gdLst>
-            <a:ahLst/>
-            <a:cxnLst>
-              <a:cxn ang="0">
-                <a:pos x="connsiteX0" y="connsiteY0"/>
-              </a:cxn>
-              <a:cxn ang="0">
-                <a:pos x="connsiteX1" y="connsiteY1"/>
-              </a:cxn>
-              <a:cxn ang="0">
-                <a:pos x="connsiteX2" y="connsiteY2"/>
-              </a:cxn>
-              <a:cxn ang="0">
-                <a:pos x="connsiteX3" y="connsiteY3"/>
-              </a:cxn>
-              <a:cxn ang="0">
-                <a:pos x="connsiteX4" y="connsiteY4"/>
-              </a:cxn>
-              <a:cxn ang="0">
-                <a:pos x="connsiteX5" y="connsiteY5"/>
-              </a:cxn>
-              <a:cxn ang="0">
-                <a:pos x="connsiteX6" y="connsiteY6"/>
-              </a:cxn>
-              <a:cxn ang="0">
-                <a:pos x="connsiteX7" y="connsiteY7"/>
-              </a:cxn>
-              <a:cxn ang="0">
-                <a:pos x="connsiteX8" y="connsiteY8"/>
-              </a:cxn>
-              <a:cxn ang="0">
-                <a:pos x="connsiteX9" y="connsiteY9"/>
-              </a:cxn>
-              <a:cxn ang="0">
-                <a:pos x="connsiteX10" y="connsiteY10"/>
-              </a:cxn>
-              <a:cxn ang="0">
-                <a:pos x="connsiteX11" y="connsiteY11"/>
-              </a:cxn>
-              <a:cxn ang="0">
-                <a:pos x="connsiteX12" y="connsiteY12"/>
-              </a:cxn>
-              <a:cxn ang="0">
-                <a:pos x="connsiteX13" y="connsiteY13"/>
-              </a:cxn>
-              <a:cxn ang="0">
-                <a:pos x="connsiteX14" y="connsiteY14"/>
-              </a:cxn>
-              <a:cxn ang="0">
-                <a:pos x="connsiteX15" y="connsiteY15"/>
-              </a:cxn>
-              <a:cxn ang="0">
-                <a:pos x="connsiteX16" y="connsiteY16"/>
-              </a:cxn>
-              <a:cxn ang="0">
-                <a:pos x="connsiteX17" y="connsiteY17"/>
-              </a:cxn>
-              <a:cxn ang="0">
-                <a:pos x="connsiteX18" y="connsiteY18"/>
-              </a:cxn>
-            </a:cxnLst>
-            <a:rect l="l" t="t" r="r" b="b"/>
-            <a:pathLst>
-              <a:path w="12192000" h="1469616">
-                <a:moveTo>
-                  <a:pt x="6113881" y="1469616"/>
-                </a:moveTo>
-                <a:lnTo>
-                  <a:pt x="6101181" y="1469616"/>
-                </a:lnTo>
-                <a:lnTo>
-                  <a:pt x="6090598" y="1469616"/>
-                </a:lnTo>
-                <a:lnTo>
-                  <a:pt x="6077897" y="1464854"/>
-                </a:lnTo>
-                <a:lnTo>
-                  <a:pt x="6065198" y="1460091"/>
-                </a:lnTo>
-                <a:lnTo>
-                  <a:pt x="6056731" y="1456916"/>
-                </a:lnTo>
-                <a:lnTo>
-                  <a:pt x="5678033" y="1172892"/>
-                </a:lnTo>
-                <a:lnTo>
-                  <a:pt x="0" y="1172892"/>
-                </a:lnTo>
-                <a:lnTo>
-                  <a:pt x="0" y="1162370"/>
-                </a:lnTo>
-                <a:lnTo>
-                  <a:pt x="0" y="403347"/>
-                </a:lnTo>
-                <a:lnTo>
-                  <a:pt x="0" y="0"/>
-                </a:lnTo>
-                <a:lnTo>
-                  <a:pt x="12192000" y="0"/>
-                </a:lnTo>
-                <a:lnTo>
-                  <a:pt x="12192000" y="403347"/>
-                </a:lnTo>
-                <a:lnTo>
-                  <a:pt x="12192000" y="1162370"/>
-                </a:lnTo>
-                <a:lnTo>
-                  <a:pt x="12192000" y="1172892"/>
-                </a:lnTo>
-                <a:lnTo>
-                  <a:pt x="6524330" y="1172892"/>
-                </a:lnTo>
-                <a:lnTo>
-                  <a:pt x="6145631" y="1456916"/>
-                </a:lnTo>
-                <a:lnTo>
-                  <a:pt x="6137163" y="1460091"/>
-                </a:lnTo>
-                <a:lnTo>
-                  <a:pt x="6124463" y="1464854"/>
-                </a:lnTo>
-                <a:close/>
-              </a:path>
-            </a:pathLst>
-          </a:custGeom>
-          <a:ln>
-            <a:noFill/>
-          </a:ln>
-          <a:effectLst/>
-          <a:extLst>
-            <a:ext uri="{91240B29-F687-4f45-9708-019B960494DF}">
-              <a14:hiddenLine xmlns:a16="http://schemas.microsoft.com/office/drawing/2014/main" xmlns:p14="http://schemas.microsoft.com/office/powerpoint/2010/main" xmlns:a14="http://schemas.microsoft.com/office/drawing/2010/main" xmlns="" w="9525">
-                <a:solidFill>
-                  <a:srgbClr val="000000"/>
-                </a:solidFill>
-                <a:round/>
-                <a:headEnd/>
-                <a:tailEnd/>
-              </a14:hiddenLine>
-            </a:ext>
-          </a:extLst>
-        </p:spPr>
-        <p:style>
-          <a:lnRef idx="1">
-            <a:schemeClr val="accent1"/>
-          </a:lnRef>
-          <a:fillRef idx="3">
-            <a:schemeClr val="accent1"/>
-          </a:fillRef>
-          <a:effectRef idx="2">
-            <a:schemeClr val="accent1"/>
-          </a:effectRef>
-          <a:fontRef idx="minor">
-            <a:schemeClr val="lt1"/>
-          </a:fontRef>
-        </p:style>
       </p:sp>
     </p:spTree>
     <p:extLst>
@@ -11311,14 +16239,6 @@
 <file path=ppt/slides/slide7.xml><?xml version="1.0" encoding="utf-8"?>
 <p:sld xmlns:a="http://schemas.openxmlformats.org/drawingml/2006/main" xmlns:r="http://schemas.openxmlformats.org/officeDocument/2006/relationships" xmlns:p="http://schemas.openxmlformats.org/presentationml/2006/main">
   <p:cSld>
-    <p:bg>
-      <p:bgPr>
-        <a:solidFill>
-          <a:schemeClr val="bg2"/>
-        </a:solidFill>
-        <a:effectLst/>
-      </p:bgPr>
-    </p:bg>
     <p:spTree>
       <p:nvGrpSpPr>
         <p:cNvPr id="1" name=""/>
@@ -11427,27 +16347,73 @@
               <a:t>Inspiriert durch die Perspektiven von </a:t>
             </a:r>
             <a:r>
-              <a:rPr lang="de-DE" dirty="0" err="1"/>
+              <a:rPr lang="de-DE" dirty="0" err="1">
+                <a:solidFill>
+                  <a:schemeClr val="accent1">
+                    <a:lumMod val="60000"/>
+                    <a:lumOff val="40000"/>
+                  </a:schemeClr>
+                </a:solidFill>
+              </a:rPr>
               <a:t>Don‘t</a:t>
             </a:r>
             <a:r>
+              <a:rPr lang="de-DE" dirty="0">
+                <a:solidFill>
+                  <a:schemeClr val="accent1">
+                    <a:lumMod val="60000"/>
+                    <a:lumOff val="40000"/>
+                  </a:schemeClr>
+                </a:solidFill>
+              </a:rPr>
+              <a:t> </a:t>
+            </a:r>
+            <a:r>
+              <a:rPr lang="de-DE" dirty="0" err="1">
+                <a:solidFill>
+                  <a:schemeClr val="accent1">
+                    <a:lumMod val="60000"/>
+                    <a:lumOff val="40000"/>
+                  </a:schemeClr>
+                </a:solidFill>
+              </a:rPr>
+              <a:t>Starve</a:t>
+            </a:r>
+            <a:r>
+              <a:rPr lang="de-DE" dirty="0">
+                <a:solidFill>
+                  <a:schemeClr val="accent1">
+                    <a:lumMod val="60000"/>
+                    <a:lumOff val="40000"/>
+                  </a:schemeClr>
+                </a:solidFill>
+              </a:rPr>
+              <a:t> </a:t>
+            </a:r>
+            <a:r>
               <a:rPr lang="de-DE" dirty="0"/>
-              <a:t> </a:t>
-            </a:r>
-            <a:r>
-              <a:rPr lang="de-DE" dirty="0" err="1"/>
-              <a:t>Starve</a:t>
-            </a:r>
-            <a:r>
-              <a:rPr lang="de-DE" dirty="0"/>
-              <a:t> und </a:t>
-            </a:r>
-            <a:r>
-              <a:rPr lang="de-DE" dirty="0" err="1"/>
+              <a:t>und </a:t>
+            </a:r>
+            <a:r>
+              <a:rPr lang="de-DE" dirty="0" err="1">
+                <a:solidFill>
+                  <a:schemeClr val="accent1">
+                    <a:lumMod val="60000"/>
+                    <a:lumOff val="40000"/>
+                  </a:schemeClr>
+                </a:solidFill>
+              </a:rPr>
               <a:t>Stardew</a:t>
             </a:r>
             <a:r>
-              <a:rPr lang="de-DE" dirty="0"/>
+              <a:rPr lang="de-DE" dirty="0">
+                <a:solidFill>
+                  <a:schemeClr val="accent1">
+                    <a:lumMod val="60000"/>
+                    <a:lumOff val="40000"/>
+                  </a:schemeClr>
+                </a:solidFill>
+              </a:rPr>
               <a:t> Valley</a:t>
             </a:r>
           </a:p>
@@ -11470,13 +16436,39 @@
             </a:r>
             <a:r>
               <a:rPr lang="de-DE" dirty="0"/>
-              <a:t>“ aus Titanfall 2</a:t>
+              <a:t>“ aus </a:t>
+            </a:r>
+            <a:r>
+              <a:rPr lang="de-DE" dirty="0">
+                <a:solidFill>
+                  <a:schemeClr val="accent1">
+                    <a:lumMod val="60000"/>
+                    <a:lumOff val="40000"/>
+                  </a:schemeClr>
+                </a:solidFill>
+              </a:rPr>
+              <a:t>Titanfall 2</a:t>
             </a:r>
           </a:p>
           <a:p>
             <a:r>
               <a:rPr lang="de-DE" dirty="0"/>
-              <a:t>Gegensatz zu Titanfall 2:</a:t>
+              <a:t>Gegensatz zu </a:t>
+            </a:r>
+            <a:r>
+              <a:rPr lang="de-DE" dirty="0">
+                <a:solidFill>
+                  <a:schemeClr val="accent1">
+                    <a:lumMod val="60000"/>
+                    <a:lumOff val="40000"/>
+                  </a:schemeClr>
+                </a:solidFill>
+              </a:rPr>
+              <a:t>Titanfall 2</a:t>
+            </a:r>
+            <a:r>
+              <a:rPr lang="de-DE" dirty="0"/>
+              <a:t>:</a:t>
             </a:r>
           </a:p>
           <a:p>
@@ -11498,11 +16490,7 @@
             <a:pPr lvl="1"/>
             <a:r>
               <a:rPr lang="de-DE" dirty="0"/>
-              <a:t>Limitierter Einsatz der Fähigkeit durch </a:t>
-            </a:r>
-            <a:r>
-              <a:rPr lang="de-DE" b="1" dirty="0" err="1"/>
-              <a:t>Cooldown</a:t>
+              <a:t>Limitierter Einsatz der Fähigkeit</a:t>
             </a:r>
             <a:endParaRPr lang="de-DE" b="1" dirty="0"/>
           </a:p>
@@ -11708,7 +16696,7 @@
           <a:effectLst/>
           <a:extLst>
             <a:ext uri="{91240B29-F687-4f45-9708-019B960494DF}">
-              <a14:hiddenLine xmlns:a16="http://schemas.microsoft.com/office/drawing/2014/main" xmlns:p14="http://schemas.microsoft.com/office/powerpoint/2010/main" xmlns:a14="http://schemas.microsoft.com/office/drawing/2010/main" xmlns="" w="9525">
+              <a14:hiddenLine xmlns="" xmlns:a14="http://schemas.microsoft.com/office/drawing/2010/main" xmlns:p14="http://schemas.microsoft.com/office/powerpoint/2010/main" xmlns:a16="http://schemas.microsoft.com/office/drawing/2014/main" w="9525">
                 <a:solidFill>
                   <a:srgbClr val="000000"/>
                 </a:solidFill>
@@ -11960,66 +16948,6 @@
           <a:chExt cx="0" cy="0"/>
         </a:xfrm>
       </p:grpSpPr>
-      <p:sp useBgFill="1">
-        <p:nvSpPr>
-          <p:cNvPr id="9" name="Rectangle 8">
-            <a:extLst>
-              <a:ext uri="{FF2B5EF4-FFF2-40B4-BE49-F238E27FC236}">
-                <a16:creationId xmlns:a16="http://schemas.microsoft.com/office/drawing/2014/main" id="{874F1482-69C3-47D5-95FE-67C0FA2DF8B0}"/>
-              </a:ext>
-              <a:ext uri="{C183D7F6-B498-43B3-948B-1728B52AA6E4}">
-                <adec:decorative xmlns:adec="http://schemas.microsoft.com/office/drawing/2017/decorative" val="1"/>
-              </a:ext>
-            </a:extLst>
-          </p:cNvPr>
-          <p:cNvSpPr>
-            <a:spLocks noGrp="1" noRot="1" noChangeAspect="1" noMove="1" noResize="1" noEditPoints="1" noAdjustHandles="1" noChangeArrowheads="1" noChangeShapeType="1" noTextEdit="1"/>
-          </p:cNvSpPr>
-          <p:nvPr>
-            <p:extLst>
-              <p:ext uri="{386F3935-93C4-4BCD-93E2-E3B085C9AB24}">
-                <p16:designElem xmlns:p16="http://schemas.microsoft.com/office/powerpoint/2015/main" val="1"/>
-              </p:ext>
-            </p:extLst>
-          </p:nvPr>
-        </p:nvSpPr>
-        <p:spPr>
-          <a:xfrm>
-            <a:off x="0" y="0"/>
-            <a:ext cx="12192000" cy="6858000"/>
-          </a:xfrm>
-          <a:prstGeom prst="rect">
-            <a:avLst/>
-          </a:prstGeom>
-          <a:ln>
-            <a:noFill/>
-          </a:ln>
-        </p:spPr>
-        <p:style>
-          <a:lnRef idx="2">
-            <a:schemeClr val="accent1">
-              <a:shade val="50000"/>
-            </a:schemeClr>
-          </a:lnRef>
-          <a:fillRef idx="1">
-            <a:schemeClr val="accent1"/>
-          </a:fillRef>
-          <a:effectRef idx="0">
-            <a:schemeClr val="accent1"/>
-          </a:effectRef>
-          <a:fontRef idx="minor">
-            <a:schemeClr val="lt1"/>
-          </a:fontRef>
-        </p:style>
-        <p:txBody>
-          <a:bodyPr rtlCol="0" anchor="ctr"/>
-          <a:lstStyle/>
-          <a:p>
-            <a:pPr algn="ctr"/>
-            <a:endParaRPr lang="en-US"/>
-          </a:p>
-        </p:txBody>
-      </p:sp>
       <p:sp>
         <p:nvSpPr>
           <p:cNvPr id="2" name="Title 1">
@@ -12041,284 +16969,442 @@
             <a:off x="810000" y="447188"/>
             <a:ext cx="10571998" cy="970450"/>
           </a:xfrm>
-          <a:effectLst/>
         </p:spPr>
         <p:txBody>
-          <a:bodyPr anchor="ctr">
+          <a:bodyPr>
             <a:normAutofit/>
           </a:bodyPr>
           <a:lstStyle/>
           <a:p>
-            <a:pPr algn="ctr"/>
-            <a:r>
-              <a:rPr lang="de-DE" sz="3200" dirty="0">
-                <a:solidFill>
-                  <a:schemeClr val="tx1"/>
-                </a:solidFill>
-              </a:rPr>
+            <a:r>
+              <a:rPr lang="de-DE"/>
               <a:t>Spielablauf</a:t>
             </a:r>
           </a:p>
         </p:txBody>
       </p:sp>
-      <p:sp>
-        <p:nvSpPr>
-          <p:cNvPr id="4" name="Content Placeholder 3">
+      <p:pic>
+        <p:nvPicPr>
+          <p:cNvPr id="5126" name="Picture 6" descr="https://cdn.discordapp.com/attachments/562760624409673748/576122225850318869/Player_with_gun.png">
             <a:extLst>
               <a:ext uri="{FF2B5EF4-FFF2-40B4-BE49-F238E27FC236}">
-                <a16:creationId xmlns:a16="http://schemas.microsoft.com/office/drawing/2014/main" id="{5B5F2068-2448-4B88-BBD6-C6A826006F0E}"/>
+                <a16:creationId xmlns:a16="http://schemas.microsoft.com/office/drawing/2014/main" id="{8FF90DA8-2ABD-4807-8AB3-AE2939929E39}"/>
               </a:ext>
             </a:extLst>
           </p:cNvPr>
-          <p:cNvSpPr>
-            <a:spLocks noGrp="1"/>
-          </p:cNvSpPr>
+          <p:cNvPicPr>
+            <a:picLocks noChangeAspect="1" noChangeArrowheads="1"/>
+          </p:cNvPicPr>
+          <p:nvPr/>
+        </p:nvPicPr>
+        <p:blipFill>
+          <a:blip r:embed="rId2">
+            <a:extLst>
+              <a:ext uri="{28A0092B-C50C-407E-A947-70E740481C1C}">
+                <a14:useLocalDpi xmlns:a14="http://schemas.microsoft.com/office/drawing/2010/main" val="0"/>
+              </a:ext>
+            </a:extLst>
+          </a:blip>
+          <a:stretch>
+            <a:fillRect/>
+          </a:stretch>
+        </p:blipFill>
+        <p:spPr bwMode="auto">
+          <a:xfrm>
+            <a:off x="8905322" y="2413000"/>
+            <a:ext cx="2034694" cy="3716338"/>
+          </a:xfrm>
+          <a:prstGeom prst="roundRect">
+            <a:avLst>
+              <a:gd name="adj" fmla="val 3876"/>
+            </a:avLst>
+          </a:prstGeom>
+          <a:noFill/>
+          <a:ln>
+            <a:solidFill>
+              <a:schemeClr val="accent1"/>
+            </a:solidFill>
+          </a:ln>
+          <a:effectLst/>
+          <a:extLst>
+            <a:ext uri="{909E8E84-426E-40DD-AFC4-6F175D3DCCD1}">
+              <a14:hiddenFill xmlns:a14="http://schemas.microsoft.com/office/drawing/2010/main">
+                <a:solidFill>
+                  <a:srgbClr val="FFFFFF"/>
+                </a:solidFill>
+              </a14:hiddenFill>
+            </a:ext>
+          </a:extLst>
+        </p:spPr>
+      </p:pic>
+      <p:graphicFrame>
+        <p:nvGraphicFramePr>
+          <p:cNvPr id="12" name="Content Placeholder 11">
+            <a:extLst>
+              <a:ext uri="{FF2B5EF4-FFF2-40B4-BE49-F238E27FC236}">
+                <a16:creationId xmlns:a16="http://schemas.microsoft.com/office/drawing/2014/main" id="{2BE2713E-6452-461D-8B74-B2A269C16D0D}"/>
+              </a:ext>
+            </a:extLst>
+          </p:cNvPr>
+          <p:cNvGraphicFramePr>
+            <a:graphicFrameLocks noGrp="1"/>
+          </p:cNvGraphicFramePr>
           <p:nvPr>
             <p:ph idx="1"/>
+            <p:extLst>
+              <p:ext uri="{D42A27DB-BD31-4B8C-83A1-F6EECF244321}">
+                <p14:modId xmlns:p14="http://schemas.microsoft.com/office/powerpoint/2010/main" val="222792935"/>
+              </p:ext>
+            </p:extLst>
           </p:nvPr>
+        </p:nvGraphicFramePr>
+        <p:xfrm>
+          <a:off x="818713" y="2413000"/>
+          <a:ext cx="7199220" cy="3632200"/>
+        </p:xfrm>
+        <a:graphic>
+          <a:graphicData uri="http://schemas.openxmlformats.org/drawingml/2006/diagram">
+            <dgm:relIds xmlns:dgm="http://schemas.openxmlformats.org/drawingml/2006/diagram" xmlns:r="http://schemas.openxmlformats.org/officeDocument/2006/relationships" r:dm="rId3" r:lo="rId4" r:qs="rId5" r:cs="rId6"/>
+          </a:graphicData>
+        </a:graphic>
+      </p:graphicFrame>
+      <p:sp>
+        <p:nvSpPr>
+          <p:cNvPr id="13" name="Arrow: Down 12">
+            <a:extLst>
+              <a:ext uri="{FF2B5EF4-FFF2-40B4-BE49-F238E27FC236}">
+                <a16:creationId xmlns:a16="http://schemas.microsoft.com/office/drawing/2014/main" id="{335C2005-BC90-42C2-A3AE-DBBE26C5E70B}"/>
+              </a:ext>
+            </a:extLst>
+          </p:cNvPr>
+          <p:cNvSpPr/>
+          <p:nvPr/>
         </p:nvSpPr>
         <p:spPr>
           <a:xfrm>
-            <a:off x="818712" y="1610745"/>
-            <a:ext cx="10554574" cy="3636511"/>
+            <a:off x="4064000" y="2697394"/>
+            <a:ext cx="584200" cy="577850"/>
           </a:xfrm>
-          <a:effectLst/>
-        </p:spPr>
-        <p:txBody>
-          <a:bodyPr anchor="ctr">
-            <a:normAutofit/>
-          </a:bodyPr>
-          <a:lstStyle/>
-          <a:p>
-            <a:endParaRPr lang="de-DE"/>
-          </a:p>
-        </p:txBody>
-      </p:sp>
-      <p:sp>
-        <p:nvSpPr>
-          <p:cNvPr id="11" name="Freeform: Shape 10">
-            <a:extLst>
-              <a:ext uri="{FF2B5EF4-FFF2-40B4-BE49-F238E27FC236}">
-                <a16:creationId xmlns:a16="http://schemas.microsoft.com/office/drawing/2014/main" id="{41CA5367-149E-428C-B4D8-C1ECC9EAF739}"/>
-              </a:ext>
-              <a:ext uri="{C183D7F6-B498-43B3-948B-1728B52AA6E4}">
-                <adec:decorative xmlns:adec="http://schemas.microsoft.com/office/drawing/2017/decorative" val="1"/>
-              </a:ext>
-            </a:extLst>
-          </p:cNvPr>
-          <p:cNvSpPr>
-            <a:spLocks noGrp="1" noRot="1" noChangeAspect="1" noMove="1" noResize="1" noEditPoints="1" noAdjustHandles="1" noChangeArrowheads="1" noChangeShapeType="1" noTextEdit="1"/>
-          </p:cNvSpPr>
-          <p:nvPr>
-            <p:extLst>
-              <p:ext uri="{386F3935-93C4-4BCD-93E2-E3B085C9AB24}">
-                <p16:designElem xmlns:p16="http://schemas.microsoft.com/office/powerpoint/2015/main" val="1"/>
-              </p:ext>
-            </p:extLst>
-          </p:nvPr>
-        </p:nvSpPr>
-        <p:spPr bwMode="auto">
-          <a:xfrm rot="10800000">
-            <a:off x="0" y="5388384"/>
-            <a:ext cx="12192000" cy="1469616"/>
-          </a:xfrm>
-          <a:custGeom>
+          <a:prstGeom prst="downArrow">
             <a:avLst/>
-            <a:gdLst>
-              <a:gd name="connsiteX0" fmla="*/ 6113881 w 12192000"/>
-              <a:gd name="connsiteY0" fmla="*/ 1469616 h 1469616"/>
-              <a:gd name="connsiteX1" fmla="*/ 6101181 w 12192000"/>
-              <a:gd name="connsiteY1" fmla="*/ 1469616 h 1469616"/>
-              <a:gd name="connsiteX2" fmla="*/ 6090598 w 12192000"/>
-              <a:gd name="connsiteY2" fmla="*/ 1469616 h 1469616"/>
-              <a:gd name="connsiteX3" fmla="*/ 6077897 w 12192000"/>
-              <a:gd name="connsiteY3" fmla="*/ 1464854 h 1469616"/>
-              <a:gd name="connsiteX4" fmla="*/ 6065198 w 12192000"/>
-              <a:gd name="connsiteY4" fmla="*/ 1460091 h 1469616"/>
-              <a:gd name="connsiteX5" fmla="*/ 6056731 w 12192000"/>
-              <a:gd name="connsiteY5" fmla="*/ 1456916 h 1469616"/>
-              <a:gd name="connsiteX6" fmla="*/ 5678033 w 12192000"/>
-              <a:gd name="connsiteY6" fmla="*/ 1172892 h 1469616"/>
-              <a:gd name="connsiteX7" fmla="*/ 0 w 12192000"/>
-              <a:gd name="connsiteY7" fmla="*/ 1172892 h 1469616"/>
-              <a:gd name="connsiteX8" fmla="*/ 0 w 12192000"/>
-              <a:gd name="connsiteY8" fmla="*/ 1162370 h 1469616"/>
-              <a:gd name="connsiteX9" fmla="*/ 0 w 12192000"/>
-              <a:gd name="connsiteY9" fmla="*/ 403347 h 1469616"/>
-              <a:gd name="connsiteX10" fmla="*/ 0 w 12192000"/>
-              <a:gd name="connsiteY10" fmla="*/ 0 h 1469616"/>
-              <a:gd name="connsiteX11" fmla="*/ 12192000 w 12192000"/>
-              <a:gd name="connsiteY11" fmla="*/ 0 h 1469616"/>
-              <a:gd name="connsiteX12" fmla="*/ 12192000 w 12192000"/>
-              <a:gd name="connsiteY12" fmla="*/ 403347 h 1469616"/>
-              <a:gd name="connsiteX13" fmla="*/ 12192000 w 12192000"/>
-              <a:gd name="connsiteY13" fmla="*/ 1162370 h 1469616"/>
-              <a:gd name="connsiteX14" fmla="*/ 12192000 w 12192000"/>
-              <a:gd name="connsiteY14" fmla="*/ 1172892 h 1469616"/>
-              <a:gd name="connsiteX15" fmla="*/ 6524330 w 12192000"/>
-              <a:gd name="connsiteY15" fmla="*/ 1172892 h 1469616"/>
-              <a:gd name="connsiteX16" fmla="*/ 6145631 w 12192000"/>
-              <a:gd name="connsiteY16" fmla="*/ 1456916 h 1469616"/>
-              <a:gd name="connsiteX17" fmla="*/ 6137163 w 12192000"/>
-              <a:gd name="connsiteY17" fmla="*/ 1460091 h 1469616"/>
-              <a:gd name="connsiteX18" fmla="*/ 6124463 w 12192000"/>
-              <a:gd name="connsiteY18" fmla="*/ 1464854 h 1469616"/>
-            </a:gdLst>
-            <a:ahLst/>
-            <a:cxnLst>
-              <a:cxn ang="0">
-                <a:pos x="connsiteX0" y="connsiteY0"/>
-              </a:cxn>
-              <a:cxn ang="0">
-                <a:pos x="connsiteX1" y="connsiteY1"/>
-              </a:cxn>
-              <a:cxn ang="0">
-                <a:pos x="connsiteX2" y="connsiteY2"/>
-              </a:cxn>
-              <a:cxn ang="0">
-                <a:pos x="connsiteX3" y="connsiteY3"/>
-              </a:cxn>
-              <a:cxn ang="0">
-                <a:pos x="connsiteX4" y="connsiteY4"/>
-              </a:cxn>
-              <a:cxn ang="0">
-                <a:pos x="connsiteX5" y="connsiteY5"/>
-              </a:cxn>
-              <a:cxn ang="0">
-                <a:pos x="connsiteX6" y="connsiteY6"/>
-              </a:cxn>
-              <a:cxn ang="0">
-                <a:pos x="connsiteX7" y="connsiteY7"/>
-              </a:cxn>
-              <a:cxn ang="0">
-                <a:pos x="connsiteX8" y="connsiteY8"/>
-              </a:cxn>
-              <a:cxn ang="0">
-                <a:pos x="connsiteX9" y="connsiteY9"/>
-              </a:cxn>
-              <a:cxn ang="0">
-                <a:pos x="connsiteX10" y="connsiteY10"/>
-              </a:cxn>
-              <a:cxn ang="0">
-                <a:pos x="connsiteX11" y="connsiteY11"/>
-              </a:cxn>
-              <a:cxn ang="0">
-                <a:pos x="connsiteX12" y="connsiteY12"/>
-              </a:cxn>
-              <a:cxn ang="0">
-                <a:pos x="connsiteX13" y="connsiteY13"/>
-              </a:cxn>
-              <a:cxn ang="0">
-                <a:pos x="connsiteX14" y="connsiteY14"/>
-              </a:cxn>
-              <a:cxn ang="0">
-                <a:pos x="connsiteX15" y="connsiteY15"/>
-              </a:cxn>
-              <a:cxn ang="0">
-                <a:pos x="connsiteX16" y="connsiteY16"/>
-              </a:cxn>
-              <a:cxn ang="0">
-                <a:pos x="connsiteX17" y="connsiteY17"/>
-              </a:cxn>
-              <a:cxn ang="0">
-                <a:pos x="connsiteX18" y="connsiteY18"/>
-              </a:cxn>
-            </a:cxnLst>
-            <a:rect l="l" t="t" r="r" b="b"/>
-            <a:pathLst>
-              <a:path w="12192000" h="1469616">
-                <a:moveTo>
-                  <a:pt x="6113881" y="1469616"/>
-                </a:moveTo>
-                <a:lnTo>
-                  <a:pt x="6101181" y="1469616"/>
-                </a:lnTo>
-                <a:lnTo>
-                  <a:pt x="6090598" y="1469616"/>
-                </a:lnTo>
-                <a:lnTo>
-                  <a:pt x="6077897" y="1464854"/>
-                </a:lnTo>
-                <a:lnTo>
-                  <a:pt x="6065198" y="1460091"/>
-                </a:lnTo>
-                <a:lnTo>
-                  <a:pt x="6056731" y="1456916"/>
-                </a:lnTo>
-                <a:lnTo>
-                  <a:pt x="5678033" y="1172892"/>
-                </a:lnTo>
-                <a:lnTo>
-                  <a:pt x="0" y="1172892"/>
-                </a:lnTo>
-                <a:lnTo>
-                  <a:pt x="0" y="1162370"/>
-                </a:lnTo>
-                <a:lnTo>
-                  <a:pt x="0" y="403347"/>
-                </a:lnTo>
-                <a:lnTo>
-                  <a:pt x="0" y="0"/>
-                </a:lnTo>
-                <a:lnTo>
-                  <a:pt x="12192000" y="0"/>
-                </a:lnTo>
-                <a:lnTo>
-                  <a:pt x="12192000" y="403347"/>
-                </a:lnTo>
-                <a:lnTo>
-                  <a:pt x="12192000" y="1162370"/>
-                </a:lnTo>
-                <a:lnTo>
-                  <a:pt x="12192000" y="1172892"/>
-                </a:lnTo>
-                <a:lnTo>
-                  <a:pt x="6524330" y="1172892"/>
-                </a:lnTo>
-                <a:lnTo>
-                  <a:pt x="6145631" y="1456916"/>
-                </a:lnTo>
-                <a:lnTo>
-                  <a:pt x="6137163" y="1460091"/>
-                </a:lnTo>
-                <a:lnTo>
-                  <a:pt x="6124463" y="1464854"/>
-                </a:lnTo>
-                <a:close/>
-              </a:path>
-            </a:pathLst>
-          </a:custGeom>
-          <a:ln>
-            <a:noFill/>
-          </a:ln>
-          <a:effectLst/>
-          <a:extLst>
-            <a:ext uri="{91240B29-F687-4f45-9708-019B960494DF}">
-              <a14:hiddenLine xmlns:a16="http://schemas.microsoft.com/office/drawing/2014/main" xmlns:p14="http://schemas.microsoft.com/office/powerpoint/2010/main" xmlns:a14="http://schemas.microsoft.com/office/drawing/2010/main" xmlns="" w="9525">
-                <a:solidFill>
-                  <a:srgbClr val="000000"/>
-                </a:solidFill>
-                <a:round/>
-                <a:headEnd/>
-                <a:tailEnd/>
-              </a14:hiddenLine>
-            </a:ext>
-          </a:extLst>
+          </a:prstGeom>
         </p:spPr>
         <p:style>
-          <a:lnRef idx="1">
-            <a:schemeClr val="accent1"/>
+          <a:lnRef idx="2">
+            <a:schemeClr val="accent1">
+              <a:shade val="50000"/>
+            </a:schemeClr>
           </a:lnRef>
-          <a:fillRef idx="3">
+          <a:fillRef idx="1">
             <a:schemeClr val="accent1"/>
           </a:fillRef>
-          <a:effectRef idx="2">
+          <a:effectRef idx="0">
             <a:schemeClr val="accent1"/>
           </a:effectRef>
           <a:fontRef idx="minor">
             <a:schemeClr val="lt1"/>
           </a:fontRef>
         </p:style>
+        <p:txBody>
+          <a:bodyPr rtlCol="0" anchor="ctr"/>
+          <a:lstStyle/>
+          <a:p>
+            <a:pPr algn="ctr"/>
+            <a:endParaRPr lang="de-DE"/>
+          </a:p>
+        </p:txBody>
+      </p:sp>
+      <p:sp>
+        <p:nvSpPr>
+          <p:cNvPr id="24" name="Arrow: Down 23">
+            <a:extLst>
+              <a:ext uri="{FF2B5EF4-FFF2-40B4-BE49-F238E27FC236}">
+                <a16:creationId xmlns:a16="http://schemas.microsoft.com/office/drawing/2014/main" id="{01BC0945-DC4D-4290-80CD-57B8243583F1}"/>
+              </a:ext>
+            </a:extLst>
+          </p:cNvPr>
+          <p:cNvSpPr/>
+          <p:nvPr/>
+        </p:nvSpPr>
+        <p:spPr>
+          <a:xfrm>
+            <a:off x="4064000" y="3332059"/>
+            <a:ext cx="584200" cy="577850"/>
+          </a:xfrm>
+          <a:prstGeom prst="downArrow">
+            <a:avLst/>
+          </a:prstGeom>
+        </p:spPr>
+        <p:style>
+          <a:lnRef idx="2">
+            <a:schemeClr val="accent1">
+              <a:shade val="50000"/>
+            </a:schemeClr>
+          </a:lnRef>
+          <a:fillRef idx="1">
+            <a:schemeClr val="accent1"/>
+          </a:fillRef>
+          <a:effectRef idx="0">
+            <a:schemeClr val="accent1"/>
+          </a:effectRef>
+          <a:fontRef idx="minor">
+            <a:schemeClr val="lt1"/>
+          </a:fontRef>
+        </p:style>
+        <p:txBody>
+          <a:bodyPr rtlCol="0" anchor="ctr"/>
+          <a:lstStyle/>
+          <a:p>
+            <a:pPr algn="ctr"/>
+            <a:endParaRPr lang="de-DE"/>
+          </a:p>
+        </p:txBody>
+      </p:sp>
+      <p:sp>
+        <p:nvSpPr>
+          <p:cNvPr id="25" name="Arrow: Down 24">
+            <a:extLst>
+              <a:ext uri="{FF2B5EF4-FFF2-40B4-BE49-F238E27FC236}">
+                <a16:creationId xmlns:a16="http://schemas.microsoft.com/office/drawing/2014/main" id="{5301B195-7059-4A29-A21E-2E6B42CD5F5F}"/>
+              </a:ext>
+            </a:extLst>
+          </p:cNvPr>
+          <p:cNvSpPr/>
+          <p:nvPr/>
+        </p:nvSpPr>
+        <p:spPr>
+          <a:xfrm>
+            <a:off x="4064000" y="3977435"/>
+            <a:ext cx="584200" cy="577850"/>
+          </a:xfrm>
+          <a:prstGeom prst="downArrow">
+            <a:avLst/>
+          </a:prstGeom>
+        </p:spPr>
+        <p:style>
+          <a:lnRef idx="2">
+            <a:schemeClr val="accent1">
+              <a:shade val="50000"/>
+            </a:schemeClr>
+          </a:lnRef>
+          <a:fillRef idx="1">
+            <a:schemeClr val="accent1"/>
+          </a:fillRef>
+          <a:effectRef idx="0">
+            <a:schemeClr val="accent1"/>
+          </a:effectRef>
+          <a:fontRef idx="minor">
+            <a:schemeClr val="lt1"/>
+          </a:fontRef>
+        </p:style>
+        <p:txBody>
+          <a:bodyPr rtlCol="0" anchor="ctr"/>
+          <a:lstStyle/>
+          <a:p>
+            <a:pPr algn="ctr"/>
+            <a:endParaRPr lang="de-DE"/>
+          </a:p>
+        </p:txBody>
+      </p:sp>
+      <p:sp>
+        <p:nvSpPr>
+          <p:cNvPr id="26" name="Arrow: Down 25">
+            <a:extLst>
+              <a:ext uri="{FF2B5EF4-FFF2-40B4-BE49-F238E27FC236}">
+                <a16:creationId xmlns:a16="http://schemas.microsoft.com/office/drawing/2014/main" id="{6D5D1D8C-EBF6-4247-A647-7DD9106817B7}"/>
+              </a:ext>
+            </a:extLst>
+          </p:cNvPr>
+          <p:cNvSpPr/>
+          <p:nvPr/>
+        </p:nvSpPr>
+        <p:spPr>
+          <a:xfrm>
+            <a:off x="4064000" y="4601389"/>
+            <a:ext cx="584200" cy="577850"/>
+          </a:xfrm>
+          <a:prstGeom prst="downArrow">
+            <a:avLst/>
+          </a:prstGeom>
+        </p:spPr>
+        <p:style>
+          <a:lnRef idx="2">
+            <a:schemeClr val="accent1">
+              <a:shade val="50000"/>
+            </a:schemeClr>
+          </a:lnRef>
+          <a:fillRef idx="1">
+            <a:schemeClr val="accent1"/>
+          </a:fillRef>
+          <a:effectRef idx="0">
+            <a:schemeClr val="accent1"/>
+          </a:effectRef>
+          <a:fontRef idx="minor">
+            <a:schemeClr val="lt1"/>
+          </a:fontRef>
+        </p:style>
+        <p:txBody>
+          <a:bodyPr rtlCol="0" anchor="ctr"/>
+          <a:lstStyle/>
+          <a:p>
+            <a:pPr algn="ctr"/>
+            <a:endParaRPr lang="de-DE"/>
+          </a:p>
+        </p:txBody>
+      </p:sp>
+      <p:sp>
+        <p:nvSpPr>
+          <p:cNvPr id="27" name="Arrow: Down 26">
+            <a:extLst>
+              <a:ext uri="{FF2B5EF4-FFF2-40B4-BE49-F238E27FC236}">
+                <a16:creationId xmlns:a16="http://schemas.microsoft.com/office/drawing/2014/main" id="{771E867D-15E2-4963-A6EF-15E1318D6E04}"/>
+              </a:ext>
+            </a:extLst>
+          </p:cNvPr>
+          <p:cNvSpPr/>
+          <p:nvPr/>
+        </p:nvSpPr>
+        <p:spPr>
+          <a:xfrm>
+            <a:off x="4047431" y="5246765"/>
+            <a:ext cx="584200" cy="577850"/>
+          </a:xfrm>
+          <a:prstGeom prst="downArrow">
+            <a:avLst/>
+          </a:prstGeom>
+        </p:spPr>
+        <p:style>
+          <a:lnRef idx="2">
+            <a:schemeClr val="accent1">
+              <a:shade val="50000"/>
+            </a:schemeClr>
+          </a:lnRef>
+          <a:fillRef idx="1">
+            <a:schemeClr val="accent1"/>
+          </a:fillRef>
+          <a:effectRef idx="0">
+            <a:schemeClr val="accent1"/>
+          </a:effectRef>
+          <a:fontRef idx="minor">
+            <a:schemeClr val="lt1"/>
+          </a:fontRef>
+        </p:style>
+        <p:txBody>
+          <a:bodyPr rtlCol="0" anchor="ctr"/>
+          <a:lstStyle/>
+          <a:p>
+            <a:pPr algn="ctr"/>
+            <a:endParaRPr lang="de-DE"/>
+          </a:p>
+        </p:txBody>
+      </p:sp>
+      <p:sp>
+        <p:nvSpPr>
+          <p:cNvPr id="19" name="Arrow: U-Turn 18">
+            <a:extLst>
+              <a:ext uri="{FF2B5EF4-FFF2-40B4-BE49-F238E27FC236}">
+                <a16:creationId xmlns:a16="http://schemas.microsoft.com/office/drawing/2014/main" id="{1633C45F-769A-4EC7-A681-F9CECC0AD8DB}"/>
+              </a:ext>
+            </a:extLst>
+          </p:cNvPr>
+          <p:cNvSpPr/>
+          <p:nvPr/>
+        </p:nvSpPr>
+        <p:spPr>
+          <a:xfrm rot="16200000" flipV="1">
+            <a:off x="6439882" y="3780820"/>
+            <a:ext cx="3465570" cy="825063"/>
+          </a:xfrm>
+          <a:prstGeom prst="uturnArrow">
+            <a:avLst>
+              <a:gd name="adj1" fmla="val 31722"/>
+              <a:gd name="adj2" fmla="val 25000"/>
+              <a:gd name="adj3" fmla="val 38084"/>
+              <a:gd name="adj4" fmla="val 43750"/>
+              <a:gd name="adj5" fmla="val 100000"/>
+            </a:avLst>
+          </a:prstGeom>
+        </p:spPr>
+        <p:style>
+          <a:lnRef idx="2">
+            <a:schemeClr val="accent1">
+              <a:shade val="50000"/>
+            </a:schemeClr>
+          </a:lnRef>
+          <a:fillRef idx="1">
+            <a:schemeClr val="accent1"/>
+          </a:fillRef>
+          <a:effectRef idx="0">
+            <a:schemeClr val="accent1"/>
+          </a:effectRef>
+          <a:fontRef idx="minor">
+            <a:schemeClr val="lt1"/>
+          </a:fontRef>
+        </p:style>
+        <p:txBody>
+          <a:bodyPr rtlCol="0" anchor="ctr"/>
+          <a:lstStyle/>
+          <a:p>
+            <a:pPr algn="ctr"/>
+            <a:endParaRPr lang="de-DE">
+              <a:solidFill>
+                <a:schemeClr val="tx1"/>
+              </a:solidFill>
+            </a:endParaRPr>
+          </a:p>
+        </p:txBody>
+      </p:sp>
+      <p:sp>
+        <p:nvSpPr>
+          <p:cNvPr id="28" name="TextBox 27">
+            <a:extLst>
+              <a:ext uri="{FF2B5EF4-FFF2-40B4-BE49-F238E27FC236}">
+                <a16:creationId xmlns:a16="http://schemas.microsoft.com/office/drawing/2014/main" id="{B470BADF-3B01-4192-849C-B6B55A0D31C5}"/>
+              </a:ext>
+            </a:extLst>
+          </p:cNvPr>
+          <p:cNvSpPr txBox="1"/>
+          <p:nvPr/>
+        </p:nvSpPr>
+        <p:spPr>
+          <a:xfrm>
+            <a:off x="8794826" y="6149202"/>
+            <a:ext cx="2255685" cy="523220"/>
+          </a:xfrm>
+          <a:prstGeom prst="rect">
+            <a:avLst/>
+          </a:prstGeom>
+          <a:noFill/>
+        </p:spPr>
+        <p:txBody>
+          <a:bodyPr wrap="square" rtlCol="0">
+            <a:spAutoFit/>
+          </a:bodyPr>
+          <a:lstStyle/>
+          <a:p>
+            <a:pPr algn="ctr"/>
+            <a:r>
+              <a:rPr lang="de-DE" sz="1400" dirty="0"/>
+              <a:t>Player </a:t>
+            </a:r>
+            <a:r>
+              <a:rPr lang="de-DE" sz="1400" dirty="0" err="1"/>
+              <a:t>doing</a:t>
+            </a:r>
+            <a:br>
+              <a:rPr lang="de-DE" sz="1400" dirty="0"/>
+            </a:br>
+            <a:r>
+              <a:rPr lang="de-DE" sz="1400" dirty="0"/>
+              <a:t>problem-</a:t>
+            </a:r>
+            <a:r>
+              <a:rPr lang="de-DE" sz="1400" dirty="0" err="1"/>
+              <a:t>solving</a:t>
+            </a:r>
+            <a:endParaRPr lang="de-DE" sz="1400" dirty="0"/>
+          </a:p>
+        </p:txBody>
       </p:sp>
     </p:spTree>
     <p:extLst>

--- a/Information/Präsentation.pptx
+++ b/Information/Präsentation.pptx
@@ -16,12 +16,12 @@
     <p:sldId id="259" r:id="rId7"/>
     <p:sldId id="260" r:id="rId8"/>
     <p:sldId id="264" r:id="rId9"/>
-    <p:sldId id="271" r:id="rId10"/>
+    <p:sldId id="277" r:id="rId10"/>
     <p:sldId id="265" r:id="rId11"/>
     <p:sldId id="266" r:id="rId12"/>
     <p:sldId id="267" r:id="rId13"/>
-    <p:sldId id="268" r:id="rId14"/>
-    <p:sldId id="276" r:id="rId15"/>
+    <p:sldId id="278" r:id="rId14"/>
+    <p:sldId id="279" r:id="rId15"/>
     <p:sldId id="274" r:id="rId16"/>
     <p:sldId id="269" r:id="rId17"/>
     <p:sldId id="270" r:id="rId18"/>
@@ -149,7 +149,7 @@
         <p14:section name="Spielablauf" id="{A333490B-BCCE-46DF-9A7C-8E13CBB6A6D4}">
           <p14:sldIdLst>
             <p14:sldId id="264"/>
-            <p14:sldId id="271"/>
+            <p14:sldId id="277"/>
           </p14:sldIdLst>
         </p14:section>
         <p14:section name="Timeline" id="{24C84A2E-F54D-4301-8F0D-18F3E8320A85}">
@@ -161,8 +161,8 @@
         <p14:section name="Aktueller Stand" id="{CF2765B0-F2E1-4771-941B-FA0788087881}">
           <p14:sldIdLst>
             <p14:sldId id="267"/>
-            <p14:sldId id="268"/>
-            <p14:sldId id="276"/>
+            <p14:sldId id="278"/>
+            <p14:sldId id="279"/>
             <p14:sldId id="274"/>
           </p14:sldIdLst>
         </p14:section>
@@ -297,7 +297,7 @@
                   <a:bodyPr/>
                   <a:lstStyle/>
                   <a:p>
-                    <a:fld id="{6F8DEDB0-90E3-4D0B-B7B5-6D76C75B6B70}" type="CELLRANGE">
+                    <a:fld id="{C0E83DE5-96A3-436C-934D-32E23D388F4F}" type="CELLRANGE">
                       <a:rPr lang="de-DE"/>
                       <a:pPr/>
                       <a:t>[CELLRANGE]</a:t>
@@ -331,7 +331,7 @@
                   <a:bodyPr/>
                   <a:lstStyle/>
                   <a:p>
-                    <a:fld id="{8C0D3DDB-BD5E-4FFE-B3AB-4DA299CB6FB2}" type="CELLRANGE">
+                    <a:fld id="{B0A2FED6-927B-4672-8A86-E1E630510538}" type="CELLRANGE">
                       <a:rPr lang="de-DE"/>
                       <a:pPr/>
                       <a:t>[CELLRANGE]</a:t>
@@ -365,7 +365,7 @@
                   <a:bodyPr/>
                   <a:lstStyle/>
                   <a:p>
-                    <a:fld id="{0F59DCC8-FAED-4B5F-A9A2-8BE7F6E44A69}" type="CELLRANGE">
+                    <a:fld id="{6FB1FB0E-5A41-4FEA-AFED-9AAD08B68B0B}" type="CELLRANGE">
                       <a:rPr lang="de-DE"/>
                       <a:pPr/>
                       <a:t>[CELLRANGE]</a:t>
@@ -399,7 +399,7 @@
                   <a:bodyPr/>
                   <a:lstStyle/>
                   <a:p>
-                    <a:fld id="{EBE3CCE9-D694-4467-945B-ABE74C05F0F2}" type="CELLRANGE">
+                    <a:fld id="{3ED7BA98-6A41-4635-954E-DDDF708D5D0E}" type="CELLRANGE">
                       <a:rPr lang="de-DE"/>
                       <a:pPr/>
                       <a:t>[CELLRANGE]</a:t>
@@ -433,7 +433,7 @@
                   <a:bodyPr/>
                   <a:lstStyle/>
                   <a:p>
-                    <a:fld id="{21CA6AB5-B22B-43B9-A93F-B72556DC254A}" type="CELLRANGE">
+                    <a:fld id="{F99271FD-602C-499E-868E-E0771E376E4B}" type="CELLRANGE">
                       <a:rPr lang="de-DE"/>
                       <a:pPr/>
                       <a:t>[CELLRANGE]</a:t>
@@ -467,7 +467,7 @@
                   <a:bodyPr/>
                   <a:lstStyle/>
                   <a:p>
-                    <a:fld id="{EB8F3AE0-EA26-4250-BA1D-86C28B5DC508}" type="CELLRANGE">
+                    <a:fld id="{6B60FB67-F372-439F-BAD8-34AFA27FFF38}" type="CELLRANGE">
                       <a:rPr lang="de-DE"/>
                       <a:pPr/>
                       <a:t>[CELLRANGE]</a:t>
@@ -501,7 +501,7 @@
                   <a:bodyPr/>
                   <a:lstStyle/>
                   <a:p>
-                    <a:fld id="{A9B6DD23-0EB5-47E2-8B02-9E35354A8465}" type="CELLRANGE">
+                    <a:fld id="{971331A7-3FD1-4BB7-9D8E-23B61BDAFF01}" type="CELLRANGE">
                       <a:rPr lang="de-DE"/>
                       <a:pPr/>
                       <a:t>[CELLRANGE]</a:t>
@@ -535,7 +535,7 @@
                   <a:bodyPr/>
                   <a:lstStyle/>
                   <a:p>
-                    <a:fld id="{5343B488-62A1-4C5E-98F9-EC21E4C27A2D}" type="CELLRANGE">
+                    <a:fld id="{CF04CB64-D75B-4AE9-914A-1BA1297EE5C7}" type="CELLRANGE">
                       <a:rPr lang="de-DE"/>
                       <a:pPr/>
                       <a:t>[CELLRANGE]</a:t>
@@ -569,7 +569,7 @@
                   <a:bodyPr/>
                   <a:lstStyle/>
                   <a:p>
-                    <a:fld id="{4242C606-1247-4927-AF99-574E046D8A77}" type="CELLRANGE">
+                    <a:fld id="{C4836E89-B74D-464D-AD0E-0FD935889CCD}" type="CELLRANGE">
                       <a:rPr lang="de-DE"/>
                       <a:pPr/>
                       <a:t>[CELLRANGE]</a:t>
@@ -603,7 +603,7 @@
                   <a:bodyPr/>
                   <a:lstStyle/>
                   <a:p>
-                    <a:fld id="{3091EC06-17FA-4AC5-9A19-8A18BEFE479C}" type="CELLRANGE">
+                    <a:fld id="{25DF8823-A510-47F4-AB18-D64869042A92}" type="CELLRANGE">
                       <a:rPr lang="de-DE"/>
                       <a:pPr/>
                       <a:t>[CELLRANGE]</a:t>
@@ -637,7 +637,7 @@
                   <a:bodyPr/>
                   <a:lstStyle/>
                   <a:p>
-                    <a:fld id="{20CF3BE5-5F9F-4C00-AC15-7B5582F0D1A3}" type="CELLRANGE">
+                    <a:fld id="{A6BF4F2C-8955-4839-A5C5-22F291B9CA3B}" type="CELLRANGE">
                       <a:rPr lang="de-DE"/>
                       <a:pPr/>
                       <a:t>[CELLRANGE]</a:t>
@@ -671,7 +671,7 @@
                   <a:bodyPr/>
                   <a:lstStyle/>
                   <a:p>
-                    <a:fld id="{B07AB48B-EB3B-4922-8A2F-C5A627D7E7D3}" type="CELLRANGE">
+                    <a:fld id="{CCAAA8F1-F342-4784-A51B-3642147BDDA6}" type="CELLRANGE">
                       <a:rPr lang="de-DE"/>
                       <a:pPr/>
                       <a:t>[CELLRANGE]</a:t>
@@ -1239,7 +1239,7 @@
                   <a:bodyPr/>
                   <a:lstStyle/>
                   <a:p>
-                    <a:fld id="{8DA6E3CF-28CA-4700-B865-09025D073883}" type="CELLRANGE">
+                    <a:fld id="{49A61211-17F2-4617-B960-EF62C10BC416}" type="CELLRANGE">
                       <a:rPr lang="de-DE"/>
                       <a:pPr/>
                       <a:t>[CELLRANGE]</a:t>
@@ -1273,7 +1273,7 @@
                   <a:bodyPr/>
                   <a:lstStyle/>
                   <a:p>
-                    <a:fld id="{104C0BC8-6348-4160-96D5-7B96B05DDF3B}" type="CELLRANGE">
+                    <a:fld id="{8C0B84CF-AED5-4868-810A-90B917B81B46}" type="CELLRANGE">
                       <a:rPr lang="de-DE"/>
                       <a:pPr/>
                       <a:t>[CELLRANGE]</a:t>
@@ -1307,7 +1307,7 @@
                   <a:bodyPr/>
                   <a:lstStyle/>
                   <a:p>
-                    <a:fld id="{833B305A-9C77-4FC4-BCDF-901FD89DBF4B}" type="CELLRANGE">
+                    <a:fld id="{185436E7-C2F8-43ED-9C4B-E95F07F30AF1}" type="CELLRANGE">
                       <a:rPr lang="de-DE"/>
                       <a:pPr/>
                       <a:t>[CELLRANGE]</a:t>
@@ -1341,7 +1341,7 @@
                   <a:bodyPr/>
                   <a:lstStyle/>
                   <a:p>
-                    <a:fld id="{AADFD953-B01E-41BC-BCA4-3F47FB805873}" type="CELLRANGE">
+                    <a:fld id="{9BDE937F-A06E-4215-B09C-CA336AE3D986}" type="CELLRANGE">
                       <a:rPr lang="de-DE"/>
                       <a:pPr/>
                       <a:t>[CELLRANGE]</a:t>
@@ -1375,7 +1375,7 @@
                   <a:bodyPr/>
                   <a:lstStyle/>
                   <a:p>
-                    <a:fld id="{DBE2579F-9A76-4F22-AB60-2CF7094B60EA}" type="CELLRANGE">
+                    <a:fld id="{541C8593-2E38-421F-87C3-2C62DD6BF417}" type="CELLRANGE">
                       <a:rPr lang="de-DE"/>
                       <a:pPr/>
                       <a:t>[CELLRANGE]</a:t>
@@ -1409,7 +1409,7 @@
                   <a:bodyPr/>
                   <a:lstStyle/>
                   <a:p>
-                    <a:fld id="{6B63E093-7DD4-45F4-9DA9-F011D891F776}" type="CELLRANGE">
+                    <a:fld id="{9C04E6FD-8375-4DEC-ABBF-C166C6858101}" type="CELLRANGE">
                       <a:rPr lang="de-DE"/>
                       <a:pPr/>
                       <a:t>[CELLRANGE]</a:t>
@@ -2349,20 +2349,6 @@
 </file>
 
 <file path=ppt/comments/comment1.xml><?xml version="1.0" encoding="utf-8"?>
-<p:cmLst xmlns:a="http://schemas.openxmlformats.org/drawingml/2006/main" xmlns:r="http://schemas.openxmlformats.org/officeDocument/2006/relationships" xmlns:p="http://schemas.openxmlformats.org/presentationml/2006/main">
-  <p:cm authorId="1" dt="2019-04-29T14:28:16.431" idx="1">
-    <p:pos x="7163" y="3327"/>
-    <p:text>Insert funny title</p:text>
-    <p:extLst>
-      <p:ext uri="{C676402C-5697-4E1C-873F-D02D1690AC5C}">
-        <p15:threadingInfo xmlns:p15="http://schemas.microsoft.com/office/powerpoint/2012/main" timeZoneBias="-120"/>
-      </p:ext>
-    </p:extLst>
-  </p:cm>
-</p:cmLst>
-</file>
-
-<file path=ppt/comments/comment2.xml><?xml version="1.0" encoding="utf-8"?>
 <p:cmLst xmlns:a="http://schemas.openxmlformats.org/drawingml/2006/main" xmlns:r="http://schemas.openxmlformats.org/officeDocument/2006/relationships" xmlns:p="http://schemas.openxmlformats.org/presentationml/2006/main">
   <p:cm authorId="1" dt="2019-04-29T14:28:45.247" idx="3">
     <p:pos x="601" y="3350"/>
@@ -6374,18 +6360,33 @@
           <a:lstStyle/>
           <a:p>
             <a:r>
-              <a:rPr lang="de-DE" dirty="0" err="1"/>
-              <a:t>Convexity</a:t>
-            </a:r>
-            <a:r>
               <a:rPr lang="de-DE" dirty="0"/>
-              <a:t> Game </a:t>
-            </a:r>
-            <a:r>
-              <a:rPr lang="de-DE" dirty="0" err="1"/>
-              <a:t>Structure</a:t>
-            </a:r>
-            <a:endParaRPr lang="de-DE" dirty="0"/>
+              <a:t>Singleplayergame für Jugendliche &amp; Erwachsene</a:t>
+            </a:r>
+          </a:p>
+          <a:p>
+            <a:r>
+              <a:rPr lang="de-DE" dirty="0"/>
+              <a:t>Spieler wird Zeuge einer Apokalypse</a:t>
+            </a:r>
+          </a:p>
+          <a:p>
+            <a:r>
+              <a:rPr lang="de-DE" dirty="0"/>
+              <a:t>Geht mit Zeitreise der Ursache auf den Grund und löst Rätsel.</a:t>
+            </a:r>
+          </a:p>
+          <a:p>
+            <a:r>
+              <a:rPr lang="de-DE" dirty="0"/>
+              <a:t>Bekämpft Zombies – Survival-Aspekt</a:t>
+            </a:r>
+          </a:p>
+          <a:p>
+            <a:r>
+              <a:rPr lang="de-DE" dirty="0"/>
+              <a:t>Betreibt bei Suche Exploration.</a:t>
+            </a:r>
           </a:p>
         </p:txBody>
       </p:sp>
@@ -6406,7 +6407,7 @@
           <a:p>
             <a:fld id="{6BAD1AF2-A6B3-4B84-B5D2-6F16B2D7100D}" type="slidenum">
               <a:rPr lang="de-DE" smtClean="0"/>
-              <a:t>13</a:t>
+              <a:t>5</a:t>
             </a:fld>
             <a:endParaRPr lang="de-DE"/>
           </a:p>
@@ -6415,7 +6416,7 @@
     </p:spTree>
     <p:extLst>
       <p:ext uri="{BB962C8B-B14F-4D97-AF65-F5344CB8AC3E}">
-        <p14:creationId xmlns:p14="http://schemas.microsoft.com/office/powerpoint/2010/main" val="4096383767"/>
+        <p14:creationId xmlns:p14="http://schemas.microsoft.com/office/powerpoint/2010/main" val="3935032360"/>
       </p:ext>
     </p:extLst>
   </p:cSld>
@@ -6426,6 +6427,333 @@
 </file>
 
 <file path=ppt/notesSlides/notesSlide2.xml><?xml version="1.0" encoding="utf-8"?>
+<p:notes xmlns:a="http://schemas.openxmlformats.org/drawingml/2006/main" xmlns:r="http://schemas.openxmlformats.org/officeDocument/2006/relationships" xmlns:p="http://schemas.openxmlformats.org/presentationml/2006/main">
+  <p:cSld>
+    <p:spTree>
+      <p:nvGrpSpPr>
+        <p:cNvPr id="1" name=""/>
+        <p:cNvGrpSpPr/>
+        <p:nvPr/>
+      </p:nvGrpSpPr>
+      <p:grpSpPr>
+        <a:xfrm>
+          <a:off x="0" y="0"/>
+          <a:ext cx="0" cy="0"/>
+          <a:chOff x="0" y="0"/>
+          <a:chExt cx="0" cy="0"/>
+        </a:xfrm>
+      </p:grpSpPr>
+      <p:sp>
+        <p:nvSpPr>
+          <p:cNvPr id="2" name="Slide Image Placeholder 1"/>
+          <p:cNvSpPr>
+            <a:spLocks noGrp="1" noRot="1" noChangeAspect="1"/>
+          </p:cNvSpPr>
+          <p:nvPr>
+            <p:ph type="sldImg"/>
+          </p:nvPr>
+        </p:nvSpPr>
+        <p:spPr/>
+      </p:sp>
+      <p:sp>
+        <p:nvSpPr>
+          <p:cNvPr id="3" name="Notes Placeholder 2"/>
+          <p:cNvSpPr>
+            <a:spLocks noGrp="1"/>
+          </p:cNvSpPr>
+          <p:nvPr>
+            <p:ph type="body" idx="1"/>
+          </p:nvPr>
+        </p:nvSpPr>
+        <p:spPr/>
+        <p:txBody>
+          <a:bodyPr/>
+          <a:lstStyle/>
+          <a:p>
+            <a:r>
+              <a:rPr lang="de-DE" dirty="0"/>
+              <a:t>Story Writing – Zentraler Bestandteil / Ursprung der Spielidee / Grundstein.</a:t>
+            </a:r>
+          </a:p>
+          <a:p>
+            <a:r>
+              <a:rPr lang="de-DE" dirty="0"/>
+              <a:t>Sound – Kurze Zeitspanne, kommen später darauf zurück</a:t>
+            </a:r>
+          </a:p>
+          <a:p>
+            <a:r>
+              <a:rPr lang="de-DE" dirty="0"/>
+              <a:t>Asset </a:t>
+            </a:r>
+            <a:r>
+              <a:rPr lang="de-DE" dirty="0" err="1"/>
+              <a:t>Creation</a:t>
+            </a:r>
+            <a:r>
+              <a:rPr lang="de-DE" dirty="0"/>
+              <a:t> – fortlaufender Bestandteil, werden nach Bedarf kreiert.</a:t>
+            </a:r>
+          </a:p>
+        </p:txBody>
+      </p:sp>
+      <p:sp>
+        <p:nvSpPr>
+          <p:cNvPr id="4" name="Slide Number Placeholder 3"/>
+          <p:cNvSpPr>
+            <a:spLocks noGrp="1"/>
+          </p:cNvSpPr>
+          <p:nvPr>
+            <p:ph type="sldNum" sz="quarter" idx="5"/>
+          </p:nvPr>
+        </p:nvSpPr>
+        <p:spPr/>
+        <p:txBody>
+          <a:bodyPr/>
+          <a:lstStyle/>
+          <a:p>
+            <a:fld id="{6BAD1AF2-A6B3-4B84-B5D2-6F16B2D7100D}" type="slidenum">
+              <a:rPr lang="de-DE" smtClean="0"/>
+              <a:t>9</a:t>
+            </a:fld>
+            <a:endParaRPr lang="de-DE"/>
+          </a:p>
+        </p:txBody>
+      </p:sp>
+    </p:spTree>
+    <p:extLst>
+      <p:ext uri="{BB962C8B-B14F-4D97-AF65-F5344CB8AC3E}">
+        <p14:creationId xmlns:p14="http://schemas.microsoft.com/office/powerpoint/2010/main" val="732553100"/>
+      </p:ext>
+    </p:extLst>
+  </p:cSld>
+  <p:clrMapOvr>
+    <a:masterClrMapping/>
+  </p:clrMapOvr>
+</p:notes>
+</file>
+
+<file path=ppt/notesSlides/notesSlide3.xml><?xml version="1.0" encoding="utf-8"?>
+<p:notes xmlns:a="http://schemas.openxmlformats.org/drawingml/2006/main" xmlns:r="http://schemas.openxmlformats.org/officeDocument/2006/relationships" xmlns:p="http://schemas.openxmlformats.org/presentationml/2006/main">
+  <p:cSld>
+    <p:spTree>
+      <p:nvGrpSpPr>
+        <p:cNvPr id="1" name=""/>
+        <p:cNvGrpSpPr/>
+        <p:nvPr/>
+      </p:nvGrpSpPr>
+      <p:grpSpPr>
+        <a:xfrm>
+          <a:off x="0" y="0"/>
+          <a:ext cx="0" cy="0"/>
+          <a:chOff x="0" y="0"/>
+          <a:chExt cx="0" cy="0"/>
+        </a:xfrm>
+      </p:grpSpPr>
+      <p:sp>
+        <p:nvSpPr>
+          <p:cNvPr id="2" name="Slide Image Placeholder 1"/>
+          <p:cNvSpPr>
+            <a:spLocks noGrp="1" noRot="1" noChangeAspect="1"/>
+          </p:cNvSpPr>
+          <p:nvPr>
+            <p:ph type="sldImg"/>
+          </p:nvPr>
+        </p:nvSpPr>
+        <p:spPr/>
+      </p:sp>
+      <p:sp>
+        <p:nvSpPr>
+          <p:cNvPr id="3" name="Notes Placeholder 2"/>
+          <p:cNvSpPr>
+            <a:spLocks noGrp="1"/>
+          </p:cNvSpPr>
+          <p:nvPr>
+            <p:ph type="body" idx="1"/>
+          </p:nvPr>
+        </p:nvSpPr>
+        <p:spPr/>
+        <p:txBody>
+          <a:bodyPr/>
+          <a:lstStyle/>
+          <a:p>
+            <a:r>
+              <a:rPr lang="de-DE" dirty="0"/>
+              <a:t>Story Writing – Zentraler Bestandteil / Ursprung der Spielidee / Grundstein.</a:t>
+            </a:r>
+          </a:p>
+          <a:p>
+            <a:r>
+              <a:rPr lang="de-DE" dirty="0"/>
+              <a:t>Sound – Kurze Zeitspanne, kommen später darauf zurück</a:t>
+            </a:r>
+          </a:p>
+          <a:p>
+            <a:r>
+              <a:rPr lang="de-DE" dirty="0"/>
+              <a:t>Asset </a:t>
+            </a:r>
+            <a:r>
+              <a:rPr lang="de-DE" dirty="0" err="1"/>
+              <a:t>Creation</a:t>
+            </a:r>
+            <a:r>
+              <a:rPr lang="de-DE" dirty="0"/>
+              <a:t> – fortlaufender Bestandteil, werden nach Bedarf kreiert.</a:t>
+            </a:r>
+          </a:p>
+        </p:txBody>
+      </p:sp>
+      <p:sp>
+        <p:nvSpPr>
+          <p:cNvPr id="4" name="Slide Number Placeholder 3"/>
+          <p:cNvSpPr>
+            <a:spLocks noGrp="1"/>
+          </p:cNvSpPr>
+          <p:nvPr>
+            <p:ph type="sldNum" sz="quarter" idx="5"/>
+          </p:nvPr>
+        </p:nvSpPr>
+        <p:spPr/>
+        <p:txBody>
+          <a:bodyPr/>
+          <a:lstStyle/>
+          <a:p>
+            <a:fld id="{6BAD1AF2-A6B3-4B84-B5D2-6F16B2D7100D}" type="slidenum">
+              <a:rPr lang="de-DE" smtClean="0"/>
+              <a:t>11</a:t>
+            </a:fld>
+            <a:endParaRPr lang="de-DE"/>
+          </a:p>
+        </p:txBody>
+      </p:sp>
+    </p:spTree>
+    <p:extLst>
+      <p:ext uri="{BB962C8B-B14F-4D97-AF65-F5344CB8AC3E}">
+        <p14:creationId xmlns:p14="http://schemas.microsoft.com/office/powerpoint/2010/main" val="743564137"/>
+      </p:ext>
+    </p:extLst>
+  </p:cSld>
+  <p:clrMapOvr>
+    <a:masterClrMapping/>
+  </p:clrMapOvr>
+</p:notes>
+</file>
+
+<file path=ppt/notesSlides/notesSlide4.xml><?xml version="1.0" encoding="utf-8"?>
+<p:notes xmlns:a="http://schemas.openxmlformats.org/drawingml/2006/main" xmlns:r="http://schemas.openxmlformats.org/officeDocument/2006/relationships" xmlns:p="http://schemas.openxmlformats.org/presentationml/2006/main">
+  <p:cSld>
+    <p:spTree>
+      <p:nvGrpSpPr>
+        <p:cNvPr id="1" name=""/>
+        <p:cNvGrpSpPr/>
+        <p:nvPr/>
+      </p:nvGrpSpPr>
+      <p:grpSpPr>
+        <a:xfrm>
+          <a:off x="0" y="0"/>
+          <a:ext cx="0" cy="0"/>
+          <a:chOff x="0" y="0"/>
+          <a:chExt cx="0" cy="0"/>
+        </a:xfrm>
+      </p:grpSpPr>
+      <p:sp>
+        <p:nvSpPr>
+          <p:cNvPr id="2" name="Slide Image Placeholder 1"/>
+          <p:cNvSpPr>
+            <a:spLocks noGrp="1" noRot="1" noChangeAspect="1"/>
+          </p:cNvSpPr>
+          <p:nvPr>
+            <p:ph type="sldImg"/>
+          </p:nvPr>
+        </p:nvSpPr>
+        <p:spPr/>
+      </p:sp>
+      <p:sp>
+        <p:nvSpPr>
+          <p:cNvPr id="3" name="Notes Placeholder 2"/>
+          <p:cNvSpPr>
+            <a:spLocks noGrp="1"/>
+          </p:cNvSpPr>
+          <p:nvPr>
+            <p:ph type="body" idx="1"/>
+          </p:nvPr>
+        </p:nvSpPr>
+        <p:spPr/>
+        <p:txBody>
+          <a:bodyPr/>
+          <a:lstStyle/>
+          <a:p>
+            <a:pPr marL="0" marR="0" lvl="0" indent="0" algn="l" defTabSz="914400" rtl="0" eaLnBrk="1" fontAlgn="auto" latinLnBrk="0" hangingPunct="1">
+              <a:lnSpc>
+                <a:spcPct val="100000"/>
+              </a:lnSpc>
+              <a:spcBef>
+                <a:spcPts val="0"/>
+              </a:spcBef>
+              <a:spcAft>
+                <a:spcPts val="0"/>
+              </a:spcAft>
+              <a:buClrTx/>
+              <a:buSzTx/>
+              <a:buFontTx/>
+              <a:buNone/>
+              <a:tabLst/>
+              <a:defRPr/>
+            </a:pPr>
+            <a:r>
+              <a:rPr lang="de-DE" dirty="0" err="1"/>
+              <a:t>Convexity</a:t>
+            </a:r>
+            <a:r>
+              <a:rPr lang="de-DE" dirty="0"/>
+              <a:t> Game </a:t>
+            </a:r>
+            <a:r>
+              <a:rPr lang="de-DE" dirty="0" err="1"/>
+              <a:t>Structure</a:t>
+            </a:r>
+            <a:endParaRPr lang="de-DE" dirty="0"/>
+          </a:p>
+        </p:txBody>
+      </p:sp>
+      <p:sp>
+        <p:nvSpPr>
+          <p:cNvPr id="4" name="Slide Number Placeholder 3"/>
+          <p:cNvSpPr>
+            <a:spLocks noGrp="1"/>
+          </p:cNvSpPr>
+          <p:nvPr>
+            <p:ph type="sldNum" sz="quarter" idx="5"/>
+          </p:nvPr>
+        </p:nvSpPr>
+        <p:spPr/>
+        <p:txBody>
+          <a:bodyPr/>
+          <a:lstStyle/>
+          <a:p>
+            <a:fld id="{6BAD1AF2-A6B3-4B84-B5D2-6F16B2D7100D}" type="slidenum">
+              <a:rPr lang="de-DE" smtClean="0"/>
+              <a:t>13</a:t>
+            </a:fld>
+            <a:endParaRPr lang="de-DE"/>
+          </a:p>
+        </p:txBody>
+      </p:sp>
+    </p:spTree>
+    <p:extLst>
+      <p:ext uri="{BB962C8B-B14F-4D97-AF65-F5344CB8AC3E}">
+        <p14:creationId xmlns:p14="http://schemas.microsoft.com/office/powerpoint/2010/main" val="2897571422"/>
+      </p:ext>
+    </p:extLst>
+  </p:cSld>
+  <p:clrMapOvr>
+    <a:masterClrMapping/>
+  </p:clrMapOvr>
+</p:notes>
+</file>
+
+<file path=ppt/notesSlides/notesSlide5.xml><?xml version="1.0" encoding="utf-8"?>
 <p:notes xmlns:a="http://schemas.openxmlformats.org/drawingml/2006/main" xmlns:r="http://schemas.openxmlformats.org/officeDocument/2006/relationships" xmlns:p="http://schemas.openxmlformats.org/presentationml/2006/main">
   <p:cSld>
     <p:spTree>
@@ -12271,7 +12599,10 @@
           <a:bodyPr/>
           <a:lstStyle/>
           <a:p>
-            <a:endParaRPr lang="de-DE" dirty="0"/>
+            <a:r>
+              <a:rPr lang="en-GB"/>
+              <a:t>„If I tell you what‘s gonna happen it won‘t happen“</a:t>
+            </a:r>
           </a:p>
         </p:txBody>
       </p:sp>
@@ -12620,7 +12951,7 @@
         </p:xfrm>
         <a:graphic>
           <a:graphicData uri="http://schemas.openxmlformats.org/drawingml/2006/chart">
-            <c:chart xmlns:c="http://schemas.openxmlformats.org/drawingml/2006/chart" xmlns:r="http://schemas.openxmlformats.org/officeDocument/2006/relationships" r:id="rId2"/>
+            <c:chart xmlns:c="http://schemas.openxmlformats.org/drawingml/2006/chart" xmlns:r="http://schemas.openxmlformats.org/officeDocument/2006/relationships" r:id="rId3"/>
           </a:graphicData>
         </a:graphic>
       </p:graphicFrame>
@@ -12890,14 +13221,6 @@
 <file path=ppt/slides/slide13.xml><?xml version="1.0" encoding="utf-8"?>
 <p:sld xmlns:a="http://schemas.openxmlformats.org/drawingml/2006/main" xmlns:r="http://schemas.openxmlformats.org/officeDocument/2006/relationships" xmlns:p="http://schemas.openxmlformats.org/presentationml/2006/main">
   <p:cSld>
-    <p:bg>
-      <p:bgPr>
-        <a:solidFill>
-          <a:schemeClr val="bg2"/>
-        </a:solidFill>
-        <a:effectLst/>
-      </p:bgPr>
-    </p:bg>
     <p:spTree>
       <p:nvGrpSpPr>
         <p:cNvPr id="1" name=""/>
@@ -12917,63 +13240,327 @@
           <p:cNvPr id="4" name="Title 3">
             <a:extLst>
               <a:ext uri="{FF2B5EF4-FFF2-40B4-BE49-F238E27FC236}">
-                <a16:creationId xmlns:a16="http://schemas.microsoft.com/office/drawing/2014/main" id="{FCF2CAA6-294D-4BFE-BDDA-321D8B18167F}"/>
+                <a16:creationId xmlns:a16="http://schemas.microsoft.com/office/drawing/2014/main" id="{6B63B087-7DD5-4DF0-A4D0-DDE4FE7A66EC}"/>
               </a:ext>
             </a:extLst>
           </p:cNvPr>
-          <p:cNvSpPr>
-            <a:spLocks noGrp="1"/>
+          <p:cNvSpPr txBox="1">
+            <a:spLocks/>
           </p:cNvSpPr>
-          <p:nvPr>
-            <p:ph type="title"/>
-          </p:nvPr>
+          <p:nvPr/>
         </p:nvSpPr>
         <p:spPr>
           <a:xfrm>
             <a:off x="810000" y="447188"/>
             <a:ext cx="10571998" cy="970450"/>
           </a:xfrm>
+          <a:prstGeom prst="rect">
+            <a:avLst/>
+          </a:prstGeom>
         </p:spPr>
         <p:txBody>
           <a:bodyPr>
             <a:normAutofit/>
           </a:bodyPr>
-          <a:lstStyle/>
-          <a:p>
-            <a:r>
-              <a:rPr lang="de-DE" dirty="0"/>
+          <a:lstStyle>
+            <a:lvl1pPr algn="l" defTabSz="457200" rtl="0" eaLnBrk="1" latinLnBrk="0" hangingPunct="1">
+              <a:spcBef>
+                <a:spcPct val="0"/>
+              </a:spcBef>
+              <a:buNone/>
+              <a:defRPr sz="4000" b="1" kern="1200">
+                <a:solidFill>
+                  <a:srgbClr val="FEFEFE"/>
+                </a:solidFill>
+                <a:latin typeface="+mj-lt"/>
+                <a:ea typeface="+mj-ea"/>
+                <a:cs typeface="+mj-cs"/>
+              </a:defRPr>
+            </a:lvl1pPr>
+            <a:lvl2pPr eaLnBrk="1" hangingPunct="1">
+              <a:defRPr>
+                <a:solidFill>
+                  <a:schemeClr val="tx2"/>
+                </a:solidFill>
+              </a:defRPr>
+            </a:lvl2pPr>
+            <a:lvl3pPr eaLnBrk="1" hangingPunct="1">
+              <a:defRPr>
+                <a:solidFill>
+                  <a:schemeClr val="tx2"/>
+                </a:solidFill>
+              </a:defRPr>
+            </a:lvl3pPr>
+            <a:lvl4pPr eaLnBrk="1" hangingPunct="1">
+              <a:defRPr>
+                <a:solidFill>
+                  <a:schemeClr val="tx2"/>
+                </a:solidFill>
+              </a:defRPr>
+            </a:lvl4pPr>
+            <a:lvl5pPr eaLnBrk="1" hangingPunct="1">
+              <a:defRPr>
+                <a:solidFill>
+                  <a:schemeClr val="tx2"/>
+                </a:solidFill>
+              </a:defRPr>
+            </a:lvl5pPr>
+            <a:lvl6pPr eaLnBrk="1" hangingPunct="1">
+              <a:defRPr>
+                <a:solidFill>
+                  <a:schemeClr val="tx2"/>
+                </a:solidFill>
+              </a:defRPr>
+            </a:lvl6pPr>
+            <a:lvl7pPr eaLnBrk="1" hangingPunct="1">
+              <a:defRPr>
+                <a:solidFill>
+                  <a:schemeClr val="tx2"/>
+                </a:solidFill>
+              </a:defRPr>
+            </a:lvl7pPr>
+            <a:lvl8pPr eaLnBrk="1" hangingPunct="1">
+              <a:defRPr>
+                <a:solidFill>
+                  <a:schemeClr val="tx2"/>
+                </a:solidFill>
+              </a:defRPr>
+            </a:lvl8pPr>
+            <a:lvl9pPr eaLnBrk="1" hangingPunct="1">
+              <a:defRPr>
+                <a:solidFill>
+                  <a:schemeClr val="tx2"/>
+                </a:solidFill>
+              </a:defRPr>
+            </a:lvl9pPr>
+          </a:lstStyle>
+          <a:p>
+            <a:r>
+              <a:rPr lang="de-DE"/>
               <a:t>Aktueller Stand (1/3)</a:t>
             </a:r>
+            <a:endParaRPr lang="de-DE" dirty="0"/>
           </a:p>
         </p:txBody>
       </p:sp>
       <p:sp>
         <p:nvSpPr>
-          <p:cNvPr id="20" name="Content Placeholder 19">
+          <p:cNvPr id="5" name="Content Placeholder 19">
             <a:extLst>
               <a:ext uri="{FF2B5EF4-FFF2-40B4-BE49-F238E27FC236}">
-                <a16:creationId xmlns:a16="http://schemas.microsoft.com/office/drawing/2014/main" id="{127D4DDF-B2E1-446A-BE27-77793B15398C}"/>
+                <a16:creationId xmlns:a16="http://schemas.microsoft.com/office/drawing/2014/main" id="{8B868B83-787C-41B9-864F-52F9C5B74990}"/>
               </a:ext>
             </a:extLst>
           </p:cNvPr>
-          <p:cNvSpPr>
-            <a:spLocks noGrp="1"/>
+          <p:cNvSpPr txBox="1">
+            <a:spLocks/>
           </p:cNvSpPr>
-          <p:nvPr>
-            <p:ph idx="1"/>
-          </p:nvPr>
+          <p:nvPr/>
         </p:nvSpPr>
         <p:spPr>
           <a:xfrm>
             <a:off x="818713" y="2413000"/>
-            <a:ext cx="4324787" cy="3632200"/>
+            <a:ext cx="4324787" cy="2378075"/>
           </a:xfrm>
+          <a:prstGeom prst="rect">
+            <a:avLst/>
+          </a:prstGeom>
         </p:spPr>
         <p:txBody>
           <a:bodyPr>
             <a:normAutofit/>
           </a:bodyPr>
-          <a:lstStyle/>
+          <a:lstStyle>
+            <a:lvl1pPr marL="342900" indent="-342900" algn="l" defTabSz="457200" rtl="0" eaLnBrk="1" latinLnBrk="0" hangingPunct="1">
+              <a:spcBef>
+                <a:spcPct val="20000"/>
+              </a:spcBef>
+              <a:spcAft>
+                <a:spcPts val="600"/>
+              </a:spcAft>
+              <a:buClr>
+                <a:schemeClr val="accent1"/>
+              </a:buClr>
+              <a:buFont typeface="Wingdings 2" charset="2"/>
+              <a:buChar char=""/>
+              <a:defRPr sz="1800" kern="1200">
+                <a:solidFill>
+                  <a:schemeClr val="tx1"/>
+                </a:solidFill>
+                <a:latin typeface="+mn-lt"/>
+                <a:ea typeface="+mn-ea"/>
+                <a:cs typeface="+mn-cs"/>
+              </a:defRPr>
+            </a:lvl1pPr>
+            <a:lvl2pPr marL="742950" indent="-285750" algn="l" defTabSz="457200" rtl="0" eaLnBrk="1" latinLnBrk="0" hangingPunct="1">
+              <a:spcBef>
+                <a:spcPct val="20000"/>
+              </a:spcBef>
+              <a:spcAft>
+                <a:spcPts val="600"/>
+              </a:spcAft>
+              <a:buClr>
+                <a:schemeClr val="accent1"/>
+              </a:buClr>
+              <a:buFont typeface="Wingdings 2" charset="2"/>
+              <a:buChar char=""/>
+              <a:defRPr sz="1600" kern="1200">
+                <a:solidFill>
+                  <a:schemeClr val="tx1"/>
+                </a:solidFill>
+                <a:latin typeface="+mn-lt"/>
+                <a:ea typeface="+mn-ea"/>
+                <a:cs typeface="+mn-cs"/>
+              </a:defRPr>
+            </a:lvl2pPr>
+            <a:lvl3pPr marL="1143000" indent="-228600" algn="l" defTabSz="457200" rtl="0" eaLnBrk="1" latinLnBrk="0" hangingPunct="1">
+              <a:spcBef>
+                <a:spcPct val="20000"/>
+              </a:spcBef>
+              <a:spcAft>
+                <a:spcPts val="600"/>
+              </a:spcAft>
+              <a:buClr>
+                <a:schemeClr val="accent1"/>
+              </a:buClr>
+              <a:buFont typeface="Wingdings 2" charset="2"/>
+              <a:buChar char=""/>
+              <a:defRPr sz="1400" kern="1200">
+                <a:solidFill>
+                  <a:schemeClr val="tx1"/>
+                </a:solidFill>
+                <a:latin typeface="+mn-lt"/>
+                <a:ea typeface="+mn-ea"/>
+                <a:cs typeface="+mn-cs"/>
+              </a:defRPr>
+            </a:lvl3pPr>
+            <a:lvl4pPr marL="1600200" indent="-228600" algn="l" defTabSz="457200" rtl="0" eaLnBrk="1" latinLnBrk="0" hangingPunct="1">
+              <a:spcBef>
+                <a:spcPct val="20000"/>
+              </a:spcBef>
+              <a:spcAft>
+                <a:spcPts val="600"/>
+              </a:spcAft>
+              <a:buClr>
+                <a:schemeClr val="accent1"/>
+              </a:buClr>
+              <a:buFont typeface="Wingdings 2" charset="2"/>
+              <a:buChar char=""/>
+              <a:defRPr sz="1200" kern="1200">
+                <a:solidFill>
+                  <a:schemeClr val="tx1"/>
+                </a:solidFill>
+                <a:latin typeface="+mn-lt"/>
+                <a:ea typeface="+mn-ea"/>
+                <a:cs typeface="+mn-cs"/>
+              </a:defRPr>
+            </a:lvl4pPr>
+            <a:lvl5pPr marL="2057400" indent="-228600" algn="l" defTabSz="457200" rtl="0" eaLnBrk="1" latinLnBrk="0" hangingPunct="1">
+              <a:spcBef>
+                <a:spcPct val="20000"/>
+              </a:spcBef>
+              <a:spcAft>
+                <a:spcPts val="600"/>
+              </a:spcAft>
+              <a:buClr>
+                <a:schemeClr val="accent1"/>
+              </a:buClr>
+              <a:buFont typeface="Wingdings 2" charset="2"/>
+              <a:buChar char=""/>
+              <a:defRPr sz="1200" kern="1200">
+                <a:solidFill>
+                  <a:schemeClr val="tx1"/>
+                </a:solidFill>
+                <a:latin typeface="+mn-lt"/>
+                <a:ea typeface="+mn-ea"/>
+                <a:cs typeface="+mn-cs"/>
+              </a:defRPr>
+            </a:lvl5pPr>
+            <a:lvl6pPr marL="2400000" indent="-228600" algn="l" defTabSz="457200" rtl="0" eaLnBrk="1" latinLnBrk="0" hangingPunct="1">
+              <a:spcBef>
+                <a:spcPct val="20000"/>
+              </a:spcBef>
+              <a:spcAft>
+                <a:spcPts val="600"/>
+              </a:spcAft>
+              <a:buClr>
+                <a:schemeClr val="accent1"/>
+              </a:buClr>
+              <a:buFont typeface="Wingdings 2" charset="2"/>
+              <a:buChar char=""/>
+              <a:defRPr sz="1200" kern="1200">
+                <a:solidFill>
+                  <a:schemeClr val="tx1"/>
+                </a:solidFill>
+                <a:latin typeface="+mn-lt"/>
+                <a:ea typeface="+mn-ea"/>
+                <a:cs typeface="+mn-cs"/>
+              </a:defRPr>
+            </a:lvl6pPr>
+            <a:lvl7pPr marL="2800000" indent="-228600" algn="l" defTabSz="457200" rtl="0" eaLnBrk="1" latinLnBrk="0" hangingPunct="1">
+              <a:spcBef>
+                <a:spcPct val="20000"/>
+              </a:spcBef>
+              <a:spcAft>
+                <a:spcPts val="600"/>
+              </a:spcAft>
+              <a:buClr>
+                <a:schemeClr val="accent1"/>
+              </a:buClr>
+              <a:buFont typeface="Wingdings 2" charset="2"/>
+              <a:buChar char=""/>
+              <a:defRPr sz="1200" kern="1200">
+                <a:solidFill>
+                  <a:schemeClr val="tx1"/>
+                </a:solidFill>
+                <a:latin typeface="+mn-lt"/>
+                <a:ea typeface="+mn-ea"/>
+                <a:cs typeface="+mn-cs"/>
+              </a:defRPr>
+            </a:lvl7pPr>
+            <a:lvl8pPr marL="3200000" indent="-228600" algn="l" defTabSz="457200" rtl="0" eaLnBrk="1" latinLnBrk="0" hangingPunct="1">
+              <a:spcBef>
+                <a:spcPct val="20000"/>
+              </a:spcBef>
+              <a:spcAft>
+                <a:spcPts val="600"/>
+              </a:spcAft>
+              <a:buClr>
+                <a:schemeClr val="accent1"/>
+              </a:buClr>
+              <a:buFont typeface="Wingdings 2" charset="2"/>
+              <a:buChar char=""/>
+              <a:defRPr sz="1200" kern="1200">
+                <a:solidFill>
+                  <a:schemeClr val="tx1"/>
+                </a:solidFill>
+                <a:latin typeface="+mn-lt"/>
+                <a:ea typeface="+mn-ea"/>
+                <a:cs typeface="+mn-cs"/>
+              </a:defRPr>
+            </a:lvl8pPr>
+            <a:lvl9pPr marL="3600000" indent="-228600" algn="l" defTabSz="457200" rtl="0" eaLnBrk="1" latinLnBrk="0" hangingPunct="1">
+              <a:spcBef>
+                <a:spcPct val="20000"/>
+              </a:spcBef>
+              <a:spcAft>
+                <a:spcPts val="600"/>
+              </a:spcAft>
+              <a:buClr>
+                <a:schemeClr val="accent1"/>
+              </a:buClr>
+              <a:buFont typeface="Wingdings 2" charset="2"/>
+              <a:buChar char=""/>
+              <a:defRPr sz="1200" kern="1200">
+                <a:solidFill>
+                  <a:schemeClr val="tx1"/>
+                </a:solidFill>
+                <a:latin typeface="+mn-lt"/>
+                <a:ea typeface="+mn-ea"/>
+                <a:cs typeface="+mn-cs"/>
+              </a:defRPr>
+            </a:lvl9pPr>
+          </a:lstStyle>
           <a:p>
             <a:r>
               <a:rPr lang="de-DE" dirty="0"/>
@@ -12983,6 +13570,12 @@
           <a:p>
             <a:r>
               <a:rPr lang="de-DE" dirty="0"/>
+              <a:t>Environment Assets</a:t>
+            </a:r>
+          </a:p>
+          <a:p>
+            <a:r>
+              <a:rPr lang="de-DE" dirty="0"/>
               <a:t>Animation-Prototype</a:t>
             </a:r>
           </a:p>
@@ -12996,12 +13589,6 @@
               <a:t>Animations</a:t>
             </a:r>
             <a:endParaRPr lang="de-DE" dirty="0"/>
-          </a:p>
-          <a:p>
-            <a:r>
-              <a:rPr lang="de-DE" dirty="0"/>
-              <a:t>Environment Assets</a:t>
-            </a:r>
           </a:p>
           <a:p>
             <a:r>
@@ -13017,10 +13604,10 @@
       </p:sp>
       <p:pic>
         <p:nvPicPr>
-          <p:cNvPr id="38" name="Picture 37">
+          <p:cNvPr id="6" name="Picture 5">
             <a:extLst>
               <a:ext uri="{FF2B5EF4-FFF2-40B4-BE49-F238E27FC236}">
-                <a16:creationId xmlns:a16="http://schemas.microsoft.com/office/drawing/2014/main" id="{0C489529-EEEA-47C6-80ED-7B532B27350F}"/>
+                <a16:creationId xmlns:a16="http://schemas.microsoft.com/office/drawing/2014/main" id="{B1E47236-739B-4414-9FE8-7C817F3653D9}"/>
               </a:ext>
             </a:extLst>
           </p:cNvPr>
@@ -13037,7 +13624,7 @@
         </p:blipFill>
         <p:spPr>
           <a:xfrm>
-            <a:off x="5333999" y="2299849"/>
+            <a:off x="5333999" y="1670562"/>
             <a:ext cx="6281219" cy="3862949"/>
           </a:xfrm>
           <a:prstGeom prst="roundRect">
@@ -13055,10 +13642,10 @@
       </p:pic>
       <p:sp>
         <p:nvSpPr>
-          <p:cNvPr id="28" name="TextBox 27">
+          <p:cNvPr id="7" name="TextBox 6">
             <a:extLst>
               <a:ext uri="{FF2B5EF4-FFF2-40B4-BE49-F238E27FC236}">
-                <a16:creationId xmlns:a16="http://schemas.microsoft.com/office/drawing/2014/main" id="{C4985B7B-FDCB-4C57-9576-0BF9D6C79DEE}"/>
+                <a16:creationId xmlns:a16="http://schemas.microsoft.com/office/drawing/2014/main" id="{A07ABA58-F6DE-4B05-BD98-AA7549D7EB16}"/>
               </a:ext>
             </a:extLst>
           </p:cNvPr>
@@ -13067,7 +13654,7 @@
         </p:nvSpPr>
         <p:spPr>
           <a:xfrm>
-            <a:off x="5333999" y="6226146"/>
+            <a:off x="5333999" y="5617158"/>
             <a:ext cx="6281219" cy="338554"/>
           </a:xfrm>
           <a:prstGeom prst="rect">
@@ -13083,7 +13670,7 @@
           <a:p>
             <a:pPr algn="ctr"/>
             <a:r>
-              <a:rPr lang="en-GB" sz="1600"/>
+              <a:rPr lang="en-GB" sz="1600" dirty="0"/>
               <a:t>Overview: Current Storyline</a:t>
             </a:r>
           </a:p>
@@ -13092,7 +13679,7 @@
     </p:spTree>
     <p:extLst>
       <p:ext uri="{BB962C8B-B14F-4D97-AF65-F5344CB8AC3E}">
-        <p14:creationId xmlns:p14="http://schemas.microsoft.com/office/powerpoint/2010/main" val="111335783"/>
+        <p14:creationId xmlns:p14="http://schemas.microsoft.com/office/powerpoint/2010/main" val="396078780"/>
       </p:ext>
     </p:extLst>
   </p:cSld>
@@ -13122,339 +13709,130 @@
           <a:chExt cx="0" cy="0"/>
         </a:xfrm>
       </p:grpSpPr>
-      <p:sp useBgFill="1">
+      <p:sp>
         <p:nvSpPr>
-          <p:cNvPr id="10" name="Rectangle 9">
+          <p:cNvPr id="12" name="Title 1">
             <a:extLst>
               <a:ext uri="{FF2B5EF4-FFF2-40B4-BE49-F238E27FC236}">
-                <a16:creationId xmlns:a16="http://schemas.microsoft.com/office/drawing/2014/main" id="{874F1482-69C3-47D5-95FE-67C0FA2DF8B0}"/>
-              </a:ext>
-              <a:ext uri="{C183D7F6-B498-43B3-948B-1728B52AA6E4}">
-                <adec:decorative xmlns:adec="http://schemas.microsoft.com/office/drawing/2017/decorative" val="1"/>
+                <a16:creationId xmlns:a16="http://schemas.microsoft.com/office/drawing/2014/main" id="{E736774F-BA3F-42F3-B62D-53FBCB7A547B}"/>
               </a:ext>
             </a:extLst>
           </p:cNvPr>
-          <p:cNvSpPr>
-            <a:spLocks noGrp="1" noRot="1" noChangeAspect="1" noMove="1" noResize="1" noEditPoints="1" noAdjustHandles="1" noChangeArrowheads="1" noChangeShapeType="1" noTextEdit="1"/>
+          <p:cNvSpPr txBox="1">
+            <a:spLocks/>
           </p:cNvSpPr>
-          <p:nvPr>
-            <p:extLst>
-              <p:ext uri="{386F3935-93C4-4BCD-93E2-E3B085C9AB24}">
-                <p16:designElem xmlns:p16="http://schemas.microsoft.com/office/powerpoint/2015/main" val="1"/>
-              </p:ext>
-            </p:extLst>
-          </p:nvPr>
+          <p:nvPr/>
         </p:nvSpPr>
         <p:spPr>
           <a:xfrm>
-            <a:off x="0" y="0"/>
-            <a:ext cx="12192000" cy="6858000"/>
+            <a:off x="771901" y="606526"/>
+            <a:ext cx="10571998" cy="970450"/>
           </a:xfrm>
           <a:prstGeom prst="rect">
             <a:avLst/>
           </a:prstGeom>
-          <a:ln>
-            <a:noFill/>
-          </a:ln>
-        </p:spPr>
-        <p:style>
-          <a:lnRef idx="2">
-            <a:schemeClr val="accent1">
-              <a:shade val="50000"/>
-            </a:schemeClr>
-          </a:lnRef>
-          <a:fillRef idx="1">
-            <a:schemeClr val="accent1"/>
-          </a:fillRef>
-          <a:effectRef idx="0">
-            <a:schemeClr val="accent1"/>
-          </a:effectRef>
-          <a:fontRef idx="minor">
-            <a:schemeClr val="lt1"/>
-          </a:fontRef>
-        </p:style>
-        <p:txBody>
-          <a:bodyPr rtlCol="0" anchor="ctr"/>
-          <a:lstStyle/>
-          <a:p>
-            <a:pPr algn="ctr"/>
-            <a:endParaRPr lang="en-US"/>
-          </a:p>
-        </p:txBody>
-      </p:sp>
-      <p:sp>
-        <p:nvSpPr>
-          <p:cNvPr id="12" name="Freeform: Shape 11">
-            <a:extLst>
-              <a:ext uri="{FF2B5EF4-FFF2-40B4-BE49-F238E27FC236}">
-                <a16:creationId xmlns:a16="http://schemas.microsoft.com/office/drawing/2014/main" id="{41CA5367-149E-428C-B4D8-C1ECC9EAF739}"/>
-              </a:ext>
-              <a:ext uri="{C183D7F6-B498-43B3-948B-1728B52AA6E4}">
-                <adec:decorative xmlns:adec="http://schemas.microsoft.com/office/drawing/2017/decorative" val="1"/>
-              </a:ext>
-            </a:extLst>
-          </p:cNvPr>
-          <p:cNvSpPr>
-            <a:spLocks noGrp="1" noRot="1" noChangeAspect="1" noMove="1" noResize="1" noEditPoints="1" noAdjustHandles="1" noChangeArrowheads="1" noChangeShapeType="1" noTextEdit="1"/>
-          </p:cNvSpPr>
-          <p:nvPr>
-            <p:extLst>
-              <p:ext uri="{386F3935-93C4-4BCD-93E2-E3B085C9AB24}">
-                <p16:designElem xmlns:p16="http://schemas.microsoft.com/office/powerpoint/2015/main" val="1"/>
-              </p:ext>
-            </p:extLst>
-          </p:nvPr>
-        </p:nvSpPr>
-        <p:spPr bwMode="auto">
-          <a:xfrm rot="10800000">
-            <a:off x="0" y="5388384"/>
-            <a:ext cx="12192000" cy="1469616"/>
-          </a:xfrm>
-          <a:custGeom>
-            <a:avLst/>
-            <a:gdLst>
-              <a:gd name="connsiteX0" fmla="*/ 6113881 w 12192000"/>
-              <a:gd name="connsiteY0" fmla="*/ 1469616 h 1469616"/>
-              <a:gd name="connsiteX1" fmla="*/ 6101181 w 12192000"/>
-              <a:gd name="connsiteY1" fmla="*/ 1469616 h 1469616"/>
-              <a:gd name="connsiteX2" fmla="*/ 6090598 w 12192000"/>
-              <a:gd name="connsiteY2" fmla="*/ 1469616 h 1469616"/>
-              <a:gd name="connsiteX3" fmla="*/ 6077897 w 12192000"/>
-              <a:gd name="connsiteY3" fmla="*/ 1464854 h 1469616"/>
-              <a:gd name="connsiteX4" fmla="*/ 6065198 w 12192000"/>
-              <a:gd name="connsiteY4" fmla="*/ 1460091 h 1469616"/>
-              <a:gd name="connsiteX5" fmla="*/ 6056731 w 12192000"/>
-              <a:gd name="connsiteY5" fmla="*/ 1456916 h 1469616"/>
-              <a:gd name="connsiteX6" fmla="*/ 5678033 w 12192000"/>
-              <a:gd name="connsiteY6" fmla="*/ 1172892 h 1469616"/>
-              <a:gd name="connsiteX7" fmla="*/ 0 w 12192000"/>
-              <a:gd name="connsiteY7" fmla="*/ 1172892 h 1469616"/>
-              <a:gd name="connsiteX8" fmla="*/ 0 w 12192000"/>
-              <a:gd name="connsiteY8" fmla="*/ 1162370 h 1469616"/>
-              <a:gd name="connsiteX9" fmla="*/ 0 w 12192000"/>
-              <a:gd name="connsiteY9" fmla="*/ 403347 h 1469616"/>
-              <a:gd name="connsiteX10" fmla="*/ 0 w 12192000"/>
-              <a:gd name="connsiteY10" fmla="*/ 0 h 1469616"/>
-              <a:gd name="connsiteX11" fmla="*/ 12192000 w 12192000"/>
-              <a:gd name="connsiteY11" fmla="*/ 0 h 1469616"/>
-              <a:gd name="connsiteX12" fmla="*/ 12192000 w 12192000"/>
-              <a:gd name="connsiteY12" fmla="*/ 403347 h 1469616"/>
-              <a:gd name="connsiteX13" fmla="*/ 12192000 w 12192000"/>
-              <a:gd name="connsiteY13" fmla="*/ 1162370 h 1469616"/>
-              <a:gd name="connsiteX14" fmla="*/ 12192000 w 12192000"/>
-              <a:gd name="connsiteY14" fmla="*/ 1172892 h 1469616"/>
-              <a:gd name="connsiteX15" fmla="*/ 6524330 w 12192000"/>
-              <a:gd name="connsiteY15" fmla="*/ 1172892 h 1469616"/>
-              <a:gd name="connsiteX16" fmla="*/ 6145631 w 12192000"/>
-              <a:gd name="connsiteY16" fmla="*/ 1456916 h 1469616"/>
-              <a:gd name="connsiteX17" fmla="*/ 6137163 w 12192000"/>
-              <a:gd name="connsiteY17" fmla="*/ 1460091 h 1469616"/>
-              <a:gd name="connsiteX18" fmla="*/ 6124463 w 12192000"/>
-              <a:gd name="connsiteY18" fmla="*/ 1464854 h 1469616"/>
-            </a:gdLst>
-            <a:ahLst/>
-            <a:cxnLst>
-              <a:cxn ang="0">
-                <a:pos x="connsiteX0" y="connsiteY0"/>
-              </a:cxn>
-              <a:cxn ang="0">
-                <a:pos x="connsiteX1" y="connsiteY1"/>
-              </a:cxn>
-              <a:cxn ang="0">
-                <a:pos x="connsiteX2" y="connsiteY2"/>
-              </a:cxn>
-              <a:cxn ang="0">
-                <a:pos x="connsiteX3" y="connsiteY3"/>
-              </a:cxn>
-              <a:cxn ang="0">
-                <a:pos x="connsiteX4" y="connsiteY4"/>
-              </a:cxn>
-              <a:cxn ang="0">
-                <a:pos x="connsiteX5" y="connsiteY5"/>
-              </a:cxn>
-              <a:cxn ang="0">
-                <a:pos x="connsiteX6" y="connsiteY6"/>
-              </a:cxn>
-              <a:cxn ang="0">
-                <a:pos x="connsiteX7" y="connsiteY7"/>
-              </a:cxn>
-              <a:cxn ang="0">
-                <a:pos x="connsiteX8" y="connsiteY8"/>
-              </a:cxn>
-              <a:cxn ang="0">
-                <a:pos x="connsiteX9" y="connsiteY9"/>
-              </a:cxn>
-              <a:cxn ang="0">
-                <a:pos x="connsiteX10" y="connsiteY10"/>
-              </a:cxn>
-              <a:cxn ang="0">
-                <a:pos x="connsiteX11" y="connsiteY11"/>
-              </a:cxn>
-              <a:cxn ang="0">
-                <a:pos x="connsiteX12" y="connsiteY12"/>
-              </a:cxn>
-              <a:cxn ang="0">
-                <a:pos x="connsiteX13" y="connsiteY13"/>
-              </a:cxn>
-              <a:cxn ang="0">
-                <a:pos x="connsiteX14" y="connsiteY14"/>
-              </a:cxn>
-              <a:cxn ang="0">
-                <a:pos x="connsiteX15" y="connsiteY15"/>
-              </a:cxn>
-              <a:cxn ang="0">
-                <a:pos x="connsiteX16" y="connsiteY16"/>
-              </a:cxn>
-              <a:cxn ang="0">
-                <a:pos x="connsiteX17" y="connsiteY17"/>
-              </a:cxn>
-              <a:cxn ang="0">
-                <a:pos x="connsiteX18" y="connsiteY18"/>
-              </a:cxn>
-            </a:cxnLst>
-            <a:rect l="l" t="t" r="r" b="b"/>
-            <a:pathLst>
-              <a:path w="12192000" h="1469616">
-                <a:moveTo>
-                  <a:pt x="6113881" y="1469616"/>
-                </a:moveTo>
-                <a:lnTo>
-                  <a:pt x="6101181" y="1469616"/>
-                </a:lnTo>
-                <a:lnTo>
-                  <a:pt x="6090598" y="1469616"/>
-                </a:lnTo>
-                <a:lnTo>
-                  <a:pt x="6077897" y="1464854"/>
-                </a:lnTo>
-                <a:lnTo>
-                  <a:pt x="6065198" y="1460091"/>
-                </a:lnTo>
-                <a:lnTo>
-                  <a:pt x="6056731" y="1456916"/>
-                </a:lnTo>
-                <a:lnTo>
-                  <a:pt x="5678033" y="1172892"/>
-                </a:lnTo>
-                <a:lnTo>
-                  <a:pt x="0" y="1172892"/>
-                </a:lnTo>
-                <a:lnTo>
-                  <a:pt x="0" y="1162370"/>
-                </a:lnTo>
-                <a:lnTo>
-                  <a:pt x="0" y="403347"/>
-                </a:lnTo>
-                <a:lnTo>
-                  <a:pt x="0" y="0"/>
-                </a:lnTo>
-                <a:lnTo>
-                  <a:pt x="12192000" y="0"/>
-                </a:lnTo>
-                <a:lnTo>
-                  <a:pt x="12192000" y="403347"/>
-                </a:lnTo>
-                <a:lnTo>
-                  <a:pt x="12192000" y="1162370"/>
-                </a:lnTo>
-                <a:lnTo>
-                  <a:pt x="12192000" y="1172892"/>
-                </a:lnTo>
-                <a:lnTo>
-                  <a:pt x="6524330" y="1172892"/>
-                </a:lnTo>
-                <a:lnTo>
-                  <a:pt x="6145631" y="1456916"/>
-                </a:lnTo>
-                <a:lnTo>
-                  <a:pt x="6137163" y="1460091"/>
-                </a:lnTo>
-                <a:lnTo>
-                  <a:pt x="6124463" y="1464854"/>
-                </a:lnTo>
-                <a:close/>
-              </a:path>
-            </a:pathLst>
-          </a:custGeom>
-          <a:ln>
-            <a:noFill/>
-          </a:ln>
-          <a:effectLst/>
-          <a:extLst>
-            <a:ext uri="{91240B29-F687-4f45-9708-019B960494DF}">
-              <a14:hiddenLine xmlns="" xmlns:a14="http://schemas.microsoft.com/office/drawing/2010/main" xmlns:p14="http://schemas.microsoft.com/office/powerpoint/2010/main" xmlns:a16="http://schemas.microsoft.com/office/drawing/2014/main" w="9525">
-                <a:solidFill>
-                  <a:srgbClr val="000000"/>
-                </a:solidFill>
-                <a:round/>
-                <a:headEnd/>
-                <a:tailEnd/>
-              </a14:hiddenLine>
-            </a:ext>
-          </a:extLst>
-        </p:spPr>
-        <p:style>
-          <a:lnRef idx="1">
-            <a:schemeClr val="accent1"/>
-          </a:lnRef>
-          <a:fillRef idx="3">
-            <a:schemeClr val="accent1"/>
-          </a:fillRef>
-          <a:effectRef idx="2">
-            <a:schemeClr val="accent1"/>
-          </a:effectRef>
-          <a:fontRef idx="minor">
-            <a:schemeClr val="lt1"/>
-          </a:fontRef>
-        </p:style>
-      </p:sp>
-      <p:sp>
-        <p:nvSpPr>
-          <p:cNvPr id="11" name="Title 1">
-            <a:extLst>
-              <a:ext uri="{FF2B5EF4-FFF2-40B4-BE49-F238E27FC236}">
-                <a16:creationId xmlns:a16="http://schemas.microsoft.com/office/drawing/2014/main" id="{E6E4B087-21C4-4059-90D4-97F3684885B1}"/>
-              </a:ext>
-            </a:extLst>
-          </p:cNvPr>
-          <p:cNvSpPr>
-            <a:spLocks noGrp="1"/>
-          </p:cNvSpPr>
-          <p:nvPr>
-            <p:ph type="title"/>
-          </p:nvPr>
-        </p:nvSpPr>
-        <p:spPr>
-          <a:xfrm>
-            <a:off x="810001" y="288511"/>
-            <a:ext cx="10571998" cy="970450"/>
-          </a:xfrm>
           <a:effectLst/>
         </p:spPr>
         <p:txBody>
           <a:bodyPr anchor="ctr">
             <a:normAutofit/>
           </a:bodyPr>
-          <a:lstStyle/>
+          <a:lstStyle>
+            <a:lvl1pPr algn="l" defTabSz="457200" rtl="0" eaLnBrk="1" latinLnBrk="0" hangingPunct="1">
+              <a:spcBef>
+                <a:spcPct val="0"/>
+              </a:spcBef>
+              <a:buNone/>
+              <a:defRPr sz="4000" b="1" kern="1200">
+                <a:solidFill>
+                  <a:srgbClr val="FEFEFE"/>
+                </a:solidFill>
+                <a:latin typeface="+mj-lt"/>
+                <a:ea typeface="+mj-ea"/>
+                <a:cs typeface="+mj-cs"/>
+              </a:defRPr>
+            </a:lvl1pPr>
+            <a:lvl2pPr eaLnBrk="1" hangingPunct="1">
+              <a:defRPr>
+                <a:solidFill>
+                  <a:schemeClr val="tx2"/>
+                </a:solidFill>
+              </a:defRPr>
+            </a:lvl2pPr>
+            <a:lvl3pPr eaLnBrk="1" hangingPunct="1">
+              <a:defRPr>
+                <a:solidFill>
+                  <a:schemeClr val="tx2"/>
+                </a:solidFill>
+              </a:defRPr>
+            </a:lvl3pPr>
+            <a:lvl4pPr eaLnBrk="1" hangingPunct="1">
+              <a:defRPr>
+                <a:solidFill>
+                  <a:schemeClr val="tx2"/>
+                </a:solidFill>
+              </a:defRPr>
+            </a:lvl4pPr>
+            <a:lvl5pPr eaLnBrk="1" hangingPunct="1">
+              <a:defRPr>
+                <a:solidFill>
+                  <a:schemeClr val="tx2"/>
+                </a:solidFill>
+              </a:defRPr>
+            </a:lvl5pPr>
+            <a:lvl6pPr eaLnBrk="1" hangingPunct="1">
+              <a:defRPr>
+                <a:solidFill>
+                  <a:schemeClr val="tx2"/>
+                </a:solidFill>
+              </a:defRPr>
+            </a:lvl6pPr>
+            <a:lvl7pPr eaLnBrk="1" hangingPunct="1">
+              <a:defRPr>
+                <a:solidFill>
+                  <a:schemeClr val="tx2"/>
+                </a:solidFill>
+              </a:defRPr>
+            </a:lvl7pPr>
+            <a:lvl8pPr eaLnBrk="1" hangingPunct="1">
+              <a:defRPr>
+                <a:solidFill>
+                  <a:schemeClr val="tx2"/>
+                </a:solidFill>
+              </a:defRPr>
+            </a:lvl8pPr>
+            <a:lvl9pPr eaLnBrk="1" hangingPunct="1">
+              <a:defRPr>
+                <a:solidFill>
+                  <a:schemeClr val="tx2"/>
+                </a:solidFill>
+              </a:defRPr>
+            </a:lvl9pPr>
+          </a:lstStyle>
           <a:p>
             <a:pPr algn="ctr"/>
             <a:r>
-              <a:rPr lang="de-DE" sz="3200" dirty="0">
+              <a:rPr lang="de-DE" sz="3200">
                 <a:solidFill>
                   <a:schemeClr val="tx1"/>
                 </a:solidFill>
               </a:rPr>
               <a:t>Aktueller Stand (2/3)</a:t>
             </a:r>
+            <a:endParaRPr lang="de-DE" sz="3200" dirty="0">
+              <a:solidFill>
+                <a:schemeClr val="tx1"/>
+              </a:solidFill>
+            </a:endParaRPr>
           </a:p>
         </p:txBody>
       </p:sp>
       <p:pic>
         <p:nvPicPr>
-          <p:cNvPr id="8" name="Content Placeholder 18">
+          <p:cNvPr id="13" name="Content Placeholder 18">
             <a:extLst>
               <a:ext uri="{FF2B5EF4-FFF2-40B4-BE49-F238E27FC236}">
-                <a16:creationId xmlns:a16="http://schemas.microsoft.com/office/drawing/2014/main" id="{0B7F0338-E4D0-4355-B700-7A56E664BC53}"/>
+                <a16:creationId xmlns:a16="http://schemas.microsoft.com/office/drawing/2014/main" id="{85F7EE5A-AEDE-4DA4-BBAC-5425621F2664}"/>
               </a:ext>
             </a:extLst>
           </p:cNvPr>
@@ -13470,7 +13848,7 @@
         </p:blipFill>
         <p:spPr>
           <a:xfrm>
-            <a:off x="1504282" y="1309617"/>
+            <a:off x="2006562" y="1932432"/>
             <a:ext cx="1889526" cy="3602736"/>
           </a:xfrm>
           <a:prstGeom prst="roundRect">
@@ -13491,10 +13869,10 @@
       </p:pic>
       <p:pic>
         <p:nvPicPr>
-          <p:cNvPr id="9" name="Picture 2" descr="https://cdn.discordapp.com/attachments/562760624409673748/576145448230977547/layer_view.PNG">
+          <p:cNvPr id="14" name="Picture 2" descr="https://cdn.discordapp.com/attachments/562760624409673748/576145448230977547/layer_view.PNG">
             <a:extLst>
               <a:ext uri="{FF2B5EF4-FFF2-40B4-BE49-F238E27FC236}">
-                <a16:creationId xmlns:a16="http://schemas.microsoft.com/office/drawing/2014/main" id="{CE7A4747-F9CA-4C39-B573-B6CE813EFB4F}"/>
+                <a16:creationId xmlns:a16="http://schemas.microsoft.com/office/drawing/2014/main" id="{81C41B1D-2B6B-43D3-9EC3-E317E3195CC3}"/>
               </a:ext>
             </a:extLst>
           </p:cNvPr>
@@ -13517,7 +13895,7 @@
         </p:blipFill>
         <p:spPr bwMode="auto">
           <a:xfrm>
-            <a:off x="4898090" y="1309617"/>
+            <a:off x="4898090" y="1932432"/>
             <a:ext cx="2395819" cy="3602736"/>
           </a:xfrm>
           <a:prstGeom prst="roundRect">
@@ -13545,10 +13923,10 @@
       </p:pic>
       <p:pic>
         <p:nvPicPr>
-          <p:cNvPr id="13" name="Picture 4" descr="https://cdn.discordapp.com/attachments/562760624409673748/576145471429541908/clone_image_overplay.PNG">
+          <p:cNvPr id="15" name="Picture 4" descr="https://cdn.discordapp.com/attachments/562760624409673748/576145471429541908/clone_image_overplay.PNG">
             <a:extLst>
               <a:ext uri="{FF2B5EF4-FFF2-40B4-BE49-F238E27FC236}">
-                <a16:creationId xmlns:a16="http://schemas.microsoft.com/office/drawing/2014/main" id="{61F83967-4E85-4A89-B781-770E1A0D4178}"/>
+                <a16:creationId xmlns:a16="http://schemas.microsoft.com/office/drawing/2014/main" id="{5B534115-0D13-412B-ADD9-6D38F66FB404}"/>
               </a:ext>
             </a:extLst>
           </p:cNvPr>
@@ -13571,7 +13949,7 @@
         </p:blipFill>
         <p:spPr bwMode="auto">
           <a:xfrm>
-            <a:off x="8143511" y="1309617"/>
+            <a:off x="8295911" y="1932432"/>
             <a:ext cx="3238488" cy="3602736"/>
           </a:xfrm>
           <a:prstGeom prst="roundRect">
@@ -13599,10 +13977,10 @@
       </p:pic>
       <p:sp>
         <p:nvSpPr>
-          <p:cNvPr id="2" name="TextBox 1">
+          <p:cNvPr id="16" name="TextBox 15">
             <a:extLst>
               <a:ext uri="{FF2B5EF4-FFF2-40B4-BE49-F238E27FC236}">
-                <a16:creationId xmlns:a16="http://schemas.microsoft.com/office/drawing/2014/main" id="{FF556BAE-0E7D-46D4-BDE3-8B56FEFC623B}"/>
+                <a16:creationId xmlns:a16="http://schemas.microsoft.com/office/drawing/2014/main" id="{A53D0E2E-A6DF-404C-83DF-77F34F016C6E}"/>
               </a:ext>
             </a:extLst>
           </p:cNvPr>
@@ -13611,7 +13989,7 @@
         </p:nvSpPr>
         <p:spPr>
           <a:xfrm>
-            <a:off x="1100923" y="5019535"/>
+            <a:off x="1603203" y="5641866"/>
             <a:ext cx="2696243" cy="369332"/>
           </a:xfrm>
           <a:prstGeom prst="rect">
@@ -13640,10 +14018,10 @@
       </p:sp>
       <p:sp>
         <p:nvSpPr>
-          <p:cNvPr id="16" name="TextBox 15">
+          <p:cNvPr id="17" name="TextBox 16">
             <a:extLst>
               <a:ext uri="{FF2B5EF4-FFF2-40B4-BE49-F238E27FC236}">
-                <a16:creationId xmlns:a16="http://schemas.microsoft.com/office/drawing/2014/main" id="{EE536F52-16DF-444B-992A-D5895FA6FEF3}"/>
+                <a16:creationId xmlns:a16="http://schemas.microsoft.com/office/drawing/2014/main" id="{D43BA772-7545-4AD0-9B61-6F67B3033867}"/>
               </a:ext>
             </a:extLst>
           </p:cNvPr>
@@ -13652,7 +14030,7 @@
         </p:nvSpPr>
         <p:spPr>
           <a:xfrm>
-            <a:off x="4839819" y="5019051"/>
+            <a:off x="4839819" y="5641866"/>
             <a:ext cx="2512360" cy="369332"/>
           </a:xfrm>
           <a:prstGeom prst="rect">
@@ -13676,10 +14054,10 @@
       </p:sp>
       <p:sp>
         <p:nvSpPr>
-          <p:cNvPr id="17" name="TextBox 16">
+          <p:cNvPr id="18" name="TextBox 17">
             <a:extLst>
               <a:ext uri="{FF2B5EF4-FFF2-40B4-BE49-F238E27FC236}">
-                <a16:creationId xmlns:a16="http://schemas.microsoft.com/office/drawing/2014/main" id="{DF7F777C-DF6A-44EE-BB4A-466AD6F7C339}"/>
+                <a16:creationId xmlns:a16="http://schemas.microsoft.com/office/drawing/2014/main" id="{8F6A23EF-786A-4400-B6F6-370B70BCD71B}"/>
               </a:ext>
             </a:extLst>
           </p:cNvPr>
@@ -13688,7 +14066,7 @@
         </p:nvSpPr>
         <p:spPr>
           <a:xfrm>
-            <a:off x="8143511" y="5019051"/>
+            <a:off x="8295911" y="5641866"/>
             <a:ext cx="3238487" cy="369332"/>
           </a:xfrm>
           <a:prstGeom prst="rect">
@@ -13712,10 +14090,10 @@
       </p:sp>
       <p:pic>
         <p:nvPicPr>
-          <p:cNvPr id="8202" name="Picture 10" descr="215 best 8bit images on Pinterest | Game design, Pixel art ...">
+          <p:cNvPr id="19" name="Picture 10" descr="215 best 8bit images on Pinterest | Game design, Pixel art ...">
             <a:extLst>
               <a:ext uri="{FF2B5EF4-FFF2-40B4-BE49-F238E27FC236}">
-                <a16:creationId xmlns:a16="http://schemas.microsoft.com/office/drawing/2014/main" id="{F575AADA-9E39-4179-9807-C96DE42024C5}"/>
+                <a16:creationId xmlns:a16="http://schemas.microsoft.com/office/drawing/2014/main" id="{FAE59FAD-B748-4927-8C67-EB01740ACC6F}"/>
               </a:ext>
             </a:extLst>
           </p:cNvPr>
@@ -13739,7 +14117,7 @@
         </p:blipFill>
         <p:spPr bwMode="auto">
           <a:xfrm>
-            <a:off x="161112" y="121823"/>
+            <a:off x="199212" y="201713"/>
             <a:ext cx="487777" cy="487777"/>
           </a:xfrm>
           <a:prstGeom prst="rect">
@@ -13760,7 +14138,7 @@
     </p:spTree>
     <p:extLst>
       <p:ext uri="{BB962C8B-B14F-4D97-AF65-F5344CB8AC3E}">
-        <p14:creationId xmlns:p14="http://schemas.microsoft.com/office/powerpoint/2010/main" val="2232308226"/>
+        <p14:creationId xmlns:p14="http://schemas.microsoft.com/office/powerpoint/2010/main" val="2119353648"/>
       </p:ext>
     </p:extLst>
   </p:cSld>
@@ -13922,22 +14300,22 @@
           <a:lstStyle/>
           <a:p>
             <a:r>
+              <a:rPr lang="de-DE" sz="2000" dirty="0"/>
+              <a:t>Base Systems &amp; Managers</a:t>
+            </a:r>
+          </a:p>
+          <a:p>
+            <a:r>
+              <a:rPr lang="de-DE" sz="2000" dirty="0"/>
+              <a:t>Health- &amp; Oxygen-System</a:t>
+            </a:r>
+          </a:p>
+          <a:p>
+            <a:r>
               <a:rPr lang="de-DE" sz="2000" dirty="0" err="1"/>
               <a:t>Gunplay</a:t>
             </a:r>
             <a:endParaRPr lang="de-DE" sz="2000" dirty="0"/>
-          </a:p>
-          <a:p>
-            <a:r>
-              <a:rPr lang="de-DE" sz="2000" dirty="0"/>
-              <a:t>Base Systems &amp; Managers</a:t>
-            </a:r>
-          </a:p>
-          <a:p>
-            <a:r>
-              <a:rPr lang="de-DE" sz="2000" dirty="0"/>
-              <a:t>Health- &amp; Oxygen-System</a:t>
-            </a:r>
           </a:p>
           <a:p>
             <a:r>
@@ -14533,7 +14911,7 @@
         <p:spPr>
           <a:xfrm>
             <a:off x="818712" y="1610745"/>
-            <a:ext cx="10554574" cy="3636511"/>
+            <a:ext cx="5277288" cy="3636511"/>
           </a:xfrm>
           <a:effectLst/>
         </p:spPr>
@@ -14822,7 +15200,7 @@
         </p:blipFill>
         <p:spPr bwMode="auto">
           <a:xfrm>
-            <a:off x="8223506" y="1469617"/>
+            <a:off x="8213981" y="1469617"/>
             <a:ext cx="2034694" cy="3716338"/>
           </a:xfrm>
           <a:prstGeom prst="roundRect">
@@ -14848,6 +15226,42 @@
           </a:extLst>
         </p:spPr>
       </p:pic>
+      <p:sp>
+        <p:nvSpPr>
+          <p:cNvPr id="2" name="TextBox 1">
+            <a:extLst>
+              <a:ext uri="{FF2B5EF4-FFF2-40B4-BE49-F238E27FC236}">
+                <a16:creationId xmlns:a16="http://schemas.microsoft.com/office/drawing/2014/main" id="{B6382363-117C-406D-BF14-87DE35B25A35}"/>
+              </a:ext>
+            </a:extLst>
+          </p:cNvPr>
+          <p:cNvSpPr txBox="1"/>
+          <p:nvPr/>
+        </p:nvSpPr>
+        <p:spPr>
+          <a:xfrm>
+            <a:off x="8213981" y="5255697"/>
+            <a:ext cx="2034694" cy="307777"/>
+          </a:xfrm>
+          <a:prstGeom prst="rect">
+            <a:avLst/>
+          </a:prstGeom>
+          <a:noFill/>
+        </p:spPr>
+        <p:txBody>
+          <a:bodyPr wrap="square" rtlCol="0">
+            <a:spAutoFit/>
+          </a:bodyPr>
+          <a:lstStyle/>
+          <a:p>
+            <a:pPr algn="ctr"/>
+            <a:r>
+              <a:rPr lang="en-GB" sz="1400"/>
+              <a:t>Character: Zombie</a:t>
+            </a:r>
+          </a:p>
+        </p:txBody>
+      </p:sp>
     </p:spTree>
     <p:extLst>
       <p:ext uri="{BB962C8B-B14F-4D97-AF65-F5344CB8AC3E}">
@@ -15253,7 +15667,54 @@
           <a:bodyPr/>
           <a:lstStyle/>
           <a:p>
-            <a:endParaRPr lang="de-DE"/>
+            <a:r>
+              <a:rPr lang="de-DE" dirty="0" err="1"/>
+              <a:t>You</a:t>
+            </a:r>
+            <a:r>
+              <a:rPr lang="de-DE" dirty="0"/>
+              <a:t> </a:t>
+            </a:r>
+            <a:r>
+              <a:rPr lang="de-DE" dirty="0" err="1"/>
+              <a:t>thought</a:t>
+            </a:r>
+            <a:r>
+              <a:rPr lang="de-DE" dirty="0"/>
+              <a:t> </a:t>
+            </a:r>
+            <a:r>
+              <a:rPr lang="de-DE" dirty="0" err="1"/>
+              <a:t>that</a:t>
+            </a:r>
+            <a:r>
+              <a:rPr lang="de-DE" dirty="0"/>
+              <a:t> </a:t>
+            </a:r>
+            <a:r>
+              <a:rPr lang="de-DE" dirty="0" err="1"/>
+              <a:t>transition</a:t>
+            </a:r>
+            <a:r>
+              <a:rPr lang="de-DE" dirty="0"/>
+              <a:t> was smooth, </a:t>
+            </a:r>
+            <a:r>
+              <a:rPr lang="de-DE" dirty="0" err="1"/>
+              <a:t>didn‘t</a:t>
+            </a:r>
+            <a:r>
+              <a:rPr lang="de-DE" dirty="0"/>
+              <a:t> </a:t>
+            </a:r>
+            <a:r>
+              <a:rPr lang="de-DE" dirty="0" err="1"/>
+              <a:t>you</a:t>
+            </a:r>
+            <a:r>
+              <a:rPr lang="de-DE" dirty="0"/>
+              <a:t>?</a:t>
+            </a:r>
           </a:p>
         </p:txBody>
       </p:sp>
@@ -15772,7 +16233,42 @@
           <a:bodyPr/>
           <a:lstStyle/>
           <a:p>
-            <a:endParaRPr lang="de-DE"/>
+            <a:r>
+              <a:rPr lang="de-DE" dirty="0"/>
+              <a:t>Well, </a:t>
+            </a:r>
+            <a:r>
+              <a:rPr lang="de-DE" dirty="0" err="1"/>
+              <a:t>how</a:t>
+            </a:r>
+            <a:r>
+              <a:rPr lang="de-DE" dirty="0"/>
+              <a:t> </a:t>
+            </a:r>
+            <a:r>
+              <a:rPr lang="de-DE" dirty="0" err="1"/>
+              <a:t>about</a:t>
+            </a:r>
+            <a:r>
+              <a:rPr lang="de-DE" dirty="0"/>
+              <a:t> </a:t>
+            </a:r>
+            <a:r>
+              <a:rPr lang="de-DE" dirty="0" err="1"/>
+              <a:t>that</a:t>
+            </a:r>
+            <a:r>
+              <a:rPr lang="de-DE" dirty="0"/>
+              <a:t> last </a:t>
+            </a:r>
+            <a:r>
+              <a:rPr lang="de-DE" dirty="0" err="1"/>
+              <a:t>one</a:t>
+            </a:r>
+            <a:r>
+              <a:rPr lang="de-DE" dirty="0"/>
+              <a:t>?</a:t>
+            </a:r>
           </a:p>
         </p:txBody>
       </p:sp>
@@ -15892,7 +16388,7 @@
           <p:nvPr/>
         </p:nvPicPr>
         <p:blipFill rotWithShape="1">
-          <a:blip r:embed="rId2">
+          <a:blip r:embed="rId3">
             <a:alphaModFix amt="40000"/>
             <a:extLst/>
           </a:blip>
@@ -16216,7 +16712,7 @@
           <a:bodyPr/>
           <a:lstStyle/>
           <a:p>
-            <a:endParaRPr lang="de-DE"/>
+            <a:endParaRPr lang="de-DE" dirty="0"/>
           </a:p>
         </p:txBody>
       </p:sp>
@@ -16926,14 +17422,6 @@
 <file path=ppt/slides/slide9.xml><?xml version="1.0" encoding="utf-8"?>
 <p:sld xmlns:a="http://schemas.openxmlformats.org/drawingml/2006/main" xmlns:r="http://schemas.openxmlformats.org/officeDocument/2006/relationships" xmlns:p="http://schemas.openxmlformats.org/presentationml/2006/main">
   <p:cSld>
-    <p:bg>
-      <p:bgPr>
-        <a:solidFill>
-          <a:schemeClr val="bg2"/>
-        </a:solidFill>
-        <a:effectLst/>
-      </p:bgPr>
-    </p:bg>
     <p:spTree>
       <p:nvGrpSpPr>
         <p:cNvPr id="1" name=""/>
@@ -16948,12 +17436,298 @@
           <a:chExt cx="0" cy="0"/>
         </a:xfrm>
       </p:grpSpPr>
+      <p:sp useBgFill="1">
+        <p:nvSpPr>
+          <p:cNvPr id="10" name="Rectangle 9">
+            <a:extLst>
+              <a:ext uri="{FF2B5EF4-FFF2-40B4-BE49-F238E27FC236}">
+                <a16:creationId xmlns:a16="http://schemas.microsoft.com/office/drawing/2014/main" id="{874F1482-69C3-47D5-95FE-67C0FA2DF8B0}"/>
+              </a:ext>
+              <a:ext uri="{C183D7F6-B498-43B3-948B-1728B52AA6E4}">
+                <adec:decorative xmlns:adec="http://schemas.microsoft.com/office/drawing/2017/decorative" val="1"/>
+              </a:ext>
+            </a:extLst>
+          </p:cNvPr>
+          <p:cNvSpPr>
+            <a:spLocks noGrp="1" noRot="1" noChangeAspect="1" noMove="1" noResize="1" noEditPoints="1" noAdjustHandles="1" noChangeArrowheads="1" noChangeShapeType="1" noTextEdit="1"/>
+          </p:cNvSpPr>
+          <p:nvPr>
+            <p:extLst>
+              <p:ext uri="{386F3935-93C4-4BCD-93E2-E3B085C9AB24}">
+                <p16:designElem xmlns:p16="http://schemas.microsoft.com/office/powerpoint/2015/main" val="1"/>
+              </p:ext>
+            </p:extLst>
+          </p:nvPr>
+        </p:nvSpPr>
+        <p:spPr>
+          <a:xfrm>
+            <a:off x="0" y="0"/>
+            <a:ext cx="12192000" cy="6858000"/>
+          </a:xfrm>
+          <a:prstGeom prst="rect">
+            <a:avLst/>
+          </a:prstGeom>
+          <a:ln>
+            <a:noFill/>
+          </a:ln>
+        </p:spPr>
+        <p:style>
+          <a:lnRef idx="2">
+            <a:schemeClr val="accent1">
+              <a:shade val="50000"/>
+            </a:schemeClr>
+          </a:lnRef>
+          <a:fillRef idx="1">
+            <a:schemeClr val="accent1"/>
+          </a:fillRef>
+          <a:effectRef idx="0">
+            <a:schemeClr val="accent1"/>
+          </a:effectRef>
+          <a:fontRef idx="minor">
+            <a:schemeClr val="lt1"/>
+          </a:fontRef>
+        </p:style>
+        <p:txBody>
+          <a:bodyPr rtlCol="0" anchor="ctr"/>
+          <a:lstStyle/>
+          <a:p>
+            <a:pPr algn="ctr"/>
+            <a:endParaRPr lang="en-US"/>
+          </a:p>
+        </p:txBody>
+      </p:sp>
       <p:sp>
         <p:nvSpPr>
-          <p:cNvPr id="2" name="Title 1">
+          <p:cNvPr id="12" name="Freeform: Shape 11">
             <a:extLst>
               <a:ext uri="{FF2B5EF4-FFF2-40B4-BE49-F238E27FC236}">
-                <a16:creationId xmlns:a16="http://schemas.microsoft.com/office/drawing/2014/main" id="{19998F4E-D92D-4662-A7D1-B5194FD33F31}"/>
+                <a16:creationId xmlns:a16="http://schemas.microsoft.com/office/drawing/2014/main" id="{41CA5367-149E-428C-B4D8-C1ECC9EAF739}"/>
+              </a:ext>
+              <a:ext uri="{C183D7F6-B498-43B3-948B-1728B52AA6E4}">
+                <adec:decorative xmlns:adec="http://schemas.microsoft.com/office/drawing/2017/decorative" val="1"/>
+              </a:ext>
+            </a:extLst>
+          </p:cNvPr>
+          <p:cNvSpPr>
+            <a:spLocks noGrp="1" noRot="1" noChangeAspect="1" noMove="1" noResize="1" noEditPoints="1" noAdjustHandles="1" noChangeArrowheads="1" noChangeShapeType="1" noTextEdit="1"/>
+          </p:cNvSpPr>
+          <p:nvPr>
+            <p:extLst>
+              <p:ext uri="{386F3935-93C4-4BCD-93E2-E3B085C9AB24}">
+                <p16:designElem xmlns:p16="http://schemas.microsoft.com/office/powerpoint/2015/main" val="1"/>
+              </p:ext>
+            </p:extLst>
+          </p:nvPr>
+        </p:nvSpPr>
+        <p:spPr bwMode="auto">
+          <a:xfrm rot="10800000">
+            <a:off x="0" y="5388384"/>
+            <a:ext cx="12192000" cy="1469616"/>
+          </a:xfrm>
+          <a:custGeom>
+            <a:avLst/>
+            <a:gdLst>
+              <a:gd name="connsiteX0" fmla="*/ 6113881 w 12192000"/>
+              <a:gd name="connsiteY0" fmla="*/ 1469616 h 1469616"/>
+              <a:gd name="connsiteX1" fmla="*/ 6101181 w 12192000"/>
+              <a:gd name="connsiteY1" fmla="*/ 1469616 h 1469616"/>
+              <a:gd name="connsiteX2" fmla="*/ 6090598 w 12192000"/>
+              <a:gd name="connsiteY2" fmla="*/ 1469616 h 1469616"/>
+              <a:gd name="connsiteX3" fmla="*/ 6077897 w 12192000"/>
+              <a:gd name="connsiteY3" fmla="*/ 1464854 h 1469616"/>
+              <a:gd name="connsiteX4" fmla="*/ 6065198 w 12192000"/>
+              <a:gd name="connsiteY4" fmla="*/ 1460091 h 1469616"/>
+              <a:gd name="connsiteX5" fmla="*/ 6056731 w 12192000"/>
+              <a:gd name="connsiteY5" fmla="*/ 1456916 h 1469616"/>
+              <a:gd name="connsiteX6" fmla="*/ 5678033 w 12192000"/>
+              <a:gd name="connsiteY6" fmla="*/ 1172892 h 1469616"/>
+              <a:gd name="connsiteX7" fmla="*/ 0 w 12192000"/>
+              <a:gd name="connsiteY7" fmla="*/ 1172892 h 1469616"/>
+              <a:gd name="connsiteX8" fmla="*/ 0 w 12192000"/>
+              <a:gd name="connsiteY8" fmla="*/ 1162370 h 1469616"/>
+              <a:gd name="connsiteX9" fmla="*/ 0 w 12192000"/>
+              <a:gd name="connsiteY9" fmla="*/ 403347 h 1469616"/>
+              <a:gd name="connsiteX10" fmla="*/ 0 w 12192000"/>
+              <a:gd name="connsiteY10" fmla="*/ 0 h 1469616"/>
+              <a:gd name="connsiteX11" fmla="*/ 12192000 w 12192000"/>
+              <a:gd name="connsiteY11" fmla="*/ 0 h 1469616"/>
+              <a:gd name="connsiteX12" fmla="*/ 12192000 w 12192000"/>
+              <a:gd name="connsiteY12" fmla="*/ 403347 h 1469616"/>
+              <a:gd name="connsiteX13" fmla="*/ 12192000 w 12192000"/>
+              <a:gd name="connsiteY13" fmla="*/ 1162370 h 1469616"/>
+              <a:gd name="connsiteX14" fmla="*/ 12192000 w 12192000"/>
+              <a:gd name="connsiteY14" fmla="*/ 1172892 h 1469616"/>
+              <a:gd name="connsiteX15" fmla="*/ 6524330 w 12192000"/>
+              <a:gd name="connsiteY15" fmla="*/ 1172892 h 1469616"/>
+              <a:gd name="connsiteX16" fmla="*/ 6145631 w 12192000"/>
+              <a:gd name="connsiteY16" fmla="*/ 1456916 h 1469616"/>
+              <a:gd name="connsiteX17" fmla="*/ 6137163 w 12192000"/>
+              <a:gd name="connsiteY17" fmla="*/ 1460091 h 1469616"/>
+              <a:gd name="connsiteX18" fmla="*/ 6124463 w 12192000"/>
+              <a:gd name="connsiteY18" fmla="*/ 1464854 h 1469616"/>
+            </a:gdLst>
+            <a:ahLst/>
+            <a:cxnLst>
+              <a:cxn ang="0">
+                <a:pos x="connsiteX0" y="connsiteY0"/>
+              </a:cxn>
+              <a:cxn ang="0">
+                <a:pos x="connsiteX1" y="connsiteY1"/>
+              </a:cxn>
+              <a:cxn ang="0">
+                <a:pos x="connsiteX2" y="connsiteY2"/>
+              </a:cxn>
+              <a:cxn ang="0">
+                <a:pos x="connsiteX3" y="connsiteY3"/>
+              </a:cxn>
+              <a:cxn ang="0">
+                <a:pos x="connsiteX4" y="connsiteY4"/>
+              </a:cxn>
+              <a:cxn ang="0">
+                <a:pos x="connsiteX5" y="connsiteY5"/>
+              </a:cxn>
+              <a:cxn ang="0">
+                <a:pos x="connsiteX6" y="connsiteY6"/>
+              </a:cxn>
+              <a:cxn ang="0">
+                <a:pos x="connsiteX7" y="connsiteY7"/>
+              </a:cxn>
+              <a:cxn ang="0">
+                <a:pos x="connsiteX8" y="connsiteY8"/>
+              </a:cxn>
+              <a:cxn ang="0">
+                <a:pos x="connsiteX9" y="connsiteY9"/>
+              </a:cxn>
+              <a:cxn ang="0">
+                <a:pos x="connsiteX10" y="connsiteY10"/>
+              </a:cxn>
+              <a:cxn ang="0">
+                <a:pos x="connsiteX11" y="connsiteY11"/>
+              </a:cxn>
+              <a:cxn ang="0">
+                <a:pos x="connsiteX12" y="connsiteY12"/>
+              </a:cxn>
+              <a:cxn ang="0">
+                <a:pos x="connsiteX13" y="connsiteY13"/>
+              </a:cxn>
+              <a:cxn ang="0">
+                <a:pos x="connsiteX14" y="connsiteY14"/>
+              </a:cxn>
+              <a:cxn ang="0">
+                <a:pos x="connsiteX15" y="connsiteY15"/>
+              </a:cxn>
+              <a:cxn ang="0">
+                <a:pos x="connsiteX16" y="connsiteY16"/>
+              </a:cxn>
+              <a:cxn ang="0">
+                <a:pos x="connsiteX17" y="connsiteY17"/>
+              </a:cxn>
+              <a:cxn ang="0">
+                <a:pos x="connsiteX18" y="connsiteY18"/>
+              </a:cxn>
+            </a:cxnLst>
+            <a:rect l="l" t="t" r="r" b="b"/>
+            <a:pathLst>
+              <a:path w="12192000" h="1469616">
+                <a:moveTo>
+                  <a:pt x="6113881" y="1469616"/>
+                </a:moveTo>
+                <a:lnTo>
+                  <a:pt x="6101181" y="1469616"/>
+                </a:lnTo>
+                <a:lnTo>
+                  <a:pt x="6090598" y="1469616"/>
+                </a:lnTo>
+                <a:lnTo>
+                  <a:pt x="6077897" y="1464854"/>
+                </a:lnTo>
+                <a:lnTo>
+                  <a:pt x="6065198" y="1460091"/>
+                </a:lnTo>
+                <a:lnTo>
+                  <a:pt x="6056731" y="1456916"/>
+                </a:lnTo>
+                <a:lnTo>
+                  <a:pt x="5678033" y="1172892"/>
+                </a:lnTo>
+                <a:lnTo>
+                  <a:pt x="0" y="1172892"/>
+                </a:lnTo>
+                <a:lnTo>
+                  <a:pt x="0" y="1162370"/>
+                </a:lnTo>
+                <a:lnTo>
+                  <a:pt x="0" y="403347"/>
+                </a:lnTo>
+                <a:lnTo>
+                  <a:pt x="0" y="0"/>
+                </a:lnTo>
+                <a:lnTo>
+                  <a:pt x="12192000" y="0"/>
+                </a:lnTo>
+                <a:lnTo>
+                  <a:pt x="12192000" y="403347"/>
+                </a:lnTo>
+                <a:lnTo>
+                  <a:pt x="12192000" y="1162370"/>
+                </a:lnTo>
+                <a:lnTo>
+                  <a:pt x="12192000" y="1172892"/>
+                </a:lnTo>
+                <a:lnTo>
+                  <a:pt x="6524330" y="1172892"/>
+                </a:lnTo>
+                <a:lnTo>
+                  <a:pt x="6145631" y="1456916"/>
+                </a:lnTo>
+                <a:lnTo>
+                  <a:pt x="6137163" y="1460091"/>
+                </a:lnTo>
+                <a:lnTo>
+                  <a:pt x="6124463" y="1464854"/>
+                </a:lnTo>
+                <a:close/>
+              </a:path>
+            </a:pathLst>
+          </a:custGeom>
+          <a:ln>
+            <a:noFill/>
+          </a:ln>
+          <a:effectLst/>
+          <a:extLst>
+            <a:ext uri="{91240B29-F687-4f45-9708-019B960494DF}">
+              <a14:hiddenLine xmlns="" xmlns:a14="http://schemas.microsoft.com/office/drawing/2010/main" xmlns:p14="http://schemas.microsoft.com/office/powerpoint/2010/main" xmlns:a16="http://schemas.microsoft.com/office/drawing/2014/main" w="9525">
+                <a:solidFill>
+                  <a:srgbClr val="000000"/>
+                </a:solidFill>
+                <a:round/>
+                <a:headEnd/>
+                <a:tailEnd/>
+              </a14:hiddenLine>
+            </a:ext>
+          </a:extLst>
+        </p:spPr>
+        <p:style>
+          <a:lnRef idx="1">
+            <a:schemeClr val="accent1"/>
+          </a:lnRef>
+          <a:fillRef idx="3">
+            <a:schemeClr val="accent1"/>
+          </a:fillRef>
+          <a:effectRef idx="2">
+            <a:schemeClr val="accent1"/>
+          </a:effectRef>
+          <a:fontRef idx="minor">
+            <a:schemeClr val="lt1"/>
+          </a:fontRef>
+        </p:style>
+      </p:sp>
+      <p:sp>
+        <p:nvSpPr>
+          <p:cNvPr id="11" name="Title 1">
+            <a:extLst>
+              <a:ext uri="{FF2B5EF4-FFF2-40B4-BE49-F238E27FC236}">
+                <a16:creationId xmlns:a16="http://schemas.microsoft.com/office/drawing/2014/main" id="{E6E4B087-21C4-4059-90D4-97F3684885B1}"/>
               </a:ext>
             </a:extLst>
           </p:cNvPr>
@@ -16969,26 +17743,64 @@
             <a:off x="810000" y="447188"/>
             <a:ext cx="10571998" cy="970450"/>
           </a:xfrm>
+          <a:effectLst/>
         </p:spPr>
         <p:txBody>
-          <a:bodyPr>
+          <a:bodyPr anchor="ctr">
             <a:normAutofit/>
           </a:bodyPr>
           <a:lstStyle/>
           <a:p>
-            <a:r>
-              <a:rPr lang="de-DE"/>
+            <a:pPr algn="ctr"/>
+            <a:r>
+              <a:rPr lang="de-DE" sz="3200" dirty="0"/>
               <a:t>Spielablauf</a:t>
             </a:r>
+            <a:endParaRPr lang="de-DE" sz="3200" dirty="0">
+              <a:solidFill>
+                <a:schemeClr val="tx1"/>
+              </a:solidFill>
+            </a:endParaRPr>
           </a:p>
         </p:txBody>
       </p:sp>
+      <p:graphicFrame>
+        <p:nvGraphicFramePr>
+          <p:cNvPr id="8" name="Content Placeholder 11">
+            <a:extLst>
+              <a:ext uri="{FF2B5EF4-FFF2-40B4-BE49-F238E27FC236}">
+                <a16:creationId xmlns:a16="http://schemas.microsoft.com/office/drawing/2014/main" id="{113D58CD-06C6-44A6-95B4-5F4898243F96}"/>
+              </a:ext>
+            </a:extLst>
+          </p:cNvPr>
+          <p:cNvGraphicFramePr>
+            <a:graphicFrameLocks noGrp="1"/>
+          </p:cNvGraphicFramePr>
+          <p:nvPr>
+            <p:ph idx="1"/>
+            <p:extLst>
+              <p:ext uri="{D42A27DB-BD31-4B8C-83A1-F6EECF244321}">
+                <p14:modId xmlns:p14="http://schemas.microsoft.com/office/powerpoint/2010/main" val="1161826280"/>
+              </p:ext>
+            </p:extLst>
+          </p:nvPr>
+        </p:nvGraphicFramePr>
+        <p:xfrm>
+          <a:off x="810000" y="1417638"/>
+          <a:ext cx="7199220" cy="3632200"/>
+        </p:xfrm>
+        <a:graphic>
+          <a:graphicData uri="http://schemas.openxmlformats.org/drawingml/2006/diagram">
+            <dgm:relIds xmlns:dgm="http://schemas.openxmlformats.org/drawingml/2006/diagram" xmlns:r="http://schemas.openxmlformats.org/officeDocument/2006/relationships" r:dm="rId3" r:lo="rId4" r:qs="rId5" r:cs="rId6"/>
+          </a:graphicData>
+        </a:graphic>
+      </p:graphicFrame>
       <p:pic>
         <p:nvPicPr>
-          <p:cNvPr id="5126" name="Picture 6" descr="https://cdn.discordapp.com/attachments/562760624409673748/576122225850318869/Player_with_gun.png">
+          <p:cNvPr id="9" name="Picture 6" descr="https://cdn.discordapp.com/attachments/562760624409673748/576122225850318869/Player_with_gun.png">
             <a:extLst>
               <a:ext uri="{FF2B5EF4-FFF2-40B4-BE49-F238E27FC236}">
-                <a16:creationId xmlns:a16="http://schemas.microsoft.com/office/drawing/2014/main" id="{8FF90DA8-2ABD-4807-8AB3-AE2939929E39}"/>
+                <a16:creationId xmlns:a16="http://schemas.microsoft.com/office/drawing/2014/main" id="{59095168-9976-4EF4-8499-396EC0F2FEE4}"/>
               </a:ext>
             </a:extLst>
           </p:cNvPr>
@@ -16998,7 +17810,7 @@
           <p:nvPr/>
         </p:nvPicPr>
         <p:blipFill>
-          <a:blip r:embed="rId2">
+          <a:blip r:embed="rId8">
             <a:extLst>
               <a:ext uri="{28A0092B-C50C-407E-A947-70E740481C1C}">
                 <a14:useLocalDpi xmlns:a14="http://schemas.microsoft.com/office/drawing/2010/main" val="0"/>
@@ -17011,7 +17823,7 @@
         </p:blipFill>
         <p:spPr bwMode="auto">
           <a:xfrm>
-            <a:off x="8905322" y="2413000"/>
+            <a:off x="9236809" y="1333500"/>
             <a:ext cx="2034694" cy="3716338"/>
           </a:xfrm>
           <a:prstGeom prst="roundRect">
@@ -17037,43 +17849,64 @@
           </a:extLst>
         </p:spPr>
       </p:pic>
-      <p:graphicFrame>
-        <p:nvGraphicFramePr>
-          <p:cNvPr id="12" name="Content Placeholder 11">
+      <p:sp>
+        <p:nvSpPr>
+          <p:cNvPr id="13" name="TextBox 12">
             <a:extLst>
               <a:ext uri="{FF2B5EF4-FFF2-40B4-BE49-F238E27FC236}">
-                <a16:creationId xmlns:a16="http://schemas.microsoft.com/office/drawing/2014/main" id="{2BE2713E-6452-461D-8B74-B2A269C16D0D}"/>
+                <a16:creationId xmlns:a16="http://schemas.microsoft.com/office/drawing/2014/main" id="{69BF537C-AF24-45D4-B4DB-11A31C167E32}"/>
               </a:ext>
             </a:extLst>
           </p:cNvPr>
-          <p:cNvGraphicFramePr>
-            <a:graphicFrameLocks noGrp="1"/>
-          </p:cNvGraphicFramePr>
-          <p:nvPr>
-            <p:ph idx="1"/>
-            <p:extLst>
-              <p:ext uri="{D42A27DB-BD31-4B8C-83A1-F6EECF244321}">
-                <p14:modId xmlns:p14="http://schemas.microsoft.com/office/powerpoint/2010/main" val="222792935"/>
-              </p:ext>
-            </p:extLst>
-          </p:nvPr>
-        </p:nvGraphicFramePr>
-        <p:xfrm>
-          <a:off x="818713" y="2413000"/>
-          <a:ext cx="7199220" cy="3632200"/>
-        </p:xfrm>
-        <a:graphic>
-          <a:graphicData uri="http://schemas.openxmlformats.org/drawingml/2006/diagram">
-            <dgm:relIds xmlns:dgm="http://schemas.openxmlformats.org/drawingml/2006/diagram" xmlns:r="http://schemas.openxmlformats.org/officeDocument/2006/relationships" r:dm="rId3" r:lo="rId4" r:qs="rId5" r:cs="rId6"/>
-          </a:graphicData>
-        </a:graphic>
-      </p:graphicFrame>
+          <p:cNvSpPr txBox="1"/>
+          <p:nvPr/>
+        </p:nvSpPr>
+        <p:spPr>
+          <a:xfrm>
+            <a:off x="9126313" y="5069702"/>
+            <a:ext cx="2255685" cy="523220"/>
+          </a:xfrm>
+          <a:prstGeom prst="rect">
+            <a:avLst/>
+          </a:prstGeom>
+          <a:noFill/>
+        </p:spPr>
+        <p:txBody>
+          <a:bodyPr wrap="square" rtlCol="0">
+            <a:spAutoFit/>
+          </a:bodyPr>
+          <a:lstStyle/>
+          <a:p>
+            <a:pPr algn="ctr"/>
+            <a:r>
+              <a:rPr lang="de-DE" sz="1400" dirty="0"/>
+              <a:t>Player </a:t>
+            </a:r>
+            <a:r>
+              <a:rPr lang="de-DE" sz="1400" dirty="0" err="1"/>
+              <a:t>doing</a:t>
+            </a:r>
+            <a:br>
+              <a:rPr lang="de-DE" sz="1400" dirty="0"/>
+            </a:br>
+            <a:r>
+              <a:rPr lang="de-DE" sz="1400" dirty="0"/>
+              <a:t>problem-</a:t>
+            </a:r>
+            <a:r>
+              <a:rPr lang="de-DE" sz="1400" dirty="0" err="1"/>
+              <a:t>solving</a:t>
+            </a:r>
+            <a:endParaRPr lang="de-DE" sz="1400" dirty="0"/>
+          </a:p>
+        </p:txBody>
+      </p:sp>
       <p:sp>
         <p:nvSpPr>
-          <p:cNvPr id="13" name="Arrow: Down 12">
+          <p:cNvPr id="16" name="Arrow: Down 15">
             <a:extLst>
               <a:ext uri="{FF2B5EF4-FFF2-40B4-BE49-F238E27FC236}">
-                <a16:creationId xmlns:a16="http://schemas.microsoft.com/office/drawing/2014/main" id="{335C2005-BC90-42C2-A3AE-DBBE26C5E70B}"/>
+                <a16:creationId xmlns:a16="http://schemas.microsoft.com/office/drawing/2014/main" id="{DEE157C0-4BB3-4D92-97BA-A5A469E3A461}"/>
               </a:ext>
             </a:extLst>
           </p:cNvPr>
@@ -17082,7 +17915,7 @@
         </p:nvSpPr>
         <p:spPr>
           <a:xfrm>
-            <a:off x="4064000" y="2697394"/>
+            <a:off x="4207646" y="1737780"/>
             <a:ext cx="584200" cy="577850"/>
           </a:xfrm>
           <a:prstGeom prst="downArrow">
@@ -17116,10 +17949,10 @@
       </p:sp>
       <p:sp>
         <p:nvSpPr>
-          <p:cNvPr id="24" name="Arrow: Down 23">
+          <p:cNvPr id="17" name="Arrow: Down 16">
             <a:extLst>
               <a:ext uri="{FF2B5EF4-FFF2-40B4-BE49-F238E27FC236}">
-                <a16:creationId xmlns:a16="http://schemas.microsoft.com/office/drawing/2014/main" id="{01BC0945-DC4D-4290-80CD-57B8243583F1}"/>
+                <a16:creationId xmlns:a16="http://schemas.microsoft.com/office/drawing/2014/main" id="{D59311F9-2AAD-49F9-BB9B-F9B10A6EC2C7}"/>
               </a:ext>
             </a:extLst>
           </p:cNvPr>
@@ -17128,7 +17961,7 @@
         </p:nvSpPr>
         <p:spPr>
           <a:xfrm>
-            <a:off x="4064000" y="3332059"/>
+            <a:off x="4207646" y="2372445"/>
             <a:ext cx="584200" cy="577850"/>
           </a:xfrm>
           <a:prstGeom prst="downArrow">
@@ -17162,10 +17995,10 @@
       </p:sp>
       <p:sp>
         <p:nvSpPr>
-          <p:cNvPr id="25" name="Arrow: Down 24">
+          <p:cNvPr id="18" name="Arrow: Down 17">
             <a:extLst>
               <a:ext uri="{FF2B5EF4-FFF2-40B4-BE49-F238E27FC236}">
-                <a16:creationId xmlns:a16="http://schemas.microsoft.com/office/drawing/2014/main" id="{5301B195-7059-4A29-A21E-2E6B42CD5F5F}"/>
+                <a16:creationId xmlns:a16="http://schemas.microsoft.com/office/drawing/2014/main" id="{3A747842-414E-49AF-942E-14CEBA093642}"/>
               </a:ext>
             </a:extLst>
           </p:cNvPr>
@@ -17174,7 +18007,7 @@
         </p:nvSpPr>
         <p:spPr>
           <a:xfrm>
-            <a:off x="4064000" y="3977435"/>
+            <a:off x="4207646" y="3017821"/>
             <a:ext cx="584200" cy="577850"/>
           </a:xfrm>
           <a:prstGeom prst="downArrow">
@@ -17208,10 +18041,10 @@
       </p:sp>
       <p:sp>
         <p:nvSpPr>
-          <p:cNvPr id="26" name="Arrow: Down 25">
+          <p:cNvPr id="19" name="Arrow: Down 18">
             <a:extLst>
               <a:ext uri="{FF2B5EF4-FFF2-40B4-BE49-F238E27FC236}">
-                <a16:creationId xmlns:a16="http://schemas.microsoft.com/office/drawing/2014/main" id="{6D5D1D8C-EBF6-4247-A647-7DD9106817B7}"/>
+                <a16:creationId xmlns:a16="http://schemas.microsoft.com/office/drawing/2014/main" id="{E51289A6-0AAF-4CF6-8E8B-061EA775DCED}"/>
               </a:ext>
             </a:extLst>
           </p:cNvPr>
@@ -17220,7 +18053,7 @@
         </p:nvSpPr>
         <p:spPr>
           <a:xfrm>
-            <a:off x="4064000" y="4601389"/>
+            <a:off x="4207646" y="3641775"/>
             <a:ext cx="584200" cy="577850"/>
           </a:xfrm>
           <a:prstGeom prst="downArrow">
@@ -17254,10 +18087,10 @@
       </p:sp>
       <p:sp>
         <p:nvSpPr>
-          <p:cNvPr id="27" name="Arrow: Down 26">
+          <p:cNvPr id="20" name="Arrow: Down 19">
             <a:extLst>
               <a:ext uri="{FF2B5EF4-FFF2-40B4-BE49-F238E27FC236}">
-                <a16:creationId xmlns:a16="http://schemas.microsoft.com/office/drawing/2014/main" id="{771E867D-15E2-4963-A6EF-15E1318D6E04}"/>
+                <a16:creationId xmlns:a16="http://schemas.microsoft.com/office/drawing/2014/main" id="{8ADE9EF5-A33C-4D65-BC13-806C5E702233}"/>
               </a:ext>
             </a:extLst>
           </p:cNvPr>
@@ -17266,7 +18099,7 @@
         </p:nvSpPr>
         <p:spPr>
           <a:xfrm>
-            <a:off x="4047431" y="5246765"/>
+            <a:off x="4191077" y="4287151"/>
             <a:ext cx="584200" cy="577850"/>
           </a:xfrm>
           <a:prstGeom prst="downArrow">
@@ -17300,10 +18133,10 @@
       </p:sp>
       <p:sp>
         <p:nvSpPr>
-          <p:cNvPr id="19" name="Arrow: U-Turn 18">
+          <p:cNvPr id="21" name="Arrow: U-Turn 20">
             <a:extLst>
               <a:ext uri="{FF2B5EF4-FFF2-40B4-BE49-F238E27FC236}">
-                <a16:creationId xmlns:a16="http://schemas.microsoft.com/office/drawing/2014/main" id="{1633C45F-769A-4EC7-A681-F9CECC0AD8DB}"/>
+                <a16:creationId xmlns:a16="http://schemas.microsoft.com/office/drawing/2014/main" id="{A2E97F79-F583-497C-AF76-8B3945E1627E}"/>
               </a:ext>
             </a:extLst>
           </p:cNvPr>
@@ -17312,7 +18145,7 @@
         </p:nvSpPr>
         <p:spPr>
           <a:xfrm rot="16200000" flipV="1">
-            <a:off x="6439882" y="3780820"/>
+            <a:off x="6583528" y="2821206"/>
             <a:ext cx="3465570" cy="825063"/>
           </a:xfrm>
           <a:prstGeom prst="uturnArrow">
@@ -17354,62 +18187,10 @@
           </a:p>
         </p:txBody>
       </p:sp>
-      <p:sp>
-        <p:nvSpPr>
-          <p:cNvPr id="28" name="TextBox 27">
-            <a:extLst>
-              <a:ext uri="{FF2B5EF4-FFF2-40B4-BE49-F238E27FC236}">
-                <a16:creationId xmlns:a16="http://schemas.microsoft.com/office/drawing/2014/main" id="{B470BADF-3B01-4192-849C-B6B55A0D31C5}"/>
-              </a:ext>
-            </a:extLst>
-          </p:cNvPr>
-          <p:cNvSpPr txBox="1"/>
-          <p:nvPr/>
-        </p:nvSpPr>
-        <p:spPr>
-          <a:xfrm>
-            <a:off x="8794826" y="6149202"/>
-            <a:ext cx="2255685" cy="523220"/>
-          </a:xfrm>
-          <a:prstGeom prst="rect">
-            <a:avLst/>
-          </a:prstGeom>
-          <a:noFill/>
-        </p:spPr>
-        <p:txBody>
-          <a:bodyPr wrap="square" rtlCol="0">
-            <a:spAutoFit/>
-          </a:bodyPr>
-          <a:lstStyle/>
-          <a:p>
-            <a:pPr algn="ctr"/>
-            <a:r>
-              <a:rPr lang="de-DE" sz="1400" dirty="0"/>
-              <a:t>Player </a:t>
-            </a:r>
-            <a:r>
-              <a:rPr lang="de-DE" sz="1400" dirty="0" err="1"/>
-              <a:t>doing</a:t>
-            </a:r>
-            <a:br>
-              <a:rPr lang="de-DE" sz="1400" dirty="0"/>
-            </a:br>
-            <a:r>
-              <a:rPr lang="de-DE" sz="1400" dirty="0"/>
-              <a:t>problem-</a:t>
-            </a:r>
-            <a:r>
-              <a:rPr lang="de-DE" sz="1400" dirty="0" err="1"/>
-              <a:t>solving</a:t>
-            </a:r>
-            <a:endParaRPr lang="de-DE" sz="1400" dirty="0"/>
-          </a:p>
-        </p:txBody>
-      </p:sp>
     </p:spTree>
     <p:extLst>
       <p:ext uri="{BB962C8B-B14F-4D97-AF65-F5344CB8AC3E}">
-        <p14:creationId xmlns:p14="http://schemas.microsoft.com/office/powerpoint/2010/main" val="794238273"/>
+        <p14:creationId xmlns:p14="http://schemas.microsoft.com/office/powerpoint/2010/main" val="4101597296"/>
       </p:ext>
     </p:extLst>
   </p:cSld>

--- a/Information/Präsentation.pptx
+++ b/Information/Präsentation.pptx
@@ -197,7 +197,7 @@
 <file path=ppt/charts/chart1.xml><?xml version="1.0" encoding="utf-8"?>
 <c:chartSpace xmlns:c="http://schemas.openxmlformats.org/drawingml/2006/chart" xmlns:a="http://schemas.openxmlformats.org/drawingml/2006/main" xmlns:r="http://schemas.openxmlformats.org/officeDocument/2006/relationships" xmlns:c16r2="http://schemas.microsoft.com/office/drawing/2015/06/chart">
   <c:date1904 val="0"/>
-  <c:lang val="en-US"/>
+  <c:lang val="de-DE"/>
   <c:roundedCorners val="0"/>
   <mc:AlternateContent xmlns:mc="http://schemas.openxmlformats.org/markup-compatibility/2006">
     <mc:Choice xmlns:c14="http://schemas.microsoft.com/office/drawing/2007/8/2/chart" Requires="c14">
@@ -297,10 +297,10 @@
                   <a:bodyPr/>
                   <a:lstStyle/>
                   <a:p>
-                    <a:fld id="{C0E83DE5-96A3-436C-934D-32E23D388F4F}" type="CELLRANGE">
+                    <a:fld id="{F3314142-A1D6-4BF4-8400-CFBCC6680799}" type="CELLRANGE">
                       <a:rPr lang="de-DE"/>
                       <a:pPr/>
-                      <a:t>[CELLRANGE]</a:t>
+                      <a:t>[ZELLBEREICH]</a:t>
                     </a:fld>
                     <a:endParaRPr lang="de-DE"/>
                   </a:p>
@@ -331,10 +331,10 @@
                   <a:bodyPr/>
                   <a:lstStyle/>
                   <a:p>
-                    <a:fld id="{B0A2FED6-927B-4672-8A86-E1E630510538}" type="CELLRANGE">
+                    <a:fld id="{060495AB-D3B1-4F82-974A-CF4FF2FDE86F}" type="CELLRANGE">
                       <a:rPr lang="de-DE"/>
                       <a:pPr/>
-                      <a:t>[CELLRANGE]</a:t>
+                      <a:t>[ZELLBEREICH]</a:t>
                     </a:fld>
                     <a:endParaRPr lang="de-DE"/>
                   </a:p>
@@ -365,10 +365,10 @@
                   <a:bodyPr/>
                   <a:lstStyle/>
                   <a:p>
-                    <a:fld id="{6FB1FB0E-5A41-4FEA-AFED-9AAD08B68B0B}" type="CELLRANGE">
+                    <a:fld id="{A313EDE1-9290-4CDD-97A7-861D8BE700DE}" type="CELLRANGE">
                       <a:rPr lang="de-DE"/>
                       <a:pPr/>
-                      <a:t>[CELLRANGE]</a:t>
+                      <a:t>[ZELLBEREICH]</a:t>
                     </a:fld>
                     <a:endParaRPr lang="de-DE"/>
                   </a:p>
@@ -399,10 +399,10 @@
                   <a:bodyPr/>
                   <a:lstStyle/>
                   <a:p>
-                    <a:fld id="{3ED7BA98-6A41-4635-954E-DDDF708D5D0E}" type="CELLRANGE">
+                    <a:fld id="{ABEE7D17-D084-443C-8C53-086B3AE53562}" type="CELLRANGE">
                       <a:rPr lang="de-DE"/>
                       <a:pPr/>
-                      <a:t>[CELLRANGE]</a:t>
+                      <a:t>[ZELLBEREICH]</a:t>
                     </a:fld>
                     <a:endParaRPr lang="de-DE"/>
                   </a:p>
@@ -433,10 +433,10 @@
                   <a:bodyPr/>
                   <a:lstStyle/>
                   <a:p>
-                    <a:fld id="{F99271FD-602C-499E-868E-E0771E376E4B}" type="CELLRANGE">
+                    <a:fld id="{8D653971-8D77-4C43-9EBC-5A069BABBB63}" type="CELLRANGE">
                       <a:rPr lang="de-DE"/>
                       <a:pPr/>
-                      <a:t>[CELLRANGE]</a:t>
+                      <a:t>[ZELLBEREICH]</a:t>
                     </a:fld>
                     <a:endParaRPr lang="de-DE"/>
                   </a:p>
@@ -467,10 +467,10 @@
                   <a:bodyPr/>
                   <a:lstStyle/>
                   <a:p>
-                    <a:fld id="{6B60FB67-F372-439F-BAD8-34AFA27FFF38}" type="CELLRANGE">
+                    <a:fld id="{24604A19-F59E-4E7C-BD31-780DDC925594}" type="CELLRANGE">
                       <a:rPr lang="de-DE"/>
                       <a:pPr/>
-                      <a:t>[CELLRANGE]</a:t>
+                      <a:t>[ZELLBEREICH]</a:t>
                     </a:fld>
                     <a:endParaRPr lang="de-DE"/>
                   </a:p>
@@ -501,10 +501,10 @@
                   <a:bodyPr/>
                   <a:lstStyle/>
                   <a:p>
-                    <a:fld id="{971331A7-3FD1-4BB7-9D8E-23B61BDAFF01}" type="CELLRANGE">
+                    <a:fld id="{ECE1045D-F9B4-4965-8172-BEA5EC79E04B}" type="CELLRANGE">
                       <a:rPr lang="de-DE"/>
                       <a:pPr/>
-                      <a:t>[CELLRANGE]</a:t>
+                      <a:t>[ZELLBEREICH]</a:t>
                     </a:fld>
                     <a:endParaRPr lang="de-DE"/>
                   </a:p>
@@ -535,10 +535,10 @@
                   <a:bodyPr/>
                   <a:lstStyle/>
                   <a:p>
-                    <a:fld id="{CF04CB64-D75B-4AE9-914A-1BA1297EE5C7}" type="CELLRANGE">
+                    <a:fld id="{70ECAFF6-DE09-4C27-9966-B3B0C2D71A4C}" type="CELLRANGE">
                       <a:rPr lang="de-DE"/>
                       <a:pPr/>
-                      <a:t>[CELLRANGE]</a:t>
+                      <a:t>[ZELLBEREICH]</a:t>
                     </a:fld>
                     <a:endParaRPr lang="de-DE"/>
                   </a:p>
@@ -569,10 +569,10 @@
                   <a:bodyPr/>
                   <a:lstStyle/>
                   <a:p>
-                    <a:fld id="{C4836E89-B74D-464D-AD0E-0FD935889CCD}" type="CELLRANGE">
+                    <a:fld id="{B619DD4F-12B9-44DC-A843-83D85AD8F250}" type="CELLRANGE">
                       <a:rPr lang="de-DE"/>
                       <a:pPr/>
-                      <a:t>[CELLRANGE]</a:t>
+                      <a:t>[ZELLBEREICH]</a:t>
                     </a:fld>
                     <a:endParaRPr lang="de-DE"/>
                   </a:p>
@@ -603,10 +603,10 @@
                   <a:bodyPr/>
                   <a:lstStyle/>
                   <a:p>
-                    <a:fld id="{25DF8823-A510-47F4-AB18-D64869042A92}" type="CELLRANGE">
+                    <a:fld id="{243AA9AA-802D-43E6-9FFA-D10098E57431}" type="CELLRANGE">
                       <a:rPr lang="de-DE"/>
                       <a:pPr/>
-                      <a:t>[CELLRANGE]</a:t>
+                      <a:t>[ZELLBEREICH]</a:t>
                     </a:fld>
                     <a:endParaRPr lang="de-DE"/>
                   </a:p>
@@ -637,10 +637,10 @@
                   <a:bodyPr/>
                   <a:lstStyle/>
                   <a:p>
-                    <a:fld id="{A6BF4F2C-8955-4839-A5C5-22F291B9CA3B}" type="CELLRANGE">
+                    <a:fld id="{5DE56CD9-28D3-489D-8B6E-6D59A020A034}" type="CELLRANGE">
                       <a:rPr lang="de-DE"/>
                       <a:pPr/>
-                      <a:t>[CELLRANGE]</a:t>
+                      <a:t>[ZELLBEREICH]</a:t>
                     </a:fld>
                     <a:endParaRPr lang="de-DE"/>
                   </a:p>
@@ -671,10 +671,10 @@
                   <a:bodyPr/>
                   <a:lstStyle/>
                   <a:p>
-                    <a:fld id="{CCAAA8F1-F342-4784-A51B-3642147BDDA6}" type="CELLRANGE">
+                    <a:fld id="{505C768A-C8A1-4BAF-87B0-B0EEE30096D8}" type="CELLRANGE">
                       <a:rPr lang="de-DE"/>
                       <a:pPr/>
-                      <a:t>[CELLRANGE]</a:t>
+                      <a:t>[ZELLBEREICH]</a:t>
                     </a:fld>
                     <a:endParaRPr lang="de-DE"/>
                   </a:p>
@@ -749,7 +749,7 @@
                     <a:cs typeface="+mn-cs"/>
                   </a:defRPr>
                 </a:pPr>
-                <a:endParaRPr lang="en-DE"/>
+                <a:endParaRPr lang="de-DE"/>
               </a:p>
             </c:txPr>
             <c:dLblPos val="l"/>
@@ -1239,10 +1239,10 @@
                   <a:bodyPr/>
                   <a:lstStyle/>
                   <a:p>
-                    <a:fld id="{49A61211-17F2-4617-B960-EF62C10BC416}" type="CELLRANGE">
+                    <a:fld id="{C74B4D1E-CCBC-4F2C-AECD-66488B725C61}" type="CELLRANGE">
                       <a:rPr lang="de-DE"/>
                       <a:pPr/>
-                      <a:t>[CELLRANGE]</a:t>
+                      <a:t>[ZELLBEREICH]</a:t>
                     </a:fld>
                     <a:endParaRPr lang="de-DE"/>
                   </a:p>
@@ -1273,10 +1273,10 @@
                   <a:bodyPr/>
                   <a:lstStyle/>
                   <a:p>
-                    <a:fld id="{8C0B84CF-AED5-4868-810A-90B917B81B46}" type="CELLRANGE">
+                    <a:fld id="{22C8A448-48DF-4970-9A53-CE94D3E3355E}" type="CELLRANGE">
                       <a:rPr lang="de-DE"/>
                       <a:pPr/>
-                      <a:t>[CELLRANGE]</a:t>
+                      <a:t>[ZELLBEREICH]</a:t>
                     </a:fld>
                     <a:endParaRPr lang="de-DE"/>
                   </a:p>
@@ -1307,10 +1307,10 @@
                   <a:bodyPr/>
                   <a:lstStyle/>
                   <a:p>
-                    <a:fld id="{185436E7-C2F8-43ED-9C4B-E95F07F30AF1}" type="CELLRANGE">
+                    <a:fld id="{4FC7EA66-AA8C-4D35-B624-3235312D8B10}" type="CELLRANGE">
                       <a:rPr lang="de-DE"/>
                       <a:pPr/>
-                      <a:t>[CELLRANGE]</a:t>
+                      <a:t>[ZELLBEREICH]</a:t>
                     </a:fld>
                     <a:endParaRPr lang="de-DE"/>
                   </a:p>
@@ -1341,10 +1341,10 @@
                   <a:bodyPr/>
                   <a:lstStyle/>
                   <a:p>
-                    <a:fld id="{9BDE937F-A06E-4215-B09C-CA336AE3D986}" type="CELLRANGE">
+                    <a:fld id="{35837CA9-A87C-4F54-949F-BFA7BD99987C}" type="CELLRANGE">
                       <a:rPr lang="de-DE"/>
                       <a:pPr/>
-                      <a:t>[CELLRANGE]</a:t>
+                      <a:t>[ZELLBEREICH]</a:t>
                     </a:fld>
                     <a:endParaRPr lang="de-DE"/>
                   </a:p>
@@ -1375,10 +1375,10 @@
                   <a:bodyPr/>
                   <a:lstStyle/>
                   <a:p>
-                    <a:fld id="{541C8593-2E38-421F-87C3-2C62DD6BF417}" type="CELLRANGE">
+                    <a:fld id="{BA76AAF7-6889-4360-8791-1FAE8B73FF70}" type="CELLRANGE">
                       <a:rPr lang="de-DE"/>
                       <a:pPr/>
-                      <a:t>[CELLRANGE]</a:t>
+                      <a:t>[ZELLBEREICH]</a:t>
                     </a:fld>
                     <a:endParaRPr lang="de-DE"/>
                   </a:p>
@@ -1409,10 +1409,10 @@
                   <a:bodyPr/>
                   <a:lstStyle/>
                   <a:p>
-                    <a:fld id="{9C04E6FD-8375-4DEC-ABBF-C166C6858101}" type="CELLRANGE">
+                    <a:fld id="{E76F5839-D820-49CE-96C8-E7C7973E2C99}" type="CELLRANGE">
                       <a:rPr lang="de-DE"/>
                       <a:pPr/>
-                      <a:t>[CELLRANGE]</a:t>
+                      <a:t>[ZELLBEREICH]</a:t>
                     </a:fld>
                     <a:endParaRPr lang="de-DE"/>
                   </a:p>
@@ -1485,7 +1485,7 @@
                     <a:cs typeface="+mn-cs"/>
                   </a:defRPr>
                 </a:pPr>
-                <a:endParaRPr lang="en-DE"/>
+                <a:endParaRPr lang="de-DE"/>
               </a:p>
             </c:txPr>
             <c:dLblPos val="t"/>
@@ -1703,7 +1703,7 @@
                 <a:cs typeface="+mn-cs"/>
               </a:defRPr>
             </a:pPr>
-            <a:endParaRPr lang="en-DE"/>
+            <a:endParaRPr lang="de-DE"/>
           </a:p>
         </c:txPr>
         <c:crossAx val="484834552"/>
@@ -1764,7 +1764,7 @@
       <a:pPr>
         <a:defRPr/>
       </a:pPr>
-      <a:endParaRPr lang="en-DE"/>
+      <a:endParaRPr lang="de-DE"/>
     </a:p>
   </c:txPr>
   <c:externalData r:id="rId3">
@@ -6047,7 +6047,7 @@
           <a:p>
             <a:fld id="{E50B3C79-A904-4F35-8EE8-3F2172FFB220}" type="datetimeFigureOut">
               <a:rPr lang="de-DE" smtClean="0"/>
-              <a:t>09.05.2019</a:t>
+              <a:t>10.05.2019</a:t>
             </a:fld>
             <a:endParaRPr lang="de-DE"/>
           </a:p>
@@ -6206,7 +6206,7 @@
           <a:p>
             <a:fld id="{6BAD1AF2-A6B3-4B84-B5D2-6F16B2D7100D}" type="slidenum">
               <a:rPr lang="de-DE" smtClean="0"/>
-              <a:t>‹#›</a:t>
+              <a:t>‹Nr.›</a:t>
             </a:fld>
             <a:endParaRPr lang="de-DE"/>
           </a:p>
@@ -6702,18 +6702,608 @@
               <a:defRPr/>
             </a:pPr>
             <a:r>
-              <a:rPr lang="de-DE" dirty="0" err="1"/>
+              <a:rPr lang="de-DE" b="0" i="0" dirty="0">
+                <a:solidFill>
+                  <a:srgbClr val="DCDDDE"/>
+                </a:solidFill>
+                <a:effectLst/>
+                <a:latin typeface="Whitney"/>
+              </a:rPr>
+              <a:t>Story als </a:t>
+            </a:r>
+            <a:r>
+              <a:rPr lang="de-DE" b="1" i="0" dirty="0" err="1">
+                <a:solidFill>
+                  <a:srgbClr val="DCDDDE"/>
+                </a:solidFill>
+                <a:effectLst/>
+                <a:latin typeface="Whitney"/>
+              </a:rPr>
               <a:t>Convexity</a:t>
             </a:r>
             <a:r>
-              <a:rPr lang="de-DE" dirty="0"/>
-              <a:t> Game </a:t>
-            </a:r>
-            <a:r>
-              <a:rPr lang="de-DE" dirty="0" err="1"/>
-              <a:t>Structure</a:t>
-            </a:r>
-            <a:endParaRPr lang="de-DE" dirty="0"/>
+              <a:rPr lang="de-DE" b="1" i="0" dirty="0">
+                <a:solidFill>
+                  <a:srgbClr val="DCDDDE"/>
+                </a:solidFill>
+                <a:effectLst/>
+                <a:latin typeface="Whitney"/>
+              </a:rPr>
+              <a:t> Game Struktur</a:t>
+            </a:r>
+            <a:r>
+              <a:rPr lang="de-DE" b="0" i="0" dirty="0">
+                <a:solidFill>
+                  <a:srgbClr val="DCDDDE"/>
+                </a:solidFill>
+                <a:effectLst/>
+                <a:latin typeface="Whitney"/>
+              </a:rPr>
+              <a:t> aufgebaut.</a:t>
+            </a:r>
+          </a:p>
+          <a:p>
+            <a:pPr marL="0" marR="0" lvl="0" indent="0" algn="l" defTabSz="914400" rtl="0" eaLnBrk="1" fontAlgn="auto" latinLnBrk="0" hangingPunct="1">
+              <a:lnSpc>
+                <a:spcPct val="100000"/>
+              </a:lnSpc>
+              <a:spcBef>
+                <a:spcPts val="0"/>
+              </a:spcBef>
+              <a:spcAft>
+                <a:spcPts val="0"/>
+              </a:spcAft>
+              <a:buClrTx/>
+              <a:buSzTx/>
+              <a:buFontTx/>
+              <a:buNone/>
+              <a:tabLst/>
+              <a:defRPr/>
+            </a:pPr>
+            <a:r>
+              <a:rPr lang="de-DE" b="0" i="0" dirty="0">
+                <a:solidFill>
+                  <a:srgbClr val="DCDDDE"/>
+                </a:solidFill>
+                <a:effectLst/>
+                <a:latin typeface="Whitney"/>
+              </a:rPr>
+              <a:t>eine Möglichkeit das Spiel durchzuspielen fertig</a:t>
+            </a:r>
+          </a:p>
+          <a:p>
+            <a:pPr marL="0" marR="0" lvl="0" indent="0" algn="l" defTabSz="914400" rtl="0" eaLnBrk="1" fontAlgn="auto" latinLnBrk="0" hangingPunct="1">
+              <a:lnSpc>
+                <a:spcPct val="100000"/>
+              </a:lnSpc>
+              <a:spcBef>
+                <a:spcPts val="0"/>
+              </a:spcBef>
+              <a:spcAft>
+                <a:spcPts val="0"/>
+              </a:spcAft>
+              <a:buClrTx/>
+              <a:buSzTx/>
+              <a:buFontTx/>
+              <a:buNone/>
+              <a:tabLst/>
+              <a:defRPr/>
+            </a:pPr>
+            <a:r>
+              <a:rPr lang="de-DE" b="1" i="0" dirty="0" err="1">
+                <a:solidFill>
+                  <a:srgbClr val="DCDDDE"/>
+                </a:solidFill>
+                <a:effectLst/>
+                <a:latin typeface="Whitney"/>
+              </a:rPr>
+              <a:t>Erweiterterung</a:t>
+            </a:r>
+            <a:r>
+              <a:rPr lang="de-DE" b="0" i="0" dirty="0">
+                <a:solidFill>
+                  <a:srgbClr val="DCDDDE"/>
+                </a:solidFill>
+                <a:effectLst/>
+                <a:latin typeface="Whitney"/>
+              </a:rPr>
+              <a:t> </a:t>
+            </a:r>
+          </a:p>
+          <a:p>
+            <a:pPr marL="0" marR="0" lvl="0" indent="0" algn="l" defTabSz="914400" rtl="0" eaLnBrk="1" fontAlgn="auto" latinLnBrk="0" hangingPunct="1">
+              <a:lnSpc>
+                <a:spcPct val="100000"/>
+              </a:lnSpc>
+              <a:spcBef>
+                <a:spcPts val="0"/>
+              </a:spcBef>
+              <a:spcAft>
+                <a:spcPts val="0"/>
+              </a:spcAft>
+              <a:buClrTx/>
+              <a:buSzTx/>
+              <a:buFontTx/>
+              <a:buNone/>
+              <a:tabLst/>
+              <a:defRPr/>
+            </a:pPr>
+            <a:r>
+              <a:rPr lang="de-DE" b="0" i="0" dirty="0">
+                <a:solidFill>
+                  <a:srgbClr val="DCDDDE"/>
+                </a:solidFill>
+                <a:effectLst/>
+                <a:latin typeface="Whitney"/>
+              </a:rPr>
+              <a:t>Zeitreisemechanik -&gt; </a:t>
+            </a:r>
+            <a:r>
+              <a:rPr lang="de-DE" b="1" i="0" dirty="0">
+                <a:solidFill>
+                  <a:srgbClr val="DCDDDE"/>
+                </a:solidFill>
+                <a:effectLst/>
+                <a:latin typeface="Whitney"/>
+              </a:rPr>
+              <a:t>mehrere </a:t>
+            </a:r>
+            <a:r>
+              <a:rPr lang="de-DE" b="1" i="0" dirty="0" err="1">
+                <a:solidFill>
+                  <a:srgbClr val="DCDDDE"/>
+                </a:solidFill>
+                <a:effectLst/>
+                <a:latin typeface="Whitney"/>
+              </a:rPr>
+              <a:t>storys</a:t>
+            </a:r>
+            <a:r>
+              <a:rPr lang="de-DE" b="0" i="0" dirty="0">
+                <a:solidFill>
+                  <a:srgbClr val="DCDDDE"/>
+                </a:solidFill>
+                <a:effectLst/>
+                <a:latin typeface="Whitney"/>
+              </a:rPr>
+              <a:t> in der Welt </a:t>
+            </a:r>
+          </a:p>
+          <a:p>
+            <a:pPr marL="0" marR="0" lvl="0" indent="0" algn="l" defTabSz="914400" rtl="0" eaLnBrk="1" fontAlgn="auto" latinLnBrk="0" hangingPunct="1">
+              <a:lnSpc>
+                <a:spcPct val="100000"/>
+              </a:lnSpc>
+              <a:spcBef>
+                <a:spcPts val="0"/>
+              </a:spcBef>
+              <a:spcAft>
+                <a:spcPts val="0"/>
+              </a:spcAft>
+              <a:buClrTx/>
+              <a:buSzTx/>
+              <a:buFontTx/>
+              <a:buNone/>
+              <a:tabLst/>
+              <a:defRPr/>
+            </a:pPr>
+            <a:r>
+              <a:rPr lang="de-DE" b="0" i="0" dirty="0">
+                <a:solidFill>
+                  <a:srgbClr val="DCDDDE"/>
+                </a:solidFill>
+                <a:effectLst/>
+                <a:latin typeface="Whitney"/>
+              </a:rPr>
+              <a:t>mehrere durchspielen, </a:t>
+            </a:r>
+            <a:r>
+              <a:rPr lang="de-DE" b="1" i="0" dirty="0">
+                <a:solidFill>
+                  <a:srgbClr val="DCDDDE"/>
+                </a:solidFill>
+                <a:effectLst/>
+                <a:latin typeface="Whitney"/>
+              </a:rPr>
+              <a:t>kein zwang</a:t>
+            </a:r>
+            <a:r>
+              <a:rPr lang="de-DE" b="0" i="0" dirty="0">
+                <a:solidFill>
+                  <a:srgbClr val="DCDDDE"/>
+                </a:solidFill>
+                <a:effectLst/>
+                <a:latin typeface="Whitney"/>
+              </a:rPr>
+              <a:t>, keine feste Reihenfolge </a:t>
+            </a:r>
+          </a:p>
+          <a:p>
+            <a:pPr marL="0" marR="0" lvl="0" indent="0" algn="l" defTabSz="914400" rtl="0" eaLnBrk="1" fontAlgn="auto" latinLnBrk="0" hangingPunct="1">
+              <a:lnSpc>
+                <a:spcPct val="100000"/>
+              </a:lnSpc>
+              <a:spcBef>
+                <a:spcPts val="0"/>
+              </a:spcBef>
+              <a:spcAft>
+                <a:spcPts val="0"/>
+              </a:spcAft>
+              <a:buClrTx/>
+              <a:buSzTx/>
+              <a:buFontTx/>
+              <a:buNone/>
+              <a:tabLst/>
+              <a:defRPr/>
+            </a:pPr>
+            <a:endParaRPr lang="de-DE" b="0" i="0" dirty="0">
+              <a:solidFill>
+                <a:srgbClr val="DCDDDE"/>
+              </a:solidFill>
+              <a:effectLst/>
+              <a:latin typeface="Whitney"/>
+            </a:endParaRPr>
+          </a:p>
+          <a:p>
+            <a:pPr marL="0" marR="0" lvl="0" indent="0" algn="l" defTabSz="914400" rtl="0" eaLnBrk="1" fontAlgn="auto" latinLnBrk="0" hangingPunct="1">
+              <a:lnSpc>
+                <a:spcPct val="100000"/>
+              </a:lnSpc>
+              <a:spcBef>
+                <a:spcPts val="0"/>
+              </a:spcBef>
+              <a:spcAft>
+                <a:spcPts val="0"/>
+              </a:spcAft>
+              <a:buClrTx/>
+              <a:buSzTx/>
+              <a:buFontTx/>
+              <a:buNone/>
+              <a:tabLst/>
+              <a:defRPr/>
+            </a:pPr>
+            <a:r>
+              <a:rPr lang="de-DE" b="1" i="0" dirty="0" err="1">
+                <a:solidFill>
+                  <a:srgbClr val="DCDDDE"/>
+                </a:solidFill>
+                <a:effectLst/>
+                <a:latin typeface="Whitney"/>
+              </a:rPr>
+              <a:t>enviromen</a:t>
+            </a:r>
+            <a:r>
+              <a:rPr lang="de-DE" b="0" i="0" dirty="0">
+                <a:solidFill>
+                  <a:srgbClr val="DCDDDE"/>
+                </a:solidFill>
+                <a:effectLst/>
+                <a:latin typeface="Whitney"/>
+              </a:rPr>
+              <a:t> </a:t>
+            </a:r>
+            <a:r>
+              <a:rPr lang="de-DE" b="0" i="0" dirty="0" err="1">
+                <a:solidFill>
+                  <a:srgbClr val="DCDDDE"/>
+                </a:solidFill>
+                <a:effectLst/>
+                <a:latin typeface="Whitney"/>
+              </a:rPr>
+              <a:t>assets</a:t>
+            </a:r>
+            <a:r>
+              <a:rPr lang="de-DE" b="0" i="0" dirty="0">
+                <a:solidFill>
+                  <a:srgbClr val="DCDDDE"/>
+                </a:solidFill>
+                <a:effectLst/>
+                <a:latin typeface="Whitney"/>
+              </a:rPr>
+              <a:t> </a:t>
+            </a:r>
+          </a:p>
+          <a:p>
+            <a:pPr marL="0" marR="0" lvl="0" indent="0" algn="l" defTabSz="914400" rtl="0" eaLnBrk="1" fontAlgn="auto" latinLnBrk="0" hangingPunct="1">
+              <a:lnSpc>
+                <a:spcPct val="100000"/>
+              </a:lnSpc>
+              <a:spcBef>
+                <a:spcPts val="0"/>
+              </a:spcBef>
+              <a:spcAft>
+                <a:spcPts val="0"/>
+              </a:spcAft>
+              <a:buClrTx/>
+              <a:buSzTx/>
+              <a:buFontTx/>
+              <a:buNone/>
+              <a:tabLst/>
+              <a:defRPr/>
+            </a:pPr>
+            <a:r>
+              <a:rPr lang="de-DE" b="0" i="0" dirty="0">
+                <a:solidFill>
+                  <a:srgbClr val="DCDDDE"/>
+                </a:solidFill>
+                <a:effectLst/>
+                <a:latin typeface="Whitney"/>
+              </a:rPr>
+              <a:t>Baum, Gras, Raumschiff </a:t>
+            </a:r>
+          </a:p>
+          <a:p>
+            <a:pPr marL="0" marR="0" lvl="0" indent="0" algn="l" defTabSz="914400" rtl="0" eaLnBrk="1" fontAlgn="auto" latinLnBrk="0" hangingPunct="1">
+              <a:lnSpc>
+                <a:spcPct val="100000"/>
+              </a:lnSpc>
+              <a:spcBef>
+                <a:spcPts val="0"/>
+              </a:spcBef>
+              <a:spcAft>
+                <a:spcPts val="0"/>
+              </a:spcAft>
+              <a:buClrTx/>
+              <a:buSzTx/>
+              <a:buFontTx/>
+              <a:buNone/>
+              <a:tabLst/>
+              <a:defRPr/>
+            </a:pPr>
+            <a:endParaRPr lang="de-DE" b="0" i="0" dirty="0">
+              <a:solidFill>
+                <a:srgbClr val="DCDDDE"/>
+              </a:solidFill>
+              <a:effectLst/>
+              <a:latin typeface="Whitney"/>
+            </a:endParaRPr>
+          </a:p>
+          <a:p>
+            <a:pPr marL="0" marR="0" lvl="0" indent="0" algn="l" defTabSz="914400" rtl="0" eaLnBrk="1" fontAlgn="auto" latinLnBrk="0" hangingPunct="1">
+              <a:lnSpc>
+                <a:spcPct val="100000"/>
+              </a:lnSpc>
+              <a:spcBef>
+                <a:spcPts val="0"/>
+              </a:spcBef>
+              <a:spcAft>
+                <a:spcPts val="0"/>
+              </a:spcAft>
+              <a:buClrTx/>
+              <a:buSzTx/>
+              <a:buFontTx/>
+              <a:buNone/>
+              <a:tabLst/>
+              <a:defRPr/>
+            </a:pPr>
+            <a:r>
+              <a:rPr lang="de-DE" b="0" i="0" dirty="0" err="1">
+                <a:solidFill>
+                  <a:srgbClr val="DCDDDE"/>
+                </a:solidFill>
+                <a:effectLst/>
+                <a:latin typeface="Whitney"/>
+              </a:rPr>
+              <a:t>player</a:t>
+            </a:r>
+            <a:r>
+              <a:rPr lang="de-DE" b="0" i="0" dirty="0">
+                <a:solidFill>
+                  <a:srgbClr val="DCDDDE"/>
+                </a:solidFill>
+                <a:effectLst/>
+                <a:latin typeface="Whitney"/>
+              </a:rPr>
+              <a:t> </a:t>
+            </a:r>
+            <a:r>
+              <a:rPr lang="de-DE" b="0" i="0" dirty="0" err="1">
+                <a:solidFill>
+                  <a:srgbClr val="DCDDDE"/>
+                </a:solidFill>
+                <a:effectLst/>
+                <a:latin typeface="Whitney"/>
+              </a:rPr>
+              <a:t>animation</a:t>
+            </a:r>
+            <a:r>
+              <a:rPr lang="de-DE" b="0" i="0" dirty="0">
+                <a:solidFill>
+                  <a:srgbClr val="DCDDDE"/>
+                </a:solidFill>
+                <a:effectLst/>
+                <a:latin typeface="Whitney"/>
+              </a:rPr>
+              <a:t> </a:t>
+            </a:r>
+            <a:r>
+              <a:rPr lang="de-DE" b="0" i="0" dirty="0" err="1">
+                <a:solidFill>
+                  <a:srgbClr val="DCDDDE"/>
+                </a:solidFill>
+                <a:effectLst/>
+                <a:latin typeface="Whitney"/>
+              </a:rPr>
+              <a:t>prototyp</a:t>
+            </a:r>
+            <a:r>
+              <a:rPr lang="de-DE" b="0" i="0" dirty="0">
+                <a:solidFill>
+                  <a:srgbClr val="DCDDDE"/>
+                </a:solidFill>
+                <a:effectLst/>
+                <a:latin typeface="Whitney"/>
+              </a:rPr>
+              <a:t> erstellt </a:t>
+            </a:r>
+          </a:p>
+          <a:p>
+            <a:pPr marL="0" marR="0" lvl="0" indent="0" algn="l" defTabSz="914400" rtl="0" eaLnBrk="1" fontAlgn="auto" latinLnBrk="0" hangingPunct="1">
+              <a:lnSpc>
+                <a:spcPct val="100000"/>
+              </a:lnSpc>
+              <a:spcBef>
+                <a:spcPts val="0"/>
+              </a:spcBef>
+              <a:spcAft>
+                <a:spcPts val="0"/>
+              </a:spcAft>
+              <a:buClrTx/>
+              <a:buSzTx/>
+              <a:buFontTx/>
+              <a:buNone/>
+              <a:tabLst/>
+              <a:defRPr/>
+            </a:pPr>
+            <a:r>
+              <a:rPr lang="de-DE" b="0" i="0" dirty="0">
+                <a:solidFill>
+                  <a:srgbClr val="DCDDDE"/>
+                </a:solidFill>
+                <a:effectLst/>
+                <a:latin typeface="Whitney"/>
+              </a:rPr>
+              <a:t>dabei </a:t>
+            </a:r>
+            <a:r>
+              <a:rPr lang="de-DE" b="1" i="0" dirty="0">
+                <a:solidFill>
+                  <a:srgbClr val="DCDDDE"/>
+                </a:solidFill>
+                <a:effectLst/>
+                <a:latin typeface="Whitney"/>
+              </a:rPr>
+              <a:t>grundlegende</a:t>
+            </a:r>
+            <a:r>
+              <a:rPr lang="de-DE" b="0" i="0" dirty="0">
+                <a:solidFill>
+                  <a:srgbClr val="DCDDDE"/>
+                </a:solidFill>
+                <a:effectLst/>
+                <a:latin typeface="Whitney"/>
+              </a:rPr>
+              <a:t> </a:t>
+            </a:r>
+            <a:r>
+              <a:rPr lang="de-DE" b="0" i="0" dirty="0" err="1">
+                <a:solidFill>
+                  <a:srgbClr val="DCDDDE"/>
+                </a:solidFill>
+                <a:effectLst/>
+                <a:latin typeface="Whitney"/>
+              </a:rPr>
+              <a:t>walking,standing</a:t>
+            </a:r>
+            <a:r>
+              <a:rPr lang="de-DE" b="0" i="0" dirty="0">
+                <a:solidFill>
+                  <a:srgbClr val="DCDDDE"/>
+                </a:solidFill>
+                <a:effectLst/>
+                <a:latin typeface="Whitney"/>
+              </a:rPr>
+              <a:t>, </a:t>
+            </a:r>
+            <a:r>
+              <a:rPr lang="de-DE" b="0" i="0" dirty="0" err="1">
+                <a:solidFill>
+                  <a:srgbClr val="DCDDDE"/>
+                </a:solidFill>
+                <a:effectLst/>
+                <a:latin typeface="Whitney"/>
+              </a:rPr>
+              <a:t>shooting</a:t>
+            </a:r>
+            <a:r>
+              <a:rPr lang="de-DE" b="0" i="0" dirty="0">
+                <a:solidFill>
+                  <a:srgbClr val="DCDDDE"/>
+                </a:solidFill>
+                <a:effectLst/>
+                <a:latin typeface="Whitney"/>
+              </a:rPr>
+              <a:t> </a:t>
+            </a:r>
+          </a:p>
+          <a:p>
+            <a:pPr marL="0" marR="0" lvl="0" indent="0" algn="l" defTabSz="914400" rtl="0" eaLnBrk="1" fontAlgn="auto" latinLnBrk="0" hangingPunct="1">
+              <a:lnSpc>
+                <a:spcPct val="100000"/>
+              </a:lnSpc>
+              <a:spcBef>
+                <a:spcPts val="0"/>
+              </a:spcBef>
+              <a:spcAft>
+                <a:spcPts val="0"/>
+              </a:spcAft>
+              <a:buClrTx/>
+              <a:buSzTx/>
+              <a:buFontTx/>
+              <a:buNone/>
+              <a:tabLst/>
+              <a:defRPr/>
+            </a:pPr>
+            <a:r>
+              <a:rPr lang="de-DE" b="1" i="0" dirty="0">
+                <a:solidFill>
+                  <a:srgbClr val="DCDDDE"/>
+                </a:solidFill>
+                <a:effectLst/>
+                <a:latin typeface="Whitney"/>
+              </a:rPr>
+              <a:t>zukünftig erleichtert</a:t>
+            </a:r>
+            <a:r>
+              <a:rPr lang="de-DE" b="0" i="0" dirty="0">
+                <a:solidFill>
+                  <a:srgbClr val="DCDDDE"/>
+                </a:solidFill>
+                <a:effectLst/>
+                <a:latin typeface="Whitney"/>
+              </a:rPr>
+              <a:t> </a:t>
+            </a:r>
+            <a:r>
+              <a:rPr lang="de-DE" b="0" i="0" dirty="0" err="1">
+                <a:solidFill>
+                  <a:srgbClr val="DCDDDE"/>
+                </a:solidFill>
+                <a:effectLst/>
+                <a:latin typeface="Whitney"/>
+              </a:rPr>
+              <a:t>spritesheet</a:t>
+            </a:r>
+            <a:r>
+              <a:rPr lang="de-DE" b="0" i="0" dirty="0">
+                <a:solidFill>
+                  <a:srgbClr val="DCDDDE"/>
+                </a:solidFill>
+                <a:effectLst/>
+                <a:latin typeface="Whitney"/>
+              </a:rPr>
+              <a:t> &amp; </a:t>
+            </a:r>
+            <a:r>
+              <a:rPr lang="de-DE" b="0" i="0" dirty="0" err="1">
+                <a:solidFill>
+                  <a:srgbClr val="DCDDDE"/>
+                </a:solidFill>
+                <a:effectLst/>
+                <a:latin typeface="Whitney"/>
+              </a:rPr>
+              <a:t>animation</a:t>
+            </a:r>
+            <a:r>
+              <a:rPr lang="de-DE" b="0" i="0" dirty="0">
+                <a:solidFill>
+                  <a:srgbClr val="DCDDDE"/>
+                </a:solidFill>
+                <a:effectLst/>
+                <a:latin typeface="Whitney"/>
+              </a:rPr>
+              <a:t> anderer Charaktere</a:t>
+            </a:r>
           </a:p>
         </p:txBody>
       </p:sp>
@@ -6754,6 +7344,951 @@
 </file>
 
 <file path=ppt/notesSlides/notesSlide5.xml><?xml version="1.0" encoding="utf-8"?>
+<p:notes xmlns:a="http://schemas.openxmlformats.org/drawingml/2006/main" xmlns:r="http://schemas.openxmlformats.org/officeDocument/2006/relationships" xmlns:p="http://schemas.openxmlformats.org/presentationml/2006/main">
+  <p:cSld>
+    <p:spTree>
+      <p:nvGrpSpPr>
+        <p:cNvPr id="1" name=""/>
+        <p:cNvGrpSpPr/>
+        <p:nvPr/>
+      </p:nvGrpSpPr>
+      <p:grpSpPr>
+        <a:xfrm>
+          <a:off x="0" y="0"/>
+          <a:ext cx="0" cy="0"/>
+          <a:chOff x="0" y="0"/>
+          <a:chExt cx="0" cy="0"/>
+        </a:xfrm>
+      </p:grpSpPr>
+      <p:sp>
+        <p:nvSpPr>
+          <p:cNvPr id="2" name="Folienbildplatzhalter 1"/>
+          <p:cNvSpPr>
+            <a:spLocks noGrp="1" noRot="1" noChangeAspect="1"/>
+          </p:cNvSpPr>
+          <p:nvPr>
+            <p:ph type="sldImg"/>
+          </p:nvPr>
+        </p:nvSpPr>
+        <p:spPr/>
+      </p:sp>
+      <p:sp>
+        <p:nvSpPr>
+          <p:cNvPr id="3" name="Notizenplatzhalter 2"/>
+          <p:cNvSpPr>
+            <a:spLocks noGrp="1"/>
+          </p:cNvSpPr>
+          <p:nvPr>
+            <p:ph type="body" idx="1"/>
+          </p:nvPr>
+        </p:nvSpPr>
+        <p:spPr/>
+        <p:txBody>
+          <a:bodyPr/>
+          <a:lstStyle/>
+          <a:p>
+            <a:pPr marL="0" marR="0" lvl="0" indent="0" algn="l" defTabSz="914400" rtl="0" eaLnBrk="1" fontAlgn="auto" latinLnBrk="0" hangingPunct="1">
+              <a:lnSpc>
+                <a:spcPct val="100000"/>
+              </a:lnSpc>
+              <a:spcBef>
+                <a:spcPts val="0"/>
+              </a:spcBef>
+              <a:spcAft>
+                <a:spcPts val="0"/>
+              </a:spcAft>
+              <a:buClrTx/>
+              <a:buSzTx/>
+              <a:buFontTx/>
+              <a:buNone/>
+              <a:tabLst/>
+              <a:defRPr/>
+            </a:pPr>
+            <a:r>
+              <a:rPr lang="de-DE" b="0" i="0" dirty="0">
+                <a:solidFill>
+                  <a:srgbClr val="DCDDDE"/>
+                </a:solidFill>
+                <a:effectLst/>
+                <a:latin typeface="Whitney"/>
+              </a:rPr>
+              <a:t>nach </a:t>
+            </a:r>
+            <a:r>
+              <a:rPr lang="de-DE" b="1" i="0" dirty="0">
+                <a:solidFill>
+                  <a:srgbClr val="DCDDDE"/>
+                </a:solidFill>
+                <a:effectLst/>
+                <a:latin typeface="Whitney"/>
+              </a:rPr>
+              <a:t>rumprobieren</a:t>
+            </a:r>
+            <a:r>
+              <a:rPr lang="de-DE" b="0" i="0" dirty="0">
+                <a:solidFill>
+                  <a:srgbClr val="DCDDDE"/>
+                </a:solidFill>
+                <a:effectLst/>
+                <a:latin typeface="Whitney"/>
+              </a:rPr>
+              <a:t>, </a:t>
+            </a:r>
+            <a:r>
+              <a:rPr lang="de-DE" b="0" i="0" dirty="0" err="1">
+                <a:solidFill>
+                  <a:srgbClr val="DCDDDE"/>
+                </a:solidFill>
+                <a:effectLst/>
+                <a:latin typeface="Whitney"/>
+              </a:rPr>
+              <a:t>spritesheet</a:t>
+            </a:r>
+            <a:r>
+              <a:rPr lang="de-DE" b="0" i="0" dirty="0">
+                <a:solidFill>
+                  <a:srgbClr val="DCDDDE"/>
+                </a:solidFill>
+                <a:effectLst/>
+                <a:latin typeface="Whitney"/>
+              </a:rPr>
+              <a:t> </a:t>
+            </a:r>
+            <a:r>
+              <a:rPr lang="de-DE" b="0" i="0" dirty="0" err="1">
+                <a:solidFill>
+                  <a:srgbClr val="DCDDDE"/>
+                </a:solidFill>
+                <a:effectLst/>
+                <a:latin typeface="Whitney"/>
+              </a:rPr>
+              <a:t>entscheidung</a:t>
+            </a:r>
+            <a:r>
+              <a:rPr lang="de-DE" b="0" i="0" dirty="0">
+                <a:solidFill>
+                  <a:srgbClr val="DCDDDE"/>
+                </a:solidFill>
+                <a:effectLst/>
+                <a:latin typeface="Whitney"/>
+              </a:rPr>
+              <a:t> </a:t>
+            </a:r>
+          </a:p>
+          <a:p>
+            <a:pPr marL="0" marR="0" lvl="0" indent="0" algn="l" defTabSz="914400" rtl="0" eaLnBrk="1" fontAlgn="auto" latinLnBrk="0" hangingPunct="1">
+              <a:lnSpc>
+                <a:spcPct val="100000"/>
+              </a:lnSpc>
+              <a:spcBef>
+                <a:spcPts val="0"/>
+              </a:spcBef>
+              <a:spcAft>
+                <a:spcPts val="0"/>
+              </a:spcAft>
+              <a:buClrTx/>
+              <a:buSzTx/>
+              <a:buFontTx/>
+              <a:buNone/>
+              <a:tabLst/>
+              <a:defRPr/>
+            </a:pPr>
+            <a:r>
+              <a:rPr lang="de-DE" b="0" i="0" dirty="0">
+                <a:solidFill>
+                  <a:srgbClr val="DCDDDE"/>
+                </a:solidFill>
+                <a:effectLst/>
+                <a:latin typeface="Whitney"/>
+              </a:rPr>
+              <a:t>Ausschnitt von </a:t>
+            </a:r>
+            <a:r>
+              <a:rPr lang="de-DE" b="0" i="0" dirty="0" err="1">
+                <a:solidFill>
+                  <a:srgbClr val="DCDDDE"/>
+                </a:solidFill>
+                <a:effectLst/>
+                <a:latin typeface="Whitney"/>
+              </a:rPr>
+              <a:t>player</a:t>
+            </a:r>
+            <a:r>
+              <a:rPr lang="de-DE" b="0" i="0" dirty="0">
+                <a:solidFill>
+                  <a:srgbClr val="DCDDDE"/>
+                </a:solidFill>
+                <a:effectLst/>
+                <a:latin typeface="Whitney"/>
+              </a:rPr>
+              <a:t> </a:t>
+            </a:r>
+          </a:p>
+          <a:p>
+            <a:pPr marL="0" marR="0" lvl="0" indent="0" algn="l" defTabSz="914400" rtl="0" eaLnBrk="1" fontAlgn="auto" latinLnBrk="0" hangingPunct="1">
+              <a:lnSpc>
+                <a:spcPct val="100000"/>
+              </a:lnSpc>
+              <a:spcBef>
+                <a:spcPts val="0"/>
+              </a:spcBef>
+              <a:spcAft>
+                <a:spcPts val="0"/>
+              </a:spcAft>
+              <a:buClrTx/>
+              <a:buSzTx/>
+              <a:buFontTx/>
+              <a:buNone/>
+              <a:tabLst/>
+              <a:defRPr/>
+            </a:pPr>
+            <a:r>
+              <a:rPr lang="de-DE" b="0" i="0" dirty="0">
+                <a:solidFill>
+                  <a:srgbClr val="DCDDDE"/>
+                </a:solidFill>
+                <a:effectLst/>
+                <a:latin typeface="Whitney"/>
+              </a:rPr>
+              <a:t>in </a:t>
+            </a:r>
+            <a:r>
+              <a:rPr lang="de-DE" b="1" i="0" dirty="0">
+                <a:solidFill>
+                  <a:srgbClr val="DCDDDE"/>
+                </a:solidFill>
+                <a:effectLst/>
+                <a:latin typeface="Whitney"/>
+              </a:rPr>
+              <a:t>9 Körperteile</a:t>
+            </a:r>
+            <a:r>
+              <a:rPr lang="de-DE" b="0" i="0" dirty="0">
+                <a:solidFill>
+                  <a:srgbClr val="DCDDDE"/>
+                </a:solidFill>
+                <a:effectLst/>
+                <a:latin typeface="Whitney"/>
+              </a:rPr>
+              <a:t> geteilt </a:t>
+            </a:r>
+          </a:p>
+          <a:p>
+            <a:pPr marL="0" marR="0" lvl="0" indent="0" algn="l" defTabSz="914400" rtl="0" eaLnBrk="1" fontAlgn="auto" latinLnBrk="0" hangingPunct="1">
+              <a:lnSpc>
+                <a:spcPct val="100000"/>
+              </a:lnSpc>
+              <a:spcBef>
+                <a:spcPts val="0"/>
+              </a:spcBef>
+              <a:spcAft>
+                <a:spcPts val="0"/>
+              </a:spcAft>
+              <a:buClrTx/>
+              <a:buSzTx/>
+              <a:buFontTx/>
+              <a:buNone/>
+              <a:tabLst/>
+              <a:defRPr/>
+            </a:pPr>
+            <a:r>
+              <a:rPr lang="de-DE" b="0" i="0" dirty="0">
+                <a:solidFill>
+                  <a:srgbClr val="DCDDDE"/>
+                </a:solidFill>
+                <a:effectLst/>
+                <a:latin typeface="Whitney"/>
+              </a:rPr>
+              <a:t>3x Arme + </a:t>
+            </a:r>
+            <a:r>
+              <a:rPr lang="de-DE" b="0" i="0" dirty="0" err="1">
+                <a:solidFill>
+                  <a:srgbClr val="DCDDDE"/>
+                </a:solidFill>
+                <a:effectLst/>
+                <a:latin typeface="Whitney"/>
+              </a:rPr>
+              <a:t>gun</a:t>
+            </a:r>
+            <a:r>
+              <a:rPr lang="de-DE" b="0" i="0" dirty="0">
+                <a:solidFill>
+                  <a:srgbClr val="DCDDDE"/>
+                </a:solidFill>
+                <a:effectLst/>
+                <a:latin typeface="Whitney"/>
+              </a:rPr>
+              <a:t> </a:t>
+            </a:r>
+          </a:p>
+          <a:p>
+            <a:pPr marL="0" marR="0" lvl="0" indent="0" algn="l" defTabSz="914400" rtl="0" eaLnBrk="1" fontAlgn="auto" latinLnBrk="0" hangingPunct="1">
+              <a:lnSpc>
+                <a:spcPct val="100000"/>
+              </a:lnSpc>
+              <a:spcBef>
+                <a:spcPts val="0"/>
+              </a:spcBef>
+              <a:spcAft>
+                <a:spcPts val="0"/>
+              </a:spcAft>
+              <a:buClrTx/>
+              <a:buSzTx/>
+              <a:buFontTx/>
+              <a:buNone/>
+              <a:tabLst/>
+              <a:defRPr/>
+            </a:pPr>
+            <a:r>
+              <a:rPr lang="de-DE" b="0" i="0" dirty="0">
+                <a:solidFill>
+                  <a:srgbClr val="DCDDDE"/>
+                </a:solidFill>
+                <a:effectLst/>
+                <a:latin typeface="Whitney"/>
+              </a:rPr>
+              <a:t>3x Beine </a:t>
+            </a:r>
+          </a:p>
+          <a:p>
+            <a:pPr marL="0" marR="0" lvl="0" indent="0" algn="l" defTabSz="914400" rtl="0" eaLnBrk="1" fontAlgn="auto" latinLnBrk="0" hangingPunct="1">
+              <a:lnSpc>
+                <a:spcPct val="100000"/>
+              </a:lnSpc>
+              <a:spcBef>
+                <a:spcPts val="0"/>
+              </a:spcBef>
+              <a:spcAft>
+                <a:spcPts val="0"/>
+              </a:spcAft>
+              <a:buClrTx/>
+              <a:buSzTx/>
+              <a:buFontTx/>
+              <a:buNone/>
+              <a:tabLst/>
+              <a:defRPr/>
+            </a:pPr>
+            <a:r>
+              <a:rPr lang="de-DE" b="0" i="0" dirty="0">
+                <a:solidFill>
+                  <a:srgbClr val="DCDDDE"/>
+                </a:solidFill>
+                <a:effectLst/>
+                <a:latin typeface="Whitney"/>
+              </a:rPr>
+              <a:t>-&gt; Animation </a:t>
+            </a:r>
+          </a:p>
+          <a:p>
+            <a:pPr marL="0" marR="0" lvl="0" indent="0" algn="l" defTabSz="914400" rtl="0" eaLnBrk="1" fontAlgn="auto" latinLnBrk="0" hangingPunct="1">
+              <a:lnSpc>
+                <a:spcPct val="100000"/>
+              </a:lnSpc>
+              <a:spcBef>
+                <a:spcPts val="0"/>
+              </a:spcBef>
+              <a:spcAft>
+                <a:spcPts val="0"/>
+              </a:spcAft>
+              <a:buClrTx/>
+              <a:buSzTx/>
+              <a:buFontTx/>
+              <a:buNone/>
+              <a:tabLst/>
+              <a:defRPr/>
+            </a:pPr>
+            <a:r>
+              <a:rPr lang="de-DE" b="0" i="0" dirty="0">
+                <a:solidFill>
+                  <a:srgbClr val="DCDDDE"/>
+                </a:solidFill>
+                <a:effectLst/>
+                <a:latin typeface="Whitney"/>
+              </a:rPr>
+              <a:t>jedes </a:t>
+            </a:r>
+            <a:r>
+              <a:rPr lang="de-DE" b="1" i="0" dirty="0">
+                <a:solidFill>
+                  <a:srgbClr val="DCDDDE"/>
+                </a:solidFill>
+                <a:effectLst/>
+                <a:latin typeface="Whitney"/>
+              </a:rPr>
+              <a:t>Körperteil 5 mal</a:t>
+            </a:r>
+            <a:r>
+              <a:rPr lang="de-DE" b="0" i="0" dirty="0">
+                <a:solidFill>
+                  <a:srgbClr val="DCDDDE"/>
+                </a:solidFill>
+                <a:effectLst/>
+                <a:latin typeface="Whitney"/>
+              </a:rPr>
+              <a:t> </a:t>
+            </a:r>
+          </a:p>
+          <a:p>
+            <a:pPr marL="0" marR="0" lvl="0" indent="0" algn="l" defTabSz="914400" rtl="0" eaLnBrk="1" fontAlgn="auto" latinLnBrk="0" hangingPunct="1">
+              <a:lnSpc>
+                <a:spcPct val="100000"/>
+              </a:lnSpc>
+              <a:spcBef>
+                <a:spcPts val="0"/>
+              </a:spcBef>
+              <a:spcAft>
+                <a:spcPts val="0"/>
+              </a:spcAft>
+              <a:buClrTx/>
+              <a:buSzTx/>
+              <a:buFontTx/>
+              <a:buNone/>
+              <a:tabLst/>
+              <a:defRPr/>
+            </a:pPr>
+            <a:r>
+              <a:rPr lang="de-DE" b="0" i="0" dirty="0">
+                <a:solidFill>
+                  <a:srgbClr val="DCDDDE"/>
+                </a:solidFill>
+                <a:effectLst/>
+                <a:latin typeface="Whitney"/>
+              </a:rPr>
+              <a:t>-&gt; Bewegung in </a:t>
+            </a:r>
+            <a:r>
+              <a:rPr lang="de-DE" b="1" i="0" dirty="0">
+                <a:solidFill>
+                  <a:srgbClr val="DCDDDE"/>
+                </a:solidFill>
+                <a:effectLst/>
+                <a:latin typeface="Whitney"/>
+              </a:rPr>
+              <a:t>8 </a:t>
+            </a:r>
+            <a:r>
+              <a:rPr lang="de-DE" b="1" i="0" dirty="0" err="1">
+                <a:solidFill>
+                  <a:srgbClr val="DCDDDE"/>
+                </a:solidFill>
+                <a:effectLst/>
+                <a:latin typeface="Whitney"/>
+              </a:rPr>
+              <a:t>richtungen</a:t>
+            </a:r>
+            <a:r>
+              <a:rPr lang="de-DE" b="0" i="0" dirty="0">
+                <a:solidFill>
+                  <a:srgbClr val="DCDDDE"/>
+                </a:solidFill>
+                <a:effectLst/>
+                <a:latin typeface="Whitney"/>
+              </a:rPr>
+              <a:t> </a:t>
+            </a:r>
+          </a:p>
+          <a:p>
+            <a:pPr marL="0" marR="0" lvl="0" indent="0" algn="l" defTabSz="914400" rtl="0" eaLnBrk="1" fontAlgn="auto" latinLnBrk="0" hangingPunct="1">
+              <a:lnSpc>
+                <a:spcPct val="100000"/>
+              </a:lnSpc>
+              <a:spcBef>
+                <a:spcPts val="0"/>
+              </a:spcBef>
+              <a:spcAft>
+                <a:spcPts val="0"/>
+              </a:spcAft>
+              <a:buClrTx/>
+              <a:buSzTx/>
+              <a:buFontTx/>
+              <a:buNone/>
+              <a:tabLst/>
+              <a:defRPr/>
+            </a:pPr>
+            <a:endParaRPr lang="de-DE" b="0" i="0" dirty="0">
+              <a:solidFill>
+                <a:srgbClr val="DCDDDE"/>
+              </a:solidFill>
+              <a:effectLst/>
+              <a:latin typeface="Whitney"/>
+            </a:endParaRPr>
+          </a:p>
+          <a:p>
+            <a:pPr marL="0" marR="0" lvl="0" indent="0" algn="l" defTabSz="914400" rtl="0" eaLnBrk="1" fontAlgn="auto" latinLnBrk="0" hangingPunct="1">
+              <a:lnSpc>
+                <a:spcPct val="100000"/>
+              </a:lnSpc>
+              <a:spcBef>
+                <a:spcPts val="0"/>
+              </a:spcBef>
+              <a:spcAft>
+                <a:spcPts val="0"/>
+              </a:spcAft>
+              <a:buClrTx/>
+              <a:buSzTx/>
+              <a:buFontTx/>
+              <a:buNone/>
+              <a:tabLst/>
+              <a:defRPr/>
+            </a:pPr>
+            <a:r>
+              <a:rPr lang="de-DE" b="1" i="0" dirty="0">
+                <a:solidFill>
+                  <a:srgbClr val="DCDDDE"/>
+                </a:solidFill>
+                <a:effectLst/>
+                <a:latin typeface="Whitney"/>
+              </a:rPr>
+              <a:t>Design</a:t>
+            </a:r>
+            <a:r>
+              <a:rPr lang="de-DE" b="0" i="0" dirty="0">
+                <a:solidFill>
+                  <a:srgbClr val="DCDDDE"/>
+                </a:solidFill>
+                <a:effectLst/>
+                <a:latin typeface="Whitney"/>
+              </a:rPr>
+              <a:t> nicht mehr </a:t>
+            </a:r>
+            <a:r>
+              <a:rPr lang="de-DE" b="1" i="0" dirty="0">
+                <a:solidFill>
+                  <a:srgbClr val="DCDDDE"/>
+                </a:solidFill>
+                <a:effectLst/>
+                <a:latin typeface="Whitney"/>
+              </a:rPr>
+              <a:t>übereinander </a:t>
+            </a:r>
+          </a:p>
+          <a:p>
+            <a:pPr marL="0" marR="0" lvl="0" indent="0" algn="l" defTabSz="914400" rtl="0" eaLnBrk="1" fontAlgn="auto" latinLnBrk="0" hangingPunct="1">
+              <a:lnSpc>
+                <a:spcPct val="100000"/>
+              </a:lnSpc>
+              <a:spcBef>
+                <a:spcPts val="0"/>
+              </a:spcBef>
+              <a:spcAft>
+                <a:spcPts val="0"/>
+              </a:spcAft>
+              <a:buClrTx/>
+              <a:buSzTx/>
+              <a:buFontTx/>
+              <a:buNone/>
+              <a:tabLst/>
+              <a:defRPr/>
+            </a:pPr>
+            <a:r>
+              <a:rPr lang="de-DE" b="0" i="0" dirty="0">
+                <a:solidFill>
+                  <a:srgbClr val="DCDDDE"/>
+                </a:solidFill>
+                <a:effectLst/>
+                <a:latin typeface="Whitney"/>
+              </a:rPr>
+              <a:t>Lösung: </a:t>
+            </a:r>
+          </a:p>
+          <a:p>
+            <a:pPr marL="0" marR="0" lvl="0" indent="0" algn="l" defTabSz="914400" rtl="0" eaLnBrk="1" fontAlgn="auto" latinLnBrk="0" hangingPunct="1">
+              <a:lnSpc>
+                <a:spcPct val="100000"/>
+              </a:lnSpc>
+              <a:spcBef>
+                <a:spcPts val="0"/>
+              </a:spcBef>
+              <a:spcAft>
+                <a:spcPts val="0"/>
+              </a:spcAft>
+              <a:buClrTx/>
+              <a:buSzTx/>
+              <a:buFontTx/>
+              <a:buNone/>
+              <a:tabLst/>
+              <a:defRPr/>
+            </a:pPr>
+            <a:r>
+              <a:rPr lang="de-DE" b="0" i="0" dirty="0">
+                <a:solidFill>
+                  <a:srgbClr val="DCDDDE"/>
+                </a:solidFill>
+                <a:effectLst/>
+                <a:latin typeface="Whitney"/>
+              </a:rPr>
+              <a:t>in </a:t>
+            </a:r>
+            <a:r>
+              <a:rPr lang="de-DE" b="0" i="0" dirty="0" err="1">
+                <a:solidFill>
+                  <a:srgbClr val="DCDDDE"/>
+                </a:solidFill>
+                <a:effectLst/>
+                <a:latin typeface="Whitney"/>
+              </a:rPr>
+              <a:t>Krita</a:t>
+            </a:r>
+            <a:r>
+              <a:rPr lang="de-DE" b="0" i="0" dirty="0">
+                <a:solidFill>
+                  <a:srgbClr val="DCDDDE"/>
+                </a:solidFill>
+                <a:effectLst/>
+                <a:latin typeface="Whitney"/>
+              </a:rPr>
+              <a:t> </a:t>
+            </a:r>
+          </a:p>
+          <a:p>
+            <a:pPr marL="0" marR="0" lvl="0" indent="0" algn="l" defTabSz="914400" rtl="0" eaLnBrk="1" fontAlgn="auto" latinLnBrk="0" hangingPunct="1">
+              <a:lnSpc>
+                <a:spcPct val="100000"/>
+              </a:lnSpc>
+              <a:spcBef>
+                <a:spcPts val="0"/>
+              </a:spcBef>
+              <a:spcAft>
+                <a:spcPts val="0"/>
+              </a:spcAft>
+              <a:buClrTx/>
+              <a:buSzTx/>
+              <a:buFontTx/>
+              <a:buNone/>
+              <a:tabLst/>
+              <a:defRPr/>
+            </a:pPr>
+            <a:r>
+              <a:rPr lang="de-DE" b="0" i="0" dirty="0">
+                <a:solidFill>
+                  <a:srgbClr val="DCDDDE"/>
+                </a:solidFill>
+                <a:effectLst/>
+                <a:latin typeface="Whitney"/>
+              </a:rPr>
+              <a:t>Körperteil einen </a:t>
+            </a:r>
+            <a:r>
+              <a:rPr lang="de-DE" b="1" i="0" dirty="0" err="1">
+                <a:solidFill>
+                  <a:srgbClr val="DCDDDE"/>
+                </a:solidFill>
+                <a:effectLst/>
+                <a:latin typeface="Whitney"/>
+              </a:rPr>
+              <a:t>group</a:t>
+            </a:r>
+            <a:r>
+              <a:rPr lang="de-DE" b="1" i="0" dirty="0">
+                <a:solidFill>
+                  <a:srgbClr val="DCDDDE"/>
+                </a:solidFill>
+                <a:effectLst/>
+                <a:latin typeface="Whitney"/>
+              </a:rPr>
+              <a:t> </a:t>
+            </a:r>
+            <a:r>
+              <a:rPr lang="de-DE" b="1" i="0" dirty="0" err="1">
+                <a:solidFill>
+                  <a:srgbClr val="DCDDDE"/>
+                </a:solidFill>
+                <a:effectLst/>
+                <a:latin typeface="Whitney"/>
+              </a:rPr>
+              <a:t>layer</a:t>
+            </a:r>
+            <a:r>
+              <a:rPr lang="de-DE" b="0" i="0" dirty="0">
+                <a:solidFill>
+                  <a:srgbClr val="DCDDDE"/>
+                </a:solidFill>
+                <a:effectLst/>
+                <a:latin typeface="Whitney"/>
+              </a:rPr>
+              <a:t> </a:t>
+            </a:r>
+          </a:p>
+          <a:p>
+            <a:pPr marL="0" marR="0" lvl="0" indent="0" algn="l" defTabSz="914400" rtl="0" eaLnBrk="1" fontAlgn="auto" latinLnBrk="0" hangingPunct="1">
+              <a:lnSpc>
+                <a:spcPct val="100000"/>
+              </a:lnSpc>
+              <a:spcBef>
+                <a:spcPts val="0"/>
+              </a:spcBef>
+              <a:spcAft>
+                <a:spcPts val="0"/>
+              </a:spcAft>
+              <a:buClrTx/>
+              <a:buSzTx/>
+              <a:buFontTx/>
+              <a:buNone/>
+              <a:tabLst/>
+              <a:defRPr/>
+            </a:pPr>
+            <a:r>
+              <a:rPr lang="de-DE" b="0" i="0" dirty="0">
+                <a:solidFill>
+                  <a:srgbClr val="DCDDDE"/>
+                </a:solidFill>
+                <a:effectLst/>
+                <a:latin typeface="Whitney"/>
+              </a:rPr>
+              <a:t>-&gt;</a:t>
+            </a:r>
+            <a:r>
+              <a:rPr lang="de-DE" b="1" i="0" dirty="0">
+                <a:solidFill>
+                  <a:srgbClr val="DCDDDE"/>
+                </a:solidFill>
+                <a:effectLst/>
+                <a:latin typeface="Whitney"/>
+              </a:rPr>
+              <a:t> </a:t>
+            </a:r>
+            <a:r>
+              <a:rPr lang="de-DE" b="1" i="0" dirty="0" err="1">
+                <a:solidFill>
+                  <a:srgbClr val="DCDDDE"/>
+                </a:solidFill>
+                <a:effectLst/>
+                <a:latin typeface="Whitney"/>
+              </a:rPr>
+              <a:t>clone</a:t>
+            </a:r>
+            <a:r>
+              <a:rPr lang="de-DE" b="1" i="0" dirty="0">
+                <a:solidFill>
+                  <a:srgbClr val="DCDDDE"/>
+                </a:solidFill>
+                <a:effectLst/>
+                <a:latin typeface="Whitney"/>
+              </a:rPr>
+              <a:t> </a:t>
+            </a:r>
+            <a:r>
+              <a:rPr lang="de-DE" b="1" i="0" dirty="0" err="1">
+                <a:solidFill>
+                  <a:srgbClr val="DCDDDE"/>
+                </a:solidFill>
+                <a:effectLst/>
+                <a:latin typeface="Whitney"/>
+              </a:rPr>
+              <a:t>layer</a:t>
+            </a:r>
+            <a:r>
+              <a:rPr lang="de-DE" b="0" i="0" dirty="0">
+                <a:solidFill>
+                  <a:srgbClr val="DCDDDE"/>
+                </a:solidFill>
+                <a:effectLst/>
+                <a:latin typeface="Whitney"/>
+              </a:rPr>
+              <a:t> erzeugen </a:t>
+            </a:r>
+          </a:p>
+          <a:p>
+            <a:pPr marL="0" marR="0" lvl="0" indent="0" algn="l" defTabSz="914400" rtl="0" eaLnBrk="1" fontAlgn="auto" latinLnBrk="0" hangingPunct="1">
+              <a:lnSpc>
+                <a:spcPct val="100000"/>
+              </a:lnSpc>
+              <a:spcBef>
+                <a:spcPts val="0"/>
+              </a:spcBef>
+              <a:spcAft>
+                <a:spcPts val="0"/>
+              </a:spcAft>
+              <a:buClrTx/>
+              <a:buSzTx/>
+              <a:buFontTx/>
+              <a:buNone/>
+              <a:tabLst/>
+              <a:defRPr/>
+            </a:pPr>
+            <a:r>
+              <a:rPr lang="de-DE" b="1" i="0" dirty="0">
+                <a:solidFill>
+                  <a:srgbClr val="DCDDDE"/>
+                </a:solidFill>
+                <a:effectLst/>
+                <a:latin typeface="Whitney"/>
+              </a:rPr>
+              <a:t>oberste Zeile</a:t>
+            </a:r>
+            <a:r>
+              <a:rPr lang="de-DE" b="0" i="0" dirty="0">
+                <a:solidFill>
+                  <a:srgbClr val="DCDDDE"/>
+                </a:solidFill>
+                <a:effectLst/>
+                <a:latin typeface="Whitney"/>
+              </a:rPr>
+              <a:t> geschoben </a:t>
+            </a:r>
+          </a:p>
+          <a:p>
+            <a:pPr marL="0" marR="0" lvl="0" indent="0" algn="l" defTabSz="914400" rtl="0" eaLnBrk="1" fontAlgn="auto" latinLnBrk="0" hangingPunct="1">
+              <a:lnSpc>
+                <a:spcPct val="100000"/>
+              </a:lnSpc>
+              <a:spcBef>
+                <a:spcPts val="0"/>
+              </a:spcBef>
+              <a:spcAft>
+                <a:spcPts val="0"/>
+              </a:spcAft>
+              <a:buClrTx/>
+              <a:buSzTx/>
+              <a:buFontTx/>
+              <a:buNone/>
+              <a:tabLst/>
+              <a:defRPr/>
+            </a:pPr>
+            <a:r>
+              <a:rPr lang="de-DE" b="0" i="0" dirty="0">
+                <a:solidFill>
+                  <a:srgbClr val="DCDDDE"/>
+                </a:solidFill>
+                <a:effectLst/>
+                <a:latin typeface="Whitney"/>
+              </a:rPr>
+              <a:t>rechts: </a:t>
+            </a:r>
+            <a:r>
+              <a:rPr lang="de-DE" b="0" i="0" dirty="0" err="1">
+                <a:solidFill>
+                  <a:srgbClr val="DCDDDE"/>
+                </a:solidFill>
+                <a:effectLst/>
+                <a:latin typeface="Whitney"/>
+              </a:rPr>
+              <a:t>clone</a:t>
+            </a:r>
+            <a:r>
+              <a:rPr lang="de-DE" b="0" i="0" dirty="0">
+                <a:solidFill>
+                  <a:srgbClr val="DCDDDE"/>
+                </a:solidFill>
+                <a:effectLst/>
+                <a:latin typeface="Whitney"/>
+              </a:rPr>
+              <a:t> </a:t>
+            </a:r>
+            <a:r>
+              <a:rPr lang="de-DE" b="0" i="0" dirty="0" err="1">
+                <a:solidFill>
+                  <a:srgbClr val="DCDDDE"/>
+                </a:solidFill>
+                <a:effectLst/>
+                <a:latin typeface="Whitney"/>
+              </a:rPr>
+              <a:t>layer</a:t>
+            </a:r>
+            <a:r>
+              <a:rPr lang="de-DE" b="0" i="0" dirty="0">
+                <a:solidFill>
+                  <a:srgbClr val="DCDDDE"/>
+                </a:solidFill>
+                <a:effectLst/>
+                <a:latin typeface="Whitney"/>
+              </a:rPr>
+              <a:t> </a:t>
+            </a:r>
+            <a:r>
+              <a:rPr lang="de-DE" b="1" i="0" dirty="0">
+                <a:solidFill>
+                  <a:srgbClr val="DCDDDE"/>
+                </a:solidFill>
+                <a:effectLst/>
+                <a:latin typeface="Whitney"/>
+              </a:rPr>
+              <a:t>Sichtbarkeit</a:t>
+            </a:r>
+            <a:r>
+              <a:rPr lang="de-DE" b="0" i="0" dirty="0">
+                <a:solidFill>
+                  <a:srgbClr val="DCDDDE"/>
+                </a:solidFill>
+                <a:effectLst/>
+                <a:latin typeface="Whitney"/>
+              </a:rPr>
+              <a:t> </a:t>
+            </a:r>
+          </a:p>
+          <a:p>
+            <a:pPr marL="0" marR="0" lvl="0" indent="0" algn="l" defTabSz="914400" rtl="0" eaLnBrk="1" fontAlgn="auto" latinLnBrk="0" hangingPunct="1">
+              <a:lnSpc>
+                <a:spcPct val="100000"/>
+              </a:lnSpc>
+              <a:spcBef>
+                <a:spcPts val="0"/>
+              </a:spcBef>
+              <a:spcAft>
+                <a:spcPts val="0"/>
+              </a:spcAft>
+              <a:buClrTx/>
+              <a:buSzTx/>
+              <a:buFontTx/>
+              <a:buNone/>
+              <a:tabLst/>
+              <a:defRPr/>
+            </a:pPr>
+            <a:r>
+              <a:rPr lang="de-DE" b="0" i="0" dirty="0">
+                <a:solidFill>
+                  <a:srgbClr val="DCDDDE"/>
+                </a:solidFill>
+                <a:effectLst/>
+                <a:latin typeface="Whitney"/>
+              </a:rPr>
+              <a:t>-&gt; überprüfen, Proportionen, Farben, Übergänge</a:t>
+            </a:r>
+            <a:endParaRPr lang="de-DE" dirty="0"/>
+          </a:p>
+          <a:p>
+            <a:endParaRPr lang="de-DE" dirty="0"/>
+          </a:p>
+        </p:txBody>
+      </p:sp>
+      <p:sp>
+        <p:nvSpPr>
+          <p:cNvPr id="4" name="Foliennummernplatzhalter 3"/>
+          <p:cNvSpPr>
+            <a:spLocks noGrp="1"/>
+          </p:cNvSpPr>
+          <p:nvPr>
+            <p:ph type="sldNum" sz="quarter" idx="5"/>
+          </p:nvPr>
+        </p:nvSpPr>
+        <p:spPr/>
+        <p:txBody>
+          <a:bodyPr/>
+          <a:lstStyle/>
+          <a:p>
+            <a:fld id="{6BAD1AF2-A6B3-4B84-B5D2-6F16B2D7100D}" type="slidenum">
+              <a:rPr lang="de-DE" smtClean="0"/>
+              <a:t>14</a:t>
+            </a:fld>
+            <a:endParaRPr lang="de-DE"/>
+          </a:p>
+        </p:txBody>
+      </p:sp>
+    </p:spTree>
+    <p:extLst>
+      <p:ext uri="{BB962C8B-B14F-4D97-AF65-F5344CB8AC3E}">
+        <p14:creationId xmlns:p14="http://schemas.microsoft.com/office/powerpoint/2010/main" val="1274325807"/>
+      </p:ext>
+    </p:extLst>
+  </p:cSld>
+  <p:clrMapOvr>
+    <a:masterClrMapping/>
+  </p:clrMapOvr>
+</p:notes>
+</file>
+
+<file path=ppt/notesSlides/notesSlide6.xml><?xml version="1.0" encoding="utf-8"?>
 <p:notes xmlns:a="http://schemas.openxmlformats.org/drawingml/2006/main" xmlns:r="http://schemas.openxmlformats.org/officeDocument/2006/relationships" xmlns:p="http://schemas.openxmlformats.org/presentationml/2006/main">
   <p:cSld>
     <p:spTree>
@@ -6932,7 +8467,7 @@
           <a:effectLst/>
           <a:extLst>
             <a:ext uri="{91240B29-F687-4f45-9708-019B960494DF}">
-              <a14:hiddenLine xmlns:a14="http://schemas.microsoft.com/office/drawing/2010/main" xmlns="" w="9525">
+              <a14:hiddenLine xmlns="" xmlns:a14="http://schemas.microsoft.com/office/drawing/2010/main" w="9525">
                 <a:solidFill>
                   <a:srgbClr val="000000"/>
                 </a:solidFill>
@@ -7125,7 +8660,7 @@
             <a:fld id="{08B9EBBA-996F-894A-B54A-D6246ED52CEA}" type="datetimeFigureOut">
               <a:rPr lang="en-US" dirty="0"/>
               <a:pPr/>
-              <a:t>5/9/2019</a:t>
+              <a:t>5/10/2019</a:t>
             </a:fld>
             <a:endParaRPr lang="en-US" dirty="0"/>
           </a:p>
@@ -7168,7 +8703,7 @@
             <a:fld id="{D57F1E4F-1CFF-5643-939E-217C01CDF565}" type="slidenum">
               <a:rPr lang="en-US" dirty="0"/>
               <a:pPr/>
-              <a:t>‹#›</a:t>
+              <a:t>‹Nr.›</a:t>
             </a:fld>
             <a:endParaRPr lang="en-US" dirty="0"/>
           </a:p>
@@ -7435,7 +8970,7 @@
             <a:fld id="{18C79C5D-2A6F-F04D-97DA-BEF2467B64E4}" type="datetimeFigureOut">
               <a:rPr lang="en-US" dirty="0"/>
               <a:pPr/>
-              <a:t>5/9/2019</a:t>
+              <a:t>5/10/2019</a:t>
             </a:fld>
             <a:endParaRPr lang="en-US" dirty="0"/>
           </a:p>
@@ -7488,7 +9023,7 @@
             <a:fld id="{D57F1E4F-1CFF-5643-939E-217C01CDF565}" type="slidenum">
               <a:rPr lang="en-US" dirty="0"/>
               <a:pPr/>
-              <a:t>‹#›</a:t>
+              <a:t>‹Nr.›</a:t>
             </a:fld>
             <a:endParaRPr lang="en-US" dirty="0"/>
           </a:p>
@@ -7760,7 +9295,7 @@
             <a:fld id="{18C79C5D-2A6F-F04D-97DA-BEF2467B64E4}" type="datetimeFigureOut">
               <a:rPr lang="en-US" dirty="0"/>
               <a:pPr/>
-              <a:t>5/9/2019</a:t>
+              <a:t>5/10/2019</a:t>
             </a:fld>
             <a:endParaRPr lang="en-US" dirty="0"/>
           </a:p>
@@ -7803,7 +9338,7 @@
             <a:fld id="{D57F1E4F-1CFF-5643-939E-217C01CDF565}" type="slidenum">
               <a:rPr lang="en-US" dirty="0"/>
               <a:pPr/>
-              <a:t>‹#›</a:t>
+              <a:t>‹Nr.›</a:t>
             </a:fld>
             <a:endParaRPr lang="en-US" dirty="0"/>
           </a:p>
@@ -8245,7 +9780,7 @@
             <a:fld id="{8DFA1846-DA80-1C48-A609-854EA85C59AD}" type="datetimeFigureOut">
               <a:rPr lang="en-US" dirty="0"/>
               <a:pPr/>
-              <a:t>5/9/2019</a:t>
+              <a:t>5/10/2019</a:t>
             </a:fld>
             <a:endParaRPr lang="en-US" dirty="0"/>
           </a:p>
@@ -8288,7 +9823,7 @@
             <a:fld id="{D57F1E4F-1CFF-5643-939E-217C01CDF565}" type="slidenum">
               <a:rPr lang="en-US" dirty="0"/>
               <a:pPr/>
-              <a:t>‹#›</a:t>
+              <a:t>‹Nr.›</a:t>
             </a:fld>
             <a:endParaRPr lang="en-US" dirty="0"/>
           </a:p>
@@ -8611,7 +10146,7 @@
             <a:fld id="{FBF54567-0DE4-3F47-BF90-CB84690072F9}" type="datetimeFigureOut">
               <a:rPr lang="en-US" dirty="0"/>
               <a:pPr/>
-              <a:t>5/9/2019</a:t>
+              <a:t>5/10/2019</a:t>
             </a:fld>
             <a:endParaRPr lang="en-US" dirty="0"/>
           </a:p>
@@ -8654,7 +10189,7 @@
             <a:fld id="{D57F1E4F-1CFF-5643-939E-217C01CDF565}" type="slidenum">
               <a:rPr lang="en-US" dirty="0"/>
               <a:pPr/>
-              <a:t>‹#›</a:t>
+              <a:t>‹Nr.›</a:t>
             </a:fld>
             <a:endParaRPr lang="en-US" dirty="0"/>
           </a:p>
@@ -8762,7 +10297,7 @@
           <a:ln/>
           <a:extLst>
             <a:ext uri="{91240B29-F687-4f45-9708-019B960494DF}">
-              <a14:hiddenLine xmlns:a14="http://schemas.microsoft.com/office/drawing/2010/main" xmlns="" w="9525">
+              <a14:hiddenLine xmlns="" xmlns:a14="http://schemas.microsoft.com/office/drawing/2010/main" w="9525">
                 <a:solidFill>
                   <a:srgbClr val="000000"/>
                 </a:solidFill>
@@ -8881,7 +10416,7 @@
             <a:fld id="{C6C52C72-DE31-F449-A4ED-4C594FD91407}" type="datetimeFigureOut">
               <a:rPr lang="en-US" dirty="0"/>
               <a:pPr/>
-              <a:t>5/9/2019</a:t>
+              <a:t>5/10/2019</a:t>
             </a:fld>
             <a:endParaRPr lang="en-US" dirty="0"/>
           </a:p>
@@ -8924,7 +10459,7 @@
             <a:fld id="{D57F1E4F-1CFF-5643-939E-217C01CDF565}" type="slidenum">
               <a:rPr lang="en-US" dirty="0"/>
               <a:pPr/>
-              <a:t>‹#›</a:t>
+              <a:t>‹Nr.›</a:t>
             </a:fld>
             <a:endParaRPr lang="en-US" dirty="0"/>
           </a:p>
@@ -9034,7 +10569,7 @@
           <a:ln/>
           <a:extLst>
             <a:ext uri="{91240B29-F687-4f45-9708-019B960494DF}">
-              <a14:hiddenLine xmlns:a14="http://schemas.microsoft.com/office/drawing/2010/main" xmlns="" w="9525">
+              <a14:hiddenLine xmlns="" xmlns:a14="http://schemas.microsoft.com/office/drawing/2010/main" w="9525">
                 <a:solidFill>
                   <a:srgbClr val="000000"/>
                 </a:solidFill>
@@ -9163,7 +10698,7 @@
             <a:fld id="{ED62726E-379B-B349-9EED-81ED093FA806}" type="datetimeFigureOut">
               <a:rPr lang="en-US" dirty="0"/>
               <a:pPr/>
-              <a:t>5/9/2019</a:t>
+              <a:t>5/10/2019</a:t>
             </a:fld>
             <a:endParaRPr lang="en-US" dirty="0"/>
           </a:p>
@@ -9206,7 +10741,7 @@
             <a:fld id="{D57F1E4F-1CFF-5643-939E-217C01CDF565}" type="slidenum">
               <a:rPr lang="en-US" dirty="0"/>
               <a:pPr/>
-              <a:t>‹#›</a:t>
+              <a:t>‹Nr.›</a:t>
             </a:fld>
             <a:endParaRPr lang="en-US" dirty="0"/>
           </a:p>
@@ -9404,7 +10939,7 @@
             <a:fld id="{08B9EBBA-996F-894A-B54A-D6246ED52CEA}" type="datetimeFigureOut">
               <a:rPr lang="en-US" dirty="0"/>
               <a:pPr/>
-              <a:t>5/9/2019</a:t>
+              <a:t>5/10/2019</a:t>
             </a:fld>
             <a:endParaRPr lang="en-US" dirty="0"/>
           </a:p>
@@ -9447,7 +10982,7 @@
             <a:fld id="{D57F1E4F-1CFF-5643-939E-217C01CDF565}" type="slidenum">
               <a:rPr lang="en-US" dirty="0"/>
               <a:pPr/>
-              <a:t>‹#›</a:t>
+              <a:t>‹Nr.›</a:t>
             </a:fld>
             <a:endParaRPr lang="en-US" dirty="0"/>
           </a:p>
@@ -9590,7 +11125,7 @@
           <a:ln/>
           <a:extLst>
             <a:ext uri="{91240B29-F687-4f45-9708-019B960494DF}">
-              <a14:hiddenLine xmlns:a14="http://schemas.microsoft.com/office/drawing/2010/main" xmlns="" w="9525">
+              <a14:hiddenLine xmlns="" xmlns:a14="http://schemas.microsoft.com/office/drawing/2010/main" w="9525">
                 <a:solidFill>
                   <a:srgbClr val="000000"/>
                 </a:solidFill>
@@ -9719,7 +11254,7 @@
             <a:fld id="{9B3A1323-8D79-1946-B0D7-40001CF92E9D}" type="datetimeFigureOut">
               <a:rPr lang="en-US" dirty="0"/>
               <a:pPr/>
-              <a:t>5/9/2019</a:t>
+              <a:t>5/10/2019</a:t>
             </a:fld>
             <a:endParaRPr lang="en-US" dirty="0"/>
           </a:p>
@@ -9762,7 +11297,7 @@
             <a:fld id="{D57F1E4F-1CFF-5643-939E-217C01CDF565}" type="slidenum">
               <a:rPr lang="en-US" dirty="0"/>
               <a:pPr/>
-              <a:t>‹#›</a:t>
+              <a:t>‹Nr.›</a:t>
             </a:fld>
             <a:endParaRPr lang="en-US" dirty="0"/>
           </a:p>
@@ -10059,7 +11594,7 @@
             <a:fld id="{8DFA1846-DA80-1C48-A609-854EA85C59AD}" type="datetimeFigureOut">
               <a:rPr lang="en-US" dirty="0"/>
               <a:pPr/>
-              <a:t>5/9/2019</a:t>
+              <a:t>5/10/2019</a:t>
             </a:fld>
             <a:endParaRPr lang="en-US" dirty="0"/>
           </a:p>
@@ -10102,7 +11637,7 @@
             <a:fld id="{D57F1E4F-1CFF-5643-939E-217C01CDF565}" type="slidenum">
               <a:rPr lang="en-US" dirty="0"/>
               <a:pPr/>
-              <a:t>‹#›</a:t>
+              <a:t>‹Nr.›</a:t>
             </a:fld>
             <a:endParaRPr lang="en-US" dirty="0"/>
           </a:p>
@@ -10210,7 +11745,7 @@
           <a:ln/>
           <a:extLst>
             <a:ext uri="{91240B29-F687-4f45-9708-019B960494DF}">
-              <a14:hiddenLine xmlns:a14="http://schemas.microsoft.com/office/drawing/2010/main" xmlns="" w="9525">
+              <a14:hiddenLine xmlns="" xmlns:a14="http://schemas.microsoft.com/office/drawing/2010/main" w="9525">
                 <a:solidFill>
                   <a:srgbClr val="000000"/>
                 </a:solidFill>
@@ -10395,7 +11930,7 @@
             <a:fld id="{57302355-E14B-8545-A8F8-0FE83CC9D524}" type="datetimeFigureOut">
               <a:rPr lang="en-US" dirty="0"/>
               <a:pPr/>
-              <a:t>5/9/2019</a:t>
+              <a:t>5/10/2019</a:t>
             </a:fld>
             <a:endParaRPr lang="en-US" dirty="0"/>
           </a:p>
@@ -10438,7 +11973,7 @@
             <a:fld id="{D57F1E4F-1CFF-5643-939E-217C01CDF565}" type="slidenum">
               <a:rPr lang="en-US" dirty="0"/>
               <a:pPr/>
-              <a:t>‹#›</a:t>
+              <a:t>‹Nr.›</a:t>
             </a:fld>
             <a:endParaRPr lang="en-US" dirty="0"/>
           </a:p>
@@ -10546,7 +12081,7 @@
           <a:ln/>
           <a:extLst>
             <a:ext uri="{91240B29-F687-4f45-9708-019B960494DF}">
-              <a14:hiddenLine xmlns:a14="http://schemas.microsoft.com/office/drawing/2010/main" xmlns="" w="9525">
+              <a14:hiddenLine xmlns="" xmlns:a14="http://schemas.microsoft.com/office/drawing/2010/main" w="9525">
                 <a:solidFill>
                   <a:srgbClr val="000000"/>
                 </a:solidFill>
@@ -10869,7 +12404,7 @@
             <a:fld id="{02640F58-564D-2B4F-AE67-E407BA4FCF45}" type="datetimeFigureOut">
               <a:rPr lang="en-US" dirty="0"/>
               <a:pPr/>
-              <a:t>5/9/2019</a:t>
+              <a:t>5/10/2019</a:t>
             </a:fld>
             <a:endParaRPr lang="en-US" dirty="0"/>
           </a:p>
@@ -10912,7 +12447,7 @@
             <a:fld id="{D57F1E4F-1CFF-5643-939E-217C01CDF565}" type="slidenum">
               <a:rPr lang="en-US" dirty="0"/>
               <a:pPr/>
-              <a:t>‹#›</a:t>
+              <a:t>‹Nr.›</a:t>
             </a:fld>
             <a:endParaRPr lang="en-US" dirty="0"/>
           </a:p>
@@ -11020,7 +12555,7 @@
           <a:ln/>
           <a:extLst>
             <a:ext uri="{91240B29-F687-4f45-9708-019B960494DF}">
-              <a14:hiddenLine xmlns:a14="http://schemas.microsoft.com/office/drawing/2010/main" xmlns="" w="9525">
+              <a14:hiddenLine xmlns="" xmlns:a14="http://schemas.microsoft.com/office/drawing/2010/main" w="9525">
                 <a:solidFill>
                   <a:srgbClr val="000000"/>
                 </a:solidFill>
@@ -11087,7 +12622,7 @@
             <a:fld id="{F13A34C8-038E-2045-AF43-DF7DBB8E0E9E}" type="datetimeFigureOut">
               <a:rPr lang="en-US" dirty="0"/>
               <a:pPr/>
-              <a:t>5/9/2019</a:t>
+              <a:t>5/10/2019</a:t>
             </a:fld>
             <a:endParaRPr lang="en-US" dirty="0"/>
           </a:p>
@@ -11130,7 +12665,7 @@
             <a:fld id="{D57F1E4F-1CFF-5643-939E-217C01CDF565}" type="slidenum">
               <a:rPr lang="en-US" dirty="0"/>
               <a:pPr/>
-              <a:t>‹#›</a:t>
+              <a:t>‹Nr.›</a:t>
             </a:fld>
             <a:endParaRPr lang="en-US" dirty="0"/>
           </a:p>
@@ -11179,7 +12714,7 @@
             <a:fld id="{8818C68F-D26B-8F47-958C-23B49CF8A634}" type="datetimeFigureOut">
               <a:rPr lang="en-US" dirty="0"/>
               <a:pPr/>
-              <a:t>5/9/2019</a:t>
+              <a:t>5/10/2019</a:t>
             </a:fld>
             <a:endParaRPr lang="en-US" dirty="0"/>
           </a:p>
@@ -11222,7 +12757,7 @@
             <a:fld id="{D57F1E4F-1CFF-5643-939E-217C01CDF565}" type="slidenum">
               <a:rPr lang="en-US" dirty="0"/>
               <a:pPr/>
-              <a:t>‹#›</a:t>
+              <a:t>‹Nr.›</a:t>
             </a:fld>
             <a:endParaRPr lang="en-US" dirty="0"/>
           </a:p>
@@ -11443,7 +12978,7 @@
           <a:ln/>
           <a:extLst>
             <a:ext uri="{91240B29-F687-4f45-9708-019B960494DF}">
-              <a14:hiddenLine xmlns:a14="http://schemas.microsoft.com/office/drawing/2010/main" xmlns="" w="9525">
+              <a14:hiddenLine xmlns="" xmlns:a14="http://schemas.microsoft.com/office/drawing/2010/main" w="9525">
                 <a:solidFill>
                   <a:srgbClr val="000000"/>
                 </a:solidFill>
@@ -11643,7 +13178,7 @@
             <a:fld id="{D0DF5E60-9974-AC48-9591-99C2BB44B7CF}" type="datetimeFigureOut">
               <a:rPr lang="en-US" dirty="0"/>
               <a:pPr/>
-              <a:t>5/9/2019</a:t>
+              <a:t>5/10/2019</a:t>
             </a:fld>
             <a:endParaRPr lang="en-US" dirty="0"/>
           </a:p>
@@ -11686,7 +13221,7 @@
             <a:fld id="{D57F1E4F-1CFF-5643-939E-217C01CDF565}" type="slidenum">
               <a:rPr lang="en-US" dirty="0"/>
               <a:pPr/>
-              <a:t>‹#›</a:t>
+              <a:t>‹Nr.›</a:t>
             </a:fld>
             <a:endParaRPr lang="en-US" dirty="0"/>
           </a:p>
@@ -11903,7 +13438,7 @@
             <a:fld id="{09B482E8-6E0E-1B4F-B1FD-C69DB9E858D9}" type="datetimeFigureOut">
               <a:rPr lang="en-US" dirty="0"/>
               <a:pPr/>
-              <a:t>5/9/2019</a:t>
+              <a:t>5/10/2019</a:t>
             </a:fld>
             <a:endParaRPr lang="en-US" dirty="0"/>
           </a:p>
@@ -11943,7 +13478,7 @@
             <a:fld id="{D57F1E4F-1CFF-5643-939E-217C01CDF565}" type="slidenum">
               <a:rPr lang="en-US" dirty="0"/>
               <a:pPr/>
-              <a:t>‹#›</a:t>
+              <a:t>‹Nr.›</a:t>
             </a:fld>
             <a:endParaRPr lang="en-US" dirty="0"/>
           </a:p>
@@ -12899,7 +14434,7 @@
           <a:effectLst/>
           <a:extLst>
             <a:ext uri="{91240B29-F687-4f45-9708-019B960494DF}">
-              <a14:hiddenLine xmlns="" xmlns:a14="http://schemas.microsoft.com/office/drawing/2010/main" xmlns:p14="http://schemas.microsoft.com/office/powerpoint/2010/main" xmlns:a16="http://schemas.microsoft.com/office/drawing/2014/main" w="9525">
+              <a14:hiddenLine xmlns:a16="http://schemas.microsoft.com/office/drawing/2014/main" xmlns:p14="http://schemas.microsoft.com/office/powerpoint/2010/main" xmlns:a14="http://schemas.microsoft.com/office/drawing/2010/main" xmlns="" w="9525">
                 <a:solidFill>
                   <a:srgbClr val="000000"/>
                 </a:solidFill>
@@ -13842,7 +15377,7 @@
           <p:nvPr/>
         </p:nvPicPr>
         <p:blipFill rotWithShape="1">
-          <a:blip r:embed="rId2"/>
+          <a:blip r:embed="rId3"/>
           <a:srcRect b="47566"/>
           <a:stretch/>
         </p:blipFill>
@@ -13882,7 +15417,7 @@
           <p:nvPr/>
         </p:nvPicPr>
         <p:blipFill>
-          <a:blip r:embed="rId3">
+          <a:blip r:embed="rId4">
             <a:extLst>
               <a:ext uri="{28A0092B-C50C-407E-A947-70E740481C1C}">
                 <a14:useLocalDpi xmlns:a14="http://schemas.microsoft.com/office/drawing/2010/main" val="0"/>
@@ -13936,7 +15471,7 @@
           <p:nvPr/>
         </p:nvPicPr>
         <p:blipFill>
-          <a:blip r:embed="rId4">
+          <a:blip r:embed="rId5">
             <a:extLst>
               <a:ext uri="{28A0092B-C50C-407E-A947-70E740481C1C}">
                 <a14:useLocalDpi xmlns:a14="http://schemas.microsoft.com/office/drawing/2010/main" val="0"/>
@@ -14103,7 +15638,7 @@
           <p:nvPr/>
         </p:nvPicPr>
         <p:blipFill>
-          <a:blip r:embed="rId5">
+          <a:blip r:embed="rId6">
             <a:extLst>
               <a:ext uri="{28A0092B-C50C-407E-A947-70E740481C1C}">
                 <a14:useLocalDpi xmlns:a14="http://schemas.microsoft.com/office/drawing/2010/main" val="0"/>
@@ -14572,7 +16107,7 @@
           <a:effectLst/>
           <a:extLst>
             <a:ext uri="{91240B29-F687-4f45-9708-019B960494DF}">
-              <a14:hiddenLine xmlns="" xmlns:a14="http://schemas.microsoft.com/office/drawing/2010/main" xmlns:p14="http://schemas.microsoft.com/office/powerpoint/2010/main" xmlns:a16="http://schemas.microsoft.com/office/drawing/2014/main" w="9525">
+              <a14:hiddenLine xmlns:a16="http://schemas.microsoft.com/office/drawing/2014/main" xmlns:p14="http://schemas.microsoft.com/office/powerpoint/2010/main" xmlns:a14="http://schemas.microsoft.com/office/drawing/2010/main" xmlns="" w="9525">
                 <a:solidFill>
                   <a:srgbClr val="000000"/>
                 </a:solidFill>
@@ -15146,7 +16681,7 @@
           <a:effectLst/>
           <a:extLst>
             <a:ext uri="{91240B29-F687-4f45-9708-019B960494DF}">
-              <a14:hiddenLine xmlns="" xmlns:a14="http://schemas.microsoft.com/office/drawing/2010/main" xmlns:p14="http://schemas.microsoft.com/office/powerpoint/2010/main" xmlns:a16="http://schemas.microsoft.com/office/drawing/2014/main" w="9525">
+              <a14:hiddenLine xmlns:a16="http://schemas.microsoft.com/office/drawing/2014/main" xmlns:p14="http://schemas.microsoft.com/office/powerpoint/2010/main" xmlns:a14="http://schemas.microsoft.com/office/drawing/2010/main" xmlns="" w="9525">
                 <a:solidFill>
                   <a:srgbClr val="000000"/>
                 </a:solidFill>
@@ -16125,7 +17660,7 @@
           <a:effectLst/>
           <a:extLst>
             <a:ext uri="{91240B29-F687-4f45-9708-019B960494DF}">
-              <a14:hiddenLine xmlns="" xmlns:a14="http://schemas.microsoft.com/office/drawing/2010/main" xmlns:p14="http://schemas.microsoft.com/office/powerpoint/2010/main" xmlns:a16="http://schemas.microsoft.com/office/drawing/2014/main" w="9525">
+              <a14:hiddenLine xmlns:a16="http://schemas.microsoft.com/office/drawing/2014/main" xmlns:p14="http://schemas.microsoft.com/office/powerpoint/2010/main" xmlns:a14="http://schemas.microsoft.com/office/drawing/2010/main" xmlns="" w="9525">
                 <a:solidFill>
                   <a:srgbClr val="000000"/>
                 </a:solidFill>
@@ -17192,7 +18727,7 @@
           <a:effectLst/>
           <a:extLst>
             <a:ext uri="{91240B29-F687-4f45-9708-019B960494DF}">
-              <a14:hiddenLine xmlns="" xmlns:a14="http://schemas.microsoft.com/office/drawing/2010/main" xmlns:p14="http://schemas.microsoft.com/office/powerpoint/2010/main" xmlns:a16="http://schemas.microsoft.com/office/drawing/2014/main" w="9525">
+              <a14:hiddenLine xmlns:a16="http://schemas.microsoft.com/office/drawing/2014/main" xmlns:p14="http://schemas.microsoft.com/office/powerpoint/2010/main" xmlns:a14="http://schemas.microsoft.com/office/drawing/2010/main" xmlns="" w="9525">
                 <a:solidFill>
                   <a:srgbClr val="000000"/>
                 </a:solidFill>
@@ -17696,7 +19231,7 @@
           <a:effectLst/>
           <a:extLst>
             <a:ext uri="{91240B29-F687-4f45-9708-019B960494DF}">
-              <a14:hiddenLine xmlns="" xmlns:a14="http://schemas.microsoft.com/office/drawing/2010/main" xmlns:p14="http://schemas.microsoft.com/office/powerpoint/2010/main" xmlns:a16="http://schemas.microsoft.com/office/drawing/2014/main" w="9525">
+              <a14:hiddenLine xmlns:a16="http://schemas.microsoft.com/office/drawing/2014/main" xmlns:p14="http://schemas.microsoft.com/office/powerpoint/2010/main" xmlns:a14="http://schemas.microsoft.com/office/drawing/2010/main" xmlns="" w="9525">
                 <a:solidFill>
                   <a:srgbClr val="000000"/>
                 </a:solidFill>

--- a/Information/Präsentation.pptx
+++ b/Information/Präsentation.pptx
@@ -5,7 +5,7 @@
     <p:sldMasterId id="2147483648" r:id="rId1"/>
   </p:sldMasterIdLst>
   <p:notesMasterIdLst>
-    <p:notesMasterId r:id="rId20"/>
+    <p:notesMasterId r:id="rId21"/>
   </p:notesMasterIdLst>
   <p:sldIdLst>
     <p:sldId id="256" r:id="rId2"/>
@@ -26,6 +26,7 @@
     <p:sldId id="269" r:id="rId17"/>
     <p:sldId id="270" r:id="rId18"/>
     <p:sldId id="272" r:id="rId19"/>
+    <p:sldId id="280" r:id="rId20"/>
   </p:sldIdLst>
   <p:sldSz cx="12192000" cy="6858000"/>
   <p:notesSz cx="6858000" cy="9144000"/>
@@ -171,6 +172,7 @@
             <p14:sldId id="269"/>
             <p14:sldId id="270"/>
             <p14:sldId id="272"/>
+            <p14:sldId id="280"/>
           </p14:sldIdLst>
         </p14:section>
       </p14:sectionLst>
@@ -197,7 +199,7 @@
 <file path=ppt/charts/chart1.xml><?xml version="1.0" encoding="utf-8"?>
 <c:chartSpace xmlns:c="http://schemas.openxmlformats.org/drawingml/2006/chart" xmlns:a="http://schemas.openxmlformats.org/drawingml/2006/main" xmlns:r="http://schemas.openxmlformats.org/officeDocument/2006/relationships" xmlns:c16r2="http://schemas.microsoft.com/office/drawing/2015/06/chart">
   <c:date1904 val="0"/>
-  <c:lang val="de-DE"/>
+  <c:lang val="en-US"/>
   <c:roundedCorners val="0"/>
   <mc:AlternateContent xmlns:mc="http://schemas.openxmlformats.org/markup-compatibility/2006">
     <mc:Choice xmlns:c14="http://schemas.microsoft.com/office/drawing/2007/8/2/chart" Requires="c14">
@@ -297,10 +299,10 @@
                   <a:bodyPr/>
                   <a:lstStyle/>
                   <a:p>
-                    <a:fld id="{F3314142-A1D6-4BF4-8400-CFBCC6680799}" type="CELLRANGE">
+                    <a:fld id="{AFD6052D-D0F1-4EBD-9993-440A0E1C9240}" type="CELLRANGE">
                       <a:rPr lang="de-DE"/>
                       <a:pPr/>
-                      <a:t>[ZELLBEREICH]</a:t>
+                      <a:t>[CELLRANGE]</a:t>
                     </a:fld>
                     <a:endParaRPr lang="de-DE"/>
                   </a:p>
@@ -331,10 +333,10 @@
                   <a:bodyPr/>
                   <a:lstStyle/>
                   <a:p>
-                    <a:fld id="{060495AB-D3B1-4F82-974A-CF4FF2FDE86F}" type="CELLRANGE">
+                    <a:fld id="{99E34118-8E32-4780-B139-1D4162428389}" type="CELLRANGE">
                       <a:rPr lang="de-DE"/>
                       <a:pPr/>
-                      <a:t>[ZELLBEREICH]</a:t>
+                      <a:t>[CELLRANGE]</a:t>
                     </a:fld>
                     <a:endParaRPr lang="de-DE"/>
                   </a:p>
@@ -365,10 +367,10 @@
                   <a:bodyPr/>
                   <a:lstStyle/>
                   <a:p>
-                    <a:fld id="{A313EDE1-9290-4CDD-97A7-861D8BE700DE}" type="CELLRANGE">
+                    <a:fld id="{45C54CB9-E392-401A-B61B-12904F3E3459}" type="CELLRANGE">
                       <a:rPr lang="de-DE"/>
                       <a:pPr/>
-                      <a:t>[ZELLBEREICH]</a:t>
+                      <a:t>[CELLRANGE]</a:t>
                     </a:fld>
                     <a:endParaRPr lang="de-DE"/>
                   </a:p>
@@ -399,10 +401,10 @@
                   <a:bodyPr/>
                   <a:lstStyle/>
                   <a:p>
-                    <a:fld id="{ABEE7D17-D084-443C-8C53-086B3AE53562}" type="CELLRANGE">
+                    <a:fld id="{A052F8DA-171B-4BAC-86AC-B475A0D01659}" type="CELLRANGE">
                       <a:rPr lang="de-DE"/>
                       <a:pPr/>
-                      <a:t>[ZELLBEREICH]</a:t>
+                      <a:t>[CELLRANGE]</a:t>
                     </a:fld>
                     <a:endParaRPr lang="de-DE"/>
                   </a:p>
@@ -433,10 +435,10 @@
                   <a:bodyPr/>
                   <a:lstStyle/>
                   <a:p>
-                    <a:fld id="{8D653971-8D77-4C43-9EBC-5A069BABBB63}" type="CELLRANGE">
+                    <a:fld id="{A0769335-703A-4E27-A90B-2A65818B0486}" type="CELLRANGE">
                       <a:rPr lang="de-DE"/>
                       <a:pPr/>
-                      <a:t>[ZELLBEREICH]</a:t>
+                      <a:t>[CELLRANGE]</a:t>
                     </a:fld>
                     <a:endParaRPr lang="de-DE"/>
                   </a:p>
@@ -467,10 +469,10 @@
                   <a:bodyPr/>
                   <a:lstStyle/>
                   <a:p>
-                    <a:fld id="{24604A19-F59E-4E7C-BD31-780DDC925594}" type="CELLRANGE">
+                    <a:fld id="{D38F9DC9-25CD-4E01-ACFA-D872496772CC}" type="CELLRANGE">
                       <a:rPr lang="de-DE"/>
                       <a:pPr/>
-                      <a:t>[ZELLBEREICH]</a:t>
+                      <a:t>[CELLRANGE]</a:t>
                     </a:fld>
                     <a:endParaRPr lang="de-DE"/>
                   </a:p>
@@ -501,10 +503,10 @@
                   <a:bodyPr/>
                   <a:lstStyle/>
                   <a:p>
-                    <a:fld id="{ECE1045D-F9B4-4965-8172-BEA5EC79E04B}" type="CELLRANGE">
+                    <a:fld id="{FBE93D09-E7CC-40EE-B201-3000A9C713D0}" type="CELLRANGE">
                       <a:rPr lang="de-DE"/>
                       <a:pPr/>
-                      <a:t>[ZELLBEREICH]</a:t>
+                      <a:t>[CELLRANGE]</a:t>
                     </a:fld>
                     <a:endParaRPr lang="de-DE"/>
                   </a:p>
@@ -535,10 +537,10 @@
                   <a:bodyPr/>
                   <a:lstStyle/>
                   <a:p>
-                    <a:fld id="{70ECAFF6-DE09-4C27-9966-B3B0C2D71A4C}" type="CELLRANGE">
+                    <a:fld id="{26978E52-0038-46B2-B741-CA2248AD3489}" type="CELLRANGE">
                       <a:rPr lang="de-DE"/>
                       <a:pPr/>
-                      <a:t>[ZELLBEREICH]</a:t>
+                      <a:t>[CELLRANGE]</a:t>
                     </a:fld>
                     <a:endParaRPr lang="de-DE"/>
                   </a:p>
@@ -569,10 +571,10 @@
                   <a:bodyPr/>
                   <a:lstStyle/>
                   <a:p>
-                    <a:fld id="{B619DD4F-12B9-44DC-A843-83D85AD8F250}" type="CELLRANGE">
+                    <a:fld id="{559EA2E5-71A4-4C74-A354-14CC88B470DF}" type="CELLRANGE">
                       <a:rPr lang="de-DE"/>
                       <a:pPr/>
-                      <a:t>[ZELLBEREICH]</a:t>
+                      <a:t>[CELLRANGE]</a:t>
                     </a:fld>
                     <a:endParaRPr lang="de-DE"/>
                   </a:p>
@@ -603,10 +605,10 @@
                   <a:bodyPr/>
                   <a:lstStyle/>
                   <a:p>
-                    <a:fld id="{243AA9AA-802D-43E6-9FFA-D10098E57431}" type="CELLRANGE">
+                    <a:fld id="{AAAB9519-38D8-461B-90F5-679F06442D63}" type="CELLRANGE">
                       <a:rPr lang="de-DE"/>
                       <a:pPr/>
-                      <a:t>[ZELLBEREICH]</a:t>
+                      <a:t>[CELLRANGE]</a:t>
                     </a:fld>
                     <a:endParaRPr lang="de-DE"/>
                   </a:p>
@@ -637,10 +639,10 @@
                   <a:bodyPr/>
                   <a:lstStyle/>
                   <a:p>
-                    <a:fld id="{5DE56CD9-28D3-489D-8B6E-6D59A020A034}" type="CELLRANGE">
+                    <a:fld id="{18175851-814F-4C3F-AD7A-805BE7DD9856}" type="CELLRANGE">
                       <a:rPr lang="de-DE"/>
                       <a:pPr/>
-                      <a:t>[ZELLBEREICH]</a:t>
+                      <a:t>[CELLRANGE]</a:t>
                     </a:fld>
                     <a:endParaRPr lang="de-DE"/>
                   </a:p>
@@ -671,10 +673,10 @@
                   <a:bodyPr/>
                   <a:lstStyle/>
                   <a:p>
-                    <a:fld id="{505C768A-C8A1-4BAF-87B0-B0EEE30096D8}" type="CELLRANGE">
+                    <a:fld id="{BAC0A449-B9BA-413E-90AC-9BF1A2309F68}" type="CELLRANGE">
                       <a:rPr lang="de-DE"/>
                       <a:pPr/>
-                      <a:t>[ZELLBEREICH]</a:t>
+                      <a:t>[CELLRANGE]</a:t>
                     </a:fld>
                     <a:endParaRPr lang="de-DE"/>
                   </a:p>
@@ -749,7 +751,7 @@
                     <a:cs typeface="+mn-cs"/>
                   </a:defRPr>
                 </a:pPr>
-                <a:endParaRPr lang="de-DE"/>
+                <a:endParaRPr lang="en-DE"/>
               </a:p>
             </c:txPr>
             <c:dLblPos val="l"/>
@@ -1239,10 +1241,10 @@
                   <a:bodyPr/>
                   <a:lstStyle/>
                   <a:p>
-                    <a:fld id="{C74B4D1E-CCBC-4F2C-AECD-66488B725C61}" type="CELLRANGE">
+                    <a:fld id="{DE79DBCA-43DE-4847-8CE7-CF0476237E17}" type="CELLRANGE">
                       <a:rPr lang="de-DE"/>
                       <a:pPr/>
-                      <a:t>[ZELLBEREICH]</a:t>
+                      <a:t>[CELLRANGE]</a:t>
                     </a:fld>
                     <a:endParaRPr lang="de-DE"/>
                   </a:p>
@@ -1273,10 +1275,10 @@
                   <a:bodyPr/>
                   <a:lstStyle/>
                   <a:p>
-                    <a:fld id="{22C8A448-48DF-4970-9A53-CE94D3E3355E}" type="CELLRANGE">
+                    <a:fld id="{8A41E882-289F-4311-80FF-4A2D67FABB2F}" type="CELLRANGE">
                       <a:rPr lang="de-DE"/>
                       <a:pPr/>
-                      <a:t>[ZELLBEREICH]</a:t>
+                      <a:t>[CELLRANGE]</a:t>
                     </a:fld>
                     <a:endParaRPr lang="de-DE"/>
                   </a:p>
@@ -1307,10 +1309,10 @@
                   <a:bodyPr/>
                   <a:lstStyle/>
                   <a:p>
-                    <a:fld id="{4FC7EA66-AA8C-4D35-B624-3235312D8B10}" type="CELLRANGE">
+                    <a:fld id="{67CAA20D-D345-438E-9950-DCB0C941DC2E}" type="CELLRANGE">
                       <a:rPr lang="de-DE"/>
                       <a:pPr/>
-                      <a:t>[ZELLBEREICH]</a:t>
+                      <a:t>[CELLRANGE]</a:t>
                     </a:fld>
                     <a:endParaRPr lang="de-DE"/>
                   </a:p>
@@ -1341,10 +1343,10 @@
                   <a:bodyPr/>
                   <a:lstStyle/>
                   <a:p>
-                    <a:fld id="{35837CA9-A87C-4F54-949F-BFA7BD99987C}" type="CELLRANGE">
+                    <a:fld id="{868D7B10-814B-4A63-B907-C4DD25ECD3E9}" type="CELLRANGE">
                       <a:rPr lang="de-DE"/>
                       <a:pPr/>
-                      <a:t>[ZELLBEREICH]</a:t>
+                      <a:t>[CELLRANGE]</a:t>
                     </a:fld>
                     <a:endParaRPr lang="de-DE"/>
                   </a:p>
@@ -1375,10 +1377,10 @@
                   <a:bodyPr/>
                   <a:lstStyle/>
                   <a:p>
-                    <a:fld id="{BA76AAF7-6889-4360-8791-1FAE8B73FF70}" type="CELLRANGE">
+                    <a:fld id="{549637D4-7345-4C5A-B054-E9208603C0C1}" type="CELLRANGE">
                       <a:rPr lang="de-DE"/>
                       <a:pPr/>
-                      <a:t>[ZELLBEREICH]</a:t>
+                      <a:t>[CELLRANGE]</a:t>
                     </a:fld>
                     <a:endParaRPr lang="de-DE"/>
                   </a:p>
@@ -1409,10 +1411,10 @@
                   <a:bodyPr/>
                   <a:lstStyle/>
                   <a:p>
-                    <a:fld id="{E76F5839-D820-49CE-96C8-E7C7973E2C99}" type="CELLRANGE">
+                    <a:fld id="{6B394819-0C04-4D2B-820B-15D5E182A911}" type="CELLRANGE">
                       <a:rPr lang="de-DE"/>
                       <a:pPr/>
-                      <a:t>[ZELLBEREICH]</a:t>
+                      <a:t>[CELLRANGE]</a:t>
                     </a:fld>
                     <a:endParaRPr lang="de-DE"/>
                   </a:p>
@@ -1485,7 +1487,7 @@
                     <a:cs typeface="+mn-cs"/>
                   </a:defRPr>
                 </a:pPr>
-                <a:endParaRPr lang="de-DE"/>
+                <a:endParaRPr lang="en-DE"/>
               </a:p>
             </c:txPr>
             <c:dLblPos val="t"/>
@@ -1703,7 +1705,7 @@
                 <a:cs typeface="+mn-cs"/>
               </a:defRPr>
             </a:pPr>
-            <a:endParaRPr lang="de-DE"/>
+            <a:endParaRPr lang="en-DE"/>
           </a:p>
         </c:txPr>
         <c:crossAx val="484834552"/>
@@ -1764,7 +1766,7 @@
       <a:pPr>
         <a:defRPr/>
       </a:pPr>
-      <a:endParaRPr lang="de-DE"/>
+      <a:endParaRPr lang="en-DE"/>
     </a:p>
   </c:txPr>
   <c:externalData r:id="rId3">
@@ -2346,20 +2348,6 @@
     </cs:fontRef>
   </cs:wall>
 </cs:chartStyle>
-</file>
-
-<file path=ppt/comments/comment1.xml><?xml version="1.0" encoding="utf-8"?>
-<p:cmLst xmlns:a="http://schemas.openxmlformats.org/drawingml/2006/main" xmlns:r="http://schemas.openxmlformats.org/officeDocument/2006/relationships" xmlns:p="http://schemas.openxmlformats.org/presentationml/2006/main">
-  <p:cm authorId="1" dt="2019-04-29T14:28:45.247" idx="3">
-    <p:pos x="601" y="3350"/>
-    <p:text>Funny text about backgrounds</p:text>
-    <p:extLst>
-      <p:ext uri="{C676402C-5697-4E1C-873F-D02D1690AC5C}">
-        <p15:threadingInfo xmlns:p15="http://schemas.microsoft.com/office/powerpoint/2012/main" timeZoneBias="-120"/>
-      </p:ext>
-    </p:extLst>
-  </p:cm>
-</p:cmLst>
 </file>
 
 <file path=ppt/diagrams/colors1.xml><?xml version="1.0" encoding="utf-8"?>
@@ -6206,7 +6194,7 @@
           <a:p>
             <a:fld id="{6BAD1AF2-A6B3-4B84-B5D2-6F16B2D7100D}" type="slidenum">
               <a:rPr lang="de-DE" smtClean="0"/>
-              <a:t>‹Nr.›</a:t>
+              <a:t>‹#›</a:t>
             </a:fld>
             <a:endParaRPr lang="de-DE"/>
           </a:p>
@@ -6359,34 +6347,7 @@
           <a:bodyPr/>
           <a:lstStyle/>
           <a:p>
-            <a:r>
-              <a:rPr lang="de-DE" dirty="0"/>
-              <a:t>Singleplayergame für Jugendliche &amp; Erwachsene</a:t>
-            </a:r>
-          </a:p>
-          <a:p>
-            <a:r>
-              <a:rPr lang="de-DE" dirty="0"/>
-              <a:t>Spieler wird Zeuge einer Apokalypse</a:t>
-            </a:r>
-          </a:p>
-          <a:p>
-            <a:r>
-              <a:rPr lang="de-DE" dirty="0"/>
-              <a:t>Geht mit Zeitreise der Ursache auf den Grund und löst Rätsel.</a:t>
-            </a:r>
-          </a:p>
-          <a:p>
-            <a:r>
-              <a:rPr lang="de-DE" dirty="0"/>
-              <a:t>Bekämpft Zombies – Survival-Aspekt</a:t>
-            </a:r>
-          </a:p>
-          <a:p>
-            <a:r>
-              <a:rPr lang="de-DE" dirty="0"/>
-              <a:t>Betreibt bei Suche Exploration.</a:t>
-            </a:r>
+            <a:endParaRPr lang="de-DE" dirty="0"/>
           </a:p>
         </p:txBody>
       </p:sp>
@@ -6407,7 +6368,7 @@
           <a:p>
             <a:fld id="{6BAD1AF2-A6B3-4B84-B5D2-6F16B2D7100D}" type="slidenum">
               <a:rPr lang="de-DE" smtClean="0"/>
-              <a:t>5</a:t>
+              <a:t>1</a:t>
             </a:fld>
             <a:endParaRPr lang="de-DE"/>
           </a:p>
@@ -6416,7 +6377,7 @@
     </p:spTree>
     <p:extLst>
       <p:ext uri="{BB962C8B-B14F-4D97-AF65-F5344CB8AC3E}">
-        <p14:creationId xmlns:p14="http://schemas.microsoft.com/office/powerpoint/2010/main" val="3935032360"/>
+        <p14:creationId xmlns:p14="http://schemas.microsoft.com/office/powerpoint/2010/main" val="1050627087"/>
       </p:ext>
     </p:extLst>
   </p:cSld>
@@ -6472,27 +6433,31 @@
           <a:p>
             <a:r>
               <a:rPr lang="de-DE" dirty="0"/>
-              <a:t>Story Writing – Zentraler Bestandteil / Ursprung der Spielidee / Grundstein.</a:t>
+              <a:t>Singleplayergame für Jugendliche &amp; Erwachsene</a:t>
             </a:r>
           </a:p>
           <a:p>
             <a:r>
               <a:rPr lang="de-DE" dirty="0"/>
-              <a:t>Sound – Kurze Zeitspanne, kommen später darauf zurück</a:t>
+              <a:t>Spieler wird Zeuge einer Apokalypse</a:t>
             </a:r>
           </a:p>
           <a:p>
             <a:r>
               <a:rPr lang="de-DE" dirty="0"/>
-              <a:t>Asset </a:t>
-            </a:r>
-            <a:r>
-              <a:rPr lang="de-DE" dirty="0" err="1"/>
-              <a:t>Creation</a:t>
-            </a:r>
+              <a:t>Geht mit Zeitreise der Ursache auf den Grund und löst Rätsel.</a:t>
+            </a:r>
+          </a:p>
+          <a:p>
             <a:r>
               <a:rPr lang="de-DE" dirty="0"/>
-              <a:t> – fortlaufender Bestandteil, werden nach Bedarf kreiert.</a:t>
+              <a:t>Bekämpft Zombies – Survival-Aspekt</a:t>
+            </a:r>
+          </a:p>
+          <a:p>
+            <a:r>
+              <a:rPr lang="de-DE" dirty="0"/>
+              <a:t>Betreibt bei Suche Exploration.</a:t>
             </a:r>
           </a:p>
         </p:txBody>
@@ -6514,7 +6479,7 @@
           <a:p>
             <a:fld id="{6BAD1AF2-A6B3-4B84-B5D2-6F16B2D7100D}" type="slidenum">
               <a:rPr lang="de-DE" smtClean="0"/>
-              <a:t>9</a:t>
+              <a:t>5</a:t>
             </a:fld>
             <a:endParaRPr lang="de-DE"/>
           </a:p>
@@ -6523,7 +6488,7 @@
     </p:spTree>
     <p:extLst>
       <p:ext uri="{BB962C8B-B14F-4D97-AF65-F5344CB8AC3E}">
-        <p14:creationId xmlns:p14="http://schemas.microsoft.com/office/powerpoint/2010/main" val="732553100"/>
+        <p14:creationId xmlns:p14="http://schemas.microsoft.com/office/powerpoint/2010/main" val="3935032360"/>
       </p:ext>
     </p:extLst>
   </p:cSld>
@@ -6579,27 +6544,59 @@
           <a:p>
             <a:r>
               <a:rPr lang="de-DE" dirty="0"/>
-              <a:t>Story Writing – Zentraler Bestandteil / Ursprung der Spielidee / Grundstein.</a:t>
-            </a:r>
-          </a:p>
-          <a:p>
+              <a:t>Art-Style inspiriert von </a:t>
+            </a:r>
+            <a:r>
+              <a:rPr lang="de-DE" dirty="0" err="1"/>
+              <a:t>Don't</a:t>
+            </a:r>
             <a:r>
               <a:rPr lang="de-DE" dirty="0"/>
-              <a:t>Sound – Kurze Zeitspanne, kommen später darauf zurück</a:t>
-            </a:r>
-          </a:p>
-          <a:p>
+              <a:t> </a:t>
+            </a:r>
+            <a:r>
+              <a:rPr lang="de-DE" dirty="0" err="1"/>
+              <a:t>Starve</a:t>
+            </a:r>
             <a:r>
               <a:rPr lang="de-DE" dirty="0"/>
-              <a:t>Asset </a:t>
+              <a:t> - Perspektive von </a:t>
             </a:r>
             <a:r>
               <a:rPr lang="de-DE" dirty="0" err="1"/>
-              <a:t>Creation</a:t>
+              <a:t>Stardew</a:t>
             </a:r>
             <a:r>
               <a:rPr lang="de-DE" dirty="0"/>
-              <a:t> – fortlaufender Bestandteil, werden nach Bedarf kreiert.</a:t>
+              <a:t> Valley</a:t>
+            </a:r>
+          </a:p>
+          <a:p>
+            <a:r>
+              <a:rPr lang="de-DE" dirty="0"/>
+              <a:t>Time </a:t>
+            </a:r>
+            <a:r>
+              <a:rPr lang="de-DE" dirty="0" err="1"/>
+              <a:t>gauntlet</a:t>
+            </a:r>
+            <a:r>
+              <a:rPr lang="de-DE" dirty="0"/>
+              <a:t> aus Titanfall 2 erlaubt Zeitreise auf Knopfdruck um </a:t>
+            </a:r>
+            <a:r>
+              <a:rPr lang="de-DE" dirty="0" err="1"/>
+              <a:t>Parkours</a:t>
+            </a:r>
+            <a:r>
+              <a:rPr lang="de-DE" dirty="0"/>
+              <a:t> zu bestehen</a:t>
+            </a:r>
+          </a:p>
+          <a:p>
+            <a:r>
+              <a:rPr lang="de-DE" dirty="0"/>
+              <a:t>Bedacht: Einsatz der Zeitreise limitiert - dient zur Lösung von Rätseln</a:t>
             </a:r>
           </a:p>
         </p:txBody>
@@ -6621,7 +6618,7 @@
           <a:p>
             <a:fld id="{6BAD1AF2-A6B3-4B84-B5D2-6F16B2D7100D}" type="slidenum">
               <a:rPr lang="de-DE" smtClean="0"/>
-              <a:t>11</a:t>
+              <a:t>7</a:t>
             </a:fld>
             <a:endParaRPr lang="de-DE"/>
           </a:p>
@@ -6630,7 +6627,7 @@
     </p:spTree>
     <p:extLst>
       <p:ext uri="{BB962C8B-B14F-4D97-AF65-F5344CB8AC3E}">
-        <p14:creationId xmlns:p14="http://schemas.microsoft.com/office/powerpoint/2010/main" val="743564137"/>
+        <p14:creationId xmlns:p14="http://schemas.microsoft.com/office/powerpoint/2010/main" val="3936401399"/>
       </p:ext>
     </p:extLst>
   </p:cSld>
@@ -6684,625 +6681,39 @@
           <a:bodyPr/>
           <a:lstStyle/>
           <a:p>
-            <a:pPr marL="0" marR="0" lvl="0" indent="0" algn="l" defTabSz="914400" rtl="0" eaLnBrk="1" fontAlgn="auto" latinLnBrk="0" hangingPunct="1">
-              <a:lnSpc>
-                <a:spcPct val="100000"/>
-              </a:lnSpc>
-              <a:spcBef>
-                <a:spcPts val="0"/>
-              </a:spcBef>
-              <a:spcAft>
-                <a:spcPts val="0"/>
-              </a:spcAft>
-              <a:buClrTx/>
-              <a:buSzTx/>
-              <a:buFontTx/>
-              <a:buNone/>
-              <a:tabLst/>
-              <a:defRPr/>
-            </a:pPr>
-            <a:r>
-              <a:rPr lang="de-DE" b="0" i="0" dirty="0">
-                <a:solidFill>
-                  <a:srgbClr val="DCDDDE"/>
-                </a:solidFill>
-                <a:effectLst/>
-                <a:latin typeface="Whitney"/>
-              </a:rPr>
-              <a:t>Story als </a:t>
-            </a:r>
-            <a:r>
-              <a:rPr lang="de-DE" b="1" i="0" dirty="0" err="1">
-                <a:solidFill>
-                  <a:srgbClr val="DCDDDE"/>
-                </a:solidFill>
-                <a:effectLst/>
-                <a:latin typeface="Whitney"/>
-              </a:rPr>
-              <a:t>Convexity</a:t>
-            </a:r>
-            <a:r>
-              <a:rPr lang="de-DE" b="1" i="0" dirty="0">
-                <a:solidFill>
-                  <a:srgbClr val="DCDDDE"/>
-                </a:solidFill>
-                <a:effectLst/>
-                <a:latin typeface="Whitney"/>
-              </a:rPr>
-              <a:t> Game Struktur</a:t>
-            </a:r>
-            <a:r>
-              <a:rPr lang="de-DE" b="0" i="0" dirty="0">
-                <a:solidFill>
-                  <a:srgbClr val="DCDDDE"/>
-                </a:solidFill>
-                <a:effectLst/>
-                <a:latin typeface="Whitney"/>
-              </a:rPr>
-              <a:t> aufgebaut.</a:t>
-            </a:r>
-          </a:p>
-          <a:p>
-            <a:pPr marL="0" marR="0" lvl="0" indent="0" algn="l" defTabSz="914400" rtl="0" eaLnBrk="1" fontAlgn="auto" latinLnBrk="0" hangingPunct="1">
-              <a:lnSpc>
-                <a:spcPct val="100000"/>
-              </a:lnSpc>
-              <a:spcBef>
-                <a:spcPts val="0"/>
-              </a:spcBef>
-              <a:spcAft>
-                <a:spcPts val="0"/>
-              </a:spcAft>
-              <a:buClrTx/>
-              <a:buSzTx/>
-              <a:buFontTx/>
-              <a:buNone/>
-              <a:tabLst/>
-              <a:defRPr/>
-            </a:pPr>
-            <a:r>
-              <a:rPr lang="de-DE" b="0" i="0" dirty="0">
-                <a:solidFill>
-                  <a:srgbClr val="DCDDDE"/>
-                </a:solidFill>
-                <a:effectLst/>
-                <a:latin typeface="Whitney"/>
-              </a:rPr>
-              <a:t>eine Möglichkeit das Spiel durchzuspielen fertig</a:t>
-            </a:r>
-          </a:p>
-          <a:p>
-            <a:pPr marL="0" marR="0" lvl="0" indent="0" algn="l" defTabSz="914400" rtl="0" eaLnBrk="1" fontAlgn="auto" latinLnBrk="0" hangingPunct="1">
-              <a:lnSpc>
-                <a:spcPct val="100000"/>
-              </a:lnSpc>
-              <a:spcBef>
-                <a:spcPts val="0"/>
-              </a:spcBef>
-              <a:spcAft>
-                <a:spcPts val="0"/>
-              </a:spcAft>
-              <a:buClrTx/>
-              <a:buSzTx/>
-              <a:buFontTx/>
-              <a:buNone/>
-              <a:tabLst/>
-              <a:defRPr/>
-            </a:pPr>
-            <a:r>
-              <a:rPr lang="de-DE" b="1" i="0" dirty="0" err="1">
-                <a:solidFill>
-                  <a:srgbClr val="DCDDDE"/>
-                </a:solidFill>
-                <a:effectLst/>
-                <a:latin typeface="Whitney"/>
-              </a:rPr>
-              <a:t>Erweiterterung</a:t>
-            </a:r>
-            <a:r>
-              <a:rPr lang="de-DE" b="0" i="0" dirty="0">
-                <a:solidFill>
-                  <a:srgbClr val="DCDDDE"/>
-                </a:solidFill>
-                <a:effectLst/>
-                <a:latin typeface="Whitney"/>
-              </a:rPr>
-              <a:t> </a:t>
-            </a:r>
-          </a:p>
-          <a:p>
-            <a:pPr marL="0" marR="0" lvl="0" indent="0" algn="l" defTabSz="914400" rtl="0" eaLnBrk="1" fontAlgn="auto" latinLnBrk="0" hangingPunct="1">
-              <a:lnSpc>
-                <a:spcPct val="100000"/>
-              </a:lnSpc>
-              <a:spcBef>
-                <a:spcPts val="0"/>
-              </a:spcBef>
-              <a:spcAft>
-                <a:spcPts val="0"/>
-              </a:spcAft>
-              <a:buClrTx/>
-              <a:buSzTx/>
-              <a:buFontTx/>
-              <a:buNone/>
-              <a:tabLst/>
-              <a:defRPr/>
-            </a:pPr>
-            <a:r>
-              <a:rPr lang="de-DE" b="0" i="0" dirty="0">
-                <a:solidFill>
-                  <a:srgbClr val="DCDDDE"/>
-                </a:solidFill>
-                <a:effectLst/>
-                <a:latin typeface="Whitney"/>
-              </a:rPr>
-              <a:t>Zeitreisemechanik -&gt; </a:t>
-            </a:r>
-            <a:r>
-              <a:rPr lang="de-DE" b="1" i="0" dirty="0">
-                <a:solidFill>
-                  <a:srgbClr val="DCDDDE"/>
-                </a:solidFill>
-                <a:effectLst/>
-                <a:latin typeface="Whitney"/>
-              </a:rPr>
-              <a:t>mehrere </a:t>
-            </a:r>
-            <a:r>
-              <a:rPr lang="de-DE" b="1" i="0" dirty="0" err="1">
-                <a:solidFill>
-                  <a:srgbClr val="DCDDDE"/>
-                </a:solidFill>
-                <a:effectLst/>
-                <a:latin typeface="Whitney"/>
-              </a:rPr>
-              <a:t>storys</a:t>
-            </a:r>
-            <a:r>
-              <a:rPr lang="de-DE" b="0" i="0" dirty="0">
-                <a:solidFill>
-                  <a:srgbClr val="DCDDDE"/>
-                </a:solidFill>
-                <a:effectLst/>
-                <a:latin typeface="Whitney"/>
-              </a:rPr>
-              <a:t> in der Welt </a:t>
-            </a:r>
-          </a:p>
-          <a:p>
-            <a:pPr marL="0" marR="0" lvl="0" indent="0" algn="l" defTabSz="914400" rtl="0" eaLnBrk="1" fontAlgn="auto" latinLnBrk="0" hangingPunct="1">
-              <a:lnSpc>
-                <a:spcPct val="100000"/>
-              </a:lnSpc>
-              <a:spcBef>
-                <a:spcPts val="0"/>
-              </a:spcBef>
-              <a:spcAft>
-                <a:spcPts val="0"/>
-              </a:spcAft>
-              <a:buClrTx/>
-              <a:buSzTx/>
-              <a:buFontTx/>
-              <a:buNone/>
-              <a:tabLst/>
-              <a:defRPr/>
-            </a:pPr>
-            <a:r>
-              <a:rPr lang="de-DE" b="0" i="0" dirty="0">
-                <a:solidFill>
-                  <a:srgbClr val="DCDDDE"/>
-                </a:solidFill>
-                <a:effectLst/>
-                <a:latin typeface="Whitney"/>
-              </a:rPr>
-              <a:t>mehrere durchspielen, </a:t>
-            </a:r>
-            <a:r>
-              <a:rPr lang="de-DE" b="1" i="0" dirty="0">
-                <a:solidFill>
-                  <a:srgbClr val="DCDDDE"/>
-                </a:solidFill>
-                <a:effectLst/>
-                <a:latin typeface="Whitney"/>
-              </a:rPr>
-              <a:t>kein zwang</a:t>
-            </a:r>
-            <a:r>
-              <a:rPr lang="de-DE" b="0" i="0" dirty="0">
-                <a:solidFill>
-                  <a:srgbClr val="DCDDDE"/>
-                </a:solidFill>
-                <a:effectLst/>
-                <a:latin typeface="Whitney"/>
-              </a:rPr>
-              <a:t>, keine feste Reihenfolge </a:t>
-            </a:r>
-          </a:p>
-          <a:p>
-            <a:pPr marL="0" marR="0" lvl="0" indent="0" algn="l" defTabSz="914400" rtl="0" eaLnBrk="1" fontAlgn="auto" latinLnBrk="0" hangingPunct="1">
-              <a:lnSpc>
-                <a:spcPct val="100000"/>
-              </a:lnSpc>
-              <a:spcBef>
-                <a:spcPts val="0"/>
-              </a:spcBef>
-              <a:spcAft>
-                <a:spcPts val="0"/>
-              </a:spcAft>
-              <a:buClrTx/>
-              <a:buSzTx/>
-              <a:buFontTx/>
-              <a:buNone/>
-              <a:tabLst/>
-              <a:defRPr/>
-            </a:pPr>
-            <a:endParaRPr lang="de-DE" b="0" i="0" dirty="0">
-              <a:solidFill>
-                <a:srgbClr val="DCDDDE"/>
-              </a:solidFill>
-              <a:effectLst/>
-              <a:latin typeface="Whitney"/>
-            </a:endParaRPr>
-          </a:p>
-          <a:p>
-            <a:pPr marL="0" marR="0" lvl="0" indent="0" algn="l" defTabSz="914400" rtl="0" eaLnBrk="1" fontAlgn="auto" latinLnBrk="0" hangingPunct="1">
-              <a:lnSpc>
-                <a:spcPct val="100000"/>
-              </a:lnSpc>
-              <a:spcBef>
-                <a:spcPts val="0"/>
-              </a:spcBef>
-              <a:spcAft>
-                <a:spcPts val="0"/>
-              </a:spcAft>
-              <a:buClrTx/>
-              <a:buSzTx/>
-              <a:buFontTx/>
-              <a:buNone/>
-              <a:tabLst/>
-              <a:defRPr/>
-            </a:pPr>
-            <a:r>
-              <a:rPr lang="de-DE" b="1" i="0" dirty="0" err="1">
-                <a:solidFill>
-                  <a:srgbClr val="DCDDDE"/>
-                </a:solidFill>
-                <a:effectLst/>
-                <a:latin typeface="Whitney"/>
-              </a:rPr>
-              <a:t>enviromen</a:t>
-            </a:r>
-            <a:r>
-              <a:rPr lang="de-DE" b="0" i="0" dirty="0">
-                <a:solidFill>
-                  <a:srgbClr val="DCDDDE"/>
-                </a:solidFill>
-                <a:effectLst/>
-                <a:latin typeface="Whitney"/>
-              </a:rPr>
-              <a:t> </a:t>
-            </a:r>
-            <a:r>
-              <a:rPr lang="de-DE" b="0" i="0" dirty="0" err="1">
-                <a:solidFill>
-                  <a:srgbClr val="DCDDDE"/>
-                </a:solidFill>
-                <a:effectLst/>
-                <a:latin typeface="Whitney"/>
-              </a:rPr>
-              <a:t>assets</a:t>
-            </a:r>
-            <a:r>
-              <a:rPr lang="de-DE" b="0" i="0" dirty="0">
-                <a:solidFill>
-                  <a:srgbClr val="DCDDDE"/>
-                </a:solidFill>
-                <a:effectLst/>
-                <a:latin typeface="Whitney"/>
-              </a:rPr>
-              <a:t> </a:t>
-            </a:r>
-          </a:p>
-          <a:p>
-            <a:pPr marL="0" marR="0" lvl="0" indent="0" algn="l" defTabSz="914400" rtl="0" eaLnBrk="1" fontAlgn="auto" latinLnBrk="0" hangingPunct="1">
-              <a:lnSpc>
-                <a:spcPct val="100000"/>
-              </a:lnSpc>
-              <a:spcBef>
-                <a:spcPts val="0"/>
-              </a:spcBef>
-              <a:spcAft>
-                <a:spcPts val="0"/>
-              </a:spcAft>
-              <a:buClrTx/>
-              <a:buSzTx/>
-              <a:buFontTx/>
-              <a:buNone/>
-              <a:tabLst/>
-              <a:defRPr/>
-            </a:pPr>
-            <a:r>
-              <a:rPr lang="de-DE" b="0" i="0" dirty="0">
-                <a:solidFill>
-                  <a:srgbClr val="DCDDDE"/>
-                </a:solidFill>
-                <a:effectLst/>
-                <a:latin typeface="Whitney"/>
-              </a:rPr>
-              <a:t>Baum, Gras, Raumschiff </a:t>
-            </a:r>
-          </a:p>
-          <a:p>
-            <a:pPr marL="0" marR="0" lvl="0" indent="0" algn="l" defTabSz="914400" rtl="0" eaLnBrk="1" fontAlgn="auto" latinLnBrk="0" hangingPunct="1">
-              <a:lnSpc>
-                <a:spcPct val="100000"/>
-              </a:lnSpc>
-              <a:spcBef>
-                <a:spcPts val="0"/>
-              </a:spcBef>
-              <a:spcAft>
-                <a:spcPts val="0"/>
-              </a:spcAft>
-              <a:buClrTx/>
-              <a:buSzTx/>
-              <a:buFontTx/>
-              <a:buNone/>
-              <a:tabLst/>
-              <a:defRPr/>
-            </a:pPr>
-            <a:endParaRPr lang="de-DE" b="0" i="0" dirty="0">
-              <a:solidFill>
-                <a:srgbClr val="DCDDDE"/>
-              </a:solidFill>
-              <a:effectLst/>
-              <a:latin typeface="Whitney"/>
-            </a:endParaRPr>
-          </a:p>
-          <a:p>
-            <a:pPr marL="0" marR="0" lvl="0" indent="0" algn="l" defTabSz="914400" rtl="0" eaLnBrk="1" fontAlgn="auto" latinLnBrk="0" hangingPunct="1">
-              <a:lnSpc>
-                <a:spcPct val="100000"/>
-              </a:lnSpc>
-              <a:spcBef>
-                <a:spcPts val="0"/>
-              </a:spcBef>
-              <a:spcAft>
-                <a:spcPts val="0"/>
-              </a:spcAft>
-              <a:buClrTx/>
-              <a:buSzTx/>
-              <a:buFontTx/>
-              <a:buNone/>
-              <a:tabLst/>
-              <a:defRPr/>
-            </a:pPr>
-            <a:r>
-              <a:rPr lang="de-DE" b="0" i="0" dirty="0" err="1">
-                <a:solidFill>
-                  <a:srgbClr val="DCDDDE"/>
-                </a:solidFill>
-                <a:effectLst/>
-                <a:latin typeface="Whitney"/>
-              </a:rPr>
-              <a:t>player</a:t>
-            </a:r>
-            <a:r>
-              <a:rPr lang="de-DE" b="0" i="0" dirty="0">
-                <a:solidFill>
-                  <a:srgbClr val="DCDDDE"/>
-                </a:solidFill>
-                <a:effectLst/>
-                <a:latin typeface="Whitney"/>
-              </a:rPr>
-              <a:t> </a:t>
-            </a:r>
-            <a:r>
-              <a:rPr lang="de-DE" b="0" i="0" dirty="0" err="1">
-                <a:solidFill>
-                  <a:srgbClr val="DCDDDE"/>
-                </a:solidFill>
-                <a:effectLst/>
-                <a:latin typeface="Whitney"/>
-              </a:rPr>
-              <a:t>animation</a:t>
-            </a:r>
-            <a:r>
-              <a:rPr lang="de-DE" b="0" i="0" dirty="0">
-                <a:solidFill>
-                  <a:srgbClr val="DCDDDE"/>
-                </a:solidFill>
-                <a:effectLst/>
-                <a:latin typeface="Whitney"/>
-              </a:rPr>
-              <a:t> </a:t>
-            </a:r>
-            <a:r>
-              <a:rPr lang="de-DE" b="0" i="0" dirty="0" err="1">
-                <a:solidFill>
-                  <a:srgbClr val="DCDDDE"/>
-                </a:solidFill>
-                <a:effectLst/>
-                <a:latin typeface="Whitney"/>
-              </a:rPr>
-              <a:t>prototyp</a:t>
-            </a:r>
-            <a:r>
-              <a:rPr lang="de-DE" b="0" i="0" dirty="0">
-                <a:solidFill>
-                  <a:srgbClr val="DCDDDE"/>
-                </a:solidFill>
-                <a:effectLst/>
-                <a:latin typeface="Whitney"/>
-              </a:rPr>
-              <a:t> erstellt </a:t>
-            </a:r>
-          </a:p>
-          <a:p>
-            <a:pPr marL="0" marR="0" lvl="0" indent="0" algn="l" defTabSz="914400" rtl="0" eaLnBrk="1" fontAlgn="auto" latinLnBrk="0" hangingPunct="1">
-              <a:lnSpc>
-                <a:spcPct val="100000"/>
-              </a:lnSpc>
-              <a:spcBef>
-                <a:spcPts val="0"/>
-              </a:spcBef>
-              <a:spcAft>
-                <a:spcPts val="0"/>
-              </a:spcAft>
-              <a:buClrTx/>
-              <a:buSzTx/>
-              <a:buFontTx/>
-              <a:buNone/>
-              <a:tabLst/>
-              <a:defRPr/>
-            </a:pPr>
-            <a:r>
-              <a:rPr lang="de-DE" b="0" i="0" dirty="0">
-                <a:solidFill>
-                  <a:srgbClr val="DCDDDE"/>
-                </a:solidFill>
-                <a:effectLst/>
-                <a:latin typeface="Whitney"/>
-              </a:rPr>
-              <a:t>dabei </a:t>
-            </a:r>
-            <a:r>
-              <a:rPr lang="de-DE" b="1" i="0" dirty="0">
-                <a:solidFill>
-                  <a:srgbClr val="DCDDDE"/>
-                </a:solidFill>
-                <a:effectLst/>
-                <a:latin typeface="Whitney"/>
-              </a:rPr>
-              <a:t>grundlegende</a:t>
-            </a:r>
-            <a:r>
-              <a:rPr lang="de-DE" b="0" i="0" dirty="0">
-                <a:solidFill>
-                  <a:srgbClr val="DCDDDE"/>
-                </a:solidFill>
-                <a:effectLst/>
-                <a:latin typeface="Whitney"/>
-              </a:rPr>
-              <a:t> </a:t>
-            </a:r>
-            <a:r>
-              <a:rPr lang="de-DE" b="0" i="0" dirty="0" err="1">
-                <a:solidFill>
-                  <a:srgbClr val="DCDDDE"/>
-                </a:solidFill>
-                <a:effectLst/>
-                <a:latin typeface="Whitney"/>
-              </a:rPr>
-              <a:t>walking,standing</a:t>
-            </a:r>
-            <a:r>
-              <a:rPr lang="de-DE" b="0" i="0" dirty="0">
-                <a:solidFill>
-                  <a:srgbClr val="DCDDDE"/>
-                </a:solidFill>
-                <a:effectLst/>
-                <a:latin typeface="Whitney"/>
-              </a:rPr>
-              <a:t>, </a:t>
-            </a:r>
-            <a:r>
-              <a:rPr lang="de-DE" b="0" i="0" dirty="0" err="1">
-                <a:solidFill>
-                  <a:srgbClr val="DCDDDE"/>
-                </a:solidFill>
-                <a:effectLst/>
-                <a:latin typeface="Whitney"/>
-              </a:rPr>
-              <a:t>shooting</a:t>
-            </a:r>
-            <a:r>
-              <a:rPr lang="de-DE" b="0" i="0" dirty="0">
-                <a:solidFill>
-                  <a:srgbClr val="DCDDDE"/>
-                </a:solidFill>
-                <a:effectLst/>
-                <a:latin typeface="Whitney"/>
-              </a:rPr>
-              <a:t> </a:t>
-            </a:r>
-          </a:p>
-          <a:p>
-            <a:pPr marL="0" marR="0" lvl="0" indent="0" algn="l" defTabSz="914400" rtl="0" eaLnBrk="1" fontAlgn="auto" latinLnBrk="0" hangingPunct="1">
-              <a:lnSpc>
-                <a:spcPct val="100000"/>
-              </a:lnSpc>
-              <a:spcBef>
-                <a:spcPts val="0"/>
-              </a:spcBef>
-              <a:spcAft>
-                <a:spcPts val="0"/>
-              </a:spcAft>
-              <a:buClrTx/>
-              <a:buSzTx/>
-              <a:buFontTx/>
-              <a:buNone/>
-              <a:tabLst/>
-              <a:defRPr/>
-            </a:pPr>
-            <a:r>
-              <a:rPr lang="de-DE" b="1" i="0" dirty="0">
-                <a:solidFill>
-                  <a:srgbClr val="DCDDDE"/>
-                </a:solidFill>
-                <a:effectLst/>
-                <a:latin typeface="Whitney"/>
-              </a:rPr>
-              <a:t>zukünftig erleichtert</a:t>
-            </a:r>
-            <a:r>
-              <a:rPr lang="de-DE" b="0" i="0" dirty="0">
-                <a:solidFill>
-                  <a:srgbClr val="DCDDDE"/>
-                </a:solidFill>
-                <a:effectLst/>
-                <a:latin typeface="Whitney"/>
-              </a:rPr>
-              <a:t> </a:t>
-            </a:r>
-            <a:r>
-              <a:rPr lang="de-DE" b="0" i="0" dirty="0" err="1">
-                <a:solidFill>
-                  <a:srgbClr val="DCDDDE"/>
-                </a:solidFill>
-                <a:effectLst/>
-                <a:latin typeface="Whitney"/>
-              </a:rPr>
-              <a:t>spritesheet</a:t>
-            </a:r>
-            <a:r>
-              <a:rPr lang="de-DE" b="0" i="0" dirty="0">
-                <a:solidFill>
-                  <a:srgbClr val="DCDDDE"/>
-                </a:solidFill>
-                <a:effectLst/>
-                <a:latin typeface="Whitney"/>
-              </a:rPr>
-              <a:t> &amp; </a:t>
-            </a:r>
-            <a:r>
-              <a:rPr lang="de-DE" b="0" i="0" dirty="0" err="1">
-                <a:solidFill>
-                  <a:srgbClr val="DCDDDE"/>
-                </a:solidFill>
-                <a:effectLst/>
-                <a:latin typeface="Whitney"/>
-              </a:rPr>
-              <a:t>animation</a:t>
-            </a:r>
-            <a:r>
-              <a:rPr lang="de-DE" b="0" i="0" dirty="0">
-                <a:solidFill>
-                  <a:srgbClr val="DCDDDE"/>
-                </a:solidFill>
-                <a:effectLst/>
-                <a:latin typeface="Whitney"/>
-              </a:rPr>
-              <a:t> anderer Charaktere</a:t>
+            <a:r>
+              <a:rPr lang="de-DE" dirty="0"/>
+              <a:t>Neugier des Spielers - Interesse an Spielwelt - Interesse an Story</a:t>
+            </a:r>
+          </a:p>
+          <a:p>
+            <a:r>
+              <a:rPr lang="de-DE" dirty="0"/>
+              <a:t>Erkunden der Welt</a:t>
+            </a:r>
+          </a:p>
+          <a:p>
+            <a:r>
+              <a:rPr lang="de-DE" dirty="0"/>
+              <a:t>Spieler stößt auf Hindernisse</a:t>
+            </a:r>
+          </a:p>
+          <a:p>
+            <a:r>
+              <a:rPr lang="de-DE" dirty="0"/>
+              <a:t>Zielsetzung diese Hindernisse zu überwinden</a:t>
+            </a:r>
+          </a:p>
+          <a:p>
+            <a:r>
+              <a:rPr lang="de-DE" dirty="0"/>
+              <a:t>Lösung mithilfe von Zeitreise-Mechanik</a:t>
+            </a:r>
+          </a:p>
+          <a:p>
+            <a:r>
+              <a:rPr lang="de-DE" dirty="0"/>
+              <a:t>Erhalt neuer Informationen - entfacht Neugier Spielwelt/ Story weiter zu entdecken</a:t>
             </a:r>
           </a:p>
         </p:txBody>
@@ -7324,7 +6735,7 @@
           <a:p>
             <a:fld id="{6BAD1AF2-A6B3-4B84-B5D2-6F16B2D7100D}" type="slidenum">
               <a:rPr lang="de-DE" smtClean="0"/>
-              <a:t>13</a:t>
+              <a:t>9</a:t>
             </a:fld>
             <a:endParaRPr lang="de-DE"/>
           </a:p>
@@ -7333,7 +6744,7 @@
     </p:spTree>
     <p:extLst>
       <p:ext uri="{BB962C8B-B14F-4D97-AF65-F5344CB8AC3E}">
-        <p14:creationId xmlns:p14="http://schemas.microsoft.com/office/powerpoint/2010/main" val="2897571422"/>
+        <p14:creationId xmlns:p14="http://schemas.microsoft.com/office/powerpoint/2010/main" val="732553100"/>
       </p:ext>
     </p:extLst>
   </p:cSld>
@@ -7362,7 +6773,7 @@
       </p:grpSpPr>
       <p:sp>
         <p:nvSpPr>
-          <p:cNvPr id="2" name="Folienbildplatzhalter 1"/>
+          <p:cNvPr id="2" name="Slide Image Placeholder 1"/>
           <p:cNvSpPr>
             <a:spLocks noGrp="1" noRot="1" noChangeAspect="1"/>
           </p:cNvSpPr>
@@ -7374,7 +6785,7 @@
       </p:sp>
       <p:sp>
         <p:nvSpPr>
-          <p:cNvPr id="3" name="Notizenplatzhalter 2"/>
+          <p:cNvPr id="3" name="Notes Placeholder 2"/>
           <p:cNvSpPr>
             <a:spLocks noGrp="1"/>
           </p:cNvSpPr>
@@ -7386,6 +6797,53 @@
         <p:txBody>
           <a:bodyPr/>
           <a:lstStyle/>
+          <a:p>
+            <a:r>
+              <a:rPr lang="de-DE" dirty="0"/>
+              <a:t>Story Writing – Zentraler Bestandteil / Ursprung der Spielidee / Grundstein.</a:t>
+            </a:r>
+          </a:p>
+          <a:p>
+            <a:r>
+              <a:rPr lang="de-DE" dirty="0"/>
+              <a:t>Sound – Kurze Zeitspanne, kommen später darauf zurück</a:t>
+            </a:r>
+          </a:p>
+          <a:p>
+            <a:r>
+              <a:rPr lang="de-DE" dirty="0"/>
+              <a:t>Asset </a:t>
+            </a:r>
+            <a:r>
+              <a:rPr lang="de-DE" dirty="0" err="1"/>
+              <a:t>Creation</a:t>
+            </a:r>
+            <a:r>
+              <a:rPr lang="de-DE" dirty="0"/>
+              <a:t> – fortlaufender Bestandteil, werden nach Bedarf kreiert.</a:t>
+            </a:r>
+          </a:p>
+          <a:p>
+            <a:endParaRPr lang="de-DE" dirty="0"/>
+          </a:p>
+          <a:p>
+            <a:r>
+              <a:rPr lang="de-DE" dirty="0"/>
+              <a:t>Nelly: Hauptsächlich Assets, Level Design</a:t>
+            </a:r>
+          </a:p>
+          <a:p>
+            <a:r>
+              <a:rPr lang="de-DE" dirty="0"/>
+              <a:t>Björn: Puzzle, Level Design</a:t>
+            </a:r>
+          </a:p>
+          <a:p>
+            <a:r>
+              <a:rPr lang="de-DE" dirty="0"/>
+              <a:t>Jan: AI, Time Travel, Bugfixing</a:t>
+            </a:r>
+          </a:p>
           <a:p>
             <a:pPr marL="0" marR="0" lvl="0" indent="0" algn="l" defTabSz="914400" rtl="0" eaLnBrk="1" fontAlgn="auto" latinLnBrk="0" hangingPunct="1">
               <a:lnSpc>
@@ -7405,856 +6863,15 @@
               <a:defRPr/>
             </a:pPr>
             <a:r>
-              <a:rPr lang="de-DE" b="0" i="0" dirty="0">
-                <a:solidFill>
-                  <a:srgbClr val="DCDDDE"/>
-                </a:solidFill>
-                <a:effectLst/>
-                <a:latin typeface="Whitney"/>
-              </a:rPr>
-              <a:t>nach </a:t>
-            </a:r>
-            <a:r>
-              <a:rPr lang="de-DE" b="1" i="0" dirty="0">
-                <a:solidFill>
-                  <a:srgbClr val="DCDDDE"/>
-                </a:solidFill>
-                <a:effectLst/>
-                <a:latin typeface="Whitney"/>
-              </a:rPr>
-              <a:t>rumprobieren</a:t>
-            </a:r>
-            <a:r>
-              <a:rPr lang="de-DE" b="0" i="0" dirty="0">
-                <a:solidFill>
-                  <a:srgbClr val="DCDDDE"/>
-                </a:solidFill>
-                <a:effectLst/>
-                <a:latin typeface="Whitney"/>
-              </a:rPr>
-              <a:t>, </a:t>
-            </a:r>
-            <a:r>
-              <a:rPr lang="de-DE" b="0" i="0" dirty="0" err="1">
-                <a:solidFill>
-                  <a:srgbClr val="DCDDDE"/>
-                </a:solidFill>
-                <a:effectLst/>
-                <a:latin typeface="Whitney"/>
-              </a:rPr>
-              <a:t>spritesheet</a:t>
-            </a:r>
-            <a:r>
-              <a:rPr lang="de-DE" b="0" i="0" dirty="0">
-                <a:solidFill>
-                  <a:srgbClr val="DCDDDE"/>
-                </a:solidFill>
-                <a:effectLst/>
-                <a:latin typeface="Whitney"/>
-              </a:rPr>
-              <a:t> </a:t>
-            </a:r>
-            <a:r>
-              <a:rPr lang="de-DE" b="0" i="0" dirty="0" err="1">
-                <a:solidFill>
-                  <a:srgbClr val="DCDDDE"/>
-                </a:solidFill>
-                <a:effectLst/>
-                <a:latin typeface="Whitney"/>
-              </a:rPr>
-              <a:t>entscheidung</a:t>
-            </a:r>
-            <a:r>
-              <a:rPr lang="de-DE" b="0" i="0" dirty="0">
-                <a:solidFill>
-                  <a:srgbClr val="DCDDDE"/>
-                </a:solidFill>
-                <a:effectLst/>
-                <a:latin typeface="Whitney"/>
-              </a:rPr>
-              <a:t> </a:t>
-            </a:r>
-          </a:p>
-          <a:p>
-            <a:pPr marL="0" marR="0" lvl="0" indent="0" algn="l" defTabSz="914400" rtl="0" eaLnBrk="1" fontAlgn="auto" latinLnBrk="0" hangingPunct="1">
-              <a:lnSpc>
-                <a:spcPct val="100000"/>
-              </a:lnSpc>
-              <a:spcBef>
-                <a:spcPts val="0"/>
-              </a:spcBef>
-              <a:spcAft>
-                <a:spcPts val="0"/>
-              </a:spcAft>
-              <a:buClrTx/>
-              <a:buSzTx/>
-              <a:buFontTx/>
-              <a:buNone/>
-              <a:tabLst/>
-              <a:defRPr/>
-            </a:pPr>
-            <a:r>
-              <a:rPr lang="de-DE" b="0" i="0" dirty="0">
-                <a:solidFill>
-                  <a:srgbClr val="DCDDDE"/>
-                </a:solidFill>
-                <a:effectLst/>
-                <a:latin typeface="Whitney"/>
-              </a:rPr>
-              <a:t>Ausschnitt von </a:t>
-            </a:r>
-            <a:r>
-              <a:rPr lang="de-DE" b="0" i="0" dirty="0" err="1">
-                <a:solidFill>
-                  <a:srgbClr val="DCDDDE"/>
-                </a:solidFill>
-                <a:effectLst/>
-                <a:latin typeface="Whitney"/>
-              </a:rPr>
-              <a:t>player</a:t>
-            </a:r>
-            <a:r>
-              <a:rPr lang="de-DE" b="0" i="0" dirty="0">
-                <a:solidFill>
-                  <a:srgbClr val="DCDDDE"/>
-                </a:solidFill>
-                <a:effectLst/>
-                <a:latin typeface="Whitney"/>
-              </a:rPr>
-              <a:t> </a:t>
-            </a:r>
-          </a:p>
-          <a:p>
-            <a:pPr marL="0" marR="0" lvl="0" indent="0" algn="l" defTabSz="914400" rtl="0" eaLnBrk="1" fontAlgn="auto" latinLnBrk="0" hangingPunct="1">
-              <a:lnSpc>
-                <a:spcPct val="100000"/>
-              </a:lnSpc>
-              <a:spcBef>
-                <a:spcPts val="0"/>
-              </a:spcBef>
-              <a:spcAft>
-                <a:spcPts val="0"/>
-              </a:spcAft>
-              <a:buClrTx/>
-              <a:buSzTx/>
-              <a:buFontTx/>
-              <a:buNone/>
-              <a:tabLst/>
-              <a:defRPr/>
-            </a:pPr>
-            <a:r>
-              <a:rPr lang="de-DE" b="0" i="0" dirty="0">
-                <a:solidFill>
-                  <a:srgbClr val="DCDDDE"/>
-                </a:solidFill>
-                <a:effectLst/>
-                <a:latin typeface="Whitney"/>
-              </a:rPr>
-              <a:t>in </a:t>
-            </a:r>
-            <a:r>
-              <a:rPr lang="de-DE" b="1" i="0" dirty="0">
-                <a:solidFill>
-                  <a:srgbClr val="DCDDDE"/>
-                </a:solidFill>
-                <a:effectLst/>
-                <a:latin typeface="Whitney"/>
-              </a:rPr>
-              <a:t>9 Körperteile</a:t>
-            </a:r>
-            <a:r>
-              <a:rPr lang="de-DE" b="0" i="0" dirty="0">
-                <a:solidFill>
-                  <a:srgbClr val="DCDDDE"/>
-                </a:solidFill>
-                <a:effectLst/>
-                <a:latin typeface="Whitney"/>
-              </a:rPr>
-              <a:t> geteilt </a:t>
-            </a:r>
-          </a:p>
-          <a:p>
-            <a:pPr marL="0" marR="0" lvl="0" indent="0" algn="l" defTabSz="914400" rtl="0" eaLnBrk="1" fontAlgn="auto" latinLnBrk="0" hangingPunct="1">
-              <a:lnSpc>
-                <a:spcPct val="100000"/>
-              </a:lnSpc>
-              <a:spcBef>
-                <a:spcPts val="0"/>
-              </a:spcBef>
-              <a:spcAft>
-                <a:spcPts val="0"/>
-              </a:spcAft>
-              <a:buClrTx/>
-              <a:buSzTx/>
-              <a:buFontTx/>
-              <a:buNone/>
-              <a:tabLst/>
-              <a:defRPr/>
-            </a:pPr>
-            <a:r>
-              <a:rPr lang="de-DE" b="0" i="0" dirty="0">
-                <a:solidFill>
-                  <a:srgbClr val="DCDDDE"/>
-                </a:solidFill>
-                <a:effectLst/>
-                <a:latin typeface="Whitney"/>
-              </a:rPr>
-              <a:t>3x Arme + </a:t>
-            </a:r>
-            <a:r>
-              <a:rPr lang="de-DE" b="0" i="0" dirty="0" err="1">
-                <a:solidFill>
-                  <a:srgbClr val="DCDDDE"/>
-                </a:solidFill>
-                <a:effectLst/>
-                <a:latin typeface="Whitney"/>
-              </a:rPr>
-              <a:t>gun</a:t>
-            </a:r>
-            <a:r>
-              <a:rPr lang="de-DE" b="0" i="0" dirty="0">
-                <a:solidFill>
-                  <a:srgbClr val="DCDDDE"/>
-                </a:solidFill>
-                <a:effectLst/>
-                <a:latin typeface="Whitney"/>
-              </a:rPr>
-              <a:t> </a:t>
-            </a:r>
-          </a:p>
-          <a:p>
-            <a:pPr marL="0" marR="0" lvl="0" indent="0" algn="l" defTabSz="914400" rtl="0" eaLnBrk="1" fontAlgn="auto" latinLnBrk="0" hangingPunct="1">
-              <a:lnSpc>
-                <a:spcPct val="100000"/>
-              </a:lnSpc>
-              <a:spcBef>
-                <a:spcPts val="0"/>
-              </a:spcBef>
-              <a:spcAft>
-                <a:spcPts val="0"/>
-              </a:spcAft>
-              <a:buClrTx/>
-              <a:buSzTx/>
-              <a:buFontTx/>
-              <a:buNone/>
-              <a:tabLst/>
-              <a:defRPr/>
-            </a:pPr>
-            <a:r>
-              <a:rPr lang="de-DE" b="0" i="0" dirty="0">
-                <a:solidFill>
-                  <a:srgbClr val="DCDDDE"/>
-                </a:solidFill>
-                <a:effectLst/>
-                <a:latin typeface="Whitney"/>
-              </a:rPr>
-              <a:t>3x Beine </a:t>
-            </a:r>
-          </a:p>
-          <a:p>
-            <a:pPr marL="0" marR="0" lvl="0" indent="0" algn="l" defTabSz="914400" rtl="0" eaLnBrk="1" fontAlgn="auto" latinLnBrk="0" hangingPunct="1">
-              <a:lnSpc>
-                <a:spcPct val="100000"/>
-              </a:lnSpc>
-              <a:spcBef>
-                <a:spcPts val="0"/>
-              </a:spcBef>
-              <a:spcAft>
-                <a:spcPts val="0"/>
-              </a:spcAft>
-              <a:buClrTx/>
-              <a:buSzTx/>
-              <a:buFontTx/>
-              <a:buNone/>
-              <a:tabLst/>
-              <a:defRPr/>
-            </a:pPr>
-            <a:r>
-              <a:rPr lang="de-DE" b="0" i="0" dirty="0">
-                <a:solidFill>
-                  <a:srgbClr val="DCDDDE"/>
-                </a:solidFill>
-                <a:effectLst/>
-                <a:latin typeface="Whitney"/>
-              </a:rPr>
-              <a:t>-&gt; Animation </a:t>
-            </a:r>
-          </a:p>
-          <a:p>
-            <a:pPr marL="0" marR="0" lvl="0" indent="0" algn="l" defTabSz="914400" rtl="0" eaLnBrk="1" fontAlgn="auto" latinLnBrk="0" hangingPunct="1">
-              <a:lnSpc>
-                <a:spcPct val="100000"/>
-              </a:lnSpc>
-              <a:spcBef>
-                <a:spcPts val="0"/>
-              </a:spcBef>
-              <a:spcAft>
-                <a:spcPts val="0"/>
-              </a:spcAft>
-              <a:buClrTx/>
-              <a:buSzTx/>
-              <a:buFontTx/>
-              <a:buNone/>
-              <a:tabLst/>
-              <a:defRPr/>
-            </a:pPr>
-            <a:r>
-              <a:rPr lang="de-DE" b="0" i="0" dirty="0">
-                <a:solidFill>
-                  <a:srgbClr val="DCDDDE"/>
-                </a:solidFill>
-                <a:effectLst/>
-                <a:latin typeface="Whitney"/>
-              </a:rPr>
-              <a:t>jedes </a:t>
-            </a:r>
-            <a:r>
-              <a:rPr lang="de-DE" b="1" i="0" dirty="0">
-                <a:solidFill>
-                  <a:srgbClr val="DCDDDE"/>
-                </a:solidFill>
-                <a:effectLst/>
-                <a:latin typeface="Whitney"/>
-              </a:rPr>
-              <a:t>Körperteil 5 mal</a:t>
-            </a:r>
-            <a:r>
-              <a:rPr lang="de-DE" b="0" i="0" dirty="0">
-                <a:solidFill>
-                  <a:srgbClr val="DCDDDE"/>
-                </a:solidFill>
-                <a:effectLst/>
-                <a:latin typeface="Whitney"/>
-              </a:rPr>
-              <a:t> </a:t>
-            </a:r>
-          </a:p>
-          <a:p>
-            <a:pPr marL="0" marR="0" lvl="0" indent="0" algn="l" defTabSz="914400" rtl="0" eaLnBrk="1" fontAlgn="auto" latinLnBrk="0" hangingPunct="1">
-              <a:lnSpc>
-                <a:spcPct val="100000"/>
-              </a:lnSpc>
-              <a:spcBef>
-                <a:spcPts val="0"/>
-              </a:spcBef>
-              <a:spcAft>
-                <a:spcPts val="0"/>
-              </a:spcAft>
-              <a:buClrTx/>
-              <a:buSzTx/>
-              <a:buFontTx/>
-              <a:buNone/>
-              <a:tabLst/>
-              <a:defRPr/>
-            </a:pPr>
-            <a:r>
-              <a:rPr lang="de-DE" b="0" i="0" dirty="0">
-                <a:solidFill>
-                  <a:srgbClr val="DCDDDE"/>
-                </a:solidFill>
-                <a:effectLst/>
-                <a:latin typeface="Whitney"/>
-              </a:rPr>
-              <a:t>-&gt; Bewegung in </a:t>
-            </a:r>
-            <a:r>
-              <a:rPr lang="de-DE" b="1" i="0" dirty="0">
-                <a:solidFill>
-                  <a:srgbClr val="DCDDDE"/>
-                </a:solidFill>
-                <a:effectLst/>
-                <a:latin typeface="Whitney"/>
-              </a:rPr>
-              <a:t>8 </a:t>
-            </a:r>
-            <a:r>
-              <a:rPr lang="de-DE" b="1" i="0" dirty="0" err="1">
-                <a:solidFill>
-                  <a:srgbClr val="DCDDDE"/>
-                </a:solidFill>
-                <a:effectLst/>
-                <a:latin typeface="Whitney"/>
-              </a:rPr>
-              <a:t>richtungen</a:t>
-            </a:r>
-            <a:r>
-              <a:rPr lang="de-DE" b="0" i="0" dirty="0">
-                <a:solidFill>
-                  <a:srgbClr val="DCDDDE"/>
-                </a:solidFill>
-                <a:effectLst/>
-                <a:latin typeface="Whitney"/>
-              </a:rPr>
-              <a:t> </a:t>
-            </a:r>
-          </a:p>
-          <a:p>
-            <a:pPr marL="0" marR="0" lvl="0" indent="0" algn="l" defTabSz="914400" rtl="0" eaLnBrk="1" fontAlgn="auto" latinLnBrk="0" hangingPunct="1">
-              <a:lnSpc>
-                <a:spcPct val="100000"/>
-              </a:lnSpc>
-              <a:spcBef>
-                <a:spcPts val="0"/>
-              </a:spcBef>
-              <a:spcAft>
-                <a:spcPts val="0"/>
-              </a:spcAft>
-              <a:buClrTx/>
-              <a:buSzTx/>
-              <a:buFontTx/>
-              <a:buNone/>
-              <a:tabLst/>
-              <a:defRPr/>
-            </a:pPr>
-            <a:endParaRPr lang="de-DE" b="0" i="0" dirty="0">
-              <a:solidFill>
-                <a:srgbClr val="DCDDDE"/>
-              </a:solidFill>
-              <a:effectLst/>
-              <a:latin typeface="Whitney"/>
-            </a:endParaRPr>
-          </a:p>
-          <a:p>
-            <a:pPr marL="0" marR="0" lvl="0" indent="0" algn="l" defTabSz="914400" rtl="0" eaLnBrk="1" fontAlgn="auto" latinLnBrk="0" hangingPunct="1">
-              <a:lnSpc>
-                <a:spcPct val="100000"/>
-              </a:lnSpc>
-              <a:spcBef>
-                <a:spcPts val="0"/>
-              </a:spcBef>
-              <a:spcAft>
-                <a:spcPts val="0"/>
-              </a:spcAft>
-              <a:buClrTx/>
-              <a:buSzTx/>
-              <a:buFontTx/>
-              <a:buNone/>
-              <a:tabLst/>
-              <a:defRPr/>
-            </a:pPr>
-            <a:r>
-              <a:rPr lang="de-DE" b="1" i="0" dirty="0">
-                <a:solidFill>
-                  <a:srgbClr val="DCDDDE"/>
-                </a:solidFill>
-                <a:effectLst/>
-                <a:latin typeface="Whitney"/>
-              </a:rPr>
-              <a:t>Design</a:t>
-            </a:r>
-            <a:r>
-              <a:rPr lang="de-DE" b="0" i="0" dirty="0">
-                <a:solidFill>
-                  <a:srgbClr val="DCDDDE"/>
-                </a:solidFill>
-                <a:effectLst/>
-                <a:latin typeface="Whitney"/>
-              </a:rPr>
-              <a:t> nicht mehr </a:t>
-            </a:r>
-            <a:r>
-              <a:rPr lang="de-DE" b="1" i="0" dirty="0">
-                <a:solidFill>
-                  <a:srgbClr val="DCDDDE"/>
-                </a:solidFill>
-                <a:effectLst/>
-                <a:latin typeface="Whitney"/>
-              </a:rPr>
-              <a:t>übereinander </a:t>
-            </a:r>
-          </a:p>
-          <a:p>
-            <a:pPr marL="0" marR="0" lvl="0" indent="0" algn="l" defTabSz="914400" rtl="0" eaLnBrk="1" fontAlgn="auto" latinLnBrk="0" hangingPunct="1">
-              <a:lnSpc>
-                <a:spcPct val="100000"/>
-              </a:lnSpc>
-              <a:spcBef>
-                <a:spcPts val="0"/>
-              </a:spcBef>
-              <a:spcAft>
-                <a:spcPts val="0"/>
-              </a:spcAft>
-              <a:buClrTx/>
-              <a:buSzTx/>
-              <a:buFontTx/>
-              <a:buNone/>
-              <a:tabLst/>
-              <a:defRPr/>
-            </a:pPr>
-            <a:r>
-              <a:rPr lang="de-DE" b="0" i="0" dirty="0">
-                <a:solidFill>
-                  <a:srgbClr val="DCDDDE"/>
-                </a:solidFill>
-                <a:effectLst/>
-                <a:latin typeface="Whitney"/>
-              </a:rPr>
-              <a:t>Lösung: </a:t>
-            </a:r>
-          </a:p>
-          <a:p>
-            <a:pPr marL="0" marR="0" lvl="0" indent="0" algn="l" defTabSz="914400" rtl="0" eaLnBrk="1" fontAlgn="auto" latinLnBrk="0" hangingPunct="1">
-              <a:lnSpc>
-                <a:spcPct val="100000"/>
-              </a:lnSpc>
-              <a:spcBef>
-                <a:spcPts val="0"/>
-              </a:spcBef>
-              <a:spcAft>
-                <a:spcPts val="0"/>
-              </a:spcAft>
-              <a:buClrTx/>
-              <a:buSzTx/>
-              <a:buFontTx/>
-              <a:buNone/>
-              <a:tabLst/>
-              <a:defRPr/>
-            </a:pPr>
-            <a:r>
-              <a:rPr lang="de-DE" b="0" i="0" dirty="0">
-                <a:solidFill>
-                  <a:srgbClr val="DCDDDE"/>
-                </a:solidFill>
-                <a:effectLst/>
-                <a:latin typeface="Whitney"/>
-              </a:rPr>
-              <a:t>in </a:t>
-            </a:r>
-            <a:r>
-              <a:rPr lang="de-DE" b="0" i="0" dirty="0" err="1">
-                <a:solidFill>
-                  <a:srgbClr val="DCDDDE"/>
-                </a:solidFill>
-                <a:effectLst/>
-                <a:latin typeface="Whitney"/>
-              </a:rPr>
-              <a:t>Krita</a:t>
-            </a:r>
-            <a:r>
-              <a:rPr lang="de-DE" b="0" i="0" dirty="0">
-                <a:solidFill>
-                  <a:srgbClr val="DCDDDE"/>
-                </a:solidFill>
-                <a:effectLst/>
-                <a:latin typeface="Whitney"/>
-              </a:rPr>
-              <a:t> </a:t>
-            </a:r>
-          </a:p>
-          <a:p>
-            <a:pPr marL="0" marR="0" lvl="0" indent="0" algn="l" defTabSz="914400" rtl="0" eaLnBrk="1" fontAlgn="auto" latinLnBrk="0" hangingPunct="1">
-              <a:lnSpc>
-                <a:spcPct val="100000"/>
-              </a:lnSpc>
-              <a:spcBef>
-                <a:spcPts val="0"/>
-              </a:spcBef>
-              <a:spcAft>
-                <a:spcPts val="0"/>
-              </a:spcAft>
-              <a:buClrTx/>
-              <a:buSzTx/>
-              <a:buFontTx/>
-              <a:buNone/>
-              <a:tabLst/>
-              <a:defRPr/>
-            </a:pPr>
-            <a:r>
-              <a:rPr lang="de-DE" b="0" i="0" dirty="0">
-                <a:solidFill>
-                  <a:srgbClr val="DCDDDE"/>
-                </a:solidFill>
-                <a:effectLst/>
-                <a:latin typeface="Whitney"/>
-              </a:rPr>
-              <a:t>Körperteil einen </a:t>
-            </a:r>
-            <a:r>
-              <a:rPr lang="de-DE" b="1" i="0" dirty="0" err="1">
-                <a:solidFill>
-                  <a:srgbClr val="DCDDDE"/>
-                </a:solidFill>
-                <a:effectLst/>
-                <a:latin typeface="Whitney"/>
-              </a:rPr>
-              <a:t>group</a:t>
-            </a:r>
-            <a:r>
-              <a:rPr lang="de-DE" b="1" i="0" dirty="0">
-                <a:solidFill>
-                  <a:srgbClr val="DCDDDE"/>
-                </a:solidFill>
-                <a:effectLst/>
-                <a:latin typeface="Whitney"/>
-              </a:rPr>
-              <a:t> </a:t>
-            </a:r>
-            <a:r>
-              <a:rPr lang="de-DE" b="1" i="0" dirty="0" err="1">
-                <a:solidFill>
-                  <a:srgbClr val="DCDDDE"/>
-                </a:solidFill>
-                <a:effectLst/>
-                <a:latin typeface="Whitney"/>
-              </a:rPr>
-              <a:t>layer</a:t>
-            </a:r>
-            <a:r>
-              <a:rPr lang="de-DE" b="0" i="0" dirty="0">
-                <a:solidFill>
-                  <a:srgbClr val="DCDDDE"/>
-                </a:solidFill>
-                <a:effectLst/>
-                <a:latin typeface="Whitney"/>
-              </a:rPr>
-              <a:t> </a:t>
-            </a:r>
-          </a:p>
-          <a:p>
-            <a:pPr marL="0" marR="0" lvl="0" indent="0" algn="l" defTabSz="914400" rtl="0" eaLnBrk="1" fontAlgn="auto" latinLnBrk="0" hangingPunct="1">
-              <a:lnSpc>
-                <a:spcPct val="100000"/>
-              </a:lnSpc>
-              <a:spcBef>
-                <a:spcPts val="0"/>
-              </a:spcBef>
-              <a:spcAft>
-                <a:spcPts val="0"/>
-              </a:spcAft>
-              <a:buClrTx/>
-              <a:buSzTx/>
-              <a:buFontTx/>
-              <a:buNone/>
-              <a:tabLst/>
-              <a:defRPr/>
-            </a:pPr>
-            <a:r>
-              <a:rPr lang="de-DE" b="0" i="0" dirty="0">
-                <a:solidFill>
-                  <a:srgbClr val="DCDDDE"/>
-                </a:solidFill>
-                <a:effectLst/>
-                <a:latin typeface="Whitney"/>
-              </a:rPr>
-              <a:t>-&gt;</a:t>
-            </a:r>
-            <a:r>
-              <a:rPr lang="de-DE" b="1" i="0" dirty="0">
-                <a:solidFill>
-                  <a:srgbClr val="DCDDDE"/>
-                </a:solidFill>
-                <a:effectLst/>
-                <a:latin typeface="Whitney"/>
-              </a:rPr>
-              <a:t> </a:t>
-            </a:r>
-            <a:r>
-              <a:rPr lang="de-DE" b="1" i="0" dirty="0" err="1">
-                <a:solidFill>
-                  <a:srgbClr val="DCDDDE"/>
-                </a:solidFill>
-                <a:effectLst/>
-                <a:latin typeface="Whitney"/>
-              </a:rPr>
-              <a:t>clone</a:t>
-            </a:r>
-            <a:r>
-              <a:rPr lang="de-DE" b="1" i="0" dirty="0">
-                <a:solidFill>
-                  <a:srgbClr val="DCDDDE"/>
-                </a:solidFill>
-                <a:effectLst/>
-                <a:latin typeface="Whitney"/>
-              </a:rPr>
-              <a:t> </a:t>
-            </a:r>
-            <a:r>
-              <a:rPr lang="de-DE" b="1" i="0" dirty="0" err="1">
-                <a:solidFill>
-                  <a:srgbClr val="DCDDDE"/>
-                </a:solidFill>
-                <a:effectLst/>
-                <a:latin typeface="Whitney"/>
-              </a:rPr>
-              <a:t>layer</a:t>
-            </a:r>
-            <a:r>
-              <a:rPr lang="de-DE" b="0" i="0" dirty="0">
-                <a:solidFill>
-                  <a:srgbClr val="DCDDDE"/>
-                </a:solidFill>
-                <a:effectLst/>
-                <a:latin typeface="Whitney"/>
-              </a:rPr>
-              <a:t> erzeugen </a:t>
-            </a:r>
-          </a:p>
-          <a:p>
-            <a:pPr marL="0" marR="0" lvl="0" indent="0" algn="l" defTabSz="914400" rtl="0" eaLnBrk="1" fontAlgn="auto" latinLnBrk="0" hangingPunct="1">
-              <a:lnSpc>
-                <a:spcPct val="100000"/>
-              </a:lnSpc>
-              <a:spcBef>
-                <a:spcPts val="0"/>
-              </a:spcBef>
-              <a:spcAft>
-                <a:spcPts val="0"/>
-              </a:spcAft>
-              <a:buClrTx/>
-              <a:buSzTx/>
-              <a:buFontTx/>
-              <a:buNone/>
-              <a:tabLst/>
-              <a:defRPr/>
-            </a:pPr>
-            <a:r>
-              <a:rPr lang="de-DE" b="1" i="0" dirty="0">
-                <a:solidFill>
-                  <a:srgbClr val="DCDDDE"/>
-                </a:solidFill>
-                <a:effectLst/>
-                <a:latin typeface="Whitney"/>
-              </a:rPr>
-              <a:t>oberste Zeile</a:t>
-            </a:r>
-            <a:r>
-              <a:rPr lang="de-DE" b="0" i="0" dirty="0">
-                <a:solidFill>
-                  <a:srgbClr val="DCDDDE"/>
-                </a:solidFill>
-                <a:effectLst/>
-                <a:latin typeface="Whitney"/>
-              </a:rPr>
-              <a:t> geschoben </a:t>
-            </a:r>
-          </a:p>
-          <a:p>
-            <a:pPr marL="0" marR="0" lvl="0" indent="0" algn="l" defTabSz="914400" rtl="0" eaLnBrk="1" fontAlgn="auto" latinLnBrk="0" hangingPunct="1">
-              <a:lnSpc>
-                <a:spcPct val="100000"/>
-              </a:lnSpc>
-              <a:spcBef>
-                <a:spcPts val="0"/>
-              </a:spcBef>
-              <a:spcAft>
-                <a:spcPts val="0"/>
-              </a:spcAft>
-              <a:buClrTx/>
-              <a:buSzTx/>
-              <a:buFontTx/>
-              <a:buNone/>
-              <a:tabLst/>
-              <a:defRPr/>
-            </a:pPr>
-            <a:r>
-              <a:rPr lang="de-DE" b="0" i="0" dirty="0">
-                <a:solidFill>
-                  <a:srgbClr val="DCDDDE"/>
-                </a:solidFill>
-                <a:effectLst/>
-                <a:latin typeface="Whitney"/>
-              </a:rPr>
-              <a:t>rechts: </a:t>
-            </a:r>
-            <a:r>
-              <a:rPr lang="de-DE" b="0" i="0" dirty="0" err="1">
-                <a:solidFill>
-                  <a:srgbClr val="DCDDDE"/>
-                </a:solidFill>
-                <a:effectLst/>
-                <a:latin typeface="Whitney"/>
-              </a:rPr>
-              <a:t>clone</a:t>
-            </a:r>
-            <a:r>
-              <a:rPr lang="de-DE" b="0" i="0" dirty="0">
-                <a:solidFill>
-                  <a:srgbClr val="DCDDDE"/>
-                </a:solidFill>
-                <a:effectLst/>
-                <a:latin typeface="Whitney"/>
-              </a:rPr>
-              <a:t> </a:t>
-            </a:r>
-            <a:r>
-              <a:rPr lang="de-DE" b="0" i="0" dirty="0" err="1">
-                <a:solidFill>
-                  <a:srgbClr val="DCDDDE"/>
-                </a:solidFill>
-                <a:effectLst/>
-                <a:latin typeface="Whitney"/>
-              </a:rPr>
-              <a:t>layer</a:t>
-            </a:r>
-            <a:r>
-              <a:rPr lang="de-DE" b="0" i="0" dirty="0">
-                <a:solidFill>
-                  <a:srgbClr val="DCDDDE"/>
-                </a:solidFill>
-                <a:effectLst/>
-                <a:latin typeface="Whitney"/>
-              </a:rPr>
-              <a:t> </a:t>
-            </a:r>
-            <a:r>
-              <a:rPr lang="de-DE" b="1" i="0" dirty="0">
-                <a:solidFill>
-                  <a:srgbClr val="DCDDDE"/>
-                </a:solidFill>
-                <a:effectLst/>
-                <a:latin typeface="Whitney"/>
-              </a:rPr>
-              <a:t>Sichtbarkeit</a:t>
-            </a:r>
-            <a:r>
-              <a:rPr lang="de-DE" b="0" i="0" dirty="0">
-                <a:solidFill>
-                  <a:srgbClr val="DCDDDE"/>
-                </a:solidFill>
-                <a:effectLst/>
-                <a:latin typeface="Whitney"/>
-              </a:rPr>
-              <a:t> </a:t>
-            </a:r>
-          </a:p>
-          <a:p>
-            <a:pPr marL="0" marR="0" lvl="0" indent="0" algn="l" defTabSz="914400" rtl="0" eaLnBrk="1" fontAlgn="auto" latinLnBrk="0" hangingPunct="1">
-              <a:lnSpc>
-                <a:spcPct val="100000"/>
-              </a:lnSpc>
-              <a:spcBef>
-                <a:spcPts val="0"/>
-              </a:spcBef>
-              <a:spcAft>
-                <a:spcPts val="0"/>
-              </a:spcAft>
-              <a:buClrTx/>
-              <a:buSzTx/>
-              <a:buFontTx/>
-              <a:buNone/>
-              <a:tabLst/>
-              <a:defRPr/>
-            </a:pPr>
-            <a:r>
-              <a:rPr lang="de-DE" b="0" i="0" dirty="0">
-                <a:solidFill>
-                  <a:srgbClr val="DCDDDE"/>
-                </a:solidFill>
-                <a:effectLst/>
-                <a:latin typeface="Whitney"/>
-              </a:rPr>
-              <a:t>-&gt; überprüfen, Proportionen, Farben, Übergänge</a:t>
-            </a:r>
-            <a:endParaRPr lang="de-DE" dirty="0"/>
-          </a:p>
-          <a:p>
-            <a:endParaRPr lang="de-DE" dirty="0"/>
+              <a:rPr lang="de-DE" dirty="0"/>
+              <a:t>Emre: UI, Sound, Bugfixing</a:t>
+            </a:r>
           </a:p>
         </p:txBody>
       </p:sp>
       <p:sp>
         <p:nvSpPr>
-          <p:cNvPr id="4" name="Foliennummernplatzhalter 3"/>
+          <p:cNvPr id="4" name="Slide Number Placeholder 3"/>
           <p:cNvSpPr>
             <a:spLocks noGrp="1"/>
           </p:cNvSpPr>
@@ -8269,7 +6886,7 @@
           <a:p>
             <a:fld id="{6BAD1AF2-A6B3-4B84-B5D2-6F16B2D7100D}" type="slidenum">
               <a:rPr lang="de-DE" smtClean="0"/>
-              <a:t>14</a:t>
+              <a:t>11</a:t>
             </a:fld>
             <a:endParaRPr lang="de-DE"/>
           </a:p>
@@ -8278,7 +6895,7 @@
     </p:spTree>
     <p:extLst>
       <p:ext uri="{BB962C8B-B14F-4D97-AF65-F5344CB8AC3E}">
-        <p14:creationId xmlns:p14="http://schemas.microsoft.com/office/powerpoint/2010/main" val="1274325807"/>
+        <p14:creationId xmlns:p14="http://schemas.microsoft.com/office/powerpoint/2010/main" val="743564137"/>
       </p:ext>
     </p:extLst>
   </p:cSld>
@@ -8332,7 +6949,713 @@
           <a:bodyPr/>
           <a:lstStyle/>
           <a:p>
-            <a:endParaRPr lang="de-DE" dirty="0"/>
+            <a:pPr marL="0" marR="0" lvl="0" indent="0" algn="l" defTabSz="914400" rtl="0" eaLnBrk="1" fontAlgn="auto" latinLnBrk="0" hangingPunct="1">
+              <a:lnSpc>
+                <a:spcPct val="100000"/>
+              </a:lnSpc>
+              <a:spcBef>
+                <a:spcPts val="0"/>
+              </a:spcBef>
+              <a:spcAft>
+                <a:spcPts val="0"/>
+              </a:spcAft>
+              <a:buClrTx/>
+              <a:buSzTx/>
+              <a:buFontTx/>
+              <a:buNone/>
+              <a:tabLst/>
+              <a:defRPr/>
+            </a:pPr>
+            <a:r>
+              <a:rPr lang="de-DE" b="0" i="0" dirty="0">
+                <a:solidFill>
+                  <a:srgbClr val="DCDDDE"/>
+                </a:solidFill>
+                <a:effectLst/>
+                <a:latin typeface="Whitney"/>
+              </a:rPr>
+              <a:t>Story als </a:t>
+            </a:r>
+            <a:r>
+              <a:rPr lang="de-DE" b="1" i="0" dirty="0" err="1">
+                <a:solidFill>
+                  <a:srgbClr val="DCDDDE"/>
+                </a:solidFill>
+                <a:effectLst/>
+                <a:latin typeface="Whitney"/>
+              </a:rPr>
+              <a:t>Convexity</a:t>
+            </a:r>
+            <a:r>
+              <a:rPr lang="de-DE" b="1" i="0" dirty="0">
+                <a:solidFill>
+                  <a:srgbClr val="DCDDDE"/>
+                </a:solidFill>
+                <a:effectLst/>
+                <a:latin typeface="Whitney"/>
+              </a:rPr>
+              <a:t> Game Struktur</a:t>
+            </a:r>
+            <a:r>
+              <a:rPr lang="de-DE" b="0" i="0" dirty="0">
+                <a:solidFill>
+                  <a:srgbClr val="DCDDDE"/>
+                </a:solidFill>
+                <a:effectLst/>
+                <a:latin typeface="Whitney"/>
+              </a:rPr>
+              <a:t> aufgebaut.</a:t>
+            </a:r>
+          </a:p>
+          <a:p>
+            <a:pPr marL="0" marR="0" lvl="0" indent="0" algn="l" defTabSz="914400" rtl="0" eaLnBrk="1" fontAlgn="auto" latinLnBrk="0" hangingPunct="1">
+              <a:lnSpc>
+                <a:spcPct val="100000"/>
+              </a:lnSpc>
+              <a:spcBef>
+                <a:spcPts val="0"/>
+              </a:spcBef>
+              <a:spcAft>
+                <a:spcPts val="0"/>
+              </a:spcAft>
+              <a:buClrTx/>
+              <a:buSzTx/>
+              <a:buFontTx/>
+              <a:buNone/>
+              <a:tabLst/>
+              <a:defRPr/>
+            </a:pPr>
+            <a:r>
+              <a:rPr lang="de-DE" b="0" i="0" dirty="0">
+                <a:solidFill>
+                  <a:srgbClr val="DCDDDE"/>
+                </a:solidFill>
+                <a:effectLst/>
+                <a:latin typeface="Whitney"/>
+              </a:rPr>
+              <a:t>Rautenform</a:t>
+            </a:r>
+          </a:p>
+          <a:p>
+            <a:pPr marL="0" marR="0" lvl="0" indent="0" algn="l" defTabSz="914400" rtl="0" eaLnBrk="1" fontAlgn="auto" latinLnBrk="0" hangingPunct="1">
+              <a:lnSpc>
+                <a:spcPct val="100000"/>
+              </a:lnSpc>
+              <a:spcBef>
+                <a:spcPts val="0"/>
+              </a:spcBef>
+              <a:spcAft>
+                <a:spcPts val="0"/>
+              </a:spcAft>
+              <a:buClrTx/>
+              <a:buSzTx/>
+              <a:buFontTx/>
+              <a:buNone/>
+              <a:tabLst/>
+              <a:defRPr/>
+            </a:pPr>
+            <a:r>
+              <a:rPr lang="de-DE" b="0" i="0" dirty="0">
+                <a:solidFill>
+                  <a:srgbClr val="DCDDDE"/>
+                </a:solidFill>
+                <a:effectLst/>
+                <a:latin typeface="Whitney"/>
+              </a:rPr>
+              <a:t>Eine Entscheidung fächert viele Entscheidungen</a:t>
+            </a:r>
+          </a:p>
+          <a:p>
+            <a:pPr marL="0" marR="0" lvl="0" indent="0" algn="l" defTabSz="914400" rtl="0" eaLnBrk="1" fontAlgn="auto" latinLnBrk="0" hangingPunct="1">
+              <a:lnSpc>
+                <a:spcPct val="100000"/>
+              </a:lnSpc>
+              <a:spcBef>
+                <a:spcPts val="0"/>
+              </a:spcBef>
+              <a:spcAft>
+                <a:spcPts val="0"/>
+              </a:spcAft>
+              <a:buClrTx/>
+              <a:buSzTx/>
+              <a:buFontTx/>
+              <a:buNone/>
+              <a:tabLst/>
+              <a:defRPr/>
+            </a:pPr>
+            <a:r>
+              <a:rPr lang="de-DE" b="0" i="0" dirty="0">
+                <a:solidFill>
+                  <a:srgbClr val="DCDDDE"/>
+                </a:solidFill>
+                <a:effectLst/>
+                <a:latin typeface="Whitney"/>
+              </a:rPr>
+              <a:t>Zusammenlaufen wenige Ausgänge</a:t>
+            </a:r>
+          </a:p>
+          <a:p>
+            <a:pPr marL="0" marR="0" lvl="0" indent="0" algn="l" defTabSz="914400" rtl="0" eaLnBrk="1" fontAlgn="auto" latinLnBrk="0" hangingPunct="1">
+              <a:lnSpc>
+                <a:spcPct val="100000"/>
+              </a:lnSpc>
+              <a:spcBef>
+                <a:spcPts val="0"/>
+              </a:spcBef>
+              <a:spcAft>
+                <a:spcPts val="0"/>
+              </a:spcAft>
+              <a:buClrTx/>
+              <a:buSzTx/>
+              <a:buFontTx/>
+              <a:buNone/>
+              <a:tabLst/>
+              <a:defRPr/>
+            </a:pPr>
+            <a:r>
+              <a:rPr lang="de-DE" b="0" i="0" dirty="0">
+                <a:solidFill>
+                  <a:srgbClr val="DCDDDE"/>
+                </a:solidFill>
+                <a:effectLst/>
+                <a:latin typeface="Whitney"/>
+              </a:rPr>
+              <a:t>eine Möglichkeit das Spiel durchzuspielen fertig</a:t>
+            </a:r>
+          </a:p>
+          <a:p>
+            <a:pPr marL="0" marR="0" lvl="0" indent="0" algn="l" defTabSz="914400" rtl="0" eaLnBrk="1" fontAlgn="auto" latinLnBrk="0" hangingPunct="1">
+              <a:lnSpc>
+                <a:spcPct val="100000"/>
+              </a:lnSpc>
+              <a:spcBef>
+                <a:spcPts val="0"/>
+              </a:spcBef>
+              <a:spcAft>
+                <a:spcPts val="0"/>
+              </a:spcAft>
+              <a:buClrTx/>
+              <a:buSzTx/>
+              <a:buFontTx/>
+              <a:buNone/>
+              <a:tabLst/>
+              <a:defRPr/>
+            </a:pPr>
+            <a:r>
+              <a:rPr lang="de-DE" b="1" i="0" dirty="0">
+                <a:solidFill>
+                  <a:srgbClr val="DCDDDE"/>
+                </a:solidFill>
+                <a:effectLst/>
+                <a:latin typeface="Whitney"/>
+              </a:rPr>
+              <a:t>Erweiterung</a:t>
+            </a:r>
+            <a:r>
+              <a:rPr lang="de-DE" b="0" i="0" dirty="0">
+                <a:solidFill>
+                  <a:srgbClr val="DCDDDE"/>
+                </a:solidFill>
+                <a:effectLst/>
+                <a:latin typeface="Whitney"/>
+              </a:rPr>
+              <a:t> </a:t>
+            </a:r>
+          </a:p>
+          <a:p>
+            <a:pPr marL="0" marR="0" lvl="0" indent="0" algn="l" defTabSz="914400" rtl="0" eaLnBrk="1" fontAlgn="auto" latinLnBrk="0" hangingPunct="1">
+              <a:lnSpc>
+                <a:spcPct val="100000"/>
+              </a:lnSpc>
+              <a:spcBef>
+                <a:spcPts val="0"/>
+              </a:spcBef>
+              <a:spcAft>
+                <a:spcPts val="0"/>
+              </a:spcAft>
+              <a:buClrTx/>
+              <a:buSzTx/>
+              <a:buFontTx/>
+              <a:buNone/>
+              <a:tabLst/>
+              <a:defRPr/>
+            </a:pPr>
+            <a:r>
+              <a:rPr lang="de-DE" b="0" i="0" dirty="0">
+                <a:solidFill>
+                  <a:srgbClr val="DCDDDE"/>
+                </a:solidFill>
+                <a:effectLst/>
+                <a:latin typeface="Whitney"/>
+              </a:rPr>
+              <a:t>Zeitreisemechanik -&gt; </a:t>
+            </a:r>
+            <a:r>
+              <a:rPr lang="de-DE" b="1" i="0" dirty="0">
+                <a:solidFill>
+                  <a:srgbClr val="DCDDDE"/>
+                </a:solidFill>
+                <a:effectLst/>
+                <a:latin typeface="Whitney"/>
+              </a:rPr>
+              <a:t>mehrere </a:t>
+            </a:r>
+            <a:r>
+              <a:rPr lang="de-DE" b="1" i="0" dirty="0" err="1">
+                <a:solidFill>
+                  <a:srgbClr val="DCDDDE"/>
+                </a:solidFill>
+                <a:effectLst/>
+                <a:latin typeface="Whitney"/>
+              </a:rPr>
+              <a:t>storys</a:t>
+            </a:r>
+            <a:r>
+              <a:rPr lang="de-DE" b="0" i="0" dirty="0">
+                <a:solidFill>
+                  <a:srgbClr val="DCDDDE"/>
+                </a:solidFill>
+                <a:effectLst/>
+                <a:latin typeface="Whitney"/>
+              </a:rPr>
+              <a:t> in der Welt </a:t>
+            </a:r>
+          </a:p>
+          <a:p>
+            <a:pPr marL="0" marR="0" lvl="0" indent="0" algn="l" defTabSz="914400" rtl="0" eaLnBrk="1" fontAlgn="auto" latinLnBrk="0" hangingPunct="1">
+              <a:lnSpc>
+                <a:spcPct val="100000"/>
+              </a:lnSpc>
+              <a:spcBef>
+                <a:spcPts val="0"/>
+              </a:spcBef>
+              <a:spcAft>
+                <a:spcPts val="0"/>
+              </a:spcAft>
+              <a:buClrTx/>
+              <a:buSzTx/>
+              <a:buFontTx/>
+              <a:buNone/>
+              <a:tabLst/>
+              <a:defRPr/>
+            </a:pPr>
+            <a:r>
+              <a:rPr lang="de-DE" b="0" i="0" dirty="0">
+                <a:solidFill>
+                  <a:srgbClr val="DCDDDE"/>
+                </a:solidFill>
+                <a:effectLst/>
+                <a:latin typeface="Whitney"/>
+              </a:rPr>
+              <a:t>mehrere durchspielen, </a:t>
+            </a:r>
+            <a:r>
+              <a:rPr lang="de-DE" b="1" i="0" dirty="0">
+                <a:solidFill>
+                  <a:srgbClr val="DCDDDE"/>
+                </a:solidFill>
+                <a:effectLst/>
+                <a:latin typeface="Whitney"/>
+              </a:rPr>
+              <a:t>kein zwang</a:t>
+            </a:r>
+            <a:r>
+              <a:rPr lang="de-DE" b="0" i="0" dirty="0">
+                <a:solidFill>
+                  <a:srgbClr val="DCDDDE"/>
+                </a:solidFill>
+                <a:effectLst/>
+                <a:latin typeface="Whitney"/>
+              </a:rPr>
+              <a:t>, keine feste Reihenfolge </a:t>
+            </a:r>
+          </a:p>
+          <a:p>
+            <a:pPr marL="0" marR="0" lvl="0" indent="0" algn="l" defTabSz="914400" rtl="0" eaLnBrk="1" fontAlgn="auto" latinLnBrk="0" hangingPunct="1">
+              <a:lnSpc>
+                <a:spcPct val="100000"/>
+              </a:lnSpc>
+              <a:spcBef>
+                <a:spcPts val="0"/>
+              </a:spcBef>
+              <a:spcAft>
+                <a:spcPts val="0"/>
+              </a:spcAft>
+              <a:buClrTx/>
+              <a:buSzTx/>
+              <a:buFontTx/>
+              <a:buNone/>
+              <a:tabLst/>
+              <a:defRPr/>
+            </a:pPr>
+            <a:endParaRPr lang="de-DE" b="0" i="0" dirty="0">
+              <a:solidFill>
+                <a:srgbClr val="DCDDDE"/>
+              </a:solidFill>
+              <a:effectLst/>
+              <a:latin typeface="Whitney"/>
+            </a:endParaRPr>
+          </a:p>
+          <a:p>
+            <a:pPr marL="0" marR="0" lvl="0" indent="0" algn="l" defTabSz="914400" rtl="0" eaLnBrk="1" fontAlgn="auto" latinLnBrk="0" hangingPunct="1">
+              <a:lnSpc>
+                <a:spcPct val="100000"/>
+              </a:lnSpc>
+              <a:spcBef>
+                <a:spcPts val="0"/>
+              </a:spcBef>
+              <a:spcAft>
+                <a:spcPts val="0"/>
+              </a:spcAft>
+              <a:buClrTx/>
+              <a:buSzTx/>
+              <a:buFontTx/>
+              <a:buNone/>
+              <a:tabLst/>
+              <a:defRPr/>
+            </a:pPr>
+            <a:r>
+              <a:rPr lang="de-DE" b="1" i="0" dirty="0" err="1">
+                <a:solidFill>
+                  <a:srgbClr val="DCDDDE"/>
+                </a:solidFill>
+                <a:effectLst/>
+                <a:latin typeface="Whitney"/>
+              </a:rPr>
+              <a:t>enviromen</a:t>
+            </a:r>
+            <a:r>
+              <a:rPr lang="de-DE" b="0" i="0" dirty="0">
+                <a:solidFill>
+                  <a:srgbClr val="DCDDDE"/>
+                </a:solidFill>
+                <a:effectLst/>
+                <a:latin typeface="Whitney"/>
+              </a:rPr>
+              <a:t> </a:t>
+            </a:r>
+            <a:r>
+              <a:rPr lang="de-DE" b="0" i="0" dirty="0" err="1">
+                <a:solidFill>
+                  <a:srgbClr val="DCDDDE"/>
+                </a:solidFill>
+                <a:effectLst/>
+                <a:latin typeface="Whitney"/>
+              </a:rPr>
+              <a:t>assets</a:t>
+            </a:r>
+            <a:r>
+              <a:rPr lang="de-DE" b="0" i="0" dirty="0">
+                <a:solidFill>
+                  <a:srgbClr val="DCDDDE"/>
+                </a:solidFill>
+                <a:effectLst/>
+                <a:latin typeface="Whitney"/>
+              </a:rPr>
+              <a:t> </a:t>
+            </a:r>
+          </a:p>
+          <a:p>
+            <a:pPr marL="0" marR="0" lvl="0" indent="0" algn="l" defTabSz="914400" rtl="0" eaLnBrk="1" fontAlgn="auto" latinLnBrk="0" hangingPunct="1">
+              <a:lnSpc>
+                <a:spcPct val="100000"/>
+              </a:lnSpc>
+              <a:spcBef>
+                <a:spcPts val="0"/>
+              </a:spcBef>
+              <a:spcAft>
+                <a:spcPts val="0"/>
+              </a:spcAft>
+              <a:buClrTx/>
+              <a:buSzTx/>
+              <a:buFontTx/>
+              <a:buNone/>
+              <a:tabLst/>
+              <a:defRPr/>
+            </a:pPr>
+            <a:r>
+              <a:rPr lang="de-DE" b="0" i="0" dirty="0">
+                <a:solidFill>
+                  <a:srgbClr val="DCDDDE"/>
+                </a:solidFill>
+                <a:effectLst/>
+                <a:latin typeface="Whitney"/>
+              </a:rPr>
+              <a:t>Baum, Gras, Raumschiff </a:t>
+            </a:r>
+          </a:p>
+          <a:p>
+            <a:pPr marL="0" marR="0" lvl="0" indent="0" algn="l" defTabSz="914400" rtl="0" eaLnBrk="1" fontAlgn="auto" latinLnBrk="0" hangingPunct="1">
+              <a:lnSpc>
+                <a:spcPct val="100000"/>
+              </a:lnSpc>
+              <a:spcBef>
+                <a:spcPts val="0"/>
+              </a:spcBef>
+              <a:spcAft>
+                <a:spcPts val="0"/>
+              </a:spcAft>
+              <a:buClrTx/>
+              <a:buSzTx/>
+              <a:buFontTx/>
+              <a:buNone/>
+              <a:tabLst/>
+              <a:defRPr/>
+            </a:pPr>
+            <a:endParaRPr lang="de-DE" b="0" i="0" dirty="0">
+              <a:solidFill>
+                <a:srgbClr val="DCDDDE"/>
+              </a:solidFill>
+              <a:effectLst/>
+              <a:latin typeface="Whitney"/>
+            </a:endParaRPr>
+          </a:p>
+          <a:p>
+            <a:pPr marL="0" marR="0" lvl="0" indent="0" algn="l" defTabSz="914400" rtl="0" eaLnBrk="1" fontAlgn="auto" latinLnBrk="0" hangingPunct="1">
+              <a:lnSpc>
+                <a:spcPct val="100000"/>
+              </a:lnSpc>
+              <a:spcBef>
+                <a:spcPts val="0"/>
+              </a:spcBef>
+              <a:spcAft>
+                <a:spcPts val="0"/>
+              </a:spcAft>
+              <a:buClrTx/>
+              <a:buSzTx/>
+              <a:buFontTx/>
+              <a:buNone/>
+              <a:tabLst/>
+              <a:defRPr/>
+            </a:pPr>
+            <a:r>
+              <a:rPr lang="de-DE" b="0" i="0" dirty="0" err="1">
+                <a:solidFill>
+                  <a:srgbClr val="DCDDDE"/>
+                </a:solidFill>
+                <a:effectLst/>
+                <a:latin typeface="Whitney"/>
+              </a:rPr>
+              <a:t>player</a:t>
+            </a:r>
+            <a:r>
+              <a:rPr lang="de-DE" b="0" i="0" dirty="0">
+                <a:solidFill>
+                  <a:srgbClr val="DCDDDE"/>
+                </a:solidFill>
+                <a:effectLst/>
+                <a:latin typeface="Whitney"/>
+              </a:rPr>
+              <a:t> </a:t>
+            </a:r>
+            <a:r>
+              <a:rPr lang="de-DE" b="0" i="0" dirty="0" err="1">
+                <a:solidFill>
+                  <a:srgbClr val="DCDDDE"/>
+                </a:solidFill>
+                <a:effectLst/>
+                <a:latin typeface="Whitney"/>
+              </a:rPr>
+              <a:t>animation</a:t>
+            </a:r>
+            <a:r>
+              <a:rPr lang="de-DE" b="0" i="0" dirty="0">
+                <a:solidFill>
+                  <a:srgbClr val="DCDDDE"/>
+                </a:solidFill>
+                <a:effectLst/>
+                <a:latin typeface="Whitney"/>
+              </a:rPr>
+              <a:t> </a:t>
+            </a:r>
+            <a:r>
+              <a:rPr lang="de-DE" b="0" i="0" dirty="0" err="1">
+                <a:solidFill>
+                  <a:srgbClr val="DCDDDE"/>
+                </a:solidFill>
+                <a:effectLst/>
+                <a:latin typeface="Whitney"/>
+              </a:rPr>
+              <a:t>prototyp</a:t>
+            </a:r>
+            <a:r>
+              <a:rPr lang="de-DE" b="0" i="0" dirty="0">
+                <a:solidFill>
+                  <a:srgbClr val="DCDDDE"/>
+                </a:solidFill>
+                <a:effectLst/>
+                <a:latin typeface="Whitney"/>
+              </a:rPr>
+              <a:t> erstellt </a:t>
+            </a:r>
+          </a:p>
+          <a:p>
+            <a:pPr marL="0" marR="0" lvl="0" indent="0" algn="l" defTabSz="914400" rtl="0" eaLnBrk="1" fontAlgn="auto" latinLnBrk="0" hangingPunct="1">
+              <a:lnSpc>
+                <a:spcPct val="100000"/>
+              </a:lnSpc>
+              <a:spcBef>
+                <a:spcPts val="0"/>
+              </a:spcBef>
+              <a:spcAft>
+                <a:spcPts val="0"/>
+              </a:spcAft>
+              <a:buClrTx/>
+              <a:buSzTx/>
+              <a:buFontTx/>
+              <a:buNone/>
+              <a:tabLst/>
+              <a:defRPr/>
+            </a:pPr>
+            <a:r>
+              <a:rPr lang="de-DE" b="0" i="0" dirty="0">
+                <a:solidFill>
+                  <a:srgbClr val="DCDDDE"/>
+                </a:solidFill>
+                <a:effectLst/>
+                <a:latin typeface="Whitney"/>
+              </a:rPr>
+              <a:t>dabei </a:t>
+            </a:r>
+            <a:r>
+              <a:rPr lang="de-DE" b="1" i="0" dirty="0">
+                <a:solidFill>
+                  <a:srgbClr val="DCDDDE"/>
+                </a:solidFill>
+                <a:effectLst/>
+                <a:latin typeface="Whitney"/>
+              </a:rPr>
+              <a:t>grundlegende</a:t>
+            </a:r>
+            <a:r>
+              <a:rPr lang="de-DE" b="0" i="0" dirty="0">
+                <a:solidFill>
+                  <a:srgbClr val="DCDDDE"/>
+                </a:solidFill>
+                <a:effectLst/>
+                <a:latin typeface="Whitney"/>
+              </a:rPr>
+              <a:t> </a:t>
+            </a:r>
+            <a:r>
+              <a:rPr lang="de-DE" b="0" i="0" dirty="0" err="1">
+                <a:solidFill>
+                  <a:srgbClr val="DCDDDE"/>
+                </a:solidFill>
+                <a:effectLst/>
+                <a:latin typeface="Whitney"/>
+              </a:rPr>
+              <a:t>walking,standing</a:t>
+            </a:r>
+            <a:r>
+              <a:rPr lang="de-DE" b="0" i="0" dirty="0">
+                <a:solidFill>
+                  <a:srgbClr val="DCDDDE"/>
+                </a:solidFill>
+                <a:effectLst/>
+                <a:latin typeface="Whitney"/>
+              </a:rPr>
+              <a:t>, </a:t>
+            </a:r>
+            <a:r>
+              <a:rPr lang="de-DE" b="0" i="0" dirty="0" err="1">
+                <a:solidFill>
+                  <a:srgbClr val="DCDDDE"/>
+                </a:solidFill>
+                <a:effectLst/>
+                <a:latin typeface="Whitney"/>
+              </a:rPr>
+              <a:t>shooting</a:t>
+            </a:r>
+            <a:r>
+              <a:rPr lang="de-DE" b="0" i="0" dirty="0">
+                <a:solidFill>
+                  <a:srgbClr val="DCDDDE"/>
+                </a:solidFill>
+                <a:effectLst/>
+                <a:latin typeface="Whitney"/>
+              </a:rPr>
+              <a:t> </a:t>
+            </a:r>
+          </a:p>
+          <a:p>
+            <a:pPr marL="0" marR="0" lvl="0" indent="0" algn="l" defTabSz="914400" rtl="0" eaLnBrk="1" fontAlgn="auto" latinLnBrk="0" hangingPunct="1">
+              <a:lnSpc>
+                <a:spcPct val="100000"/>
+              </a:lnSpc>
+              <a:spcBef>
+                <a:spcPts val="0"/>
+              </a:spcBef>
+              <a:spcAft>
+                <a:spcPts val="0"/>
+              </a:spcAft>
+              <a:buClrTx/>
+              <a:buSzTx/>
+              <a:buFontTx/>
+              <a:buNone/>
+              <a:tabLst/>
+              <a:defRPr/>
+            </a:pPr>
+            <a:r>
+              <a:rPr lang="de-DE" b="1" i="0" dirty="0">
+                <a:solidFill>
+                  <a:srgbClr val="DCDDDE"/>
+                </a:solidFill>
+                <a:effectLst/>
+                <a:latin typeface="Whitney"/>
+              </a:rPr>
+              <a:t>zukünftig erleichtert</a:t>
+            </a:r>
+            <a:r>
+              <a:rPr lang="de-DE" b="0" i="0" dirty="0">
+                <a:solidFill>
+                  <a:srgbClr val="DCDDDE"/>
+                </a:solidFill>
+                <a:effectLst/>
+                <a:latin typeface="Whitney"/>
+              </a:rPr>
+              <a:t> </a:t>
+            </a:r>
+            <a:r>
+              <a:rPr lang="de-DE" b="0" i="0" dirty="0" err="1">
+                <a:solidFill>
+                  <a:srgbClr val="DCDDDE"/>
+                </a:solidFill>
+                <a:effectLst/>
+                <a:latin typeface="Whitney"/>
+              </a:rPr>
+              <a:t>spritesheet</a:t>
+            </a:r>
+            <a:r>
+              <a:rPr lang="de-DE" b="0" i="0" dirty="0">
+                <a:solidFill>
+                  <a:srgbClr val="DCDDDE"/>
+                </a:solidFill>
+                <a:effectLst/>
+                <a:latin typeface="Whitney"/>
+              </a:rPr>
+              <a:t> &amp; </a:t>
+            </a:r>
+            <a:r>
+              <a:rPr lang="de-DE" b="0" i="0" dirty="0" err="1">
+                <a:solidFill>
+                  <a:srgbClr val="DCDDDE"/>
+                </a:solidFill>
+                <a:effectLst/>
+                <a:latin typeface="Whitney"/>
+              </a:rPr>
+              <a:t>animation</a:t>
+            </a:r>
+            <a:r>
+              <a:rPr lang="de-DE" b="0" i="0" dirty="0">
+                <a:solidFill>
+                  <a:srgbClr val="DCDDDE"/>
+                </a:solidFill>
+                <a:effectLst/>
+                <a:latin typeface="Whitney"/>
+              </a:rPr>
+              <a:t> anderer Charaktere</a:t>
+            </a:r>
           </a:p>
         </p:txBody>
       </p:sp>
@@ -8353,6 +7676,1141 @@
           <a:p>
             <a:fld id="{6BAD1AF2-A6B3-4B84-B5D2-6F16B2D7100D}" type="slidenum">
               <a:rPr lang="de-DE" smtClean="0"/>
+              <a:t>13</a:t>
+            </a:fld>
+            <a:endParaRPr lang="de-DE"/>
+          </a:p>
+        </p:txBody>
+      </p:sp>
+    </p:spTree>
+    <p:extLst>
+      <p:ext uri="{BB962C8B-B14F-4D97-AF65-F5344CB8AC3E}">
+        <p14:creationId xmlns:p14="http://schemas.microsoft.com/office/powerpoint/2010/main" val="2897571422"/>
+      </p:ext>
+    </p:extLst>
+  </p:cSld>
+  <p:clrMapOvr>
+    <a:masterClrMapping/>
+  </p:clrMapOvr>
+</p:notes>
+</file>
+
+<file path=ppt/notesSlides/notesSlide7.xml><?xml version="1.0" encoding="utf-8"?>
+<p:notes xmlns:a="http://schemas.openxmlformats.org/drawingml/2006/main" xmlns:r="http://schemas.openxmlformats.org/officeDocument/2006/relationships" xmlns:p="http://schemas.openxmlformats.org/presentationml/2006/main">
+  <p:cSld>
+    <p:spTree>
+      <p:nvGrpSpPr>
+        <p:cNvPr id="1" name=""/>
+        <p:cNvGrpSpPr/>
+        <p:nvPr/>
+      </p:nvGrpSpPr>
+      <p:grpSpPr>
+        <a:xfrm>
+          <a:off x="0" y="0"/>
+          <a:ext cx="0" cy="0"/>
+          <a:chOff x="0" y="0"/>
+          <a:chExt cx="0" cy="0"/>
+        </a:xfrm>
+      </p:grpSpPr>
+      <p:sp>
+        <p:nvSpPr>
+          <p:cNvPr id="2" name="Slide Image Placeholder 1"/>
+          <p:cNvSpPr>
+            <a:spLocks noGrp="1" noRot="1" noChangeAspect="1"/>
+          </p:cNvSpPr>
+          <p:nvPr>
+            <p:ph type="sldImg"/>
+          </p:nvPr>
+        </p:nvSpPr>
+        <p:spPr/>
+      </p:sp>
+      <p:sp>
+        <p:nvSpPr>
+          <p:cNvPr id="3" name="Notes Placeholder 2"/>
+          <p:cNvSpPr>
+            <a:spLocks noGrp="1"/>
+          </p:cNvSpPr>
+          <p:nvPr>
+            <p:ph type="body" idx="1"/>
+          </p:nvPr>
+        </p:nvSpPr>
+        <p:spPr/>
+        <p:txBody>
+          <a:bodyPr/>
+          <a:lstStyle/>
+          <a:p>
+            <a:pPr marL="0" marR="0" lvl="0" indent="0" algn="l" defTabSz="914400" rtl="0" eaLnBrk="1" fontAlgn="auto" latinLnBrk="0" hangingPunct="1">
+              <a:lnSpc>
+                <a:spcPct val="100000"/>
+              </a:lnSpc>
+              <a:spcBef>
+                <a:spcPts val="0"/>
+              </a:spcBef>
+              <a:spcAft>
+                <a:spcPts val="0"/>
+              </a:spcAft>
+              <a:buClrTx/>
+              <a:buSzTx/>
+              <a:buFontTx/>
+              <a:buNone/>
+              <a:tabLst/>
+              <a:defRPr/>
+            </a:pPr>
+            <a:r>
+              <a:rPr lang="de-DE" b="0" i="0" dirty="0">
+                <a:solidFill>
+                  <a:srgbClr val="DCDDDE"/>
+                </a:solidFill>
+                <a:effectLst/>
+                <a:latin typeface="Whitney"/>
+              </a:rPr>
+              <a:t>nach </a:t>
+            </a:r>
+            <a:r>
+              <a:rPr lang="de-DE" b="1" i="0" dirty="0">
+                <a:solidFill>
+                  <a:srgbClr val="DCDDDE"/>
+                </a:solidFill>
+                <a:effectLst/>
+                <a:latin typeface="Whitney"/>
+              </a:rPr>
+              <a:t>rumprobieren</a:t>
+            </a:r>
+            <a:r>
+              <a:rPr lang="de-DE" b="0" i="0" dirty="0">
+                <a:solidFill>
+                  <a:srgbClr val="DCDDDE"/>
+                </a:solidFill>
+                <a:effectLst/>
+                <a:latin typeface="Whitney"/>
+              </a:rPr>
+              <a:t>, </a:t>
+            </a:r>
+            <a:r>
+              <a:rPr lang="de-DE" b="0" i="0" dirty="0" err="1">
+                <a:solidFill>
+                  <a:srgbClr val="DCDDDE"/>
+                </a:solidFill>
+                <a:effectLst/>
+                <a:latin typeface="Whitney"/>
+              </a:rPr>
+              <a:t>spritesheet</a:t>
+            </a:r>
+            <a:r>
+              <a:rPr lang="de-DE" b="0" i="0" dirty="0">
+                <a:solidFill>
+                  <a:srgbClr val="DCDDDE"/>
+                </a:solidFill>
+                <a:effectLst/>
+                <a:latin typeface="Whitney"/>
+              </a:rPr>
+              <a:t> </a:t>
+            </a:r>
+            <a:r>
+              <a:rPr lang="de-DE" b="0" i="0" dirty="0" err="1">
+                <a:solidFill>
+                  <a:srgbClr val="DCDDDE"/>
+                </a:solidFill>
+                <a:effectLst/>
+                <a:latin typeface="Whitney"/>
+              </a:rPr>
+              <a:t>entscheidung</a:t>
+            </a:r>
+            <a:r>
+              <a:rPr lang="de-DE" b="0" i="0" dirty="0">
+                <a:solidFill>
+                  <a:srgbClr val="DCDDDE"/>
+                </a:solidFill>
+                <a:effectLst/>
+                <a:latin typeface="Whitney"/>
+              </a:rPr>
+              <a:t> </a:t>
+            </a:r>
+          </a:p>
+          <a:p>
+            <a:pPr marL="0" marR="0" lvl="0" indent="0" algn="l" defTabSz="914400" rtl="0" eaLnBrk="1" fontAlgn="auto" latinLnBrk="0" hangingPunct="1">
+              <a:lnSpc>
+                <a:spcPct val="100000"/>
+              </a:lnSpc>
+              <a:spcBef>
+                <a:spcPts val="0"/>
+              </a:spcBef>
+              <a:spcAft>
+                <a:spcPts val="0"/>
+              </a:spcAft>
+              <a:buClrTx/>
+              <a:buSzTx/>
+              <a:buFontTx/>
+              <a:buNone/>
+              <a:tabLst/>
+              <a:defRPr/>
+            </a:pPr>
+            <a:r>
+              <a:rPr lang="de-DE" b="0" i="0" dirty="0">
+                <a:solidFill>
+                  <a:srgbClr val="DCDDDE"/>
+                </a:solidFill>
+                <a:effectLst/>
+                <a:latin typeface="Whitney"/>
+              </a:rPr>
+              <a:t>Ausschnitt von </a:t>
+            </a:r>
+            <a:r>
+              <a:rPr lang="de-DE" b="0" i="0" dirty="0" err="1">
+                <a:solidFill>
+                  <a:srgbClr val="DCDDDE"/>
+                </a:solidFill>
+                <a:effectLst/>
+                <a:latin typeface="Whitney"/>
+              </a:rPr>
+              <a:t>player</a:t>
+            </a:r>
+            <a:r>
+              <a:rPr lang="de-DE" b="0" i="0" dirty="0">
+                <a:solidFill>
+                  <a:srgbClr val="DCDDDE"/>
+                </a:solidFill>
+                <a:effectLst/>
+                <a:latin typeface="Whitney"/>
+              </a:rPr>
+              <a:t> </a:t>
+            </a:r>
+          </a:p>
+          <a:p>
+            <a:pPr marL="0" marR="0" lvl="0" indent="0" algn="l" defTabSz="914400" rtl="0" eaLnBrk="1" fontAlgn="auto" latinLnBrk="0" hangingPunct="1">
+              <a:lnSpc>
+                <a:spcPct val="100000"/>
+              </a:lnSpc>
+              <a:spcBef>
+                <a:spcPts val="0"/>
+              </a:spcBef>
+              <a:spcAft>
+                <a:spcPts val="0"/>
+              </a:spcAft>
+              <a:buClrTx/>
+              <a:buSzTx/>
+              <a:buFontTx/>
+              <a:buNone/>
+              <a:tabLst/>
+              <a:defRPr/>
+            </a:pPr>
+            <a:r>
+              <a:rPr lang="de-DE" b="0" i="0" dirty="0">
+                <a:solidFill>
+                  <a:srgbClr val="DCDDDE"/>
+                </a:solidFill>
+                <a:effectLst/>
+                <a:latin typeface="Whitney"/>
+              </a:rPr>
+              <a:t>in </a:t>
+            </a:r>
+            <a:r>
+              <a:rPr lang="de-DE" b="1" i="0" dirty="0">
+                <a:solidFill>
+                  <a:srgbClr val="DCDDDE"/>
+                </a:solidFill>
+                <a:effectLst/>
+                <a:latin typeface="Whitney"/>
+              </a:rPr>
+              <a:t>9 Körperteile</a:t>
+            </a:r>
+            <a:r>
+              <a:rPr lang="de-DE" b="0" i="0" dirty="0">
+                <a:solidFill>
+                  <a:srgbClr val="DCDDDE"/>
+                </a:solidFill>
+                <a:effectLst/>
+                <a:latin typeface="Whitney"/>
+              </a:rPr>
+              <a:t> geteilt </a:t>
+            </a:r>
+          </a:p>
+          <a:p>
+            <a:pPr marL="0" marR="0" lvl="0" indent="0" algn="l" defTabSz="914400" rtl="0" eaLnBrk="1" fontAlgn="auto" latinLnBrk="0" hangingPunct="1">
+              <a:lnSpc>
+                <a:spcPct val="100000"/>
+              </a:lnSpc>
+              <a:spcBef>
+                <a:spcPts val="0"/>
+              </a:spcBef>
+              <a:spcAft>
+                <a:spcPts val="0"/>
+              </a:spcAft>
+              <a:buClrTx/>
+              <a:buSzTx/>
+              <a:buFontTx/>
+              <a:buNone/>
+              <a:tabLst/>
+              <a:defRPr/>
+            </a:pPr>
+            <a:r>
+              <a:rPr lang="de-DE" b="0" i="0" dirty="0">
+                <a:solidFill>
+                  <a:srgbClr val="DCDDDE"/>
+                </a:solidFill>
+                <a:effectLst/>
+                <a:latin typeface="Whitney"/>
+              </a:rPr>
+              <a:t>3x Arme + </a:t>
+            </a:r>
+            <a:r>
+              <a:rPr lang="de-DE" b="0" i="0" dirty="0" err="1">
+                <a:solidFill>
+                  <a:srgbClr val="DCDDDE"/>
+                </a:solidFill>
+                <a:effectLst/>
+                <a:latin typeface="Whitney"/>
+              </a:rPr>
+              <a:t>gun</a:t>
+            </a:r>
+            <a:r>
+              <a:rPr lang="de-DE" b="0" i="0" dirty="0">
+                <a:solidFill>
+                  <a:srgbClr val="DCDDDE"/>
+                </a:solidFill>
+                <a:effectLst/>
+                <a:latin typeface="Whitney"/>
+              </a:rPr>
+              <a:t> </a:t>
+            </a:r>
+          </a:p>
+          <a:p>
+            <a:pPr marL="0" marR="0" lvl="0" indent="0" algn="l" defTabSz="914400" rtl="0" eaLnBrk="1" fontAlgn="auto" latinLnBrk="0" hangingPunct="1">
+              <a:lnSpc>
+                <a:spcPct val="100000"/>
+              </a:lnSpc>
+              <a:spcBef>
+                <a:spcPts val="0"/>
+              </a:spcBef>
+              <a:spcAft>
+                <a:spcPts val="0"/>
+              </a:spcAft>
+              <a:buClrTx/>
+              <a:buSzTx/>
+              <a:buFontTx/>
+              <a:buNone/>
+              <a:tabLst/>
+              <a:defRPr/>
+            </a:pPr>
+            <a:r>
+              <a:rPr lang="de-DE" b="0" i="0" dirty="0">
+                <a:solidFill>
+                  <a:srgbClr val="DCDDDE"/>
+                </a:solidFill>
+                <a:effectLst/>
+                <a:latin typeface="Whitney"/>
+              </a:rPr>
+              <a:t>3x Beine </a:t>
+            </a:r>
+          </a:p>
+          <a:p>
+            <a:pPr marL="0" marR="0" lvl="0" indent="0" algn="l" defTabSz="914400" rtl="0" eaLnBrk="1" fontAlgn="auto" latinLnBrk="0" hangingPunct="1">
+              <a:lnSpc>
+                <a:spcPct val="100000"/>
+              </a:lnSpc>
+              <a:spcBef>
+                <a:spcPts val="0"/>
+              </a:spcBef>
+              <a:spcAft>
+                <a:spcPts val="0"/>
+              </a:spcAft>
+              <a:buClrTx/>
+              <a:buSzTx/>
+              <a:buFontTx/>
+              <a:buNone/>
+              <a:tabLst/>
+              <a:defRPr/>
+            </a:pPr>
+            <a:r>
+              <a:rPr lang="de-DE" b="0" i="0" dirty="0">
+                <a:solidFill>
+                  <a:srgbClr val="DCDDDE"/>
+                </a:solidFill>
+                <a:effectLst/>
+                <a:latin typeface="Whitney"/>
+              </a:rPr>
+              <a:t>-&gt; Animation </a:t>
+            </a:r>
+          </a:p>
+          <a:p>
+            <a:pPr marL="0" marR="0" lvl="0" indent="0" algn="l" defTabSz="914400" rtl="0" eaLnBrk="1" fontAlgn="auto" latinLnBrk="0" hangingPunct="1">
+              <a:lnSpc>
+                <a:spcPct val="100000"/>
+              </a:lnSpc>
+              <a:spcBef>
+                <a:spcPts val="0"/>
+              </a:spcBef>
+              <a:spcAft>
+                <a:spcPts val="0"/>
+              </a:spcAft>
+              <a:buClrTx/>
+              <a:buSzTx/>
+              <a:buFontTx/>
+              <a:buNone/>
+              <a:tabLst/>
+              <a:defRPr/>
+            </a:pPr>
+            <a:r>
+              <a:rPr lang="de-DE" b="0" i="0" dirty="0">
+                <a:solidFill>
+                  <a:srgbClr val="DCDDDE"/>
+                </a:solidFill>
+                <a:effectLst/>
+                <a:latin typeface="Whitney"/>
+              </a:rPr>
+              <a:t>jedes </a:t>
+            </a:r>
+            <a:r>
+              <a:rPr lang="de-DE" b="1" i="0" dirty="0">
+                <a:solidFill>
+                  <a:srgbClr val="DCDDDE"/>
+                </a:solidFill>
+                <a:effectLst/>
+                <a:latin typeface="Whitney"/>
+              </a:rPr>
+              <a:t>Körperteil 5 mal</a:t>
+            </a:r>
+            <a:r>
+              <a:rPr lang="de-DE" b="0" i="0" dirty="0">
+                <a:solidFill>
+                  <a:srgbClr val="DCDDDE"/>
+                </a:solidFill>
+                <a:effectLst/>
+                <a:latin typeface="Whitney"/>
+              </a:rPr>
+              <a:t> </a:t>
+            </a:r>
+          </a:p>
+          <a:p>
+            <a:pPr marL="0" marR="0" lvl="0" indent="0" algn="l" defTabSz="914400" rtl="0" eaLnBrk="1" fontAlgn="auto" latinLnBrk="0" hangingPunct="1">
+              <a:lnSpc>
+                <a:spcPct val="100000"/>
+              </a:lnSpc>
+              <a:spcBef>
+                <a:spcPts val="0"/>
+              </a:spcBef>
+              <a:spcAft>
+                <a:spcPts val="0"/>
+              </a:spcAft>
+              <a:buClrTx/>
+              <a:buSzTx/>
+              <a:buFontTx/>
+              <a:buNone/>
+              <a:tabLst/>
+              <a:defRPr/>
+            </a:pPr>
+            <a:r>
+              <a:rPr lang="de-DE" b="0" i="0" dirty="0">
+                <a:solidFill>
+                  <a:srgbClr val="DCDDDE"/>
+                </a:solidFill>
+                <a:effectLst/>
+                <a:latin typeface="Whitney"/>
+              </a:rPr>
+              <a:t>-&gt; Bewegung in </a:t>
+            </a:r>
+            <a:r>
+              <a:rPr lang="de-DE" b="1" i="0" dirty="0">
+                <a:solidFill>
+                  <a:srgbClr val="DCDDDE"/>
+                </a:solidFill>
+                <a:effectLst/>
+                <a:latin typeface="Whitney"/>
+              </a:rPr>
+              <a:t>8 </a:t>
+            </a:r>
+            <a:r>
+              <a:rPr lang="de-DE" b="1" i="0" dirty="0" err="1">
+                <a:solidFill>
+                  <a:srgbClr val="DCDDDE"/>
+                </a:solidFill>
+                <a:effectLst/>
+                <a:latin typeface="Whitney"/>
+              </a:rPr>
+              <a:t>richtungen</a:t>
+            </a:r>
+            <a:r>
+              <a:rPr lang="de-DE" b="0" i="0" dirty="0">
+                <a:solidFill>
+                  <a:srgbClr val="DCDDDE"/>
+                </a:solidFill>
+                <a:effectLst/>
+                <a:latin typeface="Whitney"/>
+              </a:rPr>
+              <a:t> </a:t>
+            </a:r>
+          </a:p>
+          <a:p>
+            <a:pPr marL="0" marR="0" lvl="0" indent="0" algn="l" defTabSz="914400" rtl="0" eaLnBrk="1" fontAlgn="auto" latinLnBrk="0" hangingPunct="1">
+              <a:lnSpc>
+                <a:spcPct val="100000"/>
+              </a:lnSpc>
+              <a:spcBef>
+                <a:spcPts val="0"/>
+              </a:spcBef>
+              <a:spcAft>
+                <a:spcPts val="0"/>
+              </a:spcAft>
+              <a:buClrTx/>
+              <a:buSzTx/>
+              <a:buFontTx/>
+              <a:buNone/>
+              <a:tabLst/>
+              <a:defRPr/>
+            </a:pPr>
+            <a:endParaRPr lang="de-DE" b="0" i="0" dirty="0">
+              <a:solidFill>
+                <a:srgbClr val="DCDDDE"/>
+              </a:solidFill>
+              <a:effectLst/>
+              <a:latin typeface="Whitney"/>
+            </a:endParaRPr>
+          </a:p>
+          <a:p>
+            <a:pPr marL="0" marR="0" lvl="0" indent="0" algn="l" defTabSz="914400" rtl="0" eaLnBrk="1" fontAlgn="auto" latinLnBrk="0" hangingPunct="1">
+              <a:lnSpc>
+                <a:spcPct val="100000"/>
+              </a:lnSpc>
+              <a:spcBef>
+                <a:spcPts val="0"/>
+              </a:spcBef>
+              <a:spcAft>
+                <a:spcPts val="0"/>
+              </a:spcAft>
+              <a:buClrTx/>
+              <a:buSzTx/>
+              <a:buFontTx/>
+              <a:buNone/>
+              <a:tabLst/>
+              <a:defRPr/>
+            </a:pPr>
+            <a:r>
+              <a:rPr lang="de-DE" b="1" i="0" dirty="0">
+                <a:solidFill>
+                  <a:srgbClr val="DCDDDE"/>
+                </a:solidFill>
+                <a:effectLst/>
+                <a:latin typeface="Whitney"/>
+              </a:rPr>
+              <a:t>Design</a:t>
+            </a:r>
+            <a:r>
+              <a:rPr lang="de-DE" b="0" i="0" dirty="0">
+                <a:solidFill>
+                  <a:srgbClr val="DCDDDE"/>
+                </a:solidFill>
+                <a:effectLst/>
+                <a:latin typeface="Whitney"/>
+              </a:rPr>
+              <a:t> nicht mehr </a:t>
+            </a:r>
+            <a:r>
+              <a:rPr lang="de-DE" b="1" i="0" dirty="0">
+                <a:solidFill>
+                  <a:srgbClr val="DCDDDE"/>
+                </a:solidFill>
+                <a:effectLst/>
+                <a:latin typeface="Whitney"/>
+              </a:rPr>
+              <a:t>übereinander </a:t>
+            </a:r>
+          </a:p>
+          <a:p>
+            <a:pPr marL="0" marR="0" lvl="0" indent="0" algn="l" defTabSz="914400" rtl="0" eaLnBrk="1" fontAlgn="auto" latinLnBrk="0" hangingPunct="1">
+              <a:lnSpc>
+                <a:spcPct val="100000"/>
+              </a:lnSpc>
+              <a:spcBef>
+                <a:spcPts val="0"/>
+              </a:spcBef>
+              <a:spcAft>
+                <a:spcPts val="0"/>
+              </a:spcAft>
+              <a:buClrTx/>
+              <a:buSzTx/>
+              <a:buFontTx/>
+              <a:buNone/>
+              <a:tabLst/>
+              <a:defRPr/>
+            </a:pPr>
+            <a:r>
+              <a:rPr lang="de-DE" b="0" i="0" dirty="0">
+                <a:solidFill>
+                  <a:srgbClr val="DCDDDE"/>
+                </a:solidFill>
+                <a:effectLst/>
+                <a:latin typeface="Whitney"/>
+              </a:rPr>
+              <a:t>Lösung: </a:t>
+            </a:r>
+          </a:p>
+          <a:p>
+            <a:pPr marL="0" marR="0" lvl="0" indent="0" algn="l" defTabSz="914400" rtl="0" eaLnBrk="1" fontAlgn="auto" latinLnBrk="0" hangingPunct="1">
+              <a:lnSpc>
+                <a:spcPct val="100000"/>
+              </a:lnSpc>
+              <a:spcBef>
+                <a:spcPts val="0"/>
+              </a:spcBef>
+              <a:spcAft>
+                <a:spcPts val="0"/>
+              </a:spcAft>
+              <a:buClrTx/>
+              <a:buSzTx/>
+              <a:buFontTx/>
+              <a:buNone/>
+              <a:tabLst/>
+              <a:defRPr/>
+            </a:pPr>
+            <a:r>
+              <a:rPr lang="de-DE" b="0" i="0" dirty="0">
+                <a:solidFill>
+                  <a:srgbClr val="DCDDDE"/>
+                </a:solidFill>
+                <a:effectLst/>
+                <a:latin typeface="Whitney"/>
+              </a:rPr>
+              <a:t>in </a:t>
+            </a:r>
+            <a:r>
+              <a:rPr lang="de-DE" b="0" i="0" dirty="0" err="1">
+                <a:solidFill>
+                  <a:srgbClr val="DCDDDE"/>
+                </a:solidFill>
+                <a:effectLst/>
+                <a:latin typeface="Whitney"/>
+              </a:rPr>
+              <a:t>Krita</a:t>
+            </a:r>
+            <a:r>
+              <a:rPr lang="de-DE" b="0" i="0" dirty="0">
+                <a:solidFill>
+                  <a:srgbClr val="DCDDDE"/>
+                </a:solidFill>
+                <a:effectLst/>
+                <a:latin typeface="Whitney"/>
+              </a:rPr>
+              <a:t> </a:t>
+            </a:r>
+          </a:p>
+          <a:p>
+            <a:pPr marL="0" marR="0" lvl="0" indent="0" algn="l" defTabSz="914400" rtl="0" eaLnBrk="1" fontAlgn="auto" latinLnBrk="0" hangingPunct="1">
+              <a:lnSpc>
+                <a:spcPct val="100000"/>
+              </a:lnSpc>
+              <a:spcBef>
+                <a:spcPts val="0"/>
+              </a:spcBef>
+              <a:spcAft>
+                <a:spcPts val="0"/>
+              </a:spcAft>
+              <a:buClrTx/>
+              <a:buSzTx/>
+              <a:buFontTx/>
+              <a:buNone/>
+              <a:tabLst/>
+              <a:defRPr/>
+            </a:pPr>
+            <a:r>
+              <a:rPr lang="de-DE" b="0" i="0" dirty="0">
+                <a:solidFill>
+                  <a:srgbClr val="DCDDDE"/>
+                </a:solidFill>
+                <a:effectLst/>
+                <a:latin typeface="Whitney"/>
+              </a:rPr>
+              <a:t>Körperteil einen </a:t>
+            </a:r>
+            <a:r>
+              <a:rPr lang="de-DE" b="1" i="0" dirty="0" err="1">
+                <a:solidFill>
+                  <a:srgbClr val="DCDDDE"/>
+                </a:solidFill>
+                <a:effectLst/>
+                <a:latin typeface="Whitney"/>
+              </a:rPr>
+              <a:t>group</a:t>
+            </a:r>
+            <a:r>
+              <a:rPr lang="de-DE" b="1" i="0" dirty="0">
+                <a:solidFill>
+                  <a:srgbClr val="DCDDDE"/>
+                </a:solidFill>
+                <a:effectLst/>
+                <a:latin typeface="Whitney"/>
+              </a:rPr>
+              <a:t> </a:t>
+            </a:r>
+            <a:r>
+              <a:rPr lang="de-DE" b="1" i="0" dirty="0" err="1">
+                <a:solidFill>
+                  <a:srgbClr val="DCDDDE"/>
+                </a:solidFill>
+                <a:effectLst/>
+                <a:latin typeface="Whitney"/>
+              </a:rPr>
+              <a:t>layer</a:t>
+            </a:r>
+            <a:r>
+              <a:rPr lang="de-DE" b="0" i="0" dirty="0">
+                <a:solidFill>
+                  <a:srgbClr val="DCDDDE"/>
+                </a:solidFill>
+                <a:effectLst/>
+                <a:latin typeface="Whitney"/>
+              </a:rPr>
+              <a:t> </a:t>
+            </a:r>
+          </a:p>
+          <a:p>
+            <a:pPr marL="0" marR="0" lvl="0" indent="0" algn="l" defTabSz="914400" rtl="0" eaLnBrk="1" fontAlgn="auto" latinLnBrk="0" hangingPunct="1">
+              <a:lnSpc>
+                <a:spcPct val="100000"/>
+              </a:lnSpc>
+              <a:spcBef>
+                <a:spcPts val="0"/>
+              </a:spcBef>
+              <a:spcAft>
+                <a:spcPts val="0"/>
+              </a:spcAft>
+              <a:buClrTx/>
+              <a:buSzTx/>
+              <a:buFontTx/>
+              <a:buNone/>
+              <a:tabLst/>
+              <a:defRPr/>
+            </a:pPr>
+            <a:r>
+              <a:rPr lang="de-DE" b="0" i="0" dirty="0">
+                <a:solidFill>
+                  <a:srgbClr val="DCDDDE"/>
+                </a:solidFill>
+                <a:effectLst/>
+                <a:latin typeface="Whitney"/>
+              </a:rPr>
+              <a:t>-&gt;</a:t>
+            </a:r>
+            <a:r>
+              <a:rPr lang="de-DE" b="1" i="0" dirty="0">
+                <a:solidFill>
+                  <a:srgbClr val="DCDDDE"/>
+                </a:solidFill>
+                <a:effectLst/>
+                <a:latin typeface="Whitney"/>
+              </a:rPr>
+              <a:t> </a:t>
+            </a:r>
+            <a:r>
+              <a:rPr lang="de-DE" b="1" i="0" dirty="0" err="1">
+                <a:solidFill>
+                  <a:srgbClr val="DCDDDE"/>
+                </a:solidFill>
+                <a:effectLst/>
+                <a:latin typeface="Whitney"/>
+              </a:rPr>
+              <a:t>clone</a:t>
+            </a:r>
+            <a:r>
+              <a:rPr lang="de-DE" b="1" i="0" dirty="0">
+                <a:solidFill>
+                  <a:srgbClr val="DCDDDE"/>
+                </a:solidFill>
+                <a:effectLst/>
+                <a:latin typeface="Whitney"/>
+              </a:rPr>
+              <a:t> </a:t>
+            </a:r>
+            <a:r>
+              <a:rPr lang="de-DE" b="1" i="0" dirty="0" err="1">
+                <a:solidFill>
+                  <a:srgbClr val="DCDDDE"/>
+                </a:solidFill>
+                <a:effectLst/>
+                <a:latin typeface="Whitney"/>
+              </a:rPr>
+              <a:t>layer</a:t>
+            </a:r>
+            <a:r>
+              <a:rPr lang="de-DE" b="0" i="0" dirty="0">
+                <a:solidFill>
+                  <a:srgbClr val="DCDDDE"/>
+                </a:solidFill>
+                <a:effectLst/>
+                <a:latin typeface="Whitney"/>
+              </a:rPr>
+              <a:t> erzeugen </a:t>
+            </a:r>
+          </a:p>
+          <a:p>
+            <a:pPr marL="0" marR="0" lvl="0" indent="0" algn="l" defTabSz="914400" rtl="0" eaLnBrk="1" fontAlgn="auto" latinLnBrk="0" hangingPunct="1">
+              <a:lnSpc>
+                <a:spcPct val="100000"/>
+              </a:lnSpc>
+              <a:spcBef>
+                <a:spcPts val="0"/>
+              </a:spcBef>
+              <a:spcAft>
+                <a:spcPts val="0"/>
+              </a:spcAft>
+              <a:buClrTx/>
+              <a:buSzTx/>
+              <a:buFontTx/>
+              <a:buNone/>
+              <a:tabLst/>
+              <a:defRPr/>
+            </a:pPr>
+            <a:r>
+              <a:rPr lang="de-DE" b="1" i="0" dirty="0">
+                <a:solidFill>
+                  <a:srgbClr val="DCDDDE"/>
+                </a:solidFill>
+                <a:effectLst/>
+                <a:latin typeface="Whitney"/>
+              </a:rPr>
+              <a:t>oberste Zeile</a:t>
+            </a:r>
+            <a:r>
+              <a:rPr lang="de-DE" b="0" i="0" dirty="0">
+                <a:solidFill>
+                  <a:srgbClr val="DCDDDE"/>
+                </a:solidFill>
+                <a:effectLst/>
+                <a:latin typeface="Whitney"/>
+              </a:rPr>
+              <a:t> geschoben </a:t>
+            </a:r>
+          </a:p>
+          <a:p>
+            <a:pPr marL="0" marR="0" lvl="0" indent="0" algn="l" defTabSz="914400" rtl="0" eaLnBrk="1" fontAlgn="auto" latinLnBrk="0" hangingPunct="1">
+              <a:lnSpc>
+                <a:spcPct val="100000"/>
+              </a:lnSpc>
+              <a:spcBef>
+                <a:spcPts val="0"/>
+              </a:spcBef>
+              <a:spcAft>
+                <a:spcPts val="0"/>
+              </a:spcAft>
+              <a:buClrTx/>
+              <a:buSzTx/>
+              <a:buFontTx/>
+              <a:buNone/>
+              <a:tabLst/>
+              <a:defRPr/>
+            </a:pPr>
+            <a:r>
+              <a:rPr lang="de-DE" b="0" i="0" dirty="0">
+                <a:solidFill>
+                  <a:srgbClr val="DCDDDE"/>
+                </a:solidFill>
+                <a:effectLst/>
+                <a:latin typeface="Whitney"/>
+              </a:rPr>
+              <a:t>rechts: </a:t>
+            </a:r>
+            <a:r>
+              <a:rPr lang="de-DE" b="0" i="0" dirty="0" err="1">
+                <a:solidFill>
+                  <a:srgbClr val="DCDDDE"/>
+                </a:solidFill>
+                <a:effectLst/>
+                <a:latin typeface="Whitney"/>
+              </a:rPr>
+              <a:t>clone</a:t>
+            </a:r>
+            <a:r>
+              <a:rPr lang="de-DE" b="0" i="0" dirty="0">
+                <a:solidFill>
+                  <a:srgbClr val="DCDDDE"/>
+                </a:solidFill>
+                <a:effectLst/>
+                <a:latin typeface="Whitney"/>
+              </a:rPr>
+              <a:t> </a:t>
+            </a:r>
+            <a:r>
+              <a:rPr lang="de-DE" b="0" i="0" dirty="0" err="1">
+                <a:solidFill>
+                  <a:srgbClr val="DCDDDE"/>
+                </a:solidFill>
+                <a:effectLst/>
+                <a:latin typeface="Whitney"/>
+              </a:rPr>
+              <a:t>layer</a:t>
+            </a:r>
+            <a:r>
+              <a:rPr lang="de-DE" b="0" i="0" dirty="0">
+                <a:solidFill>
+                  <a:srgbClr val="DCDDDE"/>
+                </a:solidFill>
+                <a:effectLst/>
+                <a:latin typeface="Whitney"/>
+              </a:rPr>
+              <a:t> </a:t>
+            </a:r>
+            <a:r>
+              <a:rPr lang="de-DE" b="1" i="0" dirty="0">
+                <a:solidFill>
+                  <a:srgbClr val="DCDDDE"/>
+                </a:solidFill>
+                <a:effectLst/>
+                <a:latin typeface="Whitney"/>
+              </a:rPr>
+              <a:t>Sichtbarkeit</a:t>
+            </a:r>
+            <a:r>
+              <a:rPr lang="de-DE" b="0" i="0" dirty="0">
+                <a:solidFill>
+                  <a:srgbClr val="DCDDDE"/>
+                </a:solidFill>
+                <a:effectLst/>
+                <a:latin typeface="Whitney"/>
+              </a:rPr>
+              <a:t> </a:t>
+            </a:r>
+          </a:p>
+          <a:p>
+            <a:pPr marL="0" marR="0" lvl="0" indent="0" algn="l" defTabSz="914400" rtl="0" eaLnBrk="1" fontAlgn="auto" latinLnBrk="0" hangingPunct="1">
+              <a:lnSpc>
+                <a:spcPct val="100000"/>
+              </a:lnSpc>
+              <a:spcBef>
+                <a:spcPts val="0"/>
+              </a:spcBef>
+              <a:spcAft>
+                <a:spcPts val="0"/>
+              </a:spcAft>
+              <a:buClrTx/>
+              <a:buSzTx/>
+              <a:buFontTx/>
+              <a:buNone/>
+              <a:tabLst/>
+              <a:defRPr/>
+            </a:pPr>
+            <a:r>
+              <a:rPr lang="de-DE" b="0" i="0" dirty="0">
+                <a:solidFill>
+                  <a:srgbClr val="DCDDDE"/>
+                </a:solidFill>
+                <a:effectLst/>
+                <a:latin typeface="Whitney"/>
+              </a:rPr>
+              <a:t>-&gt; überprüfen, Proportionen, Farben, Übergänge</a:t>
+            </a:r>
+            <a:endParaRPr lang="de-DE" dirty="0"/>
+          </a:p>
+        </p:txBody>
+      </p:sp>
+      <p:sp>
+        <p:nvSpPr>
+          <p:cNvPr id="4" name="Slide Number Placeholder 3"/>
+          <p:cNvSpPr>
+            <a:spLocks noGrp="1"/>
+          </p:cNvSpPr>
+          <p:nvPr>
+            <p:ph type="sldNum" sz="quarter" idx="5"/>
+          </p:nvPr>
+        </p:nvSpPr>
+        <p:spPr/>
+        <p:txBody>
+          <a:bodyPr/>
+          <a:lstStyle/>
+          <a:p>
+            <a:fld id="{6BAD1AF2-A6B3-4B84-B5D2-6F16B2D7100D}" type="slidenum">
+              <a:rPr lang="de-DE" smtClean="0"/>
+              <a:t>14</a:t>
+            </a:fld>
+            <a:endParaRPr lang="de-DE"/>
+          </a:p>
+        </p:txBody>
+      </p:sp>
+    </p:spTree>
+    <p:extLst>
+      <p:ext uri="{BB962C8B-B14F-4D97-AF65-F5344CB8AC3E}">
+        <p14:creationId xmlns:p14="http://schemas.microsoft.com/office/powerpoint/2010/main" val="527614407"/>
+      </p:ext>
+    </p:extLst>
+  </p:cSld>
+  <p:clrMapOvr>
+    <a:masterClrMapping/>
+  </p:clrMapOvr>
+</p:notes>
+</file>
+
+<file path=ppt/notesSlides/notesSlide8.xml><?xml version="1.0" encoding="utf-8"?>
+<p:notes xmlns:a="http://schemas.openxmlformats.org/drawingml/2006/main" xmlns:r="http://schemas.openxmlformats.org/officeDocument/2006/relationships" xmlns:p="http://schemas.openxmlformats.org/presentationml/2006/main">
+  <p:cSld>
+    <p:spTree>
+      <p:nvGrpSpPr>
+        <p:cNvPr id="1" name=""/>
+        <p:cNvGrpSpPr/>
+        <p:nvPr/>
+      </p:nvGrpSpPr>
+      <p:grpSpPr>
+        <a:xfrm>
+          <a:off x="0" y="0"/>
+          <a:ext cx="0" cy="0"/>
+          <a:chOff x="0" y="0"/>
+          <a:chExt cx="0" cy="0"/>
+        </a:xfrm>
+      </p:grpSpPr>
+      <p:sp>
+        <p:nvSpPr>
+          <p:cNvPr id="2" name="Slide Image Placeholder 1"/>
+          <p:cNvSpPr>
+            <a:spLocks noGrp="1" noRot="1" noChangeAspect="1"/>
+          </p:cNvSpPr>
+          <p:nvPr>
+            <p:ph type="sldImg"/>
+          </p:nvPr>
+        </p:nvSpPr>
+        <p:spPr/>
+      </p:sp>
+      <p:sp>
+        <p:nvSpPr>
+          <p:cNvPr id="3" name="Notes Placeholder 2"/>
+          <p:cNvSpPr>
+            <a:spLocks noGrp="1"/>
+          </p:cNvSpPr>
+          <p:nvPr>
+            <p:ph type="body" idx="1"/>
+          </p:nvPr>
+        </p:nvSpPr>
+        <p:spPr/>
+        <p:txBody>
+          <a:bodyPr/>
+          <a:lstStyle/>
+          <a:p>
+            <a:r>
+              <a:rPr lang="de-DE" dirty="0"/>
+              <a:t>Event- und </a:t>
+            </a:r>
+            <a:r>
+              <a:rPr lang="de-DE" dirty="0" err="1"/>
+              <a:t>EntityManager</a:t>
+            </a:r>
+            <a:endParaRPr lang="de-DE" dirty="0"/>
+          </a:p>
+          <a:p>
+            <a:r>
+              <a:rPr lang="de-DE" dirty="0" err="1"/>
+              <a:t>Entities</a:t>
+            </a:r>
+            <a:r>
+              <a:rPr lang="de-DE" dirty="0"/>
+              <a:t> kommunizieren über Events (einzelne Teile gekapselt, erleichtert Änderungen/Hinzufügen)</a:t>
+            </a:r>
+          </a:p>
+          <a:p>
+            <a:endParaRPr lang="de-DE" dirty="0"/>
+          </a:p>
+          <a:p>
+            <a:r>
+              <a:rPr lang="de-DE" dirty="0"/>
+              <a:t>Health- &amp; Oxygensystem -&gt; </a:t>
+            </a:r>
+            <a:r>
+              <a:rPr lang="de-DE" dirty="0" err="1"/>
+              <a:t>survivalkomponenten</a:t>
+            </a:r>
+            <a:endParaRPr lang="de-DE" dirty="0"/>
+          </a:p>
+          <a:p>
+            <a:endParaRPr lang="de-DE" dirty="0"/>
+          </a:p>
+          <a:p>
+            <a:r>
+              <a:rPr lang="de-DE" dirty="0" err="1"/>
+              <a:t>first</a:t>
+            </a:r>
+            <a:r>
+              <a:rPr lang="de-DE" dirty="0"/>
+              <a:t> </a:t>
+            </a:r>
+            <a:r>
+              <a:rPr lang="de-DE" dirty="0" err="1"/>
+              <a:t>implementation</a:t>
+            </a:r>
+            <a:r>
+              <a:rPr lang="de-DE" dirty="0"/>
+              <a:t> </a:t>
+            </a:r>
+            <a:r>
+              <a:rPr lang="de-DE" dirty="0" err="1"/>
+              <a:t>of</a:t>
+            </a:r>
+            <a:r>
+              <a:rPr lang="de-DE" dirty="0"/>
+              <a:t> </a:t>
+            </a:r>
+            <a:r>
+              <a:rPr lang="de-DE" dirty="0" err="1"/>
+              <a:t>gunplay</a:t>
+            </a:r>
+            <a:endParaRPr lang="de-DE" dirty="0"/>
+          </a:p>
+          <a:p>
+            <a:endParaRPr lang="de-DE" dirty="0"/>
+          </a:p>
+          <a:p>
+            <a:r>
+              <a:rPr lang="de-DE" dirty="0" err="1"/>
+              <a:t>Inventory</a:t>
+            </a:r>
+            <a:endParaRPr lang="de-DE" dirty="0"/>
+          </a:p>
+          <a:p>
+            <a:r>
+              <a:rPr lang="de-DE" dirty="0"/>
+              <a:t>AI (</a:t>
+            </a:r>
+            <a:r>
+              <a:rPr lang="de-DE" dirty="0" err="1"/>
+              <a:t>walk</a:t>
+            </a:r>
+            <a:r>
+              <a:rPr lang="de-DE" dirty="0"/>
+              <a:t> &amp; </a:t>
+            </a:r>
+            <a:r>
+              <a:rPr lang="de-DE" dirty="0" err="1"/>
+              <a:t>attack</a:t>
+            </a:r>
+            <a:r>
+              <a:rPr lang="de-DE" dirty="0"/>
+              <a:t>) &amp; UI fortlaufend bis zum </a:t>
+            </a:r>
+            <a:r>
+              <a:rPr lang="de-DE" dirty="0" err="1"/>
+              <a:t>schluss</a:t>
+            </a:r>
+            <a:endParaRPr lang="de-DE" dirty="0"/>
+          </a:p>
+          <a:p>
+            <a:r>
+              <a:rPr lang="de-DE" dirty="0"/>
+              <a:t>Laufende Verbesserungen, Animationen bereits überarbeitet</a:t>
+            </a:r>
+          </a:p>
+        </p:txBody>
+      </p:sp>
+      <p:sp>
+        <p:nvSpPr>
+          <p:cNvPr id="4" name="Slide Number Placeholder 3"/>
+          <p:cNvSpPr>
+            <a:spLocks noGrp="1"/>
+          </p:cNvSpPr>
+          <p:nvPr>
+            <p:ph type="sldNum" sz="quarter" idx="5"/>
+          </p:nvPr>
+        </p:nvSpPr>
+        <p:spPr/>
+        <p:txBody>
+          <a:bodyPr/>
+          <a:lstStyle/>
+          <a:p>
+            <a:fld id="{6BAD1AF2-A6B3-4B84-B5D2-6F16B2D7100D}" type="slidenum">
+              <a:rPr lang="de-DE" smtClean="0"/>
               <a:t>15</a:t>
             </a:fld>
             <a:endParaRPr lang="de-DE"/>
@@ -8363,6 +8821,184 @@
     <p:extLst>
       <p:ext uri="{BB962C8B-B14F-4D97-AF65-F5344CB8AC3E}">
         <p14:creationId xmlns:p14="http://schemas.microsoft.com/office/powerpoint/2010/main" val="2675079619"/>
+      </p:ext>
+    </p:extLst>
+  </p:cSld>
+  <p:clrMapOvr>
+    <a:masterClrMapping/>
+  </p:clrMapOvr>
+</p:notes>
+</file>
+
+<file path=ppt/notesSlides/notesSlide9.xml><?xml version="1.0" encoding="utf-8"?>
+<p:notes xmlns:a="http://schemas.openxmlformats.org/drawingml/2006/main" xmlns:r="http://schemas.openxmlformats.org/officeDocument/2006/relationships" xmlns:p="http://schemas.openxmlformats.org/presentationml/2006/main">
+  <p:cSld>
+    <p:spTree>
+      <p:nvGrpSpPr>
+        <p:cNvPr id="1" name=""/>
+        <p:cNvGrpSpPr/>
+        <p:nvPr/>
+      </p:nvGrpSpPr>
+      <p:grpSpPr>
+        <a:xfrm>
+          <a:off x="0" y="0"/>
+          <a:ext cx="0" cy="0"/>
+          <a:chOff x="0" y="0"/>
+          <a:chExt cx="0" cy="0"/>
+        </a:xfrm>
+      </p:grpSpPr>
+      <p:sp>
+        <p:nvSpPr>
+          <p:cNvPr id="2" name="Slide Image Placeholder 1"/>
+          <p:cNvSpPr>
+            <a:spLocks noGrp="1" noRot="1" noChangeAspect="1"/>
+          </p:cNvSpPr>
+          <p:nvPr>
+            <p:ph type="sldImg"/>
+          </p:nvPr>
+        </p:nvSpPr>
+        <p:spPr/>
+      </p:sp>
+      <p:sp>
+        <p:nvSpPr>
+          <p:cNvPr id="3" name="Notes Placeholder 2"/>
+          <p:cNvSpPr>
+            <a:spLocks noGrp="1"/>
+          </p:cNvSpPr>
+          <p:nvPr>
+            <p:ph type="body" idx="1"/>
+          </p:nvPr>
+        </p:nvSpPr>
+        <p:spPr/>
+        <p:txBody>
+          <a:bodyPr/>
+          <a:lstStyle/>
+          <a:p>
+            <a:r>
+              <a:rPr lang="de-DE" dirty="0"/>
+              <a:t>Arbeit am Prolog / Vertical Slice in Progress (wird relativ lang dauern, da alle elementaren Bestandteile benötigt)</a:t>
+            </a:r>
+          </a:p>
+          <a:p>
+            <a:endParaRPr lang="de-DE" dirty="0"/>
+          </a:p>
+          <a:p>
+            <a:r>
+              <a:rPr lang="de-DE" dirty="0"/>
+              <a:t>Danach -&gt; Rest zusammenklöppeln</a:t>
+            </a:r>
+          </a:p>
+          <a:p>
+            <a:r>
+              <a:rPr lang="de-DE" dirty="0"/>
+              <a:t>Puzzle Level Design -&gt; nicht mit </a:t>
+            </a:r>
+            <a:r>
+              <a:rPr lang="de-DE" dirty="0" err="1"/>
+              <a:t>vertical</a:t>
+            </a:r>
+            <a:r>
+              <a:rPr lang="de-DE" dirty="0"/>
+              <a:t> slice abgeschlossen</a:t>
+            </a:r>
+          </a:p>
+          <a:p>
+            <a:r>
+              <a:rPr lang="de-DE" dirty="0"/>
+              <a:t>Time Travel: prototype </a:t>
+            </a:r>
+            <a:r>
+              <a:rPr lang="de-DE" dirty="0" err="1"/>
+              <a:t>existed</a:t>
+            </a:r>
+            <a:r>
+              <a:rPr lang="de-DE" dirty="0"/>
+              <a:t> -&gt; </a:t>
+            </a:r>
+            <a:r>
+              <a:rPr lang="de-DE" dirty="0" err="1"/>
+              <a:t>needs</a:t>
+            </a:r>
+            <a:r>
+              <a:rPr lang="de-DE" dirty="0"/>
+              <a:t> </a:t>
+            </a:r>
+            <a:r>
+              <a:rPr lang="de-DE" dirty="0" err="1"/>
+              <a:t>rework</a:t>
+            </a:r>
+            <a:endParaRPr lang="de-DE" dirty="0"/>
+          </a:p>
+          <a:p>
+            <a:r>
+              <a:rPr lang="de-DE" dirty="0"/>
+              <a:t>Sound: relativ wenig Zeit -&gt; </a:t>
+            </a:r>
+            <a:r>
+              <a:rPr lang="de-DE" dirty="0" err="1"/>
+              <a:t>SoundSYSTEM</a:t>
+            </a:r>
+            <a:r>
+              <a:rPr lang="de-DE" dirty="0"/>
+              <a:t> muss gemacht werden</a:t>
+            </a:r>
+          </a:p>
+          <a:p>
+            <a:r>
+              <a:rPr lang="de-DE" dirty="0"/>
+              <a:t>Sounddateien während </a:t>
+            </a:r>
+            <a:r>
+              <a:rPr lang="de-DE" dirty="0" err="1"/>
+              <a:t>bugfixing</a:t>
+            </a:r>
+            <a:r>
+              <a:rPr lang="de-DE" dirty="0"/>
+              <a:t>/</a:t>
+            </a:r>
+            <a:r>
+              <a:rPr lang="de-DE" dirty="0" err="1"/>
+              <a:t>Polishing</a:t>
+            </a:r>
+            <a:r>
+              <a:rPr lang="de-DE" dirty="0"/>
+              <a:t>/</a:t>
+            </a:r>
+            <a:r>
+              <a:rPr lang="de-DE" dirty="0" err="1"/>
+              <a:t>Balancing</a:t>
+            </a:r>
+            <a:endParaRPr lang="de-DE" dirty="0"/>
+          </a:p>
+        </p:txBody>
+      </p:sp>
+      <p:sp>
+        <p:nvSpPr>
+          <p:cNvPr id="4" name="Slide Number Placeholder 3"/>
+          <p:cNvSpPr>
+            <a:spLocks noGrp="1"/>
+          </p:cNvSpPr>
+          <p:nvPr>
+            <p:ph type="sldNum" sz="quarter" idx="5"/>
+          </p:nvPr>
+        </p:nvSpPr>
+        <p:spPr/>
+        <p:txBody>
+          <a:bodyPr/>
+          <a:lstStyle/>
+          <a:p>
+            <a:fld id="{6BAD1AF2-A6B3-4B84-B5D2-6F16B2D7100D}" type="slidenum">
+              <a:rPr lang="de-DE" smtClean="0"/>
+              <a:t>17</a:t>
+            </a:fld>
+            <a:endParaRPr lang="de-DE"/>
+          </a:p>
+        </p:txBody>
+      </p:sp>
+    </p:spTree>
+    <p:extLst>
+      <p:ext uri="{BB962C8B-B14F-4D97-AF65-F5344CB8AC3E}">
+        <p14:creationId xmlns:p14="http://schemas.microsoft.com/office/powerpoint/2010/main" val="1723532989"/>
       </p:ext>
     </p:extLst>
   </p:cSld>
@@ -8467,7 +9103,7 @@
           <a:effectLst/>
           <a:extLst>
             <a:ext uri="{91240B29-F687-4f45-9708-019B960494DF}">
-              <a14:hiddenLine xmlns="" xmlns:a14="http://schemas.microsoft.com/office/drawing/2010/main" w="9525">
+              <a14:hiddenLine xmlns:a14="http://schemas.microsoft.com/office/drawing/2010/main" xmlns="" w="9525">
                 <a:solidFill>
                   <a:srgbClr val="000000"/>
                 </a:solidFill>
@@ -8703,7 +9339,7 @@
             <a:fld id="{D57F1E4F-1CFF-5643-939E-217C01CDF565}" type="slidenum">
               <a:rPr lang="en-US" dirty="0"/>
               <a:pPr/>
-              <a:t>‹Nr.›</a:t>
+              <a:t>‹#›</a:t>
             </a:fld>
             <a:endParaRPr lang="en-US" dirty="0"/>
           </a:p>
@@ -9023,7 +9659,7 @@
             <a:fld id="{D57F1E4F-1CFF-5643-939E-217C01CDF565}" type="slidenum">
               <a:rPr lang="en-US" dirty="0"/>
               <a:pPr/>
-              <a:t>‹Nr.›</a:t>
+              <a:t>‹#›</a:t>
             </a:fld>
             <a:endParaRPr lang="en-US" dirty="0"/>
           </a:p>
@@ -9338,7 +9974,7 @@
             <a:fld id="{D57F1E4F-1CFF-5643-939E-217C01CDF565}" type="slidenum">
               <a:rPr lang="en-US" dirty="0"/>
               <a:pPr/>
-              <a:t>‹Nr.›</a:t>
+              <a:t>‹#›</a:t>
             </a:fld>
             <a:endParaRPr lang="en-US" dirty="0"/>
           </a:p>
@@ -9823,7 +10459,7 @@
             <a:fld id="{D57F1E4F-1CFF-5643-939E-217C01CDF565}" type="slidenum">
               <a:rPr lang="en-US" dirty="0"/>
               <a:pPr/>
-              <a:t>‹Nr.›</a:t>
+              <a:t>‹#›</a:t>
             </a:fld>
             <a:endParaRPr lang="en-US" dirty="0"/>
           </a:p>
@@ -10189,7 +10825,7 @@
             <a:fld id="{D57F1E4F-1CFF-5643-939E-217C01CDF565}" type="slidenum">
               <a:rPr lang="en-US" dirty="0"/>
               <a:pPr/>
-              <a:t>‹Nr.›</a:t>
+              <a:t>‹#›</a:t>
             </a:fld>
             <a:endParaRPr lang="en-US" dirty="0"/>
           </a:p>
@@ -10297,7 +10933,7 @@
           <a:ln/>
           <a:extLst>
             <a:ext uri="{91240B29-F687-4f45-9708-019B960494DF}">
-              <a14:hiddenLine xmlns="" xmlns:a14="http://schemas.microsoft.com/office/drawing/2010/main" w="9525">
+              <a14:hiddenLine xmlns:a14="http://schemas.microsoft.com/office/drawing/2010/main" xmlns="" w="9525">
                 <a:solidFill>
                   <a:srgbClr val="000000"/>
                 </a:solidFill>
@@ -10459,7 +11095,7 @@
             <a:fld id="{D57F1E4F-1CFF-5643-939E-217C01CDF565}" type="slidenum">
               <a:rPr lang="en-US" dirty="0"/>
               <a:pPr/>
-              <a:t>‹Nr.›</a:t>
+              <a:t>‹#›</a:t>
             </a:fld>
             <a:endParaRPr lang="en-US" dirty="0"/>
           </a:p>
@@ -10569,7 +11205,7 @@
           <a:ln/>
           <a:extLst>
             <a:ext uri="{91240B29-F687-4f45-9708-019B960494DF}">
-              <a14:hiddenLine xmlns="" xmlns:a14="http://schemas.microsoft.com/office/drawing/2010/main" w="9525">
+              <a14:hiddenLine xmlns:a14="http://schemas.microsoft.com/office/drawing/2010/main" xmlns="" w="9525">
                 <a:solidFill>
                   <a:srgbClr val="000000"/>
                 </a:solidFill>
@@ -10741,7 +11377,7 @@
             <a:fld id="{D57F1E4F-1CFF-5643-939E-217C01CDF565}" type="slidenum">
               <a:rPr lang="en-US" dirty="0"/>
               <a:pPr/>
-              <a:t>‹Nr.›</a:t>
+              <a:t>‹#›</a:t>
             </a:fld>
             <a:endParaRPr lang="en-US" dirty="0"/>
           </a:p>
@@ -10982,7 +11618,7 @@
             <a:fld id="{D57F1E4F-1CFF-5643-939E-217C01CDF565}" type="slidenum">
               <a:rPr lang="en-US" dirty="0"/>
               <a:pPr/>
-              <a:t>‹Nr.›</a:t>
+              <a:t>‹#›</a:t>
             </a:fld>
             <a:endParaRPr lang="en-US" dirty="0"/>
           </a:p>
@@ -11125,7 +11761,7 @@
           <a:ln/>
           <a:extLst>
             <a:ext uri="{91240B29-F687-4f45-9708-019B960494DF}">
-              <a14:hiddenLine xmlns="" xmlns:a14="http://schemas.microsoft.com/office/drawing/2010/main" w="9525">
+              <a14:hiddenLine xmlns:a14="http://schemas.microsoft.com/office/drawing/2010/main" xmlns="" w="9525">
                 <a:solidFill>
                   <a:srgbClr val="000000"/>
                 </a:solidFill>
@@ -11297,7 +11933,7 @@
             <a:fld id="{D57F1E4F-1CFF-5643-939E-217C01CDF565}" type="slidenum">
               <a:rPr lang="en-US" dirty="0"/>
               <a:pPr/>
-              <a:t>‹Nr.›</a:t>
+              <a:t>‹#›</a:t>
             </a:fld>
             <a:endParaRPr lang="en-US" dirty="0"/>
           </a:p>
@@ -11637,7 +12273,7 @@
             <a:fld id="{D57F1E4F-1CFF-5643-939E-217C01CDF565}" type="slidenum">
               <a:rPr lang="en-US" dirty="0"/>
               <a:pPr/>
-              <a:t>‹Nr.›</a:t>
+              <a:t>‹#›</a:t>
             </a:fld>
             <a:endParaRPr lang="en-US" dirty="0"/>
           </a:p>
@@ -11745,7 +12381,7 @@
           <a:ln/>
           <a:extLst>
             <a:ext uri="{91240B29-F687-4f45-9708-019B960494DF}">
-              <a14:hiddenLine xmlns="" xmlns:a14="http://schemas.microsoft.com/office/drawing/2010/main" w="9525">
+              <a14:hiddenLine xmlns:a14="http://schemas.microsoft.com/office/drawing/2010/main" xmlns="" w="9525">
                 <a:solidFill>
                   <a:srgbClr val="000000"/>
                 </a:solidFill>
@@ -11973,7 +12609,7 @@
             <a:fld id="{D57F1E4F-1CFF-5643-939E-217C01CDF565}" type="slidenum">
               <a:rPr lang="en-US" dirty="0"/>
               <a:pPr/>
-              <a:t>‹Nr.›</a:t>
+              <a:t>‹#›</a:t>
             </a:fld>
             <a:endParaRPr lang="en-US" dirty="0"/>
           </a:p>
@@ -12081,7 +12717,7 @@
           <a:ln/>
           <a:extLst>
             <a:ext uri="{91240B29-F687-4f45-9708-019B960494DF}">
-              <a14:hiddenLine xmlns="" xmlns:a14="http://schemas.microsoft.com/office/drawing/2010/main" w="9525">
+              <a14:hiddenLine xmlns:a14="http://schemas.microsoft.com/office/drawing/2010/main" xmlns="" w="9525">
                 <a:solidFill>
                   <a:srgbClr val="000000"/>
                 </a:solidFill>
@@ -12447,7 +13083,7 @@
             <a:fld id="{D57F1E4F-1CFF-5643-939E-217C01CDF565}" type="slidenum">
               <a:rPr lang="en-US" dirty="0"/>
               <a:pPr/>
-              <a:t>‹Nr.›</a:t>
+              <a:t>‹#›</a:t>
             </a:fld>
             <a:endParaRPr lang="en-US" dirty="0"/>
           </a:p>
@@ -12555,7 +13191,7 @@
           <a:ln/>
           <a:extLst>
             <a:ext uri="{91240B29-F687-4f45-9708-019B960494DF}">
-              <a14:hiddenLine xmlns="" xmlns:a14="http://schemas.microsoft.com/office/drawing/2010/main" w="9525">
+              <a14:hiddenLine xmlns:a14="http://schemas.microsoft.com/office/drawing/2010/main" xmlns="" w="9525">
                 <a:solidFill>
                   <a:srgbClr val="000000"/>
                 </a:solidFill>
@@ -12665,7 +13301,7 @@
             <a:fld id="{D57F1E4F-1CFF-5643-939E-217C01CDF565}" type="slidenum">
               <a:rPr lang="en-US" dirty="0"/>
               <a:pPr/>
-              <a:t>‹Nr.›</a:t>
+              <a:t>‹#›</a:t>
             </a:fld>
             <a:endParaRPr lang="en-US" dirty="0"/>
           </a:p>
@@ -12757,7 +13393,7 @@
             <a:fld id="{D57F1E4F-1CFF-5643-939E-217C01CDF565}" type="slidenum">
               <a:rPr lang="en-US" dirty="0"/>
               <a:pPr/>
-              <a:t>‹Nr.›</a:t>
+              <a:t>‹#›</a:t>
             </a:fld>
             <a:endParaRPr lang="en-US" dirty="0"/>
           </a:p>
@@ -12978,7 +13614,7 @@
           <a:ln/>
           <a:extLst>
             <a:ext uri="{91240B29-F687-4f45-9708-019B960494DF}">
-              <a14:hiddenLine xmlns="" xmlns:a14="http://schemas.microsoft.com/office/drawing/2010/main" w="9525">
+              <a14:hiddenLine xmlns:a14="http://schemas.microsoft.com/office/drawing/2010/main" xmlns="" w="9525">
                 <a:solidFill>
                   <a:srgbClr val="000000"/>
                 </a:solidFill>
@@ -13221,7 +13857,7 @@
             <a:fld id="{D57F1E4F-1CFF-5643-939E-217C01CDF565}" type="slidenum">
               <a:rPr lang="en-US" dirty="0"/>
               <a:pPr/>
-              <a:t>‹Nr.›</a:t>
+              <a:t>‹#›</a:t>
             </a:fld>
             <a:endParaRPr lang="en-US" dirty="0"/>
           </a:p>
@@ -13478,7 +14114,7 @@
             <a:fld id="{D57F1E4F-1CFF-5643-939E-217C01CDF565}" type="slidenum">
               <a:rPr lang="en-US" dirty="0"/>
               <a:pPr/>
-              <a:t>‹Nr.›</a:t>
+              <a:t>‹#›</a:t>
             </a:fld>
             <a:endParaRPr lang="en-US" dirty="0"/>
           </a:p>
@@ -14135,8 +14771,16 @@
           <a:lstStyle/>
           <a:p>
             <a:r>
-              <a:rPr lang="en-GB"/>
-              <a:t>„If I tell you what‘s gonna happen it won‘t happen“</a:t>
+              <a:rPr lang="en-GB" dirty="0"/>
+              <a:t>„If I tell you what‘s </a:t>
+            </a:r>
+            <a:r>
+              <a:rPr lang="en-GB" dirty="0" err="1"/>
+              <a:t>gonna</a:t>
+            </a:r>
+            <a:r>
+              <a:rPr lang="en-GB" dirty="0"/>
+              <a:t> happen it won‘t happen“</a:t>
             </a:r>
           </a:p>
         </p:txBody>
@@ -14434,7 +15078,7 @@
           <a:effectLst/>
           <a:extLst>
             <a:ext uri="{91240B29-F687-4f45-9708-019B960494DF}">
-              <a14:hiddenLine xmlns:a16="http://schemas.microsoft.com/office/drawing/2014/main" xmlns:p14="http://schemas.microsoft.com/office/powerpoint/2010/main" xmlns:a14="http://schemas.microsoft.com/office/drawing/2010/main" xmlns="" w="9525">
+              <a14:hiddenLine xmlns="" xmlns:a14="http://schemas.microsoft.com/office/drawing/2010/main" xmlns:p14="http://schemas.microsoft.com/office/powerpoint/2010/main" xmlns:a16="http://schemas.microsoft.com/office/drawing/2014/main" w="9525">
                 <a:solidFill>
                   <a:srgbClr val="000000"/>
                 </a:solidFill>
@@ -16107,7 +16751,7 @@
           <a:effectLst/>
           <a:extLst>
             <a:ext uri="{91240B29-F687-4f45-9708-019B960494DF}">
-              <a14:hiddenLine xmlns:a16="http://schemas.microsoft.com/office/drawing/2014/main" xmlns:p14="http://schemas.microsoft.com/office/powerpoint/2010/main" xmlns:a14="http://schemas.microsoft.com/office/drawing/2010/main" xmlns="" w="9525">
+              <a14:hiddenLine xmlns="" xmlns:a14="http://schemas.microsoft.com/office/drawing/2010/main" xmlns:p14="http://schemas.microsoft.com/office/powerpoint/2010/main" xmlns:a16="http://schemas.microsoft.com/office/drawing/2014/main" w="9525">
                 <a:solidFill>
                   <a:srgbClr val="000000"/>
                 </a:solidFill>
@@ -16289,7 +16933,18 @@
           <a:bodyPr/>
           <a:lstStyle/>
           <a:p>
-            <a:endParaRPr lang="de-DE"/>
+            <a:r>
+              <a:rPr lang="en-GB" dirty="0"/>
+              <a:t>„Big ball of wibbly wobbly…timey </a:t>
+            </a:r>
+            <a:r>
+              <a:rPr lang="en-GB" dirty="0" err="1"/>
+              <a:t>wimey</a:t>
+            </a:r>
+            <a:r>
+              <a:rPr lang="en-GB" dirty="0"/>
+              <a:t>…stuff“</a:t>
+            </a:r>
           </a:p>
         </p:txBody>
       </p:sp>
@@ -16681,7 +17336,7 @@
           <a:effectLst/>
           <a:extLst>
             <a:ext uri="{91240B29-F687-4f45-9708-019B960494DF}">
-              <a14:hiddenLine xmlns:a16="http://schemas.microsoft.com/office/drawing/2014/main" xmlns:p14="http://schemas.microsoft.com/office/powerpoint/2010/main" xmlns:a14="http://schemas.microsoft.com/office/drawing/2010/main" xmlns="" w="9525">
+              <a14:hiddenLine xmlns="" xmlns:a14="http://schemas.microsoft.com/office/drawing/2010/main" xmlns:p14="http://schemas.microsoft.com/office/powerpoint/2010/main" xmlns:a16="http://schemas.microsoft.com/office/drawing/2014/main" w="9525">
                 <a:solidFill>
                   <a:srgbClr val="000000"/>
                 </a:solidFill>
@@ -16722,7 +17377,7 @@
           <p:nvPr/>
         </p:nvPicPr>
         <p:blipFill>
-          <a:blip r:embed="rId2">
+          <a:blip r:embed="rId3">
             <a:extLst>
               <a:ext uri="{28A0092B-C50C-407E-A947-70E740481C1C}">
                 <a14:useLocalDpi xmlns:a14="http://schemas.microsoft.com/office/drawing/2010/main" val="0"/>
@@ -17122,6 +17777,603 @@
       <p:bldP spid="4" grpId="0"/>
     </p:bldLst>
   </p:timing>
+</p:sld>
+</file>
+
+<file path=ppt/slides/slide19.xml><?xml version="1.0" encoding="utf-8"?>
+<p:sld xmlns:a="http://schemas.openxmlformats.org/drawingml/2006/main" xmlns:r="http://schemas.openxmlformats.org/officeDocument/2006/relationships" xmlns:p="http://schemas.openxmlformats.org/presentationml/2006/main">
+  <p:cSld>
+    <p:spTree>
+      <p:nvGrpSpPr>
+        <p:cNvPr id="1" name=""/>
+        <p:cNvGrpSpPr/>
+        <p:nvPr/>
+      </p:nvGrpSpPr>
+      <p:grpSpPr>
+        <a:xfrm>
+          <a:off x="0" y="0"/>
+          <a:ext cx="0" cy="0"/>
+          <a:chOff x="0" y="0"/>
+          <a:chExt cx="0" cy="0"/>
+        </a:xfrm>
+      </p:grpSpPr>
+      <p:sp>
+        <p:nvSpPr>
+          <p:cNvPr id="6" name="Title 3">
+            <a:extLst>
+              <a:ext uri="{FF2B5EF4-FFF2-40B4-BE49-F238E27FC236}">
+                <a16:creationId xmlns:a16="http://schemas.microsoft.com/office/drawing/2014/main" id="{9CC96465-B478-4B3C-93D6-45B09F3F4B5C}"/>
+              </a:ext>
+            </a:extLst>
+          </p:cNvPr>
+          <p:cNvSpPr txBox="1">
+            <a:spLocks/>
+          </p:cNvSpPr>
+          <p:nvPr/>
+        </p:nvSpPr>
+        <p:spPr>
+          <a:xfrm>
+            <a:off x="810000" y="447188"/>
+            <a:ext cx="10571998" cy="970450"/>
+          </a:xfrm>
+          <a:prstGeom prst="rect">
+            <a:avLst/>
+          </a:prstGeom>
+          <a:effectLst/>
+        </p:spPr>
+        <p:txBody>
+          <a:bodyPr anchor="ctr">
+            <a:normAutofit/>
+          </a:bodyPr>
+          <a:lstStyle>
+            <a:lvl1pPr algn="l" defTabSz="457200" rtl="0" eaLnBrk="1" latinLnBrk="0" hangingPunct="1">
+              <a:spcBef>
+                <a:spcPct val="0"/>
+              </a:spcBef>
+              <a:buNone/>
+              <a:defRPr sz="4000" b="1" kern="1200">
+                <a:solidFill>
+                  <a:srgbClr val="FEFEFE"/>
+                </a:solidFill>
+                <a:latin typeface="+mj-lt"/>
+                <a:ea typeface="+mj-ea"/>
+                <a:cs typeface="+mj-cs"/>
+              </a:defRPr>
+            </a:lvl1pPr>
+            <a:lvl2pPr eaLnBrk="1" hangingPunct="1">
+              <a:defRPr>
+                <a:solidFill>
+                  <a:schemeClr val="tx2"/>
+                </a:solidFill>
+              </a:defRPr>
+            </a:lvl2pPr>
+            <a:lvl3pPr eaLnBrk="1" hangingPunct="1">
+              <a:defRPr>
+                <a:solidFill>
+                  <a:schemeClr val="tx2"/>
+                </a:solidFill>
+              </a:defRPr>
+            </a:lvl3pPr>
+            <a:lvl4pPr eaLnBrk="1" hangingPunct="1">
+              <a:defRPr>
+                <a:solidFill>
+                  <a:schemeClr val="tx2"/>
+                </a:solidFill>
+              </a:defRPr>
+            </a:lvl4pPr>
+            <a:lvl5pPr eaLnBrk="1" hangingPunct="1">
+              <a:defRPr>
+                <a:solidFill>
+                  <a:schemeClr val="tx2"/>
+                </a:solidFill>
+              </a:defRPr>
+            </a:lvl5pPr>
+            <a:lvl6pPr eaLnBrk="1" hangingPunct="1">
+              <a:defRPr>
+                <a:solidFill>
+                  <a:schemeClr val="tx2"/>
+                </a:solidFill>
+              </a:defRPr>
+            </a:lvl6pPr>
+            <a:lvl7pPr eaLnBrk="1" hangingPunct="1">
+              <a:defRPr>
+                <a:solidFill>
+                  <a:schemeClr val="tx2"/>
+                </a:solidFill>
+              </a:defRPr>
+            </a:lvl7pPr>
+            <a:lvl8pPr eaLnBrk="1" hangingPunct="1">
+              <a:defRPr>
+                <a:solidFill>
+                  <a:schemeClr val="tx2"/>
+                </a:solidFill>
+              </a:defRPr>
+            </a:lvl8pPr>
+            <a:lvl9pPr eaLnBrk="1" hangingPunct="1">
+              <a:defRPr>
+                <a:solidFill>
+                  <a:schemeClr val="tx2"/>
+                </a:solidFill>
+              </a:defRPr>
+            </a:lvl9pPr>
+          </a:lstStyle>
+          <a:p>
+            <a:pPr algn="ctr"/>
+            <a:r>
+              <a:rPr lang="de-DE" sz="3200" dirty="0">
+                <a:solidFill>
+                  <a:schemeClr val="tx1"/>
+                </a:solidFill>
+              </a:rPr>
+              <a:t>Quellen</a:t>
+            </a:r>
+          </a:p>
+        </p:txBody>
+      </p:sp>
+      <p:sp>
+        <p:nvSpPr>
+          <p:cNvPr id="7" name="Content Placeholder 4">
+            <a:extLst>
+              <a:ext uri="{FF2B5EF4-FFF2-40B4-BE49-F238E27FC236}">
+                <a16:creationId xmlns:a16="http://schemas.microsoft.com/office/drawing/2014/main" id="{3C403D28-5307-4C74-A5D2-5BEF2581B9BA}"/>
+              </a:ext>
+            </a:extLst>
+          </p:cNvPr>
+          <p:cNvSpPr txBox="1">
+            <a:spLocks/>
+          </p:cNvSpPr>
+          <p:nvPr/>
+        </p:nvSpPr>
+        <p:spPr>
+          <a:xfrm>
+            <a:off x="810000" y="1610745"/>
+            <a:ext cx="10571998" cy="4800067"/>
+          </a:xfrm>
+          <a:prstGeom prst="rect">
+            <a:avLst/>
+          </a:prstGeom>
+          <a:effectLst/>
+        </p:spPr>
+        <p:txBody>
+          <a:bodyPr anchor="ctr">
+            <a:normAutofit/>
+          </a:bodyPr>
+          <a:lstStyle>
+            <a:lvl1pPr marL="342900" indent="-342900" algn="l" defTabSz="457200" rtl="0" eaLnBrk="1" latinLnBrk="0" hangingPunct="1">
+              <a:spcBef>
+                <a:spcPct val="20000"/>
+              </a:spcBef>
+              <a:spcAft>
+                <a:spcPts val="600"/>
+              </a:spcAft>
+              <a:buClr>
+                <a:schemeClr val="accent1"/>
+              </a:buClr>
+              <a:buFont typeface="Wingdings 2" charset="2"/>
+              <a:buChar char=""/>
+              <a:defRPr sz="1800" kern="1200">
+                <a:solidFill>
+                  <a:schemeClr val="tx1"/>
+                </a:solidFill>
+                <a:latin typeface="+mn-lt"/>
+                <a:ea typeface="+mn-ea"/>
+                <a:cs typeface="+mn-cs"/>
+              </a:defRPr>
+            </a:lvl1pPr>
+            <a:lvl2pPr marL="742950" indent="-285750" algn="l" defTabSz="457200" rtl="0" eaLnBrk="1" latinLnBrk="0" hangingPunct="1">
+              <a:spcBef>
+                <a:spcPct val="20000"/>
+              </a:spcBef>
+              <a:spcAft>
+                <a:spcPts val="600"/>
+              </a:spcAft>
+              <a:buClr>
+                <a:schemeClr val="accent1"/>
+              </a:buClr>
+              <a:buFont typeface="Wingdings 2" charset="2"/>
+              <a:buChar char=""/>
+              <a:defRPr sz="1600" kern="1200">
+                <a:solidFill>
+                  <a:schemeClr val="tx1"/>
+                </a:solidFill>
+                <a:latin typeface="+mn-lt"/>
+                <a:ea typeface="+mn-ea"/>
+                <a:cs typeface="+mn-cs"/>
+              </a:defRPr>
+            </a:lvl2pPr>
+            <a:lvl3pPr marL="1143000" indent="-228600" algn="l" defTabSz="457200" rtl="0" eaLnBrk="1" latinLnBrk="0" hangingPunct="1">
+              <a:spcBef>
+                <a:spcPct val="20000"/>
+              </a:spcBef>
+              <a:spcAft>
+                <a:spcPts val="600"/>
+              </a:spcAft>
+              <a:buClr>
+                <a:schemeClr val="accent1"/>
+              </a:buClr>
+              <a:buFont typeface="Wingdings 2" charset="2"/>
+              <a:buChar char=""/>
+              <a:defRPr sz="1400" kern="1200">
+                <a:solidFill>
+                  <a:schemeClr val="tx1"/>
+                </a:solidFill>
+                <a:latin typeface="+mn-lt"/>
+                <a:ea typeface="+mn-ea"/>
+                <a:cs typeface="+mn-cs"/>
+              </a:defRPr>
+            </a:lvl3pPr>
+            <a:lvl4pPr marL="1600200" indent="-228600" algn="l" defTabSz="457200" rtl="0" eaLnBrk="1" latinLnBrk="0" hangingPunct="1">
+              <a:spcBef>
+                <a:spcPct val="20000"/>
+              </a:spcBef>
+              <a:spcAft>
+                <a:spcPts val="600"/>
+              </a:spcAft>
+              <a:buClr>
+                <a:schemeClr val="accent1"/>
+              </a:buClr>
+              <a:buFont typeface="Wingdings 2" charset="2"/>
+              <a:buChar char=""/>
+              <a:defRPr sz="1200" kern="1200">
+                <a:solidFill>
+                  <a:schemeClr val="tx1"/>
+                </a:solidFill>
+                <a:latin typeface="+mn-lt"/>
+                <a:ea typeface="+mn-ea"/>
+                <a:cs typeface="+mn-cs"/>
+              </a:defRPr>
+            </a:lvl4pPr>
+            <a:lvl5pPr marL="2057400" indent="-228600" algn="l" defTabSz="457200" rtl="0" eaLnBrk="1" latinLnBrk="0" hangingPunct="1">
+              <a:spcBef>
+                <a:spcPct val="20000"/>
+              </a:spcBef>
+              <a:spcAft>
+                <a:spcPts val="600"/>
+              </a:spcAft>
+              <a:buClr>
+                <a:schemeClr val="accent1"/>
+              </a:buClr>
+              <a:buFont typeface="Wingdings 2" charset="2"/>
+              <a:buChar char=""/>
+              <a:defRPr sz="1200" kern="1200">
+                <a:solidFill>
+                  <a:schemeClr val="tx1"/>
+                </a:solidFill>
+                <a:latin typeface="+mn-lt"/>
+                <a:ea typeface="+mn-ea"/>
+                <a:cs typeface="+mn-cs"/>
+              </a:defRPr>
+            </a:lvl5pPr>
+            <a:lvl6pPr marL="2400000" indent="-228600" algn="l" defTabSz="457200" rtl="0" eaLnBrk="1" latinLnBrk="0" hangingPunct="1">
+              <a:spcBef>
+                <a:spcPct val="20000"/>
+              </a:spcBef>
+              <a:spcAft>
+                <a:spcPts val="600"/>
+              </a:spcAft>
+              <a:buClr>
+                <a:schemeClr val="accent1"/>
+              </a:buClr>
+              <a:buFont typeface="Wingdings 2" charset="2"/>
+              <a:buChar char=""/>
+              <a:defRPr sz="1200" kern="1200">
+                <a:solidFill>
+                  <a:schemeClr val="tx1"/>
+                </a:solidFill>
+                <a:latin typeface="+mn-lt"/>
+                <a:ea typeface="+mn-ea"/>
+                <a:cs typeface="+mn-cs"/>
+              </a:defRPr>
+            </a:lvl6pPr>
+            <a:lvl7pPr marL="2800000" indent="-228600" algn="l" defTabSz="457200" rtl="0" eaLnBrk="1" latinLnBrk="0" hangingPunct="1">
+              <a:spcBef>
+                <a:spcPct val="20000"/>
+              </a:spcBef>
+              <a:spcAft>
+                <a:spcPts val="600"/>
+              </a:spcAft>
+              <a:buClr>
+                <a:schemeClr val="accent1"/>
+              </a:buClr>
+              <a:buFont typeface="Wingdings 2" charset="2"/>
+              <a:buChar char=""/>
+              <a:defRPr sz="1200" kern="1200">
+                <a:solidFill>
+                  <a:schemeClr val="tx1"/>
+                </a:solidFill>
+                <a:latin typeface="+mn-lt"/>
+                <a:ea typeface="+mn-ea"/>
+                <a:cs typeface="+mn-cs"/>
+              </a:defRPr>
+            </a:lvl7pPr>
+            <a:lvl8pPr marL="3200000" indent="-228600" algn="l" defTabSz="457200" rtl="0" eaLnBrk="1" latinLnBrk="0" hangingPunct="1">
+              <a:spcBef>
+                <a:spcPct val="20000"/>
+              </a:spcBef>
+              <a:spcAft>
+                <a:spcPts val="600"/>
+              </a:spcAft>
+              <a:buClr>
+                <a:schemeClr val="accent1"/>
+              </a:buClr>
+              <a:buFont typeface="Wingdings 2" charset="2"/>
+              <a:buChar char=""/>
+              <a:defRPr sz="1200" kern="1200">
+                <a:solidFill>
+                  <a:schemeClr val="tx1"/>
+                </a:solidFill>
+                <a:latin typeface="+mn-lt"/>
+                <a:ea typeface="+mn-ea"/>
+                <a:cs typeface="+mn-cs"/>
+              </a:defRPr>
+            </a:lvl8pPr>
+            <a:lvl9pPr marL="3600000" indent="-228600" algn="l" defTabSz="457200" rtl="0" eaLnBrk="1" latinLnBrk="0" hangingPunct="1">
+              <a:spcBef>
+                <a:spcPct val="20000"/>
+              </a:spcBef>
+              <a:spcAft>
+                <a:spcPts val="600"/>
+              </a:spcAft>
+              <a:buClr>
+                <a:schemeClr val="accent1"/>
+              </a:buClr>
+              <a:buFont typeface="Wingdings 2" charset="2"/>
+              <a:buChar char=""/>
+              <a:defRPr sz="1200" kern="1200">
+                <a:solidFill>
+                  <a:schemeClr val="tx1"/>
+                </a:solidFill>
+                <a:latin typeface="+mn-lt"/>
+                <a:ea typeface="+mn-ea"/>
+                <a:cs typeface="+mn-cs"/>
+              </a:defRPr>
+            </a:lvl9pPr>
+          </a:lstStyle>
+          <a:p>
+            <a:pPr marL="0" indent="0">
+              <a:buNone/>
+            </a:pPr>
+            <a:r>
+              <a:rPr lang="de-DE" sz="2200" b="1" dirty="0"/>
+              <a:t>Referenzen</a:t>
+            </a:r>
+            <a:endParaRPr lang="de-DE" sz="2200" b="1" dirty="0">
+              <a:hlinkClick r:id="rId2">
+                <a:extLst>
+                  <a:ext uri="{A12FA001-AC4F-418D-AE19-62706E023703}">
+                    <ahyp:hlinkClr xmlns:ahyp="http://schemas.microsoft.com/office/drawing/2018/hyperlinkcolor" val="tx"/>
+                  </a:ext>
+                </a:extLst>
+              </a:hlinkClick>
+            </a:endParaRPr>
+          </a:p>
+          <a:p>
+            <a:pPr>
+              <a:buFont typeface="+mj-lt"/>
+              <a:buAutoNum type="arabicPeriod"/>
+            </a:pPr>
+            <a:r>
+              <a:rPr lang="de-DE" u="sng" dirty="0">
+                <a:hlinkClick r:id="rId2">
+                  <a:extLst>
+                    <a:ext uri="{A12FA001-AC4F-418D-AE19-62706E023703}">
+                      <ahyp:hlinkClr xmlns:ahyp="http://schemas.microsoft.com/office/drawing/2018/hyperlinkcolor" val="tx"/>
+                    </a:ext>
+                  </a:extLst>
+                </a:hlinkClick>
+              </a:rPr>
+              <a:t>https://www.klei.com/games/dont-starve</a:t>
+            </a:r>
+            <a:r>
+              <a:rPr lang="de-DE" dirty="0"/>
+              <a:t> (letzter Zugriff: 09.05.2019)</a:t>
+            </a:r>
+            <a:endParaRPr lang="de-DE" u="sng" dirty="0"/>
+          </a:p>
+          <a:p>
+            <a:pPr>
+              <a:buFont typeface="+mj-lt"/>
+              <a:buAutoNum type="arabicPeriod"/>
+            </a:pPr>
+            <a:r>
+              <a:rPr lang="de-DE" u="sng" dirty="0">
+                <a:hlinkClick r:id="rId3">
+                  <a:extLst>
+                    <a:ext uri="{A12FA001-AC4F-418D-AE19-62706E023703}">
+                      <ahyp:hlinkClr xmlns:ahyp="http://schemas.microsoft.com/office/drawing/2018/hyperlinkcolor" val="tx"/>
+                    </a:ext>
+                  </a:extLst>
+                </a:hlinkClick>
+              </a:rPr>
+              <a:t>https://www.stardewvalley.net</a:t>
+            </a:r>
+            <a:r>
+              <a:rPr lang="de-DE" dirty="0">
+                <a:hlinkClick r:id="rId3">
+                  <a:extLst>
+                    <a:ext uri="{A12FA001-AC4F-418D-AE19-62706E023703}">
+                      <ahyp:hlinkClr xmlns:ahyp="http://schemas.microsoft.com/office/drawing/2018/hyperlinkcolor" val="tx"/>
+                    </a:ext>
+                  </a:extLst>
+                </a:hlinkClick>
+              </a:rPr>
+              <a:t>/</a:t>
+            </a:r>
+            <a:r>
+              <a:rPr lang="de-DE" dirty="0"/>
+              <a:t> (letzter Zugriff: 09.05.2019)</a:t>
+            </a:r>
+            <a:endParaRPr lang="de-DE" u="sng" dirty="0"/>
+          </a:p>
+          <a:p>
+            <a:pPr>
+              <a:buFont typeface="+mj-lt"/>
+              <a:buAutoNum type="arabicPeriod"/>
+            </a:pPr>
+            <a:r>
+              <a:rPr lang="en-DE" u="sng" dirty="0">
+                <a:hlinkClick r:id="rId4">
+                  <a:extLst>
+                    <a:ext uri="{A12FA001-AC4F-418D-AE19-62706E023703}">
+                      <ahyp:hlinkClr xmlns:ahyp="http://schemas.microsoft.com/office/drawing/2018/hyperlinkcolor" val="tx"/>
+                    </a:ext>
+                  </a:extLst>
+                </a:hlinkClick>
+              </a:rPr>
+              <a:t>https://titanfall.fandom.com/wiki/Phase_Shift</a:t>
+            </a:r>
+            <a:r>
+              <a:rPr lang="en-GB" dirty="0"/>
+              <a:t> </a:t>
+            </a:r>
+            <a:r>
+              <a:rPr lang="de-DE" dirty="0"/>
+              <a:t>(letzter Zugriff: 09.05.2019)</a:t>
+            </a:r>
+            <a:endParaRPr lang="en-GB" u="sng" dirty="0"/>
+          </a:p>
+          <a:p>
+            <a:pPr>
+              <a:buFont typeface="+mj-lt"/>
+              <a:buAutoNum type="arabicPeriod"/>
+            </a:pPr>
+            <a:r>
+              <a:rPr lang="en-DE" u="sng" dirty="0">
+                <a:hlinkClick r:id="rId5">
+                  <a:extLst>
+                    <a:ext uri="{A12FA001-AC4F-418D-AE19-62706E023703}">
+                      <ahyp:hlinkClr xmlns:ahyp="http://schemas.microsoft.com/office/drawing/2018/hyperlinkcolor" val="tx"/>
+                    </a:ext>
+                  </a:extLst>
+                </a:hlinkClick>
+              </a:rPr>
+              <a:t>https://www.ea.com/de-de/games/titanfall/titanfall-2</a:t>
+            </a:r>
+            <a:r>
+              <a:rPr lang="en-GB" dirty="0"/>
+              <a:t> </a:t>
+            </a:r>
+            <a:r>
+              <a:rPr lang="de-DE" dirty="0"/>
+              <a:t>(letzter Zugriff: 09.05.2019)</a:t>
+            </a:r>
+          </a:p>
+          <a:p>
+            <a:pPr>
+              <a:buFont typeface="+mj-lt"/>
+              <a:buAutoNum type="arabicPeriod"/>
+            </a:pPr>
+            <a:endParaRPr lang="de-DE" u="sng" dirty="0"/>
+          </a:p>
+          <a:p>
+            <a:pPr marL="0" indent="0">
+              <a:buNone/>
+            </a:pPr>
+            <a:r>
+              <a:rPr lang="de-DE" sz="2200" b="1" dirty="0"/>
+              <a:t>Bilder</a:t>
+            </a:r>
+          </a:p>
+          <a:p>
+            <a:pPr>
+              <a:buFont typeface="+mj-lt"/>
+              <a:buAutoNum type="arabicPeriod"/>
+            </a:pPr>
+            <a:r>
+              <a:rPr lang="en-GB" dirty="0">
+                <a:hlinkClick r:id="rId2">
+                  <a:extLst>
+                    <a:ext uri="{A12FA001-AC4F-418D-AE19-62706E023703}">
+                      <ahyp:hlinkClr xmlns:ahyp="http://schemas.microsoft.com/office/drawing/2018/hyperlinkcolor" val="tx"/>
+                    </a:ext>
+                  </a:extLst>
+                </a:hlinkClick>
+              </a:rPr>
+              <a:t>https://www.klei.com/games/dont-starve</a:t>
+            </a:r>
+            <a:r>
+              <a:rPr lang="en-GB" dirty="0"/>
+              <a:t> </a:t>
+            </a:r>
+            <a:r>
+              <a:rPr lang="de-DE" dirty="0"/>
+              <a:t>(letzter Zugriff: 09.05.2019)</a:t>
+            </a:r>
+            <a:endParaRPr lang="en-GB" dirty="0"/>
+          </a:p>
+          <a:p>
+            <a:pPr>
+              <a:buFont typeface="+mj-lt"/>
+              <a:buAutoNum type="arabicPeriod"/>
+            </a:pPr>
+            <a:r>
+              <a:rPr lang="en-GB" dirty="0">
+                <a:hlinkClick r:id="rId3">
+                  <a:extLst>
+                    <a:ext uri="{A12FA001-AC4F-418D-AE19-62706E023703}">
+                      <ahyp:hlinkClr xmlns:ahyp="http://schemas.microsoft.com/office/drawing/2018/hyperlinkcolor" val="tx"/>
+                    </a:ext>
+                  </a:extLst>
+                </a:hlinkClick>
+              </a:rPr>
+              <a:t>https://www.stardewvalley.net/</a:t>
+            </a:r>
+            <a:r>
+              <a:rPr lang="en-GB" dirty="0"/>
+              <a:t> </a:t>
+            </a:r>
+            <a:r>
+              <a:rPr lang="de-DE" dirty="0"/>
+              <a:t>(letzter Zugriff: 09.05.2019)</a:t>
+            </a:r>
+            <a:endParaRPr lang="en-GB" dirty="0"/>
+          </a:p>
+          <a:p>
+            <a:pPr>
+              <a:buFont typeface="+mj-lt"/>
+              <a:buAutoNum type="arabicPeriod"/>
+            </a:pPr>
+            <a:r>
+              <a:rPr lang="en-GB" dirty="0">
+                <a:hlinkClick r:id="rId6" tooltip="https://twitter.com/starwarspixel">
+                  <a:extLst>
+                    <a:ext uri="{A12FA001-AC4F-418D-AE19-62706E023703}">
+                      <ahyp:hlinkClr xmlns:ahyp="http://schemas.microsoft.com/office/drawing/2018/hyperlinkcolor" val="tx"/>
+                    </a:ext>
+                  </a:extLst>
+                </a:hlinkClick>
+              </a:rPr>
+              <a:t>https://twitter.com/starwarspixel</a:t>
+            </a:r>
+            <a:r>
+              <a:rPr lang="en-GB" dirty="0"/>
+              <a:t> </a:t>
+            </a:r>
+            <a:r>
+              <a:rPr lang="de-DE" dirty="0"/>
+              <a:t>(letzter Zugriff: 09.05.2019)</a:t>
+            </a:r>
+            <a:endParaRPr lang="en-GB" b="1" dirty="0"/>
+          </a:p>
+          <a:p>
+            <a:pPr>
+              <a:buFont typeface="+mj-lt"/>
+              <a:buAutoNum type="arabicPeriod"/>
+            </a:pPr>
+            <a:endParaRPr lang="de-DE" u="sng" dirty="0"/>
+          </a:p>
+        </p:txBody>
+      </p:sp>
+    </p:spTree>
+    <p:extLst>
+      <p:ext uri="{BB962C8B-B14F-4D97-AF65-F5344CB8AC3E}">
+        <p14:creationId xmlns:p14="http://schemas.microsoft.com/office/powerpoint/2010/main" val="2375851396"/>
+      </p:ext>
+    </p:extLst>
+  </p:cSld>
+  <p:clrMapOvr>
+    <a:masterClrMapping/>
+  </p:clrMapOvr>
 </p:sld>
 </file>
 
@@ -17660,7 +18912,7 @@
           <a:effectLst/>
           <a:extLst>
             <a:ext uri="{91240B29-F687-4f45-9708-019B960494DF}">
-              <a14:hiddenLine xmlns:a16="http://schemas.microsoft.com/office/drawing/2014/main" xmlns:p14="http://schemas.microsoft.com/office/powerpoint/2010/main" xmlns:a14="http://schemas.microsoft.com/office/drawing/2010/main" xmlns="" w="9525">
+              <a14:hiddenLine xmlns="" xmlns:a14="http://schemas.microsoft.com/office/drawing/2010/main" xmlns:p14="http://schemas.microsoft.com/office/powerpoint/2010/main" xmlns:a16="http://schemas.microsoft.com/office/drawing/2014/main" w="9525">
                 <a:solidFill>
                   <a:srgbClr val="000000"/>
                 </a:solidFill>
@@ -18247,7 +19499,26 @@
           <a:bodyPr/>
           <a:lstStyle/>
           <a:p>
-            <a:endParaRPr lang="de-DE" dirty="0"/>
+            <a:r>
+              <a:rPr lang="de-DE" dirty="0"/>
+              <a:t>Running </a:t>
+            </a:r>
+            <a:r>
+              <a:rPr lang="de-DE" dirty="0" err="1"/>
+              <a:t>background</a:t>
+            </a:r>
+            <a:r>
+              <a:rPr lang="de-DE" dirty="0"/>
+              <a:t> </a:t>
+            </a:r>
+            <a:r>
+              <a:rPr lang="de-DE" dirty="0" err="1"/>
+              <a:t>checks</a:t>
+            </a:r>
+            <a:r>
+              <a:rPr lang="de-DE" dirty="0"/>
+              <a:t>…</a:t>
+            </a:r>
           </a:p>
         </p:txBody>
       </p:sp>
@@ -18375,7 +19646,7 @@
           <a:p>
             <a:r>
               <a:rPr lang="de-DE" dirty="0"/>
-              <a:t>Inspiriert durch die Perspektiven von </a:t>
+              <a:t>Inspiriert von </a:t>
             </a:r>
             <a:r>
               <a:rPr lang="de-DE" dirty="0" err="1">
@@ -18397,10 +19668,10 @@
                   </a:schemeClr>
                 </a:solidFill>
               </a:rPr>
-              <a:t> </a:t>
-            </a:r>
-            <a:r>
-              <a:rPr lang="de-DE" dirty="0" err="1">
+              <a:t> Starve</a:t>
+            </a:r>
+            <a:r>
+              <a:rPr lang="de-DE" baseline="30000" dirty="0">
                 <a:solidFill>
                   <a:schemeClr val="accent1">
                     <a:lumMod val="60000"/>
@@ -18408,7 +19679,7 @@
                   </a:schemeClr>
                 </a:solidFill>
               </a:rPr>
-              <a:t>Starve</a:t>
+              <a:t>1</a:t>
             </a:r>
             <a:r>
               <a:rPr lang="de-DE" dirty="0">
@@ -18447,30 +19718,8 @@
               </a:rPr>
               <a:t> Valley</a:t>
             </a:r>
-          </a:p>
-          <a:p>
-            <a:r>
-              <a:rPr lang="de-DE" dirty="0"/>
-              <a:t>Kernmechanik: </a:t>
-            </a:r>
-            <a:r>
-              <a:rPr lang="de-DE" b="1" dirty="0"/>
-              <a:t>Zeitreise</a:t>
-            </a:r>
-            <a:r>
-              <a:rPr lang="de-DE" dirty="0"/>
-              <a:t> → Inspiriert durch „Time </a:t>
-            </a:r>
-            <a:r>
-              <a:rPr lang="de-DE" dirty="0" err="1"/>
-              <a:t>gauntlet</a:t>
-            </a:r>
-            <a:r>
-              <a:rPr lang="de-DE" dirty="0"/>
-              <a:t>“ aus </a:t>
-            </a:r>
-            <a:r>
-              <a:rPr lang="de-DE" dirty="0">
+            <a:r>
+              <a:rPr lang="de-DE" baseline="30000" dirty="0">
                 <a:solidFill>
                   <a:schemeClr val="accent1">
                     <a:lumMod val="60000"/>
@@ -18478,8 +19727,68 @@
                   </a:schemeClr>
                 </a:solidFill>
               </a:rPr>
+              <a:t>2</a:t>
+            </a:r>
+            <a:endParaRPr lang="de-DE" dirty="0">
+              <a:solidFill>
+                <a:schemeClr val="accent1">
+                  <a:lumMod val="60000"/>
+                  <a:lumOff val="40000"/>
+                </a:schemeClr>
+              </a:solidFill>
+            </a:endParaRPr>
+          </a:p>
+          <a:p>
+            <a:r>
+              <a:rPr lang="de-DE" dirty="0"/>
+              <a:t>Kernmechanik: </a:t>
+            </a:r>
+            <a:r>
+              <a:rPr lang="de-DE" b="1" dirty="0"/>
+              <a:t>Zeitreise</a:t>
+            </a:r>
+            <a:r>
+              <a:rPr lang="de-DE" dirty="0"/>
+              <a:t> → Inspiriert durch „Time gauntlet“</a:t>
+            </a:r>
+            <a:r>
+              <a:rPr lang="de-DE" baseline="30000" dirty="0"/>
+              <a:t>3</a:t>
+            </a:r>
+            <a:r>
+              <a:rPr lang="de-DE" dirty="0"/>
+              <a:t> aus </a:t>
+            </a:r>
+            <a:r>
+              <a:rPr lang="de-DE" dirty="0">
+                <a:solidFill>
+                  <a:schemeClr val="accent1">
+                    <a:lumMod val="60000"/>
+                    <a:lumOff val="40000"/>
+                  </a:schemeClr>
+                </a:solidFill>
+              </a:rPr>
               <a:t>Titanfall 2</a:t>
             </a:r>
+            <a:r>
+              <a:rPr lang="de-DE" baseline="30000" dirty="0">
+                <a:solidFill>
+                  <a:schemeClr val="accent1">
+                    <a:lumMod val="60000"/>
+                    <a:lumOff val="40000"/>
+                  </a:schemeClr>
+                </a:solidFill>
+              </a:rPr>
+              <a:t>4</a:t>
+            </a:r>
+            <a:endParaRPr lang="de-DE" dirty="0">
+              <a:solidFill>
+                <a:schemeClr val="accent1">
+                  <a:lumMod val="60000"/>
+                  <a:lumOff val="40000"/>
+                </a:schemeClr>
+              </a:solidFill>
+            </a:endParaRPr>
           </a:p>
           <a:p>
             <a:r>
@@ -18727,7 +20036,7 @@
           <a:effectLst/>
           <a:extLst>
             <a:ext uri="{91240B29-F687-4f45-9708-019B960494DF}">
-              <a14:hiddenLine xmlns:a16="http://schemas.microsoft.com/office/drawing/2014/main" xmlns:p14="http://schemas.microsoft.com/office/powerpoint/2010/main" xmlns:a14="http://schemas.microsoft.com/office/drawing/2010/main" xmlns="" w="9525">
+              <a14:hiddenLine xmlns="" xmlns:a14="http://schemas.microsoft.com/office/drawing/2010/main" xmlns:p14="http://schemas.microsoft.com/office/powerpoint/2010/main" xmlns:a16="http://schemas.microsoft.com/office/drawing/2014/main" w="9525">
                 <a:solidFill>
                   <a:srgbClr val="000000"/>
                 </a:solidFill>
@@ -18768,7 +20077,7 @@
           <p:nvPr/>
         </p:nvPicPr>
         <p:blipFill rotWithShape="1">
-          <a:blip r:embed="rId2"/>
+          <a:blip r:embed="rId3"/>
           <a:srcRect l="9844" r="5521" b="-5"/>
           <a:stretch/>
         </p:blipFill>
@@ -18797,7 +20106,7 @@
           <p:nvPr/>
         </p:nvPicPr>
         <p:blipFill rotWithShape="1">
-          <a:blip r:embed="rId3"/>
+          <a:blip r:embed="rId4"/>
           <a:srcRect l="590" t="2704" r="-2" b="14895"/>
           <a:stretch/>
         </p:blipFill>
@@ -18934,7 +20243,10 @@
           <a:bodyPr/>
           <a:lstStyle/>
           <a:p>
-            <a:endParaRPr lang="de-DE"/>
+            <a:r>
+              <a:rPr lang="en-GB" dirty="0"/>
+              <a:t>We ran out of ideas for this text box.</a:t>
+            </a:r>
           </a:p>
         </p:txBody>
       </p:sp>
@@ -19231,7 +20543,7 @@
           <a:effectLst/>
           <a:extLst>
             <a:ext uri="{91240B29-F687-4f45-9708-019B960494DF}">
-              <a14:hiddenLine xmlns:a16="http://schemas.microsoft.com/office/drawing/2014/main" xmlns:p14="http://schemas.microsoft.com/office/powerpoint/2010/main" xmlns:a14="http://schemas.microsoft.com/office/drawing/2010/main" xmlns="" w="9525">
+              <a14:hiddenLine xmlns="" xmlns:a14="http://schemas.microsoft.com/office/drawing/2010/main" xmlns:p14="http://schemas.microsoft.com/office/powerpoint/2010/main" xmlns:a16="http://schemas.microsoft.com/office/drawing/2014/main" w="9525">
                 <a:solidFill>
                   <a:srgbClr val="000000"/>
                 </a:solidFill>

--- a/Information/Präsentation.pptx
+++ b/Information/Präsentation.pptx
@@ -199,7 +199,7 @@
 <file path=ppt/charts/chart1.xml><?xml version="1.0" encoding="utf-8"?>
 <c:chartSpace xmlns:c="http://schemas.openxmlformats.org/drawingml/2006/chart" xmlns:a="http://schemas.openxmlformats.org/drawingml/2006/main" xmlns:r="http://schemas.openxmlformats.org/officeDocument/2006/relationships" xmlns:c16r2="http://schemas.microsoft.com/office/drawing/2015/06/chart">
   <c:date1904 val="0"/>
-  <c:lang val="en-US"/>
+  <c:lang val="de-DE"/>
   <c:roundedCorners val="0"/>
   <mc:AlternateContent xmlns:mc="http://schemas.openxmlformats.org/markup-compatibility/2006">
     <mc:Choice xmlns:c14="http://schemas.microsoft.com/office/drawing/2007/8/2/chart" Requires="c14">
@@ -299,10 +299,10 @@
                   <a:bodyPr/>
                   <a:lstStyle/>
                   <a:p>
-                    <a:fld id="{AFD6052D-D0F1-4EBD-9993-440A0E1C9240}" type="CELLRANGE">
+                    <a:fld id="{EAC6AA44-AA5B-4489-BD5B-1B8060D23B84}" type="CELLRANGE">
                       <a:rPr lang="de-DE"/>
                       <a:pPr/>
-                      <a:t>[CELLRANGE]</a:t>
+                      <a:t>[ZELLBEREICH]</a:t>
                     </a:fld>
                     <a:endParaRPr lang="de-DE"/>
                   </a:p>
@@ -333,10 +333,10 @@
                   <a:bodyPr/>
                   <a:lstStyle/>
                   <a:p>
-                    <a:fld id="{99E34118-8E32-4780-B139-1D4162428389}" type="CELLRANGE">
+                    <a:fld id="{F01BDBAC-1EED-439A-BFDC-52BB00C75D18}" type="CELLRANGE">
                       <a:rPr lang="de-DE"/>
                       <a:pPr/>
-                      <a:t>[CELLRANGE]</a:t>
+                      <a:t>[ZELLBEREICH]</a:t>
                     </a:fld>
                     <a:endParaRPr lang="de-DE"/>
                   </a:p>
@@ -367,10 +367,10 @@
                   <a:bodyPr/>
                   <a:lstStyle/>
                   <a:p>
-                    <a:fld id="{45C54CB9-E392-401A-B61B-12904F3E3459}" type="CELLRANGE">
+                    <a:fld id="{339B3B1D-77D6-47FD-93F8-7BD44E0B2148}" type="CELLRANGE">
                       <a:rPr lang="de-DE"/>
                       <a:pPr/>
-                      <a:t>[CELLRANGE]</a:t>
+                      <a:t>[ZELLBEREICH]</a:t>
                     </a:fld>
                     <a:endParaRPr lang="de-DE"/>
                   </a:p>
@@ -401,10 +401,10 @@
                   <a:bodyPr/>
                   <a:lstStyle/>
                   <a:p>
-                    <a:fld id="{A052F8DA-171B-4BAC-86AC-B475A0D01659}" type="CELLRANGE">
+                    <a:fld id="{AEC3071D-4415-4EF6-861B-AE0093260347}" type="CELLRANGE">
                       <a:rPr lang="de-DE"/>
                       <a:pPr/>
-                      <a:t>[CELLRANGE]</a:t>
+                      <a:t>[ZELLBEREICH]</a:t>
                     </a:fld>
                     <a:endParaRPr lang="de-DE"/>
                   </a:p>
@@ -435,10 +435,10 @@
                   <a:bodyPr/>
                   <a:lstStyle/>
                   <a:p>
-                    <a:fld id="{A0769335-703A-4E27-A90B-2A65818B0486}" type="CELLRANGE">
+                    <a:fld id="{D9A9401D-01FF-4F30-A23B-A2B278875D58}" type="CELLRANGE">
                       <a:rPr lang="de-DE"/>
                       <a:pPr/>
-                      <a:t>[CELLRANGE]</a:t>
+                      <a:t>[ZELLBEREICH]</a:t>
                     </a:fld>
                     <a:endParaRPr lang="de-DE"/>
                   </a:p>
@@ -469,10 +469,10 @@
                   <a:bodyPr/>
                   <a:lstStyle/>
                   <a:p>
-                    <a:fld id="{D38F9DC9-25CD-4E01-ACFA-D872496772CC}" type="CELLRANGE">
+                    <a:fld id="{B2693386-C7C9-49E8-817A-DB9620A81301}" type="CELLRANGE">
                       <a:rPr lang="de-DE"/>
                       <a:pPr/>
-                      <a:t>[CELLRANGE]</a:t>
+                      <a:t>[ZELLBEREICH]</a:t>
                     </a:fld>
                     <a:endParaRPr lang="de-DE"/>
                   </a:p>
@@ -503,10 +503,10 @@
                   <a:bodyPr/>
                   <a:lstStyle/>
                   <a:p>
-                    <a:fld id="{FBE93D09-E7CC-40EE-B201-3000A9C713D0}" type="CELLRANGE">
+                    <a:fld id="{68647065-43E2-4C2E-8887-239AD6658698}" type="CELLRANGE">
                       <a:rPr lang="de-DE"/>
                       <a:pPr/>
-                      <a:t>[CELLRANGE]</a:t>
+                      <a:t>[ZELLBEREICH]</a:t>
                     </a:fld>
                     <a:endParaRPr lang="de-DE"/>
                   </a:p>
@@ -537,10 +537,10 @@
                   <a:bodyPr/>
                   <a:lstStyle/>
                   <a:p>
-                    <a:fld id="{26978E52-0038-46B2-B741-CA2248AD3489}" type="CELLRANGE">
+                    <a:fld id="{0D51839C-2200-446E-A13F-9C1F8FDB5D35}" type="CELLRANGE">
                       <a:rPr lang="de-DE"/>
                       <a:pPr/>
-                      <a:t>[CELLRANGE]</a:t>
+                      <a:t>[ZELLBEREICH]</a:t>
                     </a:fld>
                     <a:endParaRPr lang="de-DE"/>
                   </a:p>
@@ -571,10 +571,10 @@
                   <a:bodyPr/>
                   <a:lstStyle/>
                   <a:p>
-                    <a:fld id="{559EA2E5-71A4-4C74-A354-14CC88B470DF}" type="CELLRANGE">
+                    <a:fld id="{6C444A07-77B4-45EB-89FD-53AA1F2488E0}" type="CELLRANGE">
                       <a:rPr lang="de-DE"/>
                       <a:pPr/>
-                      <a:t>[CELLRANGE]</a:t>
+                      <a:t>[ZELLBEREICH]</a:t>
                     </a:fld>
                     <a:endParaRPr lang="de-DE"/>
                   </a:p>
@@ -605,10 +605,10 @@
                   <a:bodyPr/>
                   <a:lstStyle/>
                   <a:p>
-                    <a:fld id="{AAAB9519-38D8-461B-90F5-679F06442D63}" type="CELLRANGE">
+                    <a:fld id="{CCC88F3F-95F5-4870-BDD6-CC49DE7BBD05}" type="CELLRANGE">
                       <a:rPr lang="de-DE"/>
                       <a:pPr/>
-                      <a:t>[CELLRANGE]</a:t>
+                      <a:t>[ZELLBEREICH]</a:t>
                     </a:fld>
                     <a:endParaRPr lang="de-DE"/>
                   </a:p>
@@ -639,10 +639,10 @@
                   <a:bodyPr/>
                   <a:lstStyle/>
                   <a:p>
-                    <a:fld id="{18175851-814F-4C3F-AD7A-805BE7DD9856}" type="CELLRANGE">
+                    <a:fld id="{89A10ED6-93D5-4436-89B7-6AA90A7ED8D3}" type="CELLRANGE">
                       <a:rPr lang="de-DE"/>
                       <a:pPr/>
-                      <a:t>[CELLRANGE]</a:t>
+                      <a:t>[ZELLBEREICH]</a:t>
                     </a:fld>
                     <a:endParaRPr lang="de-DE"/>
                   </a:p>
@@ -673,10 +673,10 @@
                   <a:bodyPr/>
                   <a:lstStyle/>
                   <a:p>
-                    <a:fld id="{BAC0A449-B9BA-413E-90AC-9BF1A2309F68}" type="CELLRANGE">
+                    <a:fld id="{1C47B5CD-1DEA-4AD2-A5EF-79396CB5E98D}" type="CELLRANGE">
                       <a:rPr lang="de-DE"/>
                       <a:pPr/>
-                      <a:t>[CELLRANGE]</a:t>
+                      <a:t>[ZELLBEREICH]</a:t>
                     </a:fld>
                     <a:endParaRPr lang="de-DE"/>
                   </a:p>
@@ -751,7 +751,7 @@
                     <a:cs typeface="+mn-cs"/>
                   </a:defRPr>
                 </a:pPr>
-                <a:endParaRPr lang="en-DE"/>
+                <a:endParaRPr lang="de-DE"/>
               </a:p>
             </c:txPr>
             <c:dLblPos val="l"/>
@@ -1241,10 +1241,10 @@
                   <a:bodyPr/>
                   <a:lstStyle/>
                   <a:p>
-                    <a:fld id="{DE79DBCA-43DE-4847-8CE7-CF0476237E17}" type="CELLRANGE">
+                    <a:fld id="{B48DA021-1D0B-47A7-AEB4-D5F0CB3CDA29}" type="CELLRANGE">
                       <a:rPr lang="de-DE"/>
                       <a:pPr/>
-                      <a:t>[CELLRANGE]</a:t>
+                      <a:t>[ZELLBEREICH]</a:t>
                     </a:fld>
                     <a:endParaRPr lang="de-DE"/>
                   </a:p>
@@ -1275,10 +1275,10 @@
                   <a:bodyPr/>
                   <a:lstStyle/>
                   <a:p>
-                    <a:fld id="{8A41E882-289F-4311-80FF-4A2D67FABB2F}" type="CELLRANGE">
+                    <a:fld id="{073C5D3B-AB4F-4923-84AE-48A62D36A4DA}" type="CELLRANGE">
                       <a:rPr lang="de-DE"/>
                       <a:pPr/>
-                      <a:t>[CELLRANGE]</a:t>
+                      <a:t>[ZELLBEREICH]</a:t>
                     </a:fld>
                     <a:endParaRPr lang="de-DE"/>
                   </a:p>
@@ -1309,10 +1309,10 @@
                   <a:bodyPr/>
                   <a:lstStyle/>
                   <a:p>
-                    <a:fld id="{67CAA20D-D345-438E-9950-DCB0C941DC2E}" type="CELLRANGE">
+                    <a:fld id="{7EE6D3D0-A92C-42F1-BAA5-76D779577913}" type="CELLRANGE">
                       <a:rPr lang="de-DE"/>
                       <a:pPr/>
-                      <a:t>[CELLRANGE]</a:t>
+                      <a:t>[ZELLBEREICH]</a:t>
                     </a:fld>
                     <a:endParaRPr lang="de-DE"/>
                   </a:p>
@@ -1343,10 +1343,10 @@
                   <a:bodyPr/>
                   <a:lstStyle/>
                   <a:p>
-                    <a:fld id="{868D7B10-814B-4A63-B907-C4DD25ECD3E9}" type="CELLRANGE">
+                    <a:fld id="{C3895EF4-AF07-4232-B093-888049C076D2}" type="CELLRANGE">
                       <a:rPr lang="de-DE"/>
                       <a:pPr/>
-                      <a:t>[CELLRANGE]</a:t>
+                      <a:t>[ZELLBEREICH]</a:t>
                     </a:fld>
                     <a:endParaRPr lang="de-DE"/>
                   </a:p>
@@ -1377,10 +1377,10 @@
                   <a:bodyPr/>
                   <a:lstStyle/>
                   <a:p>
-                    <a:fld id="{549637D4-7345-4C5A-B054-E9208603C0C1}" type="CELLRANGE">
+                    <a:fld id="{2460653F-B607-4229-95EA-29B21A4EAA83}" type="CELLRANGE">
                       <a:rPr lang="de-DE"/>
                       <a:pPr/>
-                      <a:t>[CELLRANGE]</a:t>
+                      <a:t>[ZELLBEREICH]</a:t>
                     </a:fld>
                     <a:endParaRPr lang="de-DE"/>
                   </a:p>
@@ -1411,10 +1411,10 @@
                   <a:bodyPr/>
                   <a:lstStyle/>
                   <a:p>
-                    <a:fld id="{6B394819-0C04-4D2B-820B-15D5E182A911}" type="CELLRANGE">
+                    <a:fld id="{D903D81E-1FCC-4CAD-866D-B77DD9AE7E89}" type="CELLRANGE">
                       <a:rPr lang="de-DE"/>
                       <a:pPr/>
-                      <a:t>[CELLRANGE]</a:t>
+                      <a:t>[ZELLBEREICH]</a:t>
                     </a:fld>
                     <a:endParaRPr lang="de-DE"/>
                   </a:p>
@@ -1487,7 +1487,7 @@
                     <a:cs typeface="+mn-cs"/>
                   </a:defRPr>
                 </a:pPr>
-                <a:endParaRPr lang="en-DE"/>
+                <a:endParaRPr lang="de-DE"/>
               </a:p>
             </c:txPr>
             <c:dLblPos val="t"/>
@@ -1705,7 +1705,7 @@
                 <a:cs typeface="+mn-cs"/>
               </a:defRPr>
             </a:pPr>
-            <a:endParaRPr lang="en-DE"/>
+            <a:endParaRPr lang="de-DE"/>
           </a:p>
         </c:txPr>
         <c:crossAx val="484834552"/>
@@ -1766,7 +1766,7 @@
       <a:pPr>
         <a:defRPr/>
       </a:pPr>
-      <a:endParaRPr lang="en-DE"/>
+      <a:endParaRPr lang="de-DE"/>
     </a:p>
   </c:txPr>
   <c:externalData r:id="rId3">
@@ -6035,7 +6035,7 @@
           <a:p>
             <a:fld id="{E50B3C79-A904-4F35-8EE8-3F2172FFB220}" type="datetimeFigureOut">
               <a:rPr lang="de-DE" smtClean="0"/>
-              <a:t>10.05.2019</a:t>
+              <a:t>13.05.2019</a:t>
             </a:fld>
             <a:endParaRPr lang="de-DE"/>
           </a:p>
@@ -6194,7 +6194,7 @@
           <a:p>
             <a:fld id="{6BAD1AF2-A6B3-4B84-B5D2-6F16B2D7100D}" type="slidenum">
               <a:rPr lang="de-DE" smtClean="0"/>
-              <a:t>‹#›</a:t>
+              <a:t>‹Nr.›</a:t>
             </a:fld>
             <a:endParaRPr lang="de-DE"/>
           </a:p>
@@ -9103,7 +9103,7 @@
           <a:effectLst/>
           <a:extLst>
             <a:ext uri="{91240B29-F687-4f45-9708-019B960494DF}">
-              <a14:hiddenLine xmlns:a14="http://schemas.microsoft.com/office/drawing/2010/main" xmlns="" w="9525">
+              <a14:hiddenLine xmlns="" xmlns:a14="http://schemas.microsoft.com/office/drawing/2010/main" w="9525">
                 <a:solidFill>
                   <a:srgbClr val="000000"/>
                 </a:solidFill>
@@ -9296,7 +9296,7 @@
             <a:fld id="{08B9EBBA-996F-894A-B54A-D6246ED52CEA}" type="datetimeFigureOut">
               <a:rPr lang="en-US" dirty="0"/>
               <a:pPr/>
-              <a:t>5/10/2019</a:t>
+              <a:t>5/13/2019</a:t>
             </a:fld>
             <a:endParaRPr lang="en-US" dirty="0"/>
           </a:p>
@@ -9339,7 +9339,7 @@
             <a:fld id="{D57F1E4F-1CFF-5643-939E-217C01CDF565}" type="slidenum">
               <a:rPr lang="en-US" dirty="0"/>
               <a:pPr/>
-              <a:t>‹#›</a:t>
+              <a:t>‹Nr.›</a:t>
             </a:fld>
             <a:endParaRPr lang="en-US" dirty="0"/>
           </a:p>
@@ -9606,7 +9606,7 @@
             <a:fld id="{18C79C5D-2A6F-F04D-97DA-BEF2467B64E4}" type="datetimeFigureOut">
               <a:rPr lang="en-US" dirty="0"/>
               <a:pPr/>
-              <a:t>5/10/2019</a:t>
+              <a:t>5/13/2019</a:t>
             </a:fld>
             <a:endParaRPr lang="en-US" dirty="0"/>
           </a:p>
@@ -9659,7 +9659,7 @@
             <a:fld id="{D57F1E4F-1CFF-5643-939E-217C01CDF565}" type="slidenum">
               <a:rPr lang="en-US" dirty="0"/>
               <a:pPr/>
-              <a:t>‹#›</a:t>
+              <a:t>‹Nr.›</a:t>
             </a:fld>
             <a:endParaRPr lang="en-US" dirty="0"/>
           </a:p>
@@ -9931,7 +9931,7 @@
             <a:fld id="{18C79C5D-2A6F-F04D-97DA-BEF2467B64E4}" type="datetimeFigureOut">
               <a:rPr lang="en-US" dirty="0"/>
               <a:pPr/>
-              <a:t>5/10/2019</a:t>
+              <a:t>5/13/2019</a:t>
             </a:fld>
             <a:endParaRPr lang="en-US" dirty="0"/>
           </a:p>
@@ -9974,7 +9974,7 @@
             <a:fld id="{D57F1E4F-1CFF-5643-939E-217C01CDF565}" type="slidenum">
               <a:rPr lang="en-US" dirty="0"/>
               <a:pPr/>
-              <a:t>‹#›</a:t>
+              <a:t>‹Nr.›</a:t>
             </a:fld>
             <a:endParaRPr lang="en-US" dirty="0"/>
           </a:p>
@@ -10416,7 +10416,7 @@
             <a:fld id="{8DFA1846-DA80-1C48-A609-854EA85C59AD}" type="datetimeFigureOut">
               <a:rPr lang="en-US" dirty="0"/>
               <a:pPr/>
-              <a:t>5/10/2019</a:t>
+              <a:t>5/13/2019</a:t>
             </a:fld>
             <a:endParaRPr lang="en-US" dirty="0"/>
           </a:p>
@@ -10459,7 +10459,7 @@
             <a:fld id="{D57F1E4F-1CFF-5643-939E-217C01CDF565}" type="slidenum">
               <a:rPr lang="en-US" dirty="0"/>
               <a:pPr/>
-              <a:t>‹#›</a:t>
+              <a:t>‹Nr.›</a:t>
             </a:fld>
             <a:endParaRPr lang="en-US" dirty="0"/>
           </a:p>
@@ -10782,7 +10782,7 @@
             <a:fld id="{FBF54567-0DE4-3F47-BF90-CB84690072F9}" type="datetimeFigureOut">
               <a:rPr lang="en-US" dirty="0"/>
               <a:pPr/>
-              <a:t>5/10/2019</a:t>
+              <a:t>5/13/2019</a:t>
             </a:fld>
             <a:endParaRPr lang="en-US" dirty="0"/>
           </a:p>
@@ -10825,7 +10825,7 @@
             <a:fld id="{D57F1E4F-1CFF-5643-939E-217C01CDF565}" type="slidenum">
               <a:rPr lang="en-US" dirty="0"/>
               <a:pPr/>
-              <a:t>‹#›</a:t>
+              <a:t>‹Nr.›</a:t>
             </a:fld>
             <a:endParaRPr lang="en-US" dirty="0"/>
           </a:p>
@@ -10933,7 +10933,7 @@
           <a:ln/>
           <a:extLst>
             <a:ext uri="{91240B29-F687-4f45-9708-019B960494DF}">
-              <a14:hiddenLine xmlns:a14="http://schemas.microsoft.com/office/drawing/2010/main" xmlns="" w="9525">
+              <a14:hiddenLine xmlns="" xmlns:a14="http://schemas.microsoft.com/office/drawing/2010/main" w="9525">
                 <a:solidFill>
                   <a:srgbClr val="000000"/>
                 </a:solidFill>
@@ -11052,7 +11052,7 @@
             <a:fld id="{C6C52C72-DE31-F449-A4ED-4C594FD91407}" type="datetimeFigureOut">
               <a:rPr lang="en-US" dirty="0"/>
               <a:pPr/>
-              <a:t>5/10/2019</a:t>
+              <a:t>5/13/2019</a:t>
             </a:fld>
             <a:endParaRPr lang="en-US" dirty="0"/>
           </a:p>
@@ -11095,7 +11095,7 @@
             <a:fld id="{D57F1E4F-1CFF-5643-939E-217C01CDF565}" type="slidenum">
               <a:rPr lang="en-US" dirty="0"/>
               <a:pPr/>
-              <a:t>‹#›</a:t>
+              <a:t>‹Nr.›</a:t>
             </a:fld>
             <a:endParaRPr lang="en-US" dirty="0"/>
           </a:p>
@@ -11205,7 +11205,7 @@
           <a:ln/>
           <a:extLst>
             <a:ext uri="{91240B29-F687-4f45-9708-019B960494DF}">
-              <a14:hiddenLine xmlns:a14="http://schemas.microsoft.com/office/drawing/2010/main" xmlns="" w="9525">
+              <a14:hiddenLine xmlns="" xmlns:a14="http://schemas.microsoft.com/office/drawing/2010/main" w="9525">
                 <a:solidFill>
                   <a:srgbClr val="000000"/>
                 </a:solidFill>
@@ -11334,7 +11334,7 @@
             <a:fld id="{ED62726E-379B-B349-9EED-81ED093FA806}" type="datetimeFigureOut">
               <a:rPr lang="en-US" dirty="0"/>
               <a:pPr/>
-              <a:t>5/10/2019</a:t>
+              <a:t>5/13/2019</a:t>
             </a:fld>
             <a:endParaRPr lang="en-US" dirty="0"/>
           </a:p>
@@ -11377,7 +11377,7 @@
             <a:fld id="{D57F1E4F-1CFF-5643-939E-217C01CDF565}" type="slidenum">
               <a:rPr lang="en-US" dirty="0"/>
               <a:pPr/>
-              <a:t>‹#›</a:t>
+              <a:t>‹Nr.›</a:t>
             </a:fld>
             <a:endParaRPr lang="en-US" dirty="0"/>
           </a:p>
@@ -11575,7 +11575,7 @@
             <a:fld id="{08B9EBBA-996F-894A-B54A-D6246ED52CEA}" type="datetimeFigureOut">
               <a:rPr lang="en-US" dirty="0"/>
               <a:pPr/>
-              <a:t>5/10/2019</a:t>
+              <a:t>5/13/2019</a:t>
             </a:fld>
             <a:endParaRPr lang="en-US" dirty="0"/>
           </a:p>
@@ -11618,7 +11618,7 @@
             <a:fld id="{D57F1E4F-1CFF-5643-939E-217C01CDF565}" type="slidenum">
               <a:rPr lang="en-US" dirty="0"/>
               <a:pPr/>
-              <a:t>‹#›</a:t>
+              <a:t>‹Nr.›</a:t>
             </a:fld>
             <a:endParaRPr lang="en-US" dirty="0"/>
           </a:p>
@@ -11761,7 +11761,7 @@
           <a:ln/>
           <a:extLst>
             <a:ext uri="{91240B29-F687-4f45-9708-019B960494DF}">
-              <a14:hiddenLine xmlns:a14="http://schemas.microsoft.com/office/drawing/2010/main" xmlns="" w="9525">
+              <a14:hiddenLine xmlns="" xmlns:a14="http://schemas.microsoft.com/office/drawing/2010/main" w="9525">
                 <a:solidFill>
                   <a:srgbClr val="000000"/>
                 </a:solidFill>
@@ -11890,7 +11890,7 @@
             <a:fld id="{9B3A1323-8D79-1946-B0D7-40001CF92E9D}" type="datetimeFigureOut">
               <a:rPr lang="en-US" dirty="0"/>
               <a:pPr/>
-              <a:t>5/10/2019</a:t>
+              <a:t>5/13/2019</a:t>
             </a:fld>
             <a:endParaRPr lang="en-US" dirty="0"/>
           </a:p>
@@ -11933,7 +11933,7 @@
             <a:fld id="{D57F1E4F-1CFF-5643-939E-217C01CDF565}" type="slidenum">
               <a:rPr lang="en-US" dirty="0"/>
               <a:pPr/>
-              <a:t>‹#›</a:t>
+              <a:t>‹Nr.›</a:t>
             </a:fld>
             <a:endParaRPr lang="en-US" dirty="0"/>
           </a:p>
@@ -12230,7 +12230,7 @@
             <a:fld id="{8DFA1846-DA80-1C48-A609-854EA85C59AD}" type="datetimeFigureOut">
               <a:rPr lang="en-US" dirty="0"/>
               <a:pPr/>
-              <a:t>5/10/2019</a:t>
+              <a:t>5/13/2019</a:t>
             </a:fld>
             <a:endParaRPr lang="en-US" dirty="0"/>
           </a:p>
@@ -12273,7 +12273,7 @@
             <a:fld id="{D57F1E4F-1CFF-5643-939E-217C01CDF565}" type="slidenum">
               <a:rPr lang="en-US" dirty="0"/>
               <a:pPr/>
-              <a:t>‹#›</a:t>
+              <a:t>‹Nr.›</a:t>
             </a:fld>
             <a:endParaRPr lang="en-US" dirty="0"/>
           </a:p>
@@ -12381,7 +12381,7 @@
           <a:ln/>
           <a:extLst>
             <a:ext uri="{91240B29-F687-4f45-9708-019B960494DF}">
-              <a14:hiddenLine xmlns:a14="http://schemas.microsoft.com/office/drawing/2010/main" xmlns="" w="9525">
+              <a14:hiddenLine xmlns="" xmlns:a14="http://schemas.microsoft.com/office/drawing/2010/main" w="9525">
                 <a:solidFill>
                   <a:srgbClr val="000000"/>
                 </a:solidFill>
@@ -12566,7 +12566,7 @@
             <a:fld id="{57302355-E14B-8545-A8F8-0FE83CC9D524}" type="datetimeFigureOut">
               <a:rPr lang="en-US" dirty="0"/>
               <a:pPr/>
-              <a:t>5/10/2019</a:t>
+              <a:t>5/13/2019</a:t>
             </a:fld>
             <a:endParaRPr lang="en-US" dirty="0"/>
           </a:p>
@@ -12609,7 +12609,7 @@
             <a:fld id="{D57F1E4F-1CFF-5643-939E-217C01CDF565}" type="slidenum">
               <a:rPr lang="en-US" dirty="0"/>
               <a:pPr/>
-              <a:t>‹#›</a:t>
+              <a:t>‹Nr.›</a:t>
             </a:fld>
             <a:endParaRPr lang="en-US" dirty="0"/>
           </a:p>
@@ -12717,7 +12717,7 @@
           <a:ln/>
           <a:extLst>
             <a:ext uri="{91240B29-F687-4f45-9708-019B960494DF}">
-              <a14:hiddenLine xmlns:a14="http://schemas.microsoft.com/office/drawing/2010/main" xmlns="" w="9525">
+              <a14:hiddenLine xmlns="" xmlns:a14="http://schemas.microsoft.com/office/drawing/2010/main" w="9525">
                 <a:solidFill>
                   <a:srgbClr val="000000"/>
                 </a:solidFill>
@@ -13040,7 +13040,7 @@
             <a:fld id="{02640F58-564D-2B4F-AE67-E407BA4FCF45}" type="datetimeFigureOut">
               <a:rPr lang="en-US" dirty="0"/>
               <a:pPr/>
-              <a:t>5/10/2019</a:t>
+              <a:t>5/13/2019</a:t>
             </a:fld>
             <a:endParaRPr lang="en-US" dirty="0"/>
           </a:p>
@@ -13083,7 +13083,7 @@
             <a:fld id="{D57F1E4F-1CFF-5643-939E-217C01CDF565}" type="slidenum">
               <a:rPr lang="en-US" dirty="0"/>
               <a:pPr/>
-              <a:t>‹#›</a:t>
+              <a:t>‹Nr.›</a:t>
             </a:fld>
             <a:endParaRPr lang="en-US" dirty="0"/>
           </a:p>
@@ -13191,7 +13191,7 @@
           <a:ln/>
           <a:extLst>
             <a:ext uri="{91240B29-F687-4f45-9708-019B960494DF}">
-              <a14:hiddenLine xmlns:a14="http://schemas.microsoft.com/office/drawing/2010/main" xmlns="" w="9525">
+              <a14:hiddenLine xmlns="" xmlns:a14="http://schemas.microsoft.com/office/drawing/2010/main" w="9525">
                 <a:solidFill>
                   <a:srgbClr val="000000"/>
                 </a:solidFill>
@@ -13258,7 +13258,7 @@
             <a:fld id="{F13A34C8-038E-2045-AF43-DF7DBB8E0E9E}" type="datetimeFigureOut">
               <a:rPr lang="en-US" dirty="0"/>
               <a:pPr/>
-              <a:t>5/10/2019</a:t>
+              <a:t>5/13/2019</a:t>
             </a:fld>
             <a:endParaRPr lang="en-US" dirty="0"/>
           </a:p>
@@ -13301,7 +13301,7 @@
             <a:fld id="{D57F1E4F-1CFF-5643-939E-217C01CDF565}" type="slidenum">
               <a:rPr lang="en-US" dirty="0"/>
               <a:pPr/>
-              <a:t>‹#›</a:t>
+              <a:t>‹Nr.›</a:t>
             </a:fld>
             <a:endParaRPr lang="en-US" dirty="0"/>
           </a:p>
@@ -13350,7 +13350,7 @@
             <a:fld id="{8818C68F-D26B-8F47-958C-23B49CF8A634}" type="datetimeFigureOut">
               <a:rPr lang="en-US" dirty="0"/>
               <a:pPr/>
-              <a:t>5/10/2019</a:t>
+              <a:t>5/13/2019</a:t>
             </a:fld>
             <a:endParaRPr lang="en-US" dirty="0"/>
           </a:p>
@@ -13393,7 +13393,7 @@
             <a:fld id="{D57F1E4F-1CFF-5643-939E-217C01CDF565}" type="slidenum">
               <a:rPr lang="en-US" dirty="0"/>
               <a:pPr/>
-              <a:t>‹#›</a:t>
+              <a:t>‹Nr.›</a:t>
             </a:fld>
             <a:endParaRPr lang="en-US" dirty="0"/>
           </a:p>
@@ -13614,7 +13614,7 @@
           <a:ln/>
           <a:extLst>
             <a:ext uri="{91240B29-F687-4f45-9708-019B960494DF}">
-              <a14:hiddenLine xmlns:a14="http://schemas.microsoft.com/office/drawing/2010/main" xmlns="" w="9525">
+              <a14:hiddenLine xmlns="" xmlns:a14="http://schemas.microsoft.com/office/drawing/2010/main" w="9525">
                 <a:solidFill>
                   <a:srgbClr val="000000"/>
                 </a:solidFill>
@@ -13814,7 +13814,7 @@
             <a:fld id="{D0DF5E60-9974-AC48-9591-99C2BB44B7CF}" type="datetimeFigureOut">
               <a:rPr lang="en-US" dirty="0"/>
               <a:pPr/>
-              <a:t>5/10/2019</a:t>
+              <a:t>5/13/2019</a:t>
             </a:fld>
             <a:endParaRPr lang="en-US" dirty="0"/>
           </a:p>
@@ -13857,7 +13857,7 @@
             <a:fld id="{D57F1E4F-1CFF-5643-939E-217C01CDF565}" type="slidenum">
               <a:rPr lang="en-US" dirty="0"/>
               <a:pPr/>
-              <a:t>‹#›</a:t>
+              <a:t>‹Nr.›</a:t>
             </a:fld>
             <a:endParaRPr lang="en-US" dirty="0"/>
           </a:p>
@@ -14074,7 +14074,7 @@
             <a:fld id="{09B482E8-6E0E-1B4F-B1FD-C69DB9E858D9}" type="datetimeFigureOut">
               <a:rPr lang="en-US" dirty="0"/>
               <a:pPr/>
-              <a:t>5/10/2019</a:t>
+              <a:t>5/13/2019</a:t>
             </a:fld>
             <a:endParaRPr lang="en-US" dirty="0"/>
           </a:p>
@@ -14114,7 +14114,7 @@
             <a:fld id="{D57F1E4F-1CFF-5643-939E-217C01CDF565}" type="slidenum">
               <a:rPr lang="en-US" dirty="0"/>
               <a:pPr/>
-              <a:t>‹#›</a:t>
+              <a:t>‹Nr.›</a:t>
             </a:fld>
             <a:endParaRPr lang="en-US" dirty="0"/>
           </a:p>
@@ -15078,7 +15078,7 @@
           <a:effectLst/>
           <a:extLst>
             <a:ext uri="{91240B29-F687-4f45-9708-019B960494DF}">
-              <a14:hiddenLine xmlns="" xmlns:a14="http://schemas.microsoft.com/office/drawing/2010/main" xmlns:p14="http://schemas.microsoft.com/office/powerpoint/2010/main" xmlns:a16="http://schemas.microsoft.com/office/drawing/2014/main" w="9525">
+              <a14:hiddenLine xmlns:a16="http://schemas.microsoft.com/office/drawing/2014/main" xmlns:p14="http://schemas.microsoft.com/office/powerpoint/2010/main" xmlns:a14="http://schemas.microsoft.com/office/drawing/2010/main" xmlns="" w="9525">
                 <a:solidFill>
                   <a:srgbClr val="000000"/>
                 </a:solidFill>
@@ -16751,7 +16751,7 @@
           <a:effectLst/>
           <a:extLst>
             <a:ext uri="{91240B29-F687-4f45-9708-019B960494DF}">
-              <a14:hiddenLine xmlns="" xmlns:a14="http://schemas.microsoft.com/office/drawing/2010/main" xmlns:p14="http://schemas.microsoft.com/office/powerpoint/2010/main" xmlns:a16="http://schemas.microsoft.com/office/drawing/2014/main" w="9525">
+              <a14:hiddenLine xmlns:a16="http://schemas.microsoft.com/office/drawing/2014/main" xmlns:p14="http://schemas.microsoft.com/office/powerpoint/2010/main" xmlns:a14="http://schemas.microsoft.com/office/drawing/2010/main" xmlns="" w="9525">
                 <a:solidFill>
                   <a:srgbClr val="000000"/>
                 </a:solidFill>
@@ -17336,7 +17336,7 @@
           <a:effectLst/>
           <a:extLst>
             <a:ext uri="{91240B29-F687-4f45-9708-019B960494DF}">
-              <a14:hiddenLine xmlns="" xmlns:a14="http://schemas.microsoft.com/office/drawing/2010/main" xmlns:p14="http://schemas.microsoft.com/office/powerpoint/2010/main" xmlns:a16="http://schemas.microsoft.com/office/drawing/2014/main" w="9525">
+              <a14:hiddenLine xmlns:a16="http://schemas.microsoft.com/office/drawing/2014/main" xmlns:p14="http://schemas.microsoft.com/office/powerpoint/2010/main" xmlns:a14="http://schemas.microsoft.com/office/drawing/2010/main" xmlns="" w="9525">
                 <a:solidFill>
                   <a:srgbClr val="000000"/>
                 </a:solidFill>
@@ -18912,7 +18912,7 @@
           <a:effectLst/>
           <a:extLst>
             <a:ext uri="{91240B29-F687-4f45-9708-019B960494DF}">
-              <a14:hiddenLine xmlns="" xmlns:a14="http://schemas.microsoft.com/office/drawing/2010/main" xmlns:p14="http://schemas.microsoft.com/office/powerpoint/2010/main" xmlns:a16="http://schemas.microsoft.com/office/drawing/2014/main" w="9525">
+              <a14:hiddenLine xmlns:a16="http://schemas.microsoft.com/office/drawing/2014/main" xmlns:p14="http://schemas.microsoft.com/office/powerpoint/2010/main" xmlns:a14="http://schemas.microsoft.com/office/drawing/2010/main" xmlns="" w="9525">
                 <a:solidFill>
                   <a:srgbClr val="000000"/>
                 </a:solidFill>
@@ -20036,7 +20036,7 @@
           <a:effectLst/>
           <a:extLst>
             <a:ext uri="{91240B29-F687-4f45-9708-019B960494DF}">
-              <a14:hiddenLine xmlns="" xmlns:a14="http://schemas.microsoft.com/office/drawing/2010/main" xmlns:p14="http://schemas.microsoft.com/office/powerpoint/2010/main" xmlns:a16="http://schemas.microsoft.com/office/drawing/2014/main" w="9525">
+              <a14:hiddenLine xmlns:a16="http://schemas.microsoft.com/office/drawing/2014/main" xmlns:p14="http://schemas.microsoft.com/office/powerpoint/2010/main" xmlns:a14="http://schemas.microsoft.com/office/drawing/2010/main" xmlns="" w="9525">
                 <a:solidFill>
                   <a:srgbClr val="000000"/>
                 </a:solidFill>
@@ -20543,7 +20543,7 @@
           <a:effectLst/>
           <a:extLst>
             <a:ext uri="{91240B29-F687-4f45-9708-019B960494DF}">
-              <a14:hiddenLine xmlns="" xmlns:a14="http://schemas.microsoft.com/office/drawing/2010/main" xmlns:p14="http://schemas.microsoft.com/office/powerpoint/2010/main" xmlns:a16="http://schemas.microsoft.com/office/drawing/2014/main" w="9525">
+              <a14:hiddenLine xmlns:a16="http://schemas.microsoft.com/office/drawing/2014/main" xmlns:p14="http://schemas.microsoft.com/office/powerpoint/2010/main" xmlns:a14="http://schemas.microsoft.com/office/drawing/2010/main" xmlns="" w="9525">
                 <a:solidFill>
                   <a:srgbClr val="000000"/>
                 </a:solidFill>
